--- a/ClassMaterials/Interfaces/Slides/Interfaces.pptx
+++ b/ClassMaterials/Interfaces/Slides/Interfaces.pptx
@@ -296,7 +296,7 @@
               <a:pPr>
                 <a:defRPr/>
               </a:pPr>
-              <a:t>1/10/2018</a:t>
+              <a:t>9/30/2018</a:t>
             </a:fld>
             <a:endParaRPr lang="en-US"/>
           </a:p>
@@ -531,7 +531,7 @@
               <a:pPr>
                 <a:defRPr/>
               </a:pPr>
-              <a:t>1/10/2018</a:t>
+              <a:t>9/30/2018</a:t>
             </a:fld>
             <a:endParaRPr lang="en-US"/>
           </a:p>
@@ -607,39 +607,37 @@
           <a:p>
             <a:pPr lvl="0"/>
             <a:r>
-              <a:rPr lang="en-US" noProof="0" smtClean="0"/>
+              <a:rPr lang="en-US" noProof="0"/>
               <a:t>Click to edit Master text styles</a:t>
             </a:r>
-            <a:endParaRPr lang="en-US" noProof="0"/>
           </a:p>
           <a:p>
             <a:pPr lvl="1"/>
             <a:r>
-              <a:rPr lang="en-US" noProof="0" smtClean="0"/>
+              <a:rPr lang="en-US" noProof="0"/>
               <a:t>Second level</a:t>
             </a:r>
           </a:p>
           <a:p>
             <a:pPr lvl="2"/>
             <a:r>
-              <a:rPr lang="en-US" noProof="0" smtClean="0"/>
+              <a:rPr lang="en-US" noProof="0"/>
               <a:t>Third level</a:t>
             </a:r>
           </a:p>
           <a:p>
             <a:pPr lvl="3"/>
             <a:r>
-              <a:rPr lang="en-US" noProof="0" smtClean="0"/>
+              <a:rPr lang="en-US" noProof="0"/>
               <a:t>Fourth level</a:t>
             </a:r>
           </a:p>
           <a:p>
             <a:pPr lvl="4"/>
             <a:r>
-              <a:rPr lang="en-US" noProof="0" smtClean="0"/>
+              <a:rPr lang="en-US" noProof="0"/>
               <a:t>Fifth level</a:t>
             </a:r>
-            <a:endParaRPr lang="en-US" noProof="0"/>
           </a:p>
         </p:txBody>
       </p:sp>
@@ -916,7 +914,7 @@
           </a:ln>
           <a:extLst>
             <a:ext uri="{909E8E84-426E-40dd-AFC4-6F175D3DCCD1}">
-              <a14:hiddenFill xmlns="" xmlns:a14="http://schemas.microsoft.com/office/drawing/2010/main">
+              <a14:hiddenFill xmlns:a14="http://schemas.microsoft.com/office/drawing/2010/main" xmlns="">
                 <a:solidFill>
                   <a:srgbClr val="FFFFFF"/>
                 </a:solidFill>
@@ -940,14 +938,14 @@
           <a:ln/>
           <a:extLst>
             <a:ext uri="{909E8E84-426E-40dd-AFC4-6F175D3DCCD1}">
-              <a14:hiddenFill xmlns="" xmlns:a14="http://schemas.microsoft.com/office/drawing/2010/main">
+              <a14:hiddenFill xmlns:a14="http://schemas.microsoft.com/office/drawing/2010/main" xmlns="">
                 <a:solidFill>
                   <a:srgbClr val="FFFFFF"/>
                 </a:solidFill>
               </a14:hiddenFill>
             </a:ext>
             <a:ext uri="{91240B29-F687-4f45-9708-019B960494DF}">
-              <a14:hiddenLine xmlns="" xmlns:a14="http://schemas.microsoft.com/office/drawing/2010/main" w="9525">
+              <a14:hiddenLine xmlns:a14="http://schemas.microsoft.com/office/drawing/2010/main" xmlns="" w="9525">
                 <a:solidFill>
                   <a:srgbClr val="000000"/>
                 </a:solidFill>
@@ -968,15 +966,15 @@
               </a:spcBef>
             </a:pPr>
             <a:r>
-              <a:rPr lang="en-US" dirty="0" smtClean="0"/>
+              <a:rPr lang="en-US" dirty="0"/>
               <a:t>Bring print-outs of code from </a:t>
             </a:r>
             <a:r>
-              <a:rPr lang="en-US" dirty="0" err="1" smtClean="0"/>
+              <a:rPr lang="en-US" dirty="0" err="1"/>
               <a:t>InterfacesSolution</a:t>
             </a:r>
             <a:r>
-              <a:rPr lang="en-US" dirty="0" smtClean="0"/>
+              <a:rPr lang="en-US" dirty="0"/>
               <a:t>, </a:t>
             </a:r>
           </a:p>
@@ -987,15 +985,15 @@
               </a:spcBef>
             </a:pPr>
             <a:r>
-              <a:rPr lang="en-US" dirty="0" smtClean="0"/>
+              <a:rPr lang="en-US" dirty="0"/>
               <a:t>Current</a:t>
             </a:r>
             <a:r>
-              <a:rPr lang="en-US" baseline="0" dirty="0" smtClean="0"/>
+              <a:rPr lang="en-US" baseline="0" dirty="0"/>
               <a:t> </a:t>
             </a:r>
             <a:r>
-              <a:rPr lang="en-US" dirty="0" smtClean="0"/>
+              <a:rPr lang="en-US" dirty="0"/>
               <a:t>schedule:</a:t>
             </a:r>
           </a:p>
@@ -1006,11 +1004,11 @@
               </a:spcBef>
             </a:pPr>
             <a:r>
-              <a:rPr lang="en-US" dirty="0" smtClean="0"/>
+              <a:rPr lang="en-US" dirty="0"/>
               <a:t>Tomorrow – reactive GUI programming using</a:t>
             </a:r>
             <a:r>
-              <a:rPr lang="en-US" baseline="0" dirty="0" smtClean="0"/>
+              <a:rPr lang="en-US" baseline="0" dirty="0"/>
               <a:t> interfaces (covered today)</a:t>
             </a:r>
           </a:p>
@@ -1021,7 +1019,7 @@
               </a:spcBef>
             </a:pPr>
             <a:r>
-              <a:rPr lang="en-US" baseline="0" dirty="0" smtClean="0"/>
+              <a:rPr lang="en-US" baseline="0" dirty="0"/>
               <a:t>Next week – extend to Inheritance</a:t>
             </a:r>
           </a:p>
@@ -1032,10 +1030,10 @@
               </a:spcBef>
             </a:pPr>
             <a:r>
-              <a:rPr lang="en-US" baseline="0" dirty="0" smtClean="0"/>
+              <a:rPr lang="en-US" baseline="0" dirty="0"/>
               <a:t>Two weeks to next test</a:t>
             </a:r>
-            <a:endParaRPr lang="en-US" dirty="0" smtClean="0"/>
+            <a:endParaRPr lang="en-US" dirty="0"/>
           </a:p>
           <a:p>
             <a:pPr eaLnBrk="1" hangingPunct="1">
@@ -1044,21 +1042,21 @@
               </a:spcBef>
             </a:pPr>
             <a:r>
-              <a:rPr lang="en-US" dirty="0" smtClean="0"/>
+              <a:rPr lang="en-US" dirty="0"/>
               <a:t>Questions about current recursion assignment? Due tonight</a:t>
             </a:r>
           </a:p>
           <a:p>
             <a:r>
-              <a:rPr lang="en-US" dirty="0" smtClean="0"/>
+              <a:rPr lang="en-US" dirty="0"/>
               <a:t>You can use helper functions if you know how,</a:t>
             </a:r>
             <a:r>
-              <a:rPr lang="en-US" baseline="0" dirty="0" smtClean="0"/>
+              <a:rPr lang="en-US" baseline="0" dirty="0"/>
               <a:t> but not</a:t>
             </a:r>
             <a:r>
-              <a:rPr lang="en-US" dirty="0" smtClean="0"/>
+              <a:rPr lang="en-US" dirty="0"/>
               <a:t> needed for any of the problems</a:t>
             </a:r>
           </a:p>
@@ -1068,7 +1066,7 @@
                 <a:spcPct val="0"/>
               </a:spcBef>
             </a:pPr>
-            <a:endParaRPr lang="en-US" dirty="0" smtClean="0"/>
+            <a:endParaRPr lang="en-US" dirty="0"/>
           </a:p>
           <a:p>
             <a:pPr eaLnBrk="1" hangingPunct="1">
@@ -1076,7 +1074,7 @@
                 <a:spcPct val="0"/>
               </a:spcBef>
             </a:pPr>
-            <a:endParaRPr lang="en-US" dirty="0" smtClean="0"/>
+            <a:endParaRPr lang="en-US" dirty="0"/>
           </a:p>
           <a:p>
             <a:pPr eaLnBrk="1" hangingPunct="1">
@@ -1084,7 +1082,7 @@
                 <a:spcPct val="0"/>
               </a:spcBef>
             </a:pPr>
-            <a:endParaRPr lang="en-US" dirty="0" smtClean="0"/>
+            <a:endParaRPr lang="en-US" dirty="0"/>
           </a:p>
           <a:p>
             <a:pPr eaLnBrk="1" hangingPunct="1">
@@ -1092,7 +1090,7 @@
                 <a:spcPct val="0"/>
               </a:spcBef>
             </a:pPr>
-            <a:endParaRPr lang="en-US" dirty="0" smtClean="0"/>
+            <a:endParaRPr lang="en-US" dirty="0"/>
           </a:p>
         </p:txBody>
       </p:sp>
@@ -1111,14 +1109,14 @@
           <a:ln/>
           <a:extLst>
             <a:ext uri="{909E8E84-426E-40dd-AFC4-6F175D3DCCD1}">
-              <a14:hiddenFill xmlns="" xmlns:a14="http://schemas.microsoft.com/office/drawing/2010/main">
+              <a14:hiddenFill xmlns:a14="http://schemas.microsoft.com/office/drawing/2010/main" xmlns="">
                 <a:solidFill>
                   <a:srgbClr val="FFFFFF"/>
                 </a:solidFill>
               </a14:hiddenFill>
             </a:ext>
             <a:ext uri="{91240B29-F687-4f45-9708-019B960494DF}">
-              <a14:hiddenLine xmlns="" xmlns:a14="http://schemas.microsoft.com/office/drawing/2010/main" w="9525">
+              <a14:hiddenLine xmlns:a14="http://schemas.microsoft.com/office/drawing/2010/main" xmlns="" w="9525">
                 <a:solidFill>
                   <a:srgbClr val="000000"/>
                 </a:solidFill>
@@ -1247,7 +1245,7 @@
               <a:pPr eaLnBrk="1" hangingPunct="1"/>
               <a:t>1</a:t>
             </a:fld>
-            <a:endParaRPr lang="en-US" smtClean="0">
+            <a:endParaRPr lang="en-US">
               <a:latin typeface="Calibri" pitchFamily="34" charset="0"/>
             </a:endParaRPr>
           </a:p>
@@ -1311,33 +1309,33 @@
           <a:lstStyle/>
           <a:p>
             <a:r>
-              <a:rPr lang="en-US" dirty="0" smtClean="0"/>
+              <a:rPr lang="en-US" dirty="0"/>
               <a:t>Additional questions to ask students</a:t>
             </a:r>
             <a:r>
-              <a:rPr lang="en-US" baseline="0" dirty="0" smtClean="0"/>
+              <a:rPr lang="en-US" baseline="0" dirty="0"/>
               <a:t> after showing solution:</a:t>
             </a:r>
-            <a:endParaRPr lang="en-US" dirty="0" smtClean="0"/>
-          </a:p>
-          <a:p>
-            <a:endParaRPr lang="en-US" dirty="0" smtClean="0"/>
-          </a:p>
-          <a:p>
-            <a:r>
-              <a:rPr lang="en-US" dirty="0" smtClean="0"/>
+            <a:endParaRPr lang="en-US" dirty="0"/>
+          </a:p>
+          <a:p>
+            <a:endParaRPr lang="en-US" dirty="0"/>
+          </a:p>
+          <a:p>
+            <a:r>
+              <a:rPr lang="en-US" dirty="0"/>
               <a:t>Where is the code located to run the </a:t>
             </a:r>
             <a:r>
-              <a:rPr lang="en-US" dirty="0" err="1" smtClean="0"/>
+              <a:rPr lang="en-US" dirty="0" err="1"/>
               <a:t>readLine</a:t>
             </a:r>
             <a:r>
-              <a:rPr lang="en-US" dirty="0" smtClean="0"/>
+              <a:rPr lang="en-US" dirty="0"/>
               <a:t>() command? (It is still in each</a:t>
             </a:r>
             <a:r>
-              <a:rPr lang="en-US" baseline="0" dirty="0" smtClean="0"/>
+              <a:rPr lang="en-US" baseline="0" dirty="0"/>
               <a:t> of the three Stream classes)</a:t>
             </a:r>
           </a:p>
@@ -1360,52 +1358,52 @@
               <a:defRPr/>
             </a:pPr>
             <a:r>
-              <a:rPr lang="en-US" dirty="0" smtClean="0"/>
+              <a:rPr lang="en-US" dirty="0"/>
               <a:t>What code has actually changed</a:t>
             </a:r>
             <a:r>
-              <a:rPr lang="en-US" baseline="0" dirty="0" smtClean="0"/>
+              <a:rPr lang="en-US" baseline="0" dirty="0"/>
               <a:t> in the </a:t>
             </a:r>
             <a:r>
-              <a:rPr lang="en-US" baseline="0" dirty="0" err="1" smtClean="0"/>
+              <a:rPr lang="en-US" baseline="0" dirty="0" err="1"/>
               <a:t>FileStream</a:t>
             </a:r>
             <a:r>
-              <a:rPr lang="en-US" baseline="0" dirty="0" smtClean="0"/>
+              <a:rPr lang="en-US" baseline="0" dirty="0"/>
               <a:t> class?  (exactly the same except for addition of “implements Stream”  )</a:t>
             </a:r>
-            <a:endParaRPr lang="en-US" dirty="0" smtClean="0"/>
-          </a:p>
-          <a:p>
-            <a:r>
-              <a:rPr lang="en-US" dirty="0" smtClean="0"/>
+            <a:endParaRPr lang="en-US" dirty="0"/>
+          </a:p>
+          <a:p>
+            <a:r>
+              <a:rPr lang="en-US" dirty="0"/>
               <a:t>Where</a:t>
             </a:r>
             <a:r>
-              <a:rPr lang="en-US" baseline="0" dirty="0" smtClean="0"/>
+              <a:rPr lang="en-US" baseline="0" dirty="0"/>
               <a:t> would the code change the most? (other than adding the “implements Stream” mostly in Image)</a:t>
             </a:r>
           </a:p>
           <a:p>
             <a:r>
-              <a:rPr lang="en-US" baseline="0" dirty="0" smtClean="0"/>
+              <a:rPr lang="en-US" baseline="0" dirty="0"/>
               <a:t>Where was duplicate code removed? (in Image, no longer three different methods requiring some kind of loop (while (!</a:t>
             </a:r>
             <a:r>
-              <a:rPr lang="en-US" baseline="0" dirty="0" err="1" smtClean="0"/>
+              <a:rPr lang="en-US" baseline="0" dirty="0" err="1"/>
               <a:t>s.isFinished</a:t>
             </a:r>
             <a:r>
-              <a:rPr lang="en-US" baseline="0" dirty="0" smtClean="0"/>
+              <a:rPr lang="en-US" baseline="0" dirty="0"/>
               <a:t>) { </a:t>
             </a:r>
             <a:r>
-              <a:rPr lang="en-US" baseline="0" dirty="0" err="1" smtClean="0"/>
+              <a:rPr lang="en-US" baseline="0" dirty="0" err="1"/>
               <a:t>s.readLine</a:t>
             </a:r>
             <a:r>
-              <a:rPr lang="en-US" baseline="0" dirty="0" smtClean="0"/>
+              <a:rPr lang="en-US" baseline="0" dirty="0"/>
               <a:t>(); } ))</a:t>
             </a:r>
             <a:endParaRPr lang="en-US" dirty="0"/>
@@ -1493,7 +1491,7 @@
           </a:ln>
           <a:extLst>
             <a:ext uri="{909E8E84-426E-40dd-AFC4-6F175D3DCCD1}">
-              <a14:hiddenFill xmlns:a14="http://schemas.microsoft.com/office/drawing/2010/main" xmlns="">
+              <a14:hiddenFill xmlns="" xmlns:a14="http://schemas.microsoft.com/office/drawing/2010/main">
                 <a:solidFill>
                   <a:srgbClr val="FFFFFF"/>
                 </a:solidFill>
@@ -1517,14 +1515,14 @@
           <a:ln/>
           <a:extLst>
             <a:ext uri="{909E8E84-426E-40dd-AFC4-6F175D3DCCD1}">
-              <a14:hiddenFill xmlns:a14="http://schemas.microsoft.com/office/drawing/2010/main" xmlns="">
+              <a14:hiddenFill xmlns="" xmlns:a14="http://schemas.microsoft.com/office/drawing/2010/main">
                 <a:solidFill>
                   <a:srgbClr val="FFFFFF"/>
                 </a:solidFill>
               </a14:hiddenFill>
             </a:ext>
             <a:ext uri="{91240B29-F687-4f45-9708-019B960494DF}">
-              <a14:hiddenLine xmlns:a14="http://schemas.microsoft.com/office/drawing/2010/main" xmlns="" w="9525">
+              <a14:hiddenLine xmlns="" xmlns:a14="http://schemas.microsoft.com/office/drawing/2010/main" w="9525">
                 <a:solidFill>
                   <a:srgbClr val="000000"/>
                 </a:solidFill>
@@ -1544,11 +1542,11 @@
               <a:buNone/>
             </a:pPr>
             <a:r>
-              <a:rPr lang="en-US" dirty="0" smtClean="0"/>
+              <a:rPr lang="en-US" dirty="0"/>
               <a:t>Might be good to draw the Pet,</a:t>
             </a:r>
             <a:r>
-              <a:rPr lang="en-US" baseline="0" dirty="0" smtClean="0"/>
+              <a:rPr lang="en-US" baseline="0" dirty="0"/>
               <a:t> Cat, Dog UML diagram here. </a:t>
             </a:r>
           </a:p>
@@ -1557,14 +1555,14 @@
               <a:buFontTx/>
               <a:buNone/>
             </a:pPr>
-            <a:endParaRPr lang="en-US" baseline="0" dirty="0" smtClean="0"/>
+            <a:endParaRPr lang="en-US" baseline="0" dirty="0"/>
           </a:p>
           <a:p>
             <a:pPr marL="0" indent="0">
               <a:buFontTx/>
               <a:buNone/>
             </a:pPr>
-            <a:endParaRPr lang="en-US" dirty="0" smtClean="0"/>
+            <a:endParaRPr lang="en-US" dirty="0"/>
           </a:p>
         </p:txBody>
       </p:sp>
@@ -1583,14 +1581,14 @@
           <a:ln/>
           <a:extLst>
             <a:ext uri="{909E8E84-426E-40dd-AFC4-6F175D3DCCD1}">
-              <a14:hiddenFill xmlns:a14="http://schemas.microsoft.com/office/drawing/2010/main" xmlns="">
+              <a14:hiddenFill xmlns="" xmlns:a14="http://schemas.microsoft.com/office/drawing/2010/main">
                 <a:solidFill>
                   <a:srgbClr val="FFFFFF"/>
                 </a:solidFill>
               </a14:hiddenFill>
             </a:ext>
             <a:ext uri="{91240B29-F687-4f45-9708-019B960494DF}">
-              <a14:hiddenLine xmlns:a14="http://schemas.microsoft.com/office/drawing/2010/main" xmlns="" w="9525">
+              <a14:hiddenLine xmlns="" xmlns:a14="http://schemas.microsoft.com/office/drawing/2010/main" w="9525">
                 <a:solidFill>
                   <a:srgbClr val="000000"/>
                 </a:solidFill>
@@ -1719,7 +1717,7 @@
               <a:pPr eaLnBrk="1" hangingPunct="1"/>
               <a:t>16</a:t>
             </a:fld>
-            <a:endParaRPr lang="en-US" smtClean="0">
+            <a:endParaRPr lang="en-US">
               <a:latin typeface="Calibri" pitchFamily="34" charset="0"/>
             </a:endParaRPr>
           </a:p>
@@ -1783,33 +1781,33 @@
           <a:lstStyle/>
           <a:p>
             <a:r>
-              <a:rPr lang="en-US" dirty="0" smtClean="0"/>
+              <a:rPr lang="en-US" dirty="0"/>
               <a:t>Leading</a:t>
             </a:r>
             <a:r>
-              <a:rPr lang="en-US" baseline="0" dirty="0" smtClean="0"/>
+              <a:rPr lang="en-US" baseline="0" dirty="0"/>
               <a:t> questions to help:</a:t>
             </a:r>
           </a:p>
           <a:p>
             <a:r>
-              <a:rPr lang="en-US" dirty="0" smtClean="0"/>
+              <a:rPr lang="en-US" dirty="0"/>
               <a:t>What do they all have in common? So what goes</a:t>
             </a:r>
             <a:r>
-              <a:rPr lang="en-US" baseline="0" dirty="0" smtClean="0"/>
+              <a:rPr lang="en-US" baseline="0" dirty="0"/>
               <a:t> in interface?</a:t>
             </a:r>
           </a:p>
           <a:p>
             <a:r>
-              <a:rPr lang="en-US" baseline="0" dirty="0" smtClean="0"/>
+              <a:rPr lang="en-US" baseline="0" dirty="0"/>
               <a:t>What can we do instead of the three feed methods?</a:t>
             </a:r>
-            <a:endParaRPr lang="en-US" dirty="0" smtClean="0"/>
-          </a:p>
-          <a:p>
-            <a:endParaRPr lang="en-US" dirty="0" smtClean="0"/>
+            <a:endParaRPr lang="en-US" dirty="0"/>
+          </a:p>
+          <a:p>
+            <a:endParaRPr lang="en-US" dirty="0"/>
           </a:p>
         </p:txBody>
       </p:sp>
@@ -1900,7 +1898,7 @@
           <a:lstStyle/>
           <a:p>
             <a:r>
-              <a:rPr lang="en-US" dirty="0" smtClean="0"/>
+              <a:rPr lang="en-US" dirty="0"/>
               <a:t>Now that we have developed an interface, let’s implement the changes in code.</a:t>
             </a:r>
           </a:p>
@@ -1993,35 +1991,35 @@
           <a:lstStyle/>
           <a:p>
             <a:r>
-              <a:rPr lang="en-US" dirty="0" smtClean="0"/>
+              <a:rPr lang="en-US" dirty="0"/>
               <a:t>If you find it helpful you can ask:</a:t>
             </a:r>
           </a:p>
           <a:p>
-            <a:endParaRPr lang="en-US" dirty="0" smtClean="0"/>
-          </a:p>
-          <a:p>
-            <a:r>
-              <a:rPr lang="en-US" dirty="0" smtClean="0"/>
+            <a:endParaRPr lang="en-US" dirty="0"/>
+          </a:p>
+          <a:p>
+            <a:r>
+              <a:rPr lang="en-US" dirty="0"/>
               <a:t>If I run</a:t>
             </a:r>
             <a:r>
-              <a:rPr lang="en-US" baseline="0" dirty="0" smtClean="0"/>
+              <a:rPr lang="en-US" baseline="0" dirty="0"/>
               <a:t> “Pet p = new Dog();”</a:t>
             </a:r>
           </a:p>
           <a:p>
             <a:r>
-              <a:rPr lang="en-US" baseline="0" dirty="0" smtClean="0"/>
+              <a:rPr lang="en-US" baseline="0" dirty="0"/>
               <a:t>What is the type?  (confusion… Both?) </a:t>
             </a:r>
           </a:p>
           <a:p>
-            <a:endParaRPr lang="en-US" dirty="0" smtClean="0"/>
-          </a:p>
-          <a:p>
-            <a:r>
-              <a:rPr lang="en-US" dirty="0" smtClean="0"/>
+            <a:endParaRPr lang="en-US" dirty="0"/>
+          </a:p>
+          <a:p>
+            <a:r>
+              <a:rPr lang="en-US" dirty="0"/>
               <a:t>There is a declared (Pet) and actual (Dog) type.</a:t>
             </a:r>
           </a:p>
@@ -2111,7 +2109,7 @@
           </a:ln>
           <a:extLst>
             <a:ext uri="{909E8E84-426E-40dd-AFC4-6F175D3DCCD1}">
-              <a14:hiddenFill xmlns:a14="http://schemas.microsoft.com/office/drawing/2010/main" xmlns="">
+              <a14:hiddenFill xmlns="" xmlns:a14="http://schemas.microsoft.com/office/drawing/2010/main">
                 <a:solidFill>
                   <a:srgbClr val="FFFFFF"/>
                 </a:solidFill>
@@ -2135,14 +2133,14 @@
           <a:ln/>
           <a:extLst>
             <a:ext uri="{909E8E84-426E-40dd-AFC4-6F175D3DCCD1}">
-              <a14:hiddenFill xmlns:a14="http://schemas.microsoft.com/office/drawing/2010/main" xmlns="">
+              <a14:hiddenFill xmlns="" xmlns:a14="http://schemas.microsoft.com/office/drawing/2010/main">
                 <a:solidFill>
                   <a:srgbClr val="FFFFFF"/>
                 </a:solidFill>
               </a14:hiddenFill>
             </a:ext>
             <a:ext uri="{91240B29-F687-4f45-9708-019B960494DF}">
-              <a14:hiddenLine xmlns:a14="http://schemas.microsoft.com/office/drawing/2010/main" xmlns="" w="9525">
+              <a14:hiddenLine xmlns="" xmlns:a14="http://schemas.microsoft.com/office/drawing/2010/main" w="9525">
                 <a:solidFill>
                   <a:srgbClr val="000000"/>
                 </a:solidFill>
@@ -2158,23 +2156,23 @@
           <a:lstStyle/>
           <a:p>
             <a:r>
-              <a:rPr lang="en-US" dirty="0" smtClean="0"/>
+              <a:rPr lang="en-US" dirty="0"/>
               <a:t>[Skipped </a:t>
             </a:r>
             <a:r>
-              <a:rPr lang="en-US" dirty="0" err="1" smtClean="0"/>
+              <a:rPr lang="en-US" dirty="0" err="1"/>
               <a:t>downcasting</a:t>
             </a:r>
             <a:r>
-              <a:rPr lang="en-US" dirty="0" smtClean="0"/>
+              <a:rPr lang="en-US" dirty="0"/>
               <a:t> from interface types to class types.  Better to make interface type general enough.  We’ll cover </a:t>
             </a:r>
             <a:r>
-              <a:rPr lang="en-US" dirty="0" err="1" smtClean="0"/>
+              <a:rPr lang="en-US" dirty="0" err="1"/>
               <a:t>downcasts</a:t>
             </a:r>
             <a:r>
-              <a:rPr lang="en-US" dirty="0" smtClean="0"/>
+              <a:rPr lang="en-US" dirty="0"/>
               <a:t> with inheritance.]</a:t>
             </a:r>
           </a:p>
@@ -2195,14 +2193,14 @@
           <a:ln/>
           <a:extLst>
             <a:ext uri="{909E8E84-426E-40dd-AFC4-6F175D3DCCD1}">
-              <a14:hiddenFill xmlns:a14="http://schemas.microsoft.com/office/drawing/2010/main" xmlns="">
+              <a14:hiddenFill xmlns="" xmlns:a14="http://schemas.microsoft.com/office/drawing/2010/main">
                 <a:solidFill>
                   <a:srgbClr val="FFFFFF"/>
                 </a:solidFill>
               </a14:hiddenFill>
             </a:ext>
             <a:ext uri="{91240B29-F687-4f45-9708-019B960494DF}">
-              <a14:hiddenLine xmlns:a14="http://schemas.microsoft.com/office/drawing/2010/main" xmlns="" w="9525">
+              <a14:hiddenLine xmlns="" xmlns:a14="http://schemas.microsoft.com/office/drawing/2010/main" w="9525">
                 <a:solidFill>
                   <a:srgbClr val="000000"/>
                 </a:solidFill>
@@ -2331,7 +2329,7 @@
               <a:pPr eaLnBrk="1" hangingPunct="1"/>
               <a:t>21</a:t>
             </a:fld>
-            <a:endParaRPr lang="en-US" smtClean="0">
+            <a:endParaRPr lang="en-US">
               <a:latin typeface="Calibri" pitchFamily="34" charset="0"/>
             </a:endParaRPr>
           </a:p>
@@ -2485,20 +2483,20 @@
           <a:lstStyle/>
           <a:p>
             <a:r>
-              <a:rPr lang="en-US" dirty="0" smtClean="0"/>
+              <a:rPr lang="en-US" dirty="0"/>
               <a:t>Talk about Vehicle interface as concept.</a:t>
             </a:r>
           </a:p>
           <a:p>
-            <a:endParaRPr lang="en-US" dirty="0" smtClean="0"/>
-          </a:p>
-          <a:p>
-            <a:r>
-              <a:rPr lang="en-US" dirty="0" smtClean="0"/>
+            <a:endParaRPr lang="en-US" dirty="0"/>
+          </a:p>
+          <a:p>
+            <a:r>
+              <a:rPr lang="en-US" dirty="0"/>
               <a:t>Do</a:t>
             </a:r>
             <a:r>
-              <a:rPr lang="en-US" baseline="0" dirty="0" smtClean="0"/>
+              <a:rPr lang="en-US" baseline="0" dirty="0"/>
               <a:t> simple example now.</a:t>
             </a:r>
             <a:endParaRPr lang="en-US" dirty="0"/>
@@ -2586,7 +2584,7 @@
           </a:ln>
           <a:extLst>
             <a:ext uri="{909E8E84-426E-40dd-AFC4-6F175D3DCCD1}">
-              <a14:hiddenFill xmlns="" xmlns:a14="http://schemas.microsoft.com/office/drawing/2010/main">
+              <a14:hiddenFill xmlns:a14="http://schemas.microsoft.com/office/drawing/2010/main" xmlns="">
                 <a:solidFill>
                   <a:srgbClr val="FFFFFF"/>
                 </a:solidFill>
@@ -2610,14 +2608,14 @@
           <a:ln/>
           <a:extLst>
             <a:ext uri="{909E8E84-426E-40dd-AFC4-6F175D3DCCD1}">
-              <a14:hiddenFill xmlns="" xmlns:a14="http://schemas.microsoft.com/office/drawing/2010/main">
+              <a14:hiddenFill xmlns:a14="http://schemas.microsoft.com/office/drawing/2010/main" xmlns="">
                 <a:solidFill>
                   <a:srgbClr val="FFFFFF"/>
                 </a:solidFill>
               </a14:hiddenFill>
             </a:ext>
             <a:ext uri="{91240B29-F687-4f45-9708-019B960494DF}">
-              <a14:hiddenLine xmlns="" xmlns:a14="http://schemas.microsoft.com/office/drawing/2010/main" w="9525">
+              <a14:hiddenLine xmlns:a14="http://schemas.microsoft.com/office/drawing/2010/main" xmlns="" w="9525">
                 <a:solidFill>
                   <a:srgbClr val="000000"/>
                 </a:solidFill>
@@ -2637,7 +2635,7 @@
               <a:buChar char="-"/>
             </a:pPr>
             <a:r>
-              <a:rPr lang="en-US" dirty="0" smtClean="0"/>
+              <a:rPr lang="en-US" dirty="0"/>
               <a:t>callouts animated</a:t>
             </a:r>
           </a:p>
@@ -2646,7 +2644,7 @@
               <a:buFontTx/>
               <a:buChar char="-"/>
             </a:pPr>
-            <a:endParaRPr lang="en-US" dirty="0" smtClean="0"/>
+            <a:endParaRPr lang="en-US" dirty="0"/>
           </a:p>
           <a:p>
             <a:pPr marL="165261" indent="-165261">
@@ -2654,15 +2652,15 @@
               <a:buChar char="-"/>
             </a:pPr>
             <a:r>
-              <a:rPr lang="en-US" dirty="0" smtClean="0"/>
+              <a:rPr lang="en-US" dirty="0"/>
               <a:t>201710: have them study and do the </a:t>
             </a:r>
             <a:r>
-              <a:rPr lang="en-US" dirty="0" err="1" smtClean="0"/>
+              <a:rPr lang="en-US" dirty="0" err="1"/>
               <a:t>numberSequence</a:t>
             </a:r>
             <a:r>
-              <a:rPr lang="en-US" dirty="0" smtClean="0"/>
+              <a:rPr lang="en-US" dirty="0"/>
               <a:t> example. They don’t need to write all 3, just enough to get the feel for it.</a:t>
             </a:r>
           </a:p>
@@ -2671,7 +2669,7 @@
               <a:buFontTx/>
               <a:buChar char="-"/>
             </a:pPr>
-            <a:endParaRPr lang="en-US" dirty="0" smtClean="0"/>
+            <a:endParaRPr lang="en-US" dirty="0"/>
           </a:p>
           <a:p>
             <a:pPr marL="165261" indent="-165261">
@@ -2679,7 +2677,7 @@
               <a:buChar char="-"/>
             </a:pPr>
             <a:r>
-              <a:rPr lang="en-US" dirty="0" smtClean="0"/>
+              <a:rPr lang="en-US" dirty="0"/>
               <a:t>Old:</a:t>
             </a:r>
           </a:p>
@@ -2689,19 +2687,19 @@
               <a:buChar char="-"/>
             </a:pPr>
             <a:r>
-              <a:rPr lang="en-US" dirty="0" smtClean="0"/>
+              <a:rPr lang="en-US" dirty="0"/>
               <a:t>Ask</a:t>
             </a:r>
             <a:r>
-              <a:rPr lang="en-US" baseline="0" dirty="0" smtClean="0"/>
+              <a:rPr lang="en-US" baseline="0" dirty="0"/>
               <a:t> students to use this information to create a Function interface in the </a:t>
             </a:r>
             <a:r>
-              <a:rPr lang="en-US" baseline="0" dirty="0" err="1" smtClean="0"/>
+              <a:rPr lang="en-US" baseline="0" dirty="0" err="1"/>
               <a:t>textCalculator</a:t>
             </a:r>
             <a:r>
-              <a:rPr lang="en-US" baseline="0" dirty="0" smtClean="0"/>
+              <a:rPr lang="en-US" baseline="0" dirty="0"/>
               <a:t> project that fixes the errors in the code.</a:t>
             </a:r>
           </a:p>
@@ -2711,10 +2709,10 @@
               <a:buChar char="-"/>
             </a:pPr>
             <a:r>
-              <a:rPr lang="en-US" baseline="0" dirty="0" smtClean="0"/>
+              <a:rPr lang="en-US" baseline="0" dirty="0"/>
               <a:t>Once they’ve done that, they should implement the add and multiply classes that implement the Function interface.</a:t>
             </a:r>
-            <a:endParaRPr lang="en-US" dirty="0" smtClean="0"/>
+            <a:endParaRPr lang="en-US" dirty="0"/>
           </a:p>
         </p:txBody>
       </p:sp>
@@ -2733,14 +2731,14 @@
           <a:ln/>
           <a:extLst>
             <a:ext uri="{909E8E84-426E-40dd-AFC4-6F175D3DCCD1}">
-              <a14:hiddenFill xmlns="" xmlns:a14="http://schemas.microsoft.com/office/drawing/2010/main">
+              <a14:hiddenFill xmlns:a14="http://schemas.microsoft.com/office/drawing/2010/main" xmlns="">
                 <a:solidFill>
                   <a:srgbClr val="FFFFFF"/>
                 </a:solidFill>
               </a14:hiddenFill>
             </a:ext>
             <a:ext uri="{91240B29-F687-4f45-9708-019B960494DF}">
-              <a14:hiddenLine xmlns="" xmlns:a14="http://schemas.microsoft.com/office/drawing/2010/main" w="9525">
+              <a14:hiddenLine xmlns:a14="http://schemas.microsoft.com/office/drawing/2010/main" xmlns="" w="9525">
                 <a:solidFill>
                   <a:srgbClr val="000000"/>
                 </a:solidFill>
@@ -2869,7 +2867,7 @@
               <a:pPr eaLnBrk="1" hangingPunct="1"/>
               <a:t>5</a:t>
             </a:fld>
-            <a:endParaRPr lang="en-US" smtClean="0">
+            <a:endParaRPr lang="en-US">
               <a:latin typeface="Calibri" pitchFamily="34" charset="0"/>
             </a:endParaRPr>
           </a:p>
@@ -2927,7 +2925,7 @@
           </a:ln>
           <a:extLst>
             <a:ext uri="{909E8E84-426E-40dd-AFC4-6F175D3DCCD1}">
-              <a14:hiddenFill xmlns="" xmlns:a14="http://schemas.microsoft.com/office/drawing/2010/main">
+              <a14:hiddenFill xmlns:a14="http://schemas.microsoft.com/office/drawing/2010/main" xmlns="">
                 <a:solidFill>
                   <a:srgbClr val="FFFFFF"/>
                 </a:solidFill>
@@ -2951,14 +2949,14 @@
           <a:ln/>
           <a:extLst>
             <a:ext uri="{909E8E84-426E-40dd-AFC4-6F175D3DCCD1}">
-              <a14:hiddenFill xmlns="" xmlns:a14="http://schemas.microsoft.com/office/drawing/2010/main">
+              <a14:hiddenFill xmlns:a14="http://schemas.microsoft.com/office/drawing/2010/main" xmlns="">
                 <a:solidFill>
                   <a:srgbClr val="FFFFFF"/>
                 </a:solidFill>
               </a14:hiddenFill>
             </a:ext>
             <a:ext uri="{91240B29-F687-4f45-9708-019B960494DF}">
-              <a14:hiddenLine xmlns="" xmlns:a14="http://schemas.microsoft.com/office/drawing/2010/main" w="9525">
+              <a14:hiddenLine xmlns:a14="http://schemas.microsoft.com/office/drawing/2010/main" xmlns="" w="9525">
                 <a:solidFill>
                   <a:srgbClr val="000000"/>
                 </a:solidFill>
@@ -2974,32 +2972,32 @@
           <a:lstStyle/>
           <a:p>
             <a:r>
-              <a:rPr lang="en-US" dirty="0" smtClean="0"/>
+              <a:rPr lang="en-US" dirty="0"/>
               <a:t>QUIZ QUESTION 1</a:t>
             </a:r>
           </a:p>
           <a:p>
-            <a:endParaRPr lang="en-US" dirty="0" smtClean="0"/>
-          </a:p>
-          <a:p>
-            <a:r>
-              <a:rPr lang="en-US" dirty="0" smtClean="0"/>
+            <a:endParaRPr lang="en-US" dirty="0"/>
+          </a:p>
+          <a:p>
+            <a:r>
+              <a:rPr lang="en-US" dirty="0"/>
               <a:t>When thinking</a:t>
             </a:r>
             <a:r>
-              <a:rPr lang="en-US" baseline="0" dirty="0" smtClean="0"/>
+              <a:rPr lang="en-US" baseline="0" dirty="0"/>
               <a:t> about interfaces, I like to give the example of a car:</a:t>
             </a:r>
           </a:p>
           <a:p>
-            <a:endParaRPr lang="en-US" baseline="0" dirty="0" smtClean="0"/>
-          </a:p>
-          <a:p>
-            <a:r>
-              <a:rPr lang="en-US" baseline="0" dirty="0" smtClean="0"/>
+            <a:endParaRPr lang="en-US" baseline="0" dirty="0"/>
+          </a:p>
+          <a:p>
+            <a:r>
+              <a:rPr lang="en-US" baseline="0" dirty="0"/>
               <a:t>I don’t care if it’s a truck, car, van, electric car, etc. When I get in a new car (or rental car, or friend’s car, etc.) … I know that the car will have the same “interface” for me to interact with. I’ll always have a brake and accelerator, a steering wheel, etc. I don’t need to know how the car works or how it’s different from another car, I just need to know how to use the interface.</a:t>
             </a:r>
-            <a:endParaRPr lang="en-US" dirty="0" smtClean="0"/>
+            <a:endParaRPr lang="en-US" dirty="0"/>
           </a:p>
         </p:txBody>
       </p:sp>
@@ -3018,14 +3016,14 @@
           <a:ln/>
           <a:extLst>
             <a:ext uri="{909E8E84-426E-40dd-AFC4-6F175D3DCCD1}">
-              <a14:hiddenFill xmlns="" xmlns:a14="http://schemas.microsoft.com/office/drawing/2010/main">
+              <a14:hiddenFill xmlns:a14="http://schemas.microsoft.com/office/drawing/2010/main" xmlns="">
                 <a:solidFill>
                   <a:srgbClr val="FFFFFF"/>
                 </a:solidFill>
               </a14:hiddenFill>
             </a:ext>
             <a:ext uri="{91240B29-F687-4f45-9708-019B960494DF}">
-              <a14:hiddenLine xmlns="" xmlns:a14="http://schemas.microsoft.com/office/drawing/2010/main" w="9525">
+              <a14:hiddenLine xmlns:a14="http://schemas.microsoft.com/office/drawing/2010/main" xmlns="" w="9525">
                 <a:solidFill>
                   <a:srgbClr val="000000"/>
                 </a:solidFill>
@@ -3154,7 +3152,7 @@
               <a:pPr eaLnBrk="1" hangingPunct="1"/>
               <a:t>6</a:t>
             </a:fld>
-            <a:endParaRPr lang="en-US" smtClean="0">
+            <a:endParaRPr lang="en-US">
               <a:latin typeface="Calibri" pitchFamily="34" charset="0"/>
             </a:endParaRPr>
           </a:p>
@@ -3218,44 +3216,43 @@
           <a:lstStyle/>
           <a:p>
             <a:r>
-              <a:rPr lang="en-US" dirty="0" smtClean="0"/>
+              <a:rPr lang="en-US" dirty="0"/>
               <a:t>Name is an </a:t>
             </a:r>
             <a:r>
-              <a:rPr lang="en-US" b="1" dirty="0" smtClean="0"/>
+              <a:rPr lang="en-US" b="1" dirty="0"/>
               <a:t>implementation detail</a:t>
             </a:r>
             <a:r>
-              <a:rPr lang="en-US" dirty="0" smtClean="0"/>
+              <a:rPr lang="en-US" dirty="0"/>
               <a:t>.</a:t>
             </a:r>
           </a:p>
           <a:p>
             <a:r>
-              <a:rPr lang="en-US" dirty="0" smtClean="0"/>
+              <a:rPr lang="en-US" dirty="0"/>
               <a:t>It was needed to construct the Pet, not to </a:t>
             </a:r>
             <a:r>
-              <a:rPr lang="en-US" b="1" dirty="0" smtClean="0"/>
+              <a:rPr lang="en-US" b="1" dirty="0"/>
               <a:t>use </a:t>
             </a:r>
             <a:r>
-              <a:rPr lang="en-US" dirty="0" smtClean="0"/>
+              <a:rPr lang="en-US" dirty="0"/>
               <a:t>it.</a:t>
             </a:r>
           </a:p>
           <a:p>
             <a:r>
-              <a:rPr lang="en-US" dirty="0" smtClean="0"/>
+              <a:rPr lang="en-US" dirty="0"/>
               <a:t>Interfaces only describe how things are used, not how they are created.</a:t>
             </a:r>
           </a:p>
           <a:p>
             <a:r>
-              <a:rPr lang="en-US" dirty="0" smtClean="0"/>
+              <a:rPr lang="en-US" dirty="0"/>
               <a:t>Implementations, that is: classes that implement interfaces, describe how they are created.</a:t>
             </a:r>
-            <a:endParaRPr lang="en-US" dirty="0"/>
           </a:p>
         </p:txBody>
       </p:sp>
@@ -3340,7 +3337,7 @@
           </a:ln>
           <a:extLst>
             <a:ext uri="{909E8E84-426E-40dd-AFC4-6F175D3DCCD1}">
-              <a14:hiddenFill xmlns="" xmlns:a14="http://schemas.microsoft.com/office/drawing/2010/main">
+              <a14:hiddenFill xmlns:a14="http://schemas.microsoft.com/office/drawing/2010/main" xmlns="">
                 <a:solidFill>
                   <a:srgbClr val="FFFFFF"/>
                 </a:solidFill>
@@ -3364,14 +3361,14 @@
           <a:ln/>
           <a:extLst>
             <a:ext uri="{909E8E84-426E-40dd-AFC4-6F175D3DCCD1}">
-              <a14:hiddenFill xmlns="" xmlns:a14="http://schemas.microsoft.com/office/drawing/2010/main">
+              <a14:hiddenFill xmlns:a14="http://schemas.microsoft.com/office/drawing/2010/main" xmlns="">
                 <a:solidFill>
                   <a:srgbClr val="FFFFFF"/>
                 </a:solidFill>
               </a14:hiddenFill>
             </a:ext>
             <a:ext uri="{91240B29-F687-4f45-9708-019B960494DF}">
-              <a14:hiddenLine xmlns="" xmlns:a14="http://schemas.microsoft.com/office/drawing/2010/main" w="9525">
+              <a14:hiddenLine xmlns:a14="http://schemas.microsoft.com/office/drawing/2010/main" xmlns="" w="9525">
                 <a:solidFill>
                   <a:srgbClr val="000000"/>
                 </a:solidFill>
@@ -3387,7 +3384,7 @@
           <a:lstStyle/>
           <a:p>
             <a:r>
-              <a:rPr lang="en-US" dirty="0" smtClean="0"/>
+              <a:rPr lang="en-US" dirty="0"/>
               <a:t>Draw box-and-pointer diagram</a:t>
             </a:r>
           </a:p>
@@ -3408,14 +3405,14 @@
           <a:ln/>
           <a:extLst>
             <a:ext uri="{909E8E84-426E-40dd-AFC4-6F175D3DCCD1}">
-              <a14:hiddenFill xmlns="" xmlns:a14="http://schemas.microsoft.com/office/drawing/2010/main">
+              <a14:hiddenFill xmlns:a14="http://schemas.microsoft.com/office/drawing/2010/main" xmlns="">
                 <a:solidFill>
                   <a:srgbClr val="FFFFFF"/>
                 </a:solidFill>
               </a14:hiddenFill>
             </a:ext>
             <a:ext uri="{91240B29-F687-4f45-9708-019B960494DF}">
-              <a14:hiddenLine xmlns="" xmlns:a14="http://schemas.microsoft.com/office/drawing/2010/main" w="9525">
+              <a14:hiddenLine xmlns:a14="http://schemas.microsoft.com/office/drawing/2010/main" xmlns="" w="9525">
                 <a:solidFill>
                   <a:srgbClr val="000000"/>
                 </a:solidFill>
@@ -3544,7 +3541,7 @@
               <a:pPr eaLnBrk="1" hangingPunct="1"/>
               <a:t>12</a:t>
             </a:fld>
-            <a:endParaRPr lang="en-US" smtClean="0">
+            <a:endParaRPr lang="en-US">
               <a:latin typeface="Calibri" pitchFamily="34" charset="0"/>
             </a:endParaRPr>
           </a:p>
@@ -3608,44 +3605,44 @@
           <a:lstStyle/>
           <a:p>
             <a:r>
-              <a:rPr lang="en-US" dirty="0" smtClean="0">
+              <a:rPr lang="en-US" dirty="0">
                 <a:sym typeface="Wingdings" panose="05000000000000000000" pitchFamily="2" charset="2"/>
               </a:rPr>
               <a:t>If students</a:t>
             </a:r>
             <a:r>
-              <a:rPr lang="en-US" baseline="0" dirty="0" smtClean="0">
+              <a:rPr lang="en-US" baseline="0" dirty="0">
                 <a:sym typeface="Wingdings" panose="05000000000000000000" pitchFamily="2" charset="2"/>
               </a:rPr>
               <a:t> finish quickly suggest that they add to the Sequence interface</a:t>
             </a:r>
           </a:p>
           <a:p>
-            <a:endParaRPr lang="en-US" baseline="0" dirty="0" smtClean="0">
+            <a:endParaRPr lang="en-US" baseline="0" dirty="0">
               <a:sym typeface="Wingdings" panose="05000000000000000000" pitchFamily="2" charset="2"/>
             </a:endParaRPr>
           </a:p>
           <a:p>
             <a:r>
-              <a:rPr lang="en-US" baseline="0" dirty="0" err="1" smtClean="0">
+              <a:rPr lang="en-US" baseline="0" dirty="0" err="1">
                 <a:sym typeface="Wingdings" panose="05000000000000000000" pitchFamily="2" charset="2"/>
               </a:rPr>
               <a:t>int</a:t>
             </a:r>
             <a:r>
-              <a:rPr lang="en-US" baseline="0" dirty="0" smtClean="0">
+              <a:rPr lang="en-US" baseline="0" dirty="0">
                 <a:sym typeface="Wingdings" panose="05000000000000000000" pitchFamily="2" charset="2"/>
               </a:rPr>
               <a:t> </a:t>
             </a:r>
             <a:r>
-              <a:rPr lang="en-US" baseline="0" dirty="0" err="1" smtClean="0">
+              <a:rPr lang="en-US" baseline="0" dirty="0" err="1">
                 <a:sym typeface="Wingdings" panose="05000000000000000000" pitchFamily="2" charset="2"/>
               </a:rPr>
               <a:t>prevNum</a:t>
             </a:r>
             <a:r>
-              <a:rPr lang="en-US" baseline="0" dirty="0" smtClean="0">
+              <a:rPr lang="en-US" baseline="0" dirty="0">
                 <a:sym typeface="Wingdings" panose="05000000000000000000" pitchFamily="2" charset="2"/>
               </a:rPr>
               <a:t>();</a:t>
@@ -3653,7 +3650,7 @@
           </a:p>
           <a:p>
             <a:r>
-              <a:rPr lang="en-US" dirty="0" smtClean="0">
+              <a:rPr lang="en-US" dirty="0">
                 <a:sym typeface="Wingdings" panose="05000000000000000000" pitchFamily="2" charset="2"/>
               </a:rPr>
               <a:t>and implement it</a:t>
@@ -3661,24 +3658,24 @@
           </a:p>
           <a:p>
             <a:r>
-              <a:rPr lang="en-US" baseline="0" dirty="0" smtClean="0">
+              <a:rPr lang="en-US" baseline="0" dirty="0">
                 <a:sym typeface="Wingdings" panose="05000000000000000000" pitchFamily="2" charset="2"/>
               </a:rPr>
               <a:t>(has interesting functionality if you run Fibonacci in reverse (with two </a:t>
             </a:r>
             <a:r>
-              <a:rPr lang="en-US" baseline="0" dirty="0" err="1" smtClean="0">
+              <a:rPr lang="en-US" baseline="0" dirty="0" err="1">
                 <a:sym typeface="Wingdings" panose="05000000000000000000" pitchFamily="2" charset="2"/>
               </a:rPr>
               <a:t>int</a:t>
             </a:r>
             <a:r>
-              <a:rPr lang="en-US" baseline="0" dirty="0" smtClean="0">
+              <a:rPr lang="en-US" baseline="0" dirty="0">
                 <a:sym typeface="Wingdings" panose="05000000000000000000" pitchFamily="2" charset="2"/>
               </a:rPr>
               <a:t> implementation))</a:t>
             </a:r>
-            <a:endParaRPr lang="en-US" dirty="0" smtClean="0">
+            <a:endParaRPr lang="en-US" dirty="0">
               <a:sym typeface="Wingdings" panose="05000000000000000000" pitchFamily="2" charset="2"/>
             </a:endParaRPr>
           </a:p>
@@ -3774,33 +3771,33 @@
           <a:lstStyle/>
           <a:p>
             <a:r>
-              <a:rPr lang="en-US" dirty="0" smtClean="0"/>
+              <a:rPr lang="en-US" dirty="0"/>
               <a:t>Leading</a:t>
             </a:r>
             <a:r>
-              <a:rPr lang="en-US" baseline="0" dirty="0" smtClean="0"/>
+              <a:rPr lang="en-US" baseline="0" dirty="0"/>
               <a:t> questions to help:</a:t>
             </a:r>
           </a:p>
           <a:p>
             <a:r>
-              <a:rPr lang="en-US" dirty="0" smtClean="0"/>
+              <a:rPr lang="en-US" dirty="0"/>
               <a:t>What do they all have in common? So what goes</a:t>
             </a:r>
             <a:r>
-              <a:rPr lang="en-US" baseline="0" dirty="0" smtClean="0"/>
+              <a:rPr lang="en-US" baseline="0" dirty="0"/>
               <a:t> in interface?</a:t>
             </a:r>
           </a:p>
           <a:p>
             <a:r>
-              <a:rPr lang="en-US" baseline="0" dirty="0" smtClean="0"/>
+              <a:rPr lang="en-US" baseline="0" dirty="0"/>
               <a:t>What can we do instead of the three load methods?</a:t>
             </a:r>
-            <a:endParaRPr lang="en-US" dirty="0" smtClean="0"/>
-          </a:p>
-          <a:p>
-            <a:endParaRPr lang="en-US" dirty="0" smtClean="0"/>
+            <a:endParaRPr lang="en-US" dirty="0"/>
+          </a:p>
+          <a:p>
+            <a:endParaRPr lang="en-US" dirty="0"/>
           </a:p>
         </p:txBody>
       </p:sp>
@@ -3884,10 +3881,9 @@
           <a:lstStyle/>
           <a:p>
             <a:r>
-              <a:rPr lang="en-US" smtClean="0"/>
+              <a:rPr lang="en-US"/>
               <a:t>Click to edit Master title style</a:t>
             </a:r>
-            <a:endParaRPr lang="en-US"/>
           </a:p>
         </p:txBody>
       </p:sp>
@@ -4003,10 +3999,9 @@
           </a:lstStyle>
           <a:p>
             <a:r>
-              <a:rPr lang="en-US" smtClean="0"/>
+              <a:rPr lang="en-US"/>
               <a:t>Click to edit Master subtitle style</a:t>
             </a:r>
-            <a:endParaRPr lang="en-US"/>
           </a:p>
         </p:txBody>
       </p:sp>
@@ -4033,7 +4028,7 @@
               <a:pPr>
                 <a:defRPr/>
               </a:pPr>
-              <a:t>Wednesday, January 10, 2018</a:t>
+              <a:t>Sunday, September 30, 2018</a:t>
             </a:fld>
             <a:endParaRPr lang="en-US" dirty="0"/>
           </a:p>
@@ -4136,10 +4131,9 @@
           <a:lstStyle/>
           <a:p>
             <a:r>
-              <a:rPr lang="en-US" smtClean="0"/>
+              <a:rPr lang="en-US"/>
               <a:t>Click to edit Master title style</a:t>
             </a:r>
-            <a:endParaRPr lang="en-US"/>
           </a:p>
         </p:txBody>
       </p:sp>
@@ -4160,38 +4154,37 @@
           <a:p>
             <a:pPr lvl="0"/>
             <a:r>
-              <a:rPr lang="en-US" smtClean="0"/>
+              <a:rPr lang="en-US"/>
               <a:t>Click to edit Master text styles</a:t>
             </a:r>
           </a:p>
           <a:p>
             <a:pPr lvl="1"/>
             <a:r>
-              <a:rPr lang="en-US" smtClean="0"/>
+              <a:rPr lang="en-US"/>
               <a:t>Second level</a:t>
             </a:r>
           </a:p>
           <a:p>
             <a:pPr lvl="2"/>
             <a:r>
-              <a:rPr lang="en-US" smtClean="0"/>
+              <a:rPr lang="en-US"/>
               <a:t>Third level</a:t>
             </a:r>
           </a:p>
           <a:p>
             <a:pPr lvl="3"/>
             <a:r>
-              <a:rPr lang="en-US" smtClean="0"/>
+              <a:rPr lang="en-US"/>
               <a:t>Fourth level</a:t>
             </a:r>
           </a:p>
           <a:p>
             <a:pPr lvl="4"/>
             <a:r>
-              <a:rPr lang="en-US" smtClean="0"/>
+              <a:rPr lang="en-US"/>
               <a:t>Fifth level</a:t>
             </a:r>
-            <a:endParaRPr lang="en-US"/>
           </a:p>
         </p:txBody>
       </p:sp>
@@ -4218,7 +4211,7 @@
               <a:pPr>
                 <a:defRPr/>
               </a:pPr>
-              <a:t>Wednesday, January 10, 2018</a:t>
+              <a:t>Sunday, September 30, 2018</a:t>
             </a:fld>
             <a:endParaRPr lang="en-US" dirty="0"/>
           </a:p>
@@ -4326,10 +4319,9 @@
           <a:lstStyle/>
           <a:p>
             <a:r>
-              <a:rPr lang="en-US" smtClean="0"/>
+              <a:rPr lang="en-US"/>
               <a:t>Click to edit Master title style</a:t>
             </a:r>
-            <a:endParaRPr lang="en-US"/>
           </a:p>
         </p:txBody>
       </p:sp>
@@ -4355,38 +4347,37 @@
           <a:p>
             <a:pPr lvl="0"/>
             <a:r>
-              <a:rPr lang="en-US" smtClean="0"/>
+              <a:rPr lang="en-US"/>
               <a:t>Click to edit Master text styles</a:t>
             </a:r>
           </a:p>
           <a:p>
             <a:pPr lvl="1"/>
             <a:r>
-              <a:rPr lang="en-US" smtClean="0"/>
+              <a:rPr lang="en-US"/>
               <a:t>Second level</a:t>
             </a:r>
           </a:p>
           <a:p>
             <a:pPr lvl="2"/>
             <a:r>
-              <a:rPr lang="en-US" smtClean="0"/>
+              <a:rPr lang="en-US"/>
               <a:t>Third level</a:t>
             </a:r>
           </a:p>
           <a:p>
             <a:pPr lvl="3"/>
             <a:r>
-              <a:rPr lang="en-US" smtClean="0"/>
+              <a:rPr lang="en-US"/>
               <a:t>Fourth level</a:t>
             </a:r>
           </a:p>
           <a:p>
             <a:pPr lvl="4"/>
             <a:r>
-              <a:rPr lang="en-US" smtClean="0"/>
+              <a:rPr lang="en-US"/>
               <a:t>Fifth level</a:t>
             </a:r>
-            <a:endParaRPr lang="en-US"/>
           </a:p>
         </p:txBody>
       </p:sp>
@@ -4413,7 +4404,7 @@
               <a:pPr>
                 <a:defRPr/>
               </a:pPr>
-              <a:t>Wednesday, January 10, 2018</a:t>
+              <a:t>Sunday, September 30, 2018</a:t>
             </a:fld>
             <a:endParaRPr lang="en-US" dirty="0"/>
           </a:p>
@@ -4516,10 +4507,9 @@
           <a:lstStyle/>
           <a:p>
             <a:r>
-              <a:rPr lang="en-US" smtClean="0"/>
+              <a:rPr lang="en-US"/>
               <a:t>Click to edit Master title style</a:t>
             </a:r>
-            <a:endParaRPr lang="en-US"/>
           </a:p>
         </p:txBody>
       </p:sp>
@@ -4540,38 +4530,37 @@
           <a:p>
             <a:pPr lvl="0"/>
             <a:r>
-              <a:rPr lang="en-US" smtClean="0"/>
+              <a:rPr lang="en-US"/>
               <a:t>Click to edit Master text styles</a:t>
             </a:r>
           </a:p>
           <a:p>
             <a:pPr lvl="1"/>
             <a:r>
-              <a:rPr lang="en-US" smtClean="0"/>
+              <a:rPr lang="en-US"/>
               <a:t>Second level</a:t>
             </a:r>
           </a:p>
           <a:p>
             <a:pPr lvl="2"/>
             <a:r>
-              <a:rPr lang="en-US" smtClean="0"/>
+              <a:rPr lang="en-US"/>
               <a:t>Third level</a:t>
             </a:r>
           </a:p>
           <a:p>
             <a:pPr lvl="3"/>
             <a:r>
-              <a:rPr lang="en-US" smtClean="0"/>
+              <a:rPr lang="en-US"/>
               <a:t>Fourth level</a:t>
             </a:r>
           </a:p>
           <a:p>
             <a:pPr lvl="4"/>
             <a:r>
-              <a:rPr lang="en-US" smtClean="0"/>
+              <a:rPr lang="en-US"/>
               <a:t>Fifth level</a:t>
             </a:r>
-            <a:endParaRPr lang="en-US"/>
           </a:p>
         </p:txBody>
       </p:sp>
@@ -4598,7 +4587,7 @@
               <a:pPr>
                 <a:defRPr/>
               </a:pPr>
-              <a:t>Wednesday, January 10, 2018</a:t>
+              <a:t>Sunday, September 30, 2018</a:t>
             </a:fld>
             <a:endParaRPr lang="en-US" dirty="0"/>
           </a:p>
@@ -4710,10 +4699,9 @@
           </a:lstStyle>
           <a:p>
             <a:r>
-              <a:rPr lang="en-US" smtClean="0"/>
+              <a:rPr lang="en-US"/>
               <a:t>Click to edit Master title style</a:t>
             </a:r>
-            <a:endParaRPr lang="en-US"/>
           </a:p>
         </p:txBody>
       </p:sp>
@@ -4830,7 +4818,7 @@
           <a:p>
             <a:pPr lvl="0"/>
             <a:r>
-              <a:rPr lang="en-US" smtClean="0"/>
+              <a:rPr lang="en-US"/>
               <a:t>Click to edit Master text styles</a:t>
             </a:r>
           </a:p>
@@ -4859,7 +4847,7 @@
               <a:pPr>
                 <a:defRPr/>
               </a:pPr>
-              <a:t>Wednesday, January 10, 2018</a:t>
+              <a:t>Sunday, September 30, 2018</a:t>
             </a:fld>
             <a:endParaRPr lang="en-US"/>
           </a:p>
@@ -4962,10 +4950,9 @@
           <a:lstStyle/>
           <a:p>
             <a:r>
-              <a:rPr lang="en-US" smtClean="0"/>
+              <a:rPr lang="en-US"/>
               <a:t>Click to edit Master title style</a:t>
             </a:r>
-            <a:endParaRPr lang="en-US"/>
           </a:p>
         </p:txBody>
       </p:sp>
@@ -5019,38 +5006,37 @@
           <a:p>
             <a:pPr lvl="0"/>
             <a:r>
-              <a:rPr lang="en-US" smtClean="0"/>
+              <a:rPr lang="en-US"/>
               <a:t>Click to edit Master text styles</a:t>
             </a:r>
           </a:p>
           <a:p>
             <a:pPr lvl="1"/>
             <a:r>
-              <a:rPr lang="en-US" smtClean="0"/>
+              <a:rPr lang="en-US"/>
               <a:t>Second level</a:t>
             </a:r>
           </a:p>
           <a:p>
             <a:pPr lvl="2"/>
             <a:r>
-              <a:rPr lang="en-US" smtClean="0"/>
+              <a:rPr lang="en-US"/>
               <a:t>Third level</a:t>
             </a:r>
           </a:p>
           <a:p>
             <a:pPr lvl="3"/>
             <a:r>
-              <a:rPr lang="en-US" smtClean="0"/>
+              <a:rPr lang="en-US"/>
               <a:t>Fourth level</a:t>
             </a:r>
           </a:p>
           <a:p>
             <a:pPr lvl="4"/>
             <a:r>
-              <a:rPr lang="en-US" smtClean="0"/>
+              <a:rPr lang="en-US"/>
               <a:t>Fifth level</a:t>
             </a:r>
-            <a:endParaRPr lang="en-US"/>
           </a:p>
         </p:txBody>
       </p:sp>
@@ -5104,38 +5090,37 @@
           <a:p>
             <a:pPr lvl="0"/>
             <a:r>
-              <a:rPr lang="en-US" smtClean="0"/>
+              <a:rPr lang="en-US"/>
               <a:t>Click to edit Master text styles</a:t>
             </a:r>
           </a:p>
           <a:p>
             <a:pPr lvl="1"/>
             <a:r>
-              <a:rPr lang="en-US" smtClean="0"/>
+              <a:rPr lang="en-US"/>
               <a:t>Second level</a:t>
             </a:r>
           </a:p>
           <a:p>
             <a:pPr lvl="2"/>
             <a:r>
-              <a:rPr lang="en-US" smtClean="0"/>
+              <a:rPr lang="en-US"/>
               <a:t>Third level</a:t>
             </a:r>
           </a:p>
           <a:p>
             <a:pPr lvl="3"/>
             <a:r>
-              <a:rPr lang="en-US" smtClean="0"/>
+              <a:rPr lang="en-US"/>
               <a:t>Fourth level</a:t>
             </a:r>
           </a:p>
           <a:p>
             <a:pPr lvl="4"/>
             <a:r>
-              <a:rPr lang="en-US" smtClean="0"/>
+              <a:rPr lang="en-US"/>
               <a:t>Fifth level</a:t>
             </a:r>
-            <a:endParaRPr lang="en-US"/>
           </a:p>
         </p:txBody>
       </p:sp>
@@ -5162,7 +5147,7 @@
               <a:pPr>
                 <a:defRPr/>
               </a:pPr>
-              <a:t>Wednesday, January 10, 2018</a:t>
+              <a:t>Sunday, September 30, 2018</a:t>
             </a:fld>
             <a:endParaRPr lang="en-US"/>
           </a:p>
@@ -5269,10 +5254,9 @@
           </a:lstStyle>
           <a:p>
             <a:r>
-              <a:rPr lang="en-US" smtClean="0"/>
+              <a:rPr lang="en-US"/>
               <a:t>Click to edit Master title style</a:t>
             </a:r>
-            <a:endParaRPr lang="en-US"/>
           </a:p>
         </p:txBody>
       </p:sp>
@@ -5335,7 +5319,7 @@
           <a:p>
             <a:pPr lvl="0"/>
             <a:r>
-              <a:rPr lang="en-US" smtClean="0"/>
+              <a:rPr lang="en-US"/>
               <a:t>Click to edit Master text styles</a:t>
             </a:r>
           </a:p>
@@ -5391,38 +5375,37 @@
           <a:p>
             <a:pPr lvl="0"/>
             <a:r>
-              <a:rPr lang="en-US" smtClean="0"/>
+              <a:rPr lang="en-US"/>
               <a:t>Click to edit Master text styles</a:t>
             </a:r>
           </a:p>
           <a:p>
             <a:pPr lvl="1"/>
             <a:r>
-              <a:rPr lang="en-US" smtClean="0"/>
+              <a:rPr lang="en-US"/>
               <a:t>Second level</a:t>
             </a:r>
           </a:p>
           <a:p>
             <a:pPr lvl="2"/>
             <a:r>
-              <a:rPr lang="en-US" smtClean="0"/>
+              <a:rPr lang="en-US"/>
               <a:t>Third level</a:t>
             </a:r>
           </a:p>
           <a:p>
             <a:pPr lvl="3"/>
             <a:r>
-              <a:rPr lang="en-US" smtClean="0"/>
+              <a:rPr lang="en-US"/>
               <a:t>Fourth level</a:t>
             </a:r>
           </a:p>
           <a:p>
             <a:pPr lvl="4"/>
             <a:r>
-              <a:rPr lang="en-US" smtClean="0"/>
+              <a:rPr lang="en-US"/>
               <a:t>Fifth level</a:t>
             </a:r>
-            <a:endParaRPr lang="en-US"/>
           </a:p>
         </p:txBody>
       </p:sp>
@@ -5485,7 +5468,7 @@
           <a:p>
             <a:pPr lvl="0"/>
             <a:r>
-              <a:rPr lang="en-US" smtClean="0"/>
+              <a:rPr lang="en-US"/>
               <a:t>Click to edit Master text styles</a:t>
             </a:r>
           </a:p>
@@ -5541,38 +5524,37 @@
           <a:p>
             <a:pPr lvl="0"/>
             <a:r>
-              <a:rPr lang="en-US" smtClean="0"/>
+              <a:rPr lang="en-US"/>
               <a:t>Click to edit Master text styles</a:t>
             </a:r>
           </a:p>
           <a:p>
             <a:pPr lvl="1"/>
             <a:r>
-              <a:rPr lang="en-US" smtClean="0"/>
+              <a:rPr lang="en-US"/>
               <a:t>Second level</a:t>
             </a:r>
           </a:p>
           <a:p>
             <a:pPr lvl="2"/>
             <a:r>
-              <a:rPr lang="en-US" smtClean="0"/>
+              <a:rPr lang="en-US"/>
               <a:t>Third level</a:t>
             </a:r>
           </a:p>
           <a:p>
             <a:pPr lvl="3"/>
             <a:r>
-              <a:rPr lang="en-US" smtClean="0"/>
+              <a:rPr lang="en-US"/>
               <a:t>Fourth level</a:t>
             </a:r>
           </a:p>
           <a:p>
             <a:pPr lvl="4"/>
             <a:r>
-              <a:rPr lang="en-US" smtClean="0"/>
+              <a:rPr lang="en-US"/>
               <a:t>Fifth level</a:t>
             </a:r>
-            <a:endParaRPr lang="en-US"/>
           </a:p>
         </p:txBody>
       </p:sp>
@@ -5599,7 +5581,7 @@
               <a:pPr>
                 <a:defRPr/>
               </a:pPr>
-              <a:t>Wednesday, January 10, 2018</a:t>
+              <a:t>Sunday, September 30, 2018</a:t>
             </a:fld>
             <a:endParaRPr lang="en-US"/>
           </a:p>
@@ -5702,10 +5684,9 @@
           <a:lstStyle/>
           <a:p>
             <a:r>
-              <a:rPr lang="en-US" smtClean="0"/>
+              <a:rPr lang="en-US"/>
               <a:t>Click to edit Master title style</a:t>
             </a:r>
-            <a:endParaRPr lang="en-US"/>
           </a:p>
         </p:txBody>
       </p:sp>
@@ -5732,7 +5713,7 @@
               <a:pPr>
                 <a:defRPr/>
               </a:pPr>
-              <a:t>Wednesday, January 10, 2018</a:t>
+              <a:t>Sunday, September 30, 2018</a:t>
             </a:fld>
             <a:endParaRPr lang="en-US"/>
           </a:p>
@@ -5842,7 +5823,7 @@
               <a:pPr>
                 <a:defRPr/>
               </a:pPr>
-              <a:t>Wednesday, January 10, 2018</a:t>
+              <a:t>Sunday, September 30, 2018</a:t>
             </a:fld>
             <a:endParaRPr lang="en-US" dirty="0"/>
           </a:p>
@@ -5954,10 +5935,9 @@
           </a:lstStyle>
           <a:p>
             <a:r>
-              <a:rPr lang="en-US" smtClean="0"/>
+              <a:rPr lang="en-US"/>
               <a:t>Click to edit Master title style</a:t>
             </a:r>
-            <a:endParaRPr lang="en-US"/>
           </a:p>
         </p:txBody>
       </p:sp>
@@ -6011,38 +5991,37 @@
           <a:p>
             <a:pPr lvl="0"/>
             <a:r>
-              <a:rPr lang="en-US" smtClean="0"/>
+              <a:rPr lang="en-US"/>
               <a:t>Click to edit Master text styles</a:t>
             </a:r>
           </a:p>
           <a:p>
             <a:pPr lvl="1"/>
             <a:r>
-              <a:rPr lang="en-US" smtClean="0"/>
+              <a:rPr lang="en-US"/>
               <a:t>Second level</a:t>
             </a:r>
           </a:p>
           <a:p>
             <a:pPr lvl="2"/>
             <a:r>
-              <a:rPr lang="en-US" smtClean="0"/>
+              <a:rPr lang="en-US"/>
               <a:t>Third level</a:t>
             </a:r>
           </a:p>
           <a:p>
             <a:pPr lvl="3"/>
             <a:r>
-              <a:rPr lang="en-US" smtClean="0"/>
+              <a:rPr lang="en-US"/>
               <a:t>Fourth level</a:t>
             </a:r>
           </a:p>
           <a:p>
             <a:pPr lvl="4"/>
             <a:r>
-              <a:rPr lang="en-US" smtClean="0"/>
+              <a:rPr lang="en-US"/>
               <a:t>Fifth level</a:t>
             </a:r>
-            <a:endParaRPr lang="en-US"/>
           </a:p>
         </p:txBody>
       </p:sp>
@@ -6105,7 +6084,7 @@
           <a:p>
             <a:pPr lvl="0"/>
             <a:r>
-              <a:rPr lang="en-US" smtClean="0"/>
+              <a:rPr lang="en-US"/>
               <a:t>Click to edit Master text styles</a:t>
             </a:r>
           </a:p>
@@ -6134,7 +6113,7 @@
               <a:pPr>
                 <a:defRPr/>
               </a:pPr>
-              <a:t>Wednesday, January 10, 2018</a:t>
+              <a:t>Sunday, September 30, 2018</a:t>
             </a:fld>
             <a:endParaRPr lang="en-US"/>
           </a:p>
@@ -6246,10 +6225,9 @@
           </a:lstStyle>
           <a:p>
             <a:r>
-              <a:rPr lang="en-US" smtClean="0"/>
+              <a:rPr lang="en-US"/>
               <a:t>Click to edit Master title style</a:t>
             </a:r>
-            <a:endParaRPr lang="en-US"/>
           </a:p>
         </p:txBody>
       </p:sp>
@@ -6373,7 +6351,7 @@
           <a:p>
             <a:pPr lvl="0"/>
             <a:r>
-              <a:rPr lang="en-US" smtClean="0"/>
+              <a:rPr lang="en-US"/>
               <a:t>Click to edit Master text styles</a:t>
             </a:r>
           </a:p>
@@ -6402,7 +6380,7 @@
               <a:pPr>
                 <a:defRPr/>
               </a:pPr>
-              <a:t>Wednesday, January 10, 2018</a:t>
+              <a:t>Sunday, September 30, 2018</a:t>
             </a:fld>
             <a:endParaRPr lang="en-US"/>
           </a:p>
@@ -6520,10 +6498,9 @@
           <a:lstStyle/>
           <a:p>
             <a:r>
-              <a:rPr lang="en-US" smtClean="0"/>
+              <a:rPr lang="en-US"/>
               <a:t>Click to edit Master title style</a:t>
             </a:r>
-            <a:endParaRPr lang="en-US"/>
           </a:p>
         </p:txBody>
       </p:sp>
@@ -6554,38 +6531,37 @@
           <a:p>
             <a:pPr lvl="0"/>
             <a:r>
-              <a:rPr lang="en-US" smtClean="0"/>
+              <a:rPr lang="en-US"/>
               <a:t>Click to edit Master text styles</a:t>
             </a:r>
           </a:p>
           <a:p>
             <a:pPr lvl="1"/>
             <a:r>
-              <a:rPr lang="en-US" smtClean="0"/>
+              <a:rPr lang="en-US"/>
               <a:t>Second level</a:t>
             </a:r>
           </a:p>
           <a:p>
             <a:pPr lvl="2"/>
             <a:r>
-              <a:rPr lang="en-US" smtClean="0"/>
+              <a:rPr lang="en-US"/>
               <a:t>Third level</a:t>
             </a:r>
           </a:p>
           <a:p>
             <a:pPr lvl="3"/>
             <a:r>
-              <a:rPr lang="en-US" smtClean="0"/>
+              <a:rPr lang="en-US"/>
               <a:t>Fourth level</a:t>
             </a:r>
           </a:p>
           <a:p>
             <a:pPr lvl="4"/>
             <a:r>
-              <a:rPr lang="en-US" smtClean="0"/>
+              <a:rPr lang="en-US"/>
               <a:t>Fifth level</a:t>
             </a:r>
-            <a:endParaRPr lang="en-US"/>
           </a:p>
         </p:txBody>
       </p:sp>
@@ -6630,7 +6606,7 @@
               <a:pPr>
                 <a:defRPr/>
               </a:pPr>
-              <a:t>Wednesday, January 10, 2018</a:t>
+              <a:t>Sunday, September 30, 2018</a:t>
             </a:fld>
             <a:endParaRPr lang="en-US" dirty="0"/>
           </a:p>
@@ -7036,10 +7012,9 @@
               <a:defRPr/>
             </a:pPr>
             <a:r>
-              <a:rPr lang="en-US" dirty="0" smtClean="0"/>
+              <a:rPr lang="en-US" dirty="0"/>
               <a:t>CSSE 220</a:t>
             </a:r>
-            <a:endParaRPr lang="en-US" dirty="0"/>
           </a:p>
         </p:txBody>
       </p:sp>
@@ -7064,7 +7039,7 @@
               </a:lnSpc>
             </a:pPr>
             <a:r>
-              <a:rPr lang="en-US" sz="2500" dirty="0" smtClean="0"/>
+              <a:rPr lang="en-US" sz="2500" dirty="0"/>
               <a:t>Interfaces and Polymorphism</a:t>
             </a:r>
           </a:p>
@@ -7112,16 +7087,17 @@
             </a:pPr>
             <a:r>
               <a:rPr lang="en-US" sz="2800" dirty="0"/>
-              <a:t>Check out </a:t>
-            </a:r>
-            <a:r>
-              <a:rPr lang="en-US" sz="2800" i="1" dirty="0" smtClean="0"/>
+              <a:t>Import </a:t>
+            </a:r>
+            <a:r>
+              <a:rPr lang="en-US" sz="2800" i="1" dirty="0"/>
               <a:t>Interfaces </a:t>
             </a:r>
             <a:r>
-              <a:rPr lang="en-US" sz="2800" dirty="0"/>
-              <a:t>from SVN</a:t>
-            </a:r>
+              <a:rPr lang="en-US" sz="2800"/>
+              <a:t>from the repo</a:t>
+            </a:r>
+            <a:endParaRPr lang="en-US" sz="2800" dirty="0"/>
           </a:p>
         </p:txBody>
       </p:sp>
@@ -7135,13 +7111,6 @@
   <p:clrMapOvr>
     <a:masterClrMapping/>
   </p:clrMapOvr>
-  <p:timing>
-    <p:tnLst>
-      <p:par>
-        <p:cTn id="1" dur="indefinite" restart="never" nodeType="tmRoot"/>
-      </p:par>
-    </p:tnLst>
-  </p:timing>
 </p:sld>
 </file>
 
@@ -7178,10 +7147,9 @@
           <a:lstStyle/>
           <a:p>
             <a:r>
-              <a:rPr lang="en-US" dirty="0" smtClean="0"/>
+              <a:rPr lang="en-US" dirty="0"/>
               <a:t>Valid interface</a:t>
             </a:r>
-            <a:endParaRPr lang="en-US" dirty="0"/>
           </a:p>
         </p:txBody>
       </p:sp>
@@ -7206,7 +7174,7 @@
               <a:buNone/>
             </a:pPr>
             <a:r>
-              <a:rPr lang="en-US" dirty="0" smtClean="0"/>
+              <a:rPr lang="en-US" dirty="0"/>
               <a:t>public interface Pet{</a:t>
             </a:r>
           </a:p>
@@ -7215,7 +7183,7 @@
               <a:buNone/>
             </a:pPr>
             <a:r>
-              <a:rPr lang="en-US" dirty="0" smtClean="0"/>
+              <a:rPr lang="en-US" dirty="0"/>
               <a:t>    public void speak();</a:t>
             </a:r>
           </a:p>
@@ -7258,10 +7226,9 @@
           <a:lstStyle/>
           <a:p>
             <a:r>
-              <a:rPr lang="en-US" sz="2800" dirty="0" smtClean="0"/>
+              <a:rPr lang="en-US" sz="2800" dirty="0"/>
               <a:t>What happened to name?</a:t>
             </a:r>
-            <a:endParaRPr lang="en-US" sz="2800" dirty="0"/>
           </a:p>
         </p:txBody>
       </p:sp>
@@ -7311,10 +7278,9 @@
           <a:lstStyle/>
           <a:p>
             <a:r>
-              <a:rPr lang="en-US" dirty="0" smtClean="0"/>
+              <a:rPr lang="en-US" dirty="0"/>
               <a:t>A valid Pet with a name</a:t>
             </a:r>
-            <a:endParaRPr lang="en-US" dirty="0"/>
           </a:p>
         </p:txBody>
       </p:sp>
@@ -7344,7 +7310,7 @@
               <a:buNone/>
             </a:pPr>
             <a:r>
-              <a:rPr lang="en-US" dirty="0" smtClean="0"/>
+              <a:rPr lang="en-US" dirty="0"/>
               <a:t>public class Cat implements Pet {</a:t>
             </a:r>
           </a:p>
@@ -7353,7 +7319,7 @@
               <a:buNone/>
             </a:pPr>
             <a:r>
-              <a:rPr lang="en-US" dirty="0" smtClean="0"/>
+              <a:rPr lang="en-US" dirty="0"/>
               <a:t>    private String name;</a:t>
             </a:r>
           </a:p>
@@ -7361,14 +7327,14 @@
             <a:pPr marL="0" indent="0">
               <a:buNone/>
             </a:pPr>
-            <a:endParaRPr lang="en-US" dirty="0" smtClean="0"/>
+            <a:endParaRPr lang="en-US" dirty="0"/>
           </a:p>
           <a:p>
             <a:pPr marL="0" indent="0">
               <a:buNone/>
             </a:pPr>
             <a:r>
-              <a:rPr lang="en-US" dirty="0" smtClean="0"/>
+              <a:rPr lang="en-US" dirty="0"/>
               <a:t>    public Cat(String name){</a:t>
             </a:r>
           </a:p>
@@ -7377,17 +7343,16 @@
               <a:buNone/>
             </a:pPr>
             <a:r>
-              <a:rPr lang="en-US" dirty="0" smtClean="0"/>
+              <a:rPr lang="en-US" dirty="0"/>
               <a:t>        this.name = name;</a:t>
             </a:r>
-            <a:endParaRPr lang="en-US" dirty="0"/>
           </a:p>
           <a:p>
             <a:pPr marL="0" indent="0">
               <a:buNone/>
             </a:pPr>
             <a:r>
-              <a:rPr lang="en-US" dirty="0" smtClean="0"/>
+              <a:rPr lang="en-US" dirty="0"/>
               <a:t>    }</a:t>
             </a:r>
           </a:p>
@@ -7395,7 +7360,7 @@
             <a:pPr marL="0" indent="0">
               <a:buNone/>
             </a:pPr>
-            <a:endParaRPr lang="en-US" dirty="0" smtClean="0"/>
+            <a:endParaRPr lang="en-US" dirty="0"/>
           </a:p>
           <a:p>
             <a:pPr marL="0" indent="0">
@@ -7403,11 +7368,7 @@
             </a:pPr>
             <a:r>
               <a:rPr lang="en-US" dirty="0"/>
-              <a:t> </a:t>
-            </a:r>
-            <a:r>
-              <a:rPr lang="en-US" dirty="0" smtClean="0"/>
-              <a:t>   public void speak(){</a:t>
+              <a:t>    public void speak(){</a:t>
             </a:r>
           </a:p>
           <a:p>
@@ -7415,25 +7376,24 @@
               <a:buNone/>
             </a:pPr>
             <a:r>
-              <a:rPr lang="en-US" dirty="0" smtClean="0"/>
+              <a:rPr lang="en-US" dirty="0"/>
               <a:t>        </a:t>
             </a:r>
             <a:r>
-              <a:rPr lang="en-US" dirty="0" err="1" smtClean="0"/>
+              <a:rPr lang="en-US" dirty="0" err="1"/>
               <a:t>System.out.println</a:t>
             </a:r>
             <a:r>
-              <a:rPr lang="en-US" dirty="0" smtClean="0"/>
+              <a:rPr lang="en-US" dirty="0"/>
               <a:t>(name);</a:t>
             </a:r>
-            <a:endParaRPr lang="en-US" dirty="0"/>
           </a:p>
           <a:p>
             <a:pPr marL="0" indent="0">
               <a:buNone/>
             </a:pPr>
             <a:r>
-              <a:rPr lang="en-US" dirty="0" smtClean="0"/>
+              <a:rPr lang="en-US" dirty="0"/>
               <a:t>    }</a:t>
             </a:r>
           </a:p>
@@ -7497,10 +7457,9 @@
               <a:defRPr/>
             </a:pPr>
             <a:r>
-              <a:rPr lang="en-US" dirty="0" smtClean="0"/>
+              <a:rPr lang="en-US" dirty="0"/>
               <a:t>Why is this OK?</a:t>
             </a:r>
-            <a:endParaRPr lang="en-US" dirty="0"/>
           </a:p>
         </p:txBody>
       </p:sp>
@@ -7531,7 +7490,7 @@
               <a:defRPr/>
             </a:pPr>
             <a:r>
-              <a:rPr lang="en-US" b="1" dirty="0" smtClean="0">
+              <a:rPr lang="en-US" b="1" dirty="0">
                 <a:solidFill>
                   <a:schemeClr val="accent3"/>
                 </a:solidFill>
@@ -7540,7 +7499,7 @@
               <a:t>Pet p = new </a:t>
             </a:r>
             <a:r>
-              <a:rPr lang="en-US" b="1" dirty="0" smtClean="0">
+              <a:rPr lang="en-US" b="1" dirty="0">
                 <a:solidFill>
                   <a:schemeClr val="accent1"/>
                 </a:solidFill>
@@ -7549,7 +7508,7 @@
               <a:t>Dog</a:t>
             </a:r>
             <a:r>
-              <a:rPr lang="en-US" b="1" dirty="0" smtClean="0">
+              <a:rPr lang="en-US" b="1" dirty="0">
                 <a:solidFill>
                   <a:schemeClr val="accent3"/>
                 </a:solidFill>
@@ -7558,7 +7517,7 @@
               <a:t>();</a:t>
             </a:r>
             <a:br>
-              <a:rPr lang="en-US" b="1" dirty="0" smtClean="0">
+              <a:rPr lang="en-US" b="1" dirty="0">
                 <a:solidFill>
                   <a:schemeClr val="accent3"/>
                 </a:solidFill>
@@ -7566,7 +7525,7 @@
               </a:rPr>
             </a:br>
             <a:r>
-              <a:rPr lang="en-US" b="1" dirty="0" err="1" smtClean="0">
+              <a:rPr lang="en-US" b="1" dirty="0" err="1">
                 <a:solidFill>
                   <a:schemeClr val="accent3"/>
                 </a:solidFill>
@@ -7575,7 +7534,7 @@
               <a:t>p.feed</a:t>
             </a:r>
             <a:r>
-              <a:rPr lang="en-US" b="1" dirty="0" smtClean="0">
+              <a:rPr lang="en-US" b="1" dirty="0">
                 <a:solidFill>
                   <a:schemeClr val="accent3"/>
                 </a:solidFill>
@@ -7590,7 +7549,7 @@
               <a:defRPr/>
             </a:pPr>
             <a:r>
-              <a:rPr lang="en-US" b="1" dirty="0" smtClean="0">
+              <a:rPr lang="en-US" b="1" dirty="0">
                 <a:solidFill>
                   <a:schemeClr val="accent3"/>
                 </a:solidFill>
@@ -7599,7 +7558,7 @@
               <a:t>p = new </a:t>
             </a:r>
             <a:r>
-              <a:rPr lang="en-US" b="1" dirty="0" smtClean="0">
+              <a:rPr lang="en-US" b="1" dirty="0">
                 <a:solidFill>
                   <a:schemeClr val="accent1"/>
                 </a:solidFill>
@@ -7608,7 +7567,7 @@
               <a:t>Cat</a:t>
             </a:r>
             <a:r>
-              <a:rPr lang="en-US" b="1" dirty="0" smtClean="0">
+              <a:rPr lang="en-US" b="1" dirty="0">
                 <a:solidFill>
                   <a:schemeClr val="accent3"/>
                 </a:solidFill>
@@ -7617,7 +7576,7 @@
               <a:t>();</a:t>
             </a:r>
             <a:br>
-              <a:rPr lang="en-US" b="1" dirty="0" smtClean="0">
+              <a:rPr lang="en-US" b="1" dirty="0">
                 <a:solidFill>
                   <a:schemeClr val="accent3"/>
                 </a:solidFill>
@@ -7631,19 +7590,10 @@
                 </a:solidFill>
                 <a:latin typeface="Consolas" pitchFamily="49" charset="0"/>
               </a:rPr>
-              <a:t>p</a:t>
-            </a:r>
-            <a:r>
-              <a:rPr lang="en-US" b="1" dirty="0" err="1" smtClean="0">
-                <a:solidFill>
-                  <a:schemeClr val="accent3"/>
-                </a:solidFill>
-                <a:latin typeface="Consolas" pitchFamily="49" charset="0"/>
-              </a:rPr>
-              <a:t>.feed</a:t>
-            </a:r>
-            <a:r>
-              <a:rPr lang="en-US" b="1" dirty="0" smtClean="0">
+              <a:t>p.feed</a:t>
+            </a:r>
+            <a:r>
+              <a:rPr lang="en-US" b="1" dirty="0">
                 <a:solidFill>
                   <a:schemeClr val="accent3"/>
                 </a:solidFill>
@@ -7664,16 +7614,7 @@
                 </a:solidFill>
                 <a:latin typeface="Consolas" pitchFamily="49" charset="0"/>
               </a:rPr>
-              <a:t>p</a:t>
-            </a:r>
-            <a:r>
-              <a:rPr lang="en-US" b="1" dirty="0" smtClean="0">
-                <a:solidFill>
-                  <a:schemeClr val="accent3"/>
-                </a:solidFill>
-                <a:latin typeface="Consolas" pitchFamily="49" charset="0"/>
-              </a:rPr>
-              <a:t> = new Pet(); // NO!</a:t>
+              <a:t>p = new Pet(); // NO!</a:t>
             </a:r>
           </a:p>
           <a:p>
@@ -7681,7 +7622,7 @@
               <a:defRPr/>
             </a:pPr>
             <a:r>
-              <a:rPr lang="en-US" dirty="0" smtClean="0"/>
+              <a:rPr lang="en-US" dirty="0"/>
               <a:t>Any child type may be stored into a variable of a parent type, but not the other way around.</a:t>
             </a:r>
           </a:p>
@@ -7690,15 +7631,15 @@
               <a:defRPr/>
             </a:pPr>
             <a:r>
-              <a:rPr lang="en-US" dirty="0" smtClean="0"/>
+              <a:rPr lang="en-US" dirty="0"/>
               <a:t>A Dog is a Pet, and a Cat is a Pet, but a Pet is not </a:t>
             </a:r>
             <a:r>
-              <a:rPr lang="en-US" b="1" dirty="0" smtClean="0"/>
+              <a:rPr lang="en-US" b="1" dirty="0"/>
               <a:t>required</a:t>
             </a:r>
             <a:r>
-              <a:rPr lang="en-US" dirty="0" smtClean="0"/>
+              <a:rPr lang="en-US" dirty="0"/>
               <a:t> to be a Dog or a Cat.</a:t>
             </a:r>
           </a:p>
@@ -7707,11 +7648,11 @@
               <a:defRPr/>
             </a:pPr>
             <a:r>
-              <a:rPr lang="en-US" dirty="0" smtClean="0"/>
+              <a:rPr lang="en-US" dirty="0"/>
               <a:t>And how could you </a:t>
             </a:r>
             <a:r>
-              <a:rPr lang="en-US" b="1" i="1" dirty="0" smtClean="0">
+              <a:rPr lang="en-US" b="1" i="1" dirty="0">
                 <a:solidFill>
                   <a:srgbClr val="FF0000"/>
                 </a:solidFill>
@@ -7719,11 +7660,11 @@
               <a:t>construct</a:t>
             </a:r>
             <a:r>
-              <a:rPr lang="en-US" i="1" dirty="0" smtClean="0"/>
+              <a:rPr lang="en-US" i="1" dirty="0"/>
               <a:t> </a:t>
             </a:r>
             <a:r>
-              <a:rPr lang="en-US" dirty="0" smtClean="0"/>
+              <a:rPr lang="en-US" dirty="0"/>
               <a:t>a Pet?</a:t>
             </a:r>
           </a:p>
@@ -7767,10 +7708,9 @@
           <a:lstStyle/>
           <a:p>
             <a:r>
-              <a:rPr lang="en-US" dirty="0" smtClean="0"/>
+              <a:rPr lang="en-US" dirty="0"/>
               <a:t>Q2</a:t>
             </a:r>
-            <a:endParaRPr lang="en-US" dirty="0"/>
           </a:p>
         </p:txBody>
       </p:sp>
@@ -7784,14 +7724,6 @@
   <p:clrMapOvr>
     <a:masterClrMapping/>
   </p:clrMapOvr>
-  <mc:AlternateContent xmlns:mc="http://schemas.openxmlformats.org/markup-compatibility/2006" xmlns:p14="http://schemas.microsoft.com/office/powerpoint/2010/main">
-    <mc:Choice Requires="p14">
-      <p:transition spd="slow" p14:dur="2000"/>
-    </mc:Choice>
-    <mc:Fallback xmlns="">
-      <p:transition xmlns:p14="http://schemas.microsoft.com/office/powerpoint/2010/main" spd="slow"/>
-    </mc:Fallback>
-  </mc:AlternateContent>
   <p:timing>
     <p:tnLst>
       <p:par>
@@ -7969,14 +7901,13 @@
           <a:lstStyle/>
           <a:p>
             <a:r>
-              <a:rPr lang="en-US" dirty="0" err="1" smtClean="0"/>
+              <a:rPr lang="en-US" dirty="0" err="1"/>
               <a:t>NumberSequence</a:t>
             </a:r>
             <a:r>
-              <a:rPr lang="en-US" dirty="0" smtClean="0"/>
+              <a:rPr lang="en-US" dirty="0"/>
               <a:t> Example</a:t>
             </a:r>
-            <a:endParaRPr lang="en-US" dirty="0"/>
           </a:p>
         </p:txBody>
       </p:sp>
@@ -8009,13 +7940,6 @@
   <p:clrMapOvr>
     <a:masterClrMapping/>
   </p:clrMapOvr>
-  <p:timing>
-    <p:tnLst>
-      <p:par>
-        <p:cTn id="1" dur="indefinite" restart="never" nodeType="tmRoot"/>
-      </p:par>
-    </p:tnLst>
-  </p:timing>
 </p:sld>
 </file>
 
@@ -8109,10 +8033,6 @@
             </a:r>
           </a:p>
           <a:p>
-            <a:r>
-              <a:rPr lang="en-US"/>
-              <a:t/>
-            </a:r>
             <a:br>
               <a:rPr lang="en-US"/>
             </a:br>
@@ -8130,21 +8050,6 @@
   <p:clrMapOvr>
     <a:masterClrMapping/>
   </p:clrMapOvr>
-  <mc:AlternateContent xmlns:mc="http://schemas.openxmlformats.org/markup-compatibility/2006" xmlns:p14="http://schemas.microsoft.com/office/powerpoint/2010/main">
-    <mc:Choice Requires="p14">
-      <p:transition spd="slow" p14:dur="2000"/>
-    </mc:Choice>
-    <mc:Fallback xmlns="">
-      <p:transition spd="slow"/>
-    </mc:Fallback>
-  </mc:AlternateContent>
-  <p:timing>
-    <p:tnLst>
-      <p:par>
-        <p:cTn id="1" dur="indefinite" restart="never" nodeType="tmRoot"/>
-      </p:par>
-    </p:tnLst>
-  </p:timing>
 </p:sld>
 </file>
 
@@ -8181,10 +8086,9 @@
           <a:lstStyle/>
           <a:p>
             <a:r>
-              <a:rPr lang="en-US" dirty="0" smtClean="0"/>
+              <a:rPr lang="en-US" dirty="0"/>
               <a:t>Solution</a:t>
             </a:r>
-            <a:endParaRPr lang="en-US" dirty="0"/>
           </a:p>
         </p:txBody>
       </p:sp>
@@ -8271,10 +8175,9 @@
           <a:lstStyle/>
           <a:p>
             <a:r>
-              <a:rPr lang="en-US" dirty="0" smtClean="0"/>
+              <a:rPr lang="en-US" dirty="0"/>
               <a:t>Q4</a:t>
             </a:r>
-            <a:endParaRPr lang="en-US" dirty="0"/>
           </a:p>
         </p:txBody>
       </p:sp>
@@ -8288,21 +8191,6 @@
   <p:clrMapOvr>
     <a:masterClrMapping/>
   </p:clrMapOvr>
-  <mc:AlternateContent xmlns:mc="http://schemas.openxmlformats.org/markup-compatibility/2006" xmlns:p14="http://schemas.microsoft.com/office/powerpoint/2010/main">
-    <mc:Choice Requires="p14">
-      <p:transition spd="slow" p14:dur="2000"/>
-    </mc:Choice>
-    <mc:Fallback xmlns="">
-      <p:transition spd="slow"/>
-    </mc:Fallback>
-  </mc:AlternateContent>
-  <p:timing>
-    <p:tnLst>
-      <p:par>
-        <p:cTn id="1" dur="indefinite" restart="never" nodeType="tmRoot"/>
-      </p:par>
-    </p:tnLst>
-  </p:timing>
 </p:sld>
 </file>
 
@@ -8342,10 +8230,9 @@
               <a:defRPr/>
             </a:pPr>
             <a:r>
-              <a:rPr lang="en-US" dirty="0" smtClean="0"/>
+              <a:rPr lang="en-US" dirty="0"/>
               <a:t>Notation: In UML</a:t>
             </a:r>
-            <a:endParaRPr lang="en-US" dirty="0"/>
           </a:p>
         </p:txBody>
       </p:sp>
@@ -8400,25 +8287,16 @@
               <a:buChar char="•"/>
             </a:pPr>
             <a:r>
-              <a:rPr lang="en-US" sz="2200" dirty="0" smtClean="0"/>
-              <a:t>Closed </a:t>
-            </a:r>
-            <a:r>
               <a:rPr lang="en-US" sz="2200" dirty="0"/>
-              <a:t>triangle with a dashed line in UML </a:t>
-            </a:r>
-            <a:r>
-              <a:rPr lang="en-US" sz="2200" dirty="0" smtClean="0"/>
-              <a:t>is an “is-a” relationship</a:t>
-            </a:r>
-            <a:endParaRPr lang="en-US" sz="2200" dirty="0"/>
+              <a:t>Closed triangle with a dashed line in UML is an “is-a” relationship</a:t>
+            </a:r>
           </a:p>
           <a:p>
             <a:pPr marL="285750" indent="-285750">
               <a:buFont typeface="Arial" panose="020B0604020202020204" pitchFamily="34" charset="0"/>
               <a:buChar char="•"/>
             </a:pPr>
-            <a:endParaRPr lang="en-US" sz="2200" dirty="0" smtClean="0"/>
+            <a:endParaRPr lang="en-US" sz="2200" dirty="0"/>
           </a:p>
           <a:p>
             <a:pPr marL="285750" indent="-285750">
@@ -8426,7 +8304,7 @@
               <a:buChar char="•"/>
             </a:pPr>
             <a:r>
-              <a:rPr lang="en-US" sz="2200" dirty="0" smtClean="0"/>
+              <a:rPr lang="en-US" sz="2200" dirty="0"/>
               <a:t>Read this as: </a:t>
             </a:r>
           </a:p>
@@ -8437,21 +8315,17 @@
             <a:pPr lvl="1"/>
             <a:r>
               <a:rPr lang="en-US" sz="2200" dirty="0" err="1"/>
-              <a:t>I</a:t>
-            </a:r>
-            <a:r>
-              <a:rPr lang="en-US" sz="2200" dirty="0" err="1" smtClean="0"/>
-              <a:t>nterImpl</a:t>
-            </a:r>
-            <a:r>
-              <a:rPr lang="en-US" sz="2200" dirty="0" smtClean="0"/>
+              <a:t>InterImpl</a:t>
+            </a:r>
+            <a:r>
+              <a:rPr lang="en-US" sz="2200" dirty="0"/>
               <a:t> is-an </a:t>
             </a:r>
             <a:r>
-              <a:rPr lang="en-US" sz="2200" dirty="0" err="1" smtClean="0"/>
+              <a:rPr lang="en-US" sz="2200" dirty="0" err="1"/>
               <a:t>InterfaceName</a:t>
             </a:r>
-            <a:endParaRPr lang="en-US" sz="2200" dirty="0" smtClean="0"/>
+            <a:endParaRPr lang="en-US" sz="2200" dirty="0"/>
           </a:p>
         </p:txBody>
       </p:sp>
@@ -8493,10 +8367,9 @@
           <a:lstStyle/>
           <a:p>
             <a:r>
-              <a:rPr lang="en-US" dirty="0" smtClean="0"/>
+              <a:rPr lang="en-US" dirty="0"/>
               <a:t>Q3</a:t>
             </a:r>
-            <a:endParaRPr lang="en-US" dirty="0"/>
           </a:p>
         </p:txBody>
       </p:sp>
@@ -8510,13 +8383,6 @@
   <p:clrMapOvr>
     <a:masterClrMapping/>
   </p:clrMapOvr>
-  <p:timing>
-    <p:tnLst>
-      <p:par>
-        <p:cTn id="1" dur="indefinite" restart="never" nodeType="tmRoot"/>
-      </p:par>
-    </p:tnLst>
-  </p:timing>
 </p:sld>
 </file>
 
@@ -8560,40 +8426,11 @@
           <a:lstStyle/>
           <a:p>
             <a:r>
-              <a:rPr lang="en-US" dirty="0" smtClean="0"/>
-              <a:t>In the following scenario we have a Pet Zoo, with a Zookeeper who is in charge of feeding different types of animals. When the simulator runs, various pets are made and fed. Also, there is a way to count the number of pets that are eating. </a:t>
-            </a:r>
-            <a:r>
-              <a:rPr lang="en-US" dirty="0"/>
-              <a:t> The </a:t>
-            </a:r>
-            <a:r>
-              <a:rPr lang="en-US" dirty="0" smtClean="0"/>
-              <a:t>animals include cats, dogs, and fish. </a:t>
-            </a:r>
-            <a:r>
-              <a:rPr lang="en-US" dirty="0"/>
-              <a:t> All the </a:t>
-            </a:r>
-            <a:r>
-              <a:rPr lang="en-US" dirty="0" smtClean="0"/>
-              <a:t>animals have names, and can be told to eat food, as well as report that they are eating (once fed they always report eating).</a:t>
-            </a:r>
-            <a:r>
-              <a:rPr lang="en-US" dirty="0"/>
-              <a:t> Show how an improved approach using interfaces can remove </a:t>
-            </a:r>
-            <a:r>
-              <a:rPr lang="en-US" dirty="0" smtClean="0"/>
-              <a:t>code duplication from the following design.</a:t>
-            </a:r>
-            <a:endParaRPr lang="en-US" dirty="0"/>
-          </a:p>
-          <a:p>
-            <a:r>
-              <a:rPr lang="en-US" dirty="0"/>
-              <a:t/>
-            </a:r>
+              <a:rPr lang="en-US" dirty="0"/>
+              <a:t>In the following scenario we have a Pet Zoo, with a Zookeeper who is in charge of feeding different types of animals. When the simulator runs, various pets are made and fed. Also, there is a way to count the number of pets that are eating.  The animals include cats, dogs, and fish.  All the animals have names, and can be told to eat food, as well as report that they are eating (once fed they always report eating). Show how an improved approach using interfaces can remove code duplication from the following design.</a:t>
+            </a:r>
+          </a:p>
+          <a:p>
             <a:br>
               <a:rPr lang="en-US" dirty="0"/>
             </a:br>
@@ -8652,13 +8489,6 @@
   <p:clrMapOvr>
     <a:masterClrMapping/>
   </p:clrMapOvr>
-  <p:timing>
-    <p:tnLst>
-      <p:par>
-        <p:cTn id="1" dur="indefinite" restart="never" nodeType="tmRoot"/>
-      </p:par>
-    </p:tnLst>
-  </p:timing>
 </p:sld>
 </file>
 
@@ -8695,10 +8525,9 @@
           <a:lstStyle/>
           <a:p>
             <a:r>
-              <a:rPr lang="en-US" dirty="0" smtClean="0"/>
+              <a:rPr lang="en-US" dirty="0"/>
               <a:t>Solution</a:t>
             </a:r>
-            <a:endParaRPr lang="en-US" dirty="0"/>
           </a:p>
         </p:txBody>
       </p:sp>
@@ -8740,10 +8569,9 @@
           <a:lstStyle/>
           <a:p>
             <a:r>
-              <a:rPr lang="en-US" dirty="0" smtClean="0"/>
+              <a:rPr lang="en-US" dirty="0"/>
               <a:t>Q4</a:t>
             </a:r>
-            <a:endParaRPr lang="en-US" dirty="0"/>
           </a:p>
         </p:txBody>
       </p:sp>
@@ -8800,13 +8628,6 @@
   <p:clrMapOvr>
     <a:masterClrMapping/>
   </p:clrMapOvr>
-  <p:timing>
-    <p:tnLst>
-      <p:par>
-        <p:cTn id="1" dur="indefinite" restart="never" nodeType="tmRoot"/>
-      </p:par>
-    </p:tnLst>
-  </p:timing>
 </p:sld>
 </file>
 
@@ -8846,10 +8667,9 @@
               <a:defRPr/>
             </a:pPr>
             <a:r>
-              <a:rPr lang="en-US" dirty="0" smtClean="0"/>
+              <a:rPr lang="en-US" dirty="0"/>
               <a:t>Polymorphism! (A quick intro)</a:t>
             </a:r>
-            <a:endParaRPr lang="en-US" dirty="0"/>
           </a:p>
         </p:txBody>
       </p:sp>
@@ -8879,21 +8699,20 @@
               <a:defRPr/>
             </a:pPr>
             <a:r>
-              <a:rPr lang="en-US" dirty="0" smtClean="0"/>
+              <a:rPr lang="en-US" dirty="0"/>
               <a:t>Etymology:</a:t>
             </a:r>
-            <a:endParaRPr lang="en-US" dirty="0" smtClean="0"/>
           </a:p>
           <a:p>
             <a:pPr lvl="1">
               <a:defRPr/>
             </a:pPr>
             <a:r>
-              <a:rPr lang="en-US" dirty="0" smtClean="0"/>
+              <a:rPr lang="en-US" dirty="0"/>
               <a:t>Poly </a:t>
             </a:r>
             <a:r>
-              <a:rPr lang="en-US" dirty="0" smtClean="0">
+              <a:rPr lang="en-US" dirty="0">
                 <a:sym typeface="Wingdings" pitchFamily="2" charset="2"/>
               </a:rPr>
               <a:t> many</a:t>
@@ -8904,13 +8723,13 @@
               <a:defRPr/>
             </a:pPr>
             <a:r>
-              <a:rPr lang="en-US" dirty="0" err="1" smtClean="0">
+              <a:rPr lang="en-US" dirty="0" err="1">
                 <a:sym typeface="Wingdings" pitchFamily="2" charset="2"/>
               </a:rPr>
               <a:t>Morphism</a:t>
             </a:r>
             <a:r>
-              <a:rPr lang="en-US" dirty="0" smtClean="0">
+              <a:rPr lang="en-US" dirty="0">
                 <a:sym typeface="Wingdings" pitchFamily="2" charset="2"/>
               </a:rPr>
               <a:t>  shape</a:t>
@@ -8920,7 +8739,7 @@
             <a:pPr>
               <a:defRPr/>
             </a:pPr>
-            <a:endParaRPr lang="en-US" dirty="0" smtClean="0">
+            <a:endParaRPr lang="en-US" dirty="0">
               <a:sym typeface="Wingdings" pitchFamily="2" charset="2"/>
             </a:endParaRPr>
           </a:p>
@@ -8929,31 +8748,31 @@
               <a:defRPr/>
             </a:pPr>
             <a:r>
-              <a:rPr lang="en-US" dirty="0" smtClean="0">
+              <a:rPr lang="en-US" dirty="0">
                 <a:sym typeface="Wingdings" pitchFamily="2" charset="2"/>
               </a:rPr>
               <a:t>Polymorphism means: An </a:t>
             </a:r>
             <a:r>
-              <a:rPr lang="en-US" b="1" dirty="0" smtClean="0">
+              <a:rPr lang="en-US" b="1" dirty="0">
                 <a:sym typeface="Wingdings" pitchFamily="2" charset="2"/>
               </a:rPr>
               <a:t>Interface</a:t>
             </a:r>
             <a:r>
-              <a:rPr lang="en-US" dirty="0" smtClean="0">
+              <a:rPr lang="en-US" dirty="0">
                 <a:sym typeface="Wingdings" pitchFamily="2" charset="2"/>
               </a:rPr>
               <a:t> can take </a:t>
             </a:r>
             <a:r>
-              <a:rPr lang="en-US" b="1" dirty="0" smtClean="0">
+              <a:rPr lang="en-US" b="1" dirty="0">
                 <a:sym typeface="Wingdings" pitchFamily="2" charset="2"/>
               </a:rPr>
               <a:t>many shapes</a:t>
             </a:r>
             <a:r>
-              <a:rPr lang="en-US" dirty="0" smtClean="0">
+              <a:rPr lang="en-US" dirty="0">
                 <a:sym typeface="Wingdings" pitchFamily="2" charset="2"/>
               </a:rPr>
               <a:t>.</a:t>
@@ -8964,12 +8783,12 @@
               <a:defRPr/>
             </a:pPr>
             <a:r>
-              <a:rPr lang="en-US" dirty="0" smtClean="0">
+              <a:rPr lang="en-US" dirty="0">
                 <a:sym typeface="Wingdings" pitchFamily="2" charset="2"/>
               </a:rPr>
               <a:t>A Pet variable could actually contain a Cat, Dog, or Fish</a:t>
             </a:r>
-            <a:endParaRPr lang="en-US" b="1" dirty="0" smtClean="0">
+            <a:endParaRPr lang="en-US" b="1" dirty="0">
               <a:sym typeface="Wingdings" pitchFamily="2" charset="2"/>
             </a:endParaRPr>
           </a:p>
@@ -9224,10 +9043,9 @@
           <a:lstStyle/>
           <a:p>
             <a:r>
-              <a:rPr lang="en-US" dirty="0" smtClean="0"/>
+              <a:rPr lang="en-US" dirty="0"/>
               <a:t>Object-Oriented Programming</a:t>
             </a:r>
-            <a:endParaRPr lang="en-US" dirty="0"/>
           </a:p>
         </p:txBody>
       </p:sp>
@@ -9247,34 +9065,33 @@
           <a:lstStyle/>
           <a:p>
             <a:r>
-              <a:rPr lang="en-US" dirty="0" smtClean="0"/>
+              <a:rPr lang="en-US" dirty="0"/>
               <a:t>The </a:t>
             </a:r>
             <a:r>
-              <a:rPr lang="en-US" b="1" dirty="0" smtClean="0"/>
+              <a:rPr lang="en-US" b="1" dirty="0"/>
               <a:t>three pillars </a:t>
             </a:r>
             <a:r>
-              <a:rPr lang="en-US" dirty="0" smtClean="0"/>
+              <a:rPr lang="en-US" dirty="0"/>
               <a:t>of </a:t>
             </a:r>
             <a:r>
-              <a:rPr lang="en-US" b="1" dirty="0" smtClean="0"/>
+              <a:rPr lang="en-US" b="1" dirty="0"/>
               <a:t>Object-Oriented Programming</a:t>
             </a:r>
-            <a:endParaRPr lang="en-US" b="1" dirty="0"/>
           </a:p>
           <a:p>
             <a:pPr lvl="1"/>
             <a:r>
-              <a:rPr lang="en-US" dirty="0" smtClean="0"/>
+              <a:rPr lang="en-US" dirty="0"/>
               <a:t>Encapsulation (already covered)</a:t>
             </a:r>
           </a:p>
           <a:p>
             <a:pPr lvl="1"/>
             <a:r>
-              <a:rPr lang="en-US" dirty="0" smtClean="0"/>
+              <a:rPr lang="en-US" dirty="0"/>
               <a:t>Polymorphism (start idea today)</a:t>
             </a:r>
           </a:p>
@@ -9282,13 +9099,8 @@
             <a:pPr lvl="1"/>
             <a:r>
               <a:rPr lang="en-US" dirty="0"/>
-              <a:t>Inheritance </a:t>
-            </a:r>
-            <a:r>
-              <a:rPr lang="en-US" dirty="0" smtClean="0"/>
-              <a:t>(next week)</a:t>
-            </a:r>
-            <a:endParaRPr lang="en-US" dirty="0"/>
+              <a:t>Inheritance (next week)</a:t>
+            </a:r>
           </a:p>
           <a:p>
             <a:pPr lvl="1"/>
@@ -9306,13 +9118,6 @@
   <p:clrMapOvr>
     <a:masterClrMapping/>
   </p:clrMapOvr>
-  <p:timing>
-    <p:tnLst>
-      <p:par>
-        <p:cTn id="1" dur="indefinite" restart="never" nodeType="tmRoot"/>
-      </p:par>
-    </p:tnLst>
-  </p:timing>
 </p:sld>
 </file>
 
@@ -9349,10 +9154,9 @@
           <a:lstStyle/>
           <a:p>
             <a:r>
-              <a:rPr lang="en-US" dirty="0" smtClean="0"/>
+              <a:rPr lang="en-US" dirty="0"/>
               <a:t>Polymorphic method calls</a:t>
             </a:r>
-            <a:endParaRPr lang="en-US" dirty="0"/>
           </a:p>
         </p:txBody>
       </p:sp>
@@ -9374,40 +9178,40 @@
           <a:lstStyle/>
           <a:p>
             <a:r>
-              <a:rPr lang="en-US" dirty="0" err="1" smtClean="0"/>
+              <a:rPr lang="en-US" dirty="0" err="1"/>
               <a:t>pet.feed</a:t>
             </a:r>
             <a:r>
-              <a:rPr lang="en-US" dirty="0" smtClean="0"/>
+              <a:rPr lang="en-US" dirty="0"/>
               <a:t>() </a:t>
             </a:r>
             <a:r>
-              <a:rPr lang="en-US" b="1" dirty="0" smtClean="0"/>
+              <a:rPr lang="en-US" b="1" dirty="0"/>
               <a:t>could </a:t>
             </a:r>
             <a:r>
-              <a:rPr lang="en-US" dirty="0" smtClean="0"/>
+              <a:rPr lang="en-US" dirty="0"/>
               <a:t>call:</a:t>
             </a:r>
           </a:p>
           <a:p>
             <a:pPr lvl="1"/>
             <a:r>
-              <a:rPr lang="en-US" dirty="0" smtClean="0"/>
+              <a:rPr lang="en-US" dirty="0"/>
               <a:t>Dog’s feed()</a:t>
             </a:r>
           </a:p>
           <a:p>
             <a:pPr lvl="1"/>
             <a:r>
-              <a:rPr lang="en-US" dirty="0" smtClean="0"/>
+              <a:rPr lang="en-US" dirty="0"/>
               <a:t>Cat’s feed()</a:t>
             </a:r>
           </a:p>
           <a:p>
             <a:pPr lvl="1"/>
             <a:r>
-              <a:rPr lang="en-US" dirty="0" smtClean="0"/>
+              <a:rPr lang="en-US" dirty="0"/>
               <a:t>Fish’s feed()</a:t>
             </a:r>
           </a:p>
@@ -9416,48 +9220,47 @@
           </a:p>
           <a:p>
             <a:r>
-              <a:rPr lang="en-US" dirty="0" smtClean="0"/>
+              <a:rPr lang="en-US" dirty="0"/>
               <a:t>Your code is well designed if:</a:t>
             </a:r>
           </a:p>
           <a:p>
             <a:pPr lvl="1"/>
             <a:r>
-              <a:rPr lang="en-US" dirty="0" smtClean="0"/>
+              <a:rPr lang="en-US" dirty="0"/>
               <a:t>You </a:t>
             </a:r>
             <a:r>
-              <a:rPr lang="en-US" b="1" dirty="0" smtClean="0"/>
+              <a:rPr lang="en-US" b="1" dirty="0"/>
               <a:t>don’t</a:t>
             </a:r>
             <a:r>
-              <a:rPr lang="en-US" dirty="0" smtClean="0"/>
+              <a:rPr lang="en-US" dirty="0"/>
               <a:t> </a:t>
             </a:r>
             <a:r>
-              <a:rPr lang="en-US" b="1" dirty="0" smtClean="0"/>
+              <a:rPr lang="en-US" b="1" dirty="0"/>
               <a:t>need</a:t>
             </a:r>
             <a:r>
-              <a:rPr lang="en-US" dirty="0" smtClean="0"/>
+              <a:rPr lang="en-US" dirty="0"/>
               <a:t> </a:t>
             </a:r>
             <a:r>
-              <a:rPr lang="en-US" b="1" dirty="0" smtClean="0"/>
+              <a:rPr lang="en-US" b="1" dirty="0"/>
               <a:t>to know</a:t>
             </a:r>
             <a:r>
-              <a:rPr lang="en-US" dirty="0" smtClean="0"/>
+              <a:rPr lang="en-US" dirty="0"/>
               <a:t> which implementation is used.</a:t>
             </a:r>
           </a:p>
           <a:p>
             <a:pPr lvl="1"/>
             <a:r>
-              <a:rPr lang="en-US" dirty="0" smtClean="0"/>
+              <a:rPr lang="en-US" dirty="0"/>
               <a:t>The end result is the same. (“pet is fed”)</a:t>
             </a:r>
-            <a:endParaRPr lang="en-US" dirty="0"/>
           </a:p>
         </p:txBody>
       </p:sp>
@@ -9499,10 +9302,9 @@
           <a:lstStyle/>
           <a:p>
             <a:r>
-              <a:rPr lang="en-US" dirty="0" smtClean="0"/>
+              <a:rPr lang="en-US" dirty="0"/>
               <a:t>Q5</a:t>
             </a:r>
-            <a:endParaRPr lang="en-US" dirty="0"/>
           </a:p>
         </p:txBody>
       </p:sp>
@@ -9555,10 +9357,9 @@
               <a:defRPr/>
             </a:pPr>
             <a:r>
-              <a:rPr lang="en-US" dirty="0" smtClean="0"/>
+              <a:rPr lang="en-US" dirty="0"/>
               <a:t>How does all this help reuse?</a:t>
             </a:r>
-            <a:endParaRPr lang="en-US" dirty="0"/>
           </a:p>
         </p:txBody>
       </p:sp>
@@ -9588,15 +9389,15 @@
               <a:defRPr/>
             </a:pPr>
             <a:r>
-              <a:rPr lang="en-US" dirty="0" smtClean="0"/>
+              <a:rPr lang="en-US" dirty="0"/>
               <a:t>Can pass an </a:t>
             </a:r>
             <a:r>
-              <a:rPr lang="en-US" b="1" dirty="0" smtClean="0"/>
+              <a:rPr lang="en-US" b="1" dirty="0"/>
               <a:t>instance</a:t>
             </a:r>
             <a:r>
-              <a:rPr lang="en-US" dirty="0" smtClean="0"/>
+              <a:rPr lang="en-US" dirty="0"/>
               <a:t> of a class where an interface type is expected</a:t>
             </a:r>
           </a:p>
@@ -9605,21 +9406,21 @@
               <a:defRPr/>
             </a:pPr>
             <a:r>
-              <a:rPr lang="en-US" dirty="0" smtClean="0"/>
+              <a:rPr lang="en-US" dirty="0"/>
               <a:t>But only </a:t>
             </a:r>
             <a:r>
-              <a:rPr lang="en-US" i="1" dirty="0" smtClean="0"/>
+              <a:rPr lang="en-US" i="1" dirty="0"/>
               <a:t>if the class </a:t>
             </a:r>
             <a:r>
-              <a:rPr lang="en-US" b="1" i="1" dirty="0" smtClean="0">
+              <a:rPr lang="en-US" b="1" i="1" dirty="0">
                 <a:latin typeface="Consolas" pitchFamily="49" charset="0"/>
               </a:rPr>
               <a:t>implements</a:t>
             </a:r>
             <a:r>
-              <a:rPr lang="en-US" i="1" dirty="0" smtClean="0"/>
+              <a:rPr lang="en-US" i="1" dirty="0"/>
               <a:t> the interface</a:t>
             </a:r>
           </a:p>
@@ -9627,22 +9428,22 @@
             <a:pPr>
               <a:defRPr/>
             </a:pPr>
-            <a:endParaRPr lang="en-US" dirty="0" smtClean="0"/>
+            <a:endParaRPr lang="en-US" dirty="0"/>
           </a:p>
           <a:p>
             <a:pPr>
               <a:defRPr/>
             </a:pPr>
             <a:r>
-              <a:rPr lang="en-US" dirty="0" smtClean="0"/>
+              <a:rPr lang="en-US" dirty="0"/>
               <a:t>We could add new functions to a </a:t>
             </a:r>
             <a:r>
-              <a:rPr lang="en-US" dirty="0" err="1" smtClean="0"/>
+              <a:rPr lang="en-US" dirty="0" err="1"/>
               <a:t>NumberSequence’s</a:t>
             </a:r>
             <a:r>
-              <a:rPr lang="en-US" dirty="0" smtClean="0"/>
+              <a:rPr lang="en-US" dirty="0"/>
               <a:t> abilities without changing the runner itself.</a:t>
             </a:r>
           </a:p>
@@ -9651,7 +9452,7 @@
               <a:defRPr/>
             </a:pPr>
             <a:r>
-              <a:rPr lang="en-US" dirty="0" smtClean="0"/>
+              <a:rPr lang="en-US" dirty="0"/>
               <a:t>Sort of like application “plug-ins”</a:t>
             </a:r>
           </a:p>
@@ -9659,22 +9460,22 @@
             <a:pPr>
               <a:defRPr/>
             </a:pPr>
-            <a:endParaRPr lang="en-US" dirty="0" smtClean="0"/>
+            <a:endParaRPr lang="en-US" dirty="0"/>
           </a:p>
           <a:p>
             <a:pPr>
               <a:defRPr/>
             </a:pPr>
             <a:r>
-              <a:rPr lang="en-US" dirty="0" smtClean="0"/>
+              <a:rPr lang="en-US" dirty="0"/>
               <a:t>We can use a new Pet interface without changing the method that uses the Pet instance. (When adding a Zebra class to </a:t>
             </a:r>
             <a:r>
-              <a:rPr lang="en-US" dirty="0" err="1" smtClean="0"/>
+              <a:rPr lang="en-US" dirty="0" err="1"/>
               <a:t>PetMain</a:t>
             </a:r>
             <a:r>
-              <a:rPr lang="en-US" dirty="0" smtClean="0"/>
+              <a:rPr lang="en-US" dirty="0"/>
               <a:t>, Zookeeper does not have to change!)</a:t>
             </a:r>
           </a:p>
@@ -9682,58 +9483,58 @@
             <a:pPr>
               <a:defRPr/>
             </a:pPr>
-            <a:endParaRPr lang="en-US" b="1" dirty="0" smtClean="0"/>
+            <a:endParaRPr lang="en-US" b="1" dirty="0"/>
           </a:p>
           <a:p>
             <a:pPr>
               <a:defRPr/>
             </a:pPr>
             <a:r>
-              <a:rPr lang="en-US" b="1" dirty="0" smtClean="0"/>
+              <a:rPr lang="en-US" b="1" dirty="0"/>
               <a:t>Use interface types </a:t>
             </a:r>
             <a:r>
-              <a:rPr lang="en-US" dirty="0" smtClean="0"/>
+              <a:rPr lang="en-US" dirty="0"/>
               <a:t>for field, method parameter, and return types whenever possible. Like Pet instead of Dog</a:t>
             </a:r>
             <a:r>
-              <a:rPr lang="en-US" dirty="0" smtClean="0">
+              <a:rPr lang="en-US" dirty="0">
                 <a:sym typeface="Wingdings"/>
               </a:rPr>
               <a:t>, and List for </a:t>
             </a:r>
             <a:r>
-              <a:rPr lang="en-US" dirty="0" err="1" smtClean="0">
+              <a:rPr lang="en-US" dirty="0" err="1">
                 <a:sym typeface="Wingdings"/>
               </a:rPr>
               <a:t>ArrayList</a:t>
             </a:r>
             <a:r>
-              <a:rPr lang="en-US" dirty="0" smtClean="0">
+              <a:rPr lang="en-US" dirty="0">
                 <a:sym typeface="Wingdings"/>
               </a:rPr>
               <a:t>.</a:t>
             </a:r>
-            <a:endParaRPr lang="en-US" dirty="0" smtClean="0"/>
+            <a:endParaRPr lang="en-US" dirty="0"/>
           </a:p>
           <a:p>
             <a:pPr lvl="1">
               <a:defRPr/>
             </a:pPr>
             <a:r>
-              <a:rPr lang="en-US" b="1" dirty="0" smtClean="0"/>
+              <a:rPr lang="en-US" b="1" dirty="0"/>
               <a:t>List</a:t>
             </a:r>
             <a:r>
-              <a:rPr lang="en-US" dirty="0" smtClean="0"/>
+              <a:rPr lang="en-US" dirty="0"/>
               <a:t>&lt;Pet&gt; pets= new </a:t>
             </a:r>
             <a:r>
-              <a:rPr lang="en-US" dirty="0" err="1" smtClean="0"/>
+              <a:rPr lang="en-US" dirty="0" err="1"/>
               <a:t>ArrayList</a:t>
             </a:r>
             <a:r>
-              <a:rPr lang="en-US" dirty="0" smtClean="0"/>
+              <a:rPr lang="en-US" dirty="0"/>
               <a:t>&lt;Pet&gt;();</a:t>
             </a:r>
           </a:p>
@@ -9749,13 +9550,8 @@
             </a:pPr>
             <a:r>
               <a:rPr lang="en-US" dirty="0"/>
-              <a:t>Next time: because of interfaces, we can add classes that listen for Button presses and mouse clicks, without changing the Button or window</a:t>
-            </a:r>
-            <a:r>
-              <a:rPr lang="en-US" dirty="0" smtClean="0"/>
-              <a:t>.</a:t>
-            </a:r>
-            <a:endParaRPr lang="en-US" dirty="0"/>
+              <a:t>Next time: because of interfaces, we can add classes that listen for Button presses and mouse clicks, without changing the Button or window.</a:t>
+            </a:r>
           </a:p>
         </p:txBody>
       </p:sp>
@@ -9769,13 +9565,6 @@
   <p:clrMapOvr>
     <a:masterClrMapping/>
   </p:clrMapOvr>
-  <p:timing>
-    <p:tnLst>
-      <p:par>
-        <p:cTn id="1" dur="indefinite" restart="never" nodeType="tmRoot"/>
-      </p:par>
-    </p:tnLst>
-  </p:timing>
 </p:sld>
 </file>
 
@@ -9814,10 +9603,9 @@
           <a:lstStyle/>
           <a:p>
             <a:r>
-              <a:rPr lang="en-US" dirty="0" smtClean="0"/>
+              <a:rPr lang="en-US" dirty="0"/>
               <a:t>Interfaces – What, When, Why, How?</a:t>
             </a:r>
-            <a:endParaRPr lang="en-US" dirty="0"/>
           </a:p>
         </p:txBody>
       </p:sp>
@@ -9839,50 +9627,30 @@
           <a:lstStyle/>
           <a:p>
             <a:r>
-              <a:rPr lang="en-US" dirty="0" smtClean="0"/>
+              <a:rPr lang="en-US" dirty="0"/>
               <a:t>What:</a:t>
             </a:r>
           </a:p>
           <a:p>
             <a:pPr lvl="1"/>
             <a:r>
-              <a:rPr lang="en-US" dirty="0" smtClean="0"/>
-              <a:t>Code </a:t>
-            </a:r>
-            <a:r>
-              <a:rPr lang="en-US" dirty="0" smtClean="0"/>
-              <a:t>structure that looks like a class</a:t>
+              <a:rPr lang="en-US" dirty="0"/>
+              <a:t>Code structure that looks like a class</a:t>
             </a:r>
           </a:p>
           <a:p>
             <a:pPr lvl="1"/>
             <a:r>
-              <a:rPr lang="en-US" dirty="0" smtClean="0"/>
-              <a:t>Used </a:t>
-            </a:r>
-            <a:r>
-              <a:rPr lang="en-US" dirty="0" smtClean="0"/>
-              <a:t>to express operations that multiple </a:t>
-            </a:r>
-            <a:r>
-              <a:rPr lang="en-US" dirty="0" smtClean="0"/>
-              <a:t>classes </a:t>
-            </a:r>
-            <a:r>
-              <a:rPr lang="en-US" dirty="0" smtClean="0"/>
-              <a:t>have in </a:t>
-            </a:r>
-            <a:r>
-              <a:rPr lang="en-US" dirty="0" smtClean="0"/>
-              <a:t>common</a:t>
-            </a:r>
-          </a:p>
-          <a:p>
-            <a:endParaRPr lang="en-US" dirty="0" smtClean="0"/>
-          </a:p>
-          <a:p>
-            <a:r>
-              <a:rPr lang="en-US" dirty="0" smtClean="0"/>
+              <a:rPr lang="en-US" dirty="0"/>
+              <a:t>Used to express operations that multiple classes have in common</a:t>
+            </a:r>
+          </a:p>
+          <a:p>
+            <a:endParaRPr lang="en-US" dirty="0"/>
+          </a:p>
+          <a:p>
+            <a:r>
+              <a:rPr lang="en-US" dirty="0"/>
               <a:t>Differences from classes:</a:t>
             </a:r>
           </a:p>
@@ -9890,49 +9658,37 @@
             <a:pPr lvl="1"/>
             <a:r>
               <a:rPr lang="en-US" dirty="0"/>
-              <a:t>No </a:t>
-            </a:r>
-            <a:r>
-              <a:rPr lang="en-US" dirty="0" smtClean="0"/>
-              <a:t>fields.</a:t>
+              <a:t>No fields.</a:t>
             </a:r>
           </a:p>
           <a:p>
             <a:pPr lvl="1"/>
             <a:r>
-              <a:rPr lang="en-US" dirty="0" smtClean="0"/>
-              <a:t>Methods </a:t>
-            </a:r>
-            <a:r>
-              <a:rPr lang="en-US" dirty="0" smtClean="0"/>
-              <a:t>contain </a:t>
-            </a:r>
-            <a:r>
-              <a:rPr lang="en-US" b="1" dirty="0" smtClean="0"/>
+              <a:rPr lang="en-US" dirty="0"/>
+              <a:t>Methods contain </a:t>
+            </a:r>
+            <a:r>
+              <a:rPr lang="en-US" b="1" dirty="0"/>
               <a:t>no code</a:t>
             </a:r>
             <a:r>
-              <a:rPr lang="en-US" dirty="0" smtClean="0"/>
+              <a:rPr lang="en-US" dirty="0"/>
               <a:t>.</a:t>
             </a:r>
           </a:p>
           <a:p>
-            <a:endParaRPr lang="en-US" dirty="0" smtClean="0"/>
-          </a:p>
-          <a:p>
-            <a:r>
-              <a:rPr lang="en-US" dirty="0" smtClean="0"/>
-              <a:t>When</a:t>
-            </a:r>
-            <a:r>
-              <a:rPr lang="en-US" dirty="0" smtClean="0"/>
-              <a:t>:</a:t>
+            <a:endParaRPr lang="en-US" dirty="0"/>
+          </a:p>
+          <a:p>
+            <a:r>
+              <a:rPr lang="en-US" dirty="0"/>
+              <a:t>When:</a:t>
             </a:r>
           </a:p>
           <a:p>
             <a:pPr lvl="1"/>
             <a:r>
-              <a:rPr lang="en-US" dirty="0" smtClean="0"/>
+              <a:rPr lang="en-US" dirty="0"/>
               <a:t>When abstracting an idea that has multiple, different implementations</a:t>
             </a:r>
           </a:p>
@@ -9948,13 +9704,6 @@
   <p:clrMapOvr>
     <a:masterClrMapping/>
   </p:clrMapOvr>
-  <p:timing>
-    <p:tnLst>
-      <p:par>
-        <p:cTn id="1" dur="indefinite" restart="never" nodeType="tmRoot"/>
-      </p:par>
-    </p:tnLst>
-  </p:timing>
 </p:sld>
 </file>
 
@@ -9991,11 +9740,11 @@
           <a:lstStyle/>
           <a:p>
             <a:r>
-              <a:rPr lang="en-US" dirty="0" smtClean="0"/>
+              <a:rPr lang="en-US" dirty="0"/>
               <a:t>Open </a:t>
             </a:r>
             <a:r>
-              <a:rPr lang="en-US" dirty="0" err="1" smtClean="0"/>
+              <a:rPr lang="en-US" dirty="0" err="1"/>
               <a:t>simpleExample</a:t>
             </a:r>
             <a:endParaRPr lang="en-US" dirty="0"/>
@@ -10031,13 +9780,6 @@
   <p:clrMapOvr>
     <a:masterClrMapping/>
   </p:clrMapOvr>
-  <p:timing>
-    <p:tnLst>
-      <p:par>
-        <p:cTn id="1" dur="indefinite" restart="never" nodeType="tmRoot"/>
-      </p:par>
-    </p:tnLst>
-  </p:timing>
 </p:sld>
 </file>
 
@@ -10077,10 +9819,9 @@
               <a:defRPr/>
             </a:pPr>
             <a:r>
-              <a:rPr lang="en-US" dirty="0" smtClean="0"/>
+              <a:rPr lang="en-US" dirty="0"/>
               <a:t>Notation: In Code</a:t>
             </a:r>
-            <a:endParaRPr lang="en-US" dirty="0"/>
           </a:p>
         </p:txBody>
       </p:sp>
@@ -10136,7 +9877,7 @@
               <a:t> </a:t>
             </a:r>
             <a:r>
-              <a:rPr lang="en-US" sz="2400" b="1" dirty="0" err="1" smtClean="0">
+              <a:rPr lang="en-US" sz="2400" b="1" dirty="0" err="1">
                 <a:solidFill>
                   <a:schemeClr val="accent5"/>
                 </a:solidFill>
@@ -10145,13 +9886,50 @@
               <a:t>InterfaceName</a:t>
             </a:r>
             <a:r>
-              <a:rPr lang="en-US" sz="2400" b="1" dirty="0" smtClean="0">
+              <a:rPr lang="en-US" sz="2400" b="1" dirty="0">
                 <a:solidFill>
                   <a:schemeClr val="accent5"/>
                 </a:solidFill>
                 <a:latin typeface="Consolas" pitchFamily="49" charset="0"/>
               </a:rPr>
               <a:t>{</a:t>
+            </a:r>
+          </a:p>
+          <a:p>
+            <a:pPr>
+              <a:defRPr/>
+            </a:pPr>
+            <a:r>
+              <a:rPr lang="en-US" sz="2400" b="1" dirty="0">
+                <a:solidFill>
+                  <a:schemeClr val="accent5"/>
+                </a:solidFill>
+                <a:latin typeface="Consolas" pitchFamily="49" charset="0"/>
+              </a:rPr>
+              <a:t>	/**</a:t>
+            </a:r>
+          </a:p>
+          <a:p>
+            <a:pPr>
+              <a:defRPr/>
+            </a:pPr>
+            <a:r>
+              <a:rPr lang="en-US" sz="2400" b="1" dirty="0">
+                <a:solidFill>
+                  <a:schemeClr val="accent5"/>
+                </a:solidFill>
+                <a:latin typeface="Consolas" pitchFamily="49" charset="0"/>
+              </a:rPr>
+              <a:t>	 *  regular </a:t>
+            </a:r>
+            <a:r>
+              <a:rPr lang="en-US" sz="2400" b="1" dirty="0" err="1">
+                <a:solidFill>
+                  <a:schemeClr val="accent5"/>
+                </a:solidFill>
+                <a:latin typeface="Consolas" pitchFamily="49" charset="0"/>
+              </a:rPr>
+              <a:t>javadocs</a:t>
             </a:r>
             <a:endParaRPr lang="en-US" sz="2400" b="1" dirty="0">
               <a:solidFill>
@@ -10171,7 +9949,7 @@
                 </a:solidFill>
                 <a:latin typeface="Consolas" pitchFamily="49" charset="0"/>
               </a:rPr>
-              <a:t>	/**</a:t>
+              <a:t>	 */</a:t>
             </a:r>
           </a:p>
           <a:p>
@@ -10185,17 +9963,76 @@
                 </a:solidFill>
                 <a:latin typeface="Consolas" pitchFamily="49" charset="0"/>
               </a:rPr>
-              <a:t>	 *  regular </a:t>
-            </a:r>
-            <a:r>
-              <a:rPr lang="en-US" sz="2400" b="1" dirty="0" err="1" smtClean="0">
+              <a:t>	void </a:t>
+            </a:r>
+            <a:r>
+              <a:rPr lang="en-US" sz="2400" b="1" dirty="0" err="1">
                 <a:solidFill>
                   <a:schemeClr val="accent5"/>
                 </a:solidFill>
                 <a:latin typeface="Consolas" pitchFamily="49" charset="0"/>
               </a:rPr>
-              <a:t>javadocs</a:t>
-            </a:r>
+              <a:t>methodName</a:t>
+            </a:r>
+            <a:r>
+              <a:rPr lang="en-US" sz="2400" b="1" dirty="0">
+                <a:solidFill>
+                  <a:schemeClr val="accent5"/>
+                </a:solidFill>
+                <a:latin typeface="Consolas" pitchFamily="49" charset="0"/>
+              </a:rPr>
+              <a:t>(</a:t>
+            </a:r>
+            <a:r>
+              <a:rPr lang="en-US" sz="2400" b="1" dirty="0" err="1">
+                <a:solidFill>
+                  <a:schemeClr val="accent5"/>
+                </a:solidFill>
+                <a:latin typeface="Consolas" pitchFamily="49" charset="0"/>
+              </a:rPr>
+              <a:t>int</a:t>
+            </a:r>
+            <a:r>
+              <a:rPr lang="en-US" sz="2400" b="1" dirty="0">
+                <a:solidFill>
+                  <a:schemeClr val="accent5"/>
+                </a:solidFill>
+                <a:latin typeface="Consolas" pitchFamily="49" charset="0"/>
+              </a:rPr>
+              <a:t> x, </a:t>
+            </a:r>
+            <a:r>
+              <a:rPr lang="en-US" sz="2400" b="1" dirty="0" err="1">
+                <a:solidFill>
+                  <a:schemeClr val="accent5"/>
+                </a:solidFill>
+                <a:latin typeface="Consolas" pitchFamily="49" charset="0"/>
+              </a:rPr>
+              <a:t>int</a:t>
+            </a:r>
+            <a:r>
+              <a:rPr lang="en-US" sz="2400" b="1" dirty="0">
+                <a:solidFill>
+                  <a:schemeClr val="accent5"/>
+                </a:solidFill>
+                <a:latin typeface="Consolas" pitchFamily="49" charset="0"/>
+              </a:rPr>
+              <a:t> y)</a:t>
+            </a:r>
+            <a:r>
+              <a:rPr lang="en-US" sz="2400" b="1" dirty="0">
+                <a:solidFill>
+                  <a:schemeClr val="accent3"/>
+                </a:solidFill>
+                <a:latin typeface="Consolas" pitchFamily="49" charset="0"/>
+              </a:rPr>
+              <a:t>;</a:t>
+            </a:r>
+          </a:p>
+          <a:p>
+            <a:pPr>
+              <a:defRPr/>
+            </a:pPr>
             <a:endParaRPr lang="en-US" sz="2400" b="1" dirty="0">
               <a:solidFill>
                 <a:schemeClr val="accent5"/>
@@ -10214,6 +10051,52 @@
                 </a:solidFill>
                 <a:latin typeface="Consolas" pitchFamily="49" charset="0"/>
               </a:rPr>
+              <a:t>	/**</a:t>
+            </a:r>
+          </a:p>
+          <a:p>
+            <a:pPr>
+              <a:defRPr/>
+            </a:pPr>
+            <a:r>
+              <a:rPr lang="en-US" sz="2400" b="1" dirty="0">
+                <a:solidFill>
+                  <a:schemeClr val="accent5"/>
+                </a:solidFill>
+                <a:latin typeface="Consolas" pitchFamily="49" charset="0"/>
+              </a:rPr>
+              <a:t>	 *  regular </a:t>
+            </a:r>
+            <a:r>
+              <a:rPr lang="en-US" sz="2400" b="1" dirty="0" err="1">
+                <a:solidFill>
+                  <a:schemeClr val="accent5"/>
+                </a:solidFill>
+                <a:latin typeface="Consolas" pitchFamily="49" charset="0"/>
+              </a:rPr>
+              <a:t>javadocs</a:t>
+            </a:r>
+            <a:r>
+              <a:rPr lang="en-US" sz="2400" b="1" dirty="0">
+                <a:solidFill>
+                  <a:schemeClr val="accent5"/>
+                </a:solidFill>
+                <a:latin typeface="Consolas" pitchFamily="49" charset="0"/>
+              </a:rPr>
+              <a:t> here</a:t>
+            </a:r>
+          </a:p>
+          <a:p>
+            <a:pPr>
+              <a:defRPr/>
+            </a:pPr>
+            <a:r>
+              <a:rPr lang="en-US" sz="2400" b="1" dirty="0">
+                <a:solidFill>
+                  <a:schemeClr val="accent5"/>
+                </a:solidFill>
+                <a:latin typeface="Consolas" pitchFamily="49" charset="0"/>
+              </a:rPr>
               <a:t>	 */</a:t>
             </a:r>
           </a:p>
@@ -10231,34 +10114,7 @@
               <a:t>	</a:t>
             </a:r>
             <a:r>
-              <a:rPr lang="en-US" sz="2400" b="1" dirty="0" smtClean="0">
-                <a:solidFill>
-                  <a:schemeClr val="accent5"/>
-                </a:solidFill>
-                <a:latin typeface="Consolas" pitchFamily="49" charset="0"/>
-              </a:rPr>
-              <a:t>void </a:t>
-            </a:r>
-            <a:r>
-              <a:rPr lang="en-US" sz="2400" b="1" dirty="0" err="1" smtClean="0">
-                <a:solidFill>
-                  <a:schemeClr val="accent5"/>
-                </a:solidFill>
-                <a:latin typeface="Consolas" pitchFamily="49" charset="0"/>
-              </a:rPr>
-              <a:t>methodName</a:t>
-            </a:r>
-            <a:r>
-              <a:rPr lang="en-US" sz="2400" b="1" dirty="0" smtClean="0">
-                <a:solidFill>
-                  <a:schemeClr val="accent5"/>
-                </a:solidFill>
-                <a:latin typeface="Consolas" pitchFamily="49" charset="0"/>
-              </a:rPr>
-              <a:t>(</a:t>
-            </a:r>
-            <a:r>
-              <a:rPr lang="en-US" sz="2400" b="1" dirty="0" err="1" smtClean="0">
+              <a:rPr lang="en-US" sz="2400" b="1" dirty="0" err="1">
                 <a:solidFill>
                   <a:schemeClr val="accent5"/>
                 </a:solidFill>
@@ -10267,7 +10123,7 @@
               <a:t>int</a:t>
             </a:r>
             <a:r>
-              <a:rPr lang="en-US" sz="2400" b="1" dirty="0" smtClean="0">
+              <a:rPr lang="en-US" sz="2400" b="1" dirty="0">
                 <a:solidFill>
                   <a:schemeClr val="accent5"/>
                 </a:solidFill>
@@ -10276,146 +10132,7 @@
               <a:t> </a:t>
             </a:r>
             <a:r>
-              <a:rPr lang="en-US" sz="2400" b="1" dirty="0">
-                <a:solidFill>
-                  <a:schemeClr val="accent5"/>
-                </a:solidFill>
-                <a:latin typeface="Consolas" pitchFamily="49" charset="0"/>
-              </a:rPr>
-              <a:t>x, </a:t>
-            </a:r>
-            <a:r>
               <a:rPr lang="en-US" sz="2400" b="1" dirty="0" err="1">
-                <a:solidFill>
-                  <a:schemeClr val="accent5"/>
-                </a:solidFill>
-                <a:latin typeface="Consolas" pitchFamily="49" charset="0"/>
-              </a:rPr>
-              <a:t>int</a:t>
-            </a:r>
-            <a:r>
-              <a:rPr lang="en-US" sz="2400" b="1" dirty="0">
-                <a:solidFill>
-                  <a:schemeClr val="accent5"/>
-                </a:solidFill>
-                <a:latin typeface="Consolas" pitchFamily="49" charset="0"/>
-              </a:rPr>
-              <a:t> y)</a:t>
-            </a:r>
-            <a:r>
-              <a:rPr lang="en-US" sz="2400" b="1" dirty="0">
-                <a:solidFill>
-                  <a:schemeClr val="accent3"/>
-                </a:solidFill>
-                <a:latin typeface="Consolas" pitchFamily="49" charset="0"/>
-              </a:rPr>
-              <a:t>;</a:t>
-            </a:r>
-          </a:p>
-          <a:p>
-            <a:pPr>
-              <a:defRPr/>
-            </a:pPr>
-            <a:endParaRPr lang="en-US" sz="2400" b="1" dirty="0">
-              <a:solidFill>
-                <a:schemeClr val="accent5"/>
-              </a:solidFill>
-              <a:latin typeface="Consolas" pitchFamily="49" charset="0"/>
-            </a:endParaRPr>
-          </a:p>
-          <a:p>
-            <a:pPr>
-              <a:defRPr/>
-            </a:pPr>
-            <a:r>
-              <a:rPr lang="en-US" sz="2400" b="1" dirty="0">
-                <a:solidFill>
-                  <a:schemeClr val="accent5"/>
-                </a:solidFill>
-                <a:latin typeface="Consolas" pitchFamily="49" charset="0"/>
-              </a:rPr>
-              <a:t>	/**</a:t>
-            </a:r>
-          </a:p>
-          <a:p>
-            <a:pPr>
-              <a:defRPr/>
-            </a:pPr>
-            <a:r>
-              <a:rPr lang="en-US" sz="2400" b="1" dirty="0">
-                <a:solidFill>
-                  <a:schemeClr val="accent5"/>
-                </a:solidFill>
-                <a:latin typeface="Consolas" pitchFamily="49" charset="0"/>
-              </a:rPr>
-              <a:t>	 *  regular </a:t>
-            </a:r>
-            <a:r>
-              <a:rPr lang="en-US" sz="2400" b="1" dirty="0" err="1">
-                <a:solidFill>
-                  <a:schemeClr val="accent5"/>
-                </a:solidFill>
-                <a:latin typeface="Consolas" pitchFamily="49" charset="0"/>
-              </a:rPr>
-              <a:t>javadocs</a:t>
-            </a:r>
-            <a:r>
-              <a:rPr lang="en-US" sz="2400" b="1" dirty="0">
-                <a:solidFill>
-                  <a:schemeClr val="accent5"/>
-                </a:solidFill>
-                <a:latin typeface="Consolas" pitchFamily="49" charset="0"/>
-              </a:rPr>
-              <a:t> here</a:t>
-            </a:r>
-          </a:p>
-          <a:p>
-            <a:pPr>
-              <a:defRPr/>
-            </a:pPr>
-            <a:r>
-              <a:rPr lang="en-US" sz="2400" b="1" dirty="0">
-                <a:solidFill>
-                  <a:schemeClr val="accent5"/>
-                </a:solidFill>
-                <a:latin typeface="Consolas" pitchFamily="49" charset="0"/>
-              </a:rPr>
-              <a:t>	 */</a:t>
-            </a:r>
-          </a:p>
-          <a:p>
-            <a:pPr>
-              <a:defRPr/>
-            </a:pPr>
-            <a:r>
-              <a:rPr lang="en-US" sz="2400" b="1" dirty="0">
-                <a:solidFill>
-                  <a:schemeClr val="accent5"/>
-                </a:solidFill>
-                <a:latin typeface="Consolas" pitchFamily="49" charset="0"/>
-              </a:rPr>
-              <a:t>	</a:t>
-            </a:r>
-            <a:r>
-              <a:rPr lang="en-US" sz="2400" b="1" dirty="0" err="1" smtClean="0">
-                <a:solidFill>
-                  <a:schemeClr val="accent5"/>
-                </a:solidFill>
-                <a:latin typeface="Consolas" pitchFamily="49" charset="0"/>
-              </a:rPr>
-              <a:t>int</a:t>
-            </a:r>
-            <a:r>
-              <a:rPr lang="en-US" sz="2400" b="1" dirty="0" smtClean="0">
-                <a:solidFill>
-                  <a:schemeClr val="accent5"/>
-                </a:solidFill>
-                <a:latin typeface="Consolas" pitchFamily="49" charset="0"/>
-              </a:rPr>
-              <a:t> </a:t>
-            </a:r>
-            <a:r>
-              <a:rPr lang="en-US" sz="2400" b="1" dirty="0" err="1" smtClean="0">
                 <a:solidFill>
                   <a:schemeClr val="accent5"/>
                 </a:solidFill>
@@ -10424,22 +10141,13 @@
               <a:t>doSomething</a:t>
             </a:r>
             <a:r>
-              <a:rPr lang="en-US" sz="2400" b="1" dirty="0" smtClean="0">
+              <a:rPr lang="en-US" sz="2400" b="1" dirty="0">
                 <a:solidFill>
                   <a:schemeClr val="accent5"/>
                 </a:solidFill>
                 <a:latin typeface="Consolas" pitchFamily="49" charset="0"/>
               </a:rPr>
-              <a:t>(Graphics2D </a:t>
-            </a:r>
-            <a:r>
-              <a:rPr lang="en-US" sz="2400" b="1" dirty="0">
-                <a:solidFill>
-                  <a:schemeClr val="accent5"/>
-                </a:solidFill>
-                <a:latin typeface="Consolas" pitchFamily="49" charset="0"/>
-              </a:rPr>
-              <a:t>g)</a:t>
+              <a:t>(Graphics2D g)</a:t>
             </a:r>
             <a:r>
               <a:rPr lang="en-US" sz="2400" b="1" dirty="0">
@@ -10501,7 +10209,7 @@
               <a:t>public class </a:t>
             </a:r>
             <a:r>
-              <a:rPr lang="en-US" sz="2400" b="1" dirty="0" err="1" smtClean="0">
+              <a:rPr lang="en-US" sz="2400" b="1" dirty="0" err="1">
                 <a:solidFill>
                   <a:schemeClr val="accent5"/>
                 </a:solidFill>
@@ -10510,7 +10218,7 @@
               <a:t>SomeClass</a:t>
             </a:r>
             <a:r>
-              <a:rPr lang="en-US" sz="2400" b="1" dirty="0" smtClean="0">
+              <a:rPr lang="en-US" sz="2400" b="1" dirty="0">
                 <a:solidFill>
                   <a:schemeClr val="accent5"/>
                 </a:solidFill>
@@ -10519,7 +10227,7 @@
               <a:t> </a:t>
             </a:r>
             <a:r>
-              <a:rPr lang="en-US" sz="2400" b="1" dirty="0" smtClean="0">
+              <a:rPr lang="en-US" sz="2400" b="1" dirty="0">
                 <a:solidFill>
                   <a:schemeClr val="accent3"/>
                 </a:solidFill>
@@ -10528,7 +10236,7 @@
               <a:t>implements </a:t>
             </a:r>
             <a:r>
-              <a:rPr lang="en-US" sz="2400" b="1" dirty="0" err="1" smtClean="0">
+              <a:rPr lang="en-US" sz="2400" b="1" dirty="0" err="1">
                 <a:solidFill>
                   <a:schemeClr val="accent3"/>
                 </a:solidFill>
@@ -10537,7 +10245,7 @@
               <a:t>InterfaceName</a:t>
             </a:r>
             <a:r>
-              <a:rPr lang="en-US" sz="2400" b="1" dirty="0" smtClean="0">
+              <a:rPr lang="en-US" sz="2400" b="1" dirty="0">
                 <a:solidFill>
                   <a:schemeClr val="accent3"/>
                 </a:solidFill>
@@ -10546,22 +10254,13 @@
               <a:t> </a:t>
             </a:r>
             <a:r>
-              <a:rPr lang="en-US" sz="2400" b="1" dirty="0" smtClean="0">
+              <a:rPr lang="en-US" sz="2400" b="1" dirty="0">
                 <a:solidFill>
                   <a:schemeClr val="accent5"/>
                 </a:solidFill>
                 <a:latin typeface="Consolas" pitchFamily="49" charset="0"/>
               </a:rPr>
               <a:t>{</a:t>
-            </a:r>
-            <a:r>
-              <a:rPr lang="en-US" sz="2400" b="1" dirty="0">
-                <a:solidFill>
-                  <a:schemeClr val="accent5"/>
-                </a:solidFill>
-                <a:latin typeface="Consolas" pitchFamily="49" charset="0"/>
-              </a:rPr>
-              <a:t/>
             </a:r>
             <a:br>
               <a:rPr lang="en-US" sz="2400" b="1" dirty="0">
@@ -10698,10 +10397,9 @@
               <a:defRPr/>
             </a:pPr>
             <a:r>
-              <a:rPr lang="en-US" dirty="0" smtClean="0"/>
+              <a:rPr lang="en-US" dirty="0"/>
               <a:t>Automatically public, so we don’t specify it</a:t>
             </a:r>
-            <a:endParaRPr lang="en-US" dirty="0"/>
           </a:p>
         </p:txBody>
       </p:sp>
@@ -10751,34 +10449,29 @@
               <a:defRPr/>
             </a:pPr>
             <a:r>
-              <a:rPr lang="en-US" b="1" dirty="0" err="1" smtClean="0"/>
+              <a:rPr lang="en-US" b="1" dirty="0" err="1"/>
               <a:t>SomeClass</a:t>
             </a:r>
             <a:r>
-              <a:rPr lang="en-US" b="1" dirty="0" smtClean="0"/>
+              <a:rPr lang="en-US" b="1" dirty="0"/>
               <a:t> </a:t>
             </a:r>
             <a:r>
-              <a:rPr lang="en-US" dirty="0" smtClean="0"/>
-              <a:t>promises </a:t>
-            </a:r>
-            <a:r>
-              <a:rPr lang="en-US" dirty="0"/>
-              <a:t>to implement all the methods declared in the </a:t>
-            </a:r>
-            <a:r>
-              <a:rPr lang="en-US" b="1" dirty="0" err="1" smtClean="0"/>
+              <a:rPr lang="en-US" dirty="0"/>
+              <a:t>promises to implement all the methods declared in the </a:t>
+            </a:r>
+            <a:r>
+              <a:rPr lang="en-US" b="1" dirty="0" err="1"/>
               <a:t>InterfaceName</a:t>
             </a:r>
             <a:r>
-              <a:rPr lang="en-US" b="1" dirty="0" smtClean="0"/>
+              <a:rPr lang="en-US" b="1" dirty="0"/>
               <a:t> </a:t>
             </a:r>
             <a:r>
-              <a:rPr lang="en-US" dirty="0" smtClean="0"/>
+              <a:rPr lang="en-US" dirty="0"/>
               <a:t>interface</a:t>
             </a:r>
-            <a:endParaRPr lang="en-US" dirty="0"/>
           </a:p>
         </p:txBody>
       </p:sp>
@@ -11001,10 +10694,9 @@
               <a:defRPr/>
             </a:pPr>
             <a:r>
-              <a:rPr lang="en-US" dirty="0" smtClean="0"/>
+              <a:rPr lang="en-US" dirty="0"/>
               <a:t>Interface Types: Key Idea</a:t>
             </a:r>
-            <a:endParaRPr lang="en-US" dirty="0"/>
           </a:p>
         </p:txBody>
       </p:sp>
@@ -11034,11 +10726,11 @@
               <a:defRPr/>
             </a:pPr>
             <a:r>
-              <a:rPr lang="en-US" dirty="0" smtClean="0"/>
+              <a:rPr lang="en-US" dirty="0"/>
               <a:t>Interface types are like </a:t>
             </a:r>
             <a:r>
-              <a:rPr lang="en-US" b="1" dirty="0" smtClean="0">
+              <a:rPr lang="en-US" b="1" dirty="0">
                 <a:solidFill>
                   <a:schemeClr val="accent2"/>
                 </a:solidFill>
@@ -11050,22 +10742,18 @@
             <a:pPr>
               <a:defRPr/>
             </a:pPr>
-            <a:endParaRPr lang="en-US" dirty="0" smtClean="0"/>
+            <a:endParaRPr lang="en-US" dirty="0"/>
           </a:p>
           <a:p>
             <a:pPr>
               <a:defRPr/>
             </a:pPr>
             <a:r>
-              <a:rPr lang="en-US" dirty="0" smtClean="0"/>
-              <a:t>A class </a:t>
-            </a:r>
-            <a:r>
-              <a:rPr lang="en-US" dirty="0" smtClean="0"/>
-              <a:t>can promise to </a:t>
-            </a:r>
-            <a:r>
-              <a:rPr lang="en-US" b="1" dirty="0" smtClean="0">
+              <a:rPr lang="en-US" dirty="0"/>
+              <a:t>A class can promise to </a:t>
+            </a:r>
+            <a:r>
+              <a:rPr lang="en-US" b="1" dirty="0">
                 <a:solidFill>
                   <a:schemeClr val="accent3"/>
                 </a:solidFill>
@@ -11073,12 +10761,8 @@
               <a:t>implement</a:t>
             </a:r>
             <a:r>
-              <a:rPr lang="en-US" dirty="0" smtClean="0"/>
-              <a:t> an </a:t>
-            </a:r>
-            <a:r>
-              <a:rPr lang="en-US" dirty="0" smtClean="0"/>
-              <a:t>interface</a:t>
+              <a:rPr lang="en-US" dirty="0"/>
+              <a:t> an interface</a:t>
             </a:r>
           </a:p>
           <a:p>
@@ -11086,37 +10770,24 @@
               <a:buNone/>
               <a:defRPr/>
             </a:pPr>
-            <a:endParaRPr lang="en-US" dirty="0" smtClean="0"/>
+            <a:endParaRPr lang="en-US" dirty="0"/>
           </a:p>
           <a:p>
             <a:pPr>
               <a:defRPr/>
             </a:pPr>
             <a:r>
-              <a:rPr lang="en-US" dirty="0" smtClean="0"/>
+              <a:rPr lang="en-US" dirty="0"/>
               <a:t>Any code that </a:t>
             </a:r>
             <a:r>
-              <a:rPr lang="en-US" b="1" dirty="0" smtClean="0"/>
+              <a:rPr lang="en-US" b="1" dirty="0"/>
               <a:t>uses </a:t>
             </a:r>
             <a:r>
-              <a:rPr lang="en-US" dirty="0" smtClean="0"/>
-              <a:t>the interface </a:t>
-            </a:r>
-            <a:r>
-              <a:rPr lang="en-US" dirty="0" smtClean="0"/>
-              <a:t>can </a:t>
-            </a:r>
-            <a:r>
-              <a:rPr lang="en-US" dirty="0" smtClean="0"/>
-              <a:t>automatically use </a:t>
-            </a:r>
-            <a:r>
-              <a:rPr lang="en-US" dirty="0" smtClean="0"/>
-              <a:t>new classes that implement the interface!</a:t>
-            </a:r>
-            <a:endParaRPr lang="en-US" dirty="0" smtClean="0"/>
+              <a:rPr lang="en-US" dirty="0"/>
+              <a:t>the interface can automatically use new classes that implement the interface!</a:t>
+            </a:r>
           </a:p>
         </p:txBody>
       </p:sp>
@@ -11130,13 +10801,6 @@
   <p:clrMapOvr>
     <a:masterClrMapping/>
   </p:clrMapOvr>
-  <p:timing>
-    <p:tnLst>
-      <p:par>
-        <p:cTn id="1" dur="indefinite" restart="never" nodeType="tmRoot"/>
-      </p:par>
-    </p:tnLst>
-  </p:timing>
 </p:sld>
 </file>
 
@@ -11173,10 +10837,9 @@
           <a:lstStyle/>
           <a:p>
             <a:r>
-              <a:rPr lang="en-US" dirty="0" smtClean="0"/>
+              <a:rPr lang="en-US" dirty="0"/>
               <a:t>Why?</a:t>
             </a:r>
-            <a:endParaRPr lang="en-US" dirty="0"/>
           </a:p>
         </p:txBody>
       </p:sp>
@@ -11208,23 +10871,7 @@
             </a:r>
             <a:r>
               <a:rPr lang="en-US" dirty="0"/>
-              <a:t>by tying your </a:t>
-            </a:r>
-            <a:r>
-              <a:rPr lang="en-US" dirty="0" smtClean="0"/>
-              <a:t>code to </a:t>
-            </a:r>
-            <a:r>
-              <a:rPr lang="en-US" dirty="0"/>
-              <a:t>the </a:t>
-            </a:r>
-            <a:r>
-              <a:rPr lang="en-US" dirty="0" smtClean="0"/>
-              <a:t>interface, not </a:t>
-            </a:r>
-            <a:r>
-              <a:rPr lang="en-US" dirty="0"/>
-              <a:t>the class implementation. </a:t>
+              <a:t>by tying your code to the interface, not the class implementation. </a:t>
             </a:r>
           </a:p>
           <a:p>
@@ -11270,10 +10917,9 @@
           <a:lstStyle/>
           <a:p>
             <a:r>
-              <a:rPr lang="en-US" dirty="0" smtClean="0"/>
+              <a:rPr lang="en-US" dirty="0"/>
               <a:t>Q1</a:t>
             </a:r>
-            <a:endParaRPr lang="en-US" dirty="0"/>
           </a:p>
         </p:txBody>
       </p:sp>
@@ -11331,10 +10977,9 @@
           <a:p>
             <a:pPr algn="l"/>
             <a:r>
-              <a:rPr lang="en-US" dirty="0" smtClean="0"/>
+              <a:rPr lang="en-US" dirty="0"/>
               <a:t>Interface Types can replace class types</a:t>
             </a:r>
-            <a:endParaRPr lang="en-US" dirty="0"/>
           </a:p>
         </p:txBody>
       </p:sp>
@@ -11361,7 +11006,7 @@
           <a:lstStyle/>
           <a:p>
             <a:r>
-              <a:rPr lang="en-US" sz="2800" dirty="0" smtClean="0"/>
+              <a:rPr lang="en-US" sz="2800" dirty="0"/>
               <a:t>If Dog &amp; Cat implement the Pet interface:</a:t>
             </a:r>
           </a:p>
@@ -11371,23 +11016,15 @@
               <a:buAutoNum type="arabicPeriod"/>
             </a:pPr>
             <a:r>
-              <a:rPr lang="en-US" dirty="0" smtClean="0"/>
+              <a:rPr lang="en-US" dirty="0"/>
               <a:t>Variable Declaration:</a:t>
             </a:r>
           </a:p>
           <a:p>
             <a:pPr lvl="2"/>
             <a:r>
-              <a:rPr lang="en-US" dirty="0" smtClean="0"/>
-              <a:t>Pet d = new Dog();	Pet c = </a:t>
-            </a:r>
-            <a:r>
-              <a:rPr lang="en-US" dirty="0"/>
-              <a:t>new </a:t>
-            </a:r>
-            <a:r>
-              <a:rPr lang="en-US" dirty="0" smtClean="0"/>
-              <a:t>Cat();</a:t>
+              <a:rPr lang="en-US" dirty="0"/>
+              <a:t>Pet d = new Dog();	Pet c = new Cat();</a:t>
             </a:r>
           </a:p>
           <a:p>
@@ -11396,48 +11033,48 @@
               <a:buAutoNum type="arabicPeriod"/>
             </a:pPr>
             <a:r>
-              <a:rPr lang="en-US" dirty="0" smtClean="0"/>
+              <a:rPr lang="en-US" dirty="0"/>
               <a:t>Parameters:</a:t>
             </a:r>
           </a:p>
           <a:p>
             <a:pPr lvl="2"/>
             <a:r>
-              <a:rPr lang="en-US" dirty="0" smtClean="0"/>
+              <a:rPr lang="en-US" dirty="0"/>
               <a:t>public static void </a:t>
             </a:r>
             <a:r>
-              <a:rPr lang="en-US" dirty="0" err="1" smtClean="0"/>
+              <a:rPr lang="en-US" dirty="0" err="1"/>
               <a:t>feedPet</a:t>
             </a:r>
             <a:r>
-              <a:rPr lang="en-US" dirty="0" smtClean="0"/>
+              <a:rPr lang="en-US" dirty="0"/>
               <a:t>(Pet p) {…}</a:t>
             </a:r>
             <a:br>
-              <a:rPr lang="en-US" dirty="0" smtClean="0"/>
+              <a:rPr lang="en-US" dirty="0"/>
             </a:br>
             <a:r>
-              <a:rPr lang="en-US" dirty="0" smtClean="0"/>
+              <a:rPr lang="en-US" dirty="0"/>
               <a:t>Can call with any object of type Pet:</a:t>
             </a:r>
           </a:p>
           <a:p>
             <a:pPr lvl="2"/>
             <a:r>
-              <a:rPr lang="en-US" dirty="0" err="1" smtClean="0"/>
+              <a:rPr lang="en-US" dirty="0" err="1"/>
               <a:t>feedPet</a:t>
             </a:r>
             <a:r>
-              <a:rPr lang="en-US" dirty="0" smtClean="0"/>
+              <a:rPr lang="en-US" dirty="0"/>
               <a:t>(new Dog());       </a:t>
             </a:r>
             <a:r>
-              <a:rPr lang="en-US" dirty="0" err="1" smtClean="0"/>
+              <a:rPr lang="en-US" dirty="0" err="1"/>
               <a:t>feedPet</a:t>
             </a:r>
             <a:r>
-              <a:rPr lang="en-US" dirty="0" smtClean="0"/>
+              <a:rPr lang="en-US" dirty="0"/>
               <a:t>(c); // from above</a:t>
             </a:r>
           </a:p>
@@ -11503,28 +11140,20 @@
             </a:r>
             <a:r>
               <a:rPr lang="en-US" dirty="0"/>
-              <a:t>(new Dog</a:t>
-            </a:r>
-            <a:r>
-              <a:rPr lang="en-US" dirty="0" smtClean="0"/>
-              <a:t>());    </a:t>
-            </a:r>
-            <a:r>
-              <a:rPr lang="en-US" dirty="0" err="1" smtClean="0"/>
+              <a:t>(new Dog());    </a:t>
+            </a:r>
+            <a:r>
+              <a:rPr lang="en-US" dirty="0" err="1"/>
               <a:t>pets.add</a:t>
             </a:r>
             <a:r>
-              <a:rPr lang="en-US" dirty="0" smtClean="0"/>
-              <a:t>(new </a:t>
-            </a:r>
-            <a:r>
-              <a:rPr lang="en-US" dirty="0"/>
-              <a:t>Cat());</a:t>
+              <a:rPr lang="en-US" dirty="0"/>
+              <a:t>(new Cat());</a:t>
             </a:r>
           </a:p>
           <a:p>
             <a:pPr lvl="1"/>
-            <a:endParaRPr lang="en-US" dirty="0" smtClean="0"/>
+            <a:endParaRPr lang="en-US" dirty="0"/>
           </a:p>
         </p:txBody>
       </p:sp>
@@ -11538,13 +11167,6 @@
   <p:clrMapOvr>
     <a:masterClrMapping/>
   </p:clrMapOvr>
-  <p:timing>
-    <p:tnLst>
-      <p:par>
-        <p:cTn id="1" dur="indefinite" restart="never" nodeType="tmRoot"/>
-      </p:par>
-    </p:tnLst>
-  </p:timing>
 </p:sld>
 </file>
 
@@ -11581,10 +11203,9 @@
           <a:lstStyle/>
           <a:p>
             <a:r>
-              <a:rPr lang="en-US" dirty="0" smtClean="0"/>
+              <a:rPr lang="en-US" dirty="0"/>
               <a:t>Check your understanding…</a:t>
             </a:r>
-            <a:endParaRPr lang="en-US" dirty="0"/>
           </a:p>
         </p:txBody>
       </p:sp>
@@ -11614,7 +11235,7 @@
               <a:buNone/>
             </a:pPr>
             <a:r>
-              <a:rPr lang="en-US" dirty="0" smtClean="0"/>
+              <a:rPr lang="en-US" dirty="0"/>
               <a:t>public interface Pet{</a:t>
             </a:r>
           </a:p>
@@ -11623,7 +11244,7 @@
               <a:buNone/>
             </a:pPr>
             <a:r>
-              <a:rPr lang="en-US" dirty="0" smtClean="0"/>
+              <a:rPr lang="en-US" dirty="0"/>
               <a:t>    private String name;</a:t>
             </a:r>
           </a:p>
@@ -11631,14 +11252,14 @@
             <a:pPr marL="0" indent="0">
               <a:buNone/>
             </a:pPr>
-            <a:endParaRPr lang="en-US" dirty="0" smtClean="0"/>
+            <a:endParaRPr lang="en-US" dirty="0"/>
           </a:p>
           <a:p>
             <a:pPr marL="0" indent="0">
               <a:buNone/>
             </a:pPr>
             <a:r>
-              <a:rPr lang="en-US" dirty="0" smtClean="0"/>
+              <a:rPr lang="en-US" dirty="0"/>
               <a:t>    public Pet(String name){</a:t>
             </a:r>
           </a:p>
@@ -11647,17 +11268,16 @@
               <a:buNone/>
             </a:pPr>
             <a:r>
-              <a:rPr lang="en-US" dirty="0" smtClean="0"/>
+              <a:rPr lang="en-US" dirty="0"/>
               <a:t>        this.name = name;</a:t>
             </a:r>
-            <a:endParaRPr lang="en-US" dirty="0"/>
           </a:p>
           <a:p>
             <a:pPr marL="0" indent="0">
               <a:buNone/>
             </a:pPr>
             <a:r>
-              <a:rPr lang="en-US" dirty="0" smtClean="0"/>
+              <a:rPr lang="en-US" dirty="0"/>
               <a:t>    }</a:t>
             </a:r>
           </a:p>
@@ -11665,7 +11285,7 @@
             <a:pPr marL="0" indent="0">
               <a:buNone/>
             </a:pPr>
-            <a:endParaRPr lang="en-US" dirty="0" smtClean="0"/>
+            <a:endParaRPr lang="en-US" dirty="0"/>
           </a:p>
           <a:p>
             <a:pPr marL="0" indent="0">
@@ -11673,11 +11293,7 @@
             </a:pPr>
             <a:r>
               <a:rPr lang="en-US" dirty="0"/>
-              <a:t> </a:t>
-            </a:r>
-            <a:r>
-              <a:rPr lang="en-US" dirty="0" smtClean="0"/>
-              <a:t>   public void speak(){</a:t>
+              <a:t>    public void speak(){</a:t>
             </a:r>
           </a:p>
           <a:p>
@@ -11685,25 +11301,24 @@
               <a:buNone/>
             </a:pPr>
             <a:r>
-              <a:rPr lang="en-US" dirty="0" smtClean="0"/>
+              <a:rPr lang="en-US" dirty="0"/>
               <a:t>        </a:t>
             </a:r>
             <a:r>
-              <a:rPr lang="en-US" dirty="0" err="1" smtClean="0"/>
+              <a:rPr lang="en-US" dirty="0" err="1"/>
               <a:t>System.out.println</a:t>
             </a:r>
             <a:r>
-              <a:rPr lang="en-US" dirty="0" smtClean="0"/>
+              <a:rPr lang="en-US" dirty="0"/>
               <a:t>(name);</a:t>
             </a:r>
-            <a:endParaRPr lang="en-US" dirty="0"/>
           </a:p>
           <a:p>
             <a:pPr marL="0" indent="0">
               <a:buNone/>
             </a:pPr>
             <a:r>
-              <a:rPr lang="en-US" dirty="0" smtClean="0"/>
+              <a:rPr lang="en-US" dirty="0"/>
               <a:t>    }</a:t>
             </a:r>
           </a:p>
@@ -11746,10 +11361,9 @@
           <a:lstStyle/>
           <a:p>
             <a:r>
-              <a:rPr lang="en-US" sz="2800" dirty="0" smtClean="0"/>
+              <a:rPr lang="en-US" sz="2800" dirty="0"/>
               <a:t>Is this interface valid? Why or why not?</a:t>
             </a:r>
-            <a:endParaRPr lang="en-US" sz="2800" dirty="0"/>
           </a:p>
         </p:txBody>
       </p:sp>

--- a/ClassMaterials/Interfaces/Slides/Interfaces.pptx
+++ b/ClassMaterials/Interfaces/Slides/Interfaces.pptx
@@ -5,10 +5,10 @@
     <p:sldMasterId id="2147484251" r:id="rId1"/>
   </p:sldMasterIdLst>
   <p:notesMasterIdLst>
-    <p:notesMasterId r:id="rId23"/>
+    <p:notesMasterId r:id="rId24"/>
   </p:notesMasterIdLst>
   <p:handoutMasterIdLst>
-    <p:handoutMasterId r:id="rId24"/>
+    <p:handoutMasterId r:id="rId25"/>
   </p:handoutMasterIdLst>
   <p:sldIdLst>
     <p:sldId id="256" r:id="rId2"/>
@@ -29,9 +29,10 @@
     <p:sldId id="271" r:id="rId17"/>
     <p:sldId id="272" r:id="rId18"/>
     <p:sldId id="273" r:id="rId19"/>
-    <p:sldId id="274" r:id="rId20"/>
-    <p:sldId id="282" r:id="rId21"/>
-    <p:sldId id="275" r:id="rId22"/>
+    <p:sldId id="288" r:id="rId20"/>
+    <p:sldId id="274" r:id="rId21"/>
+    <p:sldId id="282" r:id="rId22"/>
+    <p:sldId id="275" r:id="rId23"/>
   </p:sldIdLst>
   <p:sldSz cx="9144000" cy="6858000" type="screen4x3"/>
   <p:notesSz cx="7010400" cy="9296400"/>
@@ -296,7 +297,7 @@
               <a:pPr>
                 <a:defRPr/>
               </a:pPr>
-              <a:t>9/30/2018</a:t>
+              <a:t>10/4/2018</a:t>
             </a:fld>
             <a:endParaRPr lang="en-US"/>
           </a:p>
@@ -531,7 +532,7 @@
               <a:pPr>
                 <a:defRPr/>
               </a:pPr>
-              <a:t>9/30/2018</a:t>
+              <a:t>10/4/2018</a:t>
             </a:fld>
             <a:endParaRPr lang="en-US"/>
           </a:p>
@@ -914,7 +915,7 @@
           </a:ln>
           <a:extLst>
             <a:ext uri="{909E8E84-426E-40dd-AFC4-6F175D3DCCD1}">
-              <a14:hiddenFill xmlns:a14="http://schemas.microsoft.com/office/drawing/2010/main" xmlns="">
+              <a14:hiddenFill xmlns="" xmlns:a14="http://schemas.microsoft.com/office/drawing/2010/main">
                 <a:solidFill>
                   <a:srgbClr val="FFFFFF"/>
                 </a:solidFill>
@@ -938,14 +939,14 @@
           <a:ln/>
           <a:extLst>
             <a:ext uri="{909E8E84-426E-40dd-AFC4-6F175D3DCCD1}">
-              <a14:hiddenFill xmlns:a14="http://schemas.microsoft.com/office/drawing/2010/main" xmlns="">
+              <a14:hiddenFill xmlns="" xmlns:a14="http://schemas.microsoft.com/office/drawing/2010/main">
                 <a:solidFill>
                   <a:srgbClr val="FFFFFF"/>
                 </a:solidFill>
               </a14:hiddenFill>
             </a:ext>
             <a:ext uri="{91240B29-F687-4f45-9708-019B960494DF}">
-              <a14:hiddenLine xmlns:a14="http://schemas.microsoft.com/office/drawing/2010/main" xmlns="" w="9525">
+              <a14:hiddenLine xmlns="" xmlns:a14="http://schemas.microsoft.com/office/drawing/2010/main" w="9525">
                 <a:solidFill>
                   <a:srgbClr val="000000"/>
                 </a:solidFill>
@@ -1109,14 +1110,14 @@
           <a:ln/>
           <a:extLst>
             <a:ext uri="{909E8E84-426E-40dd-AFC4-6F175D3DCCD1}">
-              <a14:hiddenFill xmlns:a14="http://schemas.microsoft.com/office/drawing/2010/main" xmlns="">
+              <a14:hiddenFill xmlns="" xmlns:a14="http://schemas.microsoft.com/office/drawing/2010/main">
                 <a:solidFill>
                   <a:srgbClr val="FFFFFF"/>
                 </a:solidFill>
               </a14:hiddenFill>
             </a:ext>
             <a:ext uri="{91240B29-F687-4f45-9708-019B960494DF}">
-              <a14:hiddenLine xmlns:a14="http://schemas.microsoft.com/office/drawing/2010/main" xmlns="" w="9525">
+              <a14:hiddenLine xmlns="" xmlns:a14="http://schemas.microsoft.com/office/drawing/2010/main" w="9525">
                 <a:solidFill>
                   <a:srgbClr val="000000"/>
                 </a:solidFill>
@@ -1491,7 +1492,7 @@
           </a:ln>
           <a:extLst>
             <a:ext uri="{909E8E84-426E-40dd-AFC4-6F175D3DCCD1}">
-              <a14:hiddenFill xmlns="" xmlns:a14="http://schemas.microsoft.com/office/drawing/2010/main">
+              <a14:hiddenFill xmlns:a14="http://schemas.microsoft.com/office/drawing/2010/main" xmlns="">
                 <a:solidFill>
                   <a:srgbClr val="FFFFFF"/>
                 </a:solidFill>
@@ -1515,14 +1516,14 @@
           <a:ln/>
           <a:extLst>
             <a:ext uri="{909E8E84-426E-40dd-AFC4-6F175D3DCCD1}">
-              <a14:hiddenFill xmlns="" xmlns:a14="http://schemas.microsoft.com/office/drawing/2010/main">
+              <a14:hiddenFill xmlns:a14="http://schemas.microsoft.com/office/drawing/2010/main" xmlns="">
                 <a:solidFill>
                   <a:srgbClr val="FFFFFF"/>
                 </a:solidFill>
               </a14:hiddenFill>
             </a:ext>
             <a:ext uri="{91240B29-F687-4f45-9708-019B960494DF}">
-              <a14:hiddenLine xmlns="" xmlns:a14="http://schemas.microsoft.com/office/drawing/2010/main" w="9525">
+              <a14:hiddenLine xmlns:a14="http://schemas.microsoft.com/office/drawing/2010/main" xmlns="" w="9525">
                 <a:solidFill>
                   <a:srgbClr val="000000"/>
                 </a:solidFill>
@@ -1581,14 +1582,14 @@
           <a:ln/>
           <a:extLst>
             <a:ext uri="{909E8E84-426E-40dd-AFC4-6F175D3DCCD1}">
-              <a14:hiddenFill xmlns="" xmlns:a14="http://schemas.microsoft.com/office/drawing/2010/main">
+              <a14:hiddenFill xmlns:a14="http://schemas.microsoft.com/office/drawing/2010/main" xmlns="">
                 <a:solidFill>
                   <a:srgbClr val="FFFFFF"/>
                 </a:solidFill>
               </a14:hiddenFill>
             </a:ext>
             <a:ext uri="{91240B29-F687-4f45-9708-019B960494DF}">
-              <a14:hiddenLine xmlns="" xmlns:a14="http://schemas.microsoft.com/office/drawing/2010/main" w="9525">
+              <a14:hiddenLine xmlns:a14="http://schemas.microsoft.com/office/drawing/2010/main" xmlns="" w="9525">
                 <a:solidFill>
                   <a:srgbClr val="000000"/>
                 </a:solidFill>
@@ -1992,39 +1993,8 @@
           <a:p>
             <a:r>
               <a:rPr lang="en-US" dirty="0"/>
-              <a:t>If you find it helpful you can ask:</a:t>
-            </a:r>
-          </a:p>
-          <a:p>
-            <a:endParaRPr lang="en-US" dirty="0"/>
-          </a:p>
-          <a:p>
-            <a:r>
-              <a:rPr lang="en-US" dirty="0"/>
-              <a:t>If I run</a:t>
-            </a:r>
-            <a:r>
-              <a:rPr lang="en-US" baseline="0" dirty="0"/>
-              <a:t> “Pet p = new Dog();”</a:t>
-            </a:r>
-          </a:p>
-          <a:p>
-            <a:r>
-              <a:rPr lang="en-US" baseline="0" dirty="0"/>
-              <a:t>What is the type?  (confusion… Both?) </a:t>
-            </a:r>
-          </a:p>
-          <a:p>
-            <a:endParaRPr lang="en-US" dirty="0"/>
-          </a:p>
-          <a:p>
-            <a:r>
-              <a:rPr lang="en-US" dirty="0"/>
-              <a:t>There is a declared (Pet) and actual (Dog) type.</a:t>
-            </a:r>
-          </a:p>
-          <a:p>
-            <a:endParaRPr lang="en-US" dirty="0"/>
+              <a:t>Now that we have developed an interface, let’s implement the changes in code.</a:t>
+            </a:r>
           </a:p>
         </p:txBody>
       </p:sp>
@@ -2060,7 +2030,7 @@
     </p:spTree>
     <p:extLst>
       <p:ext uri="{BB962C8B-B14F-4D97-AF65-F5344CB8AC3E}">
-        <p14:creationId xmlns:p14="http://schemas.microsoft.com/office/powerpoint/2010/main" val="3886580324"/>
+        <p14:creationId xmlns:p14="http://schemas.microsoft.com/office/powerpoint/2010/main" val="1317189948"/>
       </p:ext>
     </p:extLst>
   </p:cSld>
@@ -2089,6 +2059,130 @@
       </p:grpSpPr>
       <p:sp>
         <p:nvSpPr>
+          <p:cNvPr id="2" name="Slide Image Placeholder 1"/>
+          <p:cNvSpPr>
+            <a:spLocks noGrp="1" noRot="1" noChangeAspect="1"/>
+          </p:cNvSpPr>
+          <p:nvPr>
+            <p:ph type="sldImg"/>
+          </p:nvPr>
+        </p:nvSpPr>
+        <p:spPr/>
+      </p:sp>
+      <p:sp>
+        <p:nvSpPr>
+          <p:cNvPr id="3" name="Notes Placeholder 2"/>
+          <p:cNvSpPr>
+            <a:spLocks noGrp="1"/>
+          </p:cNvSpPr>
+          <p:nvPr>
+            <p:ph type="body" idx="1"/>
+          </p:nvPr>
+        </p:nvSpPr>
+        <p:spPr/>
+        <p:txBody>
+          <a:bodyPr/>
+          <a:lstStyle/>
+          <a:p>
+            <a:r>
+              <a:rPr lang="en-US" dirty="0"/>
+              <a:t>If you find it helpful you can ask:</a:t>
+            </a:r>
+          </a:p>
+          <a:p>
+            <a:endParaRPr lang="en-US" dirty="0"/>
+          </a:p>
+          <a:p>
+            <a:r>
+              <a:rPr lang="en-US" dirty="0"/>
+              <a:t>If I run</a:t>
+            </a:r>
+            <a:r>
+              <a:rPr lang="en-US" baseline="0" dirty="0"/>
+              <a:t> “Pet p = new Dog();”</a:t>
+            </a:r>
+          </a:p>
+          <a:p>
+            <a:r>
+              <a:rPr lang="en-US" baseline="0" dirty="0"/>
+              <a:t>What is the type?  (confusion… Both?) </a:t>
+            </a:r>
+          </a:p>
+          <a:p>
+            <a:endParaRPr lang="en-US" dirty="0"/>
+          </a:p>
+          <a:p>
+            <a:r>
+              <a:rPr lang="en-US" dirty="0"/>
+              <a:t>There is a declared (Pet) and actual (Dog) type.</a:t>
+            </a:r>
+          </a:p>
+          <a:p>
+            <a:endParaRPr lang="en-US" dirty="0"/>
+          </a:p>
+        </p:txBody>
+      </p:sp>
+      <p:sp>
+        <p:nvSpPr>
+          <p:cNvPr id="4" name="Slide Number Placeholder 3"/>
+          <p:cNvSpPr>
+            <a:spLocks noGrp="1"/>
+          </p:cNvSpPr>
+          <p:nvPr>
+            <p:ph type="sldNum" sz="quarter" idx="10"/>
+          </p:nvPr>
+        </p:nvSpPr>
+        <p:spPr/>
+        <p:txBody>
+          <a:bodyPr/>
+          <a:lstStyle/>
+          <a:p>
+            <a:pPr>
+              <a:defRPr/>
+            </a:pPr>
+            <a:fld id="{3F6B6C2D-0897-4206-AD94-4D1FCFA82106}" type="slidenum">
+              <a:rPr lang="en-US" smtClean="0"/>
+              <a:pPr>
+                <a:defRPr/>
+              </a:pPr>
+              <a:t>20</a:t>
+            </a:fld>
+            <a:endParaRPr lang="en-US"/>
+          </a:p>
+        </p:txBody>
+      </p:sp>
+    </p:spTree>
+    <p:extLst>
+      <p:ext uri="{BB962C8B-B14F-4D97-AF65-F5344CB8AC3E}">
+        <p14:creationId xmlns:p14="http://schemas.microsoft.com/office/powerpoint/2010/main" val="3886580324"/>
+      </p:ext>
+    </p:extLst>
+  </p:cSld>
+  <p:clrMapOvr>
+    <a:masterClrMapping/>
+  </p:clrMapOvr>
+</p:notes>
+</file>
+
+<file path=ppt/notesSlides/notesSlide16.xml><?xml version="1.0" encoding="utf-8"?>
+<p:notes xmlns:a="http://schemas.openxmlformats.org/drawingml/2006/main" xmlns:r="http://schemas.openxmlformats.org/officeDocument/2006/relationships" xmlns:p="http://schemas.openxmlformats.org/presentationml/2006/main">
+  <p:cSld>
+    <p:spTree>
+      <p:nvGrpSpPr>
+        <p:cNvPr id="1" name=""/>
+        <p:cNvGrpSpPr/>
+        <p:nvPr/>
+      </p:nvGrpSpPr>
+      <p:grpSpPr>
+        <a:xfrm>
+          <a:off x="0" y="0"/>
+          <a:ext cx="0" cy="0"/>
+          <a:chOff x="0" y="0"/>
+          <a:chExt cx="0" cy="0"/>
+        </a:xfrm>
+      </p:grpSpPr>
+      <p:sp>
+        <p:nvSpPr>
           <p:cNvPr id="52226" name="Slide Image Placeholder 1"/>
           <p:cNvSpPr>
             <a:spLocks noGrp="1" noRot="1" noChangeAspect="1" noTextEdit="1"/>
@@ -2109,7 +2203,7 @@
           </a:ln>
           <a:extLst>
             <a:ext uri="{909E8E84-426E-40dd-AFC4-6F175D3DCCD1}">
-              <a14:hiddenFill xmlns="" xmlns:a14="http://schemas.microsoft.com/office/drawing/2010/main">
+              <a14:hiddenFill xmlns:a14="http://schemas.microsoft.com/office/drawing/2010/main" xmlns="">
                 <a:solidFill>
                   <a:srgbClr val="FFFFFF"/>
                 </a:solidFill>
@@ -2133,14 +2227,14 @@
           <a:ln/>
           <a:extLst>
             <a:ext uri="{909E8E84-426E-40dd-AFC4-6F175D3DCCD1}">
-              <a14:hiddenFill xmlns="" xmlns:a14="http://schemas.microsoft.com/office/drawing/2010/main">
+              <a14:hiddenFill xmlns:a14="http://schemas.microsoft.com/office/drawing/2010/main" xmlns="">
                 <a:solidFill>
                   <a:srgbClr val="FFFFFF"/>
                 </a:solidFill>
               </a14:hiddenFill>
             </a:ext>
             <a:ext uri="{91240B29-F687-4f45-9708-019B960494DF}">
-              <a14:hiddenLine xmlns="" xmlns:a14="http://schemas.microsoft.com/office/drawing/2010/main" w="9525">
+              <a14:hiddenLine xmlns:a14="http://schemas.microsoft.com/office/drawing/2010/main" xmlns="" w="9525">
                 <a:solidFill>
                   <a:srgbClr val="000000"/>
                 </a:solidFill>
@@ -2193,14 +2287,14 @@
           <a:ln/>
           <a:extLst>
             <a:ext uri="{909E8E84-426E-40dd-AFC4-6F175D3DCCD1}">
-              <a14:hiddenFill xmlns="" xmlns:a14="http://schemas.microsoft.com/office/drawing/2010/main">
+              <a14:hiddenFill xmlns:a14="http://schemas.microsoft.com/office/drawing/2010/main" xmlns="">
                 <a:solidFill>
                   <a:srgbClr val="FFFFFF"/>
                 </a:solidFill>
               </a14:hiddenFill>
             </a:ext>
             <a:ext uri="{91240B29-F687-4f45-9708-019B960494DF}">
-              <a14:hiddenLine xmlns="" xmlns:a14="http://schemas.microsoft.com/office/drawing/2010/main" w="9525">
+              <a14:hiddenLine xmlns:a14="http://schemas.microsoft.com/office/drawing/2010/main" xmlns="" w="9525">
                 <a:solidFill>
                   <a:srgbClr val="000000"/>
                 </a:solidFill>
@@ -2327,7 +2421,7 @@
                 <a:latin typeface="Calibri" pitchFamily="34" charset="0"/>
               </a:rPr>
               <a:pPr eaLnBrk="1" hangingPunct="1"/>
-              <a:t>21</a:t>
+              <a:t>22</a:t>
             </a:fld>
             <a:endParaRPr lang="en-US">
               <a:latin typeface="Calibri" pitchFamily="34" charset="0"/>
@@ -2584,7 +2678,7 @@
           </a:ln>
           <a:extLst>
             <a:ext uri="{909E8E84-426E-40dd-AFC4-6F175D3DCCD1}">
-              <a14:hiddenFill xmlns:a14="http://schemas.microsoft.com/office/drawing/2010/main" xmlns="">
+              <a14:hiddenFill xmlns="" xmlns:a14="http://schemas.microsoft.com/office/drawing/2010/main">
                 <a:solidFill>
                   <a:srgbClr val="FFFFFF"/>
                 </a:solidFill>
@@ -2608,14 +2702,14 @@
           <a:ln/>
           <a:extLst>
             <a:ext uri="{909E8E84-426E-40dd-AFC4-6F175D3DCCD1}">
-              <a14:hiddenFill xmlns:a14="http://schemas.microsoft.com/office/drawing/2010/main" xmlns="">
+              <a14:hiddenFill xmlns="" xmlns:a14="http://schemas.microsoft.com/office/drawing/2010/main">
                 <a:solidFill>
                   <a:srgbClr val="FFFFFF"/>
                 </a:solidFill>
               </a14:hiddenFill>
             </a:ext>
             <a:ext uri="{91240B29-F687-4f45-9708-019B960494DF}">
-              <a14:hiddenLine xmlns:a14="http://schemas.microsoft.com/office/drawing/2010/main" xmlns="" w="9525">
+              <a14:hiddenLine xmlns="" xmlns:a14="http://schemas.microsoft.com/office/drawing/2010/main" w="9525">
                 <a:solidFill>
                   <a:srgbClr val="000000"/>
                 </a:solidFill>
@@ -2731,14 +2825,14 @@
           <a:ln/>
           <a:extLst>
             <a:ext uri="{909E8E84-426E-40dd-AFC4-6F175D3DCCD1}">
-              <a14:hiddenFill xmlns:a14="http://schemas.microsoft.com/office/drawing/2010/main" xmlns="">
+              <a14:hiddenFill xmlns="" xmlns:a14="http://schemas.microsoft.com/office/drawing/2010/main">
                 <a:solidFill>
                   <a:srgbClr val="FFFFFF"/>
                 </a:solidFill>
               </a14:hiddenFill>
             </a:ext>
             <a:ext uri="{91240B29-F687-4f45-9708-019B960494DF}">
-              <a14:hiddenLine xmlns:a14="http://schemas.microsoft.com/office/drawing/2010/main" xmlns="" w="9525">
+              <a14:hiddenLine xmlns="" xmlns:a14="http://schemas.microsoft.com/office/drawing/2010/main" w="9525">
                 <a:solidFill>
                   <a:srgbClr val="000000"/>
                 </a:solidFill>
@@ -2925,7 +3019,7 @@
           </a:ln>
           <a:extLst>
             <a:ext uri="{909E8E84-426E-40dd-AFC4-6F175D3DCCD1}">
-              <a14:hiddenFill xmlns:a14="http://schemas.microsoft.com/office/drawing/2010/main" xmlns="">
+              <a14:hiddenFill xmlns="" xmlns:a14="http://schemas.microsoft.com/office/drawing/2010/main">
                 <a:solidFill>
                   <a:srgbClr val="FFFFFF"/>
                 </a:solidFill>
@@ -2949,14 +3043,14 @@
           <a:ln/>
           <a:extLst>
             <a:ext uri="{909E8E84-426E-40dd-AFC4-6F175D3DCCD1}">
-              <a14:hiddenFill xmlns:a14="http://schemas.microsoft.com/office/drawing/2010/main" xmlns="">
+              <a14:hiddenFill xmlns="" xmlns:a14="http://schemas.microsoft.com/office/drawing/2010/main">
                 <a:solidFill>
                   <a:srgbClr val="FFFFFF"/>
                 </a:solidFill>
               </a14:hiddenFill>
             </a:ext>
             <a:ext uri="{91240B29-F687-4f45-9708-019B960494DF}">
-              <a14:hiddenLine xmlns:a14="http://schemas.microsoft.com/office/drawing/2010/main" xmlns="" w="9525">
+              <a14:hiddenLine xmlns="" xmlns:a14="http://schemas.microsoft.com/office/drawing/2010/main" w="9525">
                 <a:solidFill>
                   <a:srgbClr val="000000"/>
                 </a:solidFill>
@@ -3016,14 +3110,14 @@
           <a:ln/>
           <a:extLst>
             <a:ext uri="{909E8E84-426E-40dd-AFC4-6F175D3DCCD1}">
-              <a14:hiddenFill xmlns:a14="http://schemas.microsoft.com/office/drawing/2010/main" xmlns="">
+              <a14:hiddenFill xmlns="" xmlns:a14="http://schemas.microsoft.com/office/drawing/2010/main">
                 <a:solidFill>
                   <a:srgbClr val="FFFFFF"/>
                 </a:solidFill>
               </a14:hiddenFill>
             </a:ext>
             <a:ext uri="{91240B29-F687-4f45-9708-019B960494DF}">
-              <a14:hiddenLine xmlns:a14="http://schemas.microsoft.com/office/drawing/2010/main" xmlns="" w="9525">
+              <a14:hiddenLine xmlns="" xmlns:a14="http://schemas.microsoft.com/office/drawing/2010/main" w="9525">
                 <a:solidFill>
                   <a:srgbClr val="000000"/>
                 </a:solidFill>
@@ -3337,7 +3431,7 @@
           </a:ln>
           <a:extLst>
             <a:ext uri="{909E8E84-426E-40dd-AFC4-6F175D3DCCD1}">
-              <a14:hiddenFill xmlns:a14="http://schemas.microsoft.com/office/drawing/2010/main" xmlns="">
+              <a14:hiddenFill xmlns="" xmlns:a14="http://schemas.microsoft.com/office/drawing/2010/main">
                 <a:solidFill>
                   <a:srgbClr val="FFFFFF"/>
                 </a:solidFill>
@@ -3361,14 +3455,14 @@
           <a:ln/>
           <a:extLst>
             <a:ext uri="{909E8E84-426E-40dd-AFC4-6F175D3DCCD1}">
-              <a14:hiddenFill xmlns:a14="http://schemas.microsoft.com/office/drawing/2010/main" xmlns="">
+              <a14:hiddenFill xmlns="" xmlns:a14="http://schemas.microsoft.com/office/drawing/2010/main">
                 <a:solidFill>
                   <a:srgbClr val="FFFFFF"/>
                 </a:solidFill>
               </a14:hiddenFill>
             </a:ext>
             <a:ext uri="{91240B29-F687-4f45-9708-019B960494DF}">
-              <a14:hiddenLine xmlns:a14="http://schemas.microsoft.com/office/drawing/2010/main" xmlns="" w="9525">
+              <a14:hiddenLine xmlns="" xmlns:a14="http://schemas.microsoft.com/office/drawing/2010/main" w="9525">
                 <a:solidFill>
                   <a:srgbClr val="000000"/>
                 </a:solidFill>
@@ -3405,14 +3499,14 @@
           <a:ln/>
           <a:extLst>
             <a:ext uri="{909E8E84-426E-40dd-AFC4-6F175D3DCCD1}">
-              <a14:hiddenFill xmlns:a14="http://schemas.microsoft.com/office/drawing/2010/main" xmlns="">
+              <a14:hiddenFill xmlns="" xmlns:a14="http://schemas.microsoft.com/office/drawing/2010/main">
                 <a:solidFill>
                   <a:srgbClr val="FFFFFF"/>
                 </a:solidFill>
               </a14:hiddenFill>
             </a:ext>
             <a:ext uri="{91240B29-F687-4f45-9708-019B960494DF}">
-              <a14:hiddenLine xmlns:a14="http://schemas.microsoft.com/office/drawing/2010/main" xmlns="" w="9525">
+              <a14:hiddenLine xmlns="" xmlns:a14="http://schemas.microsoft.com/office/drawing/2010/main" w="9525">
                 <a:solidFill>
                   <a:srgbClr val="000000"/>
                 </a:solidFill>
@@ -4028,7 +4122,7 @@
               <a:pPr>
                 <a:defRPr/>
               </a:pPr>
-              <a:t>Sunday, September 30, 2018</a:t>
+              <a:t>Thursday, October 4, 2018</a:t>
             </a:fld>
             <a:endParaRPr lang="en-US" dirty="0"/>
           </a:p>
@@ -4211,7 +4305,7 @@
               <a:pPr>
                 <a:defRPr/>
               </a:pPr>
-              <a:t>Sunday, September 30, 2018</a:t>
+              <a:t>Thursday, October 4, 2018</a:t>
             </a:fld>
             <a:endParaRPr lang="en-US" dirty="0"/>
           </a:p>
@@ -4404,7 +4498,7 @@
               <a:pPr>
                 <a:defRPr/>
               </a:pPr>
-              <a:t>Sunday, September 30, 2018</a:t>
+              <a:t>Thursday, October 4, 2018</a:t>
             </a:fld>
             <a:endParaRPr lang="en-US" dirty="0"/>
           </a:p>
@@ -4587,7 +4681,7 @@
               <a:pPr>
                 <a:defRPr/>
               </a:pPr>
-              <a:t>Sunday, September 30, 2018</a:t>
+              <a:t>Thursday, October 4, 2018</a:t>
             </a:fld>
             <a:endParaRPr lang="en-US" dirty="0"/>
           </a:p>
@@ -4847,7 +4941,7 @@
               <a:pPr>
                 <a:defRPr/>
               </a:pPr>
-              <a:t>Sunday, September 30, 2018</a:t>
+              <a:t>Thursday, October 4, 2018</a:t>
             </a:fld>
             <a:endParaRPr lang="en-US"/>
           </a:p>
@@ -5147,7 +5241,7 @@
               <a:pPr>
                 <a:defRPr/>
               </a:pPr>
-              <a:t>Sunday, September 30, 2018</a:t>
+              <a:t>Thursday, October 4, 2018</a:t>
             </a:fld>
             <a:endParaRPr lang="en-US"/>
           </a:p>
@@ -5581,7 +5675,7 @@
               <a:pPr>
                 <a:defRPr/>
               </a:pPr>
-              <a:t>Sunday, September 30, 2018</a:t>
+              <a:t>Thursday, October 4, 2018</a:t>
             </a:fld>
             <a:endParaRPr lang="en-US"/>
           </a:p>
@@ -5713,7 +5807,7 @@
               <a:pPr>
                 <a:defRPr/>
               </a:pPr>
-              <a:t>Sunday, September 30, 2018</a:t>
+              <a:t>Thursday, October 4, 2018</a:t>
             </a:fld>
             <a:endParaRPr lang="en-US"/>
           </a:p>
@@ -5823,7 +5917,7 @@
               <a:pPr>
                 <a:defRPr/>
               </a:pPr>
-              <a:t>Sunday, September 30, 2018</a:t>
+              <a:t>Thursday, October 4, 2018</a:t>
             </a:fld>
             <a:endParaRPr lang="en-US" dirty="0"/>
           </a:p>
@@ -6113,7 +6207,7 @@
               <a:pPr>
                 <a:defRPr/>
               </a:pPr>
-              <a:t>Sunday, September 30, 2018</a:t>
+              <a:t>Thursday, October 4, 2018</a:t>
             </a:fld>
             <a:endParaRPr lang="en-US"/>
           </a:p>
@@ -6380,7 +6474,7 @@
               <a:pPr>
                 <a:defRPr/>
               </a:pPr>
-              <a:t>Sunday, September 30, 2018</a:t>
+              <a:t>Thursday, October 4, 2018</a:t>
             </a:fld>
             <a:endParaRPr lang="en-US"/>
           </a:p>
@@ -6606,7 +6700,7 @@
               <a:pPr>
                 <a:defRPr/>
               </a:pPr>
-              <a:t>Sunday, September 30, 2018</a:t>
+              <a:t>Thursday, October 4, 2018</a:t>
             </a:fld>
             <a:endParaRPr lang="en-US" dirty="0"/>
           </a:p>
@@ -8412,7 +8506,7 @@
         <p:spPr>
           <a:xfrm>
             <a:off x="431800" y="228600"/>
-            <a:ext cx="8077200" cy="2585323"/>
+            <a:ext cx="8407400" cy="2585323"/>
           </a:xfrm>
           <a:prstGeom prst="rect">
             <a:avLst/>
@@ -8577,8 +8671,13 @@
       </p:sp>
       <p:pic>
         <p:nvPicPr>
-          <p:cNvPr id="2056" name="Picture 8" descr="https://lh4.googleusercontent.com/TTu-F85CXqV8i36DtKWj9lm6Q0PpIQlCAjz51Hx_z7_qbb1h3eCsRPAz24ppe78ckrQAOEZlosKRKp6EnXf3NEPiLx18SViEzaP2ssG5PZkslU24io3W64Jhdtb1xih96PQGsMaG">
+          <p:cNvPr id="7" name="Picture 4" descr="https://lh3.googleusercontent.com/4iUDcmqSQGrlqblNG5mEh0wBFbmVCRLwimd_7n_UhoBlmFJB9m9FZ7YAIfSkUSZHVVax7lFxIWGhg_t338-DEHGoTY20ZX36zjEN_qRbRyOvH2NJUbpheCQvq1Wb5uylXR8YOh0O">
             <a:hlinkClick r:id="rId3"/>
+            <a:extLst>
+              <a:ext uri="{FF2B5EF4-FFF2-40B4-BE49-F238E27FC236}">
+                <a16:creationId xmlns:a16="http://schemas.microsoft.com/office/drawing/2014/main" id="{EDD8EEF1-E802-41BB-AB17-EE46323C45A7}"/>
+              </a:ext>
+            </a:extLst>
           </p:cNvPr>
           <p:cNvPicPr>
             <a:picLocks noChangeAspect="1" noChangeArrowheads="1"/>
@@ -8600,8 +8699,8 @@
         </p:blipFill>
         <p:spPr bwMode="auto">
           <a:xfrm>
-            <a:off x="457200" y="1060966"/>
-            <a:ext cx="6898252" cy="5448300"/>
+            <a:off x="716973" y="1049411"/>
+            <a:ext cx="5791200" cy="4976813"/>
           </a:xfrm>
           <a:prstGeom prst="rect">
             <a:avLst/>
@@ -8632,6 +8731,718 @@
 </file>
 
 <file path=ppt/slides/slide19.xml><?xml version="1.0" encoding="utf-8"?>
+<p:sld xmlns:a="http://schemas.openxmlformats.org/drawingml/2006/main" xmlns:r="http://schemas.openxmlformats.org/officeDocument/2006/relationships" xmlns:p="http://schemas.openxmlformats.org/presentationml/2006/main">
+  <p:cSld>
+    <p:spTree>
+      <p:nvGrpSpPr>
+        <p:cNvPr id="1" name=""/>
+        <p:cNvGrpSpPr/>
+        <p:nvPr/>
+      </p:nvGrpSpPr>
+      <p:grpSpPr>
+        <a:xfrm>
+          <a:off x="0" y="0"/>
+          <a:ext cx="0" cy="0"/>
+          <a:chOff x="0" y="0"/>
+          <a:chExt cx="0" cy="0"/>
+        </a:xfrm>
+      </p:grpSpPr>
+      <p:pic>
+        <p:nvPicPr>
+          <p:cNvPr id="14" name="Picture 4" descr="https://lh3.googleusercontent.com/4iUDcmqSQGrlqblNG5mEh0wBFbmVCRLwimd_7n_UhoBlmFJB9m9FZ7YAIfSkUSZHVVax7lFxIWGhg_t338-DEHGoTY20ZX36zjEN_qRbRyOvH2NJUbpheCQvq1Wb5uylXR8YOh0O">
+            <a:hlinkClick r:id="rId3"/>
+            <a:extLst>
+              <a:ext uri="{FF2B5EF4-FFF2-40B4-BE49-F238E27FC236}">
+                <a16:creationId xmlns:a16="http://schemas.microsoft.com/office/drawing/2014/main" id="{F7EE57CE-57AA-4321-ADF1-6B2AB513BE0D}"/>
+              </a:ext>
+            </a:extLst>
+          </p:cNvPr>
+          <p:cNvPicPr>
+            <a:picLocks noChangeAspect="1" noChangeArrowheads="1"/>
+          </p:cNvPicPr>
+          <p:nvPr/>
+        </p:nvPicPr>
+        <p:blipFill>
+          <a:blip r:embed="rId4">
+            <a:extLst>
+              <a:ext uri="{28A0092B-C50C-407E-A947-70E740481C1C}">
+                <a14:useLocalDpi xmlns:a14="http://schemas.microsoft.com/office/drawing/2010/main" val="0"/>
+              </a:ext>
+            </a:extLst>
+          </a:blip>
+          <a:srcRect/>
+          <a:stretch>
+            <a:fillRect/>
+          </a:stretch>
+        </p:blipFill>
+        <p:spPr bwMode="auto">
+          <a:xfrm>
+            <a:off x="716973" y="1049411"/>
+            <a:ext cx="5791200" cy="4976813"/>
+          </a:xfrm>
+          <a:prstGeom prst="rect">
+            <a:avLst/>
+          </a:prstGeom>
+          <a:noFill/>
+          <a:extLst>
+            <a:ext uri="{909E8E84-426E-40DD-AFC4-6F175D3DCCD1}">
+              <a14:hiddenFill xmlns:a14="http://schemas.microsoft.com/office/drawing/2010/main">
+                <a:solidFill>
+                  <a:srgbClr val="FFFFFF"/>
+                </a:solidFill>
+              </a14:hiddenFill>
+            </a:ext>
+          </a:extLst>
+        </p:spPr>
+      </p:pic>
+      <p:sp>
+        <p:nvSpPr>
+          <p:cNvPr id="2" name="Title 1"/>
+          <p:cNvSpPr>
+            <a:spLocks noGrp="1"/>
+          </p:cNvSpPr>
+          <p:nvPr>
+            <p:ph type="title"/>
+          </p:nvPr>
+        </p:nvSpPr>
+        <p:spPr/>
+        <p:txBody>
+          <a:bodyPr/>
+          <a:lstStyle/>
+          <a:p>
+            <a:r>
+              <a:rPr lang="en-US" dirty="0"/>
+              <a:t>Solution</a:t>
+            </a:r>
+          </a:p>
+        </p:txBody>
+      </p:sp>
+      <p:cxnSp>
+        <p:nvCxnSpPr>
+          <p:cNvPr id="6" name="Straight Arrow Connector 5">
+            <a:extLst>
+              <a:ext uri="{FF2B5EF4-FFF2-40B4-BE49-F238E27FC236}">
+                <a16:creationId xmlns:a16="http://schemas.microsoft.com/office/drawing/2014/main" id="{2F72C880-828E-48B0-B478-9AE9FC2A8B24}"/>
+              </a:ext>
+            </a:extLst>
+          </p:cNvPr>
+          <p:cNvCxnSpPr>
+            <a:cxnSpLocks/>
+          </p:cNvCxnSpPr>
+          <p:nvPr/>
+        </p:nvCxnSpPr>
+        <p:spPr>
+          <a:xfrm flipV="1">
+            <a:off x="1485900" y="4953000"/>
+            <a:ext cx="723900" cy="1048979"/>
+          </a:xfrm>
+          <a:prstGeom prst="straightConnector1">
+            <a:avLst/>
+          </a:prstGeom>
+          <a:ln w="22225">
+            <a:solidFill>
+              <a:schemeClr val="tx1"/>
+            </a:solidFill>
+            <a:tailEnd type="triangle"/>
+          </a:ln>
+        </p:spPr>
+        <p:style>
+          <a:lnRef idx="1">
+            <a:schemeClr val="accent1"/>
+          </a:lnRef>
+          <a:fillRef idx="0">
+            <a:schemeClr val="accent1"/>
+          </a:fillRef>
+          <a:effectRef idx="0">
+            <a:schemeClr val="accent1"/>
+          </a:effectRef>
+          <a:fontRef idx="minor">
+            <a:schemeClr val="tx1"/>
+          </a:fontRef>
+        </p:style>
+      </p:cxnSp>
+      <p:grpSp>
+        <p:nvGrpSpPr>
+          <p:cNvPr id="4" name="Group 3">
+            <a:extLst>
+              <a:ext uri="{FF2B5EF4-FFF2-40B4-BE49-F238E27FC236}">
+                <a16:creationId xmlns:a16="http://schemas.microsoft.com/office/drawing/2014/main" id="{99E76F8A-F546-45FF-B363-0D205D263FBB}"/>
+              </a:ext>
+            </a:extLst>
+          </p:cNvPr>
+          <p:cNvGrpSpPr/>
+          <p:nvPr/>
+        </p:nvGrpSpPr>
+        <p:grpSpPr>
+          <a:xfrm>
+            <a:off x="304800" y="6026224"/>
+            <a:ext cx="2362200" cy="448508"/>
+            <a:chOff x="0" y="5647492"/>
+            <a:chExt cx="2362200" cy="448508"/>
+          </a:xfrm>
+        </p:grpSpPr>
+        <p:sp>
+          <p:nvSpPr>
+            <p:cNvPr id="3" name="TextBox 2">
+              <a:extLst>
+                <a:ext uri="{FF2B5EF4-FFF2-40B4-BE49-F238E27FC236}">
+                  <a16:creationId xmlns:a16="http://schemas.microsoft.com/office/drawing/2014/main" id="{E1609261-AE43-4DC7-A9DC-FF49B1ACA6A3}"/>
+                </a:ext>
+              </a:extLst>
+            </p:cNvPr>
+            <p:cNvSpPr txBox="1"/>
+            <p:nvPr/>
+          </p:nvSpPr>
+          <p:spPr>
+            <a:xfrm>
+              <a:off x="55557" y="5718447"/>
+              <a:ext cx="2251086" cy="307777"/>
+            </a:xfrm>
+            <a:prstGeom prst="rect">
+              <a:avLst/>
+            </a:prstGeom>
+            <a:noFill/>
+          </p:spPr>
+          <p:txBody>
+            <a:bodyPr wrap="square" rtlCol="0">
+              <a:spAutoFit/>
+            </a:bodyPr>
+            <a:lstStyle/>
+            <a:p>
+              <a:r>
+                <a:rPr lang="en-US" sz="1400" dirty="0"/>
+                <a:t>1 of List&lt;Pet&gt; in </a:t>
+              </a:r>
+              <a:r>
+                <a:rPr lang="en-US" sz="1400" dirty="0" err="1"/>
+                <a:t>PetMain</a:t>
+              </a:r>
+              <a:endParaRPr lang="en-US" sz="1400" dirty="0"/>
+            </a:p>
+          </p:txBody>
+        </p:sp>
+        <p:sp>
+          <p:nvSpPr>
+            <p:cNvPr id="8" name="Rectangle: Rounded Corners 7">
+              <a:extLst>
+                <a:ext uri="{FF2B5EF4-FFF2-40B4-BE49-F238E27FC236}">
+                  <a16:creationId xmlns:a16="http://schemas.microsoft.com/office/drawing/2014/main" id="{E15EF6D3-366A-4D7C-928E-DB3E8AD2FF82}"/>
+                </a:ext>
+              </a:extLst>
+            </p:cNvPr>
+            <p:cNvSpPr/>
+            <p:nvPr/>
+          </p:nvSpPr>
+          <p:spPr>
+            <a:xfrm>
+              <a:off x="0" y="5647492"/>
+              <a:ext cx="2362200" cy="448508"/>
+            </a:xfrm>
+            <a:prstGeom prst="roundRect">
+              <a:avLst/>
+            </a:prstGeom>
+            <a:noFill/>
+            <a:ln>
+              <a:solidFill>
+                <a:schemeClr val="tx1"/>
+              </a:solidFill>
+            </a:ln>
+          </p:spPr>
+          <p:style>
+            <a:lnRef idx="2">
+              <a:schemeClr val="accent1">
+                <a:shade val="50000"/>
+              </a:schemeClr>
+            </a:lnRef>
+            <a:fillRef idx="1">
+              <a:schemeClr val="accent1"/>
+            </a:fillRef>
+            <a:effectRef idx="0">
+              <a:schemeClr val="accent1"/>
+            </a:effectRef>
+            <a:fontRef idx="minor">
+              <a:schemeClr val="lt1"/>
+            </a:fontRef>
+          </p:style>
+          <p:txBody>
+            <a:bodyPr rtlCol="0" anchor="ctr"/>
+            <a:lstStyle/>
+            <a:p>
+              <a:pPr algn="ctr"/>
+              <a:endParaRPr lang="en-US"/>
+            </a:p>
+          </p:txBody>
+        </p:sp>
+      </p:grpSp>
+      <p:sp>
+        <p:nvSpPr>
+          <p:cNvPr id="11" name="TextBox 10">
+            <a:extLst>
+              <a:ext uri="{FF2B5EF4-FFF2-40B4-BE49-F238E27FC236}">
+                <a16:creationId xmlns:a16="http://schemas.microsoft.com/office/drawing/2014/main" id="{E1451234-EAC6-428F-B7E4-2950ED3825D1}"/>
+              </a:ext>
+            </a:extLst>
+          </p:cNvPr>
+          <p:cNvSpPr txBox="1"/>
+          <p:nvPr/>
+        </p:nvSpPr>
+        <p:spPr>
+          <a:xfrm>
+            <a:off x="6353393" y="2270681"/>
+            <a:ext cx="2193229" cy="1600438"/>
+          </a:xfrm>
+          <a:prstGeom prst="rect">
+            <a:avLst/>
+          </a:prstGeom>
+          <a:noFill/>
+        </p:spPr>
+        <p:txBody>
+          <a:bodyPr wrap="none" rtlCol="0">
+            <a:spAutoFit/>
+          </a:bodyPr>
+          <a:lstStyle/>
+          <a:p>
+            <a:r>
+              <a:rPr lang="en-US" sz="1400" dirty="0"/>
+              <a:t>Method </a:t>
+            </a:r>
+            <a:r>
+              <a:rPr lang="en-US" sz="1400" i="1" dirty="0" err="1"/>
+              <a:t>makePets</a:t>
+            </a:r>
+            <a:r>
+              <a:rPr lang="en-US" sz="1400" i="1" dirty="0"/>
+              <a:t>()</a:t>
+            </a:r>
+          </a:p>
+          <a:p>
+            <a:r>
+              <a:rPr lang="en-US" sz="1400" dirty="0"/>
+              <a:t>still must directly call</a:t>
+            </a:r>
+          </a:p>
+          <a:p>
+            <a:r>
+              <a:rPr lang="en-US" sz="1400" dirty="0"/>
+              <a:t>constructor for Dog,</a:t>
+            </a:r>
+          </a:p>
+          <a:p>
+            <a:r>
+              <a:rPr lang="en-US" sz="1400" dirty="0"/>
+              <a:t>Cat, and Fish</a:t>
+            </a:r>
+          </a:p>
+          <a:p>
+            <a:endParaRPr lang="en-US" sz="1400" dirty="0"/>
+          </a:p>
+          <a:p>
+            <a:r>
+              <a:rPr lang="en-US" sz="1400" dirty="0"/>
+              <a:t>That’s why we have</a:t>
+            </a:r>
+          </a:p>
+          <a:p>
+            <a:r>
+              <a:rPr lang="en-US" sz="1400" dirty="0"/>
+              <a:t>the 3 dependency arrows</a:t>
+            </a:r>
+          </a:p>
+        </p:txBody>
+      </p:sp>
+      <p:sp>
+        <p:nvSpPr>
+          <p:cNvPr id="12" name="Rectangle: Rounded Corners 11">
+            <a:extLst>
+              <a:ext uri="{FF2B5EF4-FFF2-40B4-BE49-F238E27FC236}">
+                <a16:creationId xmlns:a16="http://schemas.microsoft.com/office/drawing/2014/main" id="{B5E9BE8C-5807-4282-BF24-4F090CEA632C}"/>
+              </a:ext>
+            </a:extLst>
+          </p:cNvPr>
+          <p:cNvSpPr/>
+          <p:nvPr/>
+        </p:nvSpPr>
+        <p:spPr>
+          <a:xfrm>
+            <a:off x="6248400" y="2211229"/>
+            <a:ext cx="2362200" cy="1659889"/>
+          </a:xfrm>
+          <a:prstGeom prst="roundRect">
+            <a:avLst/>
+          </a:prstGeom>
+          <a:noFill/>
+          <a:ln>
+            <a:solidFill>
+              <a:schemeClr val="tx1"/>
+            </a:solidFill>
+          </a:ln>
+        </p:spPr>
+        <p:style>
+          <a:lnRef idx="2">
+            <a:schemeClr val="accent1">
+              <a:shade val="50000"/>
+            </a:schemeClr>
+          </a:lnRef>
+          <a:fillRef idx="1">
+            <a:schemeClr val="accent1"/>
+          </a:fillRef>
+          <a:effectRef idx="0">
+            <a:schemeClr val="accent1"/>
+          </a:effectRef>
+          <a:fontRef idx="minor">
+            <a:schemeClr val="lt1"/>
+          </a:fontRef>
+        </p:style>
+        <p:txBody>
+          <a:bodyPr rtlCol="0" anchor="ctr"/>
+          <a:lstStyle/>
+          <a:p>
+            <a:pPr algn="ctr"/>
+            <a:endParaRPr lang="en-US"/>
+          </a:p>
+        </p:txBody>
+      </p:sp>
+      <p:cxnSp>
+        <p:nvCxnSpPr>
+          <p:cNvPr id="13" name="Straight Arrow Connector 12">
+            <a:extLst>
+              <a:ext uri="{FF2B5EF4-FFF2-40B4-BE49-F238E27FC236}">
+                <a16:creationId xmlns:a16="http://schemas.microsoft.com/office/drawing/2014/main" id="{55D3A702-4568-4ED9-9F3C-1E5765B3D976}"/>
+              </a:ext>
+            </a:extLst>
+          </p:cNvPr>
+          <p:cNvCxnSpPr>
+            <a:cxnSpLocks/>
+          </p:cNvCxnSpPr>
+          <p:nvPr/>
+        </p:nvCxnSpPr>
+        <p:spPr>
+          <a:xfrm flipH="1">
+            <a:off x="3988378" y="2514600"/>
+            <a:ext cx="2260022" cy="0"/>
+          </a:xfrm>
+          <a:prstGeom prst="straightConnector1">
+            <a:avLst/>
+          </a:prstGeom>
+          <a:ln w="22225">
+            <a:solidFill>
+              <a:schemeClr val="tx1"/>
+            </a:solidFill>
+            <a:tailEnd type="triangle"/>
+          </a:ln>
+        </p:spPr>
+        <p:style>
+          <a:lnRef idx="1">
+            <a:schemeClr val="accent1"/>
+          </a:lnRef>
+          <a:fillRef idx="0">
+            <a:schemeClr val="accent1"/>
+          </a:fillRef>
+          <a:effectRef idx="0">
+            <a:schemeClr val="accent1"/>
+          </a:effectRef>
+          <a:fontRef idx="minor">
+            <a:schemeClr val="tx1"/>
+          </a:fontRef>
+        </p:style>
+      </p:cxnSp>
+      <p:sp>
+        <p:nvSpPr>
+          <p:cNvPr id="15" name="TextBox 14">
+            <a:extLst>
+              <a:ext uri="{FF2B5EF4-FFF2-40B4-BE49-F238E27FC236}">
+                <a16:creationId xmlns:a16="http://schemas.microsoft.com/office/drawing/2014/main" id="{B155CCCE-A22D-4D9F-8641-1F643E1CE3BB}"/>
+              </a:ext>
+            </a:extLst>
+          </p:cNvPr>
+          <p:cNvSpPr txBox="1"/>
+          <p:nvPr/>
+        </p:nvSpPr>
+        <p:spPr>
+          <a:xfrm>
+            <a:off x="6019800" y="4461264"/>
+            <a:ext cx="2093843" cy="1169551"/>
+          </a:xfrm>
+          <a:prstGeom prst="rect">
+            <a:avLst/>
+          </a:prstGeom>
+          <a:noFill/>
+        </p:spPr>
+        <p:txBody>
+          <a:bodyPr wrap="none" rtlCol="0">
+            <a:spAutoFit/>
+          </a:bodyPr>
+          <a:lstStyle/>
+          <a:p>
+            <a:r>
+              <a:rPr lang="en-US" sz="1400" dirty="0"/>
+              <a:t>Method </a:t>
+            </a:r>
+            <a:r>
+              <a:rPr lang="en-US" sz="1400" i="1" dirty="0" err="1"/>
+              <a:t>feedPet</a:t>
+            </a:r>
+            <a:r>
+              <a:rPr lang="en-US" sz="1400" i="1" dirty="0"/>
+              <a:t>()</a:t>
+            </a:r>
+          </a:p>
+          <a:p>
+            <a:r>
+              <a:rPr lang="en-US" sz="1400" dirty="0"/>
+              <a:t>calls </a:t>
+            </a:r>
+            <a:r>
+              <a:rPr lang="en-US" sz="1400" i="1" dirty="0" err="1"/>
+              <a:t>eatFood</a:t>
+            </a:r>
+            <a:r>
+              <a:rPr lang="en-US" sz="1400" i="1" dirty="0"/>
+              <a:t>()</a:t>
+            </a:r>
+            <a:r>
+              <a:rPr lang="en-US" sz="1400" dirty="0"/>
+              <a:t> from Pet</a:t>
+            </a:r>
+          </a:p>
+          <a:p>
+            <a:endParaRPr lang="en-US" sz="1400" dirty="0"/>
+          </a:p>
+          <a:p>
+            <a:r>
+              <a:rPr lang="en-US" sz="1400" dirty="0"/>
+              <a:t>That’s why we have</a:t>
+            </a:r>
+          </a:p>
+          <a:p>
+            <a:r>
+              <a:rPr lang="en-US" sz="1400" dirty="0"/>
+              <a:t>this dependency arrow</a:t>
+            </a:r>
+          </a:p>
+        </p:txBody>
+      </p:sp>
+      <p:sp>
+        <p:nvSpPr>
+          <p:cNvPr id="19" name="Rectangle: Rounded Corners 18">
+            <a:extLst>
+              <a:ext uri="{FF2B5EF4-FFF2-40B4-BE49-F238E27FC236}">
+                <a16:creationId xmlns:a16="http://schemas.microsoft.com/office/drawing/2014/main" id="{8DE2F343-B693-40E9-94BB-27A7321BE975}"/>
+              </a:ext>
+            </a:extLst>
+          </p:cNvPr>
+          <p:cNvSpPr/>
+          <p:nvPr/>
+        </p:nvSpPr>
+        <p:spPr>
+          <a:xfrm>
+            <a:off x="5943600" y="4457550"/>
+            <a:ext cx="2362200" cy="1173266"/>
+          </a:xfrm>
+          <a:prstGeom prst="roundRect">
+            <a:avLst/>
+          </a:prstGeom>
+          <a:noFill/>
+          <a:ln>
+            <a:solidFill>
+              <a:schemeClr val="tx1"/>
+            </a:solidFill>
+          </a:ln>
+        </p:spPr>
+        <p:style>
+          <a:lnRef idx="2">
+            <a:schemeClr val="accent1">
+              <a:shade val="50000"/>
+            </a:schemeClr>
+          </a:lnRef>
+          <a:fillRef idx="1">
+            <a:schemeClr val="accent1"/>
+          </a:fillRef>
+          <a:effectRef idx="0">
+            <a:schemeClr val="accent1"/>
+          </a:effectRef>
+          <a:fontRef idx="minor">
+            <a:schemeClr val="lt1"/>
+          </a:fontRef>
+        </p:style>
+        <p:txBody>
+          <a:bodyPr rtlCol="0" anchor="ctr"/>
+          <a:lstStyle/>
+          <a:p>
+            <a:pPr algn="ctr"/>
+            <a:endParaRPr lang="en-US"/>
+          </a:p>
+        </p:txBody>
+      </p:sp>
+      <p:cxnSp>
+        <p:nvCxnSpPr>
+          <p:cNvPr id="20" name="Straight Arrow Connector 19">
+            <a:extLst>
+              <a:ext uri="{FF2B5EF4-FFF2-40B4-BE49-F238E27FC236}">
+                <a16:creationId xmlns:a16="http://schemas.microsoft.com/office/drawing/2014/main" id="{FE219F73-5806-4D7C-A529-DA2E4523E04D}"/>
+              </a:ext>
+            </a:extLst>
+          </p:cNvPr>
+          <p:cNvCxnSpPr>
+            <a:cxnSpLocks/>
+          </p:cNvCxnSpPr>
+          <p:nvPr/>
+        </p:nvCxnSpPr>
+        <p:spPr>
+          <a:xfrm flipH="1" flipV="1">
+            <a:off x="5029200" y="4457550"/>
+            <a:ext cx="914400" cy="495450"/>
+          </a:xfrm>
+          <a:prstGeom prst="straightConnector1">
+            <a:avLst/>
+          </a:prstGeom>
+          <a:ln w="22225">
+            <a:solidFill>
+              <a:schemeClr val="tx1"/>
+            </a:solidFill>
+            <a:tailEnd type="triangle"/>
+          </a:ln>
+        </p:spPr>
+        <p:style>
+          <a:lnRef idx="1">
+            <a:schemeClr val="accent1"/>
+          </a:lnRef>
+          <a:fillRef idx="0">
+            <a:schemeClr val="accent1"/>
+          </a:fillRef>
+          <a:effectRef idx="0">
+            <a:schemeClr val="accent1"/>
+          </a:effectRef>
+          <a:fontRef idx="minor">
+            <a:schemeClr val="tx1"/>
+          </a:fontRef>
+        </p:style>
+      </p:cxnSp>
+    </p:spTree>
+    <p:extLst>
+      <p:ext uri="{BB962C8B-B14F-4D97-AF65-F5344CB8AC3E}">
+        <p14:creationId xmlns:p14="http://schemas.microsoft.com/office/powerpoint/2010/main" val="2051576271"/>
+      </p:ext>
+    </p:extLst>
+  </p:cSld>
+  <p:clrMapOvr>
+    <a:masterClrMapping/>
+  </p:clrMapOvr>
+</p:sld>
+</file>
+
+<file path=ppt/slides/slide2.xml><?xml version="1.0" encoding="utf-8"?>
+<p:sld xmlns:a="http://schemas.openxmlformats.org/drawingml/2006/main" xmlns:r="http://schemas.openxmlformats.org/officeDocument/2006/relationships" xmlns:p="http://schemas.openxmlformats.org/presentationml/2006/main">
+  <p:cSld>
+    <p:spTree>
+      <p:nvGrpSpPr>
+        <p:cNvPr id="1" name=""/>
+        <p:cNvGrpSpPr/>
+        <p:nvPr/>
+      </p:nvGrpSpPr>
+      <p:grpSpPr>
+        <a:xfrm>
+          <a:off x="0" y="0"/>
+          <a:ext cx="0" cy="0"/>
+          <a:chOff x="0" y="0"/>
+          <a:chExt cx="0" cy="0"/>
+        </a:xfrm>
+      </p:grpSpPr>
+      <p:sp>
+        <p:nvSpPr>
+          <p:cNvPr id="2" name="Title 1"/>
+          <p:cNvSpPr>
+            <a:spLocks noGrp="1"/>
+          </p:cNvSpPr>
+          <p:nvPr>
+            <p:ph type="title"/>
+          </p:nvPr>
+        </p:nvSpPr>
+        <p:spPr/>
+        <p:txBody>
+          <a:bodyPr/>
+          <a:lstStyle/>
+          <a:p>
+            <a:r>
+              <a:rPr lang="en-US" dirty="0"/>
+              <a:t>Object-Oriented Programming</a:t>
+            </a:r>
+          </a:p>
+        </p:txBody>
+      </p:sp>
+      <p:sp>
+        <p:nvSpPr>
+          <p:cNvPr id="3" name="Content Placeholder 2"/>
+          <p:cNvSpPr>
+            <a:spLocks noGrp="1"/>
+          </p:cNvSpPr>
+          <p:nvPr>
+            <p:ph idx="1"/>
+          </p:nvPr>
+        </p:nvSpPr>
+        <p:spPr/>
+        <p:txBody>
+          <a:bodyPr/>
+          <a:lstStyle/>
+          <a:p>
+            <a:r>
+              <a:rPr lang="en-US" dirty="0"/>
+              <a:t>The </a:t>
+            </a:r>
+            <a:r>
+              <a:rPr lang="en-US" b="1" dirty="0"/>
+              <a:t>three pillars </a:t>
+            </a:r>
+            <a:r>
+              <a:rPr lang="en-US" dirty="0"/>
+              <a:t>of </a:t>
+            </a:r>
+            <a:r>
+              <a:rPr lang="en-US" b="1" dirty="0"/>
+              <a:t>Object-Oriented Programming</a:t>
+            </a:r>
+          </a:p>
+          <a:p>
+            <a:pPr lvl="1"/>
+            <a:r>
+              <a:rPr lang="en-US" dirty="0"/>
+              <a:t>Encapsulation (already covered)</a:t>
+            </a:r>
+          </a:p>
+          <a:p>
+            <a:pPr lvl="1"/>
+            <a:r>
+              <a:rPr lang="en-US" dirty="0"/>
+              <a:t>Polymorphism (start idea today)</a:t>
+            </a:r>
+          </a:p>
+          <a:p>
+            <a:pPr lvl="1"/>
+            <a:r>
+              <a:rPr lang="en-US" dirty="0"/>
+              <a:t>Inheritance (next week)</a:t>
+            </a:r>
+          </a:p>
+          <a:p>
+            <a:pPr lvl="1"/>
+            <a:endParaRPr lang="en-US" dirty="0"/>
+          </a:p>
+        </p:txBody>
+      </p:sp>
+    </p:spTree>
+    <p:extLst>
+      <p:ext uri="{BB962C8B-B14F-4D97-AF65-F5344CB8AC3E}">
+        <p14:creationId xmlns:p14="http://schemas.microsoft.com/office/powerpoint/2010/main" val="1779397205"/>
+      </p:ext>
+    </p:extLst>
+  </p:cSld>
+  <p:clrMapOvr>
+    <a:masterClrMapping/>
+  </p:clrMapOvr>
+</p:sld>
+</file>
+
+<file path=ppt/slides/slide20.xml><?xml version="1.0" encoding="utf-8"?>
 <p:sld xmlns:a="http://schemas.openxmlformats.org/drawingml/2006/main" xmlns:r="http://schemas.openxmlformats.org/officeDocument/2006/relationships" xmlns:p="http://schemas.openxmlformats.org/presentationml/2006/main">
   <p:cSld>
     <p:spTree>
@@ -9010,118 +9821,7 @@
 </p:sld>
 </file>
 
-<file path=ppt/slides/slide2.xml><?xml version="1.0" encoding="utf-8"?>
-<p:sld xmlns:a="http://schemas.openxmlformats.org/drawingml/2006/main" xmlns:r="http://schemas.openxmlformats.org/officeDocument/2006/relationships" xmlns:p="http://schemas.openxmlformats.org/presentationml/2006/main">
-  <p:cSld>
-    <p:spTree>
-      <p:nvGrpSpPr>
-        <p:cNvPr id="1" name=""/>
-        <p:cNvGrpSpPr/>
-        <p:nvPr/>
-      </p:nvGrpSpPr>
-      <p:grpSpPr>
-        <a:xfrm>
-          <a:off x="0" y="0"/>
-          <a:ext cx="0" cy="0"/>
-          <a:chOff x="0" y="0"/>
-          <a:chExt cx="0" cy="0"/>
-        </a:xfrm>
-      </p:grpSpPr>
-      <p:sp>
-        <p:nvSpPr>
-          <p:cNvPr id="2" name="Title 1"/>
-          <p:cNvSpPr>
-            <a:spLocks noGrp="1"/>
-          </p:cNvSpPr>
-          <p:nvPr>
-            <p:ph type="title"/>
-          </p:nvPr>
-        </p:nvSpPr>
-        <p:spPr/>
-        <p:txBody>
-          <a:bodyPr/>
-          <a:lstStyle/>
-          <a:p>
-            <a:r>
-              <a:rPr lang="en-US" dirty="0"/>
-              <a:t>Object-Oriented Programming</a:t>
-            </a:r>
-          </a:p>
-        </p:txBody>
-      </p:sp>
-      <p:sp>
-        <p:nvSpPr>
-          <p:cNvPr id="3" name="Content Placeholder 2"/>
-          <p:cNvSpPr>
-            <a:spLocks noGrp="1"/>
-          </p:cNvSpPr>
-          <p:nvPr>
-            <p:ph idx="1"/>
-          </p:nvPr>
-        </p:nvSpPr>
-        <p:spPr/>
-        <p:txBody>
-          <a:bodyPr/>
-          <a:lstStyle/>
-          <a:p>
-            <a:r>
-              <a:rPr lang="en-US" dirty="0"/>
-              <a:t>The </a:t>
-            </a:r>
-            <a:r>
-              <a:rPr lang="en-US" b="1" dirty="0"/>
-              <a:t>three pillars </a:t>
-            </a:r>
-            <a:r>
-              <a:rPr lang="en-US" dirty="0"/>
-              <a:t>of </a:t>
-            </a:r>
-            <a:r>
-              <a:rPr lang="en-US" b="1" dirty="0"/>
-              <a:t>Object-Oriented Programming</a:t>
-            </a:r>
-          </a:p>
-          <a:p>
-            <a:pPr lvl="1"/>
-            <a:r>
-              <a:rPr lang="en-US" dirty="0"/>
-              <a:t>Encapsulation (already covered)</a:t>
-            </a:r>
-          </a:p>
-          <a:p>
-            <a:pPr lvl="1"/>
-            <a:r>
-              <a:rPr lang="en-US" dirty="0"/>
-              <a:t>Polymorphism (start idea today)</a:t>
-            </a:r>
-          </a:p>
-          <a:p>
-            <a:pPr lvl="1"/>
-            <a:r>
-              <a:rPr lang="en-US" dirty="0"/>
-              <a:t>Inheritance (next week)</a:t>
-            </a:r>
-          </a:p>
-          <a:p>
-            <a:pPr lvl="1"/>
-            <a:endParaRPr lang="en-US" dirty="0"/>
-          </a:p>
-        </p:txBody>
-      </p:sp>
-    </p:spTree>
-    <p:extLst>
-      <p:ext uri="{BB962C8B-B14F-4D97-AF65-F5344CB8AC3E}">
-        <p14:creationId xmlns:p14="http://schemas.microsoft.com/office/powerpoint/2010/main" val="1779397205"/>
-      </p:ext>
-    </p:extLst>
-  </p:cSld>
-  <p:clrMapOvr>
-    <a:masterClrMapping/>
-  </p:clrMapOvr>
-</p:sld>
-</file>
-
-<file path=ppt/slides/slide20.xml><?xml version="1.0" encoding="utf-8"?>
+<file path=ppt/slides/slide21.xml><?xml version="1.0" encoding="utf-8"?>
 <p:sld xmlns:a="http://schemas.openxmlformats.org/drawingml/2006/main" xmlns:r="http://schemas.openxmlformats.org/officeDocument/2006/relationships" xmlns:p="http://schemas.openxmlformats.org/presentationml/2006/main">
   <p:cSld>
     <p:spTree>
@@ -9321,7 +10021,7 @@
 </p:sld>
 </file>
 
-<file path=ppt/slides/slide21.xml><?xml version="1.0" encoding="utf-8"?>
+<file path=ppt/slides/slide22.xml><?xml version="1.0" encoding="utf-8"?>
 <p:sld xmlns:a="http://schemas.openxmlformats.org/drawingml/2006/main" xmlns:r="http://schemas.openxmlformats.org/officeDocument/2006/relationships" xmlns:p="http://schemas.openxmlformats.org/presentationml/2006/main">
   <p:cSld>
     <p:spTree>

--- a/ClassMaterials/Interfaces/Slides/Interfaces.pptx
+++ b/ClassMaterials/Interfaces/Slides/Interfaces.pptx
@@ -5,34 +5,36 @@
     <p:sldMasterId id="2147484251" r:id="rId1"/>
   </p:sldMasterIdLst>
   <p:notesMasterIdLst>
-    <p:notesMasterId r:id="rId24"/>
+    <p:notesMasterId r:id="rId26"/>
   </p:notesMasterIdLst>
   <p:handoutMasterIdLst>
-    <p:handoutMasterId r:id="rId25"/>
+    <p:handoutMasterId r:id="rId27"/>
   </p:handoutMasterIdLst>
   <p:sldIdLst>
     <p:sldId id="256" r:id="rId2"/>
     <p:sldId id="257" r:id="rId3"/>
     <p:sldId id="258" r:id="rId4"/>
-    <p:sldId id="259" r:id="rId5"/>
-    <p:sldId id="260" r:id="rId6"/>
-    <p:sldId id="261" r:id="rId7"/>
-    <p:sldId id="276" r:id="rId8"/>
-    <p:sldId id="262" r:id="rId9"/>
-    <p:sldId id="277" r:id="rId10"/>
-    <p:sldId id="278" r:id="rId11"/>
-    <p:sldId id="280" r:id="rId12"/>
-    <p:sldId id="263" r:id="rId13"/>
-    <p:sldId id="264" r:id="rId14"/>
-    <p:sldId id="266" r:id="rId15"/>
-    <p:sldId id="267" r:id="rId16"/>
-    <p:sldId id="271" r:id="rId17"/>
-    <p:sldId id="272" r:id="rId18"/>
-    <p:sldId id="273" r:id="rId19"/>
-    <p:sldId id="288" r:id="rId20"/>
-    <p:sldId id="274" r:id="rId21"/>
-    <p:sldId id="282" r:id="rId22"/>
-    <p:sldId id="275" r:id="rId23"/>
+    <p:sldId id="290" r:id="rId5"/>
+    <p:sldId id="297" r:id="rId6"/>
+    <p:sldId id="298" r:id="rId7"/>
+    <p:sldId id="299" r:id="rId8"/>
+    <p:sldId id="300" r:id="rId9"/>
+    <p:sldId id="291" r:id="rId10"/>
+    <p:sldId id="301" r:id="rId11"/>
+    <p:sldId id="302" r:id="rId12"/>
+    <p:sldId id="303" r:id="rId13"/>
+    <p:sldId id="292" r:id="rId14"/>
+    <p:sldId id="293" r:id="rId15"/>
+    <p:sldId id="294" r:id="rId16"/>
+    <p:sldId id="295" r:id="rId17"/>
+    <p:sldId id="296" r:id="rId18"/>
+    <p:sldId id="264" r:id="rId19"/>
+    <p:sldId id="272" r:id="rId20"/>
+    <p:sldId id="273" r:id="rId21"/>
+    <p:sldId id="288" r:id="rId22"/>
+    <p:sldId id="274" r:id="rId23"/>
+    <p:sldId id="282" r:id="rId24"/>
+    <p:sldId id="275" r:id="rId25"/>
   </p:sldIdLst>
   <p:sldSz cx="9144000" cy="6858000" type="screen4x3"/>
   <p:notesSz cx="7010400" cy="9296400"/>
@@ -297,7 +299,7 @@
               <a:pPr>
                 <a:defRPr/>
               </a:pPr>
-              <a:t>10/4/2018</a:t>
+              <a:t>4/8/2020</a:t>
             </a:fld>
             <a:endParaRPr lang="en-US"/>
           </a:p>
@@ -532,7 +534,7 @@
               <a:pPr>
                 <a:defRPr/>
               </a:pPr>
-              <a:t>10/4/2018</a:t>
+              <a:t>4/8/2020</a:t>
             </a:fld>
             <a:endParaRPr lang="en-US"/>
           </a:p>
@@ -1284,19 +1286,38 @@
       </p:grpSpPr>
       <p:sp>
         <p:nvSpPr>
-          <p:cNvPr id="2" name="Slide Image Placeholder 1"/>
-          <p:cNvSpPr>
-            <a:spLocks noGrp="1" noRot="1" noChangeAspect="1"/>
+          <p:cNvPr id="50178" name="Slide Image Placeholder 1"/>
+          <p:cNvSpPr>
+            <a:spLocks noGrp="1" noRot="1" noChangeAspect="1" noTextEdit="1"/>
           </p:cNvSpPr>
           <p:nvPr>
             <p:ph type="sldImg"/>
           </p:nvPr>
         </p:nvSpPr>
-        <p:spPr/>
-      </p:sp>
-      <p:sp>
-        <p:nvSpPr>
-          <p:cNvPr id="3" name="Notes Placeholder 2"/>
+        <p:spPr bwMode="auto">
+          <a:noFill/>
+          <a:ln>
+            <a:solidFill>
+              <a:srgbClr val="000000"/>
+            </a:solidFill>
+            <a:miter lim="800000"/>
+            <a:headEnd/>
+            <a:tailEnd/>
+          </a:ln>
+          <a:extLst>
+            <a:ext uri="{909E8E84-426E-40dd-AFC4-6F175D3DCCD1}">
+              <a14:hiddenFill xmlns="" xmlns:a14="http://schemas.microsoft.com/office/drawing/2010/main">
+                <a:solidFill>
+                  <a:srgbClr val="FFFFFF"/>
+                </a:solidFill>
+              </a14:hiddenFill>
+            </a:ext>
+          </a:extLst>
+        </p:spPr>
+      </p:sp>
+      <p:sp>
+        <p:nvSpPr>
+          <p:cNvPr id="50179" name="Notes Placeholder 2"/>
           <p:cNvSpPr>
             <a:spLocks noGrp="1"/>
           </p:cNvSpPr>
@@ -1304,146 +1325,223 @@
             <p:ph type="body" idx="1"/>
           </p:nvPr>
         </p:nvSpPr>
-        <p:spPr/>
+        <p:spPr>
+          <a:noFill/>
+          <a:ln/>
+          <a:extLst>
+            <a:ext uri="{909E8E84-426E-40dd-AFC4-6F175D3DCCD1}">
+              <a14:hiddenFill xmlns="" xmlns:a14="http://schemas.microsoft.com/office/drawing/2010/main">
+                <a:solidFill>
+                  <a:srgbClr val="FFFFFF"/>
+                </a:solidFill>
+              </a14:hiddenFill>
+            </a:ext>
+            <a:ext uri="{91240B29-F687-4f45-9708-019B960494DF}">
+              <a14:hiddenLine xmlns="" xmlns:a14="http://schemas.microsoft.com/office/drawing/2010/main" w="9525">
+                <a:solidFill>
+                  <a:srgbClr val="000000"/>
+                </a:solidFill>
+                <a:miter lim="800000"/>
+                <a:headEnd/>
+                <a:tailEnd/>
+              </a14:hiddenLine>
+            </a:ext>
+          </a:extLst>
+        </p:spPr>
         <p:txBody>
           <a:bodyPr/>
           <a:lstStyle/>
           <a:p>
-            <a:r>
-              <a:rPr lang="en-US" dirty="0"/>
-              <a:t>Additional questions to ask students</a:t>
+            <a:pPr marL="0" indent="0">
+              <a:buFontTx/>
+              <a:buNone/>
+            </a:pPr>
+            <a:r>
+              <a:rPr lang="en-US" dirty="0"/>
+              <a:t>Might be good to draw the Pet,</a:t>
             </a:r>
             <a:r>
               <a:rPr lang="en-US" baseline="0" dirty="0"/>
-              <a:t> after showing solution:</a:t>
-            </a:r>
+              <a:t> Cat, Dog UML diagram here. </a:t>
+            </a:r>
+          </a:p>
+          <a:p>
+            <a:pPr marL="0" indent="0">
+              <a:buFontTx/>
+              <a:buNone/>
+            </a:pPr>
+            <a:endParaRPr lang="en-US" baseline="0" dirty="0"/>
+          </a:p>
+          <a:p>
+            <a:pPr marL="0" indent="0">
+              <a:buFontTx/>
+              <a:buNone/>
+            </a:pPr>
             <a:endParaRPr lang="en-US" dirty="0"/>
           </a:p>
-          <a:p>
-            <a:endParaRPr lang="en-US" dirty="0"/>
-          </a:p>
-          <a:p>
-            <a:r>
-              <a:rPr lang="en-US" dirty="0"/>
-              <a:t>Where is the code located to run the </a:t>
-            </a:r>
-            <a:r>
-              <a:rPr lang="en-US" dirty="0" err="1"/>
-              <a:t>readLine</a:t>
-            </a:r>
-            <a:r>
-              <a:rPr lang="en-US" dirty="0"/>
-              <a:t>() command? (It is still in each</a:t>
-            </a:r>
-            <a:r>
-              <a:rPr lang="en-US" baseline="0" dirty="0"/>
-              <a:t> of the three Stream classes)</a:t>
-            </a:r>
-          </a:p>
-          <a:p>
-            <a:pPr marL="0" marR="0" lvl="0" indent="0" algn="l" defTabSz="914400" rtl="0" eaLnBrk="0" fontAlgn="base" latinLnBrk="0" hangingPunct="0">
-              <a:lnSpc>
-                <a:spcPct val="100000"/>
-              </a:lnSpc>
+        </p:txBody>
+      </p:sp>
+      <p:sp>
+        <p:nvSpPr>
+          <p:cNvPr id="50180" name="Slide Number Placeholder 3"/>
+          <p:cNvSpPr>
+            <a:spLocks noGrp="1"/>
+          </p:cNvSpPr>
+          <p:nvPr>
+            <p:ph type="sldNum" sz="quarter" idx="5"/>
+          </p:nvPr>
+        </p:nvSpPr>
+        <p:spPr>
+          <a:noFill/>
+          <a:ln/>
+          <a:extLst>
+            <a:ext uri="{909E8E84-426E-40dd-AFC4-6F175D3DCCD1}">
+              <a14:hiddenFill xmlns="" xmlns:a14="http://schemas.microsoft.com/office/drawing/2010/main">
+                <a:solidFill>
+                  <a:srgbClr val="FFFFFF"/>
+                </a:solidFill>
+              </a14:hiddenFill>
+            </a:ext>
+            <a:ext uri="{91240B29-F687-4f45-9708-019B960494DF}">
+              <a14:hiddenLine xmlns="" xmlns:a14="http://schemas.microsoft.com/office/drawing/2010/main" w="9525">
+                <a:solidFill>
+                  <a:srgbClr val="000000"/>
+                </a:solidFill>
+                <a:miter lim="800000"/>
+                <a:headEnd/>
+                <a:tailEnd/>
+              </a14:hiddenLine>
+            </a:ext>
+          </a:extLst>
+        </p:spPr>
+        <p:txBody>
+          <a:bodyPr/>
+          <a:lstStyle>
+            <a:lvl1pPr defTabSz="913525" eaLnBrk="0" hangingPunct="0">
+              <a:defRPr>
+                <a:solidFill>
+                  <a:schemeClr val="tx1"/>
+                </a:solidFill>
+                <a:latin typeface="Arial" charset="0"/>
+                <a:cs typeface="Arial" charset="0"/>
+              </a:defRPr>
+            </a:lvl1pPr>
+            <a:lvl2pPr marL="716130" indent="-275434" defTabSz="913525" eaLnBrk="0" hangingPunct="0">
+              <a:defRPr>
+                <a:solidFill>
+                  <a:schemeClr val="tx1"/>
+                </a:solidFill>
+                <a:latin typeface="Arial" charset="0"/>
+                <a:cs typeface="Arial" charset="0"/>
+              </a:defRPr>
+            </a:lvl2pPr>
+            <a:lvl3pPr marL="1101738" indent="-220348" defTabSz="913525" eaLnBrk="0" hangingPunct="0">
+              <a:defRPr>
+                <a:solidFill>
+                  <a:schemeClr val="tx1"/>
+                </a:solidFill>
+                <a:latin typeface="Arial" charset="0"/>
+                <a:cs typeface="Arial" charset="0"/>
+              </a:defRPr>
+            </a:lvl3pPr>
+            <a:lvl4pPr marL="1542433" indent="-220348" defTabSz="913525" eaLnBrk="0" hangingPunct="0">
+              <a:defRPr>
+                <a:solidFill>
+                  <a:schemeClr val="tx1"/>
+                </a:solidFill>
+                <a:latin typeface="Arial" charset="0"/>
+                <a:cs typeface="Arial" charset="0"/>
+              </a:defRPr>
+            </a:lvl4pPr>
+            <a:lvl5pPr marL="1983128" indent="-220348" defTabSz="913525" eaLnBrk="0" hangingPunct="0">
+              <a:defRPr>
+                <a:solidFill>
+                  <a:schemeClr val="tx1"/>
+                </a:solidFill>
+                <a:latin typeface="Arial" charset="0"/>
+                <a:cs typeface="Arial" charset="0"/>
+              </a:defRPr>
+            </a:lvl5pPr>
+            <a:lvl6pPr marL="2423823" indent="-220348" defTabSz="913525" eaLnBrk="0" fontAlgn="base" hangingPunct="0">
               <a:spcBef>
-                <a:spcPct val="30000"/>
+                <a:spcPct val="0"/>
               </a:spcBef>
               <a:spcAft>
                 <a:spcPct val="0"/>
               </a:spcAft>
-              <a:buClrTx/>
-              <a:buSzTx/>
-              <a:buFontTx/>
-              <a:buNone/>
-              <a:tabLst/>
-              <a:defRPr/>
-            </a:pPr>
-            <a:r>
-              <a:rPr lang="en-US" dirty="0"/>
-              <a:t>What code has actually changed</a:t>
-            </a:r>
-            <a:r>
-              <a:rPr lang="en-US" baseline="0" dirty="0"/>
-              <a:t> in the </a:t>
-            </a:r>
-            <a:r>
-              <a:rPr lang="en-US" baseline="0" dirty="0" err="1"/>
-              <a:t>FileStream</a:t>
-            </a:r>
-            <a:r>
-              <a:rPr lang="en-US" baseline="0" dirty="0"/>
-              <a:t> class?  (exactly the same except for addition of “implements Stream”  )</a:t>
-            </a:r>
-            <a:endParaRPr lang="en-US" dirty="0"/>
-          </a:p>
-          <a:p>
-            <a:r>
-              <a:rPr lang="en-US" dirty="0"/>
-              <a:t>Where</a:t>
-            </a:r>
-            <a:r>
-              <a:rPr lang="en-US" baseline="0" dirty="0"/>
-              <a:t> would the code change the most? (other than adding the “implements Stream” mostly in Image)</a:t>
-            </a:r>
-          </a:p>
-          <a:p>
-            <a:r>
-              <a:rPr lang="en-US" baseline="0" dirty="0"/>
-              <a:t>Where was duplicate code removed? (in Image, no longer three different methods requiring some kind of loop (while (!</a:t>
-            </a:r>
-            <a:r>
-              <a:rPr lang="en-US" baseline="0" dirty="0" err="1"/>
-              <a:t>s.isFinished</a:t>
-            </a:r>
-            <a:r>
-              <a:rPr lang="en-US" baseline="0" dirty="0"/>
-              <a:t>) { </a:t>
-            </a:r>
-            <a:r>
-              <a:rPr lang="en-US" baseline="0" dirty="0" err="1"/>
-              <a:t>s.readLine</a:t>
-            </a:r>
-            <a:r>
-              <a:rPr lang="en-US" baseline="0" dirty="0"/>
-              <a:t>(); } ))</a:t>
-            </a:r>
-            <a:endParaRPr lang="en-US" dirty="0"/>
-          </a:p>
-        </p:txBody>
-      </p:sp>
-      <p:sp>
-        <p:nvSpPr>
-          <p:cNvPr id="4" name="Slide Number Placeholder 3"/>
-          <p:cNvSpPr>
-            <a:spLocks noGrp="1"/>
-          </p:cNvSpPr>
-          <p:nvPr>
-            <p:ph type="sldNum" sz="quarter" idx="10"/>
-          </p:nvPr>
-        </p:nvSpPr>
-        <p:spPr/>
-        <p:txBody>
-          <a:bodyPr/>
-          <a:lstStyle/>
-          <a:p>
-            <a:pPr>
-              <a:defRPr/>
-            </a:pPr>
-            <a:fld id="{3F6B6C2D-0897-4206-AD94-4D1FCFA82106}" type="slidenum">
-              <a:rPr lang="en-US" smtClean="0"/>
-              <a:pPr>
-                <a:defRPr/>
-              </a:pPr>
-              <a:t>15</a:t>
+              <a:defRPr>
+                <a:solidFill>
+                  <a:schemeClr val="tx1"/>
+                </a:solidFill>
+                <a:latin typeface="Arial" charset="0"/>
+                <a:cs typeface="Arial" charset="0"/>
+              </a:defRPr>
+            </a:lvl6pPr>
+            <a:lvl7pPr marL="2864518" indent="-220348" defTabSz="913525" eaLnBrk="0" fontAlgn="base" hangingPunct="0">
+              <a:spcBef>
+                <a:spcPct val="0"/>
+              </a:spcBef>
+              <a:spcAft>
+                <a:spcPct val="0"/>
+              </a:spcAft>
+              <a:defRPr>
+                <a:solidFill>
+                  <a:schemeClr val="tx1"/>
+                </a:solidFill>
+                <a:latin typeface="Arial" charset="0"/>
+                <a:cs typeface="Arial" charset="0"/>
+              </a:defRPr>
+            </a:lvl7pPr>
+            <a:lvl8pPr marL="3305213" indent="-220348" defTabSz="913525" eaLnBrk="0" fontAlgn="base" hangingPunct="0">
+              <a:spcBef>
+                <a:spcPct val="0"/>
+              </a:spcBef>
+              <a:spcAft>
+                <a:spcPct val="0"/>
+              </a:spcAft>
+              <a:defRPr>
+                <a:solidFill>
+                  <a:schemeClr val="tx1"/>
+                </a:solidFill>
+                <a:latin typeface="Arial" charset="0"/>
+                <a:cs typeface="Arial" charset="0"/>
+              </a:defRPr>
+            </a:lvl8pPr>
+            <a:lvl9pPr marL="3745908" indent="-220348" defTabSz="913525" eaLnBrk="0" fontAlgn="base" hangingPunct="0">
+              <a:spcBef>
+                <a:spcPct val="0"/>
+              </a:spcBef>
+              <a:spcAft>
+                <a:spcPct val="0"/>
+              </a:spcAft>
+              <a:defRPr>
+                <a:solidFill>
+                  <a:schemeClr val="tx1"/>
+                </a:solidFill>
+                <a:latin typeface="Arial" charset="0"/>
+                <a:cs typeface="Arial" charset="0"/>
+              </a:defRPr>
+            </a:lvl9pPr>
+          </a:lstStyle>
+          <a:p>
+            <a:pPr eaLnBrk="1" hangingPunct="1"/>
+            <a:fld id="{F19D4DE2-3B99-41EE-8D4F-E0DDC5188304}" type="slidenum">
+              <a:rPr lang="en-US" smtClean="0">
+                <a:latin typeface="Calibri" pitchFamily="34" charset="0"/>
+              </a:rPr>
+              <a:pPr eaLnBrk="1" hangingPunct="1"/>
+              <a:t>11</a:t>
             </a:fld>
-            <a:endParaRPr lang="en-US"/>
+            <a:endParaRPr lang="en-US">
+              <a:latin typeface="Calibri" pitchFamily="34" charset="0"/>
+            </a:endParaRPr>
           </a:p>
         </p:txBody>
       </p:sp>
     </p:spTree>
     <p:extLst>
       <p:ext uri="{BB962C8B-B14F-4D97-AF65-F5344CB8AC3E}">
-        <p14:creationId xmlns:p14="http://schemas.microsoft.com/office/powerpoint/2010/main" val="1525064647"/>
+        <p14:creationId xmlns:p14="http://schemas.microsoft.com/office/powerpoint/2010/main" val="3622782439"/>
       </p:ext>
     </p:extLst>
   </p:cSld>
@@ -1472,38 +1570,19 @@
       </p:grpSpPr>
       <p:sp>
         <p:nvSpPr>
-          <p:cNvPr id="50178" name="Slide Image Placeholder 1"/>
-          <p:cNvSpPr>
-            <a:spLocks noGrp="1" noRot="1" noChangeAspect="1" noTextEdit="1"/>
+          <p:cNvPr id="2" name="Slide Image Placeholder 1"/>
+          <p:cNvSpPr>
+            <a:spLocks noGrp="1" noRot="1" noChangeAspect="1"/>
           </p:cNvSpPr>
           <p:nvPr>
             <p:ph type="sldImg"/>
           </p:nvPr>
         </p:nvSpPr>
-        <p:spPr bwMode="auto">
-          <a:noFill/>
-          <a:ln>
-            <a:solidFill>
-              <a:srgbClr val="000000"/>
-            </a:solidFill>
-            <a:miter lim="800000"/>
-            <a:headEnd/>
-            <a:tailEnd/>
-          </a:ln>
-          <a:extLst>
-            <a:ext uri="{909E8E84-426E-40dd-AFC4-6F175D3DCCD1}">
-              <a14:hiddenFill xmlns:a14="http://schemas.microsoft.com/office/drawing/2010/main" xmlns="">
-                <a:solidFill>
-                  <a:srgbClr val="FFFFFF"/>
-                </a:solidFill>
-              </a14:hiddenFill>
-            </a:ext>
-          </a:extLst>
-        </p:spPr>
-      </p:sp>
-      <p:sp>
-        <p:nvSpPr>
-          <p:cNvPr id="50179" name="Notes Placeholder 2"/>
+        <p:spPr/>
+      </p:sp>
+      <p:sp>
+        <p:nvSpPr>
+          <p:cNvPr id="3" name="Notes Placeholder 2"/>
           <p:cNvSpPr>
             <a:spLocks noGrp="1"/>
           </p:cNvSpPr>
@@ -1511,65 +1590,40 @@
             <p:ph type="body" idx="1"/>
           </p:nvPr>
         </p:nvSpPr>
-        <p:spPr>
-          <a:noFill/>
-          <a:ln/>
-          <a:extLst>
-            <a:ext uri="{909E8E84-426E-40dd-AFC4-6F175D3DCCD1}">
-              <a14:hiddenFill xmlns:a14="http://schemas.microsoft.com/office/drawing/2010/main" xmlns="">
-                <a:solidFill>
-                  <a:srgbClr val="FFFFFF"/>
-                </a:solidFill>
-              </a14:hiddenFill>
-            </a:ext>
-            <a:ext uri="{91240B29-F687-4f45-9708-019B960494DF}">
-              <a14:hiddenLine xmlns:a14="http://schemas.microsoft.com/office/drawing/2010/main" xmlns="" w="9525">
-                <a:solidFill>
-                  <a:srgbClr val="000000"/>
-                </a:solidFill>
-                <a:miter lim="800000"/>
-                <a:headEnd/>
-                <a:tailEnd/>
-              </a14:hiddenLine>
-            </a:ext>
-          </a:extLst>
-        </p:spPr>
+        <p:spPr/>
         <p:txBody>
           <a:bodyPr/>
           <a:lstStyle/>
           <a:p>
-            <a:pPr marL="0" indent="0">
-              <a:buFontTx/>
-              <a:buNone/>
-            </a:pPr>
-            <a:r>
-              <a:rPr lang="en-US" dirty="0"/>
-              <a:t>Might be good to draw the Pet,</a:t>
-            </a:r>
-            <a:r>
-              <a:rPr lang="en-US" baseline="0" dirty="0"/>
-              <a:t> Cat, Dog UML diagram here. </a:t>
-            </a:r>
-          </a:p>
-          <a:p>
-            <a:pPr marL="0" indent="0">
-              <a:buFontTx/>
-              <a:buNone/>
-            </a:pPr>
-            <a:endParaRPr lang="en-US" baseline="0" dirty="0"/>
-          </a:p>
-          <a:p>
-            <a:pPr marL="0" indent="0">
-              <a:buFontTx/>
-              <a:buNone/>
-            </a:pPr>
+            <a:r>
+              <a:rPr lang="en-US" dirty="0"/>
+              <a:t>From the </a:t>
+            </a:r>
+            <a:r>
+              <a:rPr lang="en-US" i="1" dirty="0"/>
+              <a:t>Interface</a:t>
+            </a:r>
+            <a:r>
+              <a:rPr lang="en-US" dirty="0"/>
+              <a:t> Eclipse project, </a:t>
+            </a:r>
+            <a:r>
+              <a:rPr lang="en-US" i="1" dirty="0" err="1"/>
+              <a:t>simpleExample</a:t>
+            </a:r>
+            <a:r>
+              <a:rPr lang="en-US" dirty="0"/>
+              <a:t> package</a:t>
+            </a:r>
+          </a:p>
+          <a:p>
             <a:endParaRPr lang="en-US" dirty="0"/>
           </a:p>
         </p:txBody>
       </p:sp>
       <p:sp>
         <p:nvSpPr>
-          <p:cNvPr id="50180" name="Slide Number Placeholder 3"/>
+          <p:cNvPr id="4" name="Slide Number Placeholder 3"/>
           <p:cNvSpPr>
             <a:spLocks noGrp="1"/>
           </p:cNvSpPr>
@@ -1577,157 +1631,29 @@
             <p:ph type="sldNum" sz="quarter" idx="5"/>
           </p:nvPr>
         </p:nvSpPr>
-        <p:spPr>
-          <a:noFill/>
-          <a:ln/>
-          <a:extLst>
-            <a:ext uri="{909E8E84-426E-40dd-AFC4-6F175D3DCCD1}">
-              <a14:hiddenFill xmlns:a14="http://schemas.microsoft.com/office/drawing/2010/main" xmlns="">
-                <a:solidFill>
-                  <a:srgbClr val="FFFFFF"/>
-                </a:solidFill>
-              </a14:hiddenFill>
-            </a:ext>
-            <a:ext uri="{91240B29-F687-4f45-9708-019B960494DF}">
-              <a14:hiddenLine xmlns:a14="http://schemas.microsoft.com/office/drawing/2010/main" xmlns="" w="9525">
-                <a:solidFill>
-                  <a:srgbClr val="000000"/>
-                </a:solidFill>
-                <a:miter lim="800000"/>
-                <a:headEnd/>
-                <a:tailEnd/>
-              </a14:hiddenLine>
-            </a:ext>
-          </a:extLst>
-        </p:spPr>
+        <p:spPr/>
         <p:txBody>
           <a:bodyPr/>
-          <a:lstStyle>
-            <a:lvl1pPr defTabSz="913525" eaLnBrk="0" hangingPunct="0">
-              <a:defRPr>
-                <a:solidFill>
-                  <a:schemeClr val="tx1"/>
-                </a:solidFill>
-                <a:latin typeface="Arial" charset="0"/>
-                <a:cs typeface="Arial" charset="0"/>
-              </a:defRPr>
-            </a:lvl1pPr>
-            <a:lvl2pPr marL="716130" indent="-275434" defTabSz="913525" eaLnBrk="0" hangingPunct="0">
-              <a:defRPr>
-                <a:solidFill>
-                  <a:schemeClr val="tx1"/>
-                </a:solidFill>
-                <a:latin typeface="Arial" charset="0"/>
-                <a:cs typeface="Arial" charset="0"/>
-              </a:defRPr>
-            </a:lvl2pPr>
-            <a:lvl3pPr marL="1101738" indent="-220348" defTabSz="913525" eaLnBrk="0" hangingPunct="0">
-              <a:defRPr>
-                <a:solidFill>
-                  <a:schemeClr val="tx1"/>
-                </a:solidFill>
-                <a:latin typeface="Arial" charset="0"/>
-                <a:cs typeface="Arial" charset="0"/>
-              </a:defRPr>
-            </a:lvl3pPr>
-            <a:lvl4pPr marL="1542433" indent="-220348" defTabSz="913525" eaLnBrk="0" hangingPunct="0">
-              <a:defRPr>
-                <a:solidFill>
-                  <a:schemeClr val="tx1"/>
-                </a:solidFill>
-                <a:latin typeface="Arial" charset="0"/>
-                <a:cs typeface="Arial" charset="0"/>
-              </a:defRPr>
-            </a:lvl4pPr>
-            <a:lvl5pPr marL="1983128" indent="-220348" defTabSz="913525" eaLnBrk="0" hangingPunct="0">
-              <a:defRPr>
-                <a:solidFill>
-                  <a:schemeClr val="tx1"/>
-                </a:solidFill>
-                <a:latin typeface="Arial" charset="0"/>
-                <a:cs typeface="Arial" charset="0"/>
-              </a:defRPr>
-            </a:lvl5pPr>
-            <a:lvl6pPr marL="2423823" indent="-220348" defTabSz="913525" eaLnBrk="0" fontAlgn="base" hangingPunct="0">
-              <a:spcBef>
-                <a:spcPct val="0"/>
-              </a:spcBef>
-              <a:spcAft>
-                <a:spcPct val="0"/>
-              </a:spcAft>
-              <a:defRPr>
-                <a:solidFill>
-                  <a:schemeClr val="tx1"/>
-                </a:solidFill>
-                <a:latin typeface="Arial" charset="0"/>
-                <a:cs typeface="Arial" charset="0"/>
-              </a:defRPr>
-            </a:lvl6pPr>
-            <a:lvl7pPr marL="2864518" indent="-220348" defTabSz="913525" eaLnBrk="0" fontAlgn="base" hangingPunct="0">
-              <a:spcBef>
-                <a:spcPct val="0"/>
-              </a:spcBef>
-              <a:spcAft>
-                <a:spcPct val="0"/>
-              </a:spcAft>
-              <a:defRPr>
-                <a:solidFill>
-                  <a:schemeClr val="tx1"/>
-                </a:solidFill>
-                <a:latin typeface="Arial" charset="0"/>
-                <a:cs typeface="Arial" charset="0"/>
-              </a:defRPr>
-            </a:lvl7pPr>
-            <a:lvl8pPr marL="3305213" indent="-220348" defTabSz="913525" eaLnBrk="0" fontAlgn="base" hangingPunct="0">
-              <a:spcBef>
-                <a:spcPct val="0"/>
-              </a:spcBef>
-              <a:spcAft>
-                <a:spcPct val="0"/>
-              </a:spcAft>
-              <a:defRPr>
-                <a:solidFill>
-                  <a:schemeClr val="tx1"/>
-                </a:solidFill>
-                <a:latin typeface="Arial" charset="0"/>
-                <a:cs typeface="Arial" charset="0"/>
-              </a:defRPr>
-            </a:lvl8pPr>
-            <a:lvl9pPr marL="3745908" indent="-220348" defTabSz="913525" eaLnBrk="0" fontAlgn="base" hangingPunct="0">
-              <a:spcBef>
-                <a:spcPct val="0"/>
-              </a:spcBef>
-              <a:spcAft>
-                <a:spcPct val="0"/>
-              </a:spcAft>
-              <a:defRPr>
-                <a:solidFill>
-                  <a:schemeClr val="tx1"/>
-                </a:solidFill>
-                <a:latin typeface="Arial" charset="0"/>
-                <a:cs typeface="Arial" charset="0"/>
-              </a:defRPr>
-            </a:lvl9pPr>
-          </a:lstStyle>
-          <a:p>
-            <a:pPr eaLnBrk="1" hangingPunct="1"/>
-            <a:fld id="{F19D4DE2-3B99-41EE-8D4F-E0DDC5188304}" type="slidenum">
-              <a:rPr lang="en-US" smtClean="0">
-                <a:latin typeface="Calibri" pitchFamily="34" charset="0"/>
-              </a:rPr>
-              <a:pPr eaLnBrk="1" hangingPunct="1"/>
-              <a:t>16</a:t>
+          <a:lstStyle/>
+          <a:p>
+            <a:pPr>
+              <a:defRPr/>
+            </a:pPr>
+            <a:fld id="{3F6B6C2D-0897-4206-AD94-4D1FCFA82106}" type="slidenum">
+              <a:rPr lang="en-US" smtClean="0"/>
+              <a:pPr>
+                <a:defRPr/>
+              </a:pPr>
+              <a:t>12</a:t>
             </a:fld>
-            <a:endParaRPr lang="en-US">
-              <a:latin typeface="Calibri" pitchFamily="34" charset="0"/>
-            </a:endParaRPr>
+            <a:endParaRPr lang="en-US"/>
           </a:p>
         </p:txBody>
       </p:sp>
     </p:spTree>
     <p:extLst>
       <p:ext uri="{BB962C8B-B14F-4D97-AF65-F5344CB8AC3E}">
-        <p14:creationId xmlns:p14="http://schemas.microsoft.com/office/powerpoint/2010/main" val="2791054553"/>
+        <p14:creationId xmlns:p14="http://schemas.microsoft.com/office/powerpoint/2010/main" val="3899258545"/>
       </p:ext>
     </p:extLst>
   </p:cSld>
@@ -1783,32 +1709,42 @@
           <a:p>
             <a:r>
               <a:rPr lang="en-US" dirty="0"/>
-              <a:t>Leading</a:t>
-            </a:r>
-            <a:r>
-              <a:rPr lang="en-US" baseline="0" dirty="0"/>
-              <a:t> questions to help:</a:t>
-            </a:r>
-          </a:p>
-          <a:p>
-            <a:r>
-              <a:rPr lang="en-US" dirty="0"/>
-              <a:t>What do they all have in common? So what goes</a:t>
-            </a:r>
-            <a:r>
-              <a:rPr lang="en-US" baseline="0" dirty="0"/>
-              <a:t> in interface?</a:t>
-            </a:r>
-          </a:p>
-          <a:p>
-            <a:r>
-              <a:rPr lang="en-US" baseline="0" dirty="0"/>
-              <a:t>What can we do instead of the three feed methods?</a:t>
-            </a:r>
-            <a:endParaRPr lang="en-US" dirty="0"/>
-          </a:p>
-          <a:p>
-            <a:endParaRPr lang="en-US" dirty="0"/>
+              <a:t>Name is an </a:t>
+            </a:r>
+            <a:r>
+              <a:rPr lang="en-US" b="1" dirty="0"/>
+              <a:t>implementation detail</a:t>
+            </a:r>
+            <a:r>
+              <a:rPr lang="en-US" dirty="0"/>
+              <a:t>.</a:t>
+            </a:r>
+          </a:p>
+          <a:p>
+            <a:r>
+              <a:rPr lang="en-US" dirty="0"/>
+              <a:t>It was needed to construct the Pet, not to </a:t>
+            </a:r>
+            <a:r>
+              <a:rPr lang="en-US" b="1" dirty="0"/>
+              <a:t>use </a:t>
+            </a:r>
+            <a:r>
+              <a:rPr lang="en-US" dirty="0"/>
+              <a:t>it.</a:t>
+            </a:r>
+          </a:p>
+          <a:p>
+            <a:r>
+              <a:rPr lang="en-US" dirty="0"/>
+              <a:t>Interfaces only describe how things are used, not how they are created.</a:t>
+            </a:r>
+          </a:p>
+          <a:p>
+            <a:r>
+              <a:rPr lang="en-US" dirty="0"/>
+              <a:t>Implementations, that is: classes that implement interfaces, describe how they are created.</a:t>
+            </a:r>
           </a:p>
         </p:txBody>
       </p:sp>
@@ -1835,7 +1771,7 @@
               <a:pPr>
                 <a:defRPr/>
               </a:pPr>
-              <a:t>17</a:t>
+              <a:t>15</a:t>
             </a:fld>
             <a:endParaRPr lang="en-US"/>
           </a:p>
@@ -1844,7 +1780,7 @@
     </p:spTree>
     <p:extLst>
       <p:ext uri="{BB962C8B-B14F-4D97-AF65-F5344CB8AC3E}">
-        <p14:creationId xmlns:p14="http://schemas.microsoft.com/office/powerpoint/2010/main" val="1618804258"/>
+        <p14:creationId xmlns:p14="http://schemas.microsoft.com/office/powerpoint/2010/main" val="1314797174"/>
       </p:ext>
     </p:extLst>
   </p:cSld>
@@ -1873,19 +1809,38 @@
       </p:grpSpPr>
       <p:sp>
         <p:nvSpPr>
-          <p:cNvPr id="2" name="Slide Image Placeholder 1"/>
-          <p:cNvSpPr>
-            <a:spLocks noGrp="1" noRot="1" noChangeAspect="1"/>
+          <p:cNvPr id="53250" name="Slide Image Placeholder 1"/>
+          <p:cNvSpPr>
+            <a:spLocks noGrp="1" noRot="1" noChangeAspect="1" noTextEdit="1"/>
           </p:cNvSpPr>
           <p:nvPr>
             <p:ph type="sldImg"/>
           </p:nvPr>
         </p:nvSpPr>
-        <p:spPr/>
-      </p:sp>
-      <p:sp>
-        <p:nvSpPr>
-          <p:cNvPr id="3" name="Notes Placeholder 2"/>
+        <p:spPr bwMode="auto">
+          <a:noFill/>
+          <a:ln>
+            <a:solidFill>
+              <a:srgbClr val="000000"/>
+            </a:solidFill>
+            <a:miter lim="800000"/>
+            <a:headEnd/>
+            <a:tailEnd/>
+          </a:ln>
+          <a:extLst>
+            <a:ext uri="{909E8E84-426E-40dd-AFC4-6F175D3DCCD1}">
+              <a14:hiddenFill xmlns="" xmlns:a14="http://schemas.microsoft.com/office/drawing/2010/main">
+                <a:solidFill>
+                  <a:srgbClr val="FFFFFF"/>
+                </a:solidFill>
+              </a14:hiddenFill>
+            </a:ext>
+          </a:extLst>
+        </p:spPr>
+      </p:sp>
+      <p:sp>
+        <p:nvSpPr>
+          <p:cNvPr id="53251" name="Notes Placeholder 2"/>
           <p:cNvSpPr>
             <a:spLocks noGrp="1"/>
           </p:cNvSpPr>
@@ -1893,51 +1848,201 @@
             <p:ph type="body" idx="1"/>
           </p:nvPr>
         </p:nvSpPr>
-        <p:spPr/>
+        <p:spPr>
+          <a:noFill/>
+          <a:ln/>
+          <a:extLst>
+            <a:ext uri="{909E8E84-426E-40dd-AFC4-6F175D3DCCD1}">
+              <a14:hiddenFill xmlns="" xmlns:a14="http://schemas.microsoft.com/office/drawing/2010/main">
+                <a:solidFill>
+                  <a:srgbClr val="FFFFFF"/>
+                </a:solidFill>
+              </a14:hiddenFill>
+            </a:ext>
+            <a:ext uri="{91240B29-F687-4f45-9708-019B960494DF}">
+              <a14:hiddenLine xmlns="" xmlns:a14="http://schemas.microsoft.com/office/drawing/2010/main" w="9525">
+                <a:solidFill>
+                  <a:srgbClr val="000000"/>
+                </a:solidFill>
+                <a:miter lim="800000"/>
+                <a:headEnd/>
+                <a:tailEnd/>
+              </a14:hiddenLine>
+            </a:ext>
+          </a:extLst>
+        </p:spPr>
         <p:txBody>
           <a:bodyPr/>
           <a:lstStyle/>
           <a:p>
             <a:r>
               <a:rPr lang="en-US" dirty="0"/>
-              <a:t>Now that we have developed an interface, let’s implement the changes in code.</a:t>
-            </a:r>
-          </a:p>
-        </p:txBody>
-      </p:sp>
-      <p:sp>
-        <p:nvSpPr>
-          <p:cNvPr id="4" name="Slide Number Placeholder 3"/>
+              <a:t>Draw box-and-pointer diagram</a:t>
+            </a:r>
+          </a:p>
+        </p:txBody>
+      </p:sp>
+      <p:sp>
+        <p:nvSpPr>
+          <p:cNvPr id="53252" name="Slide Number Placeholder 3"/>
           <p:cNvSpPr>
             <a:spLocks noGrp="1"/>
           </p:cNvSpPr>
           <p:nvPr>
-            <p:ph type="sldNum" sz="quarter" idx="10"/>
-          </p:nvPr>
-        </p:nvSpPr>
-        <p:spPr/>
+            <p:ph type="sldNum" sz="quarter" idx="5"/>
+          </p:nvPr>
+        </p:nvSpPr>
+        <p:spPr>
+          <a:noFill/>
+          <a:ln/>
+          <a:extLst>
+            <a:ext uri="{909E8E84-426E-40dd-AFC4-6F175D3DCCD1}">
+              <a14:hiddenFill xmlns="" xmlns:a14="http://schemas.microsoft.com/office/drawing/2010/main">
+                <a:solidFill>
+                  <a:srgbClr val="FFFFFF"/>
+                </a:solidFill>
+              </a14:hiddenFill>
+            </a:ext>
+            <a:ext uri="{91240B29-F687-4f45-9708-019B960494DF}">
+              <a14:hiddenLine xmlns="" xmlns:a14="http://schemas.microsoft.com/office/drawing/2010/main" w="9525">
+                <a:solidFill>
+                  <a:srgbClr val="000000"/>
+                </a:solidFill>
+                <a:miter lim="800000"/>
+                <a:headEnd/>
+                <a:tailEnd/>
+              </a14:hiddenLine>
+            </a:ext>
+          </a:extLst>
+        </p:spPr>
         <p:txBody>
           <a:bodyPr/>
-          <a:lstStyle/>
-          <a:p>
-            <a:pPr>
-              <a:defRPr/>
-            </a:pPr>
-            <a:fld id="{3F6B6C2D-0897-4206-AD94-4D1FCFA82106}" type="slidenum">
-              <a:rPr lang="en-US" smtClean="0"/>
-              <a:pPr>
-                <a:defRPr/>
-              </a:pPr>
-              <a:t>18</a:t>
+          <a:lstStyle>
+            <a:lvl1pPr defTabSz="913525" eaLnBrk="0" hangingPunct="0">
+              <a:defRPr>
+                <a:solidFill>
+                  <a:schemeClr val="tx1"/>
+                </a:solidFill>
+                <a:latin typeface="Arial" charset="0"/>
+                <a:cs typeface="Arial" charset="0"/>
+              </a:defRPr>
+            </a:lvl1pPr>
+            <a:lvl2pPr marL="716130" indent="-275434" defTabSz="913525" eaLnBrk="0" hangingPunct="0">
+              <a:defRPr>
+                <a:solidFill>
+                  <a:schemeClr val="tx1"/>
+                </a:solidFill>
+                <a:latin typeface="Arial" charset="0"/>
+                <a:cs typeface="Arial" charset="0"/>
+              </a:defRPr>
+            </a:lvl2pPr>
+            <a:lvl3pPr marL="1101738" indent="-220348" defTabSz="913525" eaLnBrk="0" hangingPunct="0">
+              <a:defRPr>
+                <a:solidFill>
+                  <a:schemeClr val="tx1"/>
+                </a:solidFill>
+                <a:latin typeface="Arial" charset="0"/>
+                <a:cs typeface="Arial" charset="0"/>
+              </a:defRPr>
+            </a:lvl3pPr>
+            <a:lvl4pPr marL="1542433" indent="-220348" defTabSz="913525" eaLnBrk="0" hangingPunct="0">
+              <a:defRPr>
+                <a:solidFill>
+                  <a:schemeClr val="tx1"/>
+                </a:solidFill>
+                <a:latin typeface="Arial" charset="0"/>
+                <a:cs typeface="Arial" charset="0"/>
+              </a:defRPr>
+            </a:lvl4pPr>
+            <a:lvl5pPr marL="1983128" indent="-220348" defTabSz="913525" eaLnBrk="0" hangingPunct="0">
+              <a:defRPr>
+                <a:solidFill>
+                  <a:schemeClr val="tx1"/>
+                </a:solidFill>
+                <a:latin typeface="Arial" charset="0"/>
+                <a:cs typeface="Arial" charset="0"/>
+              </a:defRPr>
+            </a:lvl5pPr>
+            <a:lvl6pPr marL="2423823" indent="-220348" defTabSz="913525" eaLnBrk="0" fontAlgn="base" hangingPunct="0">
+              <a:spcBef>
+                <a:spcPct val="0"/>
+              </a:spcBef>
+              <a:spcAft>
+                <a:spcPct val="0"/>
+              </a:spcAft>
+              <a:defRPr>
+                <a:solidFill>
+                  <a:schemeClr val="tx1"/>
+                </a:solidFill>
+                <a:latin typeface="Arial" charset="0"/>
+                <a:cs typeface="Arial" charset="0"/>
+              </a:defRPr>
+            </a:lvl6pPr>
+            <a:lvl7pPr marL="2864518" indent="-220348" defTabSz="913525" eaLnBrk="0" fontAlgn="base" hangingPunct="0">
+              <a:spcBef>
+                <a:spcPct val="0"/>
+              </a:spcBef>
+              <a:spcAft>
+                <a:spcPct val="0"/>
+              </a:spcAft>
+              <a:defRPr>
+                <a:solidFill>
+                  <a:schemeClr val="tx1"/>
+                </a:solidFill>
+                <a:latin typeface="Arial" charset="0"/>
+                <a:cs typeface="Arial" charset="0"/>
+              </a:defRPr>
+            </a:lvl7pPr>
+            <a:lvl8pPr marL="3305213" indent="-220348" defTabSz="913525" eaLnBrk="0" fontAlgn="base" hangingPunct="0">
+              <a:spcBef>
+                <a:spcPct val="0"/>
+              </a:spcBef>
+              <a:spcAft>
+                <a:spcPct val="0"/>
+              </a:spcAft>
+              <a:defRPr>
+                <a:solidFill>
+                  <a:schemeClr val="tx1"/>
+                </a:solidFill>
+                <a:latin typeface="Arial" charset="0"/>
+                <a:cs typeface="Arial" charset="0"/>
+              </a:defRPr>
+            </a:lvl8pPr>
+            <a:lvl9pPr marL="3745908" indent="-220348" defTabSz="913525" eaLnBrk="0" fontAlgn="base" hangingPunct="0">
+              <a:spcBef>
+                <a:spcPct val="0"/>
+              </a:spcBef>
+              <a:spcAft>
+                <a:spcPct val="0"/>
+              </a:spcAft>
+              <a:defRPr>
+                <a:solidFill>
+                  <a:schemeClr val="tx1"/>
+                </a:solidFill>
+                <a:latin typeface="Arial" charset="0"/>
+                <a:cs typeface="Arial" charset="0"/>
+              </a:defRPr>
+            </a:lvl9pPr>
+          </a:lstStyle>
+          <a:p>
+            <a:pPr eaLnBrk="1" hangingPunct="1"/>
+            <a:fld id="{22B2111D-C5D1-46AB-A8FB-97A156E69346}" type="slidenum">
+              <a:rPr lang="en-US" smtClean="0">
+                <a:latin typeface="Calibri" pitchFamily="34" charset="0"/>
+              </a:rPr>
+              <a:pPr eaLnBrk="1" hangingPunct="1"/>
+              <a:t>17</a:t>
             </a:fld>
-            <a:endParaRPr lang="en-US"/>
+            <a:endParaRPr lang="en-US">
+              <a:latin typeface="Calibri" pitchFamily="34" charset="0"/>
+            </a:endParaRPr>
           </a:p>
         </p:txBody>
       </p:sp>
     </p:spTree>
     <p:extLst>
       <p:ext uri="{BB962C8B-B14F-4D97-AF65-F5344CB8AC3E}">
-        <p14:creationId xmlns:p14="http://schemas.microsoft.com/office/powerpoint/2010/main" val="3584165380"/>
+        <p14:creationId xmlns:p14="http://schemas.microsoft.com/office/powerpoint/2010/main" val="370682793"/>
       </p:ext>
     </p:extLst>
   </p:cSld>
@@ -1992,9 +2097,82 @@
           <a:lstStyle/>
           <a:p>
             <a:r>
-              <a:rPr lang="en-US" dirty="0"/>
-              <a:t>Now that we have developed an interface, let’s implement the changes in code.</a:t>
-            </a:r>
+              <a:rPr lang="en-US" dirty="0">
+                <a:sym typeface="Wingdings" panose="05000000000000000000" pitchFamily="2" charset="2"/>
+              </a:rPr>
+              <a:t>If students</a:t>
+            </a:r>
+            <a:r>
+              <a:rPr lang="en-US" baseline="0" dirty="0">
+                <a:sym typeface="Wingdings" panose="05000000000000000000" pitchFamily="2" charset="2"/>
+              </a:rPr>
+              <a:t> finish quickly suggest that they add to the Sequence interface</a:t>
+            </a:r>
+          </a:p>
+          <a:p>
+            <a:endParaRPr lang="en-US" baseline="0" dirty="0">
+              <a:sym typeface="Wingdings" panose="05000000000000000000" pitchFamily="2" charset="2"/>
+            </a:endParaRPr>
+          </a:p>
+          <a:p>
+            <a:r>
+              <a:rPr lang="en-US" baseline="0" dirty="0" err="1">
+                <a:sym typeface="Wingdings" panose="05000000000000000000" pitchFamily="2" charset="2"/>
+              </a:rPr>
+              <a:t>int</a:t>
+            </a:r>
+            <a:r>
+              <a:rPr lang="en-US" baseline="0" dirty="0">
+                <a:sym typeface="Wingdings" panose="05000000000000000000" pitchFamily="2" charset="2"/>
+              </a:rPr>
+              <a:t> </a:t>
+            </a:r>
+            <a:r>
+              <a:rPr lang="en-US" baseline="0" dirty="0" err="1">
+                <a:sym typeface="Wingdings" panose="05000000000000000000" pitchFamily="2" charset="2"/>
+              </a:rPr>
+              <a:t>prevNum</a:t>
+            </a:r>
+            <a:r>
+              <a:rPr lang="en-US" baseline="0" dirty="0">
+                <a:sym typeface="Wingdings" panose="05000000000000000000" pitchFamily="2" charset="2"/>
+              </a:rPr>
+              <a:t>();</a:t>
+            </a:r>
+          </a:p>
+          <a:p>
+            <a:r>
+              <a:rPr lang="en-US" dirty="0">
+                <a:sym typeface="Wingdings" panose="05000000000000000000" pitchFamily="2" charset="2"/>
+              </a:rPr>
+              <a:t>and implement it</a:t>
+            </a:r>
+          </a:p>
+          <a:p>
+            <a:r>
+              <a:rPr lang="en-US" baseline="0" dirty="0">
+                <a:sym typeface="Wingdings" panose="05000000000000000000" pitchFamily="2" charset="2"/>
+              </a:rPr>
+              <a:t>(has interesting functionality if you run Fibonacci in reverse (with two </a:t>
+            </a:r>
+            <a:r>
+              <a:rPr lang="en-US" baseline="0" dirty="0" err="1">
+                <a:sym typeface="Wingdings" panose="05000000000000000000" pitchFamily="2" charset="2"/>
+              </a:rPr>
+              <a:t>int</a:t>
+            </a:r>
+            <a:r>
+              <a:rPr lang="en-US" baseline="0" dirty="0">
+                <a:sym typeface="Wingdings" panose="05000000000000000000" pitchFamily="2" charset="2"/>
+              </a:rPr>
+              <a:t> implementation))</a:t>
+            </a:r>
+            <a:endParaRPr lang="en-US" dirty="0">
+              <a:sym typeface="Wingdings" panose="05000000000000000000" pitchFamily="2" charset="2"/>
+            </a:endParaRPr>
+          </a:p>
+          <a:p>
+            <a:endParaRPr lang="en-US" dirty="0"/>
           </a:p>
         </p:txBody>
       </p:sp>
@@ -2021,7 +2199,7 @@
               <a:pPr>
                 <a:defRPr/>
               </a:pPr>
-              <a:t>19</a:t>
+              <a:t>18</a:t>
             </a:fld>
             <a:endParaRPr lang="en-US"/>
           </a:p>
@@ -2030,7 +2208,7 @@
     </p:spTree>
     <p:extLst>
       <p:ext uri="{BB962C8B-B14F-4D97-AF65-F5344CB8AC3E}">
-        <p14:creationId xmlns:p14="http://schemas.microsoft.com/office/powerpoint/2010/main" val="1317189948"/>
+        <p14:creationId xmlns:p14="http://schemas.microsoft.com/office/powerpoint/2010/main" val="2331420896"/>
       </p:ext>
     </p:extLst>
   </p:cSld>
@@ -2086,36 +2264,29 @@
           <a:p>
             <a:r>
               <a:rPr lang="en-US" dirty="0"/>
-              <a:t>If you find it helpful you can ask:</a:t>
-            </a:r>
-          </a:p>
-          <a:p>
+              <a:t>Leading</a:t>
+            </a:r>
+            <a:r>
+              <a:rPr lang="en-US" baseline="0" dirty="0"/>
+              <a:t> questions to help:</a:t>
+            </a:r>
+          </a:p>
+          <a:p>
+            <a:r>
+              <a:rPr lang="en-US" dirty="0"/>
+              <a:t>What do they all have in common? So what goes</a:t>
+            </a:r>
+            <a:r>
+              <a:rPr lang="en-US" baseline="0" dirty="0"/>
+              <a:t> in interface?</a:t>
+            </a:r>
+          </a:p>
+          <a:p>
+            <a:r>
+              <a:rPr lang="en-US" baseline="0" dirty="0"/>
+              <a:t>What can we do instead of the three feed methods?</a:t>
+            </a:r>
             <a:endParaRPr lang="en-US" dirty="0"/>
-          </a:p>
-          <a:p>
-            <a:r>
-              <a:rPr lang="en-US" dirty="0"/>
-              <a:t>If I run</a:t>
-            </a:r>
-            <a:r>
-              <a:rPr lang="en-US" baseline="0" dirty="0"/>
-              <a:t> “Pet p = new Dog();”</a:t>
-            </a:r>
-          </a:p>
-          <a:p>
-            <a:r>
-              <a:rPr lang="en-US" baseline="0" dirty="0"/>
-              <a:t>What is the type?  (confusion… Both?) </a:t>
-            </a:r>
-          </a:p>
-          <a:p>
-            <a:endParaRPr lang="en-US" dirty="0"/>
-          </a:p>
-          <a:p>
-            <a:r>
-              <a:rPr lang="en-US" dirty="0"/>
-              <a:t>There is a declared (Pet) and actual (Dog) type.</a:t>
-            </a:r>
           </a:p>
           <a:p>
             <a:endParaRPr lang="en-US" dirty="0"/>
@@ -2145,7 +2316,7 @@
               <a:pPr>
                 <a:defRPr/>
               </a:pPr>
-              <a:t>20</a:t>
+              <a:t>19</a:t>
             </a:fld>
             <a:endParaRPr lang="en-US"/>
           </a:p>
@@ -2154,7 +2325,7 @@
     </p:spTree>
     <p:extLst>
       <p:ext uri="{BB962C8B-B14F-4D97-AF65-F5344CB8AC3E}">
-        <p14:creationId xmlns:p14="http://schemas.microsoft.com/office/powerpoint/2010/main" val="3886580324"/>
+        <p14:creationId xmlns:p14="http://schemas.microsoft.com/office/powerpoint/2010/main" val="1618804258"/>
       </p:ext>
     </p:extLst>
   </p:cSld>
@@ -2183,6 +2354,316 @@
       </p:grpSpPr>
       <p:sp>
         <p:nvSpPr>
+          <p:cNvPr id="2" name="Slide Image Placeholder 1"/>
+          <p:cNvSpPr>
+            <a:spLocks noGrp="1" noRot="1" noChangeAspect="1"/>
+          </p:cNvSpPr>
+          <p:nvPr>
+            <p:ph type="sldImg"/>
+          </p:nvPr>
+        </p:nvSpPr>
+        <p:spPr/>
+      </p:sp>
+      <p:sp>
+        <p:nvSpPr>
+          <p:cNvPr id="3" name="Notes Placeholder 2"/>
+          <p:cNvSpPr>
+            <a:spLocks noGrp="1"/>
+          </p:cNvSpPr>
+          <p:nvPr>
+            <p:ph type="body" idx="1"/>
+          </p:nvPr>
+        </p:nvSpPr>
+        <p:spPr/>
+        <p:txBody>
+          <a:bodyPr/>
+          <a:lstStyle/>
+          <a:p>
+            <a:r>
+              <a:rPr lang="en-US" dirty="0"/>
+              <a:t>Now that we have developed an interface, let’s implement the changes in code.</a:t>
+            </a:r>
+          </a:p>
+        </p:txBody>
+      </p:sp>
+      <p:sp>
+        <p:nvSpPr>
+          <p:cNvPr id="4" name="Slide Number Placeholder 3"/>
+          <p:cNvSpPr>
+            <a:spLocks noGrp="1"/>
+          </p:cNvSpPr>
+          <p:nvPr>
+            <p:ph type="sldNum" sz="quarter" idx="10"/>
+          </p:nvPr>
+        </p:nvSpPr>
+        <p:spPr/>
+        <p:txBody>
+          <a:bodyPr/>
+          <a:lstStyle/>
+          <a:p>
+            <a:pPr>
+              <a:defRPr/>
+            </a:pPr>
+            <a:fld id="{3F6B6C2D-0897-4206-AD94-4D1FCFA82106}" type="slidenum">
+              <a:rPr lang="en-US" smtClean="0"/>
+              <a:pPr>
+                <a:defRPr/>
+              </a:pPr>
+              <a:t>20</a:t>
+            </a:fld>
+            <a:endParaRPr lang="en-US"/>
+          </a:p>
+        </p:txBody>
+      </p:sp>
+    </p:spTree>
+    <p:extLst>
+      <p:ext uri="{BB962C8B-B14F-4D97-AF65-F5344CB8AC3E}">
+        <p14:creationId xmlns:p14="http://schemas.microsoft.com/office/powerpoint/2010/main" val="3584165380"/>
+      </p:ext>
+    </p:extLst>
+  </p:cSld>
+  <p:clrMapOvr>
+    <a:masterClrMapping/>
+  </p:clrMapOvr>
+</p:notes>
+</file>
+
+<file path=ppt/notesSlides/notesSlide17.xml><?xml version="1.0" encoding="utf-8"?>
+<p:notes xmlns:a="http://schemas.openxmlformats.org/drawingml/2006/main" xmlns:r="http://schemas.openxmlformats.org/officeDocument/2006/relationships" xmlns:p="http://schemas.openxmlformats.org/presentationml/2006/main">
+  <p:cSld>
+    <p:spTree>
+      <p:nvGrpSpPr>
+        <p:cNvPr id="1" name=""/>
+        <p:cNvGrpSpPr/>
+        <p:nvPr/>
+      </p:nvGrpSpPr>
+      <p:grpSpPr>
+        <a:xfrm>
+          <a:off x="0" y="0"/>
+          <a:ext cx="0" cy="0"/>
+          <a:chOff x="0" y="0"/>
+          <a:chExt cx="0" cy="0"/>
+        </a:xfrm>
+      </p:grpSpPr>
+      <p:sp>
+        <p:nvSpPr>
+          <p:cNvPr id="2" name="Slide Image Placeholder 1"/>
+          <p:cNvSpPr>
+            <a:spLocks noGrp="1" noRot="1" noChangeAspect="1"/>
+          </p:cNvSpPr>
+          <p:nvPr>
+            <p:ph type="sldImg"/>
+          </p:nvPr>
+        </p:nvSpPr>
+        <p:spPr/>
+      </p:sp>
+      <p:sp>
+        <p:nvSpPr>
+          <p:cNvPr id="3" name="Notes Placeholder 2"/>
+          <p:cNvSpPr>
+            <a:spLocks noGrp="1"/>
+          </p:cNvSpPr>
+          <p:nvPr>
+            <p:ph type="body" idx="1"/>
+          </p:nvPr>
+        </p:nvSpPr>
+        <p:spPr/>
+        <p:txBody>
+          <a:bodyPr/>
+          <a:lstStyle/>
+          <a:p>
+            <a:r>
+              <a:rPr lang="en-US" dirty="0"/>
+              <a:t>Now that we have developed an interface, let’s implement the changes in code.</a:t>
+            </a:r>
+          </a:p>
+        </p:txBody>
+      </p:sp>
+      <p:sp>
+        <p:nvSpPr>
+          <p:cNvPr id="4" name="Slide Number Placeholder 3"/>
+          <p:cNvSpPr>
+            <a:spLocks noGrp="1"/>
+          </p:cNvSpPr>
+          <p:nvPr>
+            <p:ph type="sldNum" sz="quarter" idx="10"/>
+          </p:nvPr>
+        </p:nvSpPr>
+        <p:spPr/>
+        <p:txBody>
+          <a:bodyPr/>
+          <a:lstStyle/>
+          <a:p>
+            <a:pPr>
+              <a:defRPr/>
+            </a:pPr>
+            <a:fld id="{3F6B6C2D-0897-4206-AD94-4D1FCFA82106}" type="slidenum">
+              <a:rPr lang="en-US" smtClean="0"/>
+              <a:pPr>
+                <a:defRPr/>
+              </a:pPr>
+              <a:t>21</a:t>
+            </a:fld>
+            <a:endParaRPr lang="en-US"/>
+          </a:p>
+        </p:txBody>
+      </p:sp>
+    </p:spTree>
+    <p:extLst>
+      <p:ext uri="{BB962C8B-B14F-4D97-AF65-F5344CB8AC3E}">
+        <p14:creationId xmlns:p14="http://schemas.microsoft.com/office/powerpoint/2010/main" val="1317189948"/>
+      </p:ext>
+    </p:extLst>
+  </p:cSld>
+  <p:clrMapOvr>
+    <a:masterClrMapping/>
+  </p:clrMapOvr>
+</p:notes>
+</file>
+
+<file path=ppt/notesSlides/notesSlide18.xml><?xml version="1.0" encoding="utf-8"?>
+<p:notes xmlns:a="http://schemas.openxmlformats.org/drawingml/2006/main" xmlns:r="http://schemas.openxmlformats.org/officeDocument/2006/relationships" xmlns:p="http://schemas.openxmlformats.org/presentationml/2006/main">
+  <p:cSld>
+    <p:spTree>
+      <p:nvGrpSpPr>
+        <p:cNvPr id="1" name=""/>
+        <p:cNvGrpSpPr/>
+        <p:nvPr/>
+      </p:nvGrpSpPr>
+      <p:grpSpPr>
+        <a:xfrm>
+          <a:off x="0" y="0"/>
+          <a:ext cx="0" cy="0"/>
+          <a:chOff x="0" y="0"/>
+          <a:chExt cx="0" cy="0"/>
+        </a:xfrm>
+      </p:grpSpPr>
+      <p:sp>
+        <p:nvSpPr>
+          <p:cNvPr id="2" name="Slide Image Placeholder 1"/>
+          <p:cNvSpPr>
+            <a:spLocks noGrp="1" noRot="1" noChangeAspect="1"/>
+          </p:cNvSpPr>
+          <p:nvPr>
+            <p:ph type="sldImg"/>
+          </p:nvPr>
+        </p:nvSpPr>
+        <p:spPr/>
+      </p:sp>
+      <p:sp>
+        <p:nvSpPr>
+          <p:cNvPr id="3" name="Notes Placeholder 2"/>
+          <p:cNvSpPr>
+            <a:spLocks noGrp="1"/>
+          </p:cNvSpPr>
+          <p:nvPr>
+            <p:ph type="body" idx="1"/>
+          </p:nvPr>
+        </p:nvSpPr>
+        <p:spPr/>
+        <p:txBody>
+          <a:bodyPr/>
+          <a:lstStyle/>
+          <a:p>
+            <a:r>
+              <a:rPr lang="en-US" dirty="0"/>
+              <a:t>If you find it helpful you can ask:</a:t>
+            </a:r>
+          </a:p>
+          <a:p>
+            <a:endParaRPr lang="en-US" dirty="0"/>
+          </a:p>
+          <a:p>
+            <a:r>
+              <a:rPr lang="en-US" dirty="0"/>
+              <a:t>If I run</a:t>
+            </a:r>
+            <a:r>
+              <a:rPr lang="en-US" baseline="0" dirty="0"/>
+              <a:t> “Pet p = new Dog();”</a:t>
+            </a:r>
+          </a:p>
+          <a:p>
+            <a:r>
+              <a:rPr lang="en-US" baseline="0" dirty="0"/>
+              <a:t>What is the type?  (confusion… Both?) </a:t>
+            </a:r>
+          </a:p>
+          <a:p>
+            <a:endParaRPr lang="en-US" dirty="0"/>
+          </a:p>
+          <a:p>
+            <a:r>
+              <a:rPr lang="en-US" dirty="0"/>
+              <a:t>There is a declared (Pet) and actual (Dog) type.</a:t>
+            </a:r>
+          </a:p>
+          <a:p>
+            <a:endParaRPr lang="en-US" dirty="0"/>
+          </a:p>
+        </p:txBody>
+      </p:sp>
+      <p:sp>
+        <p:nvSpPr>
+          <p:cNvPr id="4" name="Slide Number Placeholder 3"/>
+          <p:cNvSpPr>
+            <a:spLocks noGrp="1"/>
+          </p:cNvSpPr>
+          <p:nvPr>
+            <p:ph type="sldNum" sz="quarter" idx="10"/>
+          </p:nvPr>
+        </p:nvSpPr>
+        <p:spPr/>
+        <p:txBody>
+          <a:bodyPr/>
+          <a:lstStyle/>
+          <a:p>
+            <a:pPr>
+              <a:defRPr/>
+            </a:pPr>
+            <a:fld id="{3F6B6C2D-0897-4206-AD94-4D1FCFA82106}" type="slidenum">
+              <a:rPr lang="en-US" smtClean="0"/>
+              <a:pPr>
+                <a:defRPr/>
+              </a:pPr>
+              <a:t>22</a:t>
+            </a:fld>
+            <a:endParaRPr lang="en-US"/>
+          </a:p>
+        </p:txBody>
+      </p:sp>
+    </p:spTree>
+    <p:extLst>
+      <p:ext uri="{BB962C8B-B14F-4D97-AF65-F5344CB8AC3E}">
+        <p14:creationId xmlns:p14="http://schemas.microsoft.com/office/powerpoint/2010/main" val="3886580324"/>
+      </p:ext>
+    </p:extLst>
+  </p:cSld>
+  <p:clrMapOvr>
+    <a:masterClrMapping/>
+  </p:clrMapOvr>
+</p:notes>
+</file>
+
+<file path=ppt/notesSlides/notesSlide19.xml><?xml version="1.0" encoding="utf-8"?>
+<p:notes xmlns:a="http://schemas.openxmlformats.org/drawingml/2006/main" xmlns:r="http://schemas.openxmlformats.org/officeDocument/2006/relationships" xmlns:p="http://schemas.openxmlformats.org/presentationml/2006/main">
+  <p:cSld>
+    <p:spTree>
+      <p:nvGrpSpPr>
+        <p:cNvPr id="1" name=""/>
+        <p:cNvGrpSpPr/>
+        <p:nvPr/>
+      </p:nvGrpSpPr>
+      <p:grpSpPr>
+        <a:xfrm>
+          <a:off x="0" y="0"/>
+          <a:ext cx="0" cy="0"/>
+          <a:chOff x="0" y="0"/>
+          <a:chExt cx="0" cy="0"/>
+        </a:xfrm>
+      </p:grpSpPr>
+      <p:sp>
+        <p:nvSpPr>
           <p:cNvPr id="52226" name="Slide Image Placeholder 1"/>
           <p:cNvSpPr>
             <a:spLocks noGrp="1" noRot="1" noChangeAspect="1" noTextEdit="1"/>
@@ -2421,7 +2902,7 @@
                 <a:latin typeface="Calibri" pitchFamily="34" charset="0"/>
               </a:rPr>
               <a:pPr eaLnBrk="1" hangingPunct="1"/>
-              <a:t>22</a:t>
+              <a:t>24</a:t>
             </a:fld>
             <a:endParaRPr lang="en-US">
               <a:latin typeface="Calibri" pitchFamily="34" charset="0"/>
@@ -2658,7 +3139,7 @@
       </p:grpSpPr>
       <p:sp>
         <p:nvSpPr>
-          <p:cNvPr id="50178" name="Slide Image Placeholder 1"/>
+          <p:cNvPr id="48130" name="Slide Image Placeholder 1"/>
           <p:cNvSpPr>
             <a:spLocks noGrp="1" noRot="1" noChangeAspect="1" noTextEdit="1"/>
           </p:cNvSpPr>
@@ -2689,7 +3170,7 @@
       </p:sp>
       <p:sp>
         <p:nvSpPr>
-          <p:cNvPr id="50179" name="Notes Placeholder 2"/>
+          <p:cNvPr id="48131" name="Notes Placeholder 2"/>
           <p:cNvSpPr>
             <a:spLocks noGrp="1"/>
           </p:cNvSpPr>
@@ -2724,95 +3205,39 @@
           <a:bodyPr/>
           <a:lstStyle/>
           <a:p>
-            <a:pPr marL="165261" indent="-165261">
-              <a:buFontTx/>
-              <a:buChar char="-"/>
-            </a:pPr>
-            <a:r>
-              <a:rPr lang="en-US" dirty="0"/>
-              <a:t>callouts animated</a:t>
-            </a:r>
-          </a:p>
-          <a:p>
-            <a:pPr marL="165261" indent="-165261">
-              <a:buFontTx/>
-              <a:buChar char="-"/>
-            </a:pPr>
+            <a:r>
+              <a:rPr lang="en-US" dirty="0"/>
+              <a:t>QUIZ QUESTION 1</a:t>
+            </a:r>
+          </a:p>
+          <a:p>
             <a:endParaRPr lang="en-US" dirty="0"/>
           </a:p>
           <a:p>
-            <a:pPr marL="165261" indent="-165261">
-              <a:buFontTx/>
-              <a:buChar char="-"/>
-            </a:pPr>
-            <a:r>
-              <a:rPr lang="en-US" dirty="0"/>
-              <a:t>201710: have them study and do the </a:t>
-            </a:r>
-            <a:r>
-              <a:rPr lang="en-US" dirty="0" err="1"/>
-              <a:t>numberSequence</a:t>
-            </a:r>
-            <a:r>
-              <a:rPr lang="en-US" dirty="0"/>
-              <a:t> example. They don’t need to write all 3, just enough to get the feel for it.</a:t>
-            </a:r>
-          </a:p>
-          <a:p>
-            <a:pPr marL="165261" indent="-165261">
-              <a:buFontTx/>
-              <a:buChar char="-"/>
-            </a:pPr>
+            <a:r>
+              <a:rPr lang="en-US" dirty="0"/>
+              <a:t>When thinking</a:t>
+            </a:r>
+            <a:r>
+              <a:rPr lang="en-US" baseline="0" dirty="0"/>
+              <a:t> about interfaces, I like to give the example of a car:</a:t>
+            </a:r>
+          </a:p>
+          <a:p>
+            <a:endParaRPr lang="en-US" baseline="0" dirty="0"/>
+          </a:p>
+          <a:p>
+            <a:r>
+              <a:rPr lang="en-US" baseline="0" dirty="0"/>
+              <a:t>I don’t care if it’s a truck, car, van, electric car, etc. When I get in a new car (or rental car, or friend’s car, etc.) … I know that the car will have the same “interface” for me to interact with. I’ll always have a brake and accelerator, a steering wheel, etc. I don’t need to know how the car works or how it’s different from another car, I just need to know how to use the interface.</a:t>
+            </a:r>
             <a:endParaRPr lang="en-US" dirty="0"/>
           </a:p>
-          <a:p>
-            <a:pPr marL="165261" indent="-165261">
-              <a:buFontTx/>
-              <a:buChar char="-"/>
-            </a:pPr>
-            <a:r>
-              <a:rPr lang="en-US" dirty="0"/>
-              <a:t>Old:</a:t>
-            </a:r>
-          </a:p>
-          <a:p>
-            <a:pPr marL="165261" indent="-165261">
-              <a:buFontTx/>
-              <a:buChar char="-"/>
-            </a:pPr>
-            <a:r>
-              <a:rPr lang="en-US" dirty="0"/>
-              <a:t>Ask</a:t>
-            </a:r>
-            <a:r>
-              <a:rPr lang="en-US" baseline="0" dirty="0"/>
-              <a:t> students to use this information to create a Function interface in the </a:t>
-            </a:r>
-            <a:r>
-              <a:rPr lang="en-US" baseline="0" dirty="0" err="1"/>
-              <a:t>textCalculator</a:t>
-            </a:r>
-            <a:r>
-              <a:rPr lang="en-US" baseline="0" dirty="0"/>
-              <a:t> project that fixes the errors in the code.</a:t>
-            </a:r>
-          </a:p>
-          <a:p>
-            <a:pPr marL="165261" indent="-165261">
-              <a:buFontTx/>
-              <a:buChar char="-"/>
-            </a:pPr>
-            <a:r>
-              <a:rPr lang="en-US" baseline="0" dirty="0"/>
-              <a:t>Once they’ve done that, they should implement the add and multiply classes that implement the Function interface.</a:t>
-            </a:r>
-            <a:endParaRPr lang="en-US" dirty="0"/>
-          </a:p>
-        </p:txBody>
-      </p:sp>
-      <p:sp>
-        <p:nvSpPr>
-          <p:cNvPr id="50180" name="Slide Number Placeholder 3"/>
+        </p:txBody>
+      </p:sp>
+      <p:sp>
+        <p:nvSpPr>
+          <p:cNvPr id="48132" name="Slide Number Placeholder 3"/>
           <p:cNvSpPr>
             <a:spLocks noGrp="1"/>
           </p:cNvSpPr>
@@ -2954,12 +3379,12 @@
           </a:lstStyle>
           <a:p>
             <a:pPr eaLnBrk="1" hangingPunct="1"/>
-            <a:fld id="{F19D4DE2-3B99-41EE-8D4F-E0DDC5188304}" type="slidenum">
+            <a:fld id="{5EBCEC16-738F-4DEF-BD13-DB083FCD953B}" type="slidenum">
               <a:rPr lang="en-US" smtClean="0">
                 <a:latin typeface="Calibri" pitchFamily="34" charset="0"/>
               </a:rPr>
               <a:pPr eaLnBrk="1" hangingPunct="1"/>
-              <a:t>5</a:t>
+              <a:t>4</a:t>
             </a:fld>
             <a:endParaRPr lang="en-US">
               <a:latin typeface="Calibri" pitchFamily="34" charset="0"/>
@@ -2970,7 +3395,7 @@
     </p:spTree>
     <p:extLst>
       <p:ext uri="{BB962C8B-B14F-4D97-AF65-F5344CB8AC3E}">
-        <p14:creationId xmlns:p14="http://schemas.microsoft.com/office/powerpoint/2010/main" val="1783341753"/>
+        <p14:creationId xmlns:p14="http://schemas.microsoft.com/office/powerpoint/2010/main" val="74398313"/>
       </p:ext>
     </p:extLst>
   </p:cSld>
@@ -2999,7 +3424,7 @@
       </p:grpSpPr>
       <p:sp>
         <p:nvSpPr>
-          <p:cNvPr id="48130" name="Slide Image Placeholder 1"/>
+          <p:cNvPr id="50178" name="Slide Image Placeholder 1"/>
           <p:cNvSpPr>
             <a:spLocks noGrp="1" noRot="1" noChangeAspect="1" noTextEdit="1"/>
           </p:cNvSpPr>
@@ -3030,7 +3455,7 @@
       </p:sp>
       <p:sp>
         <p:nvSpPr>
-          <p:cNvPr id="48131" name="Notes Placeholder 2"/>
+          <p:cNvPr id="50179" name="Notes Placeholder 2"/>
           <p:cNvSpPr>
             <a:spLocks noGrp="1"/>
           </p:cNvSpPr>
@@ -3065,31 +3490,87 @@
           <a:bodyPr/>
           <a:lstStyle/>
           <a:p>
-            <a:r>
-              <a:rPr lang="en-US" dirty="0"/>
-              <a:t>QUIZ QUESTION 1</a:t>
-            </a:r>
-          </a:p>
-          <a:p>
+            <a:pPr marL="165261" indent="-165261">
+              <a:buFontTx/>
+              <a:buChar char="-"/>
+            </a:pPr>
+            <a:r>
+              <a:rPr lang="en-US" dirty="0"/>
+              <a:t>callouts animated</a:t>
+            </a:r>
+          </a:p>
+          <a:p>
+            <a:pPr marL="165261" indent="-165261">
+              <a:buFontTx/>
+              <a:buChar char="-"/>
+            </a:pPr>
             <a:endParaRPr lang="en-US" dirty="0"/>
           </a:p>
           <a:p>
-            <a:r>
-              <a:rPr lang="en-US" dirty="0"/>
-              <a:t>When thinking</a:t>
+            <a:pPr marL="165261" indent="-165261">
+              <a:buFontTx/>
+              <a:buChar char="-"/>
+            </a:pPr>
+            <a:r>
+              <a:rPr lang="en-US" dirty="0"/>
+              <a:t>201710: have them study and do the </a:t>
+            </a:r>
+            <a:r>
+              <a:rPr lang="en-US" dirty="0" err="1"/>
+              <a:t>numberSequence</a:t>
+            </a:r>
+            <a:r>
+              <a:rPr lang="en-US" dirty="0"/>
+              <a:t> example. They don’t need to write all 3, just enough to get the feel for it.</a:t>
+            </a:r>
+          </a:p>
+          <a:p>
+            <a:pPr marL="165261" indent="-165261">
+              <a:buFontTx/>
+              <a:buChar char="-"/>
+            </a:pPr>
+            <a:endParaRPr lang="en-US" dirty="0"/>
+          </a:p>
+          <a:p>
+            <a:pPr marL="165261" indent="-165261">
+              <a:buFontTx/>
+              <a:buChar char="-"/>
+            </a:pPr>
+            <a:r>
+              <a:rPr lang="en-US" dirty="0"/>
+              <a:t>Old:</a:t>
+            </a:r>
+          </a:p>
+          <a:p>
+            <a:pPr marL="165261" indent="-165261">
+              <a:buFontTx/>
+              <a:buChar char="-"/>
+            </a:pPr>
+            <a:r>
+              <a:rPr lang="en-US" dirty="0"/>
+              <a:t>Ask</a:t>
             </a:r>
             <a:r>
               <a:rPr lang="en-US" baseline="0" dirty="0"/>
-              <a:t> about interfaces, I like to give the example of a car:</a:t>
-            </a:r>
-          </a:p>
-          <a:p>
-            <a:endParaRPr lang="en-US" baseline="0" dirty="0"/>
-          </a:p>
-          <a:p>
+              <a:t> students to use this information to create a Function interface in the </a:t>
+            </a:r>
+            <a:r>
+              <a:rPr lang="en-US" baseline="0" dirty="0" err="1"/>
+              <a:t>textCalculator</a:t>
+            </a:r>
             <a:r>
               <a:rPr lang="en-US" baseline="0" dirty="0"/>
-              <a:t>I don’t care if it’s a truck, car, van, electric car, etc. When I get in a new car (or rental car, or friend’s car, etc.) … I know that the car will have the same “interface” for me to interact with. I’ll always have a brake and accelerator, a steering wheel, etc. I don’t need to know how the car works or how it’s different from another car, I just need to know how to use the interface.</a:t>
+              <a:t> project that fixes the errors in the code.</a:t>
+            </a:r>
+          </a:p>
+          <a:p>
+            <a:pPr marL="165261" indent="-165261">
+              <a:buFontTx/>
+              <a:buChar char="-"/>
+            </a:pPr>
+            <a:r>
+              <a:rPr lang="en-US" baseline="0" dirty="0"/>
+              <a:t>Once they’ve done that, they should implement the add and multiply classes that implement the Function interface.</a:t>
             </a:r>
             <a:endParaRPr lang="en-US" dirty="0"/>
           </a:p>
@@ -3097,7 +3578,7 @@
       </p:sp>
       <p:sp>
         <p:nvSpPr>
-          <p:cNvPr id="48132" name="Slide Number Placeholder 3"/>
+          <p:cNvPr id="50180" name="Slide Number Placeholder 3"/>
           <p:cNvSpPr>
             <a:spLocks noGrp="1"/>
           </p:cNvSpPr>
@@ -3239,12 +3720,12 @@
           </a:lstStyle>
           <a:p>
             <a:pPr eaLnBrk="1" hangingPunct="1"/>
-            <a:fld id="{5EBCEC16-738F-4DEF-BD13-DB083FCD953B}" type="slidenum">
+            <a:fld id="{F19D4DE2-3B99-41EE-8D4F-E0DDC5188304}" type="slidenum">
               <a:rPr lang="en-US" smtClean="0">
                 <a:latin typeface="Calibri" pitchFamily="34" charset="0"/>
               </a:rPr>
               <a:pPr eaLnBrk="1" hangingPunct="1"/>
-              <a:t>6</a:t>
+              <a:t>5</a:t>
             </a:fld>
             <a:endParaRPr lang="en-US">
               <a:latin typeface="Calibri" pitchFamily="34" charset="0"/>
@@ -3255,7 +3736,7 @@
     </p:spTree>
     <p:extLst>
       <p:ext uri="{BB962C8B-B14F-4D97-AF65-F5344CB8AC3E}">
-        <p14:creationId xmlns:p14="http://schemas.microsoft.com/office/powerpoint/2010/main" val="2973015210"/>
+        <p14:creationId xmlns:p14="http://schemas.microsoft.com/office/powerpoint/2010/main" val="1797840163"/>
       </p:ext>
     </p:extLst>
   </p:cSld>
@@ -3284,19 +3765,38 @@
       </p:grpSpPr>
       <p:sp>
         <p:nvSpPr>
-          <p:cNvPr id="2" name="Slide Image Placeholder 1"/>
-          <p:cNvSpPr>
-            <a:spLocks noGrp="1" noRot="1" noChangeAspect="1"/>
+          <p:cNvPr id="50178" name="Slide Image Placeholder 1"/>
+          <p:cNvSpPr>
+            <a:spLocks noGrp="1" noRot="1" noChangeAspect="1" noTextEdit="1"/>
           </p:cNvSpPr>
           <p:nvPr>
             <p:ph type="sldImg"/>
           </p:nvPr>
         </p:nvSpPr>
-        <p:spPr/>
-      </p:sp>
-      <p:sp>
-        <p:nvSpPr>
-          <p:cNvPr id="3" name="Notes Placeholder 2"/>
+        <p:spPr bwMode="auto">
+          <a:noFill/>
+          <a:ln>
+            <a:solidFill>
+              <a:srgbClr val="000000"/>
+            </a:solidFill>
+            <a:miter lim="800000"/>
+            <a:headEnd/>
+            <a:tailEnd/>
+          </a:ln>
+          <a:extLst>
+            <a:ext uri="{909E8E84-426E-40dd-AFC4-6F175D3DCCD1}">
+              <a14:hiddenFill xmlns:a14="http://schemas.microsoft.com/office/drawing/2010/main" xmlns="">
+                <a:solidFill>
+                  <a:srgbClr val="FFFFFF"/>
+                </a:solidFill>
+              </a14:hiddenFill>
+            </a:ext>
+          </a:extLst>
+        </p:spPr>
+      </p:sp>
+      <p:sp>
+        <p:nvSpPr>
+          <p:cNvPr id="50179" name="Notes Placeholder 2"/>
           <p:cNvSpPr>
             <a:spLocks noGrp="1"/>
           </p:cNvSpPr>
@@ -3304,85 +3804,280 @@
             <p:ph type="body" idx="1"/>
           </p:nvPr>
         </p:nvSpPr>
-        <p:spPr/>
+        <p:spPr>
+          <a:noFill/>
+          <a:ln/>
+          <a:extLst>
+            <a:ext uri="{909E8E84-426E-40dd-AFC4-6F175D3DCCD1}">
+              <a14:hiddenFill xmlns:a14="http://schemas.microsoft.com/office/drawing/2010/main" xmlns="">
+                <a:solidFill>
+                  <a:srgbClr val="FFFFFF"/>
+                </a:solidFill>
+              </a14:hiddenFill>
+            </a:ext>
+            <a:ext uri="{91240B29-F687-4f45-9708-019B960494DF}">
+              <a14:hiddenLine xmlns:a14="http://schemas.microsoft.com/office/drawing/2010/main" xmlns="" w="9525">
+                <a:solidFill>
+                  <a:srgbClr val="000000"/>
+                </a:solidFill>
+                <a:miter lim="800000"/>
+                <a:headEnd/>
+                <a:tailEnd/>
+              </a14:hiddenLine>
+            </a:ext>
+          </a:extLst>
+        </p:spPr>
         <p:txBody>
           <a:bodyPr/>
           <a:lstStyle/>
           <a:p>
-            <a:r>
-              <a:rPr lang="en-US" dirty="0"/>
-              <a:t>Name is an </a:t>
-            </a:r>
-            <a:r>
-              <a:rPr lang="en-US" b="1" dirty="0"/>
-              <a:t>implementation detail</a:t>
-            </a:r>
-            <a:r>
-              <a:rPr lang="en-US" dirty="0"/>
-              <a:t>.</a:t>
-            </a:r>
-          </a:p>
-          <a:p>
-            <a:r>
-              <a:rPr lang="en-US" dirty="0"/>
-              <a:t>It was needed to construct the Pet, not to </a:t>
-            </a:r>
-            <a:r>
-              <a:rPr lang="en-US" b="1" dirty="0"/>
-              <a:t>use </a:t>
-            </a:r>
-            <a:r>
-              <a:rPr lang="en-US" dirty="0"/>
-              <a:t>it.</a:t>
-            </a:r>
-          </a:p>
-          <a:p>
-            <a:r>
-              <a:rPr lang="en-US" dirty="0"/>
-              <a:t>Interfaces only describe how things are used, not how they are created.</a:t>
-            </a:r>
-          </a:p>
-          <a:p>
-            <a:r>
-              <a:rPr lang="en-US" dirty="0"/>
-              <a:t>Implementations, that is: classes that implement interfaces, describe how they are created.</a:t>
-            </a:r>
-          </a:p>
-        </p:txBody>
-      </p:sp>
-      <p:sp>
-        <p:nvSpPr>
-          <p:cNvPr id="4" name="Slide Number Placeholder 3"/>
+            <a:pPr marL="165261" indent="-165261">
+              <a:buFontTx/>
+              <a:buChar char="-"/>
+            </a:pPr>
+            <a:r>
+              <a:rPr lang="en-US" dirty="0"/>
+              <a:t>callouts animated</a:t>
+            </a:r>
+          </a:p>
+          <a:p>
+            <a:pPr marL="165261" indent="-165261">
+              <a:buFontTx/>
+              <a:buChar char="-"/>
+            </a:pPr>
+            <a:endParaRPr lang="en-US" dirty="0"/>
+          </a:p>
+          <a:p>
+            <a:pPr marL="165261" indent="-165261">
+              <a:buFontTx/>
+              <a:buChar char="-"/>
+            </a:pPr>
+            <a:r>
+              <a:rPr lang="en-US" dirty="0"/>
+              <a:t>201710: have them study and do the </a:t>
+            </a:r>
+            <a:r>
+              <a:rPr lang="en-US" dirty="0" err="1"/>
+              <a:t>numberSequence</a:t>
+            </a:r>
+            <a:r>
+              <a:rPr lang="en-US" dirty="0"/>
+              <a:t> example. They don’t need to write all 3, just enough to get the feel for it.</a:t>
+            </a:r>
+          </a:p>
+          <a:p>
+            <a:pPr marL="165261" indent="-165261">
+              <a:buFontTx/>
+              <a:buChar char="-"/>
+            </a:pPr>
+            <a:endParaRPr lang="en-US" dirty="0"/>
+          </a:p>
+          <a:p>
+            <a:pPr marL="165261" indent="-165261">
+              <a:buFontTx/>
+              <a:buChar char="-"/>
+            </a:pPr>
+            <a:r>
+              <a:rPr lang="en-US" dirty="0"/>
+              <a:t>Old:</a:t>
+            </a:r>
+          </a:p>
+          <a:p>
+            <a:pPr marL="165261" indent="-165261">
+              <a:buFontTx/>
+              <a:buChar char="-"/>
+            </a:pPr>
+            <a:r>
+              <a:rPr lang="en-US" dirty="0"/>
+              <a:t>Ask</a:t>
+            </a:r>
+            <a:r>
+              <a:rPr lang="en-US" baseline="0" dirty="0"/>
+              <a:t> students to use this information to create a Function interface in the </a:t>
+            </a:r>
+            <a:r>
+              <a:rPr lang="en-US" baseline="0" dirty="0" err="1"/>
+              <a:t>textCalculator</a:t>
+            </a:r>
+            <a:r>
+              <a:rPr lang="en-US" baseline="0" dirty="0"/>
+              <a:t> project that fixes the errors in the code.</a:t>
+            </a:r>
+          </a:p>
+          <a:p>
+            <a:pPr marL="165261" indent="-165261">
+              <a:buFontTx/>
+              <a:buChar char="-"/>
+            </a:pPr>
+            <a:r>
+              <a:rPr lang="en-US" baseline="0" dirty="0"/>
+              <a:t>Once they’ve done that, they should implement the add and multiply classes that implement the Function interface.</a:t>
+            </a:r>
+            <a:endParaRPr lang="en-US" dirty="0"/>
+          </a:p>
+        </p:txBody>
+      </p:sp>
+      <p:sp>
+        <p:nvSpPr>
+          <p:cNvPr id="50180" name="Slide Number Placeholder 3"/>
           <p:cNvSpPr>
             <a:spLocks noGrp="1"/>
           </p:cNvSpPr>
           <p:nvPr>
-            <p:ph type="sldNum" sz="quarter" idx="10"/>
-          </p:nvPr>
-        </p:nvSpPr>
-        <p:spPr/>
+            <p:ph type="sldNum" sz="quarter" idx="5"/>
+          </p:nvPr>
+        </p:nvSpPr>
+        <p:spPr>
+          <a:noFill/>
+          <a:ln/>
+          <a:extLst>
+            <a:ext uri="{909E8E84-426E-40dd-AFC4-6F175D3DCCD1}">
+              <a14:hiddenFill xmlns:a14="http://schemas.microsoft.com/office/drawing/2010/main" xmlns="">
+                <a:solidFill>
+                  <a:srgbClr val="FFFFFF"/>
+                </a:solidFill>
+              </a14:hiddenFill>
+            </a:ext>
+            <a:ext uri="{91240B29-F687-4f45-9708-019B960494DF}">
+              <a14:hiddenLine xmlns:a14="http://schemas.microsoft.com/office/drawing/2010/main" xmlns="" w="9525">
+                <a:solidFill>
+                  <a:srgbClr val="000000"/>
+                </a:solidFill>
+                <a:miter lim="800000"/>
+                <a:headEnd/>
+                <a:tailEnd/>
+              </a14:hiddenLine>
+            </a:ext>
+          </a:extLst>
+        </p:spPr>
         <p:txBody>
           <a:bodyPr/>
-          <a:lstStyle/>
-          <a:p>
-            <a:pPr>
-              <a:defRPr/>
-            </a:pPr>
-            <a:fld id="{3F6B6C2D-0897-4206-AD94-4D1FCFA82106}" type="slidenum">
-              <a:rPr lang="en-US" smtClean="0"/>
-              <a:pPr>
-                <a:defRPr/>
-              </a:pPr>
-              <a:t>10</a:t>
+          <a:lstStyle>
+            <a:lvl1pPr defTabSz="913525" eaLnBrk="0" hangingPunct="0">
+              <a:defRPr>
+                <a:solidFill>
+                  <a:schemeClr val="tx1"/>
+                </a:solidFill>
+                <a:latin typeface="Arial" charset="0"/>
+                <a:cs typeface="Arial" charset="0"/>
+              </a:defRPr>
+            </a:lvl1pPr>
+            <a:lvl2pPr marL="716130" indent="-275434" defTabSz="913525" eaLnBrk="0" hangingPunct="0">
+              <a:defRPr>
+                <a:solidFill>
+                  <a:schemeClr val="tx1"/>
+                </a:solidFill>
+                <a:latin typeface="Arial" charset="0"/>
+                <a:cs typeface="Arial" charset="0"/>
+              </a:defRPr>
+            </a:lvl2pPr>
+            <a:lvl3pPr marL="1101738" indent="-220348" defTabSz="913525" eaLnBrk="0" hangingPunct="0">
+              <a:defRPr>
+                <a:solidFill>
+                  <a:schemeClr val="tx1"/>
+                </a:solidFill>
+                <a:latin typeface="Arial" charset="0"/>
+                <a:cs typeface="Arial" charset="0"/>
+              </a:defRPr>
+            </a:lvl3pPr>
+            <a:lvl4pPr marL="1542433" indent="-220348" defTabSz="913525" eaLnBrk="0" hangingPunct="0">
+              <a:defRPr>
+                <a:solidFill>
+                  <a:schemeClr val="tx1"/>
+                </a:solidFill>
+                <a:latin typeface="Arial" charset="0"/>
+                <a:cs typeface="Arial" charset="0"/>
+              </a:defRPr>
+            </a:lvl4pPr>
+            <a:lvl5pPr marL="1983128" indent="-220348" defTabSz="913525" eaLnBrk="0" hangingPunct="0">
+              <a:defRPr>
+                <a:solidFill>
+                  <a:schemeClr val="tx1"/>
+                </a:solidFill>
+                <a:latin typeface="Arial" charset="0"/>
+                <a:cs typeface="Arial" charset="0"/>
+              </a:defRPr>
+            </a:lvl5pPr>
+            <a:lvl6pPr marL="2423823" indent="-220348" defTabSz="913525" eaLnBrk="0" fontAlgn="base" hangingPunct="0">
+              <a:spcBef>
+                <a:spcPct val="0"/>
+              </a:spcBef>
+              <a:spcAft>
+                <a:spcPct val="0"/>
+              </a:spcAft>
+              <a:defRPr>
+                <a:solidFill>
+                  <a:schemeClr val="tx1"/>
+                </a:solidFill>
+                <a:latin typeface="Arial" charset="0"/>
+                <a:cs typeface="Arial" charset="0"/>
+              </a:defRPr>
+            </a:lvl6pPr>
+            <a:lvl7pPr marL="2864518" indent="-220348" defTabSz="913525" eaLnBrk="0" fontAlgn="base" hangingPunct="0">
+              <a:spcBef>
+                <a:spcPct val="0"/>
+              </a:spcBef>
+              <a:spcAft>
+                <a:spcPct val="0"/>
+              </a:spcAft>
+              <a:defRPr>
+                <a:solidFill>
+                  <a:schemeClr val="tx1"/>
+                </a:solidFill>
+                <a:latin typeface="Arial" charset="0"/>
+                <a:cs typeface="Arial" charset="0"/>
+              </a:defRPr>
+            </a:lvl7pPr>
+            <a:lvl8pPr marL="3305213" indent="-220348" defTabSz="913525" eaLnBrk="0" fontAlgn="base" hangingPunct="0">
+              <a:spcBef>
+                <a:spcPct val="0"/>
+              </a:spcBef>
+              <a:spcAft>
+                <a:spcPct val="0"/>
+              </a:spcAft>
+              <a:defRPr>
+                <a:solidFill>
+                  <a:schemeClr val="tx1"/>
+                </a:solidFill>
+                <a:latin typeface="Arial" charset="0"/>
+                <a:cs typeface="Arial" charset="0"/>
+              </a:defRPr>
+            </a:lvl8pPr>
+            <a:lvl9pPr marL="3745908" indent="-220348" defTabSz="913525" eaLnBrk="0" fontAlgn="base" hangingPunct="0">
+              <a:spcBef>
+                <a:spcPct val="0"/>
+              </a:spcBef>
+              <a:spcAft>
+                <a:spcPct val="0"/>
+              </a:spcAft>
+              <a:defRPr>
+                <a:solidFill>
+                  <a:schemeClr val="tx1"/>
+                </a:solidFill>
+                <a:latin typeface="Arial" charset="0"/>
+                <a:cs typeface="Arial" charset="0"/>
+              </a:defRPr>
+            </a:lvl9pPr>
+          </a:lstStyle>
+          <a:p>
+            <a:pPr eaLnBrk="1" hangingPunct="1"/>
+            <a:fld id="{F19D4DE2-3B99-41EE-8D4F-E0DDC5188304}" type="slidenum">
+              <a:rPr lang="en-US" smtClean="0">
+                <a:latin typeface="Calibri" pitchFamily="34" charset="0"/>
+              </a:rPr>
+              <a:pPr eaLnBrk="1" hangingPunct="1"/>
+              <a:t>6</a:t>
             </a:fld>
-            <a:endParaRPr lang="en-US"/>
+            <a:endParaRPr lang="en-US">
+              <a:latin typeface="Calibri" pitchFamily="34" charset="0"/>
+            </a:endParaRPr>
           </a:p>
         </p:txBody>
       </p:sp>
     </p:spTree>
     <p:extLst>
       <p:ext uri="{BB962C8B-B14F-4D97-AF65-F5344CB8AC3E}">
-        <p14:creationId xmlns:p14="http://schemas.microsoft.com/office/powerpoint/2010/main" val="1087062931"/>
+        <p14:creationId xmlns:p14="http://schemas.microsoft.com/office/powerpoint/2010/main" val="1322891245"/>
       </p:ext>
     </p:extLst>
   </p:cSld>
@@ -3411,7 +4106,7 @@
       </p:grpSpPr>
       <p:sp>
         <p:nvSpPr>
-          <p:cNvPr id="53250" name="Slide Image Placeholder 1"/>
+          <p:cNvPr id="50178" name="Slide Image Placeholder 1"/>
           <p:cNvSpPr>
             <a:spLocks noGrp="1" noRot="1" noChangeAspect="1" noTextEdit="1"/>
           </p:cNvSpPr>
@@ -3431,7 +4126,7 @@
           </a:ln>
           <a:extLst>
             <a:ext uri="{909E8E84-426E-40dd-AFC4-6F175D3DCCD1}">
-              <a14:hiddenFill xmlns="" xmlns:a14="http://schemas.microsoft.com/office/drawing/2010/main">
+              <a14:hiddenFill xmlns:a14="http://schemas.microsoft.com/office/drawing/2010/main" xmlns="">
                 <a:solidFill>
                   <a:srgbClr val="FFFFFF"/>
                 </a:solidFill>
@@ -3442,7 +4137,7 @@
       </p:sp>
       <p:sp>
         <p:nvSpPr>
-          <p:cNvPr id="53251" name="Notes Placeholder 2"/>
+          <p:cNvPr id="50179" name="Notes Placeholder 2"/>
           <p:cNvSpPr>
             <a:spLocks noGrp="1"/>
           </p:cNvSpPr>
@@ -3455,14 +4150,14 @@
           <a:ln/>
           <a:extLst>
             <a:ext uri="{909E8E84-426E-40dd-AFC4-6F175D3DCCD1}">
-              <a14:hiddenFill xmlns="" xmlns:a14="http://schemas.microsoft.com/office/drawing/2010/main">
+              <a14:hiddenFill xmlns:a14="http://schemas.microsoft.com/office/drawing/2010/main" xmlns="">
                 <a:solidFill>
                   <a:srgbClr val="FFFFFF"/>
                 </a:solidFill>
               </a14:hiddenFill>
             </a:ext>
             <a:ext uri="{91240B29-F687-4f45-9708-019B960494DF}">
-              <a14:hiddenLine xmlns="" xmlns:a14="http://schemas.microsoft.com/office/drawing/2010/main" w="9525">
+              <a14:hiddenLine xmlns:a14="http://schemas.microsoft.com/office/drawing/2010/main" xmlns="" w="9525">
                 <a:solidFill>
                   <a:srgbClr val="000000"/>
                 </a:solidFill>
@@ -3477,16 +4172,95 @@
           <a:bodyPr/>
           <a:lstStyle/>
           <a:p>
-            <a:r>
-              <a:rPr lang="en-US" dirty="0"/>
-              <a:t>Draw box-and-pointer diagram</a:t>
-            </a:r>
-          </a:p>
-        </p:txBody>
-      </p:sp>
-      <p:sp>
-        <p:nvSpPr>
-          <p:cNvPr id="53252" name="Slide Number Placeholder 3"/>
+            <a:pPr marL="165261" indent="-165261">
+              <a:buFontTx/>
+              <a:buChar char="-"/>
+            </a:pPr>
+            <a:r>
+              <a:rPr lang="en-US" dirty="0"/>
+              <a:t>callouts animated</a:t>
+            </a:r>
+          </a:p>
+          <a:p>
+            <a:pPr marL="165261" indent="-165261">
+              <a:buFontTx/>
+              <a:buChar char="-"/>
+            </a:pPr>
+            <a:endParaRPr lang="en-US" dirty="0"/>
+          </a:p>
+          <a:p>
+            <a:pPr marL="165261" indent="-165261">
+              <a:buFontTx/>
+              <a:buChar char="-"/>
+            </a:pPr>
+            <a:r>
+              <a:rPr lang="en-US" dirty="0"/>
+              <a:t>201710: have them study and do the </a:t>
+            </a:r>
+            <a:r>
+              <a:rPr lang="en-US" dirty="0" err="1"/>
+              <a:t>numberSequence</a:t>
+            </a:r>
+            <a:r>
+              <a:rPr lang="en-US" dirty="0"/>
+              <a:t> example. They don’t need to write all 3, just enough to get the feel for it.</a:t>
+            </a:r>
+          </a:p>
+          <a:p>
+            <a:pPr marL="165261" indent="-165261">
+              <a:buFontTx/>
+              <a:buChar char="-"/>
+            </a:pPr>
+            <a:endParaRPr lang="en-US" dirty="0"/>
+          </a:p>
+          <a:p>
+            <a:pPr marL="165261" indent="-165261">
+              <a:buFontTx/>
+              <a:buChar char="-"/>
+            </a:pPr>
+            <a:r>
+              <a:rPr lang="en-US" dirty="0"/>
+              <a:t>Old:</a:t>
+            </a:r>
+          </a:p>
+          <a:p>
+            <a:pPr marL="165261" indent="-165261">
+              <a:buFontTx/>
+              <a:buChar char="-"/>
+            </a:pPr>
+            <a:r>
+              <a:rPr lang="en-US" dirty="0"/>
+              <a:t>Ask</a:t>
+            </a:r>
+            <a:r>
+              <a:rPr lang="en-US" baseline="0" dirty="0"/>
+              <a:t> students to use this information to create a Function interface in the </a:t>
+            </a:r>
+            <a:r>
+              <a:rPr lang="en-US" baseline="0" dirty="0" err="1"/>
+              <a:t>textCalculator</a:t>
+            </a:r>
+            <a:r>
+              <a:rPr lang="en-US" baseline="0" dirty="0"/>
+              <a:t> project that fixes the errors in the code.</a:t>
+            </a:r>
+          </a:p>
+          <a:p>
+            <a:pPr marL="165261" indent="-165261">
+              <a:buFontTx/>
+              <a:buChar char="-"/>
+            </a:pPr>
+            <a:r>
+              <a:rPr lang="en-US" baseline="0" dirty="0"/>
+              <a:t>Once they’ve done that, they should implement the add and multiply classes that implement the Function interface.</a:t>
+            </a:r>
+            <a:endParaRPr lang="en-US" dirty="0"/>
+          </a:p>
+        </p:txBody>
+      </p:sp>
+      <p:sp>
+        <p:nvSpPr>
+          <p:cNvPr id="50180" name="Slide Number Placeholder 3"/>
           <p:cNvSpPr>
             <a:spLocks noGrp="1"/>
           </p:cNvSpPr>
@@ -3499,14 +4273,14 @@
           <a:ln/>
           <a:extLst>
             <a:ext uri="{909E8E84-426E-40dd-AFC4-6F175D3DCCD1}">
-              <a14:hiddenFill xmlns="" xmlns:a14="http://schemas.microsoft.com/office/drawing/2010/main">
+              <a14:hiddenFill xmlns:a14="http://schemas.microsoft.com/office/drawing/2010/main" xmlns="">
                 <a:solidFill>
                   <a:srgbClr val="FFFFFF"/>
                 </a:solidFill>
               </a14:hiddenFill>
             </a:ext>
             <a:ext uri="{91240B29-F687-4f45-9708-019B960494DF}">
-              <a14:hiddenLine xmlns="" xmlns:a14="http://schemas.microsoft.com/office/drawing/2010/main" w="9525">
+              <a14:hiddenLine xmlns:a14="http://schemas.microsoft.com/office/drawing/2010/main" xmlns="" w="9525">
                 <a:solidFill>
                   <a:srgbClr val="000000"/>
                 </a:solidFill>
@@ -3628,12 +4402,12 @@
           </a:lstStyle>
           <a:p>
             <a:pPr eaLnBrk="1" hangingPunct="1"/>
-            <a:fld id="{22B2111D-C5D1-46AB-A8FB-97A156E69346}" type="slidenum">
+            <a:fld id="{F19D4DE2-3B99-41EE-8D4F-E0DDC5188304}" type="slidenum">
               <a:rPr lang="en-US" smtClean="0">
                 <a:latin typeface="Calibri" pitchFamily="34" charset="0"/>
               </a:rPr>
               <a:pPr eaLnBrk="1" hangingPunct="1"/>
-              <a:t>12</a:t>
+              <a:t>7</a:t>
             </a:fld>
             <a:endParaRPr lang="en-US">
               <a:latin typeface="Calibri" pitchFamily="34" charset="0"/>
@@ -3644,7 +4418,7 @@
     </p:spTree>
     <p:extLst>
       <p:ext uri="{BB962C8B-B14F-4D97-AF65-F5344CB8AC3E}">
-        <p14:creationId xmlns:p14="http://schemas.microsoft.com/office/powerpoint/2010/main" val="288043877"/>
+        <p14:creationId xmlns:p14="http://schemas.microsoft.com/office/powerpoint/2010/main" val="2126952299"/>
       </p:ext>
     </p:extLst>
   </p:cSld>
@@ -3673,19 +4447,38 @@
       </p:grpSpPr>
       <p:sp>
         <p:nvSpPr>
-          <p:cNvPr id="2" name="Slide Image Placeholder 1"/>
-          <p:cNvSpPr>
-            <a:spLocks noGrp="1" noRot="1" noChangeAspect="1"/>
+          <p:cNvPr id="50178" name="Slide Image Placeholder 1"/>
+          <p:cNvSpPr>
+            <a:spLocks noGrp="1" noRot="1" noChangeAspect="1" noTextEdit="1"/>
           </p:cNvSpPr>
           <p:nvPr>
             <p:ph type="sldImg"/>
           </p:nvPr>
         </p:nvSpPr>
-        <p:spPr/>
-      </p:sp>
-      <p:sp>
-        <p:nvSpPr>
-          <p:cNvPr id="3" name="Notes Placeholder 2"/>
+        <p:spPr bwMode="auto">
+          <a:noFill/>
+          <a:ln>
+            <a:solidFill>
+              <a:srgbClr val="000000"/>
+            </a:solidFill>
+            <a:miter lim="800000"/>
+            <a:headEnd/>
+            <a:tailEnd/>
+          </a:ln>
+          <a:extLst>
+            <a:ext uri="{909E8E84-426E-40dd-AFC4-6F175D3DCCD1}">
+              <a14:hiddenFill xmlns:a14="http://schemas.microsoft.com/office/drawing/2010/main" xmlns="">
+                <a:solidFill>
+                  <a:srgbClr val="FFFFFF"/>
+                </a:solidFill>
+              </a14:hiddenFill>
+            </a:ext>
+          </a:extLst>
+        </p:spPr>
+      </p:sp>
+      <p:sp>
+        <p:nvSpPr>
+          <p:cNvPr id="50179" name="Notes Placeholder 2"/>
           <p:cNvSpPr>
             <a:spLocks noGrp="1"/>
           </p:cNvSpPr>
@@ -3693,124 +4486,280 @@
             <p:ph type="body" idx="1"/>
           </p:nvPr>
         </p:nvSpPr>
-        <p:spPr/>
+        <p:spPr>
+          <a:noFill/>
+          <a:ln/>
+          <a:extLst>
+            <a:ext uri="{909E8E84-426E-40dd-AFC4-6F175D3DCCD1}">
+              <a14:hiddenFill xmlns:a14="http://schemas.microsoft.com/office/drawing/2010/main" xmlns="">
+                <a:solidFill>
+                  <a:srgbClr val="FFFFFF"/>
+                </a:solidFill>
+              </a14:hiddenFill>
+            </a:ext>
+            <a:ext uri="{91240B29-F687-4f45-9708-019B960494DF}">
+              <a14:hiddenLine xmlns:a14="http://schemas.microsoft.com/office/drawing/2010/main" xmlns="" w="9525">
+                <a:solidFill>
+                  <a:srgbClr val="000000"/>
+                </a:solidFill>
+                <a:miter lim="800000"/>
+                <a:headEnd/>
+                <a:tailEnd/>
+              </a14:hiddenLine>
+            </a:ext>
+          </a:extLst>
+        </p:spPr>
         <p:txBody>
           <a:bodyPr/>
           <a:lstStyle/>
           <a:p>
-            <a:r>
-              <a:rPr lang="en-US" dirty="0">
-                <a:sym typeface="Wingdings" panose="05000000000000000000" pitchFamily="2" charset="2"/>
-              </a:rPr>
-              <a:t>If students</a:t>
-            </a:r>
-            <a:r>
-              <a:rPr lang="en-US" baseline="0" dirty="0">
-                <a:sym typeface="Wingdings" panose="05000000000000000000" pitchFamily="2" charset="2"/>
-              </a:rPr>
-              <a:t> finish quickly suggest that they add to the Sequence interface</a:t>
-            </a:r>
-          </a:p>
-          <a:p>
-            <a:endParaRPr lang="en-US" baseline="0" dirty="0">
-              <a:sym typeface="Wingdings" panose="05000000000000000000" pitchFamily="2" charset="2"/>
+            <a:pPr marL="165261" indent="-165261">
+              <a:buFontTx/>
+              <a:buChar char="-"/>
+            </a:pPr>
+            <a:r>
+              <a:rPr lang="en-US" dirty="0"/>
+              <a:t>callouts animated</a:t>
+            </a:r>
+          </a:p>
+          <a:p>
+            <a:pPr marL="165261" indent="-165261">
+              <a:buFontTx/>
+              <a:buChar char="-"/>
+            </a:pPr>
+            <a:endParaRPr lang="en-US" dirty="0"/>
+          </a:p>
+          <a:p>
+            <a:pPr marL="165261" indent="-165261">
+              <a:buFontTx/>
+              <a:buChar char="-"/>
+            </a:pPr>
+            <a:r>
+              <a:rPr lang="en-US" dirty="0"/>
+              <a:t>201710: have them study and do the </a:t>
+            </a:r>
+            <a:r>
+              <a:rPr lang="en-US" dirty="0" err="1"/>
+              <a:t>numberSequence</a:t>
+            </a:r>
+            <a:r>
+              <a:rPr lang="en-US" dirty="0"/>
+              <a:t> example. They don’t need to write all 3, just enough to get the feel for it.</a:t>
+            </a:r>
+          </a:p>
+          <a:p>
+            <a:pPr marL="165261" indent="-165261">
+              <a:buFontTx/>
+              <a:buChar char="-"/>
+            </a:pPr>
+            <a:endParaRPr lang="en-US" dirty="0"/>
+          </a:p>
+          <a:p>
+            <a:pPr marL="165261" indent="-165261">
+              <a:buFontTx/>
+              <a:buChar char="-"/>
+            </a:pPr>
+            <a:r>
+              <a:rPr lang="en-US" dirty="0"/>
+              <a:t>Old:</a:t>
+            </a:r>
+          </a:p>
+          <a:p>
+            <a:pPr marL="165261" indent="-165261">
+              <a:buFontTx/>
+              <a:buChar char="-"/>
+            </a:pPr>
+            <a:r>
+              <a:rPr lang="en-US" dirty="0"/>
+              <a:t>Ask</a:t>
+            </a:r>
+            <a:r>
+              <a:rPr lang="en-US" baseline="0" dirty="0"/>
+              <a:t> students to use this information to create a Function interface in the </a:t>
+            </a:r>
+            <a:r>
+              <a:rPr lang="en-US" baseline="0" dirty="0" err="1"/>
+              <a:t>textCalculator</a:t>
+            </a:r>
+            <a:r>
+              <a:rPr lang="en-US" baseline="0" dirty="0"/>
+              <a:t> project that fixes the errors in the code.</a:t>
+            </a:r>
+          </a:p>
+          <a:p>
+            <a:pPr marL="165261" indent="-165261">
+              <a:buFontTx/>
+              <a:buChar char="-"/>
+            </a:pPr>
+            <a:r>
+              <a:rPr lang="en-US" baseline="0" dirty="0"/>
+              <a:t>Once they’ve done that, they should implement the add and multiply classes that implement the Function interface.</a:t>
+            </a:r>
+            <a:endParaRPr lang="en-US" dirty="0"/>
+          </a:p>
+        </p:txBody>
+      </p:sp>
+      <p:sp>
+        <p:nvSpPr>
+          <p:cNvPr id="50180" name="Slide Number Placeholder 3"/>
+          <p:cNvSpPr>
+            <a:spLocks noGrp="1"/>
+          </p:cNvSpPr>
+          <p:nvPr>
+            <p:ph type="sldNum" sz="quarter" idx="5"/>
+          </p:nvPr>
+        </p:nvSpPr>
+        <p:spPr>
+          <a:noFill/>
+          <a:ln/>
+          <a:extLst>
+            <a:ext uri="{909E8E84-426E-40dd-AFC4-6F175D3DCCD1}">
+              <a14:hiddenFill xmlns:a14="http://schemas.microsoft.com/office/drawing/2010/main" xmlns="">
+                <a:solidFill>
+                  <a:srgbClr val="FFFFFF"/>
+                </a:solidFill>
+              </a14:hiddenFill>
+            </a:ext>
+            <a:ext uri="{91240B29-F687-4f45-9708-019B960494DF}">
+              <a14:hiddenLine xmlns:a14="http://schemas.microsoft.com/office/drawing/2010/main" xmlns="" w="9525">
+                <a:solidFill>
+                  <a:srgbClr val="000000"/>
+                </a:solidFill>
+                <a:miter lim="800000"/>
+                <a:headEnd/>
+                <a:tailEnd/>
+              </a14:hiddenLine>
+            </a:ext>
+          </a:extLst>
+        </p:spPr>
+        <p:txBody>
+          <a:bodyPr/>
+          <a:lstStyle>
+            <a:lvl1pPr defTabSz="913525" eaLnBrk="0" hangingPunct="0">
+              <a:defRPr>
+                <a:solidFill>
+                  <a:schemeClr val="tx1"/>
+                </a:solidFill>
+                <a:latin typeface="Arial" charset="0"/>
+                <a:cs typeface="Arial" charset="0"/>
+              </a:defRPr>
+            </a:lvl1pPr>
+            <a:lvl2pPr marL="716130" indent="-275434" defTabSz="913525" eaLnBrk="0" hangingPunct="0">
+              <a:defRPr>
+                <a:solidFill>
+                  <a:schemeClr val="tx1"/>
+                </a:solidFill>
+                <a:latin typeface="Arial" charset="0"/>
+                <a:cs typeface="Arial" charset="0"/>
+              </a:defRPr>
+            </a:lvl2pPr>
+            <a:lvl3pPr marL="1101738" indent="-220348" defTabSz="913525" eaLnBrk="0" hangingPunct="0">
+              <a:defRPr>
+                <a:solidFill>
+                  <a:schemeClr val="tx1"/>
+                </a:solidFill>
+                <a:latin typeface="Arial" charset="0"/>
+                <a:cs typeface="Arial" charset="0"/>
+              </a:defRPr>
+            </a:lvl3pPr>
+            <a:lvl4pPr marL="1542433" indent="-220348" defTabSz="913525" eaLnBrk="0" hangingPunct="0">
+              <a:defRPr>
+                <a:solidFill>
+                  <a:schemeClr val="tx1"/>
+                </a:solidFill>
+                <a:latin typeface="Arial" charset="0"/>
+                <a:cs typeface="Arial" charset="0"/>
+              </a:defRPr>
+            </a:lvl4pPr>
+            <a:lvl5pPr marL="1983128" indent="-220348" defTabSz="913525" eaLnBrk="0" hangingPunct="0">
+              <a:defRPr>
+                <a:solidFill>
+                  <a:schemeClr val="tx1"/>
+                </a:solidFill>
+                <a:latin typeface="Arial" charset="0"/>
+                <a:cs typeface="Arial" charset="0"/>
+              </a:defRPr>
+            </a:lvl5pPr>
+            <a:lvl6pPr marL="2423823" indent="-220348" defTabSz="913525" eaLnBrk="0" fontAlgn="base" hangingPunct="0">
+              <a:spcBef>
+                <a:spcPct val="0"/>
+              </a:spcBef>
+              <a:spcAft>
+                <a:spcPct val="0"/>
+              </a:spcAft>
+              <a:defRPr>
+                <a:solidFill>
+                  <a:schemeClr val="tx1"/>
+                </a:solidFill>
+                <a:latin typeface="Arial" charset="0"/>
+                <a:cs typeface="Arial" charset="0"/>
+              </a:defRPr>
+            </a:lvl6pPr>
+            <a:lvl7pPr marL="2864518" indent="-220348" defTabSz="913525" eaLnBrk="0" fontAlgn="base" hangingPunct="0">
+              <a:spcBef>
+                <a:spcPct val="0"/>
+              </a:spcBef>
+              <a:spcAft>
+                <a:spcPct val="0"/>
+              </a:spcAft>
+              <a:defRPr>
+                <a:solidFill>
+                  <a:schemeClr val="tx1"/>
+                </a:solidFill>
+                <a:latin typeface="Arial" charset="0"/>
+                <a:cs typeface="Arial" charset="0"/>
+              </a:defRPr>
+            </a:lvl7pPr>
+            <a:lvl8pPr marL="3305213" indent="-220348" defTabSz="913525" eaLnBrk="0" fontAlgn="base" hangingPunct="0">
+              <a:spcBef>
+                <a:spcPct val="0"/>
+              </a:spcBef>
+              <a:spcAft>
+                <a:spcPct val="0"/>
+              </a:spcAft>
+              <a:defRPr>
+                <a:solidFill>
+                  <a:schemeClr val="tx1"/>
+                </a:solidFill>
+                <a:latin typeface="Arial" charset="0"/>
+                <a:cs typeface="Arial" charset="0"/>
+              </a:defRPr>
+            </a:lvl8pPr>
+            <a:lvl9pPr marL="3745908" indent="-220348" defTabSz="913525" eaLnBrk="0" fontAlgn="base" hangingPunct="0">
+              <a:spcBef>
+                <a:spcPct val="0"/>
+              </a:spcBef>
+              <a:spcAft>
+                <a:spcPct val="0"/>
+              </a:spcAft>
+              <a:defRPr>
+                <a:solidFill>
+                  <a:schemeClr val="tx1"/>
+                </a:solidFill>
+                <a:latin typeface="Arial" charset="0"/>
+                <a:cs typeface="Arial" charset="0"/>
+              </a:defRPr>
+            </a:lvl9pPr>
+          </a:lstStyle>
+          <a:p>
+            <a:pPr eaLnBrk="1" hangingPunct="1"/>
+            <a:fld id="{F19D4DE2-3B99-41EE-8D4F-E0DDC5188304}" type="slidenum">
+              <a:rPr lang="en-US" smtClean="0">
+                <a:latin typeface="Calibri" pitchFamily="34" charset="0"/>
+              </a:rPr>
+              <a:pPr eaLnBrk="1" hangingPunct="1"/>
+              <a:t>8</a:t>
+            </a:fld>
+            <a:endParaRPr lang="en-US">
+              <a:latin typeface="Calibri" pitchFamily="34" charset="0"/>
             </a:endParaRPr>
-          </a:p>
-          <a:p>
-            <a:r>
-              <a:rPr lang="en-US" baseline="0" dirty="0" err="1">
-                <a:sym typeface="Wingdings" panose="05000000000000000000" pitchFamily="2" charset="2"/>
-              </a:rPr>
-              <a:t>int</a:t>
-            </a:r>
-            <a:r>
-              <a:rPr lang="en-US" baseline="0" dirty="0">
-                <a:sym typeface="Wingdings" panose="05000000000000000000" pitchFamily="2" charset="2"/>
-              </a:rPr>
-              <a:t> </a:t>
-            </a:r>
-            <a:r>
-              <a:rPr lang="en-US" baseline="0" dirty="0" err="1">
-                <a:sym typeface="Wingdings" panose="05000000000000000000" pitchFamily="2" charset="2"/>
-              </a:rPr>
-              <a:t>prevNum</a:t>
-            </a:r>
-            <a:r>
-              <a:rPr lang="en-US" baseline="0" dirty="0">
-                <a:sym typeface="Wingdings" panose="05000000000000000000" pitchFamily="2" charset="2"/>
-              </a:rPr>
-              <a:t>();</a:t>
-            </a:r>
-          </a:p>
-          <a:p>
-            <a:r>
-              <a:rPr lang="en-US" dirty="0">
-                <a:sym typeface="Wingdings" panose="05000000000000000000" pitchFamily="2" charset="2"/>
-              </a:rPr>
-              <a:t>and implement it</a:t>
-            </a:r>
-          </a:p>
-          <a:p>
-            <a:r>
-              <a:rPr lang="en-US" baseline="0" dirty="0">
-                <a:sym typeface="Wingdings" panose="05000000000000000000" pitchFamily="2" charset="2"/>
-              </a:rPr>
-              <a:t>(has interesting functionality if you run Fibonacci in reverse (with two </a:t>
-            </a:r>
-            <a:r>
-              <a:rPr lang="en-US" baseline="0" dirty="0" err="1">
-                <a:sym typeface="Wingdings" panose="05000000000000000000" pitchFamily="2" charset="2"/>
-              </a:rPr>
-              <a:t>int</a:t>
-            </a:r>
-            <a:r>
-              <a:rPr lang="en-US" baseline="0" dirty="0">
-                <a:sym typeface="Wingdings" panose="05000000000000000000" pitchFamily="2" charset="2"/>
-              </a:rPr>
-              <a:t> implementation))</a:t>
-            </a:r>
-            <a:endParaRPr lang="en-US" dirty="0">
-              <a:sym typeface="Wingdings" panose="05000000000000000000" pitchFamily="2" charset="2"/>
-            </a:endParaRPr>
-          </a:p>
-          <a:p>
-            <a:endParaRPr lang="en-US" dirty="0"/>
-          </a:p>
-        </p:txBody>
-      </p:sp>
-      <p:sp>
-        <p:nvSpPr>
-          <p:cNvPr id="4" name="Slide Number Placeholder 3"/>
-          <p:cNvSpPr>
-            <a:spLocks noGrp="1"/>
-          </p:cNvSpPr>
-          <p:nvPr>
-            <p:ph type="sldNum" sz="quarter" idx="10"/>
-          </p:nvPr>
-        </p:nvSpPr>
-        <p:spPr/>
-        <p:txBody>
-          <a:bodyPr/>
-          <a:lstStyle/>
-          <a:p>
-            <a:pPr>
-              <a:defRPr/>
-            </a:pPr>
-            <a:fld id="{3F6B6C2D-0897-4206-AD94-4D1FCFA82106}" type="slidenum">
-              <a:rPr lang="en-US" smtClean="0"/>
-              <a:pPr>
-                <a:defRPr/>
-              </a:pPr>
-              <a:t>13</a:t>
-            </a:fld>
-            <a:endParaRPr lang="en-US"/>
           </a:p>
         </p:txBody>
       </p:sp>
     </p:spTree>
     <p:extLst>
       <p:ext uri="{BB962C8B-B14F-4D97-AF65-F5344CB8AC3E}">
-        <p14:creationId xmlns:p14="http://schemas.microsoft.com/office/powerpoint/2010/main" val="2331420896"/>
+        <p14:creationId xmlns:p14="http://schemas.microsoft.com/office/powerpoint/2010/main" val="2369573943"/>
       </p:ext>
     </p:extLst>
   </p:cSld>
@@ -3865,32 +4814,19 @@
           <a:lstStyle/>
           <a:p>
             <a:r>
-              <a:rPr lang="en-US" dirty="0"/>
-              <a:t>Leading</a:t>
-            </a:r>
-            <a:r>
-              <a:rPr lang="en-US" baseline="0" dirty="0"/>
-              <a:t> questions to help:</a:t>
-            </a:r>
-          </a:p>
-          <a:p>
-            <a:r>
-              <a:rPr lang="en-US" dirty="0"/>
-              <a:t>What do they all have in common? So what goes</a:t>
-            </a:r>
-            <a:r>
-              <a:rPr lang="en-US" baseline="0" dirty="0"/>
-              <a:t> in interface?</a:t>
-            </a:r>
-          </a:p>
-          <a:p>
-            <a:r>
-              <a:rPr lang="en-US" baseline="0" dirty="0"/>
-              <a:t>What can we do instead of the three load methods?</a:t>
-            </a:r>
-            <a:endParaRPr lang="en-US" dirty="0"/>
-          </a:p>
-          <a:p>
+              <a:rPr lang="en-US" dirty="0" smtClean="0"/>
+              <a:t>Imagine</a:t>
+            </a:r>
+            <a:r>
+              <a:rPr lang="en-US" baseline="0" dirty="0" smtClean="0"/>
+              <a:t> three different people developed these three classes. We have a scale simulator where we write code to compare/weigh things. </a:t>
+            </a:r>
+          </a:p>
+          <a:p>
+            <a:r>
+              <a:rPr lang="en-US" baseline="0" dirty="0" smtClean="0"/>
+              <a:t>What if we wanted to compare all of them at the same time? </a:t>
+            </a:r>
             <a:endParaRPr lang="en-US" dirty="0"/>
           </a:p>
         </p:txBody>
@@ -3918,7 +4854,7 @@
               <a:pPr>
                 <a:defRPr/>
               </a:pPr>
-              <a:t>14</a:t>
+              <a:t>10</a:t>
             </a:fld>
             <a:endParaRPr lang="en-US"/>
           </a:p>
@@ -3927,7 +4863,7 @@
     </p:spTree>
     <p:extLst>
       <p:ext uri="{BB962C8B-B14F-4D97-AF65-F5344CB8AC3E}">
-        <p14:creationId xmlns:p14="http://schemas.microsoft.com/office/powerpoint/2010/main" val="2081153337"/>
+        <p14:creationId xmlns:p14="http://schemas.microsoft.com/office/powerpoint/2010/main" val="3729646274"/>
       </p:ext>
     </p:extLst>
   </p:cSld>
@@ -4122,7 +5058,7 @@
               <a:pPr>
                 <a:defRPr/>
               </a:pPr>
-              <a:t>Thursday, October 4, 2018</a:t>
+              <a:t>Wednesday, April 8, 2020</a:t>
             </a:fld>
             <a:endParaRPr lang="en-US" dirty="0"/>
           </a:p>
@@ -4305,7 +5241,7 @@
               <a:pPr>
                 <a:defRPr/>
               </a:pPr>
-              <a:t>Thursday, October 4, 2018</a:t>
+              <a:t>Wednesday, April 8, 2020</a:t>
             </a:fld>
             <a:endParaRPr lang="en-US" dirty="0"/>
           </a:p>
@@ -4498,7 +5434,7 @@
               <a:pPr>
                 <a:defRPr/>
               </a:pPr>
-              <a:t>Thursday, October 4, 2018</a:t>
+              <a:t>Wednesday, April 8, 2020</a:t>
             </a:fld>
             <a:endParaRPr lang="en-US" dirty="0"/>
           </a:p>
@@ -4681,7 +5617,7 @@
               <a:pPr>
                 <a:defRPr/>
               </a:pPr>
-              <a:t>Thursday, October 4, 2018</a:t>
+              <a:t>Wednesday, April 8, 2020</a:t>
             </a:fld>
             <a:endParaRPr lang="en-US" dirty="0"/>
           </a:p>
@@ -4941,7 +5877,7 @@
               <a:pPr>
                 <a:defRPr/>
               </a:pPr>
-              <a:t>Thursday, October 4, 2018</a:t>
+              <a:t>Wednesday, April 8, 2020</a:t>
             </a:fld>
             <a:endParaRPr lang="en-US"/>
           </a:p>
@@ -5241,7 +6177,7 @@
               <a:pPr>
                 <a:defRPr/>
               </a:pPr>
-              <a:t>Thursday, October 4, 2018</a:t>
+              <a:t>Wednesday, April 8, 2020</a:t>
             </a:fld>
             <a:endParaRPr lang="en-US"/>
           </a:p>
@@ -5675,7 +6611,7 @@
               <a:pPr>
                 <a:defRPr/>
               </a:pPr>
-              <a:t>Thursday, October 4, 2018</a:t>
+              <a:t>Wednesday, April 8, 2020</a:t>
             </a:fld>
             <a:endParaRPr lang="en-US"/>
           </a:p>
@@ -5807,7 +6743,7 @@
               <a:pPr>
                 <a:defRPr/>
               </a:pPr>
-              <a:t>Thursday, October 4, 2018</a:t>
+              <a:t>Wednesday, April 8, 2020</a:t>
             </a:fld>
             <a:endParaRPr lang="en-US"/>
           </a:p>
@@ -5917,7 +6853,7 @@
               <a:pPr>
                 <a:defRPr/>
               </a:pPr>
-              <a:t>Thursday, October 4, 2018</a:t>
+              <a:t>Wednesday, April 8, 2020</a:t>
             </a:fld>
             <a:endParaRPr lang="en-US" dirty="0"/>
           </a:p>
@@ -6207,7 +7143,7 @@
               <a:pPr>
                 <a:defRPr/>
               </a:pPr>
-              <a:t>Thursday, October 4, 2018</a:t>
+              <a:t>Wednesday, April 8, 2020</a:t>
             </a:fld>
             <a:endParaRPr lang="en-US"/>
           </a:p>
@@ -6474,7 +7410,7 @@
               <a:pPr>
                 <a:defRPr/>
               </a:pPr>
-              <a:t>Thursday, October 4, 2018</a:t>
+              <a:t>Wednesday, April 8, 2020</a:t>
             </a:fld>
             <a:endParaRPr lang="en-US"/>
           </a:p>
@@ -6700,7 +7636,7 @@
               <a:pPr>
                 <a:defRPr/>
               </a:pPr>
-              <a:t>Thursday, October 4, 2018</a:t>
+              <a:t>Wednesday, April 8, 2020</a:t>
             </a:fld>
             <a:endParaRPr lang="en-US" dirty="0"/>
           </a:p>
@@ -7242,8 +8178,13 @@
           <a:p>
             <a:r>
               <a:rPr lang="en-US" dirty="0"/>
-              <a:t>Valid interface</a:t>
-            </a:r>
+              <a:t>Open </a:t>
+            </a:r>
+            <a:r>
+              <a:rPr lang="en-US" dirty="0" err="1"/>
+              <a:t>simpleExample</a:t>
+            </a:r>
+            <a:endParaRPr lang="en-US" dirty="0"/>
           </a:p>
         </p:txBody>
       </p:sp>
@@ -7259,77 +8200,76 @@
         </p:nvSpPr>
         <p:spPr/>
         <p:txBody>
-          <a:bodyPr>
-            <a:normAutofit/>
-          </a:bodyPr>
+          <a:bodyPr/>
           <a:lstStyle/>
           <a:p>
-            <a:pPr marL="0" indent="0">
-              <a:buNone/>
-            </a:pPr>
-            <a:r>
-              <a:rPr lang="en-US" dirty="0"/>
-              <a:t>public interface Pet{</a:t>
-            </a:r>
-          </a:p>
-          <a:p>
-            <a:pPr marL="0" indent="0">
-              <a:buNone/>
-            </a:pPr>
-            <a:r>
-              <a:rPr lang="en-US" dirty="0"/>
-              <a:t>    public void speak();</a:t>
-            </a:r>
-          </a:p>
-          <a:p>
-            <a:pPr marL="0" indent="0">
-              <a:buNone/>
-            </a:pPr>
-            <a:r>
-              <a:rPr lang="en-US" dirty="0"/>
-              <a:t>}</a:t>
-            </a:r>
-          </a:p>
-        </p:txBody>
-      </p:sp>
-      <p:sp>
-        <p:nvSpPr>
-          <p:cNvPr id="5" name="TextBox 4"/>
-          <p:cNvSpPr txBox="1"/>
+            <a:r>
+              <a:rPr lang="en-US" dirty="0" smtClean="0"/>
+              <a:t>UML of current code</a:t>
+            </a:r>
+          </a:p>
+          <a:p>
+            <a:pPr lvl="1"/>
+            <a:r>
+              <a:rPr lang="en-US" dirty="0" smtClean="0"/>
+              <a:t>Three classes with different weight measurements</a:t>
+            </a:r>
+            <a:endParaRPr lang="en-US" dirty="0"/>
+          </a:p>
+        </p:txBody>
+      </p:sp>
+      <p:pic>
+        <p:nvPicPr>
+          <p:cNvPr id="4" name="Picture 2">
+            <a:hlinkClick r:id="rId3"/>
+            <a:extLst>
+              <a:ext uri="{FF2B5EF4-FFF2-40B4-BE49-F238E27FC236}">
+                <a16:creationId xmlns:a16="http://schemas.microsoft.com/office/drawing/2014/main" id="{23427915-1026-C24B-BF6B-08EB25CE1F3B}"/>
+              </a:ext>
+            </a:extLst>
+          </p:cNvPr>
+          <p:cNvPicPr>
+            <a:picLocks noChangeAspect="1" noChangeArrowheads="1"/>
+          </p:cNvPicPr>
           <p:nvPr/>
-        </p:nvSpPr>
-        <p:spPr>
+        </p:nvPicPr>
+        <p:blipFill>
+          <a:blip r:embed="rId4">
+            <a:extLst>
+              <a:ext uri="{28A0092B-C50C-407E-A947-70E740481C1C}">
+                <a14:useLocalDpi xmlns:a14="http://schemas.microsoft.com/office/drawing/2010/main" val="0"/>
+              </a:ext>
+            </a:extLst>
+          </a:blip>
+          <a:srcRect/>
+          <a:stretch>
+            <a:fillRect/>
+          </a:stretch>
+        </p:blipFill>
+        <p:spPr bwMode="auto">
           <a:xfrm>
-            <a:off x="2409388" y="4419600"/>
-            <a:ext cx="4325223" cy="523220"/>
+            <a:off x="285750" y="4038600"/>
+            <a:ext cx="8572500" cy="1689100"/>
           </a:xfrm>
           <a:prstGeom prst="rect">
             <a:avLst/>
           </a:prstGeom>
           <a:noFill/>
-          <a:ln>
-            <a:solidFill>
-              <a:schemeClr val="tx1"/>
-            </a:solidFill>
-          </a:ln>
+          <a:extLst>
+            <a:ext uri="{909E8E84-426E-40DD-AFC4-6F175D3DCCD1}">
+              <a14:hiddenFill xmlns:a14="http://schemas.microsoft.com/office/drawing/2010/main">
+                <a:solidFill>
+                  <a:srgbClr val="FFFFFF"/>
+                </a:solidFill>
+              </a14:hiddenFill>
+            </a:ext>
+          </a:extLst>
         </p:spPr>
-        <p:txBody>
-          <a:bodyPr wrap="none" rtlCol="0">
-            <a:spAutoFit/>
-          </a:bodyPr>
-          <a:lstStyle/>
-          <a:p>
-            <a:r>
-              <a:rPr lang="en-US" sz="2800" dirty="0"/>
-              <a:t>What happened to name?</a:t>
-            </a:r>
-          </a:p>
-        </p:txBody>
-      </p:sp>
+      </p:pic>
     </p:spTree>
     <p:extLst>
       <p:ext uri="{BB962C8B-B14F-4D97-AF65-F5344CB8AC3E}">
-        <p14:creationId xmlns:p14="http://schemas.microsoft.com/office/powerpoint/2010/main" val="3164122196"/>
+        <p14:creationId xmlns:p14="http://schemas.microsoft.com/office/powerpoint/2010/main" val="2982069004"/>
       </p:ext>
     </p:extLst>
   </p:cSld>
@@ -7358,7 +8298,7 @@
       </p:grpSpPr>
       <p:sp>
         <p:nvSpPr>
-          <p:cNvPr id="2" name="Title 1"/>
+          <p:cNvPr id="4" name="Title 3"/>
           <p:cNvSpPr>
             <a:spLocks noGrp="1"/>
           </p:cNvSpPr>
@@ -7371,133 +8311,204 @@
           <a:bodyPr/>
           <a:lstStyle/>
           <a:p>
-            <a:r>
-              <a:rPr lang="en-US" dirty="0"/>
-              <a:t>A valid Pet with a name</a:t>
-            </a:r>
-          </a:p>
-        </p:txBody>
-      </p:sp>
-      <p:sp>
-        <p:nvSpPr>
-          <p:cNvPr id="3" name="Content Placeholder 2"/>
-          <p:cNvSpPr>
-            <a:spLocks noGrp="1"/>
-          </p:cNvSpPr>
-          <p:nvPr>
-            <p:ph idx="1"/>
-          </p:nvPr>
-        </p:nvSpPr>
+            <a:pPr>
+              <a:defRPr/>
+            </a:pPr>
+            <a:r>
+              <a:rPr lang="en-US" dirty="0"/>
+              <a:t>Notation: In UML</a:t>
+            </a:r>
+          </a:p>
+        </p:txBody>
+      </p:sp>
+      <p:pic>
+        <p:nvPicPr>
+          <p:cNvPr id="2" name="Picture 1"/>
+          <p:cNvPicPr>
+            <a:picLocks noChangeAspect="1"/>
+          </p:cNvPicPr>
+          <p:nvPr/>
+        </p:nvPicPr>
+        <p:blipFill>
+          <a:blip r:embed="rId3"/>
+          <a:stretch>
+            <a:fillRect/>
+          </a:stretch>
+        </p:blipFill>
         <p:spPr>
           <a:xfrm>
-            <a:off x="457200" y="1600200"/>
-            <a:ext cx="8229600" cy="4953000"/>
+            <a:off x="457200" y="1676400"/>
+            <a:ext cx="3505200" cy="3505200"/>
           </a:xfrm>
+          <a:prstGeom prst="rect">
+            <a:avLst/>
+          </a:prstGeom>
         </p:spPr>
-        <p:txBody>
-          <a:bodyPr>
-            <a:normAutofit fontScale="85000" lnSpcReduction="20000"/>
+      </p:pic>
+      <p:sp>
+        <p:nvSpPr>
+          <p:cNvPr id="3" name="TextBox 2"/>
+          <p:cNvSpPr txBox="1"/>
+          <p:nvPr/>
+        </p:nvSpPr>
+        <p:spPr>
+          <a:xfrm>
+            <a:off x="3654997" y="2197893"/>
+            <a:ext cx="5260403" cy="2123658"/>
+          </a:xfrm>
+          <a:prstGeom prst="rect">
+            <a:avLst/>
+          </a:prstGeom>
+          <a:noFill/>
+        </p:spPr>
+        <p:txBody>
+          <a:bodyPr wrap="square" rtlCol="0">
+            <a:spAutoFit/>
           </a:bodyPr>
           <a:lstStyle/>
           <a:p>
-            <a:pPr marL="0" indent="0">
-              <a:buNone/>
-            </a:pPr>
-            <a:r>
-              <a:rPr lang="en-US" dirty="0"/>
-              <a:t>public class Cat implements Pet {</a:t>
-            </a:r>
-          </a:p>
-          <a:p>
-            <a:pPr marL="0" indent="0">
-              <a:buNone/>
-            </a:pPr>
-            <a:r>
-              <a:rPr lang="en-US" dirty="0"/>
-              <a:t>    private String name;</a:t>
-            </a:r>
-          </a:p>
-          <a:p>
-            <a:pPr marL="0" indent="0">
-              <a:buNone/>
-            </a:pPr>
-            <a:endParaRPr lang="en-US" dirty="0"/>
-          </a:p>
-          <a:p>
-            <a:pPr marL="0" indent="0">
-              <a:buNone/>
-            </a:pPr>
-            <a:r>
-              <a:rPr lang="en-US" dirty="0"/>
-              <a:t>    public Cat(String name){</a:t>
-            </a:r>
-          </a:p>
-          <a:p>
-            <a:pPr marL="0" indent="0">
-              <a:buNone/>
-            </a:pPr>
-            <a:r>
-              <a:rPr lang="en-US" dirty="0"/>
-              <a:t>        this.name = name;</a:t>
-            </a:r>
-          </a:p>
-          <a:p>
-            <a:pPr marL="0" indent="0">
-              <a:buNone/>
-            </a:pPr>
-            <a:r>
-              <a:rPr lang="en-US" dirty="0"/>
-              <a:t>    }</a:t>
-            </a:r>
-          </a:p>
-          <a:p>
-            <a:pPr marL="0" indent="0">
-              <a:buNone/>
-            </a:pPr>
-            <a:endParaRPr lang="en-US" dirty="0"/>
-          </a:p>
-          <a:p>
-            <a:pPr marL="0" indent="0">
-              <a:buNone/>
-            </a:pPr>
-            <a:r>
-              <a:rPr lang="en-US" dirty="0"/>
-              <a:t>    public void speak(){</a:t>
-            </a:r>
-          </a:p>
-          <a:p>
-            <a:pPr marL="0" indent="0">
-              <a:buNone/>
-            </a:pPr>
-            <a:r>
-              <a:rPr lang="en-US" dirty="0"/>
-              <a:t>        </a:t>
-            </a:r>
-            <a:r>
-              <a:rPr lang="en-US" dirty="0" err="1"/>
-              <a:t>System.out.println</a:t>
-            </a:r>
-            <a:r>
-              <a:rPr lang="en-US" dirty="0"/>
-              <a:t>(name);</a:t>
-            </a:r>
-          </a:p>
-          <a:p>
-            <a:pPr marL="0" indent="0">
-              <a:buNone/>
-            </a:pPr>
-            <a:r>
-              <a:rPr lang="en-US" dirty="0"/>
-              <a:t>    }</a:t>
-            </a:r>
-          </a:p>
-          <a:p>
-            <a:pPr marL="0" indent="0">
-              <a:buNone/>
-            </a:pPr>
-            <a:r>
-              <a:rPr lang="en-US" dirty="0"/>
-              <a:t>}</a:t>
+            <a:pPr marL="285750" indent="-285750">
+              <a:buFont typeface="Arial" panose="020B0604020202020204" pitchFamily="34" charset="0"/>
+              <a:buChar char="•"/>
+            </a:pPr>
+            <a:r>
+              <a:rPr lang="en-US" sz="2200" dirty="0"/>
+              <a:t>Closed triangle with a dashed line in UML is an “is-a” relationship</a:t>
+            </a:r>
+          </a:p>
+          <a:p>
+            <a:pPr marL="285750" indent="-285750">
+              <a:buFont typeface="Arial" panose="020B0604020202020204" pitchFamily="34" charset="0"/>
+              <a:buChar char="•"/>
+            </a:pPr>
+            <a:endParaRPr lang="en-US" sz="2200" dirty="0"/>
+          </a:p>
+          <a:p>
+            <a:pPr marL="285750" indent="-285750">
+              <a:buFont typeface="Arial" panose="020B0604020202020204" pitchFamily="34" charset="0"/>
+              <a:buChar char="•"/>
+            </a:pPr>
+            <a:r>
+              <a:rPr lang="en-US" sz="2200" dirty="0"/>
+              <a:t>Read this as: </a:t>
+            </a:r>
+          </a:p>
+          <a:p>
+            <a:endParaRPr lang="en-US" sz="2200" dirty="0"/>
+          </a:p>
+          <a:p>
+            <a:pPr lvl="1"/>
+            <a:r>
+              <a:rPr lang="en-US" sz="2200" dirty="0" err="1"/>
+              <a:t>InterImpl</a:t>
+            </a:r>
+            <a:r>
+              <a:rPr lang="en-US" sz="2200" dirty="0"/>
+              <a:t> is-an </a:t>
+            </a:r>
+            <a:r>
+              <a:rPr lang="en-US" sz="2200" dirty="0" err="1"/>
+              <a:t>InterfaceName</a:t>
+            </a:r>
+            <a:endParaRPr lang="en-US" sz="2200" dirty="0"/>
+          </a:p>
+        </p:txBody>
+      </p:sp>
+      <p:sp>
+        <p:nvSpPr>
+          <p:cNvPr id="13" name="TextBox 12"/>
+          <p:cNvSpPr txBox="1"/>
+          <p:nvPr/>
+        </p:nvSpPr>
+        <p:spPr>
+          <a:xfrm>
+            <a:off x="8382224" y="6324600"/>
+            <a:ext cx="457176" cy="369332"/>
+          </a:xfrm>
+          <a:prstGeom prst="rect">
+            <a:avLst/>
+          </a:prstGeom>
+        </p:spPr>
+        <p:style>
+          <a:lnRef idx="2">
+            <a:schemeClr val="accent3">
+              <a:shade val="50000"/>
+            </a:schemeClr>
+          </a:lnRef>
+          <a:fillRef idx="1">
+            <a:schemeClr val="accent3"/>
+          </a:fillRef>
+          <a:effectRef idx="0">
+            <a:schemeClr val="accent3"/>
+          </a:effectRef>
+          <a:fontRef idx="minor">
+            <a:schemeClr val="lt1"/>
+          </a:fontRef>
+        </p:style>
+        <p:txBody>
+          <a:bodyPr wrap="none" rtlCol="0">
+            <a:spAutoFit/>
+          </a:bodyPr>
+          <a:lstStyle/>
+          <a:p>
+            <a:r>
+              <a:rPr lang="en-US" dirty="0"/>
+              <a:t>Q3</a:t>
+            </a:r>
+          </a:p>
+        </p:txBody>
+      </p:sp>
+      <p:sp>
+        <p:nvSpPr>
+          <p:cNvPr id="6" name="TextBox 5"/>
+          <p:cNvSpPr txBox="1"/>
+          <p:nvPr/>
+        </p:nvSpPr>
+        <p:spPr>
+          <a:xfrm>
+            <a:off x="4147457" y="4819638"/>
+            <a:ext cx="4234767" cy="1200329"/>
+          </a:xfrm>
+          <a:prstGeom prst="rect">
+            <a:avLst/>
+          </a:prstGeom>
+          <a:noFill/>
+          <a:ln>
+            <a:solidFill>
+              <a:schemeClr val="tx1"/>
+            </a:solidFill>
+          </a:ln>
+        </p:spPr>
+        <p:txBody>
+          <a:bodyPr wrap="square" rtlCol="0">
+            <a:spAutoFit/>
+          </a:bodyPr>
+          <a:lstStyle/>
+          <a:p>
+            <a:r>
+              <a:rPr lang="en-US" sz="2400" dirty="0" err="1" smtClean="0">
+                <a:latin typeface="Consolas" panose="020B0609020204030204" pitchFamily="49" charset="0"/>
+              </a:rPr>
+              <a:t>PlantUML</a:t>
+            </a:r>
+            <a:r>
+              <a:rPr lang="en-US" sz="2400" dirty="0" smtClean="0">
+                <a:latin typeface="Consolas" panose="020B0609020204030204" pitchFamily="49" charset="0"/>
+              </a:rPr>
+              <a:t>:</a:t>
+            </a:r>
+          </a:p>
+          <a:p>
+            <a:endParaRPr lang="en-US" sz="2400" dirty="0">
+              <a:latin typeface="Consolas" panose="020B0609020204030204" pitchFamily="49" charset="0"/>
+            </a:endParaRPr>
+          </a:p>
+          <a:p>
+            <a:r>
+              <a:rPr lang="en-US" sz="2400" dirty="0" smtClean="0">
+                <a:latin typeface="Consolas" panose="020B0609020204030204" pitchFamily="49" charset="0"/>
+              </a:rPr>
+              <a:t>Class .-|&gt; Interface</a:t>
             </a:r>
           </a:p>
         </p:txBody>
@@ -7505,7 +8516,7 @@
     </p:spTree>
     <p:extLst>
       <p:ext uri="{BB962C8B-B14F-4D97-AF65-F5344CB8AC3E}">
-        <p14:creationId xmlns:p14="http://schemas.microsoft.com/office/powerpoint/2010/main" val="2602401805"/>
+        <p14:creationId xmlns:p14="http://schemas.microsoft.com/office/powerpoint/2010/main" val="3413414331"/>
       </p:ext>
     </p:extLst>
   </p:cSld>
@@ -7532,6 +8543,1069 @@
           <a:chExt cx="0" cy="0"/>
         </a:xfrm>
       </p:grpSpPr>
+      <p:pic>
+        <p:nvPicPr>
+          <p:cNvPr id="1026" name="Picture 2">
+            <a:hlinkClick r:id="rId3"/>
+            <a:extLst>
+              <a:ext uri="{FF2B5EF4-FFF2-40B4-BE49-F238E27FC236}">
+                <a16:creationId xmlns:a16="http://schemas.microsoft.com/office/drawing/2014/main" id="{23427915-1026-C24B-BF6B-08EB25CE1F3B}"/>
+              </a:ext>
+            </a:extLst>
+          </p:cNvPr>
+          <p:cNvPicPr>
+            <a:picLocks noChangeAspect="1" noChangeArrowheads="1"/>
+          </p:cNvPicPr>
+          <p:nvPr/>
+        </p:nvPicPr>
+        <p:blipFill>
+          <a:blip r:embed="rId4">
+            <a:extLst>
+              <a:ext uri="{28A0092B-C50C-407E-A947-70E740481C1C}">
+                <a14:useLocalDpi xmlns:a14="http://schemas.microsoft.com/office/drawing/2010/main" val="0"/>
+              </a:ext>
+            </a:extLst>
+          </a:blip>
+          <a:srcRect/>
+          <a:stretch>
+            <a:fillRect/>
+          </a:stretch>
+        </p:blipFill>
+        <p:spPr bwMode="auto">
+          <a:xfrm>
+            <a:off x="424543" y="1054100"/>
+            <a:ext cx="8572500" cy="1689100"/>
+          </a:xfrm>
+          <a:prstGeom prst="rect">
+            <a:avLst/>
+          </a:prstGeom>
+          <a:noFill/>
+          <a:extLst>
+            <a:ext uri="{909E8E84-426E-40DD-AFC4-6F175D3DCCD1}">
+              <a14:hiddenFill xmlns:a14="http://schemas.microsoft.com/office/drawing/2010/main">
+                <a:solidFill>
+                  <a:srgbClr val="FFFFFF"/>
+                </a:solidFill>
+              </a14:hiddenFill>
+            </a:ext>
+          </a:extLst>
+        </p:spPr>
+      </p:pic>
+      <p:sp>
+        <p:nvSpPr>
+          <p:cNvPr id="2" name="Title 1"/>
+          <p:cNvSpPr>
+            <a:spLocks noGrp="1"/>
+          </p:cNvSpPr>
+          <p:nvPr>
+            <p:ph type="title"/>
+          </p:nvPr>
+        </p:nvSpPr>
+        <p:spPr>
+          <a:xfrm>
+            <a:off x="595993" y="-166914"/>
+            <a:ext cx="8229600" cy="1143000"/>
+          </a:xfrm>
+        </p:spPr>
+        <p:txBody>
+          <a:bodyPr>
+            <a:normAutofit/>
+          </a:bodyPr>
+          <a:lstStyle/>
+          <a:p>
+            <a:r>
+              <a:rPr lang="en-US" i="1" dirty="0"/>
+              <a:t>Code Refactoring</a:t>
+            </a:r>
+          </a:p>
+        </p:txBody>
+      </p:sp>
+      <p:pic>
+        <p:nvPicPr>
+          <p:cNvPr id="1028" name="Picture 4">
+            <a:hlinkClick r:id="rId5"/>
+            <a:extLst>
+              <a:ext uri="{FF2B5EF4-FFF2-40B4-BE49-F238E27FC236}">
+                <a16:creationId xmlns:a16="http://schemas.microsoft.com/office/drawing/2014/main" id="{209FE87E-4429-CC45-ADF9-F1C95374B892}"/>
+              </a:ext>
+            </a:extLst>
+          </p:cNvPr>
+          <p:cNvPicPr>
+            <a:picLocks noChangeAspect="1" noChangeArrowheads="1"/>
+          </p:cNvPicPr>
+          <p:nvPr/>
+        </p:nvPicPr>
+        <p:blipFill>
+          <a:blip r:embed="rId6">
+            <a:extLst>
+              <a:ext uri="{28A0092B-C50C-407E-A947-70E740481C1C}">
+                <a14:useLocalDpi xmlns:a14="http://schemas.microsoft.com/office/drawing/2010/main" val="0"/>
+              </a:ext>
+            </a:extLst>
+          </a:blip>
+          <a:srcRect/>
+          <a:stretch>
+            <a:fillRect/>
+          </a:stretch>
+        </p:blipFill>
+        <p:spPr bwMode="auto">
+          <a:xfrm>
+            <a:off x="3146293" y="2965224"/>
+            <a:ext cx="5997707" cy="3856491"/>
+          </a:xfrm>
+          <a:prstGeom prst="rect">
+            <a:avLst/>
+          </a:prstGeom>
+          <a:noFill/>
+          <a:extLst>
+            <a:ext uri="{909E8E84-426E-40DD-AFC4-6F175D3DCCD1}">
+              <a14:hiddenFill xmlns:a14="http://schemas.microsoft.com/office/drawing/2010/main">
+                <a:solidFill>
+                  <a:srgbClr val="FFFFFF"/>
+                </a:solidFill>
+              </a14:hiddenFill>
+            </a:ext>
+          </a:extLst>
+        </p:spPr>
+      </p:pic>
+      <p:sp>
+        <p:nvSpPr>
+          <p:cNvPr id="3" name="Content Placeholder 2"/>
+          <p:cNvSpPr>
+            <a:spLocks noGrp="1"/>
+          </p:cNvSpPr>
+          <p:nvPr>
+            <p:ph idx="1"/>
+          </p:nvPr>
+        </p:nvSpPr>
+        <p:spPr>
+          <a:xfrm>
+            <a:off x="457200" y="762000"/>
+            <a:ext cx="8229600" cy="4708525"/>
+          </a:xfrm>
+        </p:spPr>
+        <p:txBody>
+          <a:bodyPr>
+            <a:normAutofit/>
+          </a:bodyPr>
+          <a:lstStyle/>
+          <a:p>
+            <a:pPr marL="57150" indent="0">
+              <a:buNone/>
+            </a:pPr>
+            <a:r>
+              <a:rPr lang="en-US" dirty="0"/>
+              <a:t>Before refactoring:</a:t>
+            </a:r>
+          </a:p>
+          <a:p>
+            <a:pPr marL="57150" indent="0">
+              <a:buNone/>
+            </a:pPr>
+            <a:endParaRPr lang="en-US" dirty="0"/>
+          </a:p>
+          <a:p>
+            <a:pPr marL="57150" indent="0">
+              <a:buNone/>
+            </a:pPr>
+            <a:endParaRPr lang="en-US" dirty="0"/>
+          </a:p>
+          <a:p>
+            <a:pPr marL="57150" indent="0">
+              <a:buNone/>
+            </a:pPr>
+            <a:endParaRPr lang="en-US" dirty="0"/>
+          </a:p>
+          <a:p>
+            <a:pPr marL="57150" indent="0">
+              <a:buNone/>
+            </a:pPr>
+            <a:r>
+              <a:rPr lang="en-US" dirty="0"/>
+              <a:t>After refactoring:</a:t>
+            </a:r>
+          </a:p>
+          <a:p>
+            <a:pPr marL="57150" indent="0">
+              <a:buNone/>
+            </a:pPr>
+            <a:endParaRPr lang="en-US" dirty="0"/>
+          </a:p>
+        </p:txBody>
+      </p:sp>
+      <p:sp>
+        <p:nvSpPr>
+          <p:cNvPr id="4" name="TextBox 3"/>
+          <p:cNvSpPr txBox="1"/>
+          <p:nvPr/>
+        </p:nvSpPr>
+        <p:spPr>
+          <a:xfrm>
+            <a:off x="146957" y="5181600"/>
+            <a:ext cx="3156857" cy="1477328"/>
+          </a:xfrm>
+          <a:prstGeom prst="rect">
+            <a:avLst/>
+          </a:prstGeom>
+          <a:noFill/>
+          <a:ln>
+            <a:solidFill>
+              <a:schemeClr val="tx1"/>
+            </a:solidFill>
+          </a:ln>
+        </p:spPr>
+        <p:txBody>
+          <a:bodyPr wrap="square" rtlCol="0">
+            <a:spAutoFit/>
+          </a:bodyPr>
+          <a:lstStyle/>
+          <a:p>
+            <a:r>
+              <a:rPr lang="en-US" dirty="0" err="1" smtClean="0">
+                <a:latin typeface="Consolas" panose="020B0609020204030204" pitchFamily="49" charset="0"/>
+              </a:rPr>
+              <a:t>PlantUML</a:t>
+            </a:r>
+            <a:r>
+              <a:rPr lang="en-US" dirty="0" smtClean="0">
+                <a:latin typeface="Consolas" panose="020B0609020204030204" pitchFamily="49" charset="0"/>
+              </a:rPr>
+              <a:t>:</a:t>
+            </a:r>
+          </a:p>
+          <a:p>
+            <a:endParaRPr lang="en-US" dirty="0">
+              <a:latin typeface="Consolas" panose="020B0609020204030204" pitchFamily="49" charset="0"/>
+            </a:endParaRPr>
+          </a:p>
+          <a:p>
+            <a:r>
+              <a:rPr lang="en-US" dirty="0" smtClean="0">
+                <a:latin typeface="Consolas" panose="020B0609020204030204" pitchFamily="49" charset="0"/>
+              </a:rPr>
+              <a:t>Ball .-|&gt; Weighable</a:t>
+            </a:r>
+          </a:p>
+          <a:p>
+            <a:r>
+              <a:rPr lang="en-US" dirty="0" smtClean="0">
+                <a:latin typeface="Consolas" panose="020B0609020204030204" pitchFamily="49" charset="0"/>
+              </a:rPr>
+              <a:t>Cube </a:t>
+            </a:r>
+            <a:r>
+              <a:rPr lang="en-US" dirty="0">
+                <a:latin typeface="Consolas" panose="020B0609020204030204" pitchFamily="49" charset="0"/>
+              </a:rPr>
+              <a:t>.-|&gt; Weighable</a:t>
+            </a:r>
+          </a:p>
+          <a:p>
+            <a:r>
+              <a:rPr lang="en-US" dirty="0" smtClean="0">
+                <a:latin typeface="Consolas" panose="020B0609020204030204" pitchFamily="49" charset="0"/>
+              </a:rPr>
+              <a:t>Cylinder </a:t>
+            </a:r>
+            <a:r>
+              <a:rPr lang="en-US" dirty="0">
+                <a:latin typeface="Consolas" panose="020B0609020204030204" pitchFamily="49" charset="0"/>
+              </a:rPr>
+              <a:t>.-|&gt; </a:t>
+            </a:r>
+            <a:r>
+              <a:rPr lang="en-US" dirty="0" smtClean="0">
+                <a:latin typeface="Consolas" panose="020B0609020204030204" pitchFamily="49" charset="0"/>
+              </a:rPr>
+              <a:t>Weighable</a:t>
+            </a:r>
+            <a:endParaRPr lang="en-US" dirty="0">
+              <a:latin typeface="Consolas" panose="020B0609020204030204" pitchFamily="49" charset="0"/>
+            </a:endParaRPr>
+          </a:p>
+        </p:txBody>
+      </p:sp>
+    </p:spTree>
+    <p:extLst>
+      <p:ext uri="{BB962C8B-B14F-4D97-AF65-F5344CB8AC3E}">
+        <p14:creationId xmlns:p14="http://schemas.microsoft.com/office/powerpoint/2010/main" val="412646943"/>
+      </p:ext>
+    </p:extLst>
+  </p:cSld>
+  <p:clrMapOvr>
+    <a:masterClrMapping/>
+  </p:clrMapOvr>
+</p:sld>
+</file>
+
+<file path=ppt/slides/slide13.xml><?xml version="1.0" encoding="utf-8"?>
+<p:sld xmlns:a="http://schemas.openxmlformats.org/drawingml/2006/main" xmlns:r="http://schemas.openxmlformats.org/officeDocument/2006/relationships" xmlns:p="http://schemas.openxmlformats.org/presentationml/2006/main">
+  <p:cSld>
+    <p:spTree>
+      <p:nvGrpSpPr>
+        <p:cNvPr id="1" name=""/>
+        <p:cNvGrpSpPr/>
+        <p:nvPr/>
+      </p:nvGrpSpPr>
+      <p:grpSpPr>
+        <a:xfrm>
+          <a:off x="0" y="0"/>
+          <a:ext cx="0" cy="0"/>
+          <a:chOff x="0" y="0"/>
+          <a:chExt cx="0" cy="0"/>
+        </a:xfrm>
+      </p:grpSpPr>
+      <p:sp>
+        <p:nvSpPr>
+          <p:cNvPr id="2" name="Title 1"/>
+          <p:cNvSpPr>
+            <a:spLocks noGrp="1"/>
+          </p:cNvSpPr>
+          <p:nvPr>
+            <p:ph type="title"/>
+          </p:nvPr>
+        </p:nvSpPr>
+        <p:spPr>
+          <a:xfrm>
+            <a:off x="431800" y="-152400"/>
+            <a:ext cx="8229600" cy="1143000"/>
+          </a:xfrm>
+        </p:spPr>
+        <p:txBody>
+          <a:bodyPr>
+            <a:normAutofit fontScale="90000"/>
+          </a:bodyPr>
+          <a:lstStyle/>
+          <a:p>
+            <a:pPr algn="l"/>
+            <a:r>
+              <a:rPr lang="en-US" dirty="0"/>
+              <a:t>Interface Types can replace class types</a:t>
+            </a:r>
+          </a:p>
+        </p:txBody>
+      </p:sp>
+      <p:sp>
+        <p:nvSpPr>
+          <p:cNvPr id="3" name="Content Placeholder 2"/>
+          <p:cNvSpPr>
+            <a:spLocks noGrp="1"/>
+          </p:cNvSpPr>
+          <p:nvPr>
+            <p:ph idx="1"/>
+          </p:nvPr>
+        </p:nvSpPr>
+        <p:spPr>
+          <a:xfrm>
+            <a:off x="152400" y="838200"/>
+            <a:ext cx="8839200" cy="5867400"/>
+          </a:xfrm>
+        </p:spPr>
+        <p:txBody>
+          <a:bodyPr>
+            <a:normAutofit/>
+          </a:bodyPr>
+          <a:lstStyle/>
+          <a:p>
+            <a:r>
+              <a:rPr lang="en-US" sz="2800" dirty="0"/>
+              <a:t>If Dog &amp; Cat implement the Pet interface:</a:t>
+            </a:r>
+          </a:p>
+          <a:p>
+            <a:pPr marL="971550" lvl="1" indent="-514350">
+              <a:buFont typeface="+mj-lt"/>
+              <a:buAutoNum type="arabicPeriod"/>
+            </a:pPr>
+            <a:r>
+              <a:rPr lang="en-US" dirty="0"/>
+              <a:t>Variable Declaration:</a:t>
+            </a:r>
+          </a:p>
+          <a:p>
+            <a:pPr lvl="2"/>
+            <a:r>
+              <a:rPr lang="en-US" dirty="0"/>
+              <a:t>Pet d = new Dog();	Pet c = new Cat();</a:t>
+            </a:r>
+          </a:p>
+          <a:p>
+            <a:pPr marL="971550" lvl="1" indent="-514350">
+              <a:buFont typeface="+mj-lt"/>
+              <a:buAutoNum type="arabicPeriod"/>
+            </a:pPr>
+            <a:r>
+              <a:rPr lang="en-US" dirty="0"/>
+              <a:t>Parameters:</a:t>
+            </a:r>
+          </a:p>
+          <a:p>
+            <a:pPr lvl="2"/>
+            <a:r>
+              <a:rPr lang="en-US" dirty="0"/>
+              <a:t>public static void </a:t>
+            </a:r>
+            <a:r>
+              <a:rPr lang="en-US" dirty="0" err="1"/>
+              <a:t>feedPet</a:t>
+            </a:r>
+            <a:r>
+              <a:rPr lang="en-US" dirty="0"/>
+              <a:t>(Pet p) {…}</a:t>
+            </a:r>
+            <a:br>
+              <a:rPr lang="en-US" dirty="0"/>
+            </a:br>
+            <a:r>
+              <a:rPr lang="en-US" dirty="0"/>
+              <a:t>Can call with any object of type Pet:</a:t>
+            </a:r>
+          </a:p>
+          <a:p>
+            <a:pPr lvl="2"/>
+            <a:r>
+              <a:rPr lang="en-US" dirty="0" err="1"/>
+              <a:t>feedPet</a:t>
+            </a:r>
+            <a:r>
+              <a:rPr lang="en-US" dirty="0"/>
+              <a:t>(new Dog());       </a:t>
+            </a:r>
+            <a:r>
+              <a:rPr lang="en-US" dirty="0" err="1"/>
+              <a:t>feedPet</a:t>
+            </a:r>
+            <a:r>
+              <a:rPr lang="en-US" dirty="0"/>
+              <a:t>(c); // from above</a:t>
+            </a:r>
+          </a:p>
+          <a:p>
+            <a:pPr marL="971550" lvl="1" indent="-514350">
+              <a:buFont typeface="+mj-lt"/>
+              <a:buAutoNum type="arabicPeriod" startAt="3"/>
+            </a:pPr>
+            <a:r>
+              <a:rPr lang="en-US" dirty="0"/>
+              <a:t>Fields:</a:t>
+            </a:r>
+          </a:p>
+          <a:p>
+            <a:pPr lvl="2"/>
+            <a:r>
+              <a:rPr lang="en-US" dirty="0"/>
+              <a:t>private Pet </a:t>
+            </a:r>
+            <a:r>
+              <a:rPr lang="en-US" dirty="0" err="1"/>
+              <a:t>pet</a:t>
+            </a:r>
+            <a:r>
+              <a:rPr lang="en-US" dirty="0"/>
+              <a:t>;</a:t>
+            </a:r>
+          </a:p>
+          <a:p>
+            <a:pPr marL="971550" lvl="1" indent="-514350">
+              <a:buFont typeface="+mj-lt"/>
+              <a:buAutoNum type="arabicPeriod" startAt="3"/>
+            </a:pPr>
+            <a:r>
+              <a:rPr lang="en-US" dirty="0"/>
+              <a:t>Generic Type Parameters:</a:t>
+            </a:r>
+          </a:p>
+          <a:p>
+            <a:pPr lvl="2"/>
+            <a:r>
+              <a:rPr lang="en-US" dirty="0" err="1"/>
+              <a:t>ArrayList</a:t>
+            </a:r>
+            <a:r>
+              <a:rPr lang="en-US" dirty="0"/>
+              <a:t>&lt;Pet&gt; pets = new </a:t>
+            </a:r>
+            <a:r>
+              <a:rPr lang="en-US" dirty="0" err="1"/>
+              <a:t>ArrayList</a:t>
+            </a:r>
+            <a:r>
+              <a:rPr lang="en-US" dirty="0"/>
+              <a:t>&lt;Pet&gt;();</a:t>
+            </a:r>
+          </a:p>
+          <a:p>
+            <a:pPr lvl="2"/>
+            <a:r>
+              <a:rPr lang="en-US" dirty="0" err="1"/>
+              <a:t>pets.add</a:t>
+            </a:r>
+            <a:r>
+              <a:rPr lang="en-US" dirty="0"/>
+              <a:t>(new Dog());    </a:t>
+            </a:r>
+            <a:r>
+              <a:rPr lang="en-US" dirty="0" err="1"/>
+              <a:t>pets.add</a:t>
+            </a:r>
+            <a:r>
+              <a:rPr lang="en-US" dirty="0"/>
+              <a:t>(new Cat());</a:t>
+            </a:r>
+          </a:p>
+          <a:p>
+            <a:pPr lvl="1"/>
+            <a:endParaRPr lang="en-US" dirty="0"/>
+          </a:p>
+        </p:txBody>
+      </p:sp>
+    </p:spTree>
+    <p:extLst>
+      <p:ext uri="{BB962C8B-B14F-4D97-AF65-F5344CB8AC3E}">
+        <p14:creationId xmlns:p14="http://schemas.microsoft.com/office/powerpoint/2010/main" val="2010889198"/>
+      </p:ext>
+    </p:extLst>
+  </p:cSld>
+  <p:clrMapOvr>
+    <a:masterClrMapping/>
+  </p:clrMapOvr>
+</p:sld>
+</file>
+
+<file path=ppt/slides/slide14.xml><?xml version="1.0" encoding="utf-8"?>
+<p:sld xmlns:a="http://schemas.openxmlformats.org/drawingml/2006/main" xmlns:r="http://schemas.openxmlformats.org/officeDocument/2006/relationships" xmlns:p="http://schemas.openxmlformats.org/presentationml/2006/main">
+  <p:cSld>
+    <p:spTree>
+      <p:nvGrpSpPr>
+        <p:cNvPr id="1" name=""/>
+        <p:cNvGrpSpPr/>
+        <p:nvPr/>
+      </p:nvGrpSpPr>
+      <p:grpSpPr>
+        <a:xfrm>
+          <a:off x="0" y="0"/>
+          <a:ext cx="0" cy="0"/>
+          <a:chOff x="0" y="0"/>
+          <a:chExt cx="0" cy="0"/>
+        </a:xfrm>
+      </p:grpSpPr>
+      <p:sp>
+        <p:nvSpPr>
+          <p:cNvPr id="2" name="Title 1"/>
+          <p:cNvSpPr>
+            <a:spLocks noGrp="1"/>
+          </p:cNvSpPr>
+          <p:nvPr>
+            <p:ph type="title"/>
+          </p:nvPr>
+        </p:nvSpPr>
+        <p:spPr/>
+        <p:txBody>
+          <a:bodyPr/>
+          <a:lstStyle/>
+          <a:p>
+            <a:r>
+              <a:rPr lang="en-US" dirty="0"/>
+              <a:t>Check your understanding…</a:t>
+            </a:r>
+          </a:p>
+        </p:txBody>
+      </p:sp>
+      <p:sp>
+        <p:nvSpPr>
+          <p:cNvPr id="3" name="Content Placeholder 2"/>
+          <p:cNvSpPr>
+            <a:spLocks noGrp="1"/>
+          </p:cNvSpPr>
+          <p:nvPr>
+            <p:ph idx="1"/>
+          </p:nvPr>
+        </p:nvSpPr>
+        <p:spPr>
+          <a:xfrm>
+            <a:off x="457200" y="1600200"/>
+            <a:ext cx="8229600" cy="4953000"/>
+          </a:xfrm>
+        </p:spPr>
+        <p:txBody>
+          <a:bodyPr>
+            <a:normAutofit fontScale="85000" lnSpcReduction="20000"/>
+          </a:bodyPr>
+          <a:lstStyle/>
+          <a:p>
+            <a:pPr marL="0" indent="0">
+              <a:buNone/>
+            </a:pPr>
+            <a:r>
+              <a:rPr lang="en-US" dirty="0"/>
+              <a:t>public interface Pet{</a:t>
+            </a:r>
+          </a:p>
+          <a:p>
+            <a:pPr marL="0" indent="0">
+              <a:buNone/>
+            </a:pPr>
+            <a:r>
+              <a:rPr lang="en-US" dirty="0"/>
+              <a:t>    private String name;</a:t>
+            </a:r>
+          </a:p>
+          <a:p>
+            <a:pPr marL="0" indent="0">
+              <a:buNone/>
+            </a:pPr>
+            <a:endParaRPr lang="en-US" dirty="0"/>
+          </a:p>
+          <a:p>
+            <a:pPr marL="0" indent="0">
+              <a:buNone/>
+            </a:pPr>
+            <a:r>
+              <a:rPr lang="en-US" dirty="0"/>
+              <a:t>    public Pet(String name){</a:t>
+            </a:r>
+          </a:p>
+          <a:p>
+            <a:pPr marL="0" indent="0">
+              <a:buNone/>
+            </a:pPr>
+            <a:r>
+              <a:rPr lang="en-US" dirty="0"/>
+              <a:t>        this.name = name;</a:t>
+            </a:r>
+          </a:p>
+          <a:p>
+            <a:pPr marL="0" indent="0">
+              <a:buNone/>
+            </a:pPr>
+            <a:r>
+              <a:rPr lang="en-US" dirty="0"/>
+              <a:t>    }</a:t>
+            </a:r>
+          </a:p>
+          <a:p>
+            <a:pPr marL="0" indent="0">
+              <a:buNone/>
+            </a:pPr>
+            <a:endParaRPr lang="en-US" dirty="0"/>
+          </a:p>
+          <a:p>
+            <a:pPr marL="0" indent="0">
+              <a:buNone/>
+            </a:pPr>
+            <a:r>
+              <a:rPr lang="en-US" dirty="0"/>
+              <a:t>    public void speak(){</a:t>
+            </a:r>
+          </a:p>
+          <a:p>
+            <a:pPr marL="0" indent="0">
+              <a:buNone/>
+            </a:pPr>
+            <a:r>
+              <a:rPr lang="en-US" dirty="0"/>
+              <a:t>        </a:t>
+            </a:r>
+            <a:r>
+              <a:rPr lang="en-US" dirty="0" err="1"/>
+              <a:t>System.out.println</a:t>
+            </a:r>
+            <a:r>
+              <a:rPr lang="en-US" dirty="0"/>
+              <a:t>(name);</a:t>
+            </a:r>
+          </a:p>
+          <a:p>
+            <a:pPr marL="0" indent="0">
+              <a:buNone/>
+            </a:pPr>
+            <a:r>
+              <a:rPr lang="en-US" dirty="0"/>
+              <a:t>    }</a:t>
+            </a:r>
+          </a:p>
+          <a:p>
+            <a:pPr marL="0" indent="0">
+              <a:buNone/>
+            </a:pPr>
+            <a:r>
+              <a:rPr lang="en-US" dirty="0"/>
+              <a:t>}</a:t>
+            </a:r>
+          </a:p>
+        </p:txBody>
+      </p:sp>
+      <p:sp>
+        <p:nvSpPr>
+          <p:cNvPr id="4" name="TextBox 3"/>
+          <p:cNvSpPr txBox="1"/>
+          <p:nvPr/>
+        </p:nvSpPr>
+        <p:spPr>
+          <a:xfrm>
+            <a:off x="1362627" y="5638800"/>
+            <a:ext cx="6418745" cy="523220"/>
+          </a:xfrm>
+          <a:prstGeom prst="rect">
+            <a:avLst/>
+          </a:prstGeom>
+          <a:noFill/>
+          <a:ln>
+            <a:solidFill>
+              <a:schemeClr val="tx1"/>
+            </a:solidFill>
+          </a:ln>
+        </p:spPr>
+        <p:txBody>
+          <a:bodyPr wrap="none" rtlCol="0">
+            <a:spAutoFit/>
+          </a:bodyPr>
+          <a:lstStyle/>
+          <a:p>
+            <a:r>
+              <a:rPr lang="en-US" sz="2800" dirty="0"/>
+              <a:t>Is this interface valid? Why or why not?</a:t>
+            </a:r>
+          </a:p>
+        </p:txBody>
+      </p:sp>
+    </p:spTree>
+    <p:extLst>
+      <p:ext uri="{BB962C8B-B14F-4D97-AF65-F5344CB8AC3E}">
+        <p14:creationId xmlns:p14="http://schemas.microsoft.com/office/powerpoint/2010/main" val="1781697480"/>
+      </p:ext>
+    </p:extLst>
+  </p:cSld>
+  <p:clrMapOvr>
+    <a:masterClrMapping/>
+  </p:clrMapOvr>
+</p:sld>
+</file>
+
+<file path=ppt/slides/slide15.xml><?xml version="1.0" encoding="utf-8"?>
+<p:sld xmlns:a="http://schemas.openxmlformats.org/drawingml/2006/main" xmlns:r="http://schemas.openxmlformats.org/officeDocument/2006/relationships" xmlns:p="http://schemas.openxmlformats.org/presentationml/2006/main">
+  <p:cSld>
+    <p:spTree>
+      <p:nvGrpSpPr>
+        <p:cNvPr id="1" name=""/>
+        <p:cNvGrpSpPr/>
+        <p:nvPr/>
+      </p:nvGrpSpPr>
+      <p:grpSpPr>
+        <a:xfrm>
+          <a:off x="0" y="0"/>
+          <a:ext cx="0" cy="0"/>
+          <a:chOff x="0" y="0"/>
+          <a:chExt cx="0" cy="0"/>
+        </a:xfrm>
+      </p:grpSpPr>
+      <p:sp>
+        <p:nvSpPr>
+          <p:cNvPr id="2" name="Title 1"/>
+          <p:cNvSpPr>
+            <a:spLocks noGrp="1"/>
+          </p:cNvSpPr>
+          <p:nvPr>
+            <p:ph type="title"/>
+          </p:nvPr>
+        </p:nvSpPr>
+        <p:spPr/>
+        <p:txBody>
+          <a:bodyPr/>
+          <a:lstStyle/>
+          <a:p>
+            <a:r>
+              <a:rPr lang="en-US" dirty="0"/>
+              <a:t>Valid interface</a:t>
+            </a:r>
+          </a:p>
+        </p:txBody>
+      </p:sp>
+      <p:sp>
+        <p:nvSpPr>
+          <p:cNvPr id="3" name="Content Placeholder 2"/>
+          <p:cNvSpPr>
+            <a:spLocks noGrp="1"/>
+          </p:cNvSpPr>
+          <p:nvPr>
+            <p:ph idx="1"/>
+          </p:nvPr>
+        </p:nvSpPr>
+        <p:spPr/>
+        <p:txBody>
+          <a:bodyPr>
+            <a:normAutofit/>
+          </a:bodyPr>
+          <a:lstStyle/>
+          <a:p>
+            <a:pPr marL="0" indent="0">
+              <a:buNone/>
+            </a:pPr>
+            <a:r>
+              <a:rPr lang="en-US" dirty="0"/>
+              <a:t>public interface Pet{</a:t>
+            </a:r>
+          </a:p>
+          <a:p>
+            <a:pPr marL="0" indent="0">
+              <a:buNone/>
+            </a:pPr>
+            <a:r>
+              <a:rPr lang="en-US" dirty="0"/>
+              <a:t>    public void speak();</a:t>
+            </a:r>
+          </a:p>
+          <a:p>
+            <a:pPr marL="0" indent="0">
+              <a:buNone/>
+            </a:pPr>
+            <a:r>
+              <a:rPr lang="en-US" dirty="0"/>
+              <a:t>}</a:t>
+            </a:r>
+          </a:p>
+        </p:txBody>
+      </p:sp>
+      <p:sp>
+        <p:nvSpPr>
+          <p:cNvPr id="5" name="TextBox 4"/>
+          <p:cNvSpPr txBox="1"/>
+          <p:nvPr/>
+        </p:nvSpPr>
+        <p:spPr>
+          <a:xfrm>
+            <a:off x="2409388" y="4419600"/>
+            <a:ext cx="4325223" cy="523220"/>
+          </a:xfrm>
+          <a:prstGeom prst="rect">
+            <a:avLst/>
+          </a:prstGeom>
+          <a:noFill/>
+          <a:ln>
+            <a:solidFill>
+              <a:schemeClr val="tx1"/>
+            </a:solidFill>
+          </a:ln>
+        </p:spPr>
+        <p:txBody>
+          <a:bodyPr wrap="none" rtlCol="0">
+            <a:spAutoFit/>
+          </a:bodyPr>
+          <a:lstStyle/>
+          <a:p>
+            <a:r>
+              <a:rPr lang="en-US" sz="2800" dirty="0"/>
+              <a:t>What happened to name?</a:t>
+            </a:r>
+          </a:p>
+        </p:txBody>
+      </p:sp>
+    </p:spTree>
+    <p:extLst>
+      <p:ext uri="{BB962C8B-B14F-4D97-AF65-F5344CB8AC3E}">
+        <p14:creationId xmlns:p14="http://schemas.microsoft.com/office/powerpoint/2010/main" val="641702362"/>
+      </p:ext>
+    </p:extLst>
+  </p:cSld>
+  <p:clrMapOvr>
+    <a:masterClrMapping/>
+  </p:clrMapOvr>
+</p:sld>
+</file>
+
+<file path=ppt/slides/slide16.xml><?xml version="1.0" encoding="utf-8"?>
+<p:sld xmlns:a="http://schemas.openxmlformats.org/drawingml/2006/main" xmlns:r="http://schemas.openxmlformats.org/officeDocument/2006/relationships" xmlns:p="http://schemas.openxmlformats.org/presentationml/2006/main">
+  <p:cSld>
+    <p:spTree>
+      <p:nvGrpSpPr>
+        <p:cNvPr id="1" name=""/>
+        <p:cNvGrpSpPr/>
+        <p:nvPr/>
+      </p:nvGrpSpPr>
+      <p:grpSpPr>
+        <a:xfrm>
+          <a:off x="0" y="0"/>
+          <a:ext cx="0" cy="0"/>
+          <a:chOff x="0" y="0"/>
+          <a:chExt cx="0" cy="0"/>
+        </a:xfrm>
+      </p:grpSpPr>
+      <p:sp>
+        <p:nvSpPr>
+          <p:cNvPr id="2" name="Title 1"/>
+          <p:cNvSpPr>
+            <a:spLocks noGrp="1"/>
+          </p:cNvSpPr>
+          <p:nvPr>
+            <p:ph type="title"/>
+          </p:nvPr>
+        </p:nvSpPr>
+        <p:spPr/>
+        <p:txBody>
+          <a:bodyPr/>
+          <a:lstStyle/>
+          <a:p>
+            <a:r>
+              <a:rPr lang="en-US" dirty="0"/>
+              <a:t>A valid Pet with a name</a:t>
+            </a:r>
+          </a:p>
+        </p:txBody>
+      </p:sp>
+      <p:sp>
+        <p:nvSpPr>
+          <p:cNvPr id="3" name="Content Placeholder 2"/>
+          <p:cNvSpPr>
+            <a:spLocks noGrp="1"/>
+          </p:cNvSpPr>
+          <p:nvPr>
+            <p:ph idx="1"/>
+          </p:nvPr>
+        </p:nvSpPr>
+        <p:spPr>
+          <a:xfrm>
+            <a:off x="457200" y="1600200"/>
+            <a:ext cx="8229600" cy="4953000"/>
+          </a:xfrm>
+        </p:spPr>
+        <p:txBody>
+          <a:bodyPr>
+            <a:normAutofit fontScale="85000" lnSpcReduction="20000"/>
+          </a:bodyPr>
+          <a:lstStyle/>
+          <a:p>
+            <a:pPr marL="0" indent="0">
+              <a:buNone/>
+            </a:pPr>
+            <a:r>
+              <a:rPr lang="en-US" dirty="0"/>
+              <a:t>public class Cat implements Pet {</a:t>
+            </a:r>
+          </a:p>
+          <a:p>
+            <a:pPr marL="0" indent="0">
+              <a:buNone/>
+            </a:pPr>
+            <a:r>
+              <a:rPr lang="en-US" dirty="0"/>
+              <a:t>    private String name;</a:t>
+            </a:r>
+          </a:p>
+          <a:p>
+            <a:pPr marL="0" indent="0">
+              <a:buNone/>
+            </a:pPr>
+            <a:endParaRPr lang="en-US" dirty="0"/>
+          </a:p>
+          <a:p>
+            <a:pPr marL="0" indent="0">
+              <a:buNone/>
+            </a:pPr>
+            <a:r>
+              <a:rPr lang="en-US" dirty="0"/>
+              <a:t>    public Cat(String name){</a:t>
+            </a:r>
+          </a:p>
+          <a:p>
+            <a:pPr marL="0" indent="0">
+              <a:buNone/>
+            </a:pPr>
+            <a:r>
+              <a:rPr lang="en-US" dirty="0"/>
+              <a:t>        this.name = name;</a:t>
+            </a:r>
+          </a:p>
+          <a:p>
+            <a:pPr marL="0" indent="0">
+              <a:buNone/>
+            </a:pPr>
+            <a:r>
+              <a:rPr lang="en-US" dirty="0"/>
+              <a:t>    }</a:t>
+            </a:r>
+          </a:p>
+          <a:p>
+            <a:pPr marL="0" indent="0">
+              <a:buNone/>
+            </a:pPr>
+            <a:endParaRPr lang="en-US" dirty="0"/>
+          </a:p>
+          <a:p>
+            <a:pPr marL="0" indent="0">
+              <a:buNone/>
+            </a:pPr>
+            <a:r>
+              <a:rPr lang="en-US" dirty="0"/>
+              <a:t>    public void speak(){</a:t>
+            </a:r>
+          </a:p>
+          <a:p>
+            <a:pPr marL="0" indent="0">
+              <a:buNone/>
+            </a:pPr>
+            <a:r>
+              <a:rPr lang="en-US" dirty="0"/>
+              <a:t>        </a:t>
+            </a:r>
+            <a:r>
+              <a:rPr lang="en-US" dirty="0" err="1"/>
+              <a:t>System.out.println</a:t>
+            </a:r>
+            <a:r>
+              <a:rPr lang="en-US" dirty="0"/>
+              <a:t>(name);</a:t>
+            </a:r>
+          </a:p>
+          <a:p>
+            <a:pPr marL="0" indent="0">
+              <a:buNone/>
+            </a:pPr>
+            <a:r>
+              <a:rPr lang="en-US" dirty="0"/>
+              <a:t>    }</a:t>
+            </a:r>
+          </a:p>
+          <a:p>
+            <a:pPr marL="0" indent="0">
+              <a:buNone/>
+            </a:pPr>
+            <a:r>
+              <a:rPr lang="en-US" dirty="0"/>
+              <a:t>}</a:t>
+            </a:r>
+          </a:p>
+        </p:txBody>
+      </p:sp>
+    </p:spTree>
+    <p:extLst>
+      <p:ext uri="{BB962C8B-B14F-4D97-AF65-F5344CB8AC3E}">
+        <p14:creationId xmlns:p14="http://schemas.microsoft.com/office/powerpoint/2010/main" val="2918302993"/>
+      </p:ext>
+    </p:extLst>
+  </p:cSld>
+  <p:clrMapOvr>
+    <a:masterClrMapping/>
+  </p:clrMapOvr>
+</p:sld>
+</file>
+
+<file path=ppt/slides/slide17.xml><?xml version="1.0" encoding="utf-8"?>
+<p:sld xmlns:a="http://schemas.openxmlformats.org/drawingml/2006/main" xmlns:r="http://schemas.openxmlformats.org/officeDocument/2006/relationships" xmlns:p="http://schemas.openxmlformats.org/presentationml/2006/main">
+  <p:cSld>
+    <p:spTree>
+      <p:nvGrpSpPr>
+        <p:cNvPr id="1" name=""/>
+        <p:cNvGrpSpPr/>
+        <p:nvPr/>
+      </p:nvGrpSpPr>
+      <p:grpSpPr>
+        <a:xfrm>
+          <a:off x="0" y="0"/>
+          <a:ext cx="0" cy="0"/>
+          <a:chOff x="0" y="0"/>
+          <a:chExt cx="0" cy="0"/>
+        </a:xfrm>
+      </p:grpSpPr>
       <p:sp>
         <p:nvSpPr>
           <p:cNvPr id="3" name="Title 2"/>
@@ -7811,7 +9885,7 @@
     </p:spTree>
     <p:extLst>
       <p:ext uri="{BB962C8B-B14F-4D97-AF65-F5344CB8AC3E}">
-        <p14:creationId xmlns:p14="http://schemas.microsoft.com/office/powerpoint/2010/main" val="2571241908"/>
+        <p14:creationId xmlns:p14="http://schemas.microsoft.com/office/powerpoint/2010/main" val="1266346380"/>
       </p:ext>
     </p:extLst>
   </p:cSld>
@@ -7962,7 +10036,7 @@
 </p:sld>
 </file>
 
-<file path=ppt/slides/slide13.xml><?xml version="1.0" encoding="utf-8"?>
+<file path=ppt/slides/slide18.xml><?xml version="1.0" encoding="utf-8"?>
 <p:sld xmlns:a="http://schemas.openxmlformats.org/drawingml/2006/main" xmlns:r="http://schemas.openxmlformats.org/officeDocument/2006/relationships" xmlns:p="http://schemas.openxmlformats.org/presentationml/2006/main">
   <p:cSld>
     <p:spTree>
@@ -8037,258 +10111,7 @@
 </p:sld>
 </file>
 
-<file path=ppt/slides/slide14.xml><?xml version="1.0" encoding="utf-8"?>
-<p:sld xmlns:a="http://schemas.openxmlformats.org/drawingml/2006/main" xmlns:r="http://schemas.openxmlformats.org/officeDocument/2006/relationships" xmlns:p="http://schemas.openxmlformats.org/presentationml/2006/main" show="0">
-  <p:cSld>
-    <p:spTree>
-      <p:nvGrpSpPr>
-        <p:cNvPr id="1" name=""/>
-        <p:cNvGrpSpPr/>
-        <p:nvPr/>
-      </p:nvGrpSpPr>
-      <p:grpSpPr>
-        <a:xfrm>
-          <a:off x="0" y="0"/>
-          <a:ext cx="0" cy="0"/>
-          <a:chOff x="0" y="0"/>
-          <a:chExt cx="0" cy="0"/>
-        </a:xfrm>
-      </p:grpSpPr>
-      <p:pic>
-        <p:nvPicPr>
-          <p:cNvPr id="1026" name="Picture 2" descr="https://lh4.googleusercontent.com/s2RRHQl8Fig7K6Ff88ZZuKiY0OTfpPgMoG6ZBrgfSAdgEvTT7h-ZVaEQ8HbeMxRJ-AsmNUZ3Akqj2PZCZFsMc15if3VE3tV8vSnMqc5d6te0JLRCPLy5MwJf4ktwFwIMsKYwLDl2">
-            <a:hlinkClick r:id="rId3"/>
-          </p:cNvPr>
-          <p:cNvPicPr>
-            <a:picLocks noGrp="1" noChangeAspect="1" noChangeArrowheads="1"/>
-          </p:cNvPicPr>
-          <p:nvPr>
-            <p:ph idx="1"/>
-          </p:nvPr>
-        </p:nvPicPr>
-        <p:blipFill>
-          <a:blip r:embed="rId4">
-            <a:extLst>
-              <a:ext uri="{28A0092B-C50C-407E-A947-70E740481C1C}">
-                <a14:useLocalDpi xmlns:a14="http://schemas.microsoft.com/office/drawing/2010/main" val="0"/>
-              </a:ext>
-            </a:extLst>
-          </a:blip>
-          <a:srcRect/>
-          <a:stretch>
-            <a:fillRect/>
-          </a:stretch>
-        </p:blipFill>
-        <p:spPr bwMode="auto">
-          <a:xfrm>
-            <a:off x="457200" y="2438400"/>
-            <a:ext cx="8229600" cy="4271256"/>
-          </a:xfrm>
-          <a:prstGeom prst="rect">
-            <a:avLst/>
-          </a:prstGeom>
-          <a:noFill/>
-          <a:extLst>
-            <a:ext uri="{909E8E84-426E-40DD-AFC4-6F175D3DCCD1}">
-              <a14:hiddenFill xmlns:a14="http://schemas.microsoft.com/office/drawing/2010/main">
-                <a:solidFill>
-                  <a:srgbClr val="FFFFFF"/>
-                </a:solidFill>
-              </a14:hiddenFill>
-            </a:ext>
-          </a:extLst>
-        </p:spPr>
-      </p:pic>
-      <p:sp>
-        <p:nvSpPr>
-          <p:cNvPr id="4" name="TextBox 3"/>
-          <p:cNvSpPr txBox="1"/>
-          <p:nvPr/>
-        </p:nvSpPr>
-        <p:spPr>
-          <a:xfrm>
-            <a:off x="457200" y="381000"/>
-            <a:ext cx="8077200" cy="2031325"/>
-          </a:xfrm>
-          <a:prstGeom prst="rect">
-            <a:avLst/>
-          </a:prstGeom>
-          <a:noFill/>
-        </p:spPr>
-        <p:txBody>
-          <a:bodyPr wrap="square" rtlCol="0">
-            <a:spAutoFit/>
-          </a:bodyPr>
-          <a:lstStyle/>
-          <a:p>
-            <a:r>
-              <a:rPr lang="en-US"/>
-              <a:t>A particular Image class loads image files from a variety of sources and display them on the screen.  The image sources can be a file, a network link, or a USB camera.  All the various sources have similar functions, but because they are different types they each require a specialized function.  Show how an improved approach using interfaces can remove the code duplication.</a:t>
-            </a:r>
-          </a:p>
-          <a:p>
-            <a:br>
-              <a:rPr lang="en-US"/>
-            </a:br>
-            <a:endParaRPr lang="en-US" dirty="0"/>
-          </a:p>
-        </p:txBody>
-      </p:sp>
-    </p:spTree>
-    <p:extLst>
-      <p:ext uri="{BB962C8B-B14F-4D97-AF65-F5344CB8AC3E}">
-        <p14:creationId xmlns:p14="http://schemas.microsoft.com/office/powerpoint/2010/main" val="3000212738"/>
-      </p:ext>
-    </p:extLst>
-  </p:cSld>
-  <p:clrMapOvr>
-    <a:masterClrMapping/>
-  </p:clrMapOvr>
-</p:sld>
-</file>
-
-<file path=ppt/slides/slide15.xml><?xml version="1.0" encoding="utf-8"?>
-<p:sld xmlns:a="http://schemas.openxmlformats.org/drawingml/2006/main" xmlns:r="http://schemas.openxmlformats.org/officeDocument/2006/relationships" xmlns:p="http://schemas.openxmlformats.org/presentationml/2006/main" show="0">
-  <p:cSld>
-    <p:spTree>
-      <p:nvGrpSpPr>
-        <p:cNvPr id="1" name=""/>
-        <p:cNvGrpSpPr/>
-        <p:nvPr/>
-      </p:nvGrpSpPr>
-      <p:grpSpPr>
-        <a:xfrm>
-          <a:off x="0" y="0"/>
-          <a:ext cx="0" cy="0"/>
-          <a:chOff x="0" y="0"/>
-          <a:chExt cx="0" cy="0"/>
-        </a:xfrm>
-      </p:grpSpPr>
-      <p:sp>
-        <p:nvSpPr>
-          <p:cNvPr id="2" name="Title 1"/>
-          <p:cNvSpPr>
-            <a:spLocks noGrp="1"/>
-          </p:cNvSpPr>
-          <p:nvPr>
-            <p:ph type="title"/>
-          </p:nvPr>
-        </p:nvSpPr>
-        <p:spPr/>
-        <p:txBody>
-          <a:bodyPr/>
-          <a:lstStyle/>
-          <a:p>
-            <a:r>
-              <a:rPr lang="en-US" dirty="0"/>
-              <a:t>Solution</a:t>
-            </a:r>
-          </a:p>
-        </p:txBody>
-      </p:sp>
-      <p:pic>
-        <p:nvPicPr>
-          <p:cNvPr id="1026" name="Picture 2" descr="https://lh5.googleusercontent.com/CJ1nKFl8H_FOXKpK7_cUVmQW2z5nGOfrENVMIRpdrp4xB3JRXHHvhCYkWrNZ61HQqAfNTu-oJsTL9vDCPkgaHRKQu0Dbt1eqyuYjEOJDmm4u6Fp-urGrCJxVNoBEbuAyygZyzL9v">
-            <a:hlinkClick r:id="rId3"/>
-          </p:cNvPr>
-          <p:cNvPicPr>
-            <a:picLocks noGrp="1" noChangeAspect="1" noChangeArrowheads="1"/>
-          </p:cNvPicPr>
-          <p:nvPr>
-            <p:ph idx="1"/>
-          </p:nvPr>
-        </p:nvPicPr>
-        <p:blipFill>
-          <a:blip r:embed="rId4">
-            <a:extLst>
-              <a:ext uri="{28A0092B-C50C-407E-A947-70E740481C1C}">
-                <a14:useLocalDpi xmlns:a14="http://schemas.microsoft.com/office/drawing/2010/main" val="0"/>
-              </a:ext>
-            </a:extLst>
-          </a:blip>
-          <a:srcRect/>
-          <a:stretch>
-            <a:fillRect/>
-          </a:stretch>
-        </p:blipFill>
-        <p:spPr bwMode="auto">
-          <a:xfrm>
-            <a:off x="0" y="1364457"/>
-            <a:ext cx="8839200" cy="5115144"/>
-          </a:xfrm>
-          <a:prstGeom prst="rect">
-            <a:avLst/>
-          </a:prstGeom>
-          <a:noFill/>
-          <a:extLst>
-            <a:ext uri="{909E8E84-426E-40DD-AFC4-6F175D3DCCD1}">
-              <a14:hiddenFill xmlns:a14="http://schemas.microsoft.com/office/drawing/2010/main">
-                <a:solidFill>
-                  <a:srgbClr val="FFFFFF"/>
-                </a:solidFill>
-              </a14:hiddenFill>
-            </a:ext>
-          </a:extLst>
-        </p:spPr>
-      </p:pic>
-      <p:sp>
-        <p:nvSpPr>
-          <p:cNvPr id="5" name="TextBox 4"/>
-          <p:cNvSpPr txBox="1"/>
-          <p:nvPr/>
-        </p:nvSpPr>
-        <p:spPr>
-          <a:xfrm>
-            <a:off x="8382224" y="6324600"/>
-            <a:ext cx="456976" cy="369332"/>
-          </a:xfrm>
-          <a:prstGeom prst="rect">
-            <a:avLst/>
-          </a:prstGeom>
-        </p:spPr>
-        <p:style>
-          <a:lnRef idx="2">
-            <a:schemeClr val="accent3">
-              <a:shade val="50000"/>
-            </a:schemeClr>
-          </a:lnRef>
-          <a:fillRef idx="1">
-            <a:schemeClr val="accent3"/>
-          </a:fillRef>
-          <a:effectRef idx="0">
-            <a:schemeClr val="accent3"/>
-          </a:effectRef>
-          <a:fontRef idx="minor">
-            <a:schemeClr val="lt1"/>
-          </a:fontRef>
-        </p:style>
-        <p:txBody>
-          <a:bodyPr wrap="none" rtlCol="0">
-            <a:spAutoFit/>
-          </a:bodyPr>
-          <a:lstStyle/>
-          <a:p>
-            <a:r>
-              <a:rPr lang="en-US" dirty="0"/>
-              <a:t>Q4</a:t>
-            </a:r>
-          </a:p>
-        </p:txBody>
-      </p:sp>
-    </p:spTree>
-    <p:extLst>
-      <p:ext uri="{BB962C8B-B14F-4D97-AF65-F5344CB8AC3E}">
-        <p14:creationId xmlns:p14="http://schemas.microsoft.com/office/powerpoint/2010/main" val="3270421151"/>
-      </p:ext>
-    </p:extLst>
-  </p:cSld>
-  <p:clrMapOvr>
-    <a:masterClrMapping/>
-  </p:clrMapOvr>
-</p:sld>
-</file>
-
-<file path=ppt/slides/slide16.xml><?xml version="1.0" encoding="utf-8"?>
+<file path=ppt/slides/slide19.xml><?xml version="1.0" encoding="utf-8"?>
 <p:sld xmlns:a="http://schemas.openxmlformats.org/drawingml/2006/main" xmlns:r="http://schemas.openxmlformats.org/officeDocument/2006/relationships" xmlns:p="http://schemas.openxmlformats.org/presentationml/2006/main">
   <p:cSld>
     <p:spTree>
@@ -8307,198 +10130,6 @@
       </p:grpSpPr>
       <p:sp>
         <p:nvSpPr>
-          <p:cNvPr id="4" name="Title 3"/>
-          <p:cNvSpPr>
-            <a:spLocks noGrp="1"/>
-          </p:cNvSpPr>
-          <p:nvPr>
-            <p:ph type="title"/>
-          </p:nvPr>
-        </p:nvSpPr>
-        <p:spPr/>
-        <p:txBody>
-          <a:bodyPr/>
-          <a:lstStyle/>
-          <a:p>
-            <a:pPr>
-              <a:defRPr/>
-            </a:pPr>
-            <a:r>
-              <a:rPr lang="en-US" dirty="0"/>
-              <a:t>Notation: In UML</a:t>
-            </a:r>
-          </a:p>
-        </p:txBody>
-      </p:sp>
-      <p:pic>
-        <p:nvPicPr>
-          <p:cNvPr id="2" name="Picture 1"/>
-          <p:cNvPicPr>
-            <a:picLocks noChangeAspect="1"/>
-          </p:cNvPicPr>
-          <p:nvPr/>
-        </p:nvPicPr>
-        <p:blipFill>
-          <a:blip r:embed="rId3"/>
-          <a:stretch>
-            <a:fillRect/>
-          </a:stretch>
-        </p:blipFill>
-        <p:spPr>
-          <a:xfrm>
-            <a:off x="457200" y="1676400"/>
-            <a:ext cx="3505200" cy="3505200"/>
-          </a:xfrm>
-          <a:prstGeom prst="rect">
-            <a:avLst/>
-          </a:prstGeom>
-        </p:spPr>
-      </p:pic>
-      <p:sp>
-        <p:nvSpPr>
-          <p:cNvPr id="3" name="TextBox 2"/>
-          <p:cNvSpPr txBox="1"/>
-          <p:nvPr/>
-        </p:nvSpPr>
-        <p:spPr>
-          <a:xfrm>
-            <a:off x="3654997" y="2197893"/>
-            <a:ext cx="5260403" cy="2123658"/>
-          </a:xfrm>
-          <a:prstGeom prst="rect">
-            <a:avLst/>
-          </a:prstGeom>
-          <a:noFill/>
-        </p:spPr>
-        <p:txBody>
-          <a:bodyPr wrap="square" rtlCol="0">
-            <a:spAutoFit/>
-          </a:bodyPr>
-          <a:lstStyle/>
-          <a:p>
-            <a:pPr marL="285750" indent="-285750">
-              <a:buFont typeface="Arial" panose="020B0604020202020204" pitchFamily="34" charset="0"/>
-              <a:buChar char="•"/>
-            </a:pPr>
-            <a:r>
-              <a:rPr lang="en-US" sz="2200" dirty="0"/>
-              <a:t>Closed triangle with a dashed line in UML is an “is-a” relationship</a:t>
-            </a:r>
-          </a:p>
-          <a:p>
-            <a:pPr marL="285750" indent="-285750">
-              <a:buFont typeface="Arial" panose="020B0604020202020204" pitchFamily="34" charset="0"/>
-              <a:buChar char="•"/>
-            </a:pPr>
-            <a:endParaRPr lang="en-US" sz="2200" dirty="0"/>
-          </a:p>
-          <a:p>
-            <a:pPr marL="285750" indent="-285750">
-              <a:buFont typeface="Arial" panose="020B0604020202020204" pitchFamily="34" charset="0"/>
-              <a:buChar char="•"/>
-            </a:pPr>
-            <a:r>
-              <a:rPr lang="en-US" sz="2200" dirty="0"/>
-              <a:t>Read this as: </a:t>
-            </a:r>
-          </a:p>
-          <a:p>
-            <a:endParaRPr lang="en-US" sz="2200" dirty="0"/>
-          </a:p>
-          <a:p>
-            <a:pPr lvl="1"/>
-            <a:r>
-              <a:rPr lang="en-US" sz="2200" dirty="0" err="1"/>
-              <a:t>InterImpl</a:t>
-            </a:r>
-            <a:r>
-              <a:rPr lang="en-US" sz="2200" dirty="0"/>
-              <a:t> is-an </a:t>
-            </a:r>
-            <a:r>
-              <a:rPr lang="en-US" sz="2200" dirty="0" err="1"/>
-              <a:t>InterfaceName</a:t>
-            </a:r>
-            <a:endParaRPr lang="en-US" sz="2200" dirty="0"/>
-          </a:p>
-        </p:txBody>
-      </p:sp>
-      <p:sp>
-        <p:nvSpPr>
-          <p:cNvPr id="13" name="TextBox 12"/>
-          <p:cNvSpPr txBox="1"/>
-          <p:nvPr/>
-        </p:nvSpPr>
-        <p:spPr>
-          <a:xfrm>
-            <a:off x="8382224" y="6324600"/>
-            <a:ext cx="457176" cy="369332"/>
-          </a:xfrm>
-          <a:prstGeom prst="rect">
-            <a:avLst/>
-          </a:prstGeom>
-        </p:spPr>
-        <p:style>
-          <a:lnRef idx="2">
-            <a:schemeClr val="accent3">
-              <a:shade val="50000"/>
-            </a:schemeClr>
-          </a:lnRef>
-          <a:fillRef idx="1">
-            <a:schemeClr val="accent3"/>
-          </a:fillRef>
-          <a:effectRef idx="0">
-            <a:schemeClr val="accent3"/>
-          </a:effectRef>
-          <a:fontRef idx="minor">
-            <a:schemeClr val="lt1"/>
-          </a:fontRef>
-        </p:style>
-        <p:txBody>
-          <a:bodyPr wrap="none" rtlCol="0">
-            <a:spAutoFit/>
-          </a:bodyPr>
-          <a:lstStyle/>
-          <a:p>
-            <a:r>
-              <a:rPr lang="en-US" dirty="0"/>
-              <a:t>Q3</a:t>
-            </a:r>
-          </a:p>
-        </p:txBody>
-      </p:sp>
-    </p:spTree>
-    <p:extLst>
-      <p:ext uri="{BB962C8B-B14F-4D97-AF65-F5344CB8AC3E}">
-        <p14:creationId xmlns:p14="http://schemas.microsoft.com/office/powerpoint/2010/main" val="2967665415"/>
-      </p:ext>
-    </p:extLst>
-  </p:cSld>
-  <p:clrMapOvr>
-    <a:masterClrMapping/>
-  </p:clrMapOvr>
-</p:sld>
-</file>
-
-<file path=ppt/slides/slide17.xml><?xml version="1.0" encoding="utf-8"?>
-<p:sld xmlns:a="http://schemas.openxmlformats.org/drawingml/2006/main" xmlns:r="http://schemas.openxmlformats.org/officeDocument/2006/relationships" xmlns:p="http://schemas.openxmlformats.org/presentationml/2006/main">
-  <p:cSld>
-    <p:spTree>
-      <p:nvGrpSpPr>
-        <p:cNvPr id="1" name=""/>
-        <p:cNvGrpSpPr/>
-        <p:nvPr/>
-      </p:nvGrpSpPr>
-      <p:grpSpPr>
-        <a:xfrm>
-          <a:off x="0" y="0"/>
-          <a:ext cx="0" cy="0"/>
-          <a:chOff x="0" y="0"/>
-          <a:chExt cx="0" cy="0"/>
-        </a:xfrm>
-      </p:grpSpPr>
-      <p:sp>
-        <p:nvSpPr>
           <p:cNvPr id="4" name="TextBox 3"/>
           <p:cNvSpPr txBox="1"/>
           <p:nvPr/>
@@ -8525,6 +10156,10 @@
             </a:r>
           </a:p>
           <a:p>
+            <a:r>
+              <a:rPr lang="en-US" dirty="0"/>
+              <a:t/>
+            </a:r>
             <a:br>
               <a:rPr lang="en-US" dirty="0"/>
             </a:br>
@@ -8586,7 +10221,118 @@
 </p:sld>
 </file>
 
-<file path=ppt/slides/slide18.xml><?xml version="1.0" encoding="utf-8"?>
+<file path=ppt/slides/slide2.xml><?xml version="1.0" encoding="utf-8"?>
+<p:sld xmlns:a="http://schemas.openxmlformats.org/drawingml/2006/main" xmlns:r="http://schemas.openxmlformats.org/officeDocument/2006/relationships" xmlns:p="http://schemas.openxmlformats.org/presentationml/2006/main">
+  <p:cSld>
+    <p:spTree>
+      <p:nvGrpSpPr>
+        <p:cNvPr id="1" name=""/>
+        <p:cNvGrpSpPr/>
+        <p:nvPr/>
+      </p:nvGrpSpPr>
+      <p:grpSpPr>
+        <a:xfrm>
+          <a:off x="0" y="0"/>
+          <a:ext cx="0" cy="0"/>
+          <a:chOff x="0" y="0"/>
+          <a:chExt cx="0" cy="0"/>
+        </a:xfrm>
+      </p:grpSpPr>
+      <p:sp>
+        <p:nvSpPr>
+          <p:cNvPr id="2" name="Title 1"/>
+          <p:cNvSpPr>
+            <a:spLocks noGrp="1"/>
+          </p:cNvSpPr>
+          <p:nvPr>
+            <p:ph type="title"/>
+          </p:nvPr>
+        </p:nvSpPr>
+        <p:spPr/>
+        <p:txBody>
+          <a:bodyPr/>
+          <a:lstStyle/>
+          <a:p>
+            <a:r>
+              <a:rPr lang="en-US" dirty="0"/>
+              <a:t>Object-Oriented Programming</a:t>
+            </a:r>
+          </a:p>
+        </p:txBody>
+      </p:sp>
+      <p:sp>
+        <p:nvSpPr>
+          <p:cNvPr id="3" name="Content Placeholder 2"/>
+          <p:cNvSpPr>
+            <a:spLocks noGrp="1"/>
+          </p:cNvSpPr>
+          <p:nvPr>
+            <p:ph idx="1"/>
+          </p:nvPr>
+        </p:nvSpPr>
+        <p:spPr/>
+        <p:txBody>
+          <a:bodyPr/>
+          <a:lstStyle/>
+          <a:p>
+            <a:r>
+              <a:rPr lang="en-US" dirty="0"/>
+              <a:t>The </a:t>
+            </a:r>
+            <a:r>
+              <a:rPr lang="en-US" b="1" dirty="0"/>
+              <a:t>three pillars </a:t>
+            </a:r>
+            <a:r>
+              <a:rPr lang="en-US" dirty="0"/>
+              <a:t>of </a:t>
+            </a:r>
+            <a:r>
+              <a:rPr lang="en-US" b="1" dirty="0"/>
+              <a:t>Object-Oriented Programming</a:t>
+            </a:r>
+          </a:p>
+          <a:p>
+            <a:pPr lvl="1"/>
+            <a:r>
+              <a:rPr lang="en-US" dirty="0"/>
+              <a:t>Encapsulation (already covered)</a:t>
+            </a:r>
+          </a:p>
+          <a:p>
+            <a:pPr lvl="1"/>
+            <a:r>
+              <a:rPr lang="en-US" dirty="0"/>
+              <a:t>Polymorphism (start idea today)</a:t>
+            </a:r>
+          </a:p>
+          <a:p>
+            <a:pPr lvl="1"/>
+            <a:r>
+              <a:rPr lang="en-US" dirty="0"/>
+              <a:t>Inheritance (next week)</a:t>
+            </a:r>
+          </a:p>
+          <a:p>
+            <a:pPr lvl="1"/>
+            <a:endParaRPr lang="en-US" dirty="0"/>
+          </a:p>
+        </p:txBody>
+      </p:sp>
+    </p:spTree>
+    <p:extLst>
+      <p:ext uri="{BB962C8B-B14F-4D97-AF65-F5344CB8AC3E}">
+        <p14:creationId xmlns:p14="http://schemas.microsoft.com/office/powerpoint/2010/main" val="1779397205"/>
+      </p:ext>
+    </p:extLst>
+  </p:cSld>
+  <p:clrMapOvr>
+    <a:masterClrMapping/>
+  </p:clrMapOvr>
+</p:sld>
+</file>
+
+<file path=ppt/slides/slide20.xml><?xml version="1.0" encoding="utf-8"?>
 <p:sld xmlns:a="http://schemas.openxmlformats.org/drawingml/2006/main" xmlns:r="http://schemas.openxmlformats.org/officeDocument/2006/relationships" xmlns:p="http://schemas.openxmlformats.org/presentationml/2006/main">
   <p:cSld>
     <p:spTree>
@@ -8730,7 +10476,7 @@
 </p:sld>
 </file>
 
-<file path=ppt/slides/slide19.xml><?xml version="1.0" encoding="utf-8"?>
+<file path=ppt/slides/slide21.xml><?xml version="1.0" encoding="utf-8"?>
 <p:sld xmlns:a="http://schemas.openxmlformats.org/drawingml/2006/main" xmlns:r="http://schemas.openxmlformats.org/officeDocument/2006/relationships" xmlns:p="http://schemas.openxmlformats.org/presentationml/2006/main">
   <p:cSld>
     <p:spTree>
@@ -9331,118 +11077,7 @@
 </p:sld>
 </file>
 
-<file path=ppt/slides/slide2.xml><?xml version="1.0" encoding="utf-8"?>
-<p:sld xmlns:a="http://schemas.openxmlformats.org/drawingml/2006/main" xmlns:r="http://schemas.openxmlformats.org/officeDocument/2006/relationships" xmlns:p="http://schemas.openxmlformats.org/presentationml/2006/main">
-  <p:cSld>
-    <p:spTree>
-      <p:nvGrpSpPr>
-        <p:cNvPr id="1" name=""/>
-        <p:cNvGrpSpPr/>
-        <p:nvPr/>
-      </p:nvGrpSpPr>
-      <p:grpSpPr>
-        <a:xfrm>
-          <a:off x="0" y="0"/>
-          <a:ext cx="0" cy="0"/>
-          <a:chOff x="0" y="0"/>
-          <a:chExt cx="0" cy="0"/>
-        </a:xfrm>
-      </p:grpSpPr>
-      <p:sp>
-        <p:nvSpPr>
-          <p:cNvPr id="2" name="Title 1"/>
-          <p:cNvSpPr>
-            <a:spLocks noGrp="1"/>
-          </p:cNvSpPr>
-          <p:nvPr>
-            <p:ph type="title"/>
-          </p:nvPr>
-        </p:nvSpPr>
-        <p:spPr/>
-        <p:txBody>
-          <a:bodyPr/>
-          <a:lstStyle/>
-          <a:p>
-            <a:r>
-              <a:rPr lang="en-US" dirty="0"/>
-              <a:t>Object-Oriented Programming</a:t>
-            </a:r>
-          </a:p>
-        </p:txBody>
-      </p:sp>
-      <p:sp>
-        <p:nvSpPr>
-          <p:cNvPr id="3" name="Content Placeholder 2"/>
-          <p:cNvSpPr>
-            <a:spLocks noGrp="1"/>
-          </p:cNvSpPr>
-          <p:nvPr>
-            <p:ph idx="1"/>
-          </p:nvPr>
-        </p:nvSpPr>
-        <p:spPr/>
-        <p:txBody>
-          <a:bodyPr/>
-          <a:lstStyle/>
-          <a:p>
-            <a:r>
-              <a:rPr lang="en-US" dirty="0"/>
-              <a:t>The </a:t>
-            </a:r>
-            <a:r>
-              <a:rPr lang="en-US" b="1" dirty="0"/>
-              <a:t>three pillars </a:t>
-            </a:r>
-            <a:r>
-              <a:rPr lang="en-US" dirty="0"/>
-              <a:t>of </a:t>
-            </a:r>
-            <a:r>
-              <a:rPr lang="en-US" b="1" dirty="0"/>
-              <a:t>Object-Oriented Programming</a:t>
-            </a:r>
-          </a:p>
-          <a:p>
-            <a:pPr lvl="1"/>
-            <a:r>
-              <a:rPr lang="en-US" dirty="0"/>
-              <a:t>Encapsulation (already covered)</a:t>
-            </a:r>
-          </a:p>
-          <a:p>
-            <a:pPr lvl="1"/>
-            <a:r>
-              <a:rPr lang="en-US" dirty="0"/>
-              <a:t>Polymorphism (start idea today)</a:t>
-            </a:r>
-          </a:p>
-          <a:p>
-            <a:pPr lvl="1"/>
-            <a:r>
-              <a:rPr lang="en-US" dirty="0"/>
-              <a:t>Inheritance (next week)</a:t>
-            </a:r>
-          </a:p>
-          <a:p>
-            <a:pPr lvl="1"/>
-            <a:endParaRPr lang="en-US" dirty="0"/>
-          </a:p>
-        </p:txBody>
-      </p:sp>
-    </p:spTree>
-    <p:extLst>
-      <p:ext uri="{BB962C8B-B14F-4D97-AF65-F5344CB8AC3E}">
-        <p14:creationId xmlns:p14="http://schemas.microsoft.com/office/powerpoint/2010/main" val="1779397205"/>
-      </p:ext>
-    </p:extLst>
-  </p:cSld>
-  <p:clrMapOvr>
-    <a:masterClrMapping/>
-  </p:clrMapOvr>
-</p:sld>
-</file>
-
-<file path=ppt/slides/slide20.xml><?xml version="1.0" encoding="utf-8"?>
+<file path=ppt/slides/slide22.xml><?xml version="1.0" encoding="utf-8"?>
 <p:sld xmlns:a="http://schemas.openxmlformats.org/drawingml/2006/main" xmlns:r="http://schemas.openxmlformats.org/officeDocument/2006/relationships" xmlns:p="http://schemas.openxmlformats.org/presentationml/2006/main">
   <p:cSld>
     <p:spTree>
@@ -9821,7 +11456,7 @@
 </p:sld>
 </file>
 
-<file path=ppt/slides/slide21.xml><?xml version="1.0" encoding="utf-8"?>
+<file path=ppt/slides/slide23.xml><?xml version="1.0" encoding="utf-8"?>
 <p:sld xmlns:a="http://schemas.openxmlformats.org/drawingml/2006/main" xmlns:r="http://schemas.openxmlformats.org/officeDocument/2006/relationships" xmlns:p="http://schemas.openxmlformats.org/presentationml/2006/main">
   <p:cSld>
     <p:spTree>
@@ -10021,7 +11656,7 @@
 </p:sld>
 </file>
 
-<file path=ppt/slides/slide22.xml><?xml version="1.0" encoding="utf-8"?>
+<file path=ppt/slides/slide24.xml><?xml version="1.0" encoding="utf-8"?>
 <p:sld xmlns:a="http://schemas.openxmlformats.org/drawingml/2006/main" xmlns:r="http://schemas.openxmlformats.org/officeDocument/2006/relationships" xmlns:p="http://schemas.openxmlformats.org/presentationml/2006/main">
   <p:cSld>
     <p:spTree>
@@ -10426,7 +12061,7 @@
       </p:grpSpPr>
       <p:sp>
         <p:nvSpPr>
-          <p:cNvPr id="2" name="Title 1"/>
+          <p:cNvPr id="3" name="Title 2"/>
           <p:cNvSpPr>
             <a:spLocks noGrp="1"/>
           </p:cNvSpPr>
@@ -10439,41 +12074,111 @@
           <a:bodyPr/>
           <a:lstStyle/>
           <a:p>
-            <a:r>
-              <a:rPr lang="en-US" dirty="0"/>
-              <a:t>Open </a:t>
-            </a:r>
-            <a:r>
-              <a:rPr lang="en-US" dirty="0" err="1"/>
-              <a:t>simpleExample</a:t>
-            </a:r>
+            <a:pPr>
+              <a:defRPr/>
+            </a:pPr>
+            <a:r>
+              <a:rPr lang="en-US" dirty="0"/>
+              <a:t>Interface Types: Key Idea</a:t>
+            </a:r>
+          </a:p>
+        </p:txBody>
+      </p:sp>
+      <p:sp>
+        <p:nvSpPr>
+          <p:cNvPr id="2" name="Content Placeholder 1"/>
+          <p:cNvSpPr>
+            <a:spLocks noGrp="1"/>
+          </p:cNvSpPr>
+          <p:nvPr>
+            <p:ph idx="1"/>
+          </p:nvPr>
+        </p:nvSpPr>
+        <p:spPr>
+          <a:xfrm>
+            <a:off x="457200" y="1600200"/>
+            <a:ext cx="8229600" cy="5105400"/>
+          </a:xfrm>
+        </p:spPr>
+        <p:txBody>
+          <a:bodyPr>
+            <a:normAutofit/>
+          </a:bodyPr>
+          <a:lstStyle/>
+          <a:p>
+            <a:pPr>
+              <a:defRPr/>
+            </a:pPr>
+            <a:r>
+              <a:rPr lang="en-US" dirty="0"/>
+              <a:t>Interface types are like </a:t>
+            </a:r>
+            <a:r>
+              <a:rPr lang="en-US" b="1" dirty="0">
+                <a:solidFill>
+                  <a:schemeClr val="accent2"/>
+                </a:solidFill>
+              </a:rPr>
+              <a:t>contracts</a:t>
+            </a:r>
+          </a:p>
+          <a:p>
+            <a:pPr>
+              <a:defRPr/>
+            </a:pPr>
             <a:endParaRPr lang="en-US" dirty="0"/>
           </a:p>
-        </p:txBody>
-      </p:sp>
-      <p:sp>
-        <p:nvSpPr>
-          <p:cNvPr id="3" name="Content Placeholder 2"/>
-          <p:cNvSpPr>
-            <a:spLocks noGrp="1"/>
-          </p:cNvSpPr>
-          <p:nvPr>
-            <p:ph idx="1"/>
-          </p:nvPr>
-        </p:nvSpPr>
-        <p:spPr/>
-        <p:txBody>
-          <a:bodyPr/>
-          <a:lstStyle/>
-          <a:p>
+          <a:p>
+            <a:pPr>
+              <a:defRPr/>
+            </a:pPr>
+            <a:r>
+              <a:rPr lang="en-US" dirty="0"/>
+              <a:t>A class can promise to </a:t>
+            </a:r>
+            <a:r>
+              <a:rPr lang="en-US" b="1" dirty="0">
+                <a:solidFill>
+                  <a:schemeClr val="accent3"/>
+                </a:solidFill>
+              </a:rPr>
+              <a:t>implement</a:t>
+            </a:r>
+            <a:r>
+              <a:rPr lang="en-US" dirty="0"/>
+              <a:t> an interface</a:t>
+            </a:r>
+          </a:p>
+          <a:p>
+            <a:pPr marL="457200" lvl="1" indent="0">
+              <a:buNone/>
+              <a:defRPr/>
+            </a:pPr>
             <a:endParaRPr lang="en-US" dirty="0"/>
+          </a:p>
+          <a:p>
+            <a:pPr>
+              <a:defRPr/>
+            </a:pPr>
+            <a:r>
+              <a:rPr lang="en-US" dirty="0"/>
+              <a:t>Any code that </a:t>
+            </a:r>
+            <a:r>
+              <a:rPr lang="en-US" b="1" dirty="0"/>
+              <a:t>uses </a:t>
+            </a:r>
+            <a:r>
+              <a:rPr lang="en-US" dirty="0"/>
+              <a:t>the interface can automatically use new classes that implement the interface!</a:t>
+            </a:r>
           </a:p>
         </p:txBody>
       </p:sp>
     </p:spTree>
     <p:extLst>
       <p:ext uri="{BB962C8B-B14F-4D97-AF65-F5344CB8AC3E}">
-        <p14:creationId xmlns:p14="http://schemas.microsoft.com/office/powerpoint/2010/main" val="3955761806"/>
+        <p14:creationId xmlns:p14="http://schemas.microsoft.com/office/powerpoint/2010/main" val="3229102499"/>
       </p:ext>
     </p:extLst>
   </p:cSld>
@@ -11178,7 +12883,7 @@
     </p:spTree>
     <p:extLst>
       <p:ext uri="{BB962C8B-B14F-4D97-AF65-F5344CB8AC3E}">
-        <p14:creationId xmlns:p14="http://schemas.microsoft.com/office/powerpoint/2010/main" val="349956614"/>
+        <p14:creationId xmlns:p14="http://schemas.microsoft.com/office/powerpoint/2010/main" val="3181225032"/>
       </p:ext>
     </p:extLst>
   </p:cSld>
@@ -11377,7 +13082,7 @@
       </p:grpSpPr>
       <p:sp>
         <p:nvSpPr>
-          <p:cNvPr id="3" name="Title 2"/>
+          <p:cNvPr id="4" name="Title 3"/>
           <p:cNvSpPr>
             <a:spLocks noGrp="1"/>
           </p:cNvSpPr>
@@ -11395,30 +13100,29 @@
             </a:pPr>
             <a:r>
               <a:rPr lang="en-US" dirty="0"/>
-              <a:t>Interface Types: Key Idea</a:t>
-            </a:r>
-          </a:p>
-        </p:txBody>
-      </p:sp>
-      <p:sp>
-        <p:nvSpPr>
-          <p:cNvPr id="2" name="Content Placeholder 1"/>
-          <p:cNvSpPr>
-            <a:spLocks noGrp="1"/>
-          </p:cNvSpPr>
-          <p:nvPr>
-            <p:ph idx="1"/>
-          </p:nvPr>
+              <a:t>Notation: In Code</a:t>
+            </a:r>
+          </a:p>
+        </p:txBody>
+      </p:sp>
+      <p:sp>
+        <p:nvSpPr>
+          <p:cNvPr id="6" name="Rectangle 5"/>
+          <p:cNvSpPr/>
+          <p:nvPr/>
         </p:nvSpPr>
         <p:spPr>
           <a:xfrm>
-            <a:off x="457200" y="1600200"/>
-            <a:ext cx="8229600" cy="5105400"/>
+            <a:off x="1371600" y="1203325"/>
+            <a:ext cx="7696200" cy="1569660"/>
           </a:xfrm>
+          <a:prstGeom prst="rect">
+            <a:avLst/>
+          </a:prstGeom>
         </p:spPr>
         <p:txBody>
           <a:bodyPr>
-            <a:normAutofit/>
+            <a:spAutoFit/>
           </a:bodyPr>
           <a:lstStyle/>
           <a:p>
@@ -11426,67 +13130,531 @@
               <a:defRPr/>
             </a:pPr>
             <a:r>
-              <a:rPr lang="en-US" dirty="0"/>
-              <a:t>Interface types are like </a:t>
-            </a:r>
-            <a:r>
-              <a:rPr lang="en-US" b="1" dirty="0">
-                <a:solidFill>
-                  <a:schemeClr val="accent2"/>
-                </a:solidFill>
-              </a:rPr>
-              <a:t>contracts</a:t>
-            </a:r>
+              <a:rPr lang="en-US" sz="2400" b="1" dirty="0">
+                <a:solidFill>
+                  <a:schemeClr val="accent5"/>
+                </a:solidFill>
+                <a:latin typeface="Consolas" pitchFamily="49" charset="0"/>
+              </a:rPr>
+              <a:t>public </a:t>
+            </a:r>
+            <a:r>
+              <a:rPr lang="en-US" sz="2400" b="1" dirty="0">
+                <a:solidFill>
+                  <a:schemeClr val="accent3"/>
+                </a:solidFill>
+                <a:latin typeface="Consolas" pitchFamily="49" charset="0"/>
+              </a:rPr>
+              <a:t>interface</a:t>
+            </a:r>
+            <a:r>
+              <a:rPr lang="en-US" sz="2400" b="1" dirty="0">
+                <a:solidFill>
+                  <a:schemeClr val="accent5"/>
+                </a:solidFill>
+                <a:latin typeface="Consolas" pitchFamily="49" charset="0"/>
+              </a:rPr>
+              <a:t> </a:t>
+            </a:r>
+            <a:r>
+              <a:rPr lang="en-US" sz="2400" b="1" dirty="0" smtClean="0">
+                <a:solidFill>
+                  <a:schemeClr val="accent5"/>
+                </a:solidFill>
+                <a:latin typeface="Consolas" pitchFamily="49" charset="0"/>
+              </a:rPr>
+              <a:t>Drivable {</a:t>
+            </a:r>
+            <a:endParaRPr lang="en-US" sz="2400" b="1" dirty="0">
+              <a:solidFill>
+                <a:schemeClr val="accent5"/>
+              </a:solidFill>
+              <a:latin typeface="Consolas" pitchFamily="49" charset="0"/>
+            </a:endParaRPr>
           </a:p>
           <a:p>
             <a:pPr>
               <a:defRPr/>
             </a:pPr>
-            <a:endParaRPr lang="en-US" dirty="0"/>
+            <a:r>
+              <a:rPr lang="en-US" sz="2400" b="1" dirty="0">
+                <a:solidFill>
+                  <a:schemeClr val="accent5"/>
+                </a:solidFill>
+                <a:latin typeface="Consolas" pitchFamily="49" charset="0"/>
+              </a:rPr>
+              <a:t>	</a:t>
+            </a:r>
+            <a:r>
+              <a:rPr lang="en-US" sz="2400" b="1" dirty="0" smtClean="0">
+                <a:solidFill>
+                  <a:schemeClr val="accent5"/>
+                </a:solidFill>
+                <a:latin typeface="Consolas" pitchFamily="49" charset="0"/>
+              </a:rPr>
+              <a:t>void turn(double </a:t>
+            </a:r>
+            <a:r>
+              <a:rPr lang="en-US" sz="2400" b="1" dirty="0" err="1" smtClean="0">
+                <a:solidFill>
+                  <a:schemeClr val="accent5"/>
+                </a:solidFill>
+                <a:latin typeface="Consolas" pitchFamily="49" charset="0"/>
+              </a:rPr>
+              <a:t>dir</a:t>
+            </a:r>
+            <a:r>
+              <a:rPr lang="en-US" sz="2400" b="1" dirty="0" smtClean="0">
+                <a:solidFill>
+                  <a:schemeClr val="accent5"/>
+                </a:solidFill>
+                <a:latin typeface="Consolas" pitchFamily="49" charset="0"/>
+              </a:rPr>
+              <a:t>)</a:t>
+            </a:r>
+            <a:r>
+              <a:rPr lang="en-US" sz="2400" b="1" dirty="0" smtClean="0">
+                <a:solidFill>
+                  <a:schemeClr val="accent3"/>
+                </a:solidFill>
+                <a:latin typeface="Consolas" pitchFamily="49" charset="0"/>
+              </a:rPr>
+              <a:t>;</a:t>
+            </a:r>
+            <a:endParaRPr lang="en-US" sz="2400" b="1" dirty="0">
+              <a:solidFill>
+                <a:schemeClr val="accent3"/>
+              </a:solidFill>
+              <a:latin typeface="Consolas" pitchFamily="49" charset="0"/>
+            </a:endParaRPr>
           </a:p>
           <a:p>
             <a:pPr>
               <a:defRPr/>
             </a:pPr>
             <a:r>
-              <a:rPr lang="en-US" dirty="0"/>
-              <a:t>A class can promise to </a:t>
-            </a:r>
-            <a:r>
-              <a:rPr lang="en-US" b="1" dirty="0">
+              <a:rPr lang="en-US" sz="2400" b="1" dirty="0">
+                <a:solidFill>
+                  <a:schemeClr val="accent5"/>
+                </a:solidFill>
+                <a:latin typeface="Consolas" pitchFamily="49" charset="0"/>
+              </a:rPr>
+              <a:t>	void </a:t>
+            </a:r>
+            <a:r>
+              <a:rPr lang="en-US" sz="2400" b="1" dirty="0" smtClean="0">
+                <a:solidFill>
+                  <a:schemeClr val="accent5"/>
+                </a:solidFill>
+                <a:latin typeface="Consolas" pitchFamily="49" charset="0"/>
+              </a:rPr>
+              <a:t>accelerate(double force)</a:t>
+            </a:r>
+            <a:r>
+              <a:rPr lang="en-US" sz="2400" b="1" dirty="0" smtClean="0">
                 <a:solidFill>
                   <a:schemeClr val="accent3"/>
                 </a:solidFill>
-              </a:rPr>
-              <a:t>implement</a:t>
-            </a:r>
-            <a:r>
-              <a:rPr lang="en-US" dirty="0"/>
-              <a:t> an interface</a:t>
-            </a:r>
-          </a:p>
-          <a:p>
-            <a:pPr marL="457200" lvl="1" indent="0">
-              <a:buNone/>
-              <a:defRPr/>
-            </a:pPr>
-            <a:endParaRPr lang="en-US" dirty="0"/>
+                <a:latin typeface="Consolas" pitchFamily="49" charset="0"/>
+              </a:rPr>
+              <a:t>;</a:t>
+            </a:r>
+            <a:endParaRPr lang="en-US" sz="2400" b="1" dirty="0">
+              <a:solidFill>
+                <a:schemeClr val="accent3"/>
+              </a:solidFill>
+              <a:latin typeface="Consolas" pitchFamily="49" charset="0"/>
+            </a:endParaRPr>
           </a:p>
           <a:p>
             <a:pPr>
               <a:defRPr/>
             </a:pPr>
             <a:r>
-              <a:rPr lang="en-US" dirty="0"/>
-              <a:t>Any code that </a:t>
-            </a:r>
-            <a:r>
-              <a:rPr lang="en-US" b="1" dirty="0"/>
-              <a:t>uses </a:t>
-            </a:r>
-            <a:r>
-              <a:rPr lang="en-US" dirty="0"/>
-              <a:t>the interface can automatically use new classes that implement the interface!</a:t>
+              <a:rPr lang="en-US" sz="2400" b="1" dirty="0">
+                <a:solidFill>
+                  <a:schemeClr val="accent5"/>
+                </a:solidFill>
+                <a:latin typeface="Consolas" pitchFamily="49" charset="0"/>
+              </a:rPr>
+              <a:t>}</a:t>
+            </a:r>
+          </a:p>
+        </p:txBody>
+      </p:sp>
+      <p:sp>
+        <p:nvSpPr>
+          <p:cNvPr id="7" name="Rectangle 6"/>
+          <p:cNvSpPr/>
+          <p:nvPr/>
+        </p:nvSpPr>
+        <p:spPr>
+          <a:xfrm>
+            <a:off x="482600" y="2772985"/>
+            <a:ext cx="8458200" cy="3785652"/>
+          </a:xfrm>
+          <a:prstGeom prst="rect">
+            <a:avLst/>
+          </a:prstGeom>
+        </p:spPr>
+        <p:txBody>
+          <a:bodyPr>
+            <a:spAutoFit/>
+          </a:bodyPr>
+          <a:lstStyle/>
+          <a:p>
+            <a:pPr>
+              <a:defRPr/>
+            </a:pPr>
+            <a:r>
+              <a:rPr lang="en-US" sz="2400" b="1" dirty="0">
+                <a:solidFill>
+                  <a:schemeClr val="accent5"/>
+                </a:solidFill>
+                <a:latin typeface="Consolas" pitchFamily="49" charset="0"/>
+              </a:rPr>
+              <a:t>public class </a:t>
+            </a:r>
+            <a:r>
+              <a:rPr lang="en-US" sz="2400" b="1" dirty="0" smtClean="0">
+                <a:solidFill>
+                  <a:schemeClr val="accent5"/>
+                </a:solidFill>
+                <a:latin typeface="Consolas" pitchFamily="49" charset="0"/>
+              </a:rPr>
+              <a:t>Car </a:t>
+            </a:r>
+            <a:r>
+              <a:rPr lang="en-US" sz="2400" b="1" dirty="0">
+                <a:solidFill>
+                  <a:schemeClr val="accent3"/>
+                </a:solidFill>
+                <a:latin typeface="Consolas" pitchFamily="49" charset="0"/>
+              </a:rPr>
+              <a:t>implements </a:t>
+            </a:r>
+            <a:r>
+              <a:rPr lang="en-US" sz="2400" b="1" dirty="0">
+                <a:solidFill>
+                  <a:schemeClr val="accent5"/>
+                </a:solidFill>
+                <a:latin typeface="Consolas" pitchFamily="49" charset="0"/>
+              </a:rPr>
+              <a:t>Drivable</a:t>
+            </a:r>
+            <a:r>
+              <a:rPr lang="en-US" sz="2400" b="1" dirty="0" smtClean="0">
+                <a:solidFill>
+                  <a:schemeClr val="accent3"/>
+                </a:solidFill>
+                <a:latin typeface="Consolas" pitchFamily="49" charset="0"/>
+              </a:rPr>
+              <a:t> </a:t>
+            </a:r>
+            <a:r>
+              <a:rPr lang="en-US" sz="2400" b="1" dirty="0">
+                <a:solidFill>
+                  <a:schemeClr val="accent5"/>
+                </a:solidFill>
+                <a:latin typeface="Consolas" pitchFamily="49" charset="0"/>
+              </a:rPr>
+              <a:t>{</a:t>
+            </a:r>
+            <a:br>
+              <a:rPr lang="en-US" sz="2400" b="1" dirty="0">
+                <a:solidFill>
+                  <a:schemeClr val="accent5"/>
+                </a:solidFill>
+                <a:latin typeface="Consolas" pitchFamily="49" charset="0"/>
+              </a:rPr>
+            </a:br>
+            <a:r>
+              <a:rPr lang="en-US" sz="2400" b="1" dirty="0" smtClean="0">
+                <a:solidFill>
+                  <a:schemeClr val="accent5"/>
+                </a:solidFill>
+                <a:latin typeface="Consolas" pitchFamily="49" charset="0"/>
+              </a:rPr>
+              <a:t>	@Override	</a:t>
+            </a:r>
+          </a:p>
+          <a:p>
+            <a:pPr>
+              <a:defRPr/>
+            </a:pPr>
+            <a:r>
+              <a:rPr lang="en-US" sz="2400" b="1" dirty="0" smtClean="0">
+                <a:solidFill>
+                  <a:schemeClr val="accent5"/>
+                </a:solidFill>
+                <a:latin typeface="Consolas" pitchFamily="49" charset="0"/>
+              </a:rPr>
+              <a:t>	public void </a:t>
+            </a:r>
+            <a:r>
+              <a:rPr lang="en-US" sz="2400" b="1" dirty="0">
+                <a:solidFill>
+                  <a:schemeClr val="accent5"/>
+                </a:solidFill>
+                <a:latin typeface="Consolas" pitchFamily="49" charset="0"/>
+              </a:rPr>
+              <a:t>turn(double direction</a:t>
+            </a:r>
+            <a:r>
+              <a:rPr lang="en-US" sz="2400" b="1" dirty="0" smtClean="0">
+                <a:solidFill>
+                  <a:schemeClr val="accent5"/>
+                </a:solidFill>
+                <a:latin typeface="Consolas" pitchFamily="49" charset="0"/>
+              </a:rPr>
+              <a:t>) {</a:t>
+            </a:r>
+          </a:p>
+          <a:p>
+            <a:pPr>
+              <a:defRPr/>
+            </a:pPr>
+            <a:r>
+              <a:rPr lang="en-US" sz="2400" b="1" dirty="0" smtClean="0">
+                <a:solidFill>
+                  <a:schemeClr val="accent5"/>
+                </a:solidFill>
+                <a:latin typeface="Consolas" pitchFamily="49" charset="0"/>
+              </a:rPr>
+              <a:t>		...</a:t>
+            </a:r>
+          </a:p>
+          <a:p>
+            <a:pPr>
+              <a:defRPr/>
+            </a:pPr>
+            <a:r>
+              <a:rPr lang="en-US" sz="2400" b="1" dirty="0">
+                <a:solidFill>
+                  <a:schemeClr val="accent5"/>
+                </a:solidFill>
+                <a:latin typeface="Consolas" pitchFamily="49" charset="0"/>
+              </a:rPr>
+              <a:t>	</a:t>
+            </a:r>
+            <a:r>
+              <a:rPr lang="en-US" sz="2400" b="1" dirty="0" smtClean="0">
+                <a:solidFill>
+                  <a:schemeClr val="accent5"/>
+                </a:solidFill>
+                <a:latin typeface="Consolas" pitchFamily="49" charset="0"/>
+              </a:rPr>
+              <a:t>}</a:t>
+            </a:r>
+          </a:p>
+          <a:p>
+            <a:pPr>
+              <a:defRPr/>
+            </a:pPr>
+            <a:r>
+              <a:rPr lang="en-US" sz="2400" b="1" dirty="0">
+                <a:solidFill>
+                  <a:schemeClr val="accent5"/>
+                </a:solidFill>
+                <a:latin typeface="Consolas" pitchFamily="49" charset="0"/>
+              </a:rPr>
+              <a:t>	@Override	</a:t>
+            </a:r>
+            <a:endParaRPr lang="en-US" sz="2400" b="1" dirty="0" smtClean="0">
+              <a:solidFill>
+                <a:schemeClr val="accent5"/>
+              </a:solidFill>
+              <a:latin typeface="Consolas" pitchFamily="49" charset="0"/>
+            </a:endParaRPr>
+          </a:p>
+          <a:p>
+            <a:pPr>
+              <a:defRPr/>
+            </a:pPr>
+            <a:r>
+              <a:rPr lang="en-US" sz="2400" b="1" dirty="0" smtClean="0">
+                <a:solidFill>
+                  <a:schemeClr val="accent5"/>
+                </a:solidFill>
+                <a:latin typeface="Consolas" pitchFamily="49" charset="0"/>
+              </a:rPr>
+              <a:t>	public void accelerate(double force) {</a:t>
+            </a:r>
+          </a:p>
+          <a:p>
+            <a:pPr>
+              <a:defRPr/>
+            </a:pPr>
+            <a:r>
+              <a:rPr lang="en-US" sz="2400" b="1" dirty="0">
+                <a:solidFill>
+                  <a:schemeClr val="accent5"/>
+                </a:solidFill>
+                <a:latin typeface="Consolas" pitchFamily="49" charset="0"/>
+              </a:rPr>
+              <a:t>	</a:t>
+            </a:r>
+            <a:r>
+              <a:rPr lang="en-US" sz="2400" b="1" dirty="0" smtClean="0">
+                <a:solidFill>
+                  <a:schemeClr val="accent5"/>
+                </a:solidFill>
+                <a:latin typeface="Consolas" pitchFamily="49" charset="0"/>
+              </a:rPr>
+              <a:t>	...</a:t>
+            </a:r>
+          </a:p>
+          <a:p>
+            <a:pPr>
+              <a:defRPr/>
+            </a:pPr>
+            <a:r>
+              <a:rPr lang="en-US" sz="2400" b="1" dirty="0">
+                <a:solidFill>
+                  <a:schemeClr val="accent5"/>
+                </a:solidFill>
+                <a:latin typeface="Consolas" pitchFamily="49" charset="0"/>
+              </a:rPr>
+              <a:t>	</a:t>
+            </a:r>
+            <a:r>
+              <a:rPr lang="en-US" sz="2400" b="1" dirty="0" smtClean="0">
+                <a:solidFill>
+                  <a:schemeClr val="accent5"/>
+                </a:solidFill>
+                <a:latin typeface="Consolas" pitchFamily="49" charset="0"/>
+              </a:rPr>
+              <a:t>}</a:t>
+            </a:r>
+            <a:r>
+              <a:rPr lang="en-US" sz="2400" b="1" dirty="0">
+                <a:solidFill>
+                  <a:schemeClr val="accent5"/>
+                </a:solidFill>
+                <a:latin typeface="Consolas" pitchFamily="49" charset="0"/>
+              </a:rPr>
+              <a:t/>
+            </a:r>
+            <a:br>
+              <a:rPr lang="en-US" sz="2400" b="1" dirty="0">
+                <a:solidFill>
+                  <a:schemeClr val="accent5"/>
+                </a:solidFill>
+                <a:latin typeface="Consolas" pitchFamily="49" charset="0"/>
+              </a:rPr>
+            </a:br>
+            <a:r>
+              <a:rPr lang="en-US" sz="2400" b="1" dirty="0">
+                <a:solidFill>
+                  <a:schemeClr val="accent5"/>
+                </a:solidFill>
+                <a:latin typeface="Consolas" pitchFamily="49" charset="0"/>
+              </a:rPr>
+              <a:t>}</a:t>
+            </a:r>
+          </a:p>
+        </p:txBody>
+      </p:sp>
+      <p:sp>
+        <p:nvSpPr>
+          <p:cNvPr id="9" name="Line Callout 2 8"/>
+          <p:cNvSpPr/>
+          <p:nvPr/>
+        </p:nvSpPr>
+        <p:spPr>
+          <a:xfrm>
+            <a:off x="7188200" y="212725"/>
+            <a:ext cx="1752600" cy="990600"/>
+          </a:xfrm>
+          <a:prstGeom prst="borderCallout2">
+            <a:avLst>
+              <a:gd name="adj1" fmla="val 182853"/>
+              <a:gd name="adj2" fmla="val 12682"/>
+              <a:gd name="adj3" fmla="val 114904"/>
+              <a:gd name="adj4" fmla="val 2898"/>
+              <a:gd name="adj5" fmla="val 160859"/>
+              <a:gd name="adj6" fmla="val -53620"/>
+            </a:avLst>
+          </a:prstGeom>
+        </p:spPr>
+        <p:style>
+          <a:lnRef idx="2">
+            <a:schemeClr val="accent3">
+              <a:shade val="50000"/>
+            </a:schemeClr>
+          </a:lnRef>
+          <a:fillRef idx="1">
+            <a:schemeClr val="accent3"/>
+          </a:fillRef>
+          <a:effectRef idx="0">
+            <a:schemeClr val="accent3"/>
+          </a:effectRef>
+          <a:fontRef idx="minor">
+            <a:schemeClr val="lt1"/>
+          </a:fontRef>
+        </p:style>
+        <p:txBody>
+          <a:bodyPr anchor="ctr"/>
+          <a:lstStyle/>
+          <a:p>
+            <a:pPr algn="ctr">
+              <a:defRPr/>
+            </a:pPr>
+            <a:r>
+              <a:rPr lang="en-US" dirty="0"/>
+              <a:t>No method body, just a semi-colon</a:t>
+            </a:r>
+          </a:p>
+        </p:txBody>
+      </p:sp>
+      <p:sp>
+        <p:nvSpPr>
+          <p:cNvPr id="10" name="Line Callout 2 9"/>
+          <p:cNvSpPr/>
+          <p:nvPr/>
+        </p:nvSpPr>
+        <p:spPr>
+          <a:xfrm flipH="1">
+            <a:off x="152400" y="134749"/>
+            <a:ext cx="1752600" cy="990600"/>
+          </a:xfrm>
+          <a:prstGeom prst="borderCallout2">
+            <a:avLst>
+              <a:gd name="adj1" fmla="val 112340"/>
+              <a:gd name="adj2" fmla="val 84421"/>
+              <a:gd name="adj3" fmla="val 185417"/>
+              <a:gd name="adj4" fmla="val 72463"/>
+              <a:gd name="adj5" fmla="val 186801"/>
+              <a:gd name="adj6" fmla="val -18585"/>
+            </a:avLst>
+          </a:prstGeom>
+        </p:spPr>
+        <p:style>
+          <a:lnRef idx="2">
+            <a:schemeClr val="accent3">
+              <a:shade val="50000"/>
+            </a:schemeClr>
+          </a:lnRef>
+          <a:fillRef idx="1">
+            <a:schemeClr val="accent3"/>
+          </a:fillRef>
+          <a:effectRef idx="0">
+            <a:schemeClr val="accent3"/>
+          </a:effectRef>
+          <a:fontRef idx="minor">
+            <a:schemeClr val="lt1"/>
+          </a:fontRef>
+        </p:style>
+        <p:txBody>
+          <a:bodyPr anchor="ctr"/>
+          <a:lstStyle/>
+          <a:p>
+            <a:pPr algn="ctr">
+              <a:defRPr/>
+            </a:pPr>
+            <a:r>
+              <a:rPr lang="en-US" dirty="0"/>
+              <a:t>Automatically public, so we don’t specify it</a:t>
             </a:r>
           </a:p>
         </p:txBody>
@@ -11494,17 +13662,1607 @@
     </p:spTree>
     <p:extLst>
       <p:ext uri="{BB962C8B-B14F-4D97-AF65-F5344CB8AC3E}">
-        <p14:creationId xmlns:p14="http://schemas.microsoft.com/office/powerpoint/2010/main" val="3821564943"/>
+        <p14:creationId xmlns:p14="http://schemas.microsoft.com/office/powerpoint/2010/main" val="4292817212"/>
       </p:ext>
     </p:extLst>
   </p:cSld>
   <p:clrMapOvr>
     <a:masterClrMapping/>
   </p:clrMapOvr>
+  <p:timing>
+    <p:tnLst>
+      <p:par>
+        <p:cTn id="1" dur="indefinite" restart="never" nodeType="tmRoot">
+          <p:childTnLst>
+            <p:seq concurrent="1" nextAc="seek">
+              <p:cTn id="2" dur="indefinite" nodeType="mainSeq">
+                <p:childTnLst>
+                  <p:par>
+                    <p:cTn id="3" fill="hold" nodeType="clickPar">
+                      <p:stCondLst>
+                        <p:cond delay="indefinite"/>
+                      </p:stCondLst>
+                      <p:childTnLst>
+                        <p:par>
+                          <p:cTn id="4" fill="hold" nodeType="withGroup">
+                            <p:stCondLst>
+                              <p:cond delay="0"/>
+                            </p:stCondLst>
+                            <p:childTnLst>
+                              <p:par>
+                                <p:cTn id="5" presetID="1" presetClass="entr" presetSubtype="0" fill="hold" grpId="0" nodeType="clickEffect">
+                                  <p:stCondLst>
+                                    <p:cond delay="0"/>
+                                  </p:stCondLst>
+                                  <p:childTnLst>
+                                    <p:set>
+                                      <p:cBhvr>
+                                        <p:cTn id="6" dur="1" fill="hold">
+                                          <p:stCondLst>
+                                            <p:cond delay="0"/>
+                                          </p:stCondLst>
+                                        </p:cTn>
+                                        <p:tgtEl>
+                                          <p:spTgt spid="9"/>
+                                        </p:tgtEl>
+                                        <p:attrNameLst>
+                                          <p:attrName>style.visibility</p:attrName>
+                                        </p:attrNameLst>
+                                      </p:cBhvr>
+                                      <p:to>
+                                        <p:strVal val="visible"/>
+                                      </p:to>
+                                    </p:set>
+                                  </p:childTnLst>
+                                </p:cTn>
+                              </p:par>
+                            </p:childTnLst>
+                          </p:cTn>
+                        </p:par>
+                      </p:childTnLst>
+                    </p:cTn>
+                  </p:par>
+                  <p:par>
+                    <p:cTn id="7" fill="hold" nodeType="clickPar">
+                      <p:stCondLst>
+                        <p:cond delay="indefinite"/>
+                      </p:stCondLst>
+                      <p:childTnLst>
+                        <p:par>
+                          <p:cTn id="8" fill="hold" nodeType="withGroup">
+                            <p:stCondLst>
+                              <p:cond delay="0"/>
+                            </p:stCondLst>
+                            <p:childTnLst>
+                              <p:par>
+                                <p:cTn id="9" presetID="1" presetClass="entr" presetSubtype="0" fill="hold" grpId="0" nodeType="clickEffect">
+                                  <p:stCondLst>
+                                    <p:cond delay="0"/>
+                                  </p:stCondLst>
+                                  <p:childTnLst>
+                                    <p:set>
+                                      <p:cBhvr>
+                                        <p:cTn id="10" dur="1" fill="hold">
+                                          <p:stCondLst>
+                                            <p:cond delay="0"/>
+                                          </p:stCondLst>
+                                        </p:cTn>
+                                        <p:tgtEl>
+                                          <p:spTgt spid="10"/>
+                                        </p:tgtEl>
+                                        <p:attrNameLst>
+                                          <p:attrName>style.visibility</p:attrName>
+                                        </p:attrNameLst>
+                                      </p:cBhvr>
+                                      <p:to>
+                                        <p:strVal val="visible"/>
+                                      </p:to>
+                                    </p:set>
+                                  </p:childTnLst>
+                                </p:cTn>
+                              </p:par>
+                            </p:childTnLst>
+                          </p:cTn>
+                        </p:par>
+                      </p:childTnLst>
+                    </p:cTn>
+                  </p:par>
+                </p:childTnLst>
+              </p:cTn>
+              <p:prevCondLst>
+                <p:cond evt="onPrev" delay="0">
+                  <p:tgtEl>
+                    <p:sldTgt/>
+                  </p:tgtEl>
+                </p:cond>
+              </p:prevCondLst>
+              <p:nextCondLst>
+                <p:cond evt="onNext" delay="0">
+                  <p:tgtEl>
+                    <p:sldTgt/>
+                  </p:tgtEl>
+                </p:cond>
+              </p:nextCondLst>
+            </p:seq>
+          </p:childTnLst>
+        </p:cTn>
+      </p:par>
+    </p:tnLst>
+    <p:bldLst>
+      <p:bldP spid="9" grpId="0" animBg="1"/>
+      <p:bldP spid="10" grpId="0" animBg="1"/>
+    </p:bldLst>
+  </p:timing>
 </p:sld>
 </file>
 
 <file path=ppt/slides/slide7.xml><?xml version="1.0" encoding="utf-8"?>
+<p:sld xmlns:a="http://schemas.openxmlformats.org/drawingml/2006/main" xmlns:r="http://schemas.openxmlformats.org/officeDocument/2006/relationships" xmlns:p="http://schemas.openxmlformats.org/presentationml/2006/main">
+  <p:cSld>
+    <p:spTree>
+      <p:nvGrpSpPr>
+        <p:cNvPr id="1" name=""/>
+        <p:cNvGrpSpPr/>
+        <p:nvPr/>
+      </p:nvGrpSpPr>
+      <p:grpSpPr>
+        <a:xfrm>
+          <a:off x="0" y="0"/>
+          <a:ext cx="0" cy="0"/>
+          <a:chOff x="0" y="0"/>
+          <a:chExt cx="0" cy="0"/>
+        </a:xfrm>
+      </p:grpSpPr>
+      <p:sp>
+        <p:nvSpPr>
+          <p:cNvPr id="4" name="Title 3"/>
+          <p:cNvSpPr>
+            <a:spLocks noGrp="1"/>
+          </p:cNvSpPr>
+          <p:nvPr>
+            <p:ph type="title"/>
+          </p:nvPr>
+        </p:nvSpPr>
+        <p:spPr/>
+        <p:txBody>
+          <a:bodyPr/>
+          <a:lstStyle/>
+          <a:p>
+            <a:pPr>
+              <a:defRPr/>
+            </a:pPr>
+            <a:r>
+              <a:rPr lang="en-US" dirty="0"/>
+              <a:t>Notation: In Code</a:t>
+            </a:r>
+          </a:p>
+        </p:txBody>
+      </p:sp>
+      <p:sp>
+        <p:nvSpPr>
+          <p:cNvPr id="6" name="Rectangle 5"/>
+          <p:cNvSpPr/>
+          <p:nvPr/>
+        </p:nvSpPr>
+        <p:spPr>
+          <a:xfrm>
+            <a:off x="1371600" y="1203325"/>
+            <a:ext cx="7696200" cy="1569660"/>
+          </a:xfrm>
+          <a:prstGeom prst="rect">
+            <a:avLst/>
+          </a:prstGeom>
+        </p:spPr>
+        <p:txBody>
+          <a:bodyPr>
+            <a:spAutoFit/>
+          </a:bodyPr>
+          <a:lstStyle/>
+          <a:p>
+            <a:pPr>
+              <a:defRPr/>
+            </a:pPr>
+            <a:r>
+              <a:rPr lang="en-US" sz="2400" b="1" dirty="0">
+                <a:solidFill>
+                  <a:schemeClr val="accent5"/>
+                </a:solidFill>
+                <a:latin typeface="Consolas" pitchFamily="49" charset="0"/>
+              </a:rPr>
+              <a:t>public </a:t>
+            </a:r>
+            <a:r>
+              <a:rPr lang="en-US" sz="2400" b="1" dirty="0">
+                <a:solidFill>
+                  <a:schemeClr val="accent3"/>
+                </a:solidFill>
+                <a:latin typeface="Consolas" pitchFamily="49" charset="0"/>
+              </a:rPr>
+              <a:t>interface</a:t>
+            </a:r>
+            <a:r>
+              <a:rPr lang="en-US" sz="2400" b="1" dirty="0">
+                <a:solidFill>
+                  <a:schemeClr val="accent5"/>
+                </a:solidFill>
+                <a:latin typeface="Consolas" pitchFamily="49" charset="0"/>
+              </a:rPr>
+              <a:t> </a:t>
+            </a:r>
+            <a:r>
+              <a:rPr lang="en-US" sz="2400" b="1" dirty="0" smtClean="0">
+                <a:solidFill>
+                  <a:schemeClr val="accent5"/>
+                </a:solidFill>
+                <a:latin typeface="Consolas" pitchFamily="49" charset="0"/>
+              </a:rPr>
+              <a:t>Drivable {</a:t>
+            </a:r>
+            <a:endParaRPr lang="en-US" sz="2400" b="1" dirty="0">
+              <a:solidFill>
+                <a:schemeClr val="accent5"/>
+              </a:solidFill>
+              <a:latin typeface="Consolas" pitchFamily="49" charset="0"/>
+            </a:endParaRPr>
+          </a:p>
+          <a:p>
+            <a:pPr>
+              <a:defRPr/>
+            </a:pPr>
+            <a:r>
+              <a:rPr lang="en-US" sz="2400" b="1" dirty="0">
+                <a:solidFill>
+                  <a:schemeClr val="accent5"/>
+                </a:solidFill>
+                <a:latin typeface="Consolas" pitchFamily="49" charset="0"/>
+              </a:rPr>
+              <a:t>	</a:t>
+            </a:r>
+            <a:r>
+              <a:rPr lang="en-US" sz="2400" b="1" dirty="0" smtClean="0">
+                <a:solidFill>
+                  <a:schemeClr val="accent5"/>
+                </a:solidFill>
+                <a:latin typeface="Consolas" pitchFamily="49" charset="0"/>
+              </a:rPr>
+              <a:t>void turn(double </a:t>
+            </a:r>
+            <a:r>
+              <a:rPr lang="en-US" sz="2400" b="1" dirty="0" err="1" smtClean="0">
+                <a:solidFill>
+                  <a:schemeClr val="accent5"/>
+                </a:solidFill>
+                <a:latin typeface="Consolas" pitchFamily="49" charset="0"/>
+              </a:rPr>
+              <a:t>dir</a:t>
+            </a:r>
+            <a:r>
+              <a:rPr lang="en-US" sz="2400" b="1" dirty="0" smtClean="0">
+                <a:solidFill>
+                  <a:schemeClr val="accent5"/>
+                </a:solidFill>
+                <a:latin typeface="Consolas" pitchFamily="49" charset="0"/>
+              </a:rPr>
+              <a:t>)</a:t>
+            </a:r>
+            <a:r>
+              <a:rPr lang="en-US" sz="2400" b="1" dirty="0" smtClean="0">
+                <a:solidFill>
+                  <a:schemeClr val="accent3"/>
+                </a:solidFill>
+                <a:latin typeface="Consolas" pitchFamily="49" charset="0"/>
+              </a:rPr>
+              <a:t>;</a:t>
+            </a:r>
+            <a:endParaRPr lang="en-US" sz="2400" b="1" dirty="0">
+              <a:solidFill>
+                <a:schemeClr val="accent3"/>
+              </a:solidFill>
+              <a:latin typeface="Consolas" pitchFamily="49" charset="0"/>
+            </a:endParaRPr>
+          </a:p>
+          <a:p>
+            <a:pPr>
+              <a:defRPr/>
+            </a:pPr>
+            <a:r>
+              <a:rPr lang="en-US" sz="2400" b="1" dirty="0">
+                <a:solidFill>
+                  <a:schemeClr val="accent5"/>
+                </a:solidFill>
+                <a:latin typeface="Consolas" pitchFamily="49" charset="0"/>
+              </a:rPr>
+              <a:t>	void </a:t>
+            </a:r>
+            <a:r>
+              <a:rPr lang="en-US" sz="2400" b="1" dirty="0" smtClean="0">
+                <a:solidFill>
+                  <a:schemeClr val="accent5"/>
+                </a:solidFill>
+                <a:latin typeface="Consolas" pitchFamily="49" charset="0"/>
+              </a:rPr>
+              <a:t>accelerate(double force)</a:t>
+            </a:r>
+            <a:r>
+              <a:rPr lang="en-US" sz="2400" b="1" dirty="0" smtClean="0">
+                <a:solidFill>
+                  <a:schemeClr val="accent3"/>
+                </a:solidFill>
+                <a:latin typeface="Consolas" pitchFamily="49" charset="0"/>
+              </a:rPr>
+              <a:t>;</a:t>
+            </a:r>
+            <a:endParaRPr lang="en-US" sz="2400" b="1" dirty="0">
+              <a:solidFill>
+                <a:schemeClr val="accent3"/>
+              </a:solidFill>
+              <a:latin typeface="Consolas" pitchFamily="49" charset="0"/>
+            </a:endParaRPr>
+          </a:p>
+          <a:p>
+            <a:pPr>
+              <a:defRPr/>
+            </a:pPr>
+            <a:r>
+              <a:rPr lang="en-US" sz="2400" b="1" dirty="0">
+                <a:solidFill>
+                  <a:schemeClr val="accent5"/>
+                </a:solidFill>
+                <a:latin typeface="Consolas" pitchFamily="49" charset="0"/>
+              </a:rPr>
+              <a:t>}</a:t>
+            </a:r>
+          </a:p>
+        </p:txBody>
+      </p:sp>
+      <p:sp>
+        <p:nvSpPr>
+          <p:cNvPr id="7" name="Rectangle 6"/>
+          <p:cNvSpPr/>
+          <p:nvPr/>
+        </p:nvSpPr>
+        <p:spPr>
+          <a:xfrm>
+            <a:off x="482600" y="2772985"/>
+            <a:ext cx="8458200" cy="3785652"/>
+          </a:xfrm>
+          <a:prstGeom prst="rect">
+            <a:avLst/>
+          </a:prstGeom>
+        </p:spPr>
+        <p:txBody>
+          <a:bodyPr>
+            <a:spAutoFit/>
+          </a:bodyPr>
+          <a:lstStyle/>
+          <a:p>
+            <a:pPr>
+              <a:defRPr/>
+            </a:pPr>
+            <a:r>
+              <a:rPr lang="en-US" sz="2400" b="1" dirty="0">
+                <a:solidFill>
+                  <a:schemeClr val="accent5"/>
+                </a:solidFill>
+                <a:latin typeface="Consolas" pitchFamily="49" charset="0"/>
+              </a:rPr>
+              <a:t>public class </a:t>
+            </a:r>
+            <a:r>
+              <a:rPr lang="en-US" sz="2400" b="1" dirty="0" smtClean="0">
+                <a:solidFill>
+                  <a:schemeClr val="accent5"/>
+                </a:solidFill>
+                <a:latin typeface="Consolas" pitchFamily="49" charset="0"/>
+              </a:rPr>
+              <a:t>Truck </a:t>
+            </a:r>
+            <a:r>
+              <a:rPr lang="en-US" sz="2400" b="1" dirty="0">
+                <a:solidFill>
+                  <a:schemeClr val="accent3"/>
+                </a:solidFill>
+                <a:latin typeface="Consolas" pitchFamily="49" charset="0"/>
+              </a:rPr>
+              <a:t>implements </a:t>
+            </a:r>
+            <a:r>
+              <a:rPr lang="en-US" sz="2400" b="1" dirty="0">
+                <a:solidFill>
+                  <a:schemeClr val="accent5"/>
+                </a:solidFill>
+                <a:latin typeface="Consolas" pitchFamily="49" charset="0"/>
+              </a:rPr>
+              <a:t>Drivable</a:t>
+            </a:r>
+            <a:r>
+              <a:rPr lang="en-US" sz="2400" b="1" dirty="0" smtClean="0">
+                <a:solidFill>
+                  <a:schemeClr val="accent3"/>
+                </a:solidFill>
+                <a:latin typeface="Consolas" pitchFamily="49" charset="0"/>
+              </a:rPr>
+              <a:t> </a:t>
+            </a:r>
+            <a:r>
+              <a:rPr lang="en-US" sz="2400" b="1" dirty="0">
+                <a:solidFill>
+                  <a:schemeClr val="accent5"/>
+                </a:solidFill>
+                <a:latin typeface="Consolas" pitchFamily="49" charset="0"/>
+              </a:rPr>
+              <a:t>{</a:t>
+            </a:r>
+            <a:br>
+              <a:rPr lang="en-US" sz="2400" b="1" dirty="0">
+                <a:solidFill>
+                  <a:schemeClr val="accent5"/>
+                </a:solidFill>
+                <a:latin typeface="Consolas" pitchFamily="49" charset="0"/>
+              </a:rPr>
+            </a:br>
+            <a:r>
+              <a:rPr lang="en-US" sz="2400" b="1" dirty="0" smtClean="0">
+                <a:solidFill>
+                  <a:schemeClr val="accent5"/>
+                </a:solidFill>
+                <a:latin typeface="Consolas" pitchFamily="49" charset="0"/>
+              </a:rPr>
+              <a:t>	@Override	</a:t>
+            </a:r>
+          </a:p>
+          <a:p>
+            <a:pPr>
+              <a:defRPr/>
+            </a:pPr>
+            <a:r>
+              <a:rPr lang="en-US" sz="2400" b="1" dirty="0" smtClean="0">
+                <a:solidFill>
+                  <a:schemeClr val="accent5"/>
+                </a:solidFill>
+                <a:latin typeface="Consolas" pitchFamily="49" charset="0"/>
+              </a:rPr>
+              <a:t>	public void </a:t>
+            </a:r>
+            <a:r>
+              <a:rPr lang="en-US" sz="2400" b="1" dirty="0">
+                <a:solidFill>
+                  <a:schemeClr val="accent5"/>
+                </a:solidFill>
+                <a:latin typeface="Consolas" pitchFamily="49" charset="0"/>
+              </a:rPr>
+              <a:t>turn(double direction</a:t>
+            </a:r>
+            <a:r>
+              <a:rPr lang="en-US" sz="2400" b="1" dirty="0" smtClean="0">
+                <a:solidFill>
+                  <a:schemeClr val="accent5"/>
+                </a:solidFill>
+                <a:latin typeface="Consolas" pitchFamily="49" charset="0"/>
+              </a:rPr>
+              <a:t>) {</a:t>
+            </a:r>
+          </a:p>
+          <a:p>
+            <a:pPr>
+              <a:defRPr/>
+            </a:pPr>
+            <a:r>
+              <a:rPr lang="en-US" sz="2400" b="1" dirty="0" smtClean="0">
+                <a:solidFill>
+                  <a:schemeClr val="accent5"/>
+                </a:solidFill>
+                <a:latin typeface="Consolas" pitchFamily="49" charset="0"/>
+              </a:rPr>
+              <a:t>		...</a:t>
+            </a:r>
+          </a:p>
+          <a:p>
+            <a:pPr>
+              <a:defRPr/>
+            </a:pPr>
+            <a:r>
+              <a:rPr lang="en-US" sz="2400" b="1" dirty="0">
+                <a:solidFill>
+                  <a:schemeClr val="accent5"/>
+                </a:solidFill>
+                <a:latin typeface="Consolas" pitchFamily="49" charset="0"/>
+              </a:rPr>
+              <a:t>	</a:t>
+            </a:r>
+            <a:r>
+              <a:rPr lang="en-US" sz="2400" b="1" dirty="0" smtClean="0">
+                <a:solidFill>
+                  <a:schemeClr val="accent5"/>
+                </a:solidFill>
+                <a:latin typeface="Consolas" pitchFamily="49" charset="0"/>
+              </a:rPr>
+              <a:t>}</a:t>
+            </a:r>
+          </a:p>
+          <a:p>
+            <a:pPr>
+              <a:defRPr/>
+            </a:pPr>
+            <a:r>
+              <a:rPr lang="en-US" sz="2400" b="1" dirty="0">
+                <a:solidFill>
+                  <a:schemeClr val="accent5"/>
+                </a:solidFill>
+                <a:latin typeface="Consolas" pitchFamily="49" charset="0"/>
+              </a:rPr>
+              <a:t>	@Override	</a:t>
+            </a:r>
+            <a:endParaRPr lang="en-US" sz="2400" b="1" dirty="0" smtClean="0">
+              <a:solidFill>
+                <a:schemeClr val="accent5"/>
+              </a:solidFill>
+              <a:latin typeface="Consolas" pitchFamily="49" charset="0"/>
+            </a:endParaRPr>
+          </a:p>
+          <a:p>
+            <a:pPr>
+              <a:defRPr/>
+            </a:pPr>
+            <a:r>
+              <a:rPr lang="en-US" sz="2400" b="1" dirty="0" smtClean="0">
+                <a:solidFill>
+                  <a:schemeClr val="accent5"/>
+                </a:solidFill>
+                <a:latin typeface="Consolas" pitchFamily="49" charset="0"/>
+              </a:rPr>
+              <a:t>	public void accelerate(double force) {</a:t>
+            </a:r>
+          </a:p>
+          <a:p>
+            <a:pPr>
+              <a:defRPr/>
+            </a:pPr>
+            <a:r>
+              <a:rPr lang="en-US" sz="2400" b="1" dirty="0">
+                <a:solidFill>
+                  <a:schemeClr val="accent5"/>
+                </a:solidFill>
+                <a:latin typeface="Consolas" pitchFamily="49" charset="0"/>
+              </a:rPr>
+              <a:t>	</a:t>
+            </a:r>
+            <a:r>
+              <a:rPr lang="en-US" sz="2400" b="1" dirty="0" smtClean="0">
+                <a:solidFill>
+                  <a:schemeClr val="accent5"/>
+                </a:solidFill>
+                <a:latin typeface="Consolas" pitchFamily="49" charset="0"/>
+              </a:rPr>
+              <a:t>	...</a:t>
+            </a:r>
+          </a:p>
+          <a:p>
+            <a:pPr>
+              <a:defRPr/>
+            </a:pPr>
+            <a:r>
+              <a:rPr lang="en-US" sz="2400" b="1" dirty="0">
+                <a:solidFill>
+                  <a:schemeClr val="accent5"/>
+                </a:solidFill>
+                <a:latin typeface="Consolas" pitchFamily="49" charset="0"/>
+              </a:rPr>
+              <a:t>	</a:t>
+            </a:r>
+            <a:r>
+              <a:rPr lang="en-US" sz="2400" b="1" dirty="0" smtClean="0">
+                <a:solidFill>
+                  <a:schemeClr val="accent5"/>
+                </a:solidFill>
+                <a:latin typeface="Consolas" pitchFamily="49" charset="0"/>
+              </a:rPr>
+              <a:t>}</a:t>
+            </a:r>
+            <a:r>
+              <a:rPr lang="en-US" sz="2400" b="1" dirty="0">
+                <a:solidFill>
+                  <a:schemeClr val="accent5"/>
+                </a:solidFill>
+                <a:latin typeface="Consolas" pitchFamily="49" charset="0"/>
+              </a:rPr>
+              <a:t/>
+            </a:r>
+            <a:br>
+              <a:rPr lang="en-US" sz="2400" b="1" dirty="0">
+                <a:solidFill>
+                  <a:schemeClr val="accent5"/>
+                </a:solidFill>
+                <a:latin typeface="Consolas" pitchFamily="49" charset="0"/>
+              </a:rPr>
+            </a:br>
+            <a:r>
+              <a:rPr lang="en-US" sz="2400" b="1" dirty="0">
+                <a:solidFill>
+                  <a:schemeClr val="accent5"/>
+                </a:solidFill>
+                <a:latin typeface="Consolas" pitchFamily="49" charset="0"/>
+              </a:rPr>
+              <a:t>}</a:t>
+            </a:r>
+          </a:p>
+        </p:txBody>
+      </p:sp>
+      <p:sp>
+        <p:nvSpPr>
+          <p:cNvPr id="9" name="Line Callout 2 8"/>
+          <p:cNvSpPr/>
+          <p:nvPr/>
+        </p:nvSpPr>
+        <p:spPr>
+          <a:xfrm>
+            <a:off x="7188200" y="212725"/>
+            <a:ext cx="1752600" cy="990600"/>
+          </a:xfrm>
+          <a:prstGeom prst="borderCallout2">
+            <a:avLst>
+              <a:gd name="adj1" fmla="val 182853"/>
+              <a:gd name="adj2" fmla="val 12682"/>
+              <a:gd name="adj3" fmla="val 114904"/>
+              <a:gd name="adj4" fmla="val 2898"/>
+              <a:gd name="adj5" fmla="val 160859"/>
+              <a:gd name="adj6" fmla="val -53620"/>
+            </a:avLst>
+          </a:prstGeom>
+        </p:spPr>
+        <p:style>
+          <a:lnRef idx="2">
+            <a:schemeClr val="accent3">
+              <a:shade val="50000"/>
+            </a:schemeClr>
+          </a:lnRef>
+          <a:fillRef idx="1">
+            <a:schemeClr val="accent3"/>
+          </a:fillRef>
+          <a:effectRef idx="0">
+            <a:schemeClr val="accent3"/>
+          </a:effectRef>
+          <a:fontRef idx="minor">
+            <a:schemeClr val="lt1"/>
+          </a:fontRef>
+        </p:style>
+        <p:txBody>
+          <a:bodyPr anchor="ctr"/>
+          <a:lstStyle/>
+          <a:p>
+            <a:pPr algn="ctr">
+              <a:defRPr/>
+            </a:pPr>
+            <a:r>
+              <a:rPr lang="en-US" dirty="0"/>
+              <a:t>No method body, just a semi-colon</a:t>
+            </a:r>
+          </a:p>
+        </p:txBody>
+      </p:sp>
+      <p:sp>
+        <p:nvSpPr>
+          <p:cNvPr id="10" name="Line Callout 2 9"/>
+          <p:cNvSpPr/>
+          <p:nvPr/>
+        </p:nvSpPr>
+        <p:spPr>
+          <a:xfrm flipH="1">
+            <a:off x="152400" y="134749"/>
+            <a:ext cx="1752600" cy="990600"/>
+          </a:xfrm>
+          <a:prstGeom prst="borderCallout2">
+            <a:avLst>
+              <a:gd name="adj1" fmla="val 112340"/>
+              <a:gd name="adj2" fmla="val 84421"/>
+              <a:gd name="adj3" fmla="val 185417"/>
+              <a:gd name="adj4" fmla="val 72463"/>
+              <a:gd name="adj5" fmla="val 186801"/>
+              <a:gd name="adj6" fmla="val -18585"/>
+            </a:avLst>
+          </a:prstGeom>
+        </p:spPr>
+        <p:style>
+          <a:lnRef idx="2">
+            <a:schemeClr val="accent3">
+              <a:shade val="50000"/>
+            </a:schemeClr>
+          </a:lnRef>
+          <a:fillRef idx="1">
+            <a:schemeClr val="accent3"/>
+          </a:fillRef>
+          <a:effectRef idx="0">
+            <a:schemeClr val="accent3"/>
+          </a:effectRef>
+          <a:fontRef idx="minor">
+            <a:schemeClr val="lt1"/>
+          </a:fontRef>
+        </p:style>
+        <p:txBody>
+          <a:bodyPr anchor="ctr"/>
+          <a:lstStyle/>
+          <a:p>
+            <a:pPr algn="ctr">
+              <a:defRPr/>
+            </a:pPr>
+            <a:r>
+              <a:rPr lang="en-US" dirty="0"/>
+              <a:t>Automatically public, so we don’t specify it</a:t>
+            </a:r>
+          </a:p>
+        </p:txBody>
+      </p:sp>
+    </p:spTree>
+    <p:extLst>
+      <p:ext uri="{BB962C8B-B14F-4D97-AF65-F5344CB8AC3E}">
+        <p14:creationId xmlns:p14="http://schemas.microsoft.com/office/powerpoint/2010/main" val="413286064"/>
+      </p:ext>
+    </p:extLst>
+  </p:cSld>
+  <p:clrMapOvr>
+    <a:masterClrMapping/>
+  </p:clrMapOvr>
+  <p:timing>
+    <p:tnLst>
+      <p:par>
+        <p:cTn id="1" dur="indefinite" restart="never" nodeType="tmRoot">
+          <p:childTnLst>
+            <p:seq concurrent="1" nextAc="seek">
+              <p:cTn id="2" dur="indefinite" nodeType="mainSeq">
+                <p:childTnLst>
+                  <p:par>
+                    <p:cTn id="3" fill="hold" nodeType="clickPar">
+                      <p:stCondLst>
+                        <p:cond delay="indefinite"/>
+                      </p:stCondLst>
+                      <p:childTnLst>
+                        <p:par>
+                          <p:cTn id="4" fill="hold" nodeType="withGroup">
+                            <p:stCondLst>
+                              <p:cond delay="0"/>
+                            </p:stCondLst>
+                            <p:childTnLst>
+                              <p:par>
+                                <p:cTn id="5" presetID="1" presetClass="entr" presetSubtype="0" fill="hold" grpId="0" nodeType="clickEffect">
+                                  <p:stCondLst>
+                                    <p:cond delay="0"/>
+                                  </p:stCondLst>
+                                  <p:childTnLst>
+                                    <p:set>
+                                      <p:cBhvr>
+                                        <p:cTn id="6" dur="1" fill="hold">
+                                          <p:stCondLst>
+                                            <p:cond delay="0"/>
+                                          </p:stCondLst>
+                                        </p:cTn>
+                                        <p:tgtEl>
+                                          <p:spTgt spid="9"/>
+                                        </p:tgtEl>
+                                        <p:attrNameLst>
+                                          <p:attrName>style.visibility</p:attrName>
+                                        </p:attrNameLst>
+                                      </p:cBhvr>
+                                      <p:to>
+                                        <p:strVal val="visible"/>
+                                      </p:to>
+                                    </p:set>
+                                  </p:childTnLst>
+                                </p:cTn>
+                              </p:par>
+                            </p:childTnLst>
+                          </p:cTn>
+                        </p:par>
+                      </p:childTnLst>
+                    </p:cTn>
+                  </p:par>
+                  <p:par>
+                    <p:cTn id="7" fill="hold" nodeType="clickPar">
+                      <p:stCondLst>
+                        <p:cond delay="indefinite"/>
+                      </p:stCondLst>
+                      <p:childTnLst>
+                        <p:par>
+                          <p:cTn id="8" fill="hold" nodeType="withGroup">
+                            <p:stCondLst>
+                              <p:cond delay="0"/>
+                            </p:stCondLst>
+                            <p:childTnLst>
+                              <p:par>
+                                <p:cTn id="9" presetID="1" presetClass="entr" presetSubtype="0" fill="hold" grpId="0" nodeType="clickEffect">
+                                  <p:stCondLst>
+                                    <p:cond delay="0"/>
+                                  </p:stCondLst>
+                                  <p:childTnLst>
+                                    <p:set>
+                                      <p:cBhvr>
+                                        <p:cTn id="10" dur="1" fill="hold">
+                                          <p:stCondLst>
+                                            <p:cond delay="0"/>
+                                          </p:stCondLst>
+                                        </p:cTn>
+                                        <p:tgtEl>
+                                          <p:spTgt spid="10"/>
+                                        </p:tgtEl>
+                                        <p:attrNameLst>
+                                          <p:attrName>style.visibility</p:attrName>
+                                        </p:attrNameLst>
+                                      </p:cBhvr>
+                                      <p:to>
+                                        <p:strVal val="visible"/>
+                                      </p:to>
+                                    </p:set>
+                                  </p:childTnLst>
+                                </p:cTn>
+                              </p:par>
+                            </p:childTnLst>
+                          </p:cTn>
+                        </p:par>
+                      </p:childTnLst>
+                    </p:cTn>
+                  </p:par>
+                </p:childTnLst>
+              </p:cTn>
+              <p:prevCondLst>
+                <p:cond evt="onPrev" delay="0">
+                  <p:tgtEl>
+                    <p:sldTgt/>
+                  </p:tgtEl>
+                </p:cond>
+              </p:prevCondLst>
+              <p:nextCondLst>
+                <p:cond evt="onNext" delay="0">
+                  <p:tgtEl>
+                    <p:sldTgt/>
+                  </p:tgtEl>
+                </p:cond>
+              </p:nextCondLst>
+            </p:seq>
+          </p:childTnLst>
+        </p:cTn>
+      </p:par>
+    </p:tnLst>
+    <p:bldLst>
+      <p:bldP spid="9" grpId="0" animBg="1"/>
+      <p:bldP spid="10" grpId="0" animBg="1"/>
+    </p:bldLst>
+  </p:timing>
+</p:sld>
+</file>
+
+<file path=ppt/slides/slide8.xml><?xml version="1.0" encoding="utf-8"?>
+<p:sld xmlns:a="http://schemas.openxmlformats.org/drawingml/2006/main" xmlns:r="http://schemas.openxmlformats.org/officeDocument/2006/relationships" xmlns:p="http://schemas.openxmlformats.org/presentationml/2006/main">
+  <p:cSld>
+    <p:spTree>
+      <p:nvGrpSpPr>
+        <p:cNvPr id="1" name=""/>
+        <p:cNvGrpSpPr/>
+        <p:nvPr/>
+      </p:nvGrpSpPr>
+      <p:grpSpPr>
+        <a:xfrm>
+          <a:off x="0" y="0"/>
+          <a:ext cx="0" cy="0"/>
+          <a:chOff x="0" y="0"/>
+          <a:chExt cx="0" cy="0"/>
+        </a:xfrm>
+      </p:grpSpPr>
+      <p:sp>
+        <p:nvSpPr>
+          <p:cNvPr id="4" name="Title 3"/>
+          <p:cNvSpPr>
+            <a:spLocks noGrp="1"/>
+          </p:cNvSpPr>
+          <p:nvPr>
+            <p:ph type="title"/>
+          </p:nvPr>
+        </p:nvSpPr>
+        <p:spPr/>
+        <p:txBody>
+          <a:bodyPr/>
+          <a:lstStyle/>
+          <a:p>
+            <a:pPr>
+              <a:defRPr/>
+            </a:pPr>
+            <a:r>
+              <a:rPr lang="en-US" dirty="0"/>
+              <a:t>Notation: In Code</a:t>
+            </a:r>
+          </a:p>
+        </p:txBody>
+      </p:sp>
+      <p:sp>
+        <p:nvSpPr>
+          <p:cNvPr id="6" name="Rectangle 5"/>
+          <p:cNvSpPr/>
+          <p:nvPr/>
+        </p:nvSpPr>
+        <p:spPr>
+          <a:xfrm>
+            <a:off x="1371600" y="1203325"/>
+            <a:ext cx="7696200" cy="1569660"/>
+          </a:xfrm>
+          <a:prstGeom prst="rect">
+            <a:avLst/>
+          </a:prstGeom>
+        </p:spPr>
+        <p:txBody>
+          <a:bodyPr>
+            <a:spAutoFit/>
+          </a:bodyPr>
+          <a:lstStyle/>
+          <a:p>
+            <a:pPr>
+              <a:defRPr/>
+            </a:pPr>
+            <a:r>
+              <a:rPr lang="en-US" sz="2400" b="1" dirty="0">
+                <a:solidFill>
+                  <a:schemeClr val="accent5"/>
+                </a:solidFill>
+                <a:latin typeface="Consolas" pitchFamily="49" charset="0"/>
+              </a:rPr>
+              <a:t>public </a:t>
+            </a:r>
+            <a:r>
+              <a:rPr lang="en-US" sz="2400" b="1" dirty="0">
+                <a:solidFill>
+                  <a:schemeClr val="accent3"/>
+                </a:solidFill>
+                <a:latin typeface="Consolas" pitchFamily="49" charset="0"/>
+              </a:rPr>
+              <a:t>interface</a:t>
+            </a:r>
+            <a:r>
+              <a:rPr lang="en-US" sz="2400" b="1" dirty="0">
+                <a:solidFill>
+                  <a:schemeClr val="accent5"/>
+                </a:solidFill>
+                <a:latin typeface="Consolas" pitchFamily="49" charset="0"/>
+              </a:rPr>
+              <a:t> </a:t>
+            </a:r>
+            <a:r>
+              <a:rPr lang="en-US" sz="2400" b="1" dirty="0" smtClean="0">
+                <a:solidFill>
+                  <a:schemeClr val="accent5"/>
+                </a:solidFill>
+                <a:latin typeface="Consolas" pitchFamily="49" charset="0"/>
+              </a:rPr>
+              <a:t>Drivable {</a:t>
+            </a:r>
+            <a:endParaRPr lang="en-US" sz="2400" b="1" dirty="0">
+              <a:solidFill>
+                <a:schemeClr val="accent5"/>
+              </a:solidFill>
+              <a:latin typeface="Consolas" pitchFamily="49" charset="0"/>
+            </a:endParaRPr>
+          </a:p>
+          <a:p>
+            <a:pPr>
+              <a:defRPr/>
+            </a:pPr>
+            <a:r>
+              <a:rPr lang="en-US" sz="2400" b="1" dirty="0">
+                <a:solidFill>
+                  <a:schemeClr val="accent5"/>
+                </a:solidFill>
+                <a:latin typeface="Consolas" pitchFamily="49" charset="0"/>
+              </a:rPr>
+              <a:t>	</a:t>
+            </a:r>
+            <a:r>
+              <a:rPr lang="en-US" sz="2400" b="1" dirty="0" smtClean="0">
+                <a:solidFill>
+                  <a:schemeClr val="accent5"/>
+                </a:solidFill>
+                <a:latin typeface="Consolas" pitchFamily="49" charset="0"/>
+              </a:rPr>
+              <a:t>void turn(double </a:t>
+            </a:r>
+            <a:r>
+              <a:rPr lang="en-US" sz="2400" b="1" dirty="0" err="1" smtClean="0">
+                <a:solidFill>
+                  <a:schemeClr val="accent5"/>
+                </a:solidFill>
+                <a:latin typeface="Consolas" pitchFamily="49" charset="0"/>
+              </a:rPr>
+              <a:t>dir</a:t>
+            </a:r>
+            <a:r>
+              <a:rPr lang="en-US" sz="2400" b="1" dirty="0" smtClean="0">
+                <a:solidFill>
+                  <a:schemeClr val="accent5"/>
+                </a:solidFill>
+                <a:latin typeface="Consolas" pitchFamily="49" charset="0"/>
+              </a:rPr>
+              <a:t>)</a:t>
+            </a:r>
+            <a:r>
+              <a:rPr lang="en-US" sz="2400" b="1" dirty="0" smtClean="0">
+                <a:solidFill>
+                  <a:schemeClr val="accent3"/>
+                </a:solidFill>
+                <a:latin typeface="Consolas" pitchFamily="49" charset="0"/>
+              </a:rPr>
+              <a:t>;</a:t>
+            </a:r>
+            <a:endParaRPr lang="en-US" sz="2400" b="1" dirty="0">
+              <a:solidFill>
+                <a:schemeClr val="accent3"/>
+              </a:solidFill>
+              <a:latin typeface="Consolas" pitchFamily="49" charset="0"/>
+            </a:endParaRPr>
+          </a:p>
+          <a:p>
+            <a:pPr>
+              <a:defRPr/>
+            </a:pPr>
+            <a:r>
+              <a:rPr lang="en-US" sz="2400" b="1" dirty="0">
+                <a:solidFill>
+                  <a:schemeClr val="accent5"/>
+                </a:solidFill>
+                <a:latin typeface="Consolas" pitchFamily="49" charset="0"/>
+              </a:rPr>
+              <a:t>	void </a:t>
+            </a:r>
+            <a:r>
+              <a:rPr lang="en-US" sz="2400" b="1" dirty="0" smtClean="0">
+                <a:solidFill>
+                  <a:schemeClr val="accent5"/>
+                </a:solidFill>
+                <a:latin typeface="Consolas" pitchFamily="49" charset="0"/>
+              </a:rPr>
+              <a:t>accelerate(double force)</a:t>
+            </a:r>
+            <a:r>
+              <a:rPr lang="en-US" sz="2400" b="1" dirty="0" smtClean="0">
+                <a:solidFill>
+                  <a:schemeClr val="accent3"/>
+                </a:solidFill>
+                <a:latin typeface="Consolas" pitchFamily="49" charset="0"/>
+              </a:rPr>
+              <a:t>;</a:t>
+            </a:r>
+            <a:endParaRPr lang="en-US" sz="2400" b="1" dirty="0">
+              <a:solidFill>
+                <a:schemeClr val="accent3"/>
+              </a:solidFill>
+              <a:latin typeface="Consolas" pitchFamily="49" charset="0"/>
+            </a:endParaRPr>
+          </a:p>
+          <a:p>
+            <a:pPr>
+              <a:defRPr/>
+            </a:pPr>
+            <a:r>
+              <a:rPr lang="en-US" sz="2400" b="1" dirty="0">
+                <a:solidFill>
+                  <a:schemeClr val="accent5"/>
+                </a:solidFill>
+                <a:latin typeface="Consolas" pitchFamily="49" charset="0"/>
+              </a:rPr>
+              <a:t>}</a:t>
+            </a:r>
+          </a:p>
+        </p:txBody>
+      </p:sp>
+      <p:sp>
+        <p:nvSpPr>
+          <p:cNvPr id="7" name="Rectangle 6"/>
+          <p:cNvSpPr/>
+          <p:nvPr/>
+        </p:nvSpPr>
+        <p:spPr>
+          <a:xfrm>
+            <a:off x="482600" y="2772985"/>
+            <a:ext cx="8458200" cy="3785652"/>
+          </a:xfrm>
+          <a:prstGeom prst="rect">
+            <a:avLst/>
+          </a:prstGeom>
+        </p:spPr>
+        <p:txBody>
+          <a:bodyPr>
+            <a:spAutoFit/>
+          </a:bodyPr>
+          <a:lstStyle/>
+          <a:p>
+            <a:pPr>
+              <a:defRPr/>
+            </a:pPr>
+            <a:r>
+              <a:rPr lang="en-US" sz="2400" b="1" dirty="0">
+                <a:solidFill>
+                  <a:schemeClr val="accent5"/>
+                </a:solidFill>
+                <a:latin typeface="Consolas" pitchFamily="49" charset="0"/>
+              </a:rPr>
+              <a:t>public class </a:t>
+            </a:r>
+            <a:r>
+              <a:rPr lang="en-US" sz="2400" b="1" dirty="0" smtClean="0">
+                <a:solidFill>
+                  <a:schemeClr val="accent5"/>
+                </a:solidFill>
+                <a:latin typeface="Consolas" pitchFamily="49" charset="0"/>
+              </a:rPr>
+              <a:t>Hovercraft </a:t>
+            </a:r>
+            <a:r>
+              <a:rPr lang="en-US" sz="2400" b="1" dirty="0">
+                <a:solidFill>
+                  <a:schemeClr val="accent3"/>
+                </a:solidFill>
+                <a:latin typeface="Consolas" pitchFamily="49" charset="0"/>
+              </a:rPr>
+              <a:t>implements </a:t>
+            </a:r>
+            <a:r>
+              <a:rPr lang="en-US" sz="2400" b="1" dirty="0">
+                <a:solidFill>
+                  <a:schemeClr val="accent5"/>
+                </a:solidFill>
+                <a:latin typeface="Consolas" pitchFamily="49" charset="0"/>
+              </a:rPr>
+              <a:t>Drivable</a:t>
+            </a:r>
+            <a:r>
+              <a:rPr lang="en-US" sz="2400" b="1" dirty="0" smtClean="0">
+                <a:solidFill>
+                  <a:schemeClr val="accent3"/>
+                </a:solidFill>
+                <a:latin typeface="Consolas" pitchFamily="49" charset="0"/>
+              </a:rPr>
+              <a:t> </a:t>
+            </a:r>
+            <a:r>
+              <a:rPr lang="en-US" sz="2400" b="1" dirty="0">
+                <a:solidFill>
+                  <a:schemeClr val="accent5"/>
+                </a:solidFill>
+                <a:latin typeface="Consolas" pitchFamily="49" charset="0"/>
+              </a:rPr>
+              <a:t>{</a:t>
+            </a:r>
+            <a:br>
+              <a:rPr lang="en-US" sz="2400" b="1" dirty="0">
+                <a:solidFill>
+                  <a:schemeClr val="accent5"/>
+                </a:solidFill>
+                <a:latin typeface="Consolas" pitchFamily="49" charset="0"/>
+              </a:rPr>
+            </a:br>
+            <a:r>
+              <a:rPr lang="en-US" sz="2400" b="1" dirty="0" smtClean="0">
+                <a:solidFill>
+                  <a:schemeClr val="accent5"/>
+                </a:solidFill>
+                <a:latin typeface="Consolas" pitchFamily="49" charset="0"/>
+              </a:rPr>
+              <a:t>	@Override	</a:t>
+            </a:r>
+          </a:p>
+          <a:p>
+            <a:pPr>
+              <a:defRPr/>
+            </a:pPr>
+            <a:r>
+              <a:rPr lang="en-US" sz="2400" b="1" dirty="0" smtClean="0">
+                <a:solidFill>
+                  <a:schemeClr val="accent5"/>
+                </a:solidFill>
+                <a:latin typeface="Consolas" pitchFamily="49" charset="0"/>
+              </a:rPr>
+              <a:t>	public void </a:t>
+            </a:r>
+            <a:r>
+              <a:rPr lang="en-US" sz="2400" b="1" dirty="0">
+                <a:solidFill>
+                  <a:schemeClr val="accent5"/>
+                </a:solidFill>
+                <a:latin typeface="Consolas" pitchFamily="49" charset="0"/>
+              </a:rPr>
+              <a:t>turn(double direction</a:t>
+            </a:r>
+            <a:r>
+              <a:rPr lang="en-US" sz="2400" b="1" dirty="0" smtClean="0">
+                <a:solidFill>
+                  <a:schemeClr val="accent5"/>
+                </a:solidFill>
+                <a:latin typeface="Consolas" pitchFamily="49" charset="0"/>
+              </a:rPr>
+              <a:t>) {</a:t>
+            </a:r>
+          </a:p>
+          <a:p>
+            <a:pPr>
+              <a:defRPr/>
+            </a:pPr>
+            <a:r>
+              <a:rPr lang="en-US" sz="2400" b="1" dirty="0" smtClean="0">
+                <a:solidFill>
+                  <a:schemeClr val="accent5"/>
+                </a:solidFill>
+                <a:latin typeface="Consolas" pitchFamily="49" charset="0"/>
+              </a:rPr>
+              <a:t>		...</a:t>
+            </a:r>
+          </a:p>
+          <a:p>
+            <a:pPr>
+              <a:defRPr/>
+            </a:pPr>
+            <a:r>
+              <a:rPr lang="en-US" sz="2400" b="1" dirty="0">
+                <a:solidFill>
+                  <a:schemeClr val="accent5"/>
+                </a:solidFill>
+                <a:latin typeface="Consolas" pitchFamily="49" charset="0"/>
+              </a:rPr>
+              <a:t>	</a:t>
+            </a:r>
+            <a:r>
+              <a:rPr lang="en-US" sz="2400" b="1" dirty="0" smtClean="0">
+                <a:solidFill>
+                  <a:schemeClr val="accent5"/>
+                </a:solidFill>
+                <a:latin typeface="Consolas" pitchFamily="49" charset="0"/>
+              </a:rPr>
+              <a:t>}</a:t>
+            </a:r>
+          </a:p>
+          <a:p>
+            <a:pPr>
+              <a:defRPr/>
+            </a:pPr>
+            <a:r>
+              <a:rPr lang="en-US" sz="2400" b="1" dirty="0">
+                <a:solidFill>
+                  <a:schemeClr val="accent5"/>
+                </a:solidFill>
+                <a:latin typeface="Consolas" pitchFamily="49" charset="0"/>
+              </a:rPr>
+              <a:t>	@Override	</a:t>
+            </a:r>
+            <a:endParaRPr lang="en-US" sz="2400" b="1" dirty="0" smtClean="0">
+              <a:solidFill>
+                <a:schemeClr val="accent5"/>
+              </a:solidFill>
+              <a:latin typeface="Consolas" pitchFamily="49" charset="0"/>
+            </a:endParaRPr>
+          </a:p>
+          <a:p>
+            <a:pPr>
+              <a:defRPr/>
+            </a:pPr>
+            <a:r>
+              <a:rPr lang="en-US" sz="2400" b="1" dirty="0" smtClean="0">
+                <a:solidFill>
+                  <a:schemeClr val="accent5"/>
+                </a:solidFill>
+                <a:latin typeface="Consolas" pitchFamily="49" charset="0"/>
+              </a:rPr>
+              <a:t>	public void accelerate(double force) {</a:t>
+            </a:r>
+          </a:p>
+          <a:p>
+            <a:pPr>
+              <a:defRPr/>
+            </a:pPr>
+            <a:r>
+              <a:rPr lang="en-US" sz="2400" b="1" dirty="0">
+                <a:solidFill>
+                  <a:schemeClr val="accent5"/>
+                </a:solidFill>
+                <a:latin typeface="Consolas" pitchFamily="49" charset="0"/>
+              </a:rPr>
+              <a:t>	</a:t>
+            </a:r>
+            <a:r>
+              <a:rPr lang="en-US" sz="2400" b="1" dirty="0" smtClean="0">
+                <a:solidFill>
+                  <a:schemeClr val="accent5"/>
+                </a:solidFill>
+                <a:latin typeface="Consolas" pitchFamily="49" charset="0"/>
+              </a:rPr>
+              <a:t>	...</a:t>
+            </a:r>
+          </a:p>
+          <a:p>
+            <a:pPr>
+              <a:defRPr/>
+            </a:pPr>
+            <a:r>
+              <a:rPr lang="en-US" sz="2400" b="1" dirty="0">
+                <a:solidFill>
+                  <a:schemeClr val="accent5"/>
+                </a:solidFill>
+                <a:latin typeface="Consolas" pitchFamily="49" charset="0"/>
+              </a:rPr>
+              <a:t>	</a:t>
+            </a:r>
+            <a:r>
+              <a:rPr lang="en-US" sz="2400" b="1" dirty="0" smtClean="0">
+                <a:solidFill>
+                  <a:schemeClr val="accent5"/>
+                </a:solidFill>
+                <a:latin typeface="Consolas" pitchFamily="49" charset="0"/>
+              </a:rPr>
+              <a:t>}</a:t>
+            </a:r>
+            <a:r>
+              <a:rPr lang="en-US" sz="2400" b="1" dirty="0">
+                <a:solidFill>
+                  <a:schemeClr val="accent5"/>
+                </a:solidFill>
+                <a:latin typeface="Consolas" pitchFamily="49" charset="0"/>
+              </a:rPr>
+              <a:t/>
+            </a:r>
+            <a:br>
+              <a:rPr lang="en-US" sz="2400" b="1" dirty="0">
+                <a:solidFill>
+                  <a:schemeClr val="accent5"/>
+                </a:solidFill>
+                <a:latin typeface="Consolas" pitchFamily="49" charset="0"/>
+              </a:rPr>
+            </a:br>
+            <a:r>
+              <a:rPr lang="en-US" sz="2400" b="1" dirty="0">
+                <a:solidFill>
+                  <a:schemeClr val="accent5"/>
+                </a:solidFill>
+                <a:latin typeface="Consolas" pitchFamily="49" charset="0"/>
+              </a:rPr>
+              <a:t>}</a:t>
+            </a:r>
+          </a:p>
+        </p:txBody>
+      </p:sp>
+      <p:sp>
+        <p:nvSpPr>
+          <p:cNvPr id="9" name="Line Callout 2 8"/>
+          <p:cNvSpPr/>
+          <p:nvPr/>
+        </p:nvSpPr>
+        <p:spPr>
+          <a:xfrm>
+            <a:off x="7188200" y="212725"/>
+            <a:ext cx="1752600" cy="990600"/>
+          </a:xfrm>
+          <a:prstGeom prst="borderCallout2">
+            <a:avLst>
+              <a:gd name="adj1" fmla="val 182853"/>
+              <a:gd name="adj2" fmla="val 12682"/>
+              <a:gd name="adj3" fmla="val 114904"/>
+              <a:gd name="adj4" fmla="val 2898"/>
+              <a:gd name="adj5" fmla="val 160859"/>
+              <a:gd name="adj6" fmla="val -53620"/>
+            </a:avLst>
+          </a:prstGeom>
+        </p:spPr>
+        <p:style>
+          <a:lnRef idx="2">
+            <a:schemeClr val="accent3">
+              <a:shade val="50000"/>
+            </a:schemeClr>
+          </a:lnRef>
+          <a:fillRef idx="1">
+            <a:schemeClr val="accent3"/>
+          </a:fillRef>
+          <a:effectRef idx="0">
+            <a:schemeClr val="accent3"/>
+          </a:effectRef>
+          <a:fontRef idx="minor">
+            <a:schemeClr val="lt1"/>
+          </a:fontRef>
+        </p:style>
+        <p:txBody>
+          <a:bodyPr anchor="ctr"/>
+          <a:lstStyle/>
+          <a:p>
+            <a:pPr algn="ctr">
+              <a:defRPr/>
+            </a:pPr>
+            <a:r>
+              <a:rPr lang="en-US" dirty="0"/>
+              <a:t>No method body, just a semi-colon</a:t>
+            </a:r>
+          </a:p>
+        </p:txBody>
+      </p:sp>
+      <p:sp>
+        <p:nvSpPr>
+          <p:cNvPr id="10" name="Line Callout 2 9"/>
+          <p:cNvSpPr/>
+          <p:nvPr/>
+        </p:nvSpPr>
+        <p:spPr>
+          <a:xfrm flipH="1">
+            <a:off x="152400" y="134749"/>
+            <a:ext cx="1752600" cy="990600"/>
+          </a:xfrm>
+          <a:prstGeom prst="borderCallout2">
+            <a:avLst>
+              <a:gd name="adj1" fmla="val 112340"/>
+              <a:gd name="adj2" fmla="val 84421"/>
+              <a:gd name="adj3" fmla="val 185417"/>
+              <a:gd name="adj4" fmla="val 72463"/>
+              <a:gd name="adj5" fmla="val 186801"/>
+              <a:gd name="adj6" fmla="val -18585"/>
+            </a:avLst>
+          </a:prstGeom>
+        </p:spPr>
+        <p:style>
+          <a:lnRef idx="2">
+            <a:schemeClr val="accent3">
+              <a:shade val="50000"/>
+            </a:schemeClr>
+          </a:lnRef>
+          <a:fillRef idx="1">
+            <a:schemeClr val="accent3"/>
+          </a:fillRef>
+          <a:effectRef idx="0">
+            <a:schemeClr val="accent3"/>
+          </a:effectRef>
+          <a:fontRef idx="minor">
+            <a:schemeClr val="lt1"/>
+          </a:fontRef>
+        </p:style>
+        <p:txBody>
+          <a:bodyPr anchor="ctr"/>
+          <a:lstStyle/>
+          <a:p>
+            <a:pPr algn="ctr">
+              <a:defRPr/>
+            </a:pPr>
+            <a:r>
+              <a:rPr lang="en-US" dirty="0"/>
+              <a:t>Automatically public, so we don’t specify it</a:t>
+            </a:r>
+          </a:p>
+        </p:txBody>
+      </p:sp>
+    </p:spTree>
+    <p:extLst>
+      <p:ext uri="{BB962C8B-B14F-4D97-AF65-F5344CB8AC3E}">
+        <p14:creationId xmlns:p14="http://schemas.microsoft.com/office/powerpoint/2010/main" val="4023042757"/>
+      </p:ext>
+    </p:extLst>
+  </p:cSld>
+  <p:clrMapOvr>
+    <a:masterClrMapping/>
+  </p:clrMapOvr>
+  <p:timing>
+    <p:tnLst>
+      <p:par>
+        <p:cTn id="1" dur="indefinite" restart="never" nodeType="tmRoot">
+          <p:childTnLst>
+            <p:seq concurrent="1" nextAc="seek">
+              <p:cTn id="2" dur="indefinite" nodeType="mainSeq">
+                <p:childTnLst>
+                  <p:par>
+                    <p:cTn id="3" fill="hold" nodeType="clickPar">
+                      <p:stCondLst>
+                        <p:cond delay="indefinite"/>
+                      </p:stCondLst>
+                      <p:childTnLst>
+                        <p:par>
+                          <p:cTn id="4" fill="hold" nodeType="withGroup">
+                            <p:stCondLst>
+                              <p:cond delay="0"/>
+                            </p:stCondLst>
+                            <p:childTnLst>
+                              <p:par>
+                                <p:cTn id="5" presetID="1" presetClass="entr" presetSubtype="0" fill="hold" grpId="0" nodeType="clickEffect">
+                                  <p:stCondLst>
+                                    <p:cond delay="0"/>
+                                  </p:stCondLst>
+                                  <p:childTnLst>
+                                    <p:set>
+                                      <p:cBhvr>
+                                        <p:cTn id="6" dur="1" fill="hold">
+                                          <p:stCondLst>
+                                            <p:cond delay="0"/>
+                                          </p:stCondLst>
+                                        </p:cTn>
+                                        <p:tgtEl>
+                                          <p:spTgt spid="9"/>
+                                        </p:tgtEl>
+                                        <p:attrNameLst>
+                                          <p:attrName>style.visibility</p:attrName>
+                                        </p:attrNameLst>
+                                      </p:cBhvr>
+                                      <p:to>
+                                        <p:strVal val="visible"/>
+                                      </p:to>
+                                    </p:set>
+                                  </p:childTnLst>
+                                </p:cTn>
+                              </p:par>
+                            </p:childTnLst>
+                          </p:cTn>
+                        </p:par>
+                      </p:childTnLst>
+                    </p:cTn>
+                  </p:par>
+                  <p:par>
+                    <p:cTn id="7" fill="hold" nodeType="clickPar">
+                      <p:stCondLst>
+                        <p:cond delay="indefinite"/>
+                      </p:stCondLst>
+                      <p:childTnLst>
+                        <p:par>
+                          <p:cTn id="8" fill="hold" nodeType="withGroup">
+                            <p:stCondLst>
+                              <p:cond delay="0"/>
+                            </p:stCondLst>
+                            <p:childTnLst>
+                              <p:par>
+                                <p:cTn id="9" presetID="1" presetClass="entr" presetSubtype="0" fill="hold" grpId="0" nodeType="clickEffect">
+                                  <p:stCondLst>
+                                    <p:cond delay="0"/>
+                                  </p:stCondLst>
+                                  <p:childTnLst>
+                                    <p:set>
+                                      <p:cBhvr>
+                                        <p:cTn id="10" dur="1" fill="hold">
+                                          <p:stCondLst>
+                                            <p:cond delay="0"/>
+                                          </p:stCondLst>
+                                        </p:cTn>
+                                        <p:tgtEl>
+                                          <p:spTgt spid="10"/>
+                                        </p:tgtEl>
+                                        <p:attrNameLst>
+                                          <p:attrName>style.visibility</p:attrName>
+                                        </p:attrNameLst>
+                                      </p:cBhvr>
+                                      <p:to>
+                                        <p:strVal val="visible"/>
+                                      </p:to>
+                                    </p:set>
+                                  </p:childTnLst>
+                                </p:cTn>
+                              </p:par>
+                            </p:childTnLst>
+                          </p:cTn>
+                        </p:par>
+                      </p:childTnLst>
+                    </p:cTn>
+                  </p:par>
+                </p:childTnLst>
+              </p:cTn>
+              <p:prevCondLst>
+                <p:cond evt="onPrev" delay="0">
+                  <p:tgtEl>
+                    <p:sldTgt/>
+                  </p:tgtEl>
+                </p:cond>
+              </p:prevCondLst>
+              <p:nextCondLst>
+                <p:cond evt="onNext" delay="0">
+                  <p:tgtEl>
+                    <p:sldTgt/>
+                  </p:tgtEl>
+                </p:cond>
+              </p:nextCondLst>
+            </p:seq>
+          </p:childTnLst>
+        </p:cTn>
+      </p:par>
+    </p:tnLst>
+    <p:bldLst>
+      <p:bldP spid="9" grpId="0" animBg="1"/>
+      <p:bldP spid="10" grpId="0" animBg="1"/>
+    </p:bldLst>
+  </p:timing>
+</p:sld>
+</file>
+
+<file path=ppt/slides/slide9.xml><?xml version="1.0" encoding="utf-8"?>
 <p:sld xmlns:a="http://schemas.openxmlformats.org/drawingml/2006/main" xmlns:r="http://schemas.openxmlformats.org/officeDocument/2006/relationships" xmlns:p="http://schemas.openxmlformats.org/presentationml/2006/main">
   <p:cSld>
     <p:spTree>
@@ -11626,451 +15384,7 @@
     </p:spTree>
     <p:extLst>
       <p:ext uri="{BB962C8B-B14F-4D97-AF65-F5344CB8AC3E}">
-        <p14:creationId xmlns:p14="http://schemas.microsoft.com/office/powerpoint/2010/main" val="417572852"/>
-      </p:ext>
-    </p:extLst>
-  </p:cSld>
-  <p:clrMapOvr>
-    <a:masterClrMapping/>
-  </p:clrMapOvr>
-</p:sld>
-</file>
-
-<file path=ppt/slides/slide8.xml><?xml version="1.0" encoding="utf-8"?>
-<p:sld xmlns:a="http://schemas.openxmlformats.org/drawingml/2006/main" xmlns:r="http://schemas.openxmlformats.org/officeDocument/2006/relationships" xmlns:p="http://schemas.openxmlformats.org/presentationml/2006/main">
-  <p:cSld>
-    <p:spTree>
-      <p:nvGrpSpPr>
-        <p:cNvPr id="1" name=""/>
-        <p:cNvGrpSpPr/>
-        <p:nvPr/>
-      </p:nvGrpSpPr>
-      <p:grpSpPr>
-        <a:xfrm>
-          <a:off x="0" y="0"/>
-          <a:ext cx="0" cy="0"/>
-          <a:chOff x="0" y="0"/>
-          <a:chExt cx="0" cy="0"/>
-        </a:xfrm>
-      </p:grpSpPr>
-      <p:sp>
-        <p:nvSpPr>
-          <p:cNvPr id="2" name="Title 1"/>
-          <p:cNvSpPr>
-            <a:spLocks noGrp="1"/>
-          </p:cNvSpPr>
-          <p:nvPr>
-            <p:ph type="title"/>
-          </p:nvPr>
-        </p:nvSpPr>
-        <p:spPr>
-          <a:xfrm>
-            <a:off x="431800" y="-152400"/>
-            <a:ext cx="8229600" cy="1143000"/>
-          </a:xfrm>
-        </p:spPr>
-        <p:txBody>
-          <a:bodyPr>
-            <a:normAutofit fontScale="90000"/>
-          </a:bodyPr>
-          <a:lstStyle/>
-          <a:p>
-            <a:pPr algn="l"/>
-            <a:r>
-              <a:rPr lang="en-US" dirty="0"/>
-              <a:t>Interface Types can replace class types</a:t>
-            </a:r>
-          </a:p>
-        </p:txBody>
-      </p:sp>
-      <p:sp>
-        <p:nvSpPr>
-          <p:cNvPr id="3" name="Content Placeholder 2"/>
-          <p:cNvSpPr>
-            <a:spLocks noGrp="1"/>
-          </p:cNvSpPr>
-          <p:nvPr>
-            <p:ph idx="1"/>
-          </p:nvPr>
-        </p:nvSpPr>
-        <p:spPr>
-          <a:xfrm>
-            <a:off x="152400" y="838200"/>
-            <a:ext cx="8839200" cy="5867400"/>
-          </a:xfrm>
-        </p:spPr>
-        <p:txBody>
-          <a:bodyPr>
-            <a:normAutofit/>
-          </a:bodyPr>
-          <a:lstStyle/>
-          <a:p>
-            <a:r>
-              <a:rPr lang="en-US" sz="2800" dirty="0"/>
-              <a:t>If Dog &amp; Cat implement the Pet interface:</a:t>
-            </a:r>
-          </a:p>
-          <a:p>
-            <a:pPr marL="971550" lvl="1" indent="-514350">
-              <a:buFont typeface="+mj-lt"/>
-              <a:buAutoNum type="arabicPeriod"/>
-            </a:pPr>
-            <a:r>
-              <a:rPr lang="en-US" dirty="0"/>
-              <a:t>Variable Declaration:</a:t>
-            </a:r>
-          </a:p>
-          <a:p>
-            <a:pPr lvl="2"/>
-            <a:r>
-              <a:rPr lang="en-US" dirty="0"/>
-              <a:t>Pet d = new Dog();	Pet c = new Cat();</a:t>
-            </a:r>
-          </a:p>
-          <a:p>
-            <a:pPr marL="971550" lvl="1" indent="-514350">
-              <a:buFont typeface="+mj-lt"/>
-              <a:buAutoNum type="arabicPeriod"/>
-            </a:pPr>
-            <a:r>
-              <a:rPr lang="en-US" dirty="0"/>
-              <a:t>Parameters:</a:t>
-            </a:r>
-          </a:p>
-          <a:p>
-            <a:pPr lvl="2"/>
-            <a:r>
-              <a:rPr lang="en-US" dirty="0"/>
-              <a:t>public static void </a:t>
-            </a:r>
-            <a:r>
-              <a:rPr lang="en-US" dirty="0" err="1"/>
-              <a:t>feedPet</a:t>
-            </a:r>
-            <a:r>
-              <a:rPr lang="en-US" dirty="0"/>
-              <a:t>(Pet p) {…}</a:t>
-            </a:r>
-            <a:br>
-              <a:rPr lang="en-US" dirty="0"/>
-            </a:br>
-            <a:r>
-              <a:rPr lang="en-US" dirty="0"/>
-              <a:t>Can call with any object of type Pet:</a:t>
-            </a:r>
-          </a:p>
-          <a:p>
-            <a:pPr lvl="2"/>
-            <a:r>
-              <a:rPr lang="en-US" dirty="0" err="1"/>
-              <a:t>feedPet</a:t>
-            </a:r>
-            <a:r>
-              <a:rPr lang="en-US" dirty="0"/>
-              <a:t>(new Dog());       </a:t>
-            </a:r>
-            <a:r>
-              <a:rPr lang="en-US" dirty="0" err="1"/>
-              <a:t>feedPet</a:t>
-            </a:r>
-            <a:r>
-              <a:rPr lang="en-US" dirty="0"/>
-              <a:t>(c); // from above</a:t>
-            </a:r>
-          </a:p>
-          <a:p>
-            <a:pPr marL="971550" lvl="1" indent="-514350">
-              <a:buFont typeface="+mj-lt"/>
-              <a:buAutoNum type="arabicPeriod" startAt="3"/>
-            </a:pPr>
-            <a:r>
-              <a:rPr lang="en-US" dirty="0"/>
-              <a:t>Fields:</a:t>
-            </a:r>
-          </a:p>
-          <a:p>
-            <a:pPr lvl="2"/>
-            <a:r>
-              <a:rPr lang="en-US" dirty="0"/>
-              <a:t>private Pet </a:t>
-            </a:r>
-            <a:r>
-              <a:rPr lang="en-US" dirty="0" err="1"/>
-              <a:t>pet</a:t>
-            </a:r>
-            <a:r>
-              <a:rPr lang="en-US" dirty="0"/>
-              <a:t>;</a:t>
-            </a:r>
-          </a:p>
-          <a:p>
-            <a:pPr marL="971550" lvl="1" indent="-514350">
-              <a:buFont typeface="+mj-lt"/>
-              <a:buAutoNum type="arabicPeriod" startAt="3"/>
-            </a:pPr>
-            <a:r>
-              <a:rPr lang="en-US" dirty="0"/>
-              <a:t>Generic Type Parameters:</a:t>
-            </a:r>
-          </a:p>
-          <a:p>
-            <a:pPr lvl="2"/>
-            <a:r>
-              <a:rPr lang="en-US" dirty="0" err="1"/>
-              <a:t>ArrayList</a:t>
-            </a:r>
-            <a:r>
-              <a:rPr lang="en-US" dirty="0"/>
-              <a:t>&lt;Pet&gt; pets = new </a:t>
-            </a:r>
-            <a:r>
-              <a:rPr lang="en-US" dirty="0" err="1"/>
-              <a:t>ArrayList</a:t>
-            </a:r>
-            <a:r>
-              <a:rPr lang="en-US" dirty="0"/>
-              <a:t>&lt;Pet&gt;();</a:t>
-            </a:r>
-          </a:p>
-          <a:p>
-            <a:pPr lvl="2"/>
-            <a:r>
-              <a:rPr lang="en-US" dirty="0" err="1"/>
-              <a:t>pets.add</a:t>
-            </a:r>
-            <a:r>
-              <a:rPr lang="en-US" dirty="0"/>
-              <a:t>(new Dog());    </a:t>
-            </a:r>
-            <a:r>
-              <a:rPr lang="en-US" dirty="0" err="1"/>
-              <a:t>pets.add</a:t>
-            </a:r>
-            <a:r>
-              <a:rPr lang="en-US" dirty="0"/>
-              <a:t>(new Cat());</a:t>
-            </a:r>
-          </a:p>
-          <a:p>
-            <a:pPr lvl="1"/>
-            <a:endParaRPr lang="en-US" dirty="0"/>
-          </a:p>
-        </p:txBody>
-      </p:sp>
-    </p:spTree>
-    <p:extLst>
-      <p:ext uri="{BB962C8B-B14F-4D97-AF65-F5344CB8AC3E}">
-        <p14:creationId xmlns:p14="http://schemas.microsoft.com/office/powerpoint/2010/main" val="3975431649"/>
-      </p:ext>
-    </p:extLst>
-  </p:cSld>
-  <p:clrMapOvr>
-    <a:masterClrMapping/>
-  </p:clrMapOvr>
-</p:sld>
-</file>
-
-<file path=ppt/slides/slide9.xml><?xml version="1.0" encoding="utf-8"?>
-<p:sld xmlns:a="http://schemas.openxmlformats.org/drawingml/2006/main" xmlns:r="http://schemas.openxmlformats.org/officeDocument/2006/relationships" xmlns:p="http://schemas.openxmlformats.org/presentationml/2006/main">
-  <p:cSld>
-    <p:spTree>
-      <p:nvGrpSpPr>
-        <p:cNvPr id="1" name=""/>
-        <p:cNvGrpSpPr/>
-        <p:nvPr/>
-      </p:nvGrpSpPr>
-      <p:grpSpPr>
-        <a:xfrm>
-          <a:off x="0" y="0"/>
-          <a:ext cx="0" cy="0"/>
-          <a:chOff x="0" y="0"/>
-          <a:chExt cx="0" cy="0"/>
-        </a:xfrm>
-      </p:grpSpPr>
-      <p:sp>
-        <p:nvSpPr>
-          <p:cNvPr id="2" name="Title 1"/>
-          <p:cNvSpPr>
-            <a:spLocks noGrp="1"/>
-          </p:cNvSpPr>
-          <p:nvPr>
-            <p:ph type="title"/>
-          </p:nvPr>
-        </p:nvSpPr>
-        <p:spPr/>
-        <p:txBody>
-          <a:bodyPr/>
-          <a:lstStyle/>
-          <a:p>
-            <a:r>
-              <a:rPr lang="en-US" dirty="0"/>
-              <a:t>Check your understanding…</a:t>
-            </a:r>
-          </a:p>
-        </p:txBody>
-      </p:sp>
-      <p:sp>
-        <p:nvSpPr>
-          <p:cNvPr id="3" name="Content Placeholder 2"/>
-          <p:cNvSpPr>
-            <a:spLocks noGrp="1"/>
-          </p:cNvSpPr>
-          <p:nvPr>
-            <p:ph idx="1"/>
-          </p:nvPr>
-        </p:nvSpPr>
-        <p:spPr>
-          <a:xfrm>
-            <a:off x="457200" y="1600200"/>
-            <a:ext cx="8229600" cy="4953000"/>
-          </a:xfrm>
-        </p:spPr>
-        <p:txBody>
-          <a:bodyPr>
-            <a:normAutofit fontScale="85000" lnSpcReduction="20000"/>
-          </a:bodyPr>
-          <a:lstStyle/>
-          <a:p>
-            <a:pPr marL="0" indent="0">
-              <a:buNone/>
-            </a:pPr>
-            <a:r>
-              <a:rPr lang="en-US" dirty="0"/>
-              <a:t>public interface Pet{</a:t>
-            </a:r>
-          </a:p>
-          <a:p>
-            <a:pPr marL="0" indent="0">
-              <a:buNone/>
-            </a:pPr>
-            <a:r>
-              <a:rPr lang="en-US" dirty="0"/>
-              <a:t>    private String name;</a:t>
-            </a:r>
-          </a:p>
-          <a:p>
-            <a:pPr marL="0" indent="0">
-              <a:buNone/>
-            </a:pPr>
-            <a:endParaRPr lang="en-US" dirty="0"/>
-          </a:p>
-          <a:p>
-            <a:pPr marL="0" indent="0">
-              <a:buNone/>
-            </a:pPr>
-            <a:r>
-              <a:rPr lang="en-US" dirty="0"/>
-              <a:t>    public Pet(String name){</a:t>
-            </a:r>
-          </a:p>
-          <a:p>
-            <a:pPr marL="0" indent="0">
-              <a:buNone/>
-            </a:pPr>
-            <a:r>
-              <a:rPr lang="en-US" dirty="0"/>
-              <a:t>        this.name = name;</a:t>
-            </a:r>
-          </a:p>
-          <a:p>
-            <a:pPr marL="0" indent="0">
-              <a:buNone/>
-            </a:pPr>
-            <a:r>
-              <a:rPr lang="en-US" dirty="0"/>
-              <a:t>    }</a:t>
-            </a:r>
-          </a:p>
-          <a:p>
-            <a:pPr marL="0" indent="0">
-              <a:buNone/>
-            </a:pPr>
-            <a:endParaRPr lang="en-US" dirty="0"/>
-          </a:p>
-          <a:p>
-            <a:pPr marL="0" indent="0">
-              <a:buNone/>
-            </a:pPr>
-            <a:r>
-              <a:rPr lang="en-US" dirty="0"/>
-              <a:t>    public void speak(){</a:t>
-            </a:r>
-          </a:p>
-          <a:p>
-            <a:pPr marL="0" indent="0">
-              <a:buNone/>
-            </a:pPr>
-            <a:r>
-              <a:rPr lang="en-US" dirty="0"/>
-              <a:t>        </a:t>
-            </a:r>
-            <a:r>
-              <a:rPr lang="en-US" dirty="0" err="1"/>
-              <a:t>System.out.println</a:t>
-            </a:r>
-            <a:r>
-              <a:rPr lang="en-US" dirty="0"/>
-              <a:t>(name);</a:t>
-            </a:r>
-          </a:p>
-          <a:p>
-            <a:pPr marL="0" indent="0">
-              <a:buNone/>
-            </a:pPr>
-            <a:r>
-              <a:rPr lang="en-US" dirty="0"/>
-              <a:t>    }</a:t>
-            </a:r>
-          </a:p>
-          <a:p>
-            <a:pPr marL="0" indent="0">
-              <a:buNone/>
-            </a:pPr>
-            <a:r>
-              <a:rPr lang="en-US" dirty="0"/>
-              <a:t>}</a:t>
-            </a:r>
-          </a:p>
-        </p:txBody>
-      </p:sp>
-      <p:sp>
-        <p:nvSpPr>
-          <p:cNvPr id="4" name="TextBox 3"/>
-          <p:cNvSpPr txBox="1"/>
-          <p:nvPr/>
-        </p:nvSpPr>
-        <p:spPr>
-          <a:xfrm>
-            <a:off x="1362627" y="5638800"/>
-            <a:ext cx="6418745" cy="523220"/>
-          </a:xfrm>
-          <a:prstGeom prst="rect">
-            <a:avLst/>
-          </a:prstGeom>
-          <a:noFill/>
-          <a:ln>
-            <a:solidFill>
-              <a:schemeClr val="tx1"/>
-            </a:solidFill>
-          </a:ln>
-        </p:spPr>
-        <p:txBody>
-          <a:bodyPr wrap="none" rtlCol="0">
-            <a:spAutoFit/>
-          </a:bodyPr>
-          <a:lstStyle/>
-          <a:p>
-            <a:r>
-              <a:rPr lang="en-US" sz="2800" dirty="0"/>
-              <a:t>Is this interface valid? Why or why not?</a:t>
-            </a:r>
-          </a:p>
-        </p:txBody>
-      </p:sp>
-    </p:spTree>
-    <p:extLst>
-      <p:ext uri="{BB962C8B-B14F-4D97-AF65-F5344CB8AC3E}">
-        <p14:creationId xmlns:p14="http://schemas.microsoft.com/office/powerpoint/2010/main" val="1179163862"/>
+        <p14:creationId xmlns:p14="http://schemas.microsoft.com/office/powerpoint/2010/main" val="1907500074"/>
       </p:ext>
     </p:extLst>
   </p:cSld>

--- a/ClassMaterials/Interfaces/Slides/Interfaces.pptx
+++ b/ClassMaterials/Interfaces/Slides/Interfaces.pptx
@@ -299,7 +299,7 @@
               <a:pPr>
                 <a:defRPr/>
               </a:pPr>
-              <a:t>4/8/2020</a:t>
+              <a:t>4/10/2020</a:t>
             </a:fld>
             <a:endParaRPr lang="en-US"/>
           </a:p>
@@ -534,7 +534,7 @@
               <a:pPr>
                 <a:defRPr/>
               </a:pPr>
-              <a:t>4/8/2020</a:t>
+              <a:t>4/10/2020</a:t>
             </a:fld>
             <a:endParaRPr lang="en-US"/>
           </a:p>
@@ -917,7 +917,7 @@
           </a:ln>
           <a:extLst>
             <a:ext uri="{909E8E84-426E-40dd-AFC4-6F175D3DCCD1}">
-              <a14:hiddenFill xmlns="" xmlns:a14="http://schemas.microsoft.com/office/drawing/2010/main">
+              <a14:hiddenFill xmlns:a14="http://schemas.microsoft.com/office/drawing/2010/main" xmlns="">
                 <a:solidFill>
                   <a:srgbClr val="FFFFFF"/>
                 </a:solidFill>
@@ -941,14 +941,14 @@
           <a:ln/>
           <a:extLst>
             <a:ext uri="{909E8E84-426E-40dd-AFC4-6F175D3DCCD1}">
-              <a14:hiddenFill xmlns="" xmlns:a14="http://schemas.microsoft.com/office/drawing/2010/main">
+              <a14:hiddenFill xmlns:a14="http://schemas.microsoft.com/office/drawing/2010/main" xmlns="">
                 <a:solidFill>
                   <a:srgbClr val="FFFFFF"/>
                 </a:solidFill>
               </a14:hiddenFill>
             </a:ext>
             <a:ext uri="{91240B29-F687-4f45-9708-019B960494DF}">
-              <a14:hiddenLine xmlns="" xmlns:a14="http://schemas.microsoft.com/office/drawing/2010/main" w="9525">
+              <a14:hiddenLine xmlns:a14="http://schemas.microsoft.com/office/drawing/2010/main" xmlns="" w="9525">
                 <a:solidFill>
                   <a:srgbClr val="000000"/>
                 </a:solidFill>
@@ -1112,14 +1112,14 @@
           <a:ln/>
           <a:extLst>
             <a:ext uri="{909E8E84-426E-40dd-AFC4-6F175D3DCCD1}">
-              <a14:hiddenFill xmlns="" xmlns:a14="http://schemas.microsoft.com/office/drawing/2010/main">
+              <a14:hiddenFill xmlns:a14="http://schemas.microsoft.com/office/drawing/2010/main" xmlns="">
                 <a:solidFill>
                   <a:srgbClr val="FFFFFF"/>
                 </a:solidFill>
               </a14:hiddenFill>
             </a:ext>
             <a:ext uri="{91240B29-F687-4f45-9708-019B960494DF}">
-              <a14:hiddenLine xmlns="" xmlns:a14="http://schemas.microsoft.com/office/drawing/2010/main" w="9525">
+              <a14:hiddenLine xmlns:a14="http://schemas.microsoft.com/office/drawing/2010/main" xmlns="" w="9525">
                 <a:solidFill>
                   <a:srgbClr val="000000"/>
                 </a:solidFill>
@@ -1306,7 +1306,7 @@
           </a:ln>
           <a:extLst>
             <a:ext uri="{909E8E84-426E-40dd-AFC4-6F175D3DCCD1}">
-              <a14:hiddenFill xmlns="" xmlns:a14="http://schemas.microsoft.com/office/drawing/2010/main">
+              <a14:hiddenFill xmlns:a14="http://schemas.microsoft.com/office/drawing/2010/main" xmlns="">
                 <a:solidFill>
                   <a:srgbClr val="FFFFFF"/>
                 </a:solidFill>
@@ -1330,14 +1330,14 @@
           <a:ln/>
           <a:extLst>
             <a:ext uri="{909E8E84-426E-40dd-AFC4-6F175D3DCCD1}">
-              <a14:hiddenFill xmlns="" xmlns:a14="http://schemas.microsoft.com/office/drawing/2010/main">
+              <a14:hiddenFill xmlns:a14="http://schemas.microsoft.com/office/drawing/2010/main" xmlns="">
                 <a:solidFill>
                   <a:srgbClr val="FFFFFF"/>
                 </a:solidFill>
               </a14:hiddenFill>
             </a:ext>
             <a:ext uri="{91240B29-F687-4f45-9708-019B960494DF}">
-              <a14:hiddenLine xmlns="" xmlns:a14="http://schemas.microsoft.com/office/drawing/2010/main" w="9525">
+              <a14:hiddenLine xmlns:a14="http://schemas.microsoft.com/office/drawing/2010/main" xmlns="" w="9525">
                 <a:solidFill>
                   <a:srgbClr val="000000"/>
                 </a:solidFill>
@@ -1396,14 +1396,14 @@
           <a:ln/>
           <a:extLst>
             <a:ext uri="{909E8E84-426E-40dd-AFC4-6F175D3DCCD1}">
-              <a14:hiddenFill xmlns="" xmlns:a14="http://schemas.microsoft.com/office/drawing/2010/main">
+              <a14:hiddenFill xmlns:a14="http://schemas.microsoft.com/office/drawing/2010/main" xmlns="">
                 <a:solidFill>
                   <a:srgbClr val="FFFFFF"/>
                 </a:solidFill>
               </a14:hiddenFill>
             </a:ext>
             <a:ext uri="{91240B29-F687-4f45-9708-019B960494DF}">
-              <a14:hiddenLine xmlns="" xmlns:a14="http://schemas.microsoft.com/office/drawing/2010/main" w="9525">
+              <a14:hiddenLine xmlns:a14="http://schemas.microsoft.com/office/drawing/2010/main" xmlns="" w="9525">
                 <a:solidFill>
                   <a:srgbClr val="000000"/>
                 </a:solidFill>
@@ -1829,7 +1829,7 @@
           </a:ln>
           <a:extLst>
             <a:ext uri="{909E8E84-426E-40dd-AFC4-6F175D3DCCD1}">
-              <a14:hiddenFill xmlns="" xmlns:a14="http://schemas.microsoft.com/office/drawing/2010/main">
+              <a14:hiddenFill xmlns:a14="http://schemas.microsoft.com/office/drawing/2010/main" xmlns="">
                 <a:solidFill>
                   <a:srgbClr val="FFFFFF"/>
                 </a:solidFill>
@@ -1853,14 +1853,14 @@
           <a:ln/>
           <a:extLst>
             <a:ext uri="{909E8E84-426E-40dd-AFC4-6F175D3DCCD1}">
-              <a14:hiddenFill xmlns="" xmlns:a14="http://schemas.microsoft.com/office/drawing/2010/main">
+              <a14:hiddenFill xmlns:a14="http://schemas.microsoft.com/office/drawing/2010/main" xmlns="">
                 <a:solidFill>
                   <a:srgbClr val="FFFFFF"/>
                 </a:solidFill>
               </a14:hiddenFill>
             </a:ext>
             <a:ext uri="{91240B29-F687-4f45-9708-019B960494DF}">
-              <a14:hiddenLine xmlns="" xmlns:a14="http://schemas.microsoft.com/office/drawing/2010/main" w="9525">
+              <a14:hiddenLine xmlns:a14="http://schemas.microsoft.com/office/drawing/2010/main" xmlns="" w="9525">
                 <a:solidFill>
                   <a:srgbClr val="000000"/>
                 </a:solidFill>
@@ -1897,14 +1897,14 @@
           <a:ln/>
           <a:extLst>
             <a:ext uri="{909E8E84-426E-40dd-AFC4-6F175D3DCCD1}">
-              <a14:hiddenFill xmlns="" xmlns:a14="http://schemas.microsoft.com/office/drawing/2010/main">
+              <a14:hiddenFill xmlns:a14="http://schemas.microsoft.com/office/drawing/2010/main" xmlns="">
                 <a:solidFill>
                   <a:srgbClr val="FFFFFF"/>
                 </a:solidFill>
               </a14:hiddenFill>
             </a:ext>
             <a:ext uri="{91240B29-F687-4f45-9708-019B960494DF}">
-              <a14:hiddenLine xmlns="" xmlns:a14="http://schemas.microsoft.com/office/drawing/2010/main" w="9525">
+              <a14:hiddenLine xmlns:a14="http://schemas.microsoft.com/office/drawing/2010/main" xmlns="" w="9525">
                 <a:solidFill>
                   <a:srgbClr val="000000"/>
                 </a:solidFill>
@@ -2684,7 +2684,7 @@
           </a:ln>
           <a:extLst>
             <a:ext uri="{909E8E84-426E-40dd-AFC4-6F175D3DCCD1}">
-              <a14:hiddenFill xmlns:a14="http://schemas.microsoft.com/office/drawing/2010/main" xmlns="">
+              <a14:hiddenFill xmlns="" xmlns:a14="http://schemas.microsoft.com/office/drawing/2010/main">
                 <a:solidFill>
                   <a:srgbClr val="FFFFFF"/>
                 </a:solidFill>
@@ -2708,14 +2708,14 @@
           <a:ln/>
           <a:extLst>
             <a:ext uri="{909E8E84-426E-40dd-AFC4-6F175D3DCCD1}">
-              <a14:hiddenFill xmlns:a14="http://schemas.microsoft.com/office/drawing/2010/main" xmlns="">
+              <a14:hiddenFill xmlns="" xmlns:a14="http://schemas.microsoft.com/office/drawing/2010/main">
                 <a:solidFill>
                   <a:srgbClr val="FFFFFF"/>
                 </a:solidFill>
               </a14:hiddenFill>
             </a:ext>
             <a:ext uri="{91240B29-F687-4f45-9708-019B960494DF}">
-              <a14:hiddenLine xmlns:a14="http://schemas.microsoft.com/office/drawing/2010/main" xmlns="" w="9525">
+              <a14:hiddenLine xmlns="" xmlns:a14="http://schemas.microsoft.com/office/drawing/2010/main" w="9525">
                 <a:solidFill>
                   <a:srgbClr val="000000"/>
                 </a:solidFill>
@@ -2768,14 +2768,14 @@
           <a:ln/>
           <a:extLst>
             <a:ext uri="{909E8E84-426E-40dd-AFC4-6F175D3DCCD1}">
-              <a14:hiddenFill xmlns:a14="http://schemas.microsoft.com/office/drawing/2010/main" xmlns="">
+              <a14:hiddenFill xmlns="" xmlns:a14="http://schemas.microsoft.com/office/drawing/2010/main">
                 <a:solidFill>
                   <a:srgbClr val="FFFFFF"/>
                 </a:solidFill>
               </a14:hiddenFill>
             </a:ext>
             <a:ext uri="{91240B29-F687-4f45-9708-019B960494DF}">
-              <a14:hiddenLine xmlns:a14="http://schemas.microsoft.com/office/drawing/2010/main" xmlns="" w="9525">
+              <a14:hiddenLine xmlns="" xmlns:a14="http://schemas.microsoft.com/office/drawing/2010/main" w="9525">
                 <a:solidFill>
                   <a:srgbClr val="000000"/>
                 </a:solidFill>
@@ -3159,7 +3159,7 @@
           </a:ln>
           <a:extLst>
             <a:ext uri="{909E8E84-426E-40dd-AFC4-6F175D3DCCD1}">
-              <a14:hiddenFill xmlns="" xmlns:a14="http://schemas.microsoft.com/office/drawing/2010/main">
+              <a14:hiddenFill xmlns:a14="http://schemas.microsoft.com/office/drawing/2010/main" xmlns="">
                 <a:solidFill>
                   <a:srgbClr val="FFFFFF"/>
                 </a:solidFill>
@@ -3183,14 +3183,14 @@
           <a:ln/>
           <a:extLst>
             <a:ext uri="{909E8E84-426E-40dd-AFC4-6F175D3DCCD1}">
-              <a14:hiddenFill xmlns="" xmlns:a14="http://schemas.microsoft.com/office/drawing/2010/main">
+              <a14:hiddenFill xmlns:a14="http://schemas.microsoft.com/office/drawing/2010/main" xmlns="">
                 <a:solidFill>
                   <a:srgbClr val="FFFFFF"/>
                 </a:solidFill>
               </a14:hiddenFill>
             </a:ext>
             <a:ext uri="{91240B29-F687-4f45-9708-019B960494DF}">
-              <a14:hiddenLine xmlns="" xmlns:a14="http://schemas.microsoft.com/office/drawing/2010/main" w="9525">
+              <a14:hiddenLine xmlns:a14="http://schemas.microsoft.com/office/drawing/2010/main" xmlns="" w="9525">
                 <a:solidFill>
                   <a:srgbClr val="000000"/>
                 </a:solidFill>
@@ -3250,14 +3250,14 @@
           <a:ln/>
           <a:extLst>
             <a:ext uri="{909E8E84-426E-40dd-AFC4-6F175D3DCCD1}">
-              <a14:hiddenFill xmlns="" xmlns:a14="http://schemas.microsoft.com/office/drawing/2010/main">
+              <a14:hiddenFill xmlns:a14="http://schemas.microsoft.com/office/drawing/2010/main" xmlns="">
                 <a:solidFill>
                   <a:srgbClr val="FFFFFF"/>
                 </a:solidFill>
               </a14:hiddenFill>
             </a:ext>
             <a:ext uri="{91240B29-F687-4f45-9708-019B960494DF}">
-              <a14:hiddenLine xmlns="" xmlns:a14="http://schemas.microsoft.com/office/drawing/2010/main" w="9525">
+              <a14:hiddenLine xmlns:a14="http://schemas.microsoft.com/office/drawing/2010/main" xmlns="" w="9525">
                 <a:solidFill>
                   <a:srgbClr val="000000"/>
                 </a:solidFill>
@@ -3444,7 +3444,7 @@
           </a:ln>
           <a:extLst>
             <a:ext uri="{909E8E84-426E-40dd-AFC4-6F175D3DCCD1}">
-              <a14:hiddenFill xmlns="" xmlns:a14="http://schemas.microsoft.com/office/drawing/2010/main">
+              <a14:hiddenFill xmlns:a14="http://schemas.microsoft.com/office/drawing/2010/main" xmlns="">
                 <a:solidFill>
                   <a:srgbClr val="FFFFFF"/>
                 </a:solidFill>
@@ -3468,14 +3468,14 @@
           <a:ln/>
           <a:extLst>
             <a:ext uri="{909E8E84-426E-40dd-AFC4-6F175D3DCCD1}">
-              <a14:hiddenFill xmlns="" xmlns:a14="http://schemas.microsoft.com/office/drawing/2010/main">
+              <a14:hiddenFill xmlns:a14="http://schemas.microsoft.com/office/drawing/2010/main" xmlns="">
                 <a:solidFill>
                   <a:srgbClr val="FFFFFF"/>
                 </a:solidFill>
               </a14:hiddenFill>
             </a:ext>
             <a:ext uri="{91240B29-F687-4f45-9708-019B960494DF}">
-              <a14:hiddenLine xmlns="" xmlns:a14="http://schemas.microsoft.com/office/drawing/2010/main" w="9525">
+              <a14:hiddenLine xmlns:a14="http://schemas.microsoft.com/office/drawing/2010/main" xmlns="" w="9525">
                 <a:solidFill>
                   <a:srgbClr val="000000"/>
                 </a:solidFill>
@@ -3591,14 +3591,14 @@
           <a:ln/>
           <a:extLst>
             <a:ext uri="{909E8E84-426E-40dd-AFC4-6F175D3DCCD1}">
-              <a14:hiddenFill xmlns="" xmlns:a14="http://schemas.microsoft.com/office/drawing/2010/main">
+              <a14:hiddenFill xmlns:a14="http://schemas.microsoft.com/office/drawing/2010/main" xmlns="">
                 <a:solidFill>
                   <a:srgbClr val="FFFFFF"/>
                 </a:solidFill>
               </a14:hiddenFill>
             </a:ext>
             <a:ext uri="{91240B29-F687-4f45-9708-019B960494DF}">
-              <a14:hiddenLine xmlns="" xmlns:a14="http://schemas.microsoft.com/office/drawing/2010/main" w="9525">
+              <a14:hiddenLine xmlns:a14="http://schemas.microsoft.com/office/drawing/2010/main" xmlns="" w="9525">
                 <a:solidFill>
                   <a:srgbClr val="000000"/>
                 </a:solidFill>
@@ -3785,7 +3785,7 @@
           </a:ln>
           <a:extLst>
             <a:ext uri="{909E8E84-426E-40dd-AFC4-6F175D3DCCD1}">
-              <a14:hiddenFill xmlns:a14="http://schemas.microsoft.com/office/drawing/2010/main" xmlns="">
+              <a14:hiddenFill xmlns="" xmlns:a14="http://schemas.microsoft.com/office/drawing/2010/main">
                 <a:solidFill>
                   <a:srgbClr val="FFFFFF"/>
                 </a:solidFill>
@@ -3809,14 +3809,14 @@
           <a:ln/>
           <a:extLst>
             <a:ext uri="{909E8E84-426E-40dd-AFC4-6F175D3DCCD1}">
-              <a14:hiddenFill xmlns:a14="http://schemas.microsoft.com/office/drawing/2010/main" xmlns="">
+              <a14:hiddenFill xmlns="" xmlns:a14="http://schemas.microsoft.com/office/drawing/2010/main">
                 <a:solidFill>
                   <a:srgbClr val="FFFFFF"/>
                 </a:solidFill>
               </a14:hiddenFill>
             </a:ext>
             <a:ext uri="{91240B29-F687-4f45-9708-019B960494DF}">
-              <a14:hiddenLine xmlns:a14="http://schemas.microsoft.com/office/drawing/2010/main" xmlns="" w="9525">
+              <a14:hiddenLine xmlns="" xmlns:a14="http://schemas.microsoft.com/office/drawing/2010/main" w="9525">
                 <a:solidFill>
                   <a:srgbClr val="000000"/>
                 </a:solidFill>
@@ -3932,14 +3932,14 @@
           <a:ln/>
           <a:extLst>
             <a:ext uri="{909E8E84-426E-40dd-AFC4-6F175D3DCCD1}">
-              <a14:hiddenFill xmlns:a14="http://schemas.microsoft.com/office/drawing/2010/main" xmlns="">
+              <a14:hiddenFill xmlns="" xmlns:a14="http://schemas.microsoft.com/office/drawing/2010/main">
                 <a:solidFill>
                   <a:srgbClr val="FFFFFF"/>
                 </a:solidFill>
               </a14:hiddenFill>
             </a:ext>
             <a:ext uri="{91240B29-F687-4f45-9708-019B960494DF}">
-              <a14:hiddenLine xmlns:a14="http://schemas.microsoft.com/office/drawing/2010/main" xmlns="" w="9525">
+              <a14:hiddenLine xmlns="" xmlns:a14="http://schemas.microsoft.com/office/drawing/2010/main" w="9525">
                 <a:solidFill>
                   <a:srgbClr val="000000"/>
                 </a:solidFill>
@@ -4126,7 +4126,7 @@
           </a:ln>
           <a:extLst>
             <a:ext uri="{909E8E84-426E-40dd-AFC4-6F175D3DCCD1}">
-              <a14:hiddenFill xmlns:a14="http://schemas.microsoft.com/office/drawing/2010/main" xmlns="">
+              <a14:hiddenFill xmlns="" xmlns:a14="http://schemas.microsoft.com/office/drawing/2010/main">
                 <a:solidFill>
                   <a:srgbClr val="FFFFFF"/>
                 </a:solidFill>
@@ -4150,14 +4150,14 @@
           <a:ln/>
           <a:extLst>
             <a:ext uri="{909E8E84-426E-40dd-AFC4-6F175D3DCCD1}">
-              <a14:hiddenFill xmlns:a14="http://schemas.microsoft.com/office/drawing/2010/main" xmlns="">
+              <a14:hiddenFill xmlns="" xmlns:a14="http://schemas.microsoft.com/office/drawing/2010/main">
                 <a:solidFill>
                   <a:srgbClr val="FFFFFF"/>
                 </a:solidFill>
               </a14:hiddenFill>
             </a:ext>
             <a:ext uri="{91240B29-F687-4f45-9708-019B960494DF}">
-              <a14:hiddenLine xmlns:a14="http://schemas.microsoft.com/office/drawing/2010/main" xmlns="" w="9525">
+              <a14:hiddenLine xmlns="" xmlns:a14="http://schemas.microsoft.com/office/drawing/2010/main" w="9525">
                 <a:solidFill>
                   <a:srgbClr val="000000"/>
                 </a:solidFill>
@@ -4273,14 +4273,14 @@
           <a:ln/>
           <a:extLst>
             <a:ext uri="{909E8E84-426E-40dd-AFC4-6F175D3DCCD1}">
-              <a14:hiddenFill xmlns:a14="http://schemas.microsoft.com/office/drawing/2010/main" xmlns="">
+              <a14:hiddenFill xmlns="" xmlns:a14="http://schemas.microsoft.com/office/drawing/2010/main">
                 <a:solidFill>
                   <a:srgbClr val="FFFFFF"/>
                 </a:solidFill>
               </a14:hiddenFill>
             </a:ext>
             <a:ext uri="{91240B29-F687-4f45-9708-019B960494DF}">
-              <a14:hiddenLine xmlns:a14="http://schemas.microsoft.com/office/drawing/2010/main" xmlns="" w="9525">
+              <a14:hiddenLine xmlns="" xmlns:a14="http://schemas.microsoft.com/office/drawing/2010/main" w="9525">
                 <a:solidFill>
                   <a:srgbClr val="000000"/>
                 </a:solidFill>
@@ -4467,7 +4467,7 @@
           </a:ln>
           <a:extLst>
             <a:ext uri="{909E8E84-426E-40dd-AFC4-6F175D3DCCD1}">
-              <a14:hiddenFill xmlns:a14="http://schemas.microsoft.com/office/drawing/2010/main" xmlns="">
+              <a14:hiddenFill xmlns="" xmlns:a14="http://schemas.microsoft.com/office/drawing/2010/main">
                 <a:solidFill>
                   <a:srgbClr val="FFFFFF"/>
                 </a:solidFill>
@@ -4491,14 +4491,14 @@
           <a:ln/>
           <a:extLst>
             <a:ext uri="{909E8E84-426E-40dd-AFC4-6F175D3DCCD1}">
-              <a14:hiddenFill xmlns:a14="http://schemas.microsoft.com/office/drawing/2010/main" xmlns="">
+              <a14:hiddenFill xmlns="" xmlns:a14="http://schemas.microsoft.com/office/drawing/2010/main">
                 <a:solidFill>
                   <a:srgbClr val="FFFFFF"/>
                 </a:solidFill>
               </a14:hiddenFill>
             </a:ext>
             <a:ext uri="{91240B29-F687-4f45-9708-019B960494DF}">
-              <a14:hiddenLine xmlns:a14="http://schemas.microsoft.com/office/drawing/2010/main" xmlns="" w="9525">
+              <a14:hiddenLine xmlns="" xmlns:a14="http://schemas.microsoft.com/office/drawing/2010/main" w="9525">
                 <a:solidFill>
                   <a:srgbClr val="000000"/>
                 </a:solidFill>
@@ -4614,14 +4614,14 @@
           <a:ln/>
           <a:extLst>
             <a:ext uri="{909E8E84-426E-40dd-AFC4-6F175D3DCCD1}">
-              <a14:hiddenFill xmlns:a14="http://schemas.microsoft.com/office/drawing/2010/main" xmlns="">
+              <a14:hiddenFill xmlns="" xmlns:a14="http://schemas.microsoft.com/office/drawing/2010/main">
                 <a:solidFill>
                   <a:srgbClr val="FFFFFF"/>
                 </a:solidFill>
               </a14:hiddenFill>
             </a:ext>
             <a:ext uri="{91240B29-F687-4f45-9708-019B960494DF}">
-              <a14:hiddenLine xmlns:a14="http://schemas.microsoft.com/office/drawing/2010/main" xmlns="" w="9525">
+              <a14:hiddenLine xmlns="" xmlns:a14="http://schemas.microsoft.com/office/drawing/2010/main" w="9525">
                 <a:solidFill>
                   <a:srgbClr val="000000"/>
                 </a:solidFill>
@@ -5058,7 +5058,7 @@
               <a:pPr>
                 <a:defRPr/>
               </a:pPr>
-              <a:t>Wednesday, April 8, 2020</a:t>
+              <a:t>Friday, April 10, 2020</a:t>
             </a:fld>
             <a:endParaRPr lang="en-US" dirty="0"/>
           </a:p>
@@ -5241,7 +5241,7 @@
               <a:pPr>
                 <a:defRPr/>
               </a:pPr>
-              <a:t>Wednesday, April 8, 2020</a:t>
+              <a:t>Friday, April 10, 2020</a:t>
             </a:fld>
             <a:endParaRPr lang="en-US" dirty="0"/>
           </a:p>
@@ -5434,7 +5434,7 @@
               <a:pPr>
                 <a:defRPr/>
               </a:pPr>
-              <a:t>Wednesday, April 8, 2020</a:t>
+              <a:t>Friday, April 10, 2020</a:t>
             </a:fld>
             <a:endParaRPr lang="en-US" dirty="0"/>
           </a:p>
@@ -5617,7 +5617,7 @@
               <a:pPr>
                 <a:defRPr/>
               </a:pPr>
-              <a:t>Wednesday, April 8, 2020</a:t>
+              <a:t>Friday, April 10, 2020</a:t>
             </a:fld>
             <a:endParaRPr lang="en-US" dirty="0"/>
           </a:p>
@@ -5877,7 +5877,7 @@
               <a:pPr>
                 <a:defRPr/>
               </a:pPr>
-              <a:t>Wednesday, April 8, 2020</a:t>
+              <a:t>Friday, April 10, 2020</a:t>
             </a:fld>
             <a:endParaRPr lang="en-US"/>
           </a:p>
@@ -6177,7 +6177,7 @@
               <a:pPr>
                 <a:defRPr/>
               </a:pPr>
-              <a:t>Wednesday, April 8, 2020</a:t>
+              <a:t>Friday, April 10, 2020</a:t>
             </a:fld>
             <a:endParaRPr lang="en-US"/>
           </a:p>
@@ -6611,7 +6611,7 @@
               <a:pPr>
                 <a:defRPr/>
               </a:pPr>
-              <a:t>Wednesday, April 8, 2020</a:t>
+              <a:t>Friday, April 10, 2020</a:t>
             </a:fld>
             <a:endParaRPr lang="en-US"/>
           </a:p>
@@ -6743,7 +6743,7 @@
               <a:pPr>
                 <a:defRPr/>
               </a:pPr>
-              <a:t>Wednesday, April 8, 2020</a:t>
+              <a:t>Friday, April 10, 2020</a:t>
             </a:fld>
             <a:endParaRPr lang="en-US"/>
           </a:p>
@@ -6853,7 +6853,7 @@
               <a:pPr>
                 <a:defRPr/>
               </a:pPr>
-              <a:t>Wednesday, April 8, 2020</a:t>
+              <a:t>Friday, April 10, 2020</a:t>
             </a:fld>
             <a:endParaRPr lang="en-US" dirty="0"/>
           </a:p>
@@ -7143,7 +7143,7 @@
               <a:pPr>
                 <a:defRPr/>
               </a:pPr>
-              <a:t>Wednesday, April 8, 2020</a:t>
+              <a:t>Friday, April 10, 2020</a:t>
             </a:fld>
             <a:endParaRPr lang="en-US"/>
           </a:p>
@@ -7410,7 +7410,7 @@
               <a:pPr>
                 <a:defRPr/>
               </a:pPr>
-              <a:t>Wednesday, April 8, 2020</a:t>
+              <a:t>Friday, April 10, 2020</a:t>
             </a:fld>
             <a:endParaRPr lang="en-US"/>
           </a:p>
@@ -7636,7 +7636,7 @@
               <a:pPr>
                 <a:defRPr/>
               </a:pPr>
-              <a:t>Wednesday, April 8, 2020</a:t>
+              <a:t>Friday, April 10, 2020</a:t>
             </a:fld>
             <a:endParaRPr lang="en-US" dirty="0"/>
           </a:p>
@@ -10108,6 +10108,13 @@
   <p:clrMapOvr>
     <a:masterClrMapping/>
   </p:clrMapOvr>
+  <p:timing>
+    <p:tnLst>
+      <p:par>
+        <p:cTn id="1" dur="indefinite" restart="never" nodeType="tmRoot"/>
+      </p:par>
+    </p:tnLst>
+  </p:timing>
 </p:sld>
 </file>
 
@@ -10190,7 +10197,7 @@
         </p:blipFill>
         <p:spPr bwMode="auto">
           <a:xfrm>
-            <a:off x="889000" y="2260600"/>
+            <a:off x="228600" y="2252472"/>
             <a:ext cx="7162800" cy="4572000"/>
           </a:xfrm>
           <a:prstGeom prst="rect">
@@ -10208,6 +10215,100 @@
           </a:extLst>
         </p:spPr>
       </p:pic>
+      <p:sp>
+        <p:nvSpPr>
+          <p:cNvPr id="5" name="Rounded Rectangle 4"/>
+          <p:cNvSpPr/>
+          <p:nvPr/>
+        </p:nvSpPr>
+        <p:spPr>
+          <a:xfrm>
+            <a:off x="6484961" y="2590800"/>
+            <a:ext cx="2659040" cy="1804416"/>
+          </a:xfrm>
+          <a:prstGeom prst="roundRect">
+            <a:avLst/>
+          </a:prstGeom>
+        </p:spPr>
+        <p:style>
+          <a:lnRef idx="2">
+            <a:schemeClr val="accent1">
+              <a:shade val="50000"/>
+            </a:schemeClr>
+          </a:lnRef>
+          <a:fillRef idx="1">
+            <a:schemeClr val="accent1"/>
+          </a:fillRef>
+          <a:effectRef idx="0">
+            <a:schemeClr val="accent1"/>
+          </a:effectRef>
+          <a:fontRef idx="minor">
+            <a:schemeClr val="lt1"/>
+          </a:fontRef>
+        </p:style>
+        <p:txBody>
+          <a:bodyPr rtlCol="0" anchor="ctr"/>
+          <a:lstStyle/>
+          <a:p>
+            <a:r>
+              <a:rPr lang="en-US" b="1" dirty="0"/>
+              <a:t>PAUSE THIS </a:t>
+            </a:r>
+            <a:r>
+              <a:rPr lang="en-US" b="1" dirty="0" smtClean="0"/>
+              <a:t>VIDEO HERE </a:t>
+            </a:r>
+            <a:endParaRPr lang="en-US" b="1" dirty="0" smtClean="0"/>
+          </a:p>
+          <a:p>
+            <a:r>
+              <a:rPr lang="en-US" b="1" dirty="0" smtClean="0"/>
+              <a:t>for </a:t>
+            </a:r>
+            <a:r>
+              <a:rPr lang="en-US" b="1" dirty="0" smtClean="0"/>
+              <a:t>5-10 minutes!</a:t>
+            </a:r>
+            <a:endParaRPr lang="en-US" b="1" dirty="0"/>
+          </a:p>
+          <a:p>
+            <a:r>
+              <a:rPr lang="en-US" dirty="0"/>
+              <a:t>Try to </a:t>
+            </a:r>
+            <a:r>
+              <a:rPr lang="en-US" dirty="0" smtClean="0"/>
+              <a:t>make your own </a:t>
+            </a:r>
+            <a:endParaRPr lang="en-US" dirty="0" smtClean="0"/>
+          </a:p>
+          <a:p>
+            <a:r>
+              <a:rPr lang="en-US" dirty="0" smtClean="0"/>
+              <a:t>improved </a:t>
+            </a:r>
+            <a:r>
+              <a:rPr lang="en-US" dirty="0" smtClean="0"/>
+              <a:t>design </a:t>
+            </a:r>
+          </a:p>
+          <a:p>
+            <a:r>
+              <a:rPr lang="en-US" dirty="0" smtClean="0"/>
+              <a:t>Using </a:t>
+            </a:r>
+            <a:r>
+              <a:rPr lang="en-US" dirty="0" err="1" smtClean="0"/>
+              <a:t>plantuml</a:t>
+            </a:r>
+            <a:r>
+              <a:rPr lang="en-US" dirty="0" smtClean="0"/>
+              <a:t> is good practice!</a:t>
+            </a:r>
+            <a:endParaRPr lang="en-US" dirty="0"/>
+          </a:p>
+        </p:txBody>
+      </p:sp>
     </p:spTree>
     <p:extLst>
       <p:ext uri="{BB962C8B-B14F-4D97-AF65-F5344CB8AC3E}">
@@ -10218,6 +10319,130 @@
   <p:clrMapOvr>
     <a:masterClrMapping/>
   </p:clrMapOvr>
+  <p:timing>
+    <p:tnLst>
+      <p:par>
+        <p:cTn id="1" dur="indefinite" restart="never" nodeType="tmRoot">
+          <p:childTnLst>
+            <p:seq concurrent="1" nextAc="seek">
+              <p:cTn id="2" dur="indefinite" nodeType="mainSeq">
+                <p:childTnLst>
+                  <p:par>
+                    <p:cTn id="3" fill="hold">
+                      <p:stCondLst>
+                        <p:cond delay="indefinite"/>
+                      </p:stCondLst>
+                      <p:childTnLst>
+                        <p:par>
+                          <p:cTn id="4" fill="hold">
+                            <p:stCondLst>
+                              <p:cond delay="0"/>
+                            </p:stCondLst>
+                            <p:childTnLst>
+                              <p:par>
+                                <p:cTn id="5" presetID="2" presetClass="entr" presetSubtype="4" fill="hold" grpId="0" nodeType="clickEffect">
+                                  <p:stCondLst>
+                                    <p:cond delay="0"/>
+                                  </p:stCondLst>
+                                  <p:childTnLst>
+                                    <p:set>
+                                      <p:cBhvr>
+                                        <p:cTn id="6" dur="1" fill="hold">
+                                          <p:stCondLst>
+                                            <p:cond delay="0"/>
+                                          </p:stCondLst>
+                                        </p:cTn>
+                                        <p:tgtEl>
+                                          <p:spTgt spid="5"/>
+                                        </p:tgtEl>
+                                        <p:attrNameLst>
+                                          <p:attrName>style.visibility</p:attrName>
+                                        </p:attrNameLst>
+                                      </p:cBhvr>
+                                      <p:to>
+                                        <p:strVal val="visible"/>
+                                      </p:to>
+                                    </p:set>
+                                    <p:anim calcmode="lin" valueType="num">
+                                      <p:cBhvr additive="base">
+                                        <p:cTn id="7" dur="500" fill="hold"/>
+                                        <p:tgtEl>
+                                          <p:spTgt spid="5"/>
+                                        </p:tgtEl>
+                                        <p:attrNameLst>
+                                          <p:attrName>ppt_x</p:attrName>
+                                        </p:attrNameLst>
+                                      </p:cBhvr>
+                                      <p:tavLst>
+                                        <p:tav tm="0">
+                                          <p:val>
+                                            <p:strVal val="#ppt_x"/>
+                                          </p:val>
+                                        </p:tav>
+                                        <p:tav tm="100000">
+                                          <p:val>
+                                            <p:strVal val="#ppt_x"/>
+                                          </p:val>
+                                        </p:tav>
+                                      </p:tavLst>
+                                    </p:anim>
+                                    <p:anim calcmode="lin" valueType="num">
+                                      <p:cBhvr additive="base">
+                                        <p:cTn id="8" dur="500" fill="hold"/>
+                                        <p:tgtEl>
+                                          <p:spTgt spid="5"/>
+                                        </p:tgtEl>
+                                        <p:attrNameLst>
+                                          <p:attrName>ppt_y</p:attrName>
+                                        </p:attrNameLst>
+                                      </p:cBhvr>
+                                      <p:tavLst>
+                                        <p:tav tm="0">
+                                          <p:val>
+                                            <p:strVal val="1+#ppt_h/2"/>
+                                          </p:val>
+                                        </p:tav>
+                                        <p:tav tm="100000">
+                                          <p:val>
+                                            <p:strVal val="#ppt_y"/>
+                                          </p:val>
+                                        </p:tav>
+                                      </p:tavLst>
+                                    </p:anim>
+                                  </p:childTnLst>
+                                </p:cTn>
+                              </p:par>
+                            </p:childTnLst>
+                          </p:cTn>
+                        </p:par>
+                      </p:childTnLst>
+                    </p:cTn>
+                  </p:par>
+                </p:childTnLst>
+              </p:cTn>
+              <p:prevCondLst>
+                <p:cond evt="onPrev" delay="0">
+                  <p:tgtEl>
+                    <p:sldTgt/>
+                  </p:tgtEl>
+                </p:cond>
+              </p:prevCondLst>
+              <p:nextCondLst>
+                <p:cond evt="onNext" delay="0">
+                  <p:tgtEl>
+                    <p:sldTgt/>
+                  </p:tgtEl>
+                </p:cond>
+              </p:nextCondLst>
+            </p:seq>
+          </p:childTnLst>
+        </p:cTn>
+      </p:par>
+    </p:tnLst>
+    <p:bldLst>
+      <p:bldP spid="5" grpId="0" animBg="1"/>
+    </p:bldLst>
+  </p:timing>
 </p:sld>
 </file>
 
@@ -10473,6 +10698,13 @@
   <p:clrMapOvr>
     <a:masterClrMapping/>
   </p:clrMapOvr>
+  <p:timing>
+    <p:tnLst>
+      <p:par>
+        <p:cTn id="1" dur="indefinite" restart="never" nodeType="tmRoot"/>
+      </p:par>
+    </p:tnLst>
+  </p:timing>
 </p:sld>
 </file>
 
@@ -11074,6 +11306,13 @@
   <p:clrMapOvr>
     <a:masterClrMapping/>
   </p:clrMapOvr>
+  <p:timing>
+    <p:tnLst>
+      <p:par>
+        <p:cTn id="1" dur="indefinite" restart="never" nodeType="tmRoot"/>
+      </p:par>
+    </p:tnLst>
+  </p:timing>
 </p:sld>
 </file>
 
@@ -11653,6 +11892,13 @@
   <p:clrMapOvr>
     <a:masterClrMapping/>
   </p:clrMapOvr>
+  <p:timing>
+    <p:tnLst>
+      <p:par>
+        <p:cTn id="1" dur="indefinite" restart="never" nodeType="tmRoot"/>
+      </p:par>
+    </p:tnLst>
+  </p:timing>
 </p:sld>
 </file>
 
@@ -11900,6 +12146,13 @@
   <p:clrMapOvr>
     <a:masterClrMapping/>
   </p:clrMapOvr>
+  <p:timing>
+    <p:tnLst>
+      <p:par>
+        <p:cTn id="1" dur="indefinite" restart="never" nodeType="tmRoot"/>
+      </p:par>
+    </p:tnLst>
+  </p:timing>
 </p:sld>
 </file>
 

--- a/ClassMaterials/Interfaces/Slides/Interfaces.pptx
+++ b/ClassMaterials/Interfaces/Slides/Interfaces.pptx
@@ -299,7 +299,7 @@
               <a:pPr>
                 <a:defRPr/>
               </a:pPr>
-              <a:t>4/10/2020</a:t>
+              <a:t>2/24/22</a:t>
             </a:fld>
             <a:endParaRPr lang="en-US"/>
           </a:p>
@@ -534,7 +534,7 @@
               <a:pPr>
                 <a:defRPr/>
               </a:pPr>
-              <a:t>4/10/2020</a:t>
+              <a:t>2/24/22</a:t>
             </a:fld>
             <a:endParaRPr lang="en-US"/>
           </a:p>
@@ -917,7 +917,7 @@
           </a:ln>
           <a:extLst>
             <a:ext uri="{909E8E84-426E-40dd-AFC4-6F175D3DCCD1}">
-              <a14:hiddenFill xmlns:a14="http://schemas.microsoft.com/office/drawing/2010/main" xmlns="">
+              <a14:hiddenFill xmlns="" xmlns:a14="http://schemas.microsoft.com/office/drawing/2010/main">
                 <a:solidFill>
                   <a:srgbClr val="FFFFFF"/>
                 </a:solidFill>
@@ -941,14 +941,14 @@
           <a:ln/>
           <a:extLst>
             <a:ext uri="{909E8E84-426E-40dd-AFC4-6F175D3DCCD1}">
-              <a14:hiddenFill xmlns:a14="http://schemas.microsoft.com/office/drawing/2010/main" xmlns="">
+              <a14:hiddenFill xmlns="" xmlns:a14="http://schemas.microsoft.com/office/drawing/2010/main">
                 <a:solidFill>
                   <a:srgbClr val="FFFFFF"/>
                 </a:solidFill>
               </a14:hiddenFill>
             </a:ext>
             <a:ext uri="{91240B29-F687-4f45-9708-019B960494DF}">
-              <a14:hiddenLine xmlns:a14="http://schemas.microsoft.com/office/drawing/2010/main" xmlns="" w="9525">
+              <a14:hiddenLine xmlns="" xmlns:a14="http://schemas.microsoft.com/office/drawing/2010/main" w="9525">
                 <a:solidFill>
                   <a:srgbClr val="000000"/>
                 </a:solidFill>
@@ -1112,14 +1112,14 @@
           <a:ln/>
           <a:extLst>
             <a:ext uri="{909E8E84-426E-40dd-AFC4-6F175D3DCCD1}">
-              <a14:hiddenFill xmlns:a14="http://schemas.microsoft.com/office/drawing/2010/main" xmlns="">
+              <a14:hiddenFill xmlns="" xmlns:a14="http://schemas.microsoft.com/office/drawing/2010/main">
                 <a:solidFill>
                   <a:srgbClr val="FFFFFF"/>
                 </a:solidFill>
               </a14:hiddenFill>
             </a:ext>
             <a:ext uri="{91240B29-F687-4f45-9708-019B960494DF}">
-              <a14:hiddenLine xmlns:a14="http://schemas.microsoft.com/office/drawing/2010/main" xmlns="" w="9525">
+              <a14:hiddenLine xmlns="" xmlns:a14="http://schemas.microsoft.com/office/drawing/2010/main" w="9525">
                 <a:solidFill>
                   <a:srgbClr val="000000"/>
                 </a:solidFill>
@@ -1306,7 +1306,7 @@
           </a:ln>
           <a:extLst>
             <a:ext uri="{909E8E84-426E-40dd-AFC4-6F175D3DCCD1}">
-              <a14:hiddenFill xmlns:a14="http://schemas.microsoft.com/office/drawing/2010/main" xmlns="">
+              <a14:hiddenFill xmlns="" xmlns:a14="http://schemas.microsoft.com/office/drawing/2010/main">
                 <a:solidFill>
                   <a:srgbClr val="FFFFFF"/>
                 </a:solidFill>
@@ -1330,14 +1330,14 @@
           <a:ln/>
           <a:extLst>
             <a:ext uri="{909E8E84-426E-40dd-AFC4-6F175D3DCCD1}">
-              <a14:hiddenFill xmlns:a14="http://schemas.microsoft.com/office/drawing/2010/main" xmlns="">
+              <a14:hiddenFill xmlns="" xmlns:a14="http://schemas.microsoft.com/office/drawing/2010/main">
                 <a:solidFill>
                   <a:srgbClr val="FFFFFF"/>
                 </a:solidFill>
               </a14:hiddenFill>
             </a:ext>
             <a:ext uri="{91240B29-F687-4f45-9708-019B960494DF}">
-              <a14:hiddenLine xmlns:a14="http://schemas.microsoft.com/office/drawing/2010/main" xmlns="" w="9525">
+              <a14:hiddenLine xmlns="" xmlns:a14="http://schemas.microsoft.com/office/drawing/2010/main" w="9525">
                 <a:solidFill>
                   <a:srgbClr val="000000"/>
                 </a:solidFill>
@@ -1396,14 +1396,14 @@
           <a:ln/>
           <a:extLst>
             <a:ext uri="{909E8E84-426E-40dd-AFC4-6F175D3DCCD1}">
-              <a14:hiddenFill xmlns:a14="http://schemas.microsoft.com/office/drawing/2010/main" xmlns="">
+              <a14:hiddenFill xmlns="" xmlns:a14="http://schemas.microsoft.com/office/drawing/2010/main">
                 <a:solidFill>
                   <a:srgbClr val="FFFFFF"/>
                 </a:solidFill>
               </a14:hiddenFill>
             </a:ext>
             <a:ext uri="{91240B29-F687-4f45-9708-019B960494DF}">
-              <a14:hiddenLine xmlns:a14="http://schemas.microsoft.com/office/drawing/2010/main" xmlns="" w="9525">
+              <a14:hiddenLine xmlns="" xmlns:a14="http://schemas.microsoft.com/office/drawing/2010/main" w="9525">
                 <a:solidFill>
                   <a:srgbClr val="000000"/>
                 </a:solidFill>
@@ -1829,7 +1829,7 @@
           </a:ln>
           <a:extLst>
             <a:ext uri="{909E8E84-426E-40dd-AFC4-6F175D3DCCD1}">
-              <a14:hiddenFill xmlns:a14="http://schemas.microsoft.com/office/drawing/2010/main" xmlns="">
+              <a14:hiddenFill xmlns="" xmlns:a14="http://schemas.microsoft.com/office/drawing/2010/main">
                 <a:solidFill>
                   <a:srgbClr val="FFFFFF"/>
                 </a:solidFill>
@@ -1853,14 +1853,14 @@
           <a:ln/>
           <a:extLst>
             <a:ext uri="{909E8E84-426E-40dd-AFC4-6F175D3DCCD1}">
-              <a14:hiddenFill xmlns:a14="http://schemas.microsoft.com/office/drawing/2010/main" xmlns="">
+              <a14:hiddenFill xmlns="" xmlns:a14="http://schemas.microsoft.com/office/drawing/2010/main">
                 <a:solidFill>
                   <a:srgbClr val="FFFFFF"/>
                 </a:solidFill>
               </a14:hiddenFill>
             </a:ext>
             <a:ext uri="{91240B29-F687-4f45-9708-019B960494DF}">
-              <a14:hiddenLine xmlns:a14="http://schemas.microsoft.com/office/drawing/2010/main" xmlns="" w="9525">
+              <a14:hiddenLine xmlns="" xmlns:a14="http://schemas.microsoft.com/office/drawing/2010/main" w="9525">
                 <a:solidFill>
                   <a:srgbClr val="000000"/>
                 </a:solidFill>
@@ -1897,14 +1897,14 @@
           <a:ln/>
           <a:extLst>
             <a:ext uri="{909E8E84-426E-40dd-AFC4-6F175D3DCCD1}">
-              <a14:hiddenFill xmlns:a14="http://schemas.microsoft.com/office/drawing/2010/main" xmlns="">
+              <a14:hiddenFill xmlns="" xmlns:a14="http://schemas.microsoft.com/office/drawing/2010/main">
                 <a:solidFill>
                   <a:srgbClr val="FFFFFF"/>
                 </a:solidFill>
               </a14:hiddenFill>
             </a:ext>
             <a:ext uri="{91240B29-F687-4f45-9708-019B960494DF}">
-              <a14:hiddenLine xmlns:a14="http://schemas.microsoft.com/office/drawing/2010/main" xmlns="" w="9525">
+              <a14:hiddenLine xmlns="" xmlns:a14="http://schemas.microsoft.com/office/drawing/2010/main" w="9525">
                 <a:solidFill>
                   <a:srgbClr val="000000"/>
                 </a:solidFill>
@@ -2684,7 +2684,7 @@
           </a:ln>
           <a:extLst>
             <a:ext uri="{909E8E84-426E-40dd-AFC4-6F175D3DCCD1}">
-              <a14:hiddenFill xmlns="" xmlns:a14="http://schemas.microsoft.com/office/drawing/2010/main">
+              <a14:hiddenFill xmlns:a14="http://schemas.microsoft.com/office/drawing/2010/main" xmlns="">
                 <a:solidFill>
                   <a:srgbClr val="FFFFFF"/>
                 </a:solidFill>
@@ -2708,14 +2708,14 @@
           <a:ln/>
           <a:extLst>
             <a:ext uri="{909E8E84-426E-40dd-AFC4-6F175D3DCCD1}">
-              <a14:hiddenFill xmlns="" xmlns:a14="http://schemas.microsoft.com/office/drawing/2010/main">
+              <a14:hiddenFill xmlns:a14="http://schemas.microsoft.com/office/drawing/2010/main" xmlns="">
                 <a:solidFill>
                   <a:srgbClr val="FFFFFF"/>
                 </a:solidFill>
               </a14:hiddenFill>
             </a:ext>
             <a:ext uri="{91240B29-F687-4f45-9708-019B960494DF}">
-              <a14:hiddenLine xmlns="" xmlns:a14="http://schemas.microsoft.com/office/drawing/2010/main" w="9525">
+              <a14:hiddenLine xmlns:a14="http://schemas.microsoft.com/office/drawing/2010/main" xmlns="" w="9525">
                 <a:solidFill>
                   <a:srgbClr val="000000"/>
                 </a:solidFill>
@@ -2768,14 +2768,14 @@
           <a:ln/>
           <a:extLst>
             <a:ext uri="{909E8E84-426E-40dd-AFC4-6F175D3DCCD1}">
-              <a14:hiddenFill xmlns="" xmlns:a14="http://schemas.microsoft.com/office/drawing/2010/main">
+              <a14:hiddenFill xmlns:a14="http://schemas.microsoft.com/office/drawing/2010/main" xmlns="">
                 <a:solidFill>
                   <a:srgbClr val="FFFFFF"/>
                 </a:solidFill>
               </a14:hiddenFill>
             </a:ext>
             <a:ext uri="{91240B29-F687-4f45-9708-019B960494DF}">
-              <a14:hiddenLine xmlns="" xmlns:a14="http://schemas.microsoft.com/office/drawing/2010/main" w="9525">
+              <a14:hiddenLine xmlns:a14="http://schemas.microsoft.com/office/drawing/2010/main" xmlns="" w="9525">
                 <a:solidFill>
                   <a:srgbClr val="000000"/>
                 </a:solidFill>
@@ -3159,7 +3159,7 @@
           </a:ln>
           <a:extLst>
             <a:ext uri="{909E8E84-426E-40dd-AFC4-6F175D3DCCD1}">
-              <a14:hiddenFill xmlns:a14="http://schemas.microsoft.com/office/drawing/2010/main" xmlns="">
+              <a14:hiddenFill xmlns="" xmlns:a14="http://schemas.microsoft.com/office/drawing/2010/main">
                 <a:solidFill>
                   <a:srgbClr val="FFFFFF"/>
                 </a:solidFill>
@@ -3183,14 +3183,14 @@
           <a:ln/>
           <a:extLst>
             <a:ext uri="{909E8E84-426E-40dd-AFC4-6F175D3DCCD1}">
-              <a14:hiddenFill xmlns:a14="http://schemas.microsoft.com/office/drawing/2010/main" xmlns="">
+              <a14:hiddenFill xmlns="" xmlns:a14="http://schemas.microsoft.com/office/drawing/2010/main">
                 <a:solidFill>
                   <a:srgbClr val="FFFFFF"/>
                 </a:solidFill>
               </a14:hiddenFill>
             </a:ext>
             <a:ext uri="{91240B29-F687-4f45-9708-019B960494DF}">
-              <a14:hiddenLine xmlns:a14="http://schemas.microsoft.com/office/drawing/2010/main" xmlns="" w="9525">
+              <a14:hiddenLine xmlns="" xmlns:a14="http://schemas.microsoft.com/office/drawing/2010/main" w="9525">
                 <a:solidFill>
                   <a:srgbClr val="000000"/>
                 </a:solidFill>
@@ -3250,14 +3250,14 @@
           <a:ln/>
           <a:extLst>
             <a:ext uri="{909E8E84-426E-40dd-AFC4-6F175D3DCCD1}">
-              <a14:hiddenFill xmlns:a14="http://schemas.microsoft.com/office/drawing/2010/main" xmlns="">
+              <a14:hiddenFill xmlns="" xmlns:a14="http://schemas.microsoft.com/office/drawing/2010/main">
                 <a:solidFill>
                   <a:srgbClr val="FFFFFF"/>
                 </a:solidFill>
               </a14:hiddenFill>
             </a:ext>
             <a:ext uri="{91240B29-F687-4f45-9708-019B960494DF}">
-              <a14:hiddenLine xmlns:a14="http://schemas.microsoft.com/office/drawing/2010/main" xmlns="" w="9525">
+              <a14:hiddenLine xmlns="" xmlns:a14="http://schemas.microsoft.com/office/drawing/2010/main" w="9525">
                 <a:solidFill>
                   <a:srgbClr val="000000"/>
                 </a:solidFill>
@@ -3444,7 +3444,7 @@
           </a:ln>
           <a:extLst>
             <a:ext uri="{909E8E84-426E-40dd-AFC4-6F175D3DCCD1}">
-              <a14:hiddenFill xmlns:a14="http://schemas.microsoft.com/office/drawing/2010/main" xmlns="">
+              <a14:hiddenFill xmlns="" xmlns:a14="http://schemas.microsoft.com/office/drawing/2010/main">
                 <a:solidFill>
                   <a:srgbClr val="FFFFFF"/>
                 </a:solidFill>
@@ -3468,14 +3468,14 @@
           <a:ln/>
           <a:extLst>
             <a:ext uri="{909E8E84-426E-40dd-AFC4-6F175D3DCCD1}">
-              <a14:hiddenFill xmlns:a14="http://schemas.microsoft.com/office/drawing/2010/main" xmlns="">
+              <a14:hiddenFill xmlns="" xmlns:a14="http://schemas.microsoft.com/office/drawing/2010/main">
                 <a:solidFill>
                   <a:srgbClr val="FFFFFF"/>
                 </a:solidFill>
               </a14:hiddenFill>
             </a:ext>
             <a:ext uri="{91240B29-F687-4f45-9708-019B960494DF}">
-              <a14:hiddenLine xmlns:a14="http://schemas.microsoft.com/office/drawing/2010/main" xmlns="" w="9525">
+              <a14:hiddenLine xmlns="" xmlns:a14="http://schemas.microsoft.com/office/drawing/2010/main" w="9525">
                 <a:solidFill>
                   <a:srgbClr val="000000"/>
                 </a:solidFill>
@@ -3591,14 +3591,14 @@
           <a:ln/>
           <a:extLst>
             <a:ext uri="{909E8E84-426E-40dd-AFC4-6F175D3DCCD1}">
-              <a14:hiddenFill xmlns:a14="http://schemas.microsoft.com/office/drawing/2010/main" xmlns="">
+              <a14:hiddenFill xmlns="" xmlns:a14="http://schemas.microsoft.com/office/drawing/2010/main">
                 <a:solidFill>
                   <a:srgbClr val="FFFFFF"/>
                 </a:solidFill>
               </a14:hiddenFill>
             </a:ext>
             <a:ext uri="{91240B29-F687-4f45-9708-019B960494DF}">
-              <a14:hiddenLine xmlns:a14="http://schemas.microsoft.com/office/drawing/2010/main" xmlns="" w="9525">
+              <a14:hiddenLine xmlns="" xmlns:a14="http://schemas.microsoft.com/office/drawing/2010/main" w="9525">
                 <a:solidFill>
                   <a:srgbClr val="000000"/>
                 </a:solidFill>
@@ -3785,7 +3785,7 @@
           </a:ln>
           <a:extLst>
             <a:ext uri="{909E8E84-426E-40dd-AFC4-6F175D3DCCD1}">
-              <a14:hiddenFill xmlns="" xmlns:a14="http://schemas.microsoft.com/office/drawing/2010/main">
+              <a14:hiddenFill xmlns:a14="http://schemas.microsoft.com/office/drawing/2010/main" xmlns="">
                 <a:solidFill>
                   <a:srgbClr val="FFFFFF"/>
                 </a:solidFill>
@@ -3809,14 +3809,14 @@
           <a:ln/>
           <a:extLst>
             <a:ext uri="{909E8E84-426E-40dd-AFC4-6F175D3DCCD1}">
-              <a14:hiddenFill xmlns="" xmlns:a14="http://schemas.microsoft.com/office/drawing/2010/main">
+              <a14:hiddenFill xmlns:a14="http://schemas.microsoft.com/office/drawing/2010/main" xmlns="">
                 <a:solidFill>
                   <a:srgbClr val="FFFFFF"/>
                 </a:solidFill>
               </a14:hiddenFill>
             </a:ext>
             <a:ext uri="{91240B29-F687-4f45-9708-019B960494DF}">
-              <a14:hiddenLine xmlns="" xmlns:a14="http://schemas.microsoft.com/office/drawing/2010/main" w="9525">
+              <a14:hiddenLine xmlns:a14="http://schemas.microsoft.com/office/drawing/2010/main" xmlns="" w="9525">
                 <a:solidFill>
                   <a:srgbClr val="000000"/>
                 </a:solidFill>
@@ -3932,14 +3932,14 @@
           <a:ln/>
           <a:extLst>
             <a:ext uri="{909E8E84-426E-40dd-AFC4-6F175D3DCCD1}">
-              <a14:hiddenFill xmlns="" xmlns:a14="http://schemas.microsoft.com/office/drawing/2010/main">
+              <a14:hiddenFill xmlns:a14="http://schemas.microsoft.com/office/drawing/2010/main" xmlns="">
                 <a:solidFill>
                   <a:srgbClr val="FFFFFF"/>
                 </a:solidFill>
               </a14:hiddenFill>
             </a:ext>
             <a:ext uri="{91240B29-F687-4f45-9708-019B960494DF}">
-              <a14:hiddenLine xmlns="" xmlns:a14="http://schemas.microsoft.com/office/drawing/2010/main" w="9525">
+              <a14:hiddenLine xmlns:a14="http://schemas.microsoft.com/office/drawing/2010/main" xmlns="" w="9525">
                 <a:solidFill>
                   <a:srgbClr val="000000"/>
                 </a:solidFill>
@@ -4126,7 +4126,7 @@
           </a:ln>
           <a:extLst>
             <a:ext uri="{909E8E84-426E-40dd-AFC4-6F175D3DCCD1}">
-              <a14:hiddenFill xmlns="" xmlns:a14="http://schemas.microsoft.com/office/drawing/2010/main">
+              <a14:hiddenFill xmlns:a14="http://schemas.microsoft.com/office/drawing/2010/main" xmlns="">
                 <a:solidFill>
                   <a:srgbClr val="FFFFFF"/>
                 </a:solidFill>
@@ -4150,14 +4150,14 @@
           <a:ln/>
           <a:extLst>
             <a:ext uri="{909E8E84-426E-40dd-AFC4-6F175D3DCCD1}">
-              <a14:hiddenFill xmlns="" xmlns:a14="http://schemas.microsoft.com/office/drawing/2010/main">
+              <a14:hiddenFill xmlns:a14="http://schemas.microsoft.com/office/drawing/2010/main" xmlns="">
                 <a:solidFill>
                   <a:srgbClr val="FFFFFF"/>
                 </a:solidFill>
               </a14:hiddenFill>
             </a:ext>
             <a:ext uri="{91240B29-F687-4f45-9708-019B960494DF}">
-              <a14:hiddenLine xmlns="" xmlns:a14="http://schemas.microsoft.com/office/drawing/2010/main" w="9525">
+              <a14:hiddenLine xmlns:a14="http://schemas.microsoft.com/office/drawing/2010/main" xmlns="" w="9525">
                 <a:solidFill>
                   <a:srgbClr val="000000"/>
                 </a:solidFill>
@@ -4273,14 +4273,14 @@
           <a:ln/>
           <a:extLst>
             <a:ext uri="{909E8E84-426E-40dd-AFC4-6F175D3DCCD1}">
-              <a14:hiddenFill xmlns="" xmlns:a14="http://schemas.microsoft.com/office/drawing/2010/main">
+              <a14:hiddenFill xmlns:a14="http://schemas.microsoft.com/office/drawing/2010/main" xmlns="">
                 <a:solidFill>
                   <a:srgbClr val="FFFFFF"/>
                 </a:solidFill>
               </a14:hiddenFill>
             </a:ext>
             <a:ext uri="{91240B29-F687-4f45-9708-019B960494DF}">
-              <a14:hiddenLine xmlns="" xmlns:a14="http://schemas.microsoft.com/office/drawing/2010/main" w="9525">
+              <a14:hiddenLine xmlns:a14="http://schemas.microsoft.com/office/drawing/2010/main" xmlns="" w="9525">
                 <a:solidFill>
                   <a:srgbClr val="000000"/>
                 </a:solidFill>
@@ -4467,7 +4467,7 @@
           </a:ln>
           <a:extLst>
             <a:ext uri="{909E8E84-426E-40dd-AFC4-6F175D3DCCD1}">
-              <a14:hiddenFill xmlns="" xmlns:a14="http://schemas.microsoft.com/office/drawing/2010/main">
+              <a14:hiddenFill xmlns:a14="http://schemas.microsoft.com/office/drawing/2010/main" xmlns="">
                 <a:solidFill>
                   <a:srgbClr val="FFFFFF"/>
                 </a:solidFill>
@@ -4491,14 +4491,14 @@
           <a:ln/>
           <a:extLst>
             <a:ext uri="{909E8E84-426E-40dd-AFC4-6F175D3DCCD1}">
-              <a14:hiddenFill xmlns="" xmlns:a14="http://schemas.microsoft.com/office/drawing/2010/main">
+              <a14:hiddenFill xmlns:a14="http://schemas.microsoft.com/office/drawing/2010/main" xmlns="">
                 <a:solidFill>
                   <a:srgbClr val="FFFFFF"/>
                 </a:solidFill>
               </a14:hiddenFill>
             </a:ext>
             <a:ext uri="{91240B29-F687-4f45-9708-019B960494DF}">
-              <a14:hiddenLine xmlns="" xmlns:a14="http://schemas.microsoft.com/office/drawing/2010/main" w="9525">
+              <a14:hiddenLine xmlns:a14="http://schemas.microsoft.com/office/drawing/2010/main" xmlns="" w="9525">
                 <a:solidFill>
                   <a:srgbClr val="000000"/>
                 </a:solidFill>
@@ -4614,14 +4614,14 @@
           <a:ln/>
           <a:extLst>
             <a:ext uri="{909E8E84-426E-40dd-AFC4-6F175D3DCCD1}">
-              <a14:hiddenFill xmlns="" xmlns:a14="http://schemas.microsoft.com/office/drawing/2010/main">
+              <a14:hiddenFill xmlns:a14="http://schemas.microsoft.com/office/drawing/2010/main" xmlns="">
                 <a:solidFill>
                   <a:srgbClr val="FFFFFF"/>
                 </a:solidFill>
               </a14:hiddenFill>
             </a:ext>
             <a:ext uri="{91240B29-F687-4f45-9708-019B960494DF}">
-              <a14:hiddenLine xmlns="" xmlns:a14="http://schemas.microsoft.com/office/drawing/2010/main" w="9525">
+              <a14:hiddenLine xmlns:a14="http://schemas.microsoft.com/office/drawing/2010/main" xmlns="" w="9525">
                 <a:solidFill>
                   <a:srgbClr val="000000"/>
                 </a:solidFill>
@@ -4814,17 +4814,17 @@
           <a:lstStyle/>
           <a:p>
             <a:r>
-              <a:rPr lang="en-US" dirty="0" smtClean="0"/>
+              <a:rPr lang="en-US" dirty="0"/>
               <a:t>Imagine</a:t>
             </a:r>
             <a:r>
-              <a:rPr lang="en-US" baseline="0" dirty="0" smtClean="0"/>
+              <a:rPr lang="en-US" baseline="0" dirty="0"/>
               <a:t> three different people developed these three classes. We have a scale simulator where we write code to compare/weigh things. </a:t>
             </a:r>
           </a:p>
           <a:p>
             <a:r>
-              <a:rPr lang="en-US" baseline="0" dirty="0" smtClean="0"/>
+              <a:rPr lang="en-US" baseline="0" dirty="0"/>
               <a:t>What if we wanted to compare all of them at the same time? </a:t>
             </a:r>
             <a:endParaRPr lang="en-US" dirty="0"/>
@@ -5058,7 +5058,7 @@
               <a:pPr>
                 <a:defRPr/>
               </a:pPr>
-              <a:t>Friday, April 10, 2020</a:t>
+              <a:t>Thursday, February 24, 2022</a:t>
             </a:fld>
             <a:endParaRPr lang="en-US" dirty="0"/>
           </a:p>
@@ -5241,7 +5241,7 @@
               <a:pPr>
                 <a:defRPr/>
               </a:pPr>
-              <a:t>Friday, April 10, 2020</a:t>
+              <a:t>Thursday, February 24, 2022</a:t>
             </a:fld>
             <a:endParaRPr lang="en-US" dirty="0"/>
           </a:p>
@@ -5434,7 +5434,7 @@
               <a:pPr>
                 <a:defRPr/>
               </a:pPr>
-              <a:t>Friday, April 10, 2020</a:t>
+              <a:t>Thursday, February 24, 2022</a:t>
             </a:fld>
             <a:endParaRPr lang="en-US" dirty="0"/>
           </a:p>
@@ -5617,7 +5617,7 @@
               <a:pPr>
                 <a:defRPr/>
               </a:pPr>
-              <a:t>Friday, April 10, 2020</a:t>
+              <a:t>Thursday, February 24, 2022</a:t>
             </a:fld>
             <a:endParaRPr lang="en-US" dirty="0"/>
           </a:p>
@@ -5877,7 +5877,7 @@
               <a:pPr>
                 <a:defRPr/>
               </a:pPr>
-              <a:t>Friday, April 10, 2020</a:t>
+              <a:t>Thursday, February 24, 2022</a:t>
             </a:fld>
             <a:endParaRPr lang="en-US"/>
           </a:p>
@@ -6177,7 +6177,7 @@
               <a:pPr>
                 <a:defRPr/>
               </a:pPr>
-              <a:t>Friday, April 10, 2020</a:t>
+              <a:t>Thursday, February 24, 2022</a:t>
             </a:fld>
             <a:endParaRPr lang="en-US"/>
           </a:p>
@@ -6611,7 +6611,7 @@
               <a:pPr>
                 <a:defRPr/>
               </a:pPr>
-              <a:t>Friday, April 10, 2020</a:t>
+              <a:t>Thursday, February 24, 2022</a:t>
             </a:fld>
             <a:endParaRPr lang="en-US"/>
           </a:p>
@@ -6743,7 +6743,7 @@
               <a:pPr>
                 <a:defRPr/>
               </a:pPr>
-              <a:t>Friday, April 10, 2020</a:t>
+              <a:t>Thursday, February 24, 2022</a:t>
             </a:fld>
             <a:endParaRPr lang="en-US"/>
           </a:p>
@@ -6853,7 +6853,7 @@
               <a:pPr>
                 <a:defRPr/>
               </a:pPr>
-              <a:t>Friday, April 10, 2020</a:t>
+              <a:t>Thursday, February 24, 2022</a:t>
             </a:fld>
             <a:endParaRPr lang="en-US" dirty="0"/>
           </a:p>
@@ -7143,7 +7143,7 @@
               <a:pPr>
                 <a:defRPr/>
               </a:pPr>
-              <a:t>Friday, April 10, 2020</a:t>
+              <a:t>Thursday, February 24, 2022</a:t>
             </a:fld>
             <a:endParaRPr lang="en-US"/>
           </a:p>
@@ -7410,7 +7410,7 @@
               <a:pPr>
                 <a:defRPr/>
               </a:pPr>
-              <a:t>Friday, April 10, 2020</a:t>
+              <a:t>Thursday, February 24, 2022</a:t>
             </a:fld>
             <a:endParaRPr lang="en-US"/>
           </a:p>
@@ -7636,7 +7636,7 @@
               <a:pPr>
                 <a:defRPr/>
               </a:pPr>
-              <a:t>Friday, April 10, 2020</a:t>
+              <a:t>Thursday, February 24, 2022</a:t>
             </a:fld>
             <a:endParaRPr lang="en-US" dirty="0"/>
           </a:p>
@@ -8077,18 +8077,27 @@
       </p:sp>
       <p:sp>
         <p:nvSpPr>
-          <p:cNvPr id="4" name="TextBox 3"/>
-          <p:cNvSpPr txBox="1"/>
+          <p:cNvPr id="6" name="Rectangle 5">
+            <a:extLst>
+              <a:ext uri="{FF2B5EF4-FFF2-40B4-BE49-F238E27FC236}">
+                <a16:creationId xmlns:a16="http://schemas.microsoft.com/office/drawing/2014/main" id="{8E144597-0C3F-8647-9855-D313BCD0C06D}"/>
+              </a:ext>
+            </a:extLst>
+          </p:cNvPr>
+          <p:cNvSpPr/>
           <p:nvPr/>
         </p:nvSpPr>
         <p:spPr>
           <a:xfrm>
-            <a:off x="285750" y="6015335"/>
-            <a:ext cx="7105650" cy="523220"/>
+            <a:off x="381000" y="5029200"/>
+            <a:ext cx="8534400" cy="1295400"/>
           </a:xfrm>
           <a:prstGeom prst="rect">
             <a:avLst/>
           </a:prstGeom>
+          <a:solidFill>
+            <a:schemeClr val="accent3"/>
+          </a:solidFill>
         </p:spPr>
         <p:style>
           <a:lnRef idx="2">
@@ -8107,27 +8116,55 @@
           </a:fontRef>
         </p:style>
         <p:txBody>
-          <a:bodyPr wrap="square">
-            <a:spAutoFit/>
-          </a:bodyPr>
+          <a:bodyPr rtlCol="0" anchor="ctr"/>
           <a:lstStyle/>
           <a:p>
-            <a:pPr>
-              <a:defRPr/>
-            </a:pPr>
-            <a:r>
-              <a:rPr lang="en-US" sz="2800" dirty="0"/>
-              <a:t>Import </a:t>
-            </a:r>
-            <a:r>
-              <a:rPr lang="en-US" sz="2800" i="1" dirty="0"/>
-              <a:t>Interfaces </a:t>
-            </a:r>
-            <a:r>
-              <a:rPr lang="en-US" sz="2800"/>
-              <a:t>from the repo</a:t>
-            </a:r>
-            <a:endParaRPr lang="en-US" sz="2800" dirty="0"/>
+            <a:r>
+              <a:rPr lang="en-US" sz="2400" dirty="0">
+                <a:solidFill>
+                  <a:srgbClr val="FFFFFF"/>
+                </a:solidFill>
+              </a:rPr>
+              <a:t>The </a:t>
+            </a:r>
+            <a:r>
+              <a:rPr lang="en-US" sz="2400" i="1" dirty="0">
+                <a:solidFill>
+                  <a:srgbClr val="FFFFFF"/>
+                </a:solidFill>
+              </a:rPr>
+              <a:t>git</a:t>
+            </a:r>
+            <a:r>
+              <a:rPr lang="en-US" sz="2400" dirty="0">
+                <a:solidFill>
+                  <a:srgbClr val="FFFFFF"/>
+                </a:solidFill>
+              </a:rPr>
+              <a:t> projects for today are:</a:t>
+            </a:r>
+          </a:p>
+          <a:p>
+            <a:pPr marL="342900" indent="-342900">
+              <a:buFont typeface="Arial" panose="020B0604020202020204" pitchFamily="34" charset="0"/>
+              <a:buChar char="•"/>
+            </a:pPr>
+            <a:r>
+              <a:rPr lang="en-US" sz="2400" i="1" dirty="0" err="1"/>
+              <a:t>PracticeInterfaces</a:t>
+            </a:r>
+            <a:endParaRPr lang="en-US" sz="2400" i="1" dirty="0"/>
+          </a:p>
+          <a:p>
+            <a:pPr marL="342900" indent="-342900">
+              <a:buFont typeface="Arial" panose="020B0604020202020204" pitchFamily="34" charset="0"/>
+              <a:buChar char="•"/>
+            </a:pPr>
+            <a:r>
+              <a:rPr lang="en-US" sz="2400" i="1" dirty="0" err="1"/>
+              <a:t>PracticeInterfacesSolution</a:t>
+            </a:r>
+            <a:endParaRPr lang="en-US" sz="2400" i="1" dirty="0"/>
           </a:p>
         </p:txBody>
       </p:sp>
@@ -8204,17 +8241,16 @@
           <a:lstStyle/>
           <a:p>
             <a:r>
-              <a:rPr lang="en-US" dirty="0" smtClean="0"/>
+              <a:rPr lang="en-US" dirty="0"/>
               <a:t>UML of current code</a:t>
             </a:r>
           </a:p>
           <a:p>
             <a:pPr lvl="1"/>
             <a:r>
-              <a:rPr lang="en-US" dirty="0" smtClean="0"/>
+              <a:rPr lang="en-US" dirty="0"/>
               <a:t>Three classes with different weight measurements</a:t>
             </a:r>
-            <a:endParaRPr lang="en-US" dirty="0"/>
           </a:p>
         </p:txBody>
       </p:sp>
@@ -8486,13 +8522,13 @@
           <a:lstStyle/>
           <a:p>
             <a:r>
-              <a:rPr lang="en-US" sz="2400" dirty="0" err="1" smtClean="0">
+              <a:rPr lang="en-US" sz="2400" dirty="0" err="1">
                 <a:latin typeface="Consolas" panose="020B0609020204030204" pitchFamily="49" charset="0"/>
               </a:rPr>
               <a:t>PlantUML</a:t>
             </a:r>
             <a:r>
-              <a:rPr lang="en-US" sz="2400" dirty="0" smtClean="0">
+              <a:rPr lang="en-US" sz="2400" dirty="0">
                 <a:latin typeface="Consolas" panose="020B0609020204030204" pitchFamily="49" charset="0"/>
               </a:rPr>
               <a:t>:</a:t>
@@ -8505,7 +8541,7 @@
           </a:p>
           <a:p>
             <a:r>
-              <a:rPr lang="en-US" sz="2400" dirty="0" smtClean="0">
+              <a:rPr lang="en-US" sz="2400" dirty="0">
                 <a:latin typeface="Consolas" panose="020B0609020204030204" pitchFamily="49" charset="0"/>
               </a:rPr>
               <a:t>Class .-|&gt; Interface</a:t>
@@ -8761,13 +8797,13 @@
           <a:lstStyle/>
           <a:p>
             <a:r>
-              <a:rPr lang="en-US" dirty="0" err="1" smtClean="0">
+              <a:rPr lang="en-US" dirty="0" err="1">
                 <a:latin typeface="Consolas" panose="020B0609020204030204" pitchFamily="49" charset="0"/>
               </a:rPr>
               <a:t>PlantUML</a:t>
             </a:r>
             <a:r>
-              <a:rPr lang="en-US" dirty="0" smtClean="0">
+              <a:rPr lang="en-US" dirty="0">
                 <a:latin typeface="Consolas" panose="020B0609020204030204" pitchFamily="49" charset="0"/>
               </a:rPr>
               <a:t>:</a:t>
@@ -8780,48 +8816,27 @@
           </a:p>
           <a:p>
             <a:r>
-              <a:rPr lang="en-US" dirty="0" smtClean="0">
-                <a:latin typeface="Consolas" panose="020B0609020204030204" pitchFamily="49" charset="0"/>
-              </a:rPr>
-              <a:t>Ball .-|&gt; Weighable</a:t>
-            </a:r>
-          </a:p>
-          <a:p>
-            <a:r>
-              <a:rPr lang="en-US" dirty="0" smtClean="0">
-                <a:latin typeface="Consolas" panose="020B0609020204030204" pitchFamily="49" charset="0"/>
-              </a:rPr>
-              <a:t>Cube </a:t>
-            </a:r>
-            <a:r>
               <a:rPr lang="en-US" dirty="0">
                 <a:latin typeface="Consolas" panose="020B0609020204030204" pitchFamily="49" charset="0"/>
               </a:rPr>
-              <a:t>.-|&gt; Weighable</a:t>
-            </a:r>
-          </a:p>
-          <a:p>
-            <a:r>
-              <a:rPr lang="en-US" dirty="0" smtClean="0">
-                <a:latin typeface="Consolas" panose="020B0609020204030204" pitchFamily="49" charset="0"/>
-              </a:rPr>
-              <a:t>Cylinder </a:t>
-            </a:r>
+              <a:t>Ball .-|&gt; Weighable</a:t>
+            </a:r>
+          </a:p>
+          <a:p>
             <a:r>
               <a:rPr lang="en-US" dirty="0">
                 <a:latin typeface="Consolas" panose="020B0609020204030204" pitchFamily="49" charset="0"/>
               </a:rPr>
-              <a:t>.-|&gt; </a:t>
-            </a:r>
-            <a:r>
-              <a:rPr lang="en-US" dirty="0" smtClean="0">
+              <a:t>Cube .-|&gt; Weighable</a:t>
+            </a:r>
+          </a:p>
+          <a:p>
+            <a:r>
+              <a:rPr lang="en-US" dirty="0">
                 <a:latin typeface="Consolas" panose="020B0609020204030204" pitchFamily="49" charset="0"/>
               </a:rPr>
-              <a:t>Weighable</a:t>
-            </a:r>
-            <a:endParaRPr lang="en-US" dirty="0">
-              <a:latin typeface="Consolas" panose="020B0609020204030204" pitchFamily="49" charset="0"/>
-            </a:endParaRPr>
+              <a:t>Cylinder .-|&gt; Weighable</a:t>
+            </a:r>
           </a:p>
         </p:txBody>
       </p:sp>
@@ -10108,13 +10123,6 @@
   <p:clrMapOvr>
     <a:masterClrMapping/>
   </p:clrMapOvr>
-  <p:timing>
-    <p:tnLst>
-      <p:par>
-        <p:cTn id="1" dur="indefinite" restart="never" nodeType="tmRoot"/>
-      </p:par>
-    </p:tnLst>
-  </p:timing>
 </p:sld>
 </file>
 
@@ -10163,10 +10171,6 @@
             </a:r>
           </a:p>
           <a:p>
-            <a:r>
-              <a:rPr lang="en-US" dirty="0"/>
-              <a:t/>
-            </a:r>
             <a:br>
               <a:rPr lang="en-US" dirty="0"/>
             </a:br>
@@ -10252,60 +10256,40 @@
           <a:p>
             <a:r>
               <a:rPr lang="en-US" b="1" dirty="0"/>
-              <a:t>PAUSE THIS </a:t>
-            </a:r>
-            <a:r>
-              <a:rPr lang="en-US" b="1" dirty="0" smtClean="0"/>
-              <a:t>VIDEO HERE </a:t>
-            </a:r>
-            <a:endParaRPr lang="en-US" b="1" dirty="0" smtClean="0"/>
-          </a:p>
-          <a:p>
-            <a:r>
-              <a:rPr lang="en-US" b="1" dirty="0" smtClean="0"/>
-              <a:t>for </a:t>
-            </a:r>
-            <a:r>
-              <a:rPr lang="en-US" b="1" dirty="0" smtClean="0"/>
-              <a:t>5-10 minutes!</a:t>
-            </a:r>
-            <a:endParaRPr lang="en-US" b="1" dirty="0"/>
-          </a:p>
-          <a:p>
-            <a:r>
-              <a:rPr lang="en-US" dirty="0"/>
-              <a:t>Try to </a:t>
-            </a:r>
-            <a:r>
-              <a:rPr lang="en-US" dirty="0" smtClean="0"/>
-              <a:t>make your own </a:t>
-            </a:r>
-            <a:endParaRPr lang="en-US" dirty="0" smtClean="0"/>
-          </a:p>
-          <a:p>
-            <a:r>
-              <a:rPr lang="en-US" dirty="0" smtClean="0"/>
-              <a:t>improved </a:t>
-            </a:r>
-            <a:r>
-              <a:rPr lang="en-US" dirty="0" smtClean="0"/>
-              <a:t>design </a:t>
-            </a:r>
-          </a:p>
-          <a:p>
-            <a:r>
-              <a:rPr lang="en-US" dirty="0" smtClean="0"/>
+              <a:t>PAUSE THIS VIDEO HERE </a:t>
+            </a:r>
+          </a:p>
+          <a:p>
+            <a:r>
+              <a:rPr lang="en-US" b="1" dirty="0"/>
+              <a:t>for 5-10 minutes!</a:t>
+            </a:r>
+          </a:p>
+          <a:p>
+            <a:r>
+              <a:rPr lang="en-US" dirty="0"/>
+              <a:t>Try to make your own </a:t>
+            </a:r>
+          </a:p>
+          <a:p>
+            <a:r>
+              <a:rPr lang="en-US" dirty="0"/>
+              <a:t>improved design </a:t>
+            </a:r>
+          </a:p>
+          <a:p>
+            <a:r>
+              <a:rPr lang="en-US" dirty="0"/>
               <a:t>Using </a:t>
             </a:r>
             <a:r>
-              <a:rPr lang="en-US" dirty="0" err="1" smtClean="0"/>
+              <a:rPr lang="en-US" dirty="0" err="1"/>
               <a:t>plantuml</a:t>
             </a:r>
             <a:r>
-              <a:rPr lang="en-US" dirty="0" smtClean="0"/>
+              <a:rPr lang="en-US" dirty="0"/>
               <a:t> is good practice!</a:t>
             </a:r>
-            <a:endParaRPr lang="en-US" dirty="0"/>
           </a:p>
         </p:txBody>
       </p:sp>
@@ -10698,13 +10682,6 @@
   <p:clrMapOvr>
     <a:masterClrMapping/>
   </p:clrMapOvr>
-  <p:timing>
-    <p:tnLst>
-      <p:par>
-        <p:cTn id="1" dur="indefinite" restart="never" nodeType="tmRoot"/>
-      </p:par>
-    </p:tnLst>
-  </p:timing>
 </p:sld>
 </file>
 
@@ -11306,13 +11283,6 @@
   <p:clrMapOvr>
     <a:masterClrMapping/>
   </p:clrMapOvr>
-  <p:timing>
-    <p:tnLst>
-      <p:par>
-        <p:cTn id="1" dur="indefinite" restart="never" nodeType="tmRoot"/>
-      </p:par>
-    </p:tnLst>
-  </p:timing>
 </p:sld>
 </file>
 
@@ -11892,13 +11862,6 @@
   <p:clrMapOvr>
     <a:masterClrMapping/>
   </p:clrMapOvr>
-  <p:timing>
-    <p:tnLst>
-      <p:par>
-        <p:cTn id="1" dur="indefinite" restart="never" nodeType="tmRoot"/>
-      </p:par>
-    </p:tnLst>
-  </p:timing>
 </p:sld>
 </file>
 
@@ -12146,13 +12109,6 @@
   <p:clrMapOvr>
     <a:masterClrMapping/>
   </p:clrMapOvr>
-  <p:timing>
-    <p:tnLst>
-      <p:par>
-        <p:cTn id="1" dur="indefinite" restart="never" nodeType="tmRoot"/>
-      </p:par>
-    </p:tnLst>
-  </p:timing>
 </p:sld>
 </file>
 
@@ -13407,23 +13363,8 @@
                 </a:solidFill>
                 <a:latin typeface="Consolas" pitchFamily="49" charset="0"/>
               </a:rPr>
-              <a:t> </a:t>
-            </a:r>
-            <a:r>
-              <a:rPr lang="en-US" sz="2400" b="1" dirty="0" smtClean="0">
-                <a:solidFill>
-                  <a:schemeClr val="accent5"/>
-                </a:solidFill>
-                <a:latin typeface="Consolas" pitchFamily="49" charset="0"/>
-              </a:rPr>
-              <a:t>Drivable {</a:t>
-            </a:r>
-            <a:endParaRPr lang="en-US" sz="2400" b="1" dirty="0">
-              <a:solidFill>
-                <a:schemeClr val="accent5"/>
-              </a:solidFill>
-              <a:latin typeface="Consolas" pitchFamily="49" charset="0"/>
-            </a:endParaRPr>
+              <a:t> Drivable {</a:t>
+            </a:r>
           </a:p>
           <a:p>
             <a:pPr>
@@ -13436,50 +13377,35 @@
                 </a:solidFill>
                 <a:latin typeface="Consolas" pitchFamily="49" charset="0"/>
               </a:rPr>
-              <a:t>	</a:t>
-            </a:r>
-            <a:r>
-              <a:rPr lang="en-US" sz="2400" b="1" dirty="0" smtClean="0">
+              <a:t>	void turn(double </a:t>
+            </a:r>
+            <a:r>
+              <a:rPr lang="en-US" sz="2400" b="1" dirty="0" err="1">
                 <a:solidFill>
                   <a:schemeClr val="accent5"/>
                 </a:solidFill>
                 <a:latin typeface="Consolas" pitchFamily="49" charset="0"/>
               </a:rPr>
-              <a:t>void turn(double </a:t>
-            </a:r>
-            <a:r>
-              <a:rPr lang="en-US" sz="2400" b="1" dirty="0" err="1" smtClean="0">
+              <a:t>dir</a:t>
+            </a:r>
+            <a:r>
+              <a:rPr lang="en-US" sz="2400" b="1" dirty="0">
                 <a:solidFill>
                   <a:schemeClr val="accent5"/>
                 </a:solidFill>
                 <a:latin typeface="Consolas" pitchFamily="49" charset="0"/>
               </a:rPr>
-              <a:t>dir</a:t>
-            </a:r>
-            <a:r>
-              <a:rPr lang="en-US" sz="2400" b="1" dirty="0" smtClean="0">
-                <a:solidFill>
-                  <a:schemeClr val="accent5"/>
+              <a:t>)</a:t>
+            </a:r>
+            <a:r>
+              <a:rPr lang="en-US" sz="2400" b="1" dirty="0">
+                <a:solidFill>
+                  <a:schemeClr val="accent3"/>
                 </a:solidFill>
                 <a:latin typeface="Consolas" pitchFamily="49" charset="0"/>
               </a:rPr>
-              <a:t>)</a:t>
-            </a:r>
-            <a:r>
-              <a:rPr lang="en-US" sz="2400" b="1" dirty="0" smtClean="0">
-                <a:solidFill>
-                  <a:schemeClr val="accent3"/>
-                </a:solidFill>
-                <a:latin typeface="Consolas" pitchFamily="49" charset="0"/>
-              </a:rPr>
               <a:t>;</a:t>
             </a:r>
-            <a:endParaRPr lang="en-US" sz="2400" b="1" dirty="0">
-              <a:solidFill>
-                <a:schemeClr val="accent3"/>
-              </a:solidFill>
-              <a:latin typeface="Consolas" pitchFamily="49" charset="0"/>
-            </a:endParaRPr>
           </a:p>
           <a:p>
             <a:pPr>
@@ -13492,32 +13418,17 @@
                 </a:solidFill>
                 <a:latin typeface="Consolas" pitchFamily="49" charset="0"/>
               </a:rPr>
-              <a:t>	void </a:t>
-            </a:r>
-            <a:r>
-              <a:rPr lang="en-US" sz="2400" b="1" dirty="0" smtClean="0">
-                <a:solidFill>
-                  <a:schemeClr val="accent5"/>
+              <a:t>	void accelerate(double force)</a:t>
+            </a:r>
+            <a:r>
+              <a:rPr lang="en-US" sz="2400" b="1" dirty="0">
+                <a:solidFill>
+                  <a:schemeClr val="accent3"/>
                 </a:solidFill>
                 <a:latin typeface="Consolas" pitchFamily="49" charset="0"/>
               </a:rPr>
-              <a:t>accelerate(double force)</a:t>
-            </a:r>
-            <a:r>
-              <a:rPr lang="en-US" sz="2400" b="1" dirty="0" smtClean="0">
-                <a:solidFill>
-                  <a:schemeClr val="accent3"/>
-                </a:solidFill>
-                <a:latin typeface="Consolas" pitchFamily="49" charset="0"/>
-              </a:rPr>
               <a:t>;</a:t>
             </a:r>
-            <a:endParaRPr lang="en-US" sz="2400" b="1" dirty="0">
-              <a:solidFill>
-                <a:schemeClr val="accent3"/>
-              </a:solidFill>
-              <a:latin typeface="Consolas" pitchFamily="49" charset="0"/>
-            </a:endParaRPr>
           </a:p>
           <a:p>
             <a:pPr>
@@ -13566,37 +13477,28 @@
                 </a:solidFill>
                 <a:latin typeface="Consolas" pitchFamily="49" charset="0"/>
               </a:rPr>
-              <a:t>public class </a:t>
-            </a:r>
-            <a:r>
-              <a:rPr lang="en-US" sz="2400" b="1" dirty="0" smtClean="0">
+              <a:t>public class Car </a:t>
+            </a:r>
+            <a:r>
+              <a:rPr lang="en-US" sz="2400" b="1" dirty="0">
+                <a:solidFill>
+                  <a:schemeClr val="accent3"/>
+                </a:solidFill>
+                <a:latin typeface="Consolas" pitchFamily="49" charset="0"/>
+              </a:rPr>
+              <a:t>implements </a:t>
+            </a:r>
+            <a:r>
+              <a:rPr lang="en-US" sz="2400" b="1" dirty="0">
                 <a:solidFill>
                   <a:schemeClr val="accent5"/>
                 </a:solidFill>
                 <a:latin typeface="Consolas" pitchFamily="49" charset="0"/>
               </a:rPr>
-              <a:t>Car </a:t>
+              <a:t>Drivable</a:t>
             </a:r>
             <a:r>
               <a:rPr lang="en-US" sz="2400" b="1" dirty="0">
-                <a:solidFill>
-                  <a:schemeClr val="accent3"/>
-                </a:solidFill>
-                <a:latin typeface="Consolas" pitchFamily="49" charset="0"/>
-              </a:rPr>
-              <a:t>implements </a:t>
-            </a:r>
-            <a:r>
-              <a:rPr lang="en-US" sz="2400" b="1" dirty="0">
-                <a:solidFill>
-                  <a:schemeClr val="accent5"/>
-                </a:solidFill>
-                <a:latin typeface="Consolas" pitchFamily="49" charset="0"/>
-              </a:rPr>
-              <a:t>Drivable</a:t>
-            </a:r>
-            <a:r>
-              <a:rPr lang="en-US" sz="2400" b="1" dirty="0" smtClean="0">
                 <a:solidFill>
                   <a:schemeClr val="accent3"/>
                 </a:solidFill>
@@ -13622,7 +13524,7 @@
               </a:rPr>
             </a:br>
             <a:r>
-              <a:rPr lang="en-US" sz="2400" b="1" dirty="0" smtClean="0">
+              <a:rPr lang="en-US" sz="2400" b="1" dirty="0">
                 <a:solidFill>
                   <a:schemeClr val="accent5"/>
                 </a:solidFill>
@@ -13636,31 +13538,13 @@
               <a:defRPr/>
             </a:pPr>
             <a:r>
-              <a:rPr lang="en-US" sz="2400" b="1" dirty="0" smtClean="0">
+              <a:rPr lang="en-US" sz="2400" b="1" dirty="0">
                 <a:solidFill>
                   <a:schemeClr val="accent5"/>
                 </a:solidFill>
                 <a:latin typeface="Consolas" pitchFamily="49" charset="0"/>
               </a:rPr>
-              <a:t>	public void </a:t>
-            </a:r>
-            <a:r>
-              <a:rPr lang="en-US" sz="2400" b="1" dirty="0">
-                <a:solidFill>
-                  <a:schemeClr val="accent5"/>
-                </a:solidFill>
-                <a:latin typeface="Consolas" pitchFamily="49" charset="0"/>
-              </a:rPr>
-              <a:t>turn(double direction</a:t>
-            </a:r>
-            <a:r>
-              <a:rPr lang="en-US" sz="2400" b="1" dirty="0" smtClean="0">
-                <a:solidFill>
-                  <a:schemeClr val="accent5"/>
-                </a:solidFill>
-                <a:latin typeface="Consolas" pitchFamily="49" charset="0"/>
-              </a:rPr>
-              <a:t>) {</a:t>
+              <a:t>	public void turn(double direction) {</a:t>
             </a:r>
           </a:p>
           <a:p>
@@ -13668,7 +13552,7 @@
               <a:defRPr/>
             </a:pPr>
             <a:r>
-              <a:rPr lang="en-US" sz="2400" b="1" dirty="0" smtClean="0">
+              <a:rPr lang="en-US" sz="2400" b="1" dirty="0">
                 <a:solidFill>
                   <a:schemeClr val="accent5"/>
                 </a:solidFill>
@@ -13688,16 +13572,7 @@
                 </a:solidFill>
                 <a:latin typeface="Consolas" pitchFamily="49" charset="0"/>
               </a:rPr>
-              <a:t>	</a:t>
-            </a:r>
-            <a:r>
-              <a:rPr lang="en-US" sz="2400" b="1" dirty="0" smtClean="0">
-                <a:solidFill>
-                  <a:schemeClr val="accent5"/>
-                </a:solidFill>
-                <a:latin typeface="Consolas" pitchFamily="49" charset="0"/>
-              </a:rPr>
-              <a:t>}</a:t>
+              <a:t>	}</a:t>
             </a:r>
           </a:p>
           <a:p>
@@ -13713,19 +13588,13 @@
               </a:rPr>
               <a:t>	@Override	</a:t>
             </a:r>
-            <a:endParaRPr lang="en-US" sz="2400" b="1" dirty="0" smtClean="0">
-              <a:solidFill>
-                <a:schemeClr val="accent5"/>
-              </a:solidFill>
-              <a:latin typeface="Consolas" pitchFamily="49" charset="0"/>
-            </a:endParaRPr>
           </a:p>
           <a:p>
             <a:pPr>
               <a:defRPr/>
             </a:pPr>
             <a:r>
-              <a:rPr lang="en-US" sz="2400" b="1" dirty="0" smtClean="0">
+              <a:rPr lang="en-US" sz="2400" b="1" dirty="0">
                 <a:solidFill>
                   <a:schemeClr val="accent5"/>
                 </a:solidFill>
@@ -13745,16 +13614,7 @@
                 </a:solidFill>
                 <a:latin typeface="Consolas" pitchFamily="49" charset="0"/>
               </a:rPr>
-              <a:t>	</a:t>
-            </a:r>
-            <a:r>
-              <a:rPr lang="en-US" sz="2400" b="1" dirty="0" smtClean="0">
-                <a:solidFill>
-                  <a:schemeClr val="accent5"/>
-                </a:solidFill>
-                <a:latin typeface="Consolas" pitchFamily="49" charset="0"/>
-              </a:rPr>
-              <a:t>	...</a:t>
+              <a:t>		...</a:t>
             </a:r>
           </a:p>
           <a:p>
@@ -13768,25 +13628,7 @@
                 </a:solidFill>
                 <a:latin typeface="Consolas" pitchFamily="49" charset="0"/>
               </a:rPr>
-              <a:t>	</a:t>
-            </a:r>
-            <a:r>
-              <a:rPr lang="en-US" sz="2400" b="1" dirty="0" smtClean="0">
-                <a:solidFill>
-                  <a:schemeClr val="accent5"/>
-                </a:solidFill>
-                <a:latin typeface="Consolas" pitchFamily="49" charset="0"/>
-              </a:rPr>
-              <a:t>}</a:t>
-            </a:r>
-            <a:r>
-              <a:rPr lang="en-US" sz="2400" b="1" dirty="0">
-                <a:solidFill>
-                  <a:schemeClr val="accent5"/>
-                </a:solidFill>
-                <a:latin typeface="Consolas" pitchFamily="49" charset="0"/>
-              </a:rPr>
-              <a:t/>
+              <a:t>	}</a:t>
             </a:r>
             <a:br>
               <a:rPr lang="en-US" sz="2400" b="1" dirty="0">
@@ -14140,23 +13982,8 @@
                 </a:solidFill>
                 <a:latin typeface="Consolas" pitchFamily="49" charset="0"/>
               </a:rPr>
-              <a:t> </a:t>
-            </a:r>
-            <a:r>
-              <a:rPr lang="en-US" sz="2400" b="1" dirty="0" smtClean="0">
-                <a:solidFill>
-                  <a:schemeClr val="accent5"/>
-                </a:solidFill>
-                <a:latin typeface="Consolas" pitchFamily="49" charset="0"/>
-              </a:rPr>
-              <a:t>Drivable {</a:t>
-            </a:r>
-            <a:endParaRPr lang="en-US" sz="2400" b="1" dirty="0">
-              <a:solidFill>
-                <a:schemeClr val="accent5"/>
-              </a:solidFill>
-              <a:latin typeface="Consolas" pitchFamily="49" charset="0"/>
-            </a:endParaRPr>
+              <a:t> Drivable {</a:t>
+            </a:r>
           </a:p>
           <a:p>
             <a:pPr>
@@ -14169,50 +13996,35 @@
                 </a:solidFill>
                 <a:latin typeface="Consolas" pitchFamily="49" charset="0"/>
               </a:rPr>
-              <a:t>	</a:t>
-            </a:r>
-            <a:r>
-              <a:rPr lang="en-US" sz="2400" b="1" dirty="0" smtClean="0">
+              <a:t>	void turn(double </a:t>
+            </a:r>
+            <a:r>
+              <a:rPr lang="en-US" sz="2400" b="1" dirty="0" err="1">
                 <a:solidFill>
                   <a:schemeClr val="accent5"/>
                 </a:solidFill>
                 <a:latin typeface="Consolas" pitchFamily="49" charset="0"/>
               </a:rPr>
-              <a:t>void turn(double </a:t>
-            </a:r>
-            <a:r>
-              <a:rPr lang="en-US" sz="2400" b="1" dirty="0" err="1" smtClean="0">
+              <a:t>dir</a:t>
+            </a:r>
+            <a:r>
+              <a:rPr lang="en-US" sz="2400" b="1" dirty="0">
                 <a:solidFill>
                   <a:schemeClr val="accent5"/>
                 </a:solidFill>
                 <a:latin typeface="Consolas" pitchFamily="49" charset="0"/>
               </a:rPr>
-              <a:t>dir</a:t>
-            </a:r>
-            <a:r>
-              <a:rPr lang="en-US" sz="2400" b="1" dirty="0" smtClean="0">
-                <a:solidFill>
-                  <a:schemeClr val="accent5"/>
+              <a:t>)</a:t>
+            </a:r>
+            <a:r>
+              <a:rPr lang="en-US" sz="2400" b="1" dirty="0">
+                <a:solidFill>
+                  <a:schemeClr val="accent3"/>
                 </a:solidFill>
                 <a:latin typeface="Consolas" pitchFamily="49" charset="0"/>
               </a:rPr>
-              <a:t>)</a:t>
-            </a:r>
-            <a:r>
-              <a:rPr lang="en-US" sz="2400" b="1" dirty="0" smtClean="0">
-                <a:solidFill>
-                  <a:schemeClr val="accent3"/>
-                </a:solidFill>
-                <a:latin typeface="Consolas" pitchFamily="49" charset="0"/>
-              </a:rPr>
               <a:t>;</a:t>
             </a:r>
-            <a:endParaRPr lang="en-US" sz="2400" b="1" dirty="0">
-              <a:solidFill>
-                <a:schemeClr val="accent3"/>
-              </a:solidFill>
-              <a:latin typeface="Consolas" pitchFamily="49" charset="0"/>
-            </a:endParaRPr>
           </a:p>
           <a:p>
             <a:pPr>
@@ -14225,32 +14037,17 @@
                 </a:solidFill>
                 <a:latin typeface="Consolas" pitchFamily="49" charset="0"/>
               </a:rPr>
-              <a:t>	void </a:t>
-            </a:r>
-            <a:r>
-              <a:rPr lang="en-US" sz="2400" b="1" dirty="0" smtClean="0">
-                <a:solidFill>
-                  <a:schemeClr val="accent5"/>
+              <a:t>	void accelerate(double force)</a:t>
+            </a:r>
+            <a:r>
+              <a:rPr lang="en-US" sz="2400" b="1" dirty="0">
+                <a:solidFill>
+                  <a:schemeClr val="accent3"/>
                 </a:solidFill>
                 <a:latin typeface="Consolas" pitchFamily="49" charset="0"/>
               </a:rPr>
-              <a:t>accelerate(double force)</a:t>
-            </a:r>
-            <a:r>
-              <a:rPr lang="en-US" sz="2400" b="1" dirty="0" smtClean="0">
-                <a:solidFill>
-                  <a:schemeClr val="accent3"/>
-                </a:solidFill>
-                <a:latin typeface="Consolas" pitchFamily="49" charset="0"/>
-              </a:rPr>
               <a:t>;</a:t>
             </a:r>
-            <a:endParaRPr lang="en-US" sz="2400" b="1" dirty="0">
-              <a:solidFill>
-                <a:schemeClr val="accent3"/>
-              </a:solidFill>
-              <a:latin typeface="Consolas" pitchFamily="49" charset="0"/>
-            </a:endParaRPr>
           </a:p>
           <a:p>
             <a:pPr>
@@ -14299,37 +14096,28 @@
                 </a:solidFill>
                 <a:latin typeface="Consolas" pitchFamily="49" charset="0"/>
               </a:rPr>
-              <a:t>public class </a:t>
-            </a:r>
-            <a:r>
-              <a:rPr lang="en-US" sz="2400" b="1" dirty="0" smtClean="0">
+              <a:t>public class Truck </a:t>
+            </a:r>
+            <a:r>
+              <a:rPr lang="en-US" sz="2400" b="1" dirty="0">
+                <a:solidFill>
+                  <a:schemeClr val="accent3"/>
+                </a:solidFill>
+                <a:latin typeface="Consolas" pitchFamily="49" charset="0"/>
+              </a:rPr>
+              <a:t>implements </a:t>
+            </a:r>
+            <a:r>
+              <a:rPr lang="en-US" sz="2400" b="1" dirty="0">
                 <a:solidFill>
                   <a:schemeClr val="accent5"/>
                 </a:solidFill>
                 <a:latin typeface="Consolas" pitchFamily="49" charset="0"/>
               </a:rPr>
-              <a:t>Truck </a:t>
+              <a:t>Drivable</a:t>
             </a:r>
             <a:r>
               <a:rPr lang="en-US" sz="2400" b="1" dirty="0">
-                <a:solidFill>
-                  <a:schemeClr val="accent3"/>
-                </a:solidFill>
-                <a:latin typeface="Consolas" pitchFamily="49" charset="0"/>
-              </a:rPr>
-              <a:t>implements </a:t>
-            </a:r>
-            <a:r>
-              <a:rPr lang="en-US" sz="2400" b="1" dirty="0">
-                <a:solidFill>
-                  <a:schemeClr val="accent5"/>
-                </a:solidFill>
-                <a:latin typeface="Consolas" pitchFamily="49" charset="0"/>
-              </a:rPr>
-              <a:t>Drivable</a:t>
-            </a:r>
-            <a:r>
-              <a:rPr lang="en-US" sz="2400" b="1" dirty="0" smtClean="0">
                 <a:solidFill>
                   <a:schemeClr val="accent3"/>
                 </a:solidFill>
@@ -14355,7 +14143,7 @@
               </a:rPr>
             </a:br>
             <a:r>
-              <a:rPr lang="en-US" sz="2400" b="1" dirty="0" smtClean="0">
+              <a:rPr lang="en-US" sz="2400" b="1" dirty="0">
                 <a:solidFill>
                   <a:schemeClr val="accent5"/>
                 </a:solidFill>
@@ -14369,31 +14157,13 @@
               <a:defRPr/>
             </a:pPr>
             <a:r>
-              <a:rPr lang="en-US" sz="2400" b="1" dirty="0" smtClean="0">
+              <a:rPr lang="en-US" sz="2400" b="1" dirty="0">
                 <a:solidFill>
                   <a:schemeClr val="accent5"/>
                 </a:solidFill>
                 <a:latin typeface="Consolas" pitchFamily="49" charset="0"/>
               </a:rPr>
-              <a:t>	public void </a:t>
-            </a:r>
-            <a:r>
-              <a:rPr lang="en-US" sz="2400" b="1" dirty="0">
-                <a:solidFill>
-                  <a:schemeClr val="accent5"/>
-                </a:solidFill>
-                <a:latin typeface="Consolas" pitchFamily="49" charset="0"/>
-              </a:rPr>
-              <a:t>turn(double direction</a:t>
-            </a:r>
-            <a:r>
-              <a:rPr lang="en-US" sz="2400" b="1" dirty="0" smtClean="0">
-                <a:solidFill>
-                  <a:schemeClr val="accent5"/>
-                </a:solidFill>
-                <a:latin typeface="Consolas" pitchFamily="49" charset="0"/>
-              </a:rPr>
-              <a:t>) {</a:t>
+              <a:t>	public void turn(double direction) {</a:t>
             </a:r>
           </a:p>
           <a:p>
@@ -14401,7 +14171,7 @@
               <a:defRPr/>
             </a:pPr>
             <a:r>
-              <a:rPr lang="en-US" sz="2400" b="1" dirty="0" smtClean="0">
+              <a:rPr lang="en-US" sz="2400" b="1" dirty="0">
                 <a:solidFill>
                   <a:schemeClr val="accent5"/>
                 </a:solidFill>
@@ -14421,16 +14191,7 @@
                 </a:solidFill>
                 <a:latin typeface="Consolas" pitchFamily="49" charset="0"/>
               </a:rPr>
-              <a:t>	</a:t>
-            </a:r>
-            <a:r>
-              <a:rPr lang="en-US" sz="2400" b="1" dirty="0" smtClean="0">
-                <a:solidFill>
-                  <a:schemeClr val="accent5"/>
-                </a:solidFill>
-                <a:latin typeface="Consolas" pitchFamily="49" charset="0"/>
-              </a:rPr>
-              <a:t>}</a:t>
+              <a:t>	}</a:t>
             </a:r>
           </a:p>
           <a:p>
@@ -14446,19 +14207,13 @@
               </a:rPr>
               <a:t>	@Override	</a:t>
             </a:r>
-            <a:endParaRPr lang="en-US" sz="2400" b="1" dirty="0" smtClean="0">
-              <a:solidFill>
-                <a:schemeClr val="accent5"/>
-              </a:solidFill>
-              <a:latin typeface="Consolas" pitchFamily="49" charset="0"/>
-            </a:endParaRPr>
           </a:p>
           <a:p>
             <a:pPr>
               <a:defRPr/>
             </a:pPr>
             <a:r>
-              <a:rPr lang="en-US" sz="2400" b="1" dirty="0" smtClean="0">
+              <a:rPr lang="en-US" sz="2400" b="1" dirty="0">
                 <a:solidFill>
                   <a:schemeClr val="accent5"/>
                 </a:solidFill>
@@ -14478,16 +14233,7 @@
                 </a:solidFill>
                 <a:latin typeface="Consolas" pitchFamily="49" charset="0"/>
               </a:rPr>
-              <a:t>	</a:t>
-            </a:r>
-            <a:r>
-              <a:rPr lang="en-US" sz="2400" b="1" dirty="0" smtClean="0">
-                <a:solidFill>
-                  <a:schemeClr val="accent5"/>
-                </a:solidFill>
-                <a:latin typeface="Consolas" pitchFamily="49" charset="0"/>
-              </a:rPr>
-              <a:t>	...</a:t>
+              <a:t>		...</a:t>
             </a:r>
           </a:p>
           <a:p>
@@ -14501,25 +14247,7 @@
                 </a:solidFill>
                 <a:latin typeface="Consolas" pitchFamily="49" charset="0"/>
               </a:rPr>
-              <a:t>	</a:t>
-            </a:r>
-            <a:r>
-              <a:rPr lang="en-US" sz="2400" b="1" dirty="0" smtClean="0">
-                <a:solidFill>
-                  <a:schemeClr val="accent5"/>
-                </a:solidFill>
-                <a:latin typeface="Consolas" pitchFamily="49" charset="0"/>
-              </a:rPr>
-              <a:t>}</a:t>
-            </a:r>
-            <a:r>
-              <a:rPr lang="en-US" sz="2400" b="1" dirty="0">
-                <a:solidFill>
-                  <a:schemeClr val="accent5"/>
-                </a:solidFill>
-                <a:latin typeface="Consolas" pitchFamily="49" charset="0"/>
-              </a:rPr>
-              <a:t/>
+              <a:t>	}</a:t>
             </a:r>
             <a:br>
               <a:rPr lang="en-US" sz="2400" b="1" dirty="0">
@@ -14873,23 +14601,8 @@
                 </a:solidFill>
                 <a:latin typeface="Consolas" pitchFamily="49" charset="0"/>
               </a:rPr>
-              <a:t> </a:t>
-            </a:r>
-            <a:r>
-              <a:rPr lang="en-US" sz="2400" b="1" dirty="0" smtClean="0">
-                <a:solidFill>
-                  <a:schemeClr val="accent5"/>
-                </a:solidFill>
-                <a:latin typeface="Consolas" pitchFamily="49" charset="0"/>
-              </a:rPr>
-              <a:t>Drivable {</a:t>
-            </a:r>
-            <a:endParaRPr lang="en-US" sz="2400" b="1" dirty="0">
-              <a:solidFill>
-                <a:schemeClr val="accent5"/>
-              </a:solidFill>
-              <a:latin typeface="Consolas" pitchFamily="49" charset="0"/>
-            </a:endParaRPr>
+              <a:t> Drivable {</a:t>
+            </a:r>
           </a:p>
           <a:p>
             <a:pPr>
@@ -14902,50 +14615,35 @@
                 </a:solidFill>
                 <a:latin typeface="Consolas" pitchFamily="49" charset="0"/>
               </a:rPr>
-              <a:t>	</a:t>
-            </a:r>
-            <a:r>
-              <a:rPr lang="en-US" sz="2400" b="1" dirty="0" smtClean="0">
+              <a:t>	void turn(double </a:t>
+            </a:r>
+            <a:r>
+              <a:rPr lang="en-US" sz="2400" b="1" dirty="0" err="1">
                 <a:solidFill>
                   <a:schemeClr val="accent5"/>
                 </a:solidFill>
                 <a:latin typeface="Consolas" pitchFamily="49" charset="0"/>
               </a:rPr>
-              <a:t>void turn(double </a:t>
-            </a:r>
-            <a:r>
-              <a:rPr lang="en-US" sz="2400" b="1" dirty="0" err="1" smtClean="0">
+              <a:t>dir</a:t>
+            </a:r>
+            <a:r>
+              <a:rPr lang="en-US" sz="2400" b="1" dirty="0">
                 <a:solidFill>
                   <a:schemeClr val="accent5"/>
                 </a:solidFill>
                 <a:latin typeface="Consolas" pitchFamily="49" charset="0"/>
               </a:rPr>
-              <a:t>dir</a:t>
-            </a:r>
-            <a:r>
-              <a:rPr lang="en-US" sz="2400" b="1" dirty="0" smtClean="0">
-                <a:solidFill>
-                  <a:schemeClr val="accent5"/>
+              <a:t>)</a:t>
+            </a:r>
+            <a:r>
+              <a:rPr lang="en-US" sz="2400" b="1" dirty="0">
+                <a:solidFill>
+                  <a:schemeClr val="accent3"/>
                 </a:solidFill>
                 <a:latin typeface="Consolas" pitchFamily="49" charset="0"/>
               </a:rPr>
-              <a:t>)</a:t>
-            </a:r>
-            <a:r>
-              <a:rPr lang="en-US" sz="2400" b="1" dirty="0" smtClean="0">
-                <a:solidFill>
-                  <a:schemeClr val="accent3"/>
-                </a:solidFill>
-                <a:latin typeface="Consolas" pitchFamily="49" charset="0"/>
-              </a:rPr>
               <a:t>;</a:t>
             </a:r>
-            <a:endParaRPr lang="en-US" sz="2400" b="1" dirty="0">
-              <a:solidFill>
-                <a:schemeClr val="accent3"/>
-              </a:solidFill>
-              <a:latin typeface="Consolas" pitchFamily="49" charset="0"/>
-            </a:endParaRPr>
           </a:p>
           <a:p>
             <a:pPr>
@@ -14958,32 +14656,17 @@
                 </a:solidFill>
                 <a:latin typeface="Consolas" pitchFamily="49" charset="0"/>
               </a:rPr>
-              <a:t>	void </a:t>
-            </a:r>
-            <a:r>
-              <a:rPr lang="en-US" sz="2400" b="1" dirty="0" smtClean="0">
-                <a:solidFill>
-                  <a:schemeClr val="accent5"/>
+              <a:t>	void accelerate(double force)</a:t>
+            </a:r>
+            <a:r>
+              <a:rPr lang="en-US" sz="2400" b="1" dirty="0">
+                <a:solidFill>
+                  <a:schemeClr val="accent3"/>
                 </a:solidFill>
                 <a:latin typeface="Consolas" pitchFamily="49" charset="0"/>
               </a:rPr>
-              <a:t>accelerate(double force)</a:t>
-            </a:r>
-            <a:r>
-              <a:rPr lang="en-US" sz="2400" b="1" dirty="0" smtClean="0">
-                <a:solidFill>
-                  <a:schemeClr val="accent3"/>
-                </a:solidFill>
-                <a:latin typeface="Consolas" pitchFamily="49" charset="0"/>
-              </a:rPr>
               <a:t>;</a:t>
             </a:r>
-            <a:endParaRPr lang="en-US" sz="2400" b="1" dirty="0">
-              <a:solidFill>
-                <a:schemeClr val="accent3"/>
-              </a:solidFill>
-              <a:latin typeface="Consolas" pitchFamily="49" charset="0"/>
-            </a:endParaRPr>
           </a:p>
           <a:p>
             <a:pPr>
@@ -15032,37 +14715,28 @@
                 </a:solidFill>
                 <a:latin typeface="Consolas" pitchFamily="49" charset="0"/>
               </a:rPr>
-              <a:t>public class </a:t>
-            </a:r>
-            <a:r>
-              <a:rPr lang="en-US" sz="2400" b="1" dirty="0" smtClean="0">
+              <a:t>public class Hovercraft </a:t>
+            </a:r>
+            <a:r>
+              <a:rPr lang="en-US" sz="2400" b="1" dirty="0">
+                <a:solidFill>
+                  <a:schemeClr val="accent3"/>
+                </a:solidFill>
+                <a:latin typeface="Consolas" pitchFamily="49" charset="0"/>
+              </a:rPr>
+              <a:t>implements </a:t>
+            </a:r>
+            <a:r>
+              <a:rPr lang="en-US" sz="2400" b="1" dirty="0">
                 <a:solidFill>
                   <a:schemeClr val="accent5"/>
                 </a:solidFill>
                 <a:latin typeface="Consolas" pitchFamily="49" charset="0"/>
               </a:rPr>
-              <a:t>Hovercraft </a:t>
+              <a:t>Drivable</a:t>
             </a:r>
             <a:r>
               <a:rPr lang="en-US" sz="2400" b="1" dirty="0">
-                <a:solidFill>
-                  <a:schemeClr val="accent3"/>
-                </a:solidFill>
-                <a:latin typeface="Consolas" pitchFamily="49" charset="0"/>
-              </a:rPr>
-              <a:t>implements </a:t>
-            </a:r>
-            <a:r>
-              <a:rPr lang="en-US" sz="2400" b="1" dirty="0">
-                <a:solidFill>
-                  <a:schemeClr val="accent5"/>
-                </a:solidFill>
-                <a:latin typeface="Consolas" pitchFamily="49" charset="0"/>
-              </a:rPr>
-              <a:t>Drivable</a:t>
-            </a:r>
-            <a:r>
-              <a:rPr lang="en-US" sz="2400" b="1" dirty="0" smtClean="0">
                 <a:solidFill>
                   <a:schemeClr val="accent3"/>
                 </a:solidFill>
@@ -15088,7 +14762,7 @@
               </a:rPr>
             </a:br>
             <a:r>
-              <a:rPr lang="en-US" sz="2400" b="1" dirty="0" smtClean="0">
+              <a:rPr lang="en-US" sz="2400" b="1" dirty="0">
                 <a:solidFill>
                   <a:schemeClr val="accent5"/>
                 </a:solidFill>
@@ -15102,31 +14776,13 @@
               <a:defRPr/>
             </a:pPr>
             <a:r>
-              <a:rPr lang="en-US" sz="2400" b="1" dirty="0" smtClean="0">
+              <a:rPr lang="en-US" sz="2400" b="1" dirty="0">
                 <a:solidFill>
                   <a:schemeClr val="accent5"/>
                 </a:solidFill>
                 <a:latin typeface="Consolas" pitchFamily="49" charset="0"/>
               </a:rPr>
-              <a:t>	public void </a:t>
-            </a:r>
-            <a:r>
-              <a:rPr lang="en-US" sz="2400" b="1" dirty="0">
-                <a:solidFill>
-                  <a:schemeClr val="accent5"/>
-                </a:solidFill>
-                <a:latin typeface="Consolas" pitchFamily="49" charset="0"/>
-              </a:rPr>
-              <a:t>turn(double direction</a:t>
-            </a:r>
-            <a:r>
-              <a:rPr lang="en-US" sz="2400" b="1" dirty="0" smtClean="0">
-                <a:solidFill>
-                  <a:schemeClr val="accent5"/>
-                </a:solidFill>
-                <a:latin typeface="Consolas" pitchFamily="49" charset="0"/>
-              </a:rPr>
-              <a:t>) {</a:t>
+              <a:t>	public void turn(double direction) {</a:t>
             </a:r>
           </a:p>
           <a:p>
@@ -15134,7 +14790,7 @@
               <a:defRPr/>
             </a:pPr>
             <a:r>
-              <a:rPr lang="en-US" sz="2400" b="1" dirty="0" smtClean="0">
+              <a:rPr lang="en-US" sz="2400" b="1" dirty="0">
                 <a:solidFill>
                   <a:schemeClr val="accent5"/>
                 </a:solidFill>
@@ -15154,16 +14810,7 @@
                 </a:solidFill>
                 <a:latin typeface="Consolas" pitchFamily="49" charset="0"/>
               </a:rPr>
-              <a:t>	</a:t>
-            </a:r>
-            <a:r>
-              <a:rPr lang="en-US" sz="2400" b="1" dirty="0" smtClean="0">
-                <a:solidFill>
-                  <a:schemeClr val="accent5"/>
-                </a:solidFill>
-                <a:latin typeface="Consolas" pitchFamily="49" charset="0"/>
-              </a:rPr>
-              <a:t>}</a:t>
+              <a:t>	}</a:t>
             </a:r>
           </a:p>
           <a:p>
@@ -15179,19 +14826,13 @@
               </a:rPr>
               <a:t>	@Override	</a:t>
             </a:r>
-            <a:endParaRPr lang="en-US" sz="2400" b="1" dirty="0" smtClean="0">
-              <a:solidFill>
-                <a:schemeClr val="accent5"/>
-              </a:solidFill>
-              <a:latin typeface="Consolas" pitchFamily="49" charset="0"/>
-            </a:endParaRPr>
           </a:p>
           <a:p>
             <a:pPr>
               <a:defRPr/>
             </a:pPr>
             <a:r>
-              <a:rPr lang="en-US" sz="2400" b="1" dirty="0" smtClean="0">
+              <a:rPr lang="en-US" sz="2400" b="1" dirty="0">
                 <a:solidFill>
                   <a:schemeClr val="accent5"/>
                 </a:solidFill>
@@ -15211,16 +14852,7 @@
                 </a:solidFill>
                 <a:latin typeface="Consolas" pitchFamily="49" charset="0"/>
               </a:rPr>
-              <a:t>	</a:t>
-            </a:r>
-            <a:r>
-              <a:rPr lang="en-US" sz="2400" b="1" dirty="0" smtClean="0">
-                <a:solidFill>
-                  <a:schemeClr val="accent5"/>
-                </a:solidFill>
-                <a:latin typeface="Consolas" pitchFamily="49" charset="0"/>
-              </a:rPr>
-              <a:t>	...</a:t>
+              <a:t>		...</a:t>
             </a:r>
           </a:p>
           <a:p>
@@ -15234,25 +14866,7 @@
                 </a:solidFill>
                 <a:latin typeface="Consolas" pitchFamily="49" charset="0"/>
               </a:rPr>
-              <a:t>	</a:t>
-            </a:r>
-            <a:r>
-              <a:rPr lang="en-US" sz="2400" b="1" dirty="0" smtClean="0">
-                <a:solidFill>
-                  <a:schemeClr val="accent5"/>
-                </a:solidFill>
-                <a:latin typeface="Consolas" pitchFamily="49" charset="0"/>
-              </a:rPr>
-              <a:t>}</a:t>
-            </a:r>
-            <a:r>
-              <a:rPr lang="en-US" sz="2400" b="1" dirty="0">
-                <a:solidFill>
-                  <a:schemeClr val="accent5"/>
-                </a:solidFill>
-                <a:latin typeface="Consolas" pitchFamily="49" charset="0"/>
-              </a:rPr>
-              <a:t/>
+              <a:t>	}</a:t>
             </a:r>
             <a:br>
               <a:rPr lang="en-US" sz="2400" b="1" dirty="0">

--- a/ClassMaterials/Interfaces/Slides/Interfaces.pptx
+++ b/ClassMaterials/Interfaces/Slides/Interfaces.pptx
@@ -5,10 +5,10 @@
     <p:sldMasterId id="2147484251" r:id="rId1"/>
   </p:sldMasterIdLst>
   <p:notesMasterIdLst>
-    <p:notesMasterId r:id="rId26"/>
+    <p:notesMasterId r:id="rId28"/>
   </p:notesMasterIdLst>
   <p:handoutMasterIdLst>
-    <p:handoutMasterId r:id="rId27"/>
+    <p:handoutMasterId r:id="rId29"/>
   </p:handoutMasterIdLst>
   <p:sldIdLst>
     <p:sldId id="256" r:id="rId2"/>
@@ -23,18 +23,20 @@
     <p:sldId id="301" r:id="rId11"/>
     <p:sldId id="302" r:id="rId12"/>
     <p:sldId id="303" r:id="rId13"/>
-    <p:sldId id="292" r:id="rId14"/>
-    <p:sldId id="293" r:id="rId15"/>
-    <p:sldId id="294" r:id="rId16"/>
-    <p:sldId id="295" r:id="rId17"/>
-    <p:sldId id="296" r:id="rId18"/>
-    <p:sldId id="264" r:id="rId19"/>
-    <p:sldId id="272" r:id="rId20"/>
-    <p:sldId id="273" r:id="rId21"/>
-    <p:sldId id="288" r:id="rId22"/>
-    <p:sldId id="274" r:id="rId23"/>
-    <p:sldId id="282" r:id="rId24"/>
-    <p:sldId id="275" r:id="rId25"/>
+    <p:sldId id="304" r:id="rId14"/>
+    <p:sldId id="305" r:id="rId15"/>
+    <p:sldId id="292" r:id="rId16"/>
+    <p:sldId id="293" r:id="rId17"/>
+    <p:sldId id="294" r:id="rId18"/>
+    <p:sldId id="295" r:id="rId19"/>
+    <p:sldId id="296" r:id="rId20"/>
+    <p:sldId id="264" r:id="rId21"/>
+    <p:sldId id="272" r:id="rId22"/>
+    <p:sldId id="273" r:id="rId23"/>
+    <p:sldId id="288" r:id="rId24"/>
+    <p:sldId id="274" r:id="rId25"/>
+    <p:sldId id="282" r:id="rId26"/>
+    <p:sldId id="275" r:id="rId27"/>
   </p:sldIdLst>
   <p:sldSz cx="9144000" cy="6858000" type="screen4x3"/>
   <p:notesSz cx="7010400" cy="9296400"/>
@@ -299,7 +301,7 @@
               <a:pPr>
                 <a:defRPr/>
               </a:pPr>
-              <a:t>2/24/22</a:t>
+              <a:t>2/25/2022</a:t>
             </a:fld>
             <a:endParaRPr lang="en-US"/>
           </a:p>
@@ -534,7 +536,7 @@
               <a:pPr>
                 <a:defRPr/>
               </a:pPr>
-              <a:t>2/24/22</a:t>
+              <a:t>2/25/2022</a:t>
             </a:fld>
             <a:endParaRPr lang="en-US"/>
           </a:p>
@@ -917,7 +919,7 @@
           </a:ln>
           <a:extLst>
             <a:ext uri="{909E8E84-426E-40dd-AFC4-6F175D3DCCD1}">
-              <a14:hiddenFill xmlns="" xmlns:a14="http://schemas.microsoft.com/office/drawing/2010/main">
+              <a14:hiddenFill xmlns:a14="http://schemas.microsoft.com/office/drawing/2010/main" xmlns="">
                 <a:solidFill>
                   <a:srgbClr val="FFFFFF"/>
                 </a:solidFill>
@@ -941,14 +943,14 @@
           <a:ln/>
           <a:extLst>
             <a:ext uri="{909E8E84-426E-40dd-AFC4-6F175D3DCCD1}">
-              <a14:hiddenFill xmlns="" xmlns:a14="http://schemas.microsoft.com/office/drawing/2010/main">
+              <a14:hiddenFill xmlns:a14="http://schemas.microsoft.com/office/drawing/2010/main" xmlns="">
                 <a:solidFill>
                   <a:srgbClr val="FFFFFF"/>
                 </a:solidFill>
               </a14:hiddenFill>
             </a:ext>
             <a:ext uri="{91240B29-F687-4f45-9708-019B960494DF}">
-              <a14:hiddenLine xmlns="" xmlns:a14="http://schemas.microsoft.com/office/drawing/2010/main" w="9525">
+              <a14:hiddenLine xmlns:a14="http://schemas.microsoft.com/office/drawing/2010/main" xmlns="" w="9525">
                 <a:solidFill>
                   <a:srgbClr val="000000"/>
                 </a:solidFill>
@@ -1112,14 +1114,14 @@
           <a:ln/>
           <a:extLst>
             <a:ext uri="{909E8E84-426E-40dd-AFC4-6F175D3DCCD1}">
-              <a14:hiddenFill xmlns="" xmlns:a14="http://schemas.microsoft.com/office/drawing/2010/main">
+              <a14:hiddenFill xmlns:a14="http://schemas.microsoft.com/office/drawing/2010/main" xmlns="">
                 <a:solidFill>
                   <a:srgbClr val="FFFFFF"/>
                 </a:solidFill>
               </a14:hiddenFill>
             </a:ext>
             <a:ext uri="{91240B29-F687-4f45-9708-019B960494DF}">
-              <a14:hiddenLine xmlns="" xmlns:a14="http://schemas.microsoft.com/office/drawing/2010/main" w="9525">
+              <a14:hiddenLine xmlns:a14="http://schemas.microsoft.com/office/drawing/2010/main" xmlns="" w="9525">
                 <a:solidFill>
                   <a:srgbClr val="000000"/>
                 </a:solidFill>
@@ -1306,7 +1308,7 @@
           </a:ln>
           <a:extLst>
             <a:ext uri="{909E8E84-426E-40dd-AFC4-6F175D3DCCD1}">
-              <a14:hiddenFill xmlns="" xmlns:a14="http://schemas.microsoft.com/office/drawing/2010/main">
+              <a14:hiddenFill xmlns:a14="http://schemas.microsoft.com/office/drawing/2010/main" xmlns="">
                 <a:solidFill>
                   <a:srgbClr val="FFFFFF"/>
                 </a:solidFill>
@@ -1330,14 +1332,14 @@
           <a:ln/>
           <a:extLst>
             <a:ext uri="{909E8E84-426E-40dd-AFC4-6F175D3DCCD1}">
-              <a14:hiddenFill xmlns="" xmlns:a14="http://schemas.microsoft.com/office/drawing/2010/main">
+              <a14:hiddenFill xmlns:a14="http://schemas.microsoft.com/office/drawing/2010/main" xmlns="">
                 <a:solidFill>
                   <a:srgbClr val="FFFFFF"/>
                 </a:solidFill>
               </a14:hiddenFill>
             </a:ext>
             <a:ext uri="{91240B29-F687-4f45-9708-019B960494DF}">
-              <a14:hiddenLine xmlns="" xmlns:a14="http://schemas.microsoft.com/office/drawing/2010/main" w="9525">
+              <a14:hiddenLine xmlns:a14="http://schemas.microsoft.com/office/drawing/2010/main" xmlns="" w="9525">
                 <a:solidFill>
                   <a:srgbClr val="000000"/>
                 </a:solidFill>
@@ -1396,14 +1398,14 @@
           <a:ln/>
           <a:extLst>
             <a:ext uri="{909E8E84-426E-40dd-AFC4-6F175D3DCCD1}">
-              <a14:hiddenFill xmlns="" xmlns:a14="http://schemas.microsoft.com/office/drawing/2010/main">
+              <a14:hiddenFill xmlns:a14="http://schemas.microsoft.com/office/drawing/2010/main" xmlns="">
                 <a:solidFill>
                   <a:srgbClr val="FFFFFF"/>
                 </a:solidFill>
               </a14:hiddenFill>
             </a:ext>
             <a:ext uri="{91240B29-F687-4f45-9708-019B960494DF}">
-              <a14:hiddenLine xmlns="" xmlns:a14="http://schemas.microsoft.com/office/drawing/2010/main" w="9525">
+              <a14:hiddenLine xmlns:a14="http://schemas.microsoft.com/office/drawing/2010/main" xmlns="" w="9525">
                 <a:solidFill>
                   <a:srgbClr val="000000"/>
                 </a:solidFill>
@@ -1771,7 +1773,7 @@
               <a:pPr>
                 <a:defRPr/>
               </a:pPr>
-              <a:t>15</a:t>
+              <a:t>17</a:t>
             </a:fld>
             <a:endParaRPr lang="en-US"/>
           </a:p>
@@ -1829,7 +1831,7 @@
           </a:ln>
           <a:extLst>
             <a:ext uri="{909E8E84-426E-40dd-AFC4-6F175D3DCCD1}">
-              <a14:hiddenFill xmlns="" xmlns:a14="http://schemas.microsoft.com/office/drawing/2010/main">
+              <a14:hiddenFill xmlns:a14="http://schemas.microsoft.com/office/drawing/2010/main" xmlns="">
                 <a:solidFill>
                   <a:srgbClr val="FFFFFF"/>
                 </a:solidFill>
@@ -1853,14 +1855,14 @@
           <a:ln/>
           <a:extLst>
             <a:ext uri="{909E8E84-426E-40dd-AFC4-6F175D3DCCD1}">
-              <a14:hiddenFill xmlns="" xmlns:a14="http://schemas.microsoft.com/office/drawing/2010/main">
+              <a14:hiddenFill xmlns:a14="http://schemas.microsoft.com/office/drawing/2010/main" xmlns="">
                 <a:solidFill>
                   <a:srgbClr val="FFFFFF"/>
                 </a:solidFill>
               </a14:hiddenFill>
             </a:ext>
             <a:ext uri="{91240B29-F687-4f45-9708-019B960494DF}">
-              <a14:hiddenLine xmlns="" xmlns:a14="http://schemas.microsoft.com/office/drawing/2010/main" w="9525">
+              <a14:hiddenLine xmlns:a14="http://schemas.microsoft.com/office/drawing/2010/main" xmlns="" w="9525">
                 <a:solidFill>
                   <a:srgbClr val="000000"/>
                 </a:solidFill>
@@ -1897,14 +1899,14 @@
           <a:ln/>
           <a:extLst>
             <a:ext uri="{909E8E84-426E-40dd-AFC4-6F175D3DCCD1}">
-              <a14:hiddenFill xmlns="" xmlns:a14="http://schemas.microsoft.com/office/drawing/2010/main">
+              <a14:hiddenFill xmlns:a14="http://schemas.microsoft.com/office/drawing/2010/main" xmlns="">
                 <a:solidFill>
                   <a:srgbClr val="FFFFFF"/>
                 </a:solidFill>
               </a14:hiddenFill>
             </a:ext>
             <a:ext uri="{91240B29-F687-4f45-9708-019B960494DF}">
-              <a14:hiddenLine xmlns="" xmlns:a14="http://schemas.microsoft.com/office/drawing/2010/main" w="9525">
+              <a14:hiddenLine xmlns:a14="http://schemas.microsoft.com/office/drawing/2010/main" xmlns="" w="9525">
                 <a:solidFill>
                   <a:srgbClr val="000000"/>
                 </a:solidFill>
@@ -2031,7 +2033,7 @@
                 <a:latin typeface="Calibri" pitchFamily="34" charset="0"/>
               </a:rPr>
               <a:pPr eaLnBrk="1" hangingPunct="1"/>
-              <a:t>17</a:t>
+              <a:t>19</a:t>
             </a:fld>
             <a:endParaRPr lang="en-US">
               <a:latin typeface="Calibri" pitchFamily="34" charset="0"/>
@@ -2199,7 +2201,7 @@
               <a:pPr>
                 <a:defRPr/>
               </a:pPr>
-              <a:t>18</a:t>
+              <a:t>20</a:t>
             </a:fld>
             <a:endParaRPr lang="en-US"/>
           </a:p>
@@ -2316,7 +2318,7 @@
               <a:pPr>
                 <a:defRPr/>
               </a:pPr>
-              <a:t>19</a:t>
+              <a:t>21</a:t>
             </a:fld>
             <a:endParaRPr lang="en-US"/>
           </a:p>
@@ -2409,7 +2411,7 @@
               <a:pPr>
                 <a:defRPr/>
               </a:pPr>
-              <a:t>20</a:t>
+              <a:t>22</a:t>
             </a:fld>
             <a:endParaRPr lang="en-US"/>
           </a:p>
@@ -2502,7 +2504,7 @@
               <a:pPr>
                 <a:defRPr/>
               </a:pPr>
-              <a:t>21</a:t>
+              <a:t>23</a:t>
             </a:fld>
             <a:endParaRPr lang="en-US"/>
           </a:p>
@@ -2626,7 +2628,7 @@
               <a:pPr>
                 <a:defRPr/>
               </a:pPr>
-              <a:t>22</a:t>
+              <a:t>24</a:t>
             </a:fld>
             <a:endParaRPr lang="en-US"/>
           </a:p>
@@ -2684,7 +2686,7 @@
           </a:ln>
           <a:extLst>
             <a:ext uri="{909E8E84-426E-40dd-AFC4-6F175D3DCCD1}">
-              <a14:hiddenFill xmlns:a14="http://schemas.microsoft.com/office/drawing/2010/main" xmlns="">
+              <a14:hiddenFill xmlns="" xmlns:a14="http://schemas.microsoft.com/office/drawing/2010/main">
                 <a:solidFill>
                   <a:srgbClr val="FFFFFF"/>
                 </a:solidFill>
@@ -2708,14 +2710,14 @@
           <a:ln/>
           <a:extLst>
             <a:ext uri="{909E8E84-426E-40dd-AFC4-6F175D3DCCD1}">
-              <a14:hiddenFill xmlns:a14="http://schemas.microsoft.com/office/drawing/2010/main" xmlns="">
+              <a14:hiddenFill xmlns="" xmlns:a14="http://schemas.microsoft.com/office/drawing/2010/main">
                 <a:solidFill>
                   <a:srgbClr val="FFFFFF"/>
                 </a:solidFill>
               </a14:hiddenFill>
             </a:ext>
             <a:ext uri="{91240B29-F687-4f45-9708-019B960494DF}">
-              <a14:hiddenLine xmlns:a14="http://schemas.microsoft.com/office/drawing/2010/main" xmlns="" w="9525">
+              <a14:hiddenLine xmlns="" xmlns:a14="http://schemas.microsoft.com/office/drawing/2010/main" w="9525">
                 <a:solidFill>
                   <a:srgbClr val="000000"/>
                 </a:solidFill>
@@ -2768,14 +2770,14 @@
           <a:ln/>
           <a:extLst>
             <a:ext uri="{909E8E84-426E-40dd-AFC4-6F175D3DCCD1}">
-              <a14:hiddenFill xmlns:a14="http://schemas.microsoft.com/office/drawing/2010/main" xmlns="">
+              <a14:hiddenFill xmlns="" xmlns:a14="http://schemas.microsoft.com/office/drawing/2010/main">
                 <a:solidFill>
                   <a:srgbClr val="FFFFFF"/>
                 </a:solidFill>
               </a14:hiddenFill>
             </a:ext>
             <a:ext uri="{91240B29-F687-4f45-9708-019B960494DF}">
-              <a14:hiddenLine xmlns:a14="http://schemas.microsoft.com/office/drawing/2010/main" xmlns="" w="9525">
+              <a14:hiddenLine xmlns="" xmlns:a14="http://schemas.microsoft.com/office/drawing/2010/main" w="9525">
                 <a:solidFill>
                   <a:srgbClr val="000000"/>
                 </a:solidFill>
@@ -2902,7 +2904,7 @@
                 <a:latin typeface="Calibri" pitchFamily="34" charset="0"/>
               </a:rPr>
               <a:pPr eaLnBrk="1" hangingPunct="1"/>
-              <a:t>24</a:t>
+              <a:t>26</a:t>
             </a:fld>
             <a:endParaRPr lang="en-US">
               <a:latin typeface="Calibri" pitchFamily="34" charset="0"/>
@@ -3159,7 +3161,7 @@
           </a:ln>
           <a:extLst>
             <a:ext uri="{909E8E84-426E-40dd-AFC4-6F175D3DCCD1}">
-              <a14:hiddenFill xmlns="" xmlns:a14="http://schemas.microsoft.com/office/drawing/2010/main">
+              <a14:hiddenFill xmlns:a14="http://schemas.microsoft.com/office/drawing/2010/main" xmlns="">
                 <a:solidFill>
                   <a:srgbClr val="FFFFFF"/>
                 </a:solidFill>
@@ -3183,14 +3185,14 @@
           <a:ln/>
           <a:extLst>
             <a:ext uri="{909E8E84-426E-40dd-AFC4-6F175D3DCCD1}">
-              <a14:hiddenFill xmlns="" xmlns:a14="http://schemas.microsoft.com/office/drawing/2010/main">
+              <a14:hiddenFill xmlns:a14="http://schemas.microsoft.com/office/drawing/2010/main" xmlns="">
                 <a:solidFill>
                   <a:srgbClr val="FFFFFF"/>
                 </a:solidFill>
               </a14:hiddenFill>
             </a:ext>
             <a:ext uri="{91240B29-F687-4f45-9708-019B960494DF}">
-              <a14:hiddenLine xmlns="" xmlns:a14="http://schemas.microsoft.com/office/drawing/2010/main" w="9525">
+              <a14:hiddenLine xmlns:a14="http://schemas.microsoft.com/office/drawing/2010/main" xmlns="" w="9525">
                 <a:solidFill>
                   <a:srgbClr val="000000"/>
                 </a:solidFill>
@@ -3250,14 +3252,14 @@
           <a:ln/>
           <a:extLst>
             <a:ext uri="{909E8E84-426E-40dd-AFC4-6F175D3DCCD1}">
-              <a14:hiddenFill xmlns="" xmlns:a14="http://schemas.microsoft.com/office/drawing/2010/main">
+              <a14:hiddenFill xmlns:a14="http://schemas.microsoft.com/office/drawing/2010/main" xmlns="">
                 <a:solidFill>
                   <a:srgbClr val="FFFFFF"/>
                 </a:solidFill>
               </a14:hiddenFill>
             </a:ext>
             <a:ext uri="{91240B29-F687-4f45-9708-019B960494DF}">
-              <a14:hiddenLine xmlns="" xmlns:a14="http://schemas.microsoft.com/office/drawing/2010/main" w="9525">
+              <a14:hiddenLine xmlns:a14="http://schemas.microsoft.com/office/drawing/2010/main" xmlns="" w="9525">
                 <a:solidFill>
                   <a:srgbClr val="000000"/>
                 </a:solidFill>
@@ -3444,7 +3446,7 @@
           </a:ln>
           <a:extLst>
             <a:ext uri="{909E8E84-426E-40dd-AFC4-6F175D3DCCD1}">
-              <a14:hiddenFill xmlns="" xmlns:a14="http://schemas.microsoft.com/office/drawing/2010/main">
+              <a14:hiddenFill xmlns:a14="http://schemas.microsoft.com/office/drawing/2010/main" xmlns="">
                 <a:solidFill>
                   <a:srgbClr val="FFFFFF"/>
                 </a:solidFill>
@@ -3468,14 +3470,14 @@
           <a:ln/>
           <a:extLst>
             <a:ext uri="{909E8E84-426E-40dd-AFC4-6F175D3DCCD1}">
-              <a14:hiddenFill xmlns="" xmlns:a14="http://schemas.microsoft.com/office/drawing/2010/main">
+              <a14:hiddenFill xmlns:a14="http://schemas.microsoft.com/office/drawing/2010/main" xmlns="">
                 <a:solidFill>
                   <a:srgbClr val="FFFFFF"/>
                 </a:solidFill>
               </a14:hiddenFill>
             </a:ext>
             <a:ext uri="{91240B29-F687-4f45-9708-019B960494DF}">
-              <a14:hiddenLine xmlns="" xmlns:a14="http://schemas.microsoft.com/office/drawing/2010/main" w="9525">
+              <a14:hiddenLine xmlns:a14="http://schemas.microsoft.com/office/drawing/2010/main" xmlns="" w="9525">
                 <a:solidFill>
                   <a:srgbClr val="000000"/>
                 </a:solidFill>
@@ -3591,14 +3593,14 @@
           <a:ln/>
           <a:extLst>
             <a:ext uri="{909E8E84-426E-40dd-AFC4-6F175D3DCCD1}">
-              <a14:hiddenFill xmlns="" xmlns:a14="http://schemas.microsoft.com/office/drawing/2010/main">
+              <a14:hiddenFill xmlns:a14="http://schemas.microsoft.com/office/drawing/2010/main" xmlns="">
                 <a:solidFill>
                   <a:srgbClr val="FFFFFF"/>
                 </a:solidFill>
               </a14:hiddenFill>
             </a:ext>
             <a:ext uri="{91240B29-F687-4f45-9708-019B960494DF}">
-              <a14:hiddenLine xmlns="" xmlns:a14="http://schemas.microsoft.com/office/drawing/2010/main" w="9525">
+              <a14:hiddenLine xmlns:a14="http://schemas.microsoft.com/office/drawing/2010/main" xmlns="" w="9525">
                 <a:solidFill>
                   <a:srgbClr val="000000"/>
                 </a:solidFill>
@@ -3785,7 +3787,7 @@
           </a:ln>
           <a:extLst>
             <a:ext uri="{909E8E84-426E-40dd-AFC4-6F175D3DCCD1}">
-              <a14:hiddenFill xmlns:a14="http://schemas.microsoft.com/office/drawing/2010/main" xmlns="">
+              <a14:hiddenFill xmlns="" xmlns:a14="http://schemas.microsoft.com/office/drawing/2010/main">
                 <a:solidFill>
                   <a:srgbClr val="FFFFFF"/>
                 </a:solidFill>
@@ -3809,14 +3811,14 @@
           <a:ln/>
           <a:extLst>
             <a:ext uri="{909E8E84-426E-40dd-AFC4-6F175D3DCCD1}">
-              <a14:hiddenFill xmlns:a14="http://schemas.microsoft.com/office/drawing/2010/main" xmlns="">
+              <a14:hiddenFill xmlns="" xmlns:a14="http://schemas.microsoft.com/office/drawing/2010/main">
                 <a:solidFill>
                   <a:srgbClr val="FFFFFF"/>
                 </a:solidFill>
               </a14:hiddenFill>
             </a:ext>
             <a:ext uri="{91240B29-F687-4f45-9708-019B960494DF}">
-              <a14:hiddenLine xmlns:a14="http://schemas.microsoft.com/office/drawing/2010/main" xmlns="" w="9525">
+              <a14:hiddenLine xmlns="" xmlns:a14="http://schemas.microsoft.com/office/drawing/2010/main" w="9525">
                 <a:solidFill>
                   <a:srgbClr val="000000"/>
                 </a:solidFill>
@@ -3932,14 +3934,14 @@
           <a:ln/>
           <a:extLst>
             <a:ext uri="{909E8E84-426E-40dd-AFC4-6F175D3DCCD1}">
-              <a14:hiddenFill xmlns:a14="http://schemas.microsoft.com/office/drawing/2010/main" xmlns="">
+              <a14:hiddenFill xmlns="" xmlns:a14="http://schemas.microsoft.com/office/drawing/2010/main">
                 <a:solidFill>
                   <a:srgbClr val="FFFFFF"/>
                 </a:solidFill>
               </a14:hiddenFill>
             </a:ext>
             <a:ext uri="{91240B29-F687-4f45-9708-019B960494DF}">
-              <a14:hiddenLine xmlns:a14="http://schemas.microsoft.com/office/drawing/2010/main" xmlns="" w="9525">
+              <a14:hiddenLine xmlns="" xmlns:a14="http://schemas.microsoft.com/office/drawing/2010/main" w="9525">
                 <a:solidFill>
                   <a:srgbClr val="000000"/>
                 </a:solidFill>
@@ -4126,7 +4128,7 @@
           </a:ln>
           <a:extLst>
             <a:ext uri="{909E8E84-426E-40dd-AFC4-6F175D3DCCD1}">
-              <a14:hiddenFill xmlns:a14="http://schemas.microsoft.com/office/drawing/2010/main" xmlns="">
+              <a14:hiddenFill xmlns="" xmlns:a14="http://schemas.microsoft.com/office/drawing/2010/main">
                 <a:solidFill>
                   <a:srgbClr val="FFFFFF"/>
                 </a:solidFill>
@@ -4150,14 +4152,14 @@
           <a:ln/>
           <a:extLst>
             <a:ext uri="{909E8E84-426E-40dd-AFC4-6F175D3DCCD1}">
-              <a14:hiddenFill xmlns:a14="http://schemas.microsoft.com/office/drawing/2010/main" xmlns="">
+              <a14:hiddenFill xmlns="" xmlns:a14="http://schemas.microsoft.com/office/drawing/2010/main">
                 <a:solidFill>
                   <a:srgbClr val="FFFFFF"/>
                 </a:solidFill>
               </a14:hiddenFill>
             </a:ext>
             <a:ext uri="{91240B29-F687-4f45-9708-019B960494DF}">
-              <a14:hiddenLine xmlns:a14="http://schemas.microsoft.com/office/drawing/2010/main" xmlns="" w="9525">
+              <a14:hiddenLine xmlns="" xmlns:a14="http://schemas.microsoft.com/office/drawing/2010/main" w="9525">
                 <a:solidFill>
                   <a:srgbClr val="000000"/>
                 </a:solidFill>
@@ -4273,14 +4275,14 @@
           <a:ln/>
           <a:extLst>
             <a:ext uri="{909E8E84-426E-40dd-AFC4-6F175D3DCCD1}">
-              <a14:hiddenFill xmlns:a14="http://schemas.microsoft.com/office/drawing/2010/main" xmlns="">
+              <a14:hiddenFill xmlns="" xmlns:a14="http://schemas.microsoft.com/office/drawing/2010/main">
                 <a:solidFill>
                   <a:srgbClr val="FFFFFF"/>
                 </a:solidFill>
               </a14:hiddenFill>
             </a:ext>
             <a:ext uri="{91240B29-F687-4f45-9708-019B960494DF}">
-              <a14:hiddenLine xmlns:a14="http://schemas.microsoft.com/office/drawing/2010/main" xmlns="" w="9525">
+              <a14:hiddenLine xmlns="" xmlns:a14="http://schemas.microsoft.com/office/drawing/2010/main" w="9525">
                 <a:solidFill>
                   <a:srgbClr val="000000"/>
                 </a:solidFill>
@@ -4467,7 +4469,7 @@
           </a:ln>
           <a:extLst>
             <a:ext uri="{909E8E84-426E-40dd-AFC4-6F175D3DCCD1}">
-              <a14:hiddenFill xmlns:a14="http://schemas.microsoft.com/office/drawing/2010/main" xmlns="">
+              <a14:hiddenFill xmlns="" xmlns:a14="http://schemas.microsoft.com/office/drawing/2010/main">
                 <a:solidFill>
                   <a:srgbClr val="FFFFFF"/>
                 </a:solidFill>
@@ -4491,14 +4493,14 @@
           <a:ln/>
           <a:extLst>
             <a:ext uri="{909E8E84-426E-40dd-AFC4-6F175D3DCCD1}">
-              <a14:hiddenFill xmlns:a14="http://schemas.microsoft.com/office/drawing/2010/main" xmlns="">
+              <a14:hiddenFill xmlns="" xmlns:a14="http://schemas.microsoft.com/office/drawing/2010/main">
                 <a:solidFill>
                   <a:srgbClr val="FFFFFF"/>
                 </a:solidFill>
               </a14:hiddenFill>
             </a:ext>
             <a:ext uri="{91240B29-F687-4f45-9708-019B960494DF}">
-              <a14:hiddenLine xmlns:a14="http://schemas.microsoft.com/office/drawing/2010/main" xmlns="" w="9525">
+              <a14:hiddenLine xmlns="" xmlns:a14="http://schemas.microsoft.com/office/drawing/2010/main" w="9525">
                 <a:solidFill>
                   <a:srgbClr val="000000"/>
                 </a:solidFill>
@@ -4614,14 +4616,14 @@
           <a:ln/>
           <a:extLst>
             <a:ext uri="{909E8E84-426E-40dd-AFC4-6F175D3DCCD1}">
-              <a14:hiddenFill xmlns:a14="http://schemas.microsoft.com/office/drawing/2010/main" xmlns="">
+              <a14:hiddenFill xmlns="" xmlns:a14="http://schemas.microsoft.com/office/drawing/2010/main">
                 <a:solidFill>
                   <a:srgbClr val="FFFFFF"/>
                 </a:solidFill>
               </a14:hiddenFill>
             </a:ext>
             <a:ext uri="{91240B29-F687-4f45-9708-019B960494DF}">
-              <a14:hiddenLine xmlns:a14="http://schemas.microsoft.com/office/drawing/2010/main" xmlns="" w="9525">
+              <a14:hiddenLine xmlns="" xmlns:a14="http://schemas.microsoft.com/office/drawing/2010/main" w="9525">
                 <a:solidFill>
                   <a:srgbClr val="000000"/>
                 </a:solidFill>
@@ -5058,7 +5060,7 @@
               <a:pPr>
                 <a:defRPr/>
               </a:pPr>
-              <a:t>Thursday, February 24, 2022</a:t>
+              <a:t>Friday, February 25, 2022</a:t>
             </a:fld>
             <a:endParaRPr lang="en-US" dirty="0"/>
           </a:p>
@@ -5241,7 +5243,7 @@
               <a:pPr>
                 <a:defRPr/>
               </a:pPr>
-              <a:t>Thursday, February 24, 2022</a:t>
+              <a:t>Friday, February 25, 2022</a:t>
             </a:fld>
             <a:endParaRPr lang="en-US" dirty="0"/>
           </a:p>
@@ -5434,7 +5436,7 @@
               <a:pPr>
                 <a:defRPr/>
               </a:pPr>
-              <a:t>Thursday, February 24, 2022</a:t>
+              <a:t>Friday, February 25, 2022</a:t>
             </a:fld>
             <a:endParaRPr lang="en-US" dirty="0"/>
           </a:p>
@@ -5617,7 +5619,7 @@
               <a:pPr>
                 <a:defRPr/>
               </a:pPr>
-              <a:t>Thursday, February 24, 2022</a:t>
+              <a:t>Friday, February 25, 2022</a:t>
             </a:fld>
             <a:endParaRPr lang="en-US" dirty="0"/>
           </a:p>
@@ -5877,7 +5879,7 @@
               <a:pPr>
                 <a:defRPr/>
               </a:pPr>
-              <a:t>Thursday, February 24, 2022</a:t>
+              <a:t>Friday, February 25, 2022</a:t>
             </a:fld>
             <a:endParaRPr lang="en-US"/>
           </a:p>
@@ -6177,7 +6179,7 @@
               <a:pPr>
                 <a:defRPr/>
               </a:pPr>
-              <a:t>Thursday, February 24, 2022</a:t>
+              <a:t>Friday, February 25, 2022</a:t>
             </a:fld>
             <a:endParaRPr lang="en-US"/>
           </a:p>
@@ -6611,7 +6613,7 @@
               <a:pPr>
                 <a:defRPr/>
               </a:pPr>
-              <a:t>Thursday, February 24, 2022</a:t>
+              <a:t>Friday, February 25, 2022</a:t>
             </a:fld>
             <a:endParaRPr lang="en-US"/>
           </a:p>
@@ -6743,7 +6745,7 @@
               <a:pPr>
                 <a:defRPr/>
               </a:pPr>
-              <a:t>Thursday, February 24, 2022</a:t>
+              <a:t>Friday, February 25, 2022</a:t>
             </a:fld>
             <a:endParaRPr lang="en-US"/>
           </a:p>
@@ -6853,7 +6855,7 @@
               <a:pPr>
                 <a:defRPr/>
               </a:pPr>
-              <a:t>Thursday, February 24, 2022</a:t>
+              <a:t>Friday, February 25, 2022</a:t>
             </a:fld>
             <a:endParaRPr lang="en-US" dirty="0"/>
           </a:p>
@@ -7143,7 +7145,7 @@
               <a:pPr>
                 <a:defRPr/>
               </a:pPr>
-              <a:t>Thursday, February 24, 2022</a:t>
+              <a:t>Friday, February 25, 2022</a:t>
             </a:fld>
             <a:endParaRPr lang="en-US"/>
           </a:p>
@@ -7410,7 +7412,7 @@
               <a:pPr>
                 <a:defRPr/>
               </a:pPr>
-              <a:t>Thursday, February 24, 2022</a:t>
+              <a:t>Friday, February 25, 2022</a:t>
             </a:fld>
             <a:endParaRPr lang="en-US"/>
           </a:p>
@@ -7636,7 +7638,7 @@
               <a:pPr>
                 <a:defRPr/>
               </a:pPr>
-              <a:t>Thursday, February 24, 2022</a:t>
+              <a:t>Friday, February 25, 2022</a:t>
             </a:fld>
             <a:endParaRPr lang="en-US" dirty="0"/>
           </a:p>
@@ -8870,214 +8872,207 @@
           <a:chExt cx="0" cy="0"/>
         </a:xfrm>
       </p:grpSpPr>
-      <p:sp>
-        <p:nvSpPr>
-          <p:cNvPr id="2" name="Title 1"/>
-          <p:cNvSpPr>
-            <a:spLocks noGrp="1"/>
-          </p:cNvSpPr>
-          <p:nvPr>
-            <p:ph type="title"/>
-          </p:nvPr>
+      <p:pic>
+        <p:nvPicPr>
+          <p:cNvPr id="1026" name="Picture 2">
+            <a:extLst>
+              <a:ext uri="{FF2B5EF4-FFF2-40B4-BE49-F238E27FC236}">
+                <a16:creationId xmlns:a16="http://schemas.microsoft.com/office/drawing/2014/main" id="{3D4639BB-66B5-4312-B753-FEAF4D1EB05A}"/>
+              </a:ext>
+            </a:extLst>
+          </p:cNvPr>
+          <p:cNvPicPr>
+            <a:picLocks noChangeAspect="1" noChangeArrowheads="1"/>
+          </p:cNvPicPr>
+          <p:nvPr/>
+        </p:nvPicPr>
+        <p:blipFill>
+          <a:blip r:embed="rId2">
+            <a:extLst>
+              <a:ext uri="{28A0092B-C50C-407E-A947-70E740481C1C}">
+                <a14:useLocalDpi xmlns:a14="http://schemas.microsoft.com/office/drawing/2010/main" val="0"/>
+              </a:ext>
+            </a:extLst>
+          </a:blip>
+          <a:srcRect/>
+          <a:stretch>
+            <a:fillRect/>
+          </a:stretch>
+        </p:blipFill>
+        <p:spPr bwMode="auto">
+          <a:xfrm>
+            <a:off x="2514600" y="256192"/>
+            <a:ext cx="6400800" cy="3495676"/>
+          </a:xfrm>
+          <a:prstGeom prst="rect">
+            <a:avLst/>
+          </a:prstGeom>
+          <a:noFill/>
+          <a:extLst>
+            <a:ext uri="{909E8E84-426E-40DD-AFC4-6F175D3DCCD1}">
+              <a14:hiddenFill xmlns:a14="http://schemas.microsoft.com/office/drawing/2010/main">
+                <a:solidFill>
+                  <a:srgbClr val="FFFFFF"/>
+                </a:solidFill>
+              </a14:hiddenFill>
+            </a:ext>
+          </a:extLst>
+        </p:spPr>
+      </p:pic>
+      <p:pic>
+        <p:nvPicPr>
+          <p:cNvPr id="1027" name="Picture 3">
+            <a:hlinkClick r:id="rId3"/>
+            <a:extLst>
+              <a:ext uri="{FF2B5EF4-FFF2-40B4-BE49-F238E27FC236}">
+                <a16:creationId xmlns:a16="http://schemas.microsoft.com/office/drawing/2014/main" id="{46691462-FFFB-4817-B124-3B07BD916618}"/>
+              </a:ext>
+            </a:extLst>
+          </p:cNvPr>
+          <p:cNvPicPr>
+            <a:picLocks noChangeAspect="1" noChangeArrowheads="1"/>
+          </p:cNvPicPr>
+          <p:nvPr/>
+        </p:nvPicPr>
+        <p:blipFill>
+          <a:blip r:embed="rId4">
+            <a:extLst>
+              <a:ext uri="{28A0092B-C50C-407E-A947-70E740481C1C}">
+                <a14:useLocalDpi xmlns:a14="http://schemas.microsoft.com/office/drawing/2010/main" val="0"/>
+              </a:ext>
+            </a:extLst>
+          </a:blip>
+          <a:srcRect/>
+          <a:stretch>
+            <a:fillRect/>
+          </a:stretch>
+        </p:blipFill>
+        <p:spPr bwMode="auto">
+          <a:xfrm>
+            <a:off x="428554" y="4572000"/>
+            <a:ext cx="8363022" cy="1647825"/>
+          </a:xfrm>
+          <a:prstGeom prst="rect">
+            <a:avLst/>
+          </a:prstGeom>
+          <a:noFill/>
+          <a:extLst>
+            <a:ext uri="{909E8E84-426E-40DD-AFC4-6F175D3DCCD1}">
+              <a14:hiddenFill xmlns:a14="http://schemas.microsoft.com/office/drawing/2010/main">
+                <a:solidFill>
+                  <a:srgbClr val="FFFFFF"/>
+                </a:solidFill>
+              </a14:hiddenFill>
+            </a:ext>
+          </a:extLst>
+        </p:spPr>
+      </p:pic>
+      <p:sp>
+        <p:nvSpPr>
+          <p:cNvPr id="10" name="TextBox 9">
+            <a:extLst>
+              <a:ext uri="{FF2B5EF4-FFF2-40B4-BE49-F238E27FC236}">
+                <a16:creationId xmlns:a16="http://schemas.microsoft.com/office/drawing/2014/main" id="{8DE0A33F-63A1-430C-A82E-956ACA06D62A}"/>
+              </a:ext>
+            </a:extLst>
+          </p:cNvPr>
+          <p:cNvSpPr txBox="1"/>
+          <p:nvPr/>
         </p:nvSpPr>
         <p:spPr>
           <a:xfrm>
-            <a:off x="431800" y="-152400"/>
-            <a:ext cx="8229600" cy="1143000"/>
+            <a:off x="152400" y="281675"/>
+            <a:ext cx="2667000" cy="1077218"/>
           </a:xfrm>
+          <a:prstGeom prst="rect">
+            <a:avLst/>
+          </a:prstGeom>
+          <a:noFill/>
         </p:spPr>
         <p:txBody>
-          <a:bodyPr>
-            <a:normAutofit fontScale="90000"/>
+          <a:bodyPr wrap="square">
+            <a:spAutoFit/>
           </a:bodyPr>
           <a:lstStyle/>
           <a:p>
-            <a:pPr algn="l"/>
-            <a:r>
-              <a:rPr lang="en-US" dirty="0"/>
-              <a:t>Interface Types can replace class types</a:t>
-            </a:r>
-          </a:p>
-        </p:txBody>
-      </p:sp>
-      <p:sp>
-        <p:nvSpPr>
-          <p:cNvPr id="3" name="Content Placeholder 2"/>
-          <p:cNvSpPr>
-            <a:spLocks noGrp="1"/>
-          </p:cNvSpPr>
-          <p:nvPr>
-            <p:ph idx="1"/>
-          </p:nvPr>
-        </p:nvSpPr>
-        <p:spPr>
-          <a:xfrm>
-            <a:off x="152400" y="838200"/>
-            <a:ext cx="8839200" cy="5867400"/>
-          </a:xfrm>
-        </p:spPr>
-        <p:txBody>
-          <a:bodyPr>
-            <a:normAutofit/>
-          </a:bodyPr>
-          <a:lstStyle/>
-          <a:p>
-            <a:r>
-              <a:rPr lang="en-US" sz="2800" dirty="0"/>
-              <a:t>If Dog &amp; Cat implement the Pet interface:</a:t>
-            </a:r>
-          </a:p>
-          <a:p>
-            <a:pPr marL="971550" lvl="1" indent="-514350">
-              <a:buFont typeface="+mj-lt"/>
-              <a:buAutoNum type="arabicPeriod"/>
-            </a:pPr>
-            <a:r>
-              <a:rPr lang="en-US" dirty="0"/>
-              <a:t>Variable Declaration:</a:t>
-            </a:r>
-          </a:p>
-          <a:p>
-            <a:pPr lvl="2"/>
-            <a:r>
-              <a:rPr lang="en-US" dirty="0"/>
-              <a:t>Pet d = new Dog();	Pet c = new Cat();</a:t>
-            </a:r>
-          </a:p>
-          <a:p>
-            <a:pPr marL="971550" lvl="1" indent="-514350">
-              <a:buFont typeface="+mj-lt"/>
-              <a:buAutoNum type="arabicPeriod"/>
-            </a:pPr>
-            <a:r>
-              <a:rPr lang="en-US" dirty="0"/>
-              <a:t>Parameters:</a:t>
-            </a:r>
-          </a:p>
-          <a:p>
-            <a:pPr lvl="2"/>
-            <a:r>
-              <a:rPr lang="en-US" dirty="0"/>
-              <a:t>public static void </a:t>
-            </a:r>
-            <a:r>
-              <a:rPr lang="en-US" dirty="0" err="1"/>
-              <a:t>feedPet</a:t>
-            </a:r>
-            <a:r>
-              <a:rPr lang="en-US" dirty="0"/>
-              <a:t>(Pet p) {…}</a:t>
-            </a:r>
-            <a:br>
-              <a:rPr lang="en-US" dirty="0"/>
-            </a:br>
-            <a:r>
-              <a:rPr lang="en-US" dirty="0"/>
-              <a:t>Can call with any object of type Pet:</a:t>
-            </a:r>
-          </a:p>
-          <a:p>
-            <a:pPr lvl="2"/>
-            <a:r>
-              <a:rPr lang="en-US" dirty="0" err="1"/>
-              <a:t>feedPet</a:t>
-            </a:r>
-            <a:r>
-              <a:rPr lang="en-US" dirty="0"/>
-              <a:t>(new Dog());       </a:t>
-            </a:r>
-            <a:r>
-              <a:rPr lang="en-US" dirty="0" err="1"/>
-              <a:t>feedPet</a:t>
-            </a:r>
-            <a:r>
-              <a:rPr lang="en-US" dirty="0"/>
-              <a:t>(c); // from above</a:t>
-            </a:r>
-          </a:p>
-          <a:p>
-            <a:pPr marL="971550" lvl="1" indent="-514350">
-              <a:buFont typeface="+mj-lt"/>
-              <a:buAutoNum type="arabicPeriod" startAt="3"/>
-            </a:pPr>
-            <a:r>
-              <a:rPr lang="en-US" dirty="0"/>
-              <a:t>Fields:</a:t>
-            </a:r>
-          </a:p>
-          <a:p>
-            <a:pPr lvl="2"/>
-            <a:r>
-              <a:rPr lang="en-US" dirty="0"/>
-              <a:t>private Pet </a:t>
-            </a:r>
-            <a:r>
-              <a:rPr lang="en-US" dirty="0" err="1"/>
-              <a:t>pet</a:t>
-            </a:r>
-            <a:r>
-              <a:rPr lang="en-US" dirty="0"/>
-              <a:t>;</a:t>
-            </a:r>
-          </a:p>
-          <a:p>
-            <a:pPr marL="971550" lvl="1" indent="-514350">
-              <a:buFont typeface="+mj-lt"/>
-              <a:buAutoNum type="arabicPeriod" startAt="3"/>
-            </a:pPr>
-            <a:r>
-              <a:rPr lang="en-US" dirty="0"/>
-              <a:t>Generic Type Parameters:</a:t>
-            </a:r>
-          </a:p>
-          <a:p>
-            <a:pPr lvl="2"/>
-            <a:r>
-              <a:rPr lang="en-US" dirty="0" err="1"/>
-              <a:t>ArrayList</a:t>
-            </a:r>
-            <a:r>
-              <a:rPr lang="en-US" dirty="0"/>
-              <a:t>&lt;Pet&gt; pets = new </a:t>
-            </a:r>
-            <a:r>
-              <a:rPr lang="en-US" dirty="0" err="1"/>
-              <a:t>ArrayList</a:t>
-            </a:r>
-            <a:r>
-              <a:rPr lang="en-US" dirty="0"/>
-              <a:t>&lt;Pet&gt;();</a:t>
-            </a:r>
-          </a:p>
-          <a:p>
-            <a:pPr lvl="2"/>
-            <a:r>
-              <a:rPr lang="en-US" dirty="0" err="1"/>
-              <a:t>pets.add</a:t>
-            </a:r>
-            <a:r>
-              <a:rPr lang="en-US" dirty="0"/>
-              <a:t>(new Dog());    </a:t>
-            </a:r>
-            <a:r>
-              <a:rPr lang="en-US" dirty="0" err="1"/>
-              <a:t>pets.add</a:t>
-            </a:r>
-            <a:r>
-              <a:rPr lang="en-US" dirty="0"/>
-              <a:t>(new Cat());</a:t>
-            </a:r>
-          </a:p>
-          <a:p>
-            <a:pPr lvl="1"/>
-            <a:endParaRPr lang="en-US" dirty="0"/>
+            <a:pPr marL="0" marR="0" lvl="0" indent="0" algn="l" defTabSz="914400" rtl="0" eaLnBrk="0" fontAlgn="base" latinLnBrk="0" hangingPunct="0">
+              <a:lnSpc>
+                <a:spcPct val="100000"/>
+              </a:lnSpc>
+              <a:spcBef>
+                <a:spcPct val="0"/>
+              </a:spcBef>
+              <a:spcAft>
+                <a:spcPct val="0"/>
+              </a:spcAft>
+              <a:buClrTx/>
+              <a:buSzTx/>
+              <a:buFontTx/>
+              <a:buNone/>
+              <a:tabLst/>
+            </a:pPr>
+            <a:r>
+              <a:rPr kumimoji="0" lang="en-US" altLang="en-US" sz="3200" b="0" i="0" u="none" strike="noStrike" cap="none" normalizeH="0" baseline="0" dirty="0">
+                <a:ln>
+                  <a:noFill/>
+                </a:ln>
+                <a:solidFill>
+                  <a:srgbClr val="000000"/>
+                </a:solidFill>
+                <a:effectLst/>
+                <a:latin typeface="Times New Roman" panose="02020603050405020304" pitchFamily="18" charset="0"/>
+                <a:cs typeface="Times New Roman" panose="02020603050405020304" pitchFamily="18" charset="0"/>
+              </a:rPr>
+              <a:t>Before </a:t>
+            </a:r>
+          </a:p>
+          <a:p>
+            <a:pPr marL="0" marR="0" lvl="0" indent="0" algn="l" defTabSz="914400" rtl="0" eaLnBrk="0" fontAlgn="base" latinLnBrk="0" hangingPunct="0">
+              <a:lnSpc>
+                <a:spcPct val="100000"/>
+              </a:lnSpc>
+              <a:spcBef>
+                <a:spcPct val="0"/>
+              </a:spcBef>
+              <a:spcAft>
+                <a:spcPct val="0"/>
+              </a:spcAft>
+              <a:buClrTx/>
+              <a:buSzTx/>
+              <a:buFontTx/>
+              <a:buNone/>
+              <a:tabLst/>
+            </a:pPr>
+            <a:r>
+              <a:rPr kumimoji="0" lang="en-US" altLang="en-US" sz="3200" b="0" i="0" u="none" strike="noStrike" cap="none" normalizeH="0" baseline="0" dirty="0">
+                <a:ln>
+                  <a:noFill/>
+                </a:ln>
+                <a:solidFill>
+                  <a:srgbClr val="000000"/>
+                </a:solidFill>
+                <a:effectLst/>
+                <a:latin typeface="Times New Roman" panose="02020603050405020304" pitchFamily="18" charset="0"/>
+                <a:cs typeface="Times New Roman" panose="02020603050405020304" pitchFamily="18" charset="0"/>
+              </a:rPr>
+              <a:t>Refactoring</a:t>
+            </a:r>
+            <a:endParaRPr kumimoji="0" lang="en-US" altLang="en-US" sz="1100" b="0" i="0" u="none" strike="noStrike" cap="none" normalizeH="0" baseline="0" dirty="0">
+              <a:ln>
+                <a:noFill/>
+              </a:ln>
+              <a:solidFill>
+                <a:schemeClr val="tx1"/>
+              </a:solidFill>
+              <a:effectLst/>
+            </a:endParaRPr>
           </a:p>
         </p:txBody>
       </p:sp>
     </p:spTree>
     <p:extLst>
       <p:ext uri="{BB962C8B-B14F-4D97-AF65-F5344CB8AC3E}">
-        <p14:creationId xmlns:p14="http://schemas.microsoft.com/office/powerpoint/2010/main" val="2010889198"/>
+        <p14:creationId xmlns:p14="http://schemas.microsoft.com/office/powerpoint/2010/main" val="1918581298"/>
       </p:ext>
     </p:extLst>
   </p:cSld>
@@ -9104,190 +9099,207 @@
           <a:chExt cx="0" cy="0"/>
         </a:xfrm>
       </p:grpSpPr>
-      <p:sp>
-        <p:nvSpPr>
-          <p:cNvPr id="2" name="Title 1"/>
-          <p:cNvSpPr>
-            <a:spLocks noGrp="1"/>
-          </p:cNvSpPr>
-          <p:nvPr>
-            <p:ph type="title"/>
-          </p:nvPr>
-        </p:nvSpPr>
-        <p:spPr/>
-        <p:txBody>
-          <a:bodyPr/>
-          <a:lstStyle/>
-          <a:p>
-            <a:r>
-              <a:rPr lang="en-US" dirty="0"/>
-              <a:t>Check your understanding…</a:t>
-            </a:r>
-          </a:p>
-        </p:txBody>
-      </p:sp>
-      <p:sp>
-        <p:nvSpPr>
-          <p:cNvPr id="3" name="Content Placeholder 2"/>
-          <p:cNvSpPr>
-            <a:spLocks noGrp="1"/>
-          </p:cNvSpPr>
-          <p:nvPr>
-            <p:ph idx="1"/>
-          </p:nvPr>
-        </p:nvSpPr>
-        <p:spPr>
+      <p:pic>
+        <p:nvPicPr>
+          <p:cNvPr id="6" name="Picture 4">
+            <a:extLst>
+              <a:ext uri="{FF2B5EF4-FFF2-40B4-BE49-F238E27FC236}">
+                <a16:creationId xmlns:a16="http://schemas.microsoft.com/office/drawing/2014/main" id="{C703F9AE-704F-434E-86DB-692D4FC9F5EE}"/>
+              </a:ext>
+            </a:extLst>
+          </p:cNvPr>
+          <p:cNvPicPr>
+            <a:picLocks noChangeAspect="1" noChangeArrowheads="1"/>
+          </p:cNvPicPr>
+          <p:nvPr/>
+        </p:nvPicPr>
+        <p:blipFill>
+          <a:blip r:embed="rId2">
+            <a:extLst>
+              <a:ext uri="{28A0092B-C50C-407E-A947-70E740481C1C}">
+                <a14:useLocalDpi xmlns:a14="http://schemas.microsoft.com/office/drawing/2010/main" val="0"/>
+              </a:ext>
+            </a:extLst>
+          </a:blip>
+          <a:srcRect/>
+          <a:stretch>
+            <a:fillRect/>
+          </a:stretch>
+        </p:blipFill>
+        <p:spPr bwMode="auto">
           <a:xfrm>
-            <a:off x="457200" y="1600200"/>
-            <a:ext cx="8229600" cy="4953000"/>
-          </a:xfrm>
-        </p:spPr>
-        <p:txBody>
-          <a:bodyPr>
-            <a:normAutofit fontScale="85000" lnSpcReduction="20000"/>
-          </a:bodyPr>
-          <a:lstStyle/>
-          <a:p>
-            <a:pPr marL="0" indent="0">
-              <a:buNone/>
-            </a:pPr>
-            <a:r>
-              <a:rPr lang="en-US" dirty="0"/>
-              <a:t>public interface Pet{</a:t>
-            </a:r>
-          </a:p>
-          <a:p>
-            <a:pPr marL="0" indent="0">
-              <a:buNone/>
-            </a:pPr>
-            <a:r>
-              <a:rPr lang="en-US" dirty="0"/>
-              <a:t>    private String name;</a:t>
-            </a:r>
-          </a:p>
-          <a:p>
-            <a:pPr marL="0" indent="0">
-              <a:buNone/>
-            </a:pPr>
-            <a:endParaRPr lang="en-US" dirty="0"/>
-          </a:p>
-          <a:p>
-            <a:pPr marL="0" indent="0">
-              <a:buNone/>
-            </a:pPr>
-            <a:r>
-              <a:rPr lang="en-US" dirty="0"/>
-              <a:t>    public Pet(String name){</a:t>
-            </a:r>
-          </a:p>
-          <a:p>
-            <a:pPr marL="0" indent="0">
-              <a:buNone/>
-            </a:pPr>
-            <a:r>
-              <a:rPr lang="en-US" dirty="0"/>
-              <a:t>        this.name = name;</a:t>
-            </a:r>
-          </a:p>
-          <a:p>
-            <a:pPr marL="0" indent="0">
-              <a:buNone/>
-            </a:pPr>
-            <a:r>
-              <a:rPr lang="en-US" dirty="0"/>
-              <a:t>    }</a:t>
-            </a:r>
-          </a:p>
-          <a:p>
-            <a:pPr marL="0" indent="0">
-              <a:buNone/>
-            </a:pPr>
-            <a:endParaRPr lang="en-US" dirty="0"/>
-          </a:p>
-          <a:p>
-            <a:pPr marL="0" indent="0">
-              <a:buNone/>
-            </a:pPr>
-            <a:r>
-              <a:rPr lang="en-US" dirty="0"/>
-              <a:t>    public void speak(){</a:t>
-            </a:r>
-          </a:p>
-          <a:p>
-            <a:pPr marL="0" indent="0">
-              <a:buNone/>
-            </a:pPr>
-            <a:r>
-              <a:rPr lang="en-US" dirty="0"/>
-              <a:t>        </a:t>
-            </a:r>
-            <a:r>
-              <a:rPr lang="en-US" dirty="0" err="1"/>
-              <a:t>System.out.println</a:t>
-            </a:r>
-            <a:r>
-              <a:rPr lang="en-US" dirty="0"/>
-              <a:t>(name);</a:t>
-            </a:r>
-          </a:p>
-          <a:p>
-            <a:pPr marL="0" indent="0">
-              <a:buNone/>
-            </a:pPr>
-            <a:r>
-              <a:rPr lang="en-US" dirty="0"/>
-              <a:t>    }</a:t>
-            </a:r>
-          </a:p>
-          <a:p>
-            <a:pPr marL="0" indent="0">
-              <a:buNone/>
-            </a:pPr>
-            <a:r>
-              <a:rPr lang="en-US" dirty="0"/>
-              <a:t>}</a:t>
-            </a:r>
-          </a:p>
-        </p:txBody>
-      </p:sp>
-      <p:sp>
-        <p:nvSpPr>
-          <p:cNvPr id="4" name="TextBox 3"/>
-          <p:cNvSpPr txBox="1"/>
-          <p:nvPr/>
-        </p:nvSpPr>
-        <p:spPr>
-          <a:xfrm>
-            <a:off x="1362627" y="5638800"/>
-            <a:ext cx="6418745" cy="523220"/>
+            <a:off x="2526890" y="310646"/>
+            <a:ext cx="6400800" cy="3491345"/>
           </a:xfrm>
           <a:prstGeom prst="rect">
             <a:avLst/>
           </a:prstGeom>
           <a:noFill/>
-          <a:ln>
-            <a:solidFill>
-              <a:schemeClr val="tx1"/>
-            </a:solidFill>
-          </a:ln>
+          <a:extLst>
+            <a:ext uri="{909E8E84-426E-40DD-AFC4-6F175D3DCCD1}">
+              <a14:hiddenFill xmlns:a14="http://schemas.microsoft.com/office/drawing/2010/main">
+                <a:solidFill>
+                  <a:srgbClr val="FFFFFF"/>
+                </a:solidFill>
+              </a14:hiddenFill>
+            </a:ext>
+          </a:extLst>
         </p:spPr>
-        <p:txBody>
-          <a:bodyPr wrap="none" rtlCol="0">
+      </p:pic>
+      <p:pic>
+        <p:nvPicPr>
+          <p:cNvPr id="7" name="Picture 2">
+            <a:hlinkClick r:id="rId3"/>
+            <a:extLst>
+              <a:ext uri="{FF2B5EF4-FFF2-40B4-BE49-F238E27FC236}">
+                <a16:creationId xmlns:a16="http://schemas.microsoft.com/office/drawing/2014/main" id="{1C358E9D-01A4-43F0-8938-366B0C2FF465}"/>
+              </a:ext>
+            </a:extLst>
+          </p:cNvPr>
+          <p:cNvPicPr>
+            <a:picLocks noChangeAspect="1" noChangeArrowheads="1"/>
+          </p:cNvPicPr>
+          <p:nvPr/>
+        </p:nvPicPr>
+        <p:blipFill>
+          <a:blip r:embed="rId4">
+            <a:extLst>
+              <a:ext uri="{28A0092B-C50C-407E-A947-70E740481C1C}">
+                <a14:useLocalDpi xmlns:a14="http://schemas.microsoft.com/office/drawing/2010/main" val="0"/>
+              </a:ext>
+            </a:extLst>
+          </a:blip>
+          <a:srcRect/>
+          <a:stretch>
+            <a:fillRect/>
+          </a:stretch>
+        </p:blipFill>
+        <p:spPr bwMode="auto">
+          <a:xfrm>
+            <a:off x="2133600" y="3961447"/>
+            <a:ext cx="4481087" cy="2881313"/>
+          </a:xfrm>
+          <a:prstGeom prst="rect">
+            <a:avLst/>
+          </a:prstGeom>
+          <a:noFill/>
+          <a:extLst>
+            <a:ext uri="{909E8E84-426E-40DD-AFC4-6F175D3DCCD1}">
+              <a14:hiddenFill xmlns:a14="http://schemas.microsoft.com/office/drawing/2010/main">
+                <a:solidFill>
+                  <a:srgbClr val="FFFFFF"/>
+                </a:solidFill>
+              </a14:hiddenFill>
+            </a:ext>
+          </a:extLst>
+        </p:spPr>
+      </p:pic>
+      <p:sp>
+        <p:nvSpPr>
+          <p:cNvPr id="9" name="TextBox 8">
+            <a:extLst>
+              <a:ext uri="{FF2B5EF4-FFF2-40B4-BE49-F238E27FC236}">
+                <a16:creationId xmlns:a16="http://schemas.microsoft.com/office/drawing/2014/main" id="{72174058-079A-4947-93D8-D545388B5899}"/>
+              </a:ext>
+            </a:extLst>
+          </p:cNvPr>
+          <p:cNvSpPr txBox="1"/>
+          <p:nvPr/>
+        </p:nvSpPr>
+        <p:spPr>
+          <a:xfrm>
+            <a:off x="216310" y="462409"/>
+            <a:ext cx="4572000" cy="1077218"/>
+          </a:xfrm>
+          <a:prstGeom prst="rect">
+            <a:avLst/>
+          </a:prstGeom>
+          <a:noFill/>
+        </p:spPr>
+        <p:txBody>
+          <a:bodyPr wrap="square">
             <a:spAutoFit/>
           </a:bodyPr>
           <a:lstStyle/>
           <a:p>
-            <a:r>
-              <a:rPr lang="en-US" sz="2800" dirty="0"/>
-              <a:t>Is this interface valid? Why or why not?</a:t>
-            </a:r>
+            <a:pPr marL="0" marR="0" lvl="0" indent="0" algn="l" defTabSz="914400" rtl="0" eaLnBrk="0" fontAlgn="base" latinLnBrk="0" hangingPunct="0">
+              <a:lnSpc>
+                <a:spcPct val="100000"/>
+              </a:lnSpc>
+              <a:spcBef>
+                <a:spcPct val="0"/>
+              </a:spcBef>
+              <a:spcAft>
+                <a:spcPct val="0"/>
+              </a:spcAft>
+              <a:buClrTx/>
+              <a:buSzTx/>
+              <a:buFontTx/>
+              <a:buNone/>
+              <a:tabLst/>
+            </a:pPr>
+            <a:r>
+              <a:rPr kumimoji="0" lang="en-US" altLang="en-US" sz="3200" b="0" i="0" u="none" strike="noStrike" cap="none" normalizeH="0" baseline="0" dirty="0">
+                <a:ln>
+                  <a:noFill/>
+                </a:ln>
+                <a:solidFill>
+                  <a:srgbClr val="000000"/>
+                </a:solidFill>
+                <a:effectLst/>
+                <a:latin typeface="Times New Roman" panose="02020603050405020304" pitchFamily="18" charset="0"/>
+                <a:cs typeface="Times New Roman" panose="02020603050405020304" pitchFamily="18" charset="0"/>
+              </a:rPr>
+              <a:t>After</a:t>
+            </a:r>
+          </a:p>
+          <a:p>
+            <a:pPr marL="0" marR="0" lvl="0" indent="0" algn="l" defTabSz="914400" rtl="0" eaLnBrk="0" fontAlgn="base" latinLnBrk="0" hangingPunct="0">
+              <a:lnSpc>
+                <a:spcPct val="100000"/>
+              </a:lnSpc>
+              <a:spcBef>
+                <a:spcPct val="0"/>
+              </a:spcBef>
+              <a:spcAft>
+                <a:spcPct val="0"/>
+              </a:spcAft>
+              <a:buClrTx/>
+              <a:buSzTx/>
+              <a:buFontTx/>
+              <a:buNone/>
+              <a:tabLst/>
+            </a:pPr>
+            <a:r>
+              <a:rPr kumimoji="0" lang="en-US" altLang="en-US" sz="3200" b="0" i="0" u="none" strike="noStrike" cap="none" normalizeH="0" baseline="0" dirty="0">
+                <a:ln>
+                  <a:noFill/>
+                </a:ln>
+                <a:solidFill>
+                  <a:srgbClr val="000000"/>
+                </a:solidFill>
+                <a:effectLst/>
+                <a:latin typeface="Times New Roman" panose="02020603050405020304" pitchFamily="18" charset="0"/>
+                <a:cs typeface="Times New Roman" panose="02020603050405020304" pitchFamily="18" charset="0"/>
+              </a:rPr>
+              <a:t>Refactoring</a:t>
+            </a:r>
+            <a:endParaRPr kumimoji="0" lang="en-US" altLang="en-US" sz="1100" b="0" i="0" u="none" strike="noStrike" cap="none" normalizeH="0" baseline="0" dirty="0">
+              <a:ln>
+                <a:noFill/>
+              </a:ln>
+              <a:solidFill>
+                <a:schemeClr val="tx1"/>
+              </a:solidFill>
+              <a:effectLst/>
+            </a:endParaRPr>
           </a:p>
         </p:txBody>
       </p:sp>
     </p:spTree>
     <p:extLst>
       <p:ext uri="{BB962C8B-B14F-4D97-AF65-F5344CB8AC3E}">
-        <p14:creationId xmlns:p14="http://schemas.microsoft.com/office/powerpoint/2010/main" val="1781697480"/>
+        <p14:creationId xmlns:p14="http://schemas.microsoft.com/office/powerpoint/2010/main" val="1824901850"/>
       </p:ext>
     </p:extLst>
   </p:cSld>
@@ -9324,14 +9336,22 @@
             <p:ph type="title"/>
           </p:nvPr>
         </p:nvSpPr>
-        <p:spPr/>
-        <p:txBody>
-          <a:bodyPr/>
+        <p:spPr>
+          <a:xfrm>
+            <a:off x="431800" y="-152400"/>
+            <a:ext cx="8229600" cy="1143000"/>
+          </a:xfrm>
+        </p:spPr>
+        <p:txBody>
+          <a:bodyPr>
+            <a:normAutofit fontScale="90000"/>
+          </a:bodyPr>
           <a:lstStyle/>
           <a:p>
-            <a:r>
-              <a:rPr lang="en-US" dirty="0"/>
-              <a:t>Valid interface</a:t>
+            <a:pPr algn="l"/>
+            <a:r>
+              <a:rPr lang="en-US" dirty="0"/>
+              <a:t>Interface Types can replace class types</a:t>
             </a:r>
           </a:p>
         </p:txBody>
@@ -9346,79 +9366,174 @@
             <p:ph idx="1"/>
           </p:nvPr>
         </p:nvSpPr>
-        <p:spPr/>
+        <p:spPr>
+          <a:xfrm>
+            <a:off x="152400" y="838200"/>
+            <a:ext cx="8839200" cy="5867400"/>
+          </a:xfrm>
+        </p:spPr>
         <p:txBody>
           <a:bodyPr>
             <a:normAutofit/>
           </a:bodyPr>
           <a:lstStyle/>
           <a:p>
-            <a:pPr marL="0" indent="0">
-              <a:buNone/>
-            </a:pPr>
-            <a:r>
-              <a:rPr lang="en-US" dirty="0"/>
-              <a:t>public interface Pet{</a:t>
-            </a:r>
-          </a:p>
-          <a:p>
-            <a:pPr marL="0" indent="0">
-              <a:buNone/>
-            </a:pPr>
-            <a:r>
-              <a:rPr lang="en-US" dirty="0"/>
-              <a:t>    public void speak();</a:t>
-            </a:r>
-          </a:p>
-          <a:p>
-            <a:pPr marL="0" indent="0">
-              <a:buNone/>
-            </a:pPr>
-            <a:r>
-              <a:rPr lang="en-US" dirty="0"/>
-              <a:t>}</a:t>
-            </a:r>
-          </a:p>
-        </p:txBody>
-      </p:sp>
-      <p:sp>
-        <p:nvSpPr>
-          <p:cNvPr id="5" name="TextBox 4"/>
-          <p:cNvSpPr txBox="1"/>
-          <p:nvPr/>
-        </p:nvSpPr>
-        <p:spPr>
-          <a:xfrm>
-            <a:off x="2409388" y="4419600"/>
-            <a:ext cx="4325223" cy="523220"/>
-          </a:xfrm>
-          <a:prstGeom prst="rect">
-            <a:avLst/>
-          </a:prstGeom>
-          <a:noFill/>
-          <a:ln>
-            <a:solidFill>
-              <a:schemeClr val="tx1"/>
-            </a:solidFill>
-          </a:ln>
-        </p:spPr>
-        <p:txBody>
-          <a:bodyPr wrap="none" rtlCol="0">
-            <a:spAutoFit/>
-          </a:bodyPr>
-          <a:lstStyle/>
-          <a:p>
             <a:r>
               <a:rPr lang="en-US" sz="2800" dirty="0"/>
-              <a:t>What happened to name?</a:t>
-            </a:r>
+              <a:t>If Dog &amp; Cat implement the Pet interface:</a:t>
+            </a:r>
+          </a:p>
+          <a:p>
+            <a:pPr marL="971550" lvl="1" indent="-514350">
+              <a:buFont typeface="+mj-lt"/>
+              <a:buAutoNum type="arabicPeriod"/>
+            </a:pPr>
+            <a:r>
+              <a:rPr lang="en-US" dirty="0"/>
+              <a:t>Variable Declaration:</a:t>
+            </a:r>
+          </a:p>
+          <a:p>
+            <a:pPr lvl="2"/>
+            <a:r>
+              <a:rPr lang="en-US" dirty="0"/>
+              <a:t>Pet d = new Dog();	Pet c = new Cat();</a:t>
+            </a:r>
+          </a:p>
+          <a:p>
+            <a:pPr marL="971550" lvl="1" indent="-514350">
+              <a:buFont typeface="+mj-lt"/>
+              <a:buAutoNum type="arabicPeriod"/>
+            </a:pPr>
+            <a:r>
+              <a:rPr lang="en-US" dirty="0"/>
+              <a:t>Parameters:</a:t>
+            </a:r>
+          </a:p>
+          <a:p>
+            <a:pPr lvl="2"/>
+            <a:r>
+              <a:rPr lang="en-US" dirty="0"/>
+              <a:t>public static void </a:t>
+            </a:r>
+            <a:r>
+              <a:rPr lang="en-US" dirty="0" err="1"/>
+              <a:t>feedPet</a:t>
+            </a:r>
+            <a:r>
+              <a:rPr lang="en-US" dirty="0"/>
+              <a:t>(Pet p) {…}</a:t>
+            </a:r>
+            <a:br>
+              <a:rPr lang="en-US" dirty="0"/>
+            </a:br>
+            <a:r>
+              <a:rPr lang="en-US" dirty="0"/>
+              <a:t>Can call with any object of type Pet:</a:t>
+            </a:r>
+          </a:p>
+          <a:p>
+            <a:pPr lvl="2"/>
+            <a:r>
+              <a:rPr lang="en-US" dirty="0" err="1"/>
+              <a:t>feedPet</a:t>
+            </a:r>
+            <a:r>
+              <a:rPr lang="en-US" dirty="0"/>
+              <a:t>(new Dog());       </a:t>
+            </a:r>
+            <a:r>
+              <a:rPr lang="en-US" dirty="0" err="1"/>
+              <a:t>feedPet</a:t>
+            </a:r>
+            <a:r>
+              <a:rPr lang="en-US" dirty="0"/>
+              <a:t>(c); // from above</a:t>
+            </a:r>
+          </a:p>
+          <a:p>
+            <a:pPr marL="971550" lvl="1" indent="-514350">
+              <a:buFont typeface="+mj-lt"/>
+              <a:buAutoNum type="arabicPeriod" startAt="3"/>
+            </a:pPr>
+            <a:r>
+              <a:rPr lang="en-US" dirty="0"/>
+              <a:t>Fields:</a:t>
+            </a:r>
+          </a:p>
+          <a:p>
+            <a:pPr lvl="2"/>
+            <a:r>
+              <a:rPr lang="en-US" dirty="0"/>
+              <a:t>private Pet </a:t>
+            </a:r>
+            <a:r>
+              <a:rPr lang="en-US" dirty="0" err="1"/>
+              <a:t>pet</a:t>
+            </a:r>
+            <a:r>
+              <a:rPr lang="en-US" dirty="0"/>
+              <a:t>;</a:t>
+            </a:r>
+          </a:p>
+          <a:p>
+            <a:pPr marL="971550" lvl="1" indent="-514350">
+              <a:buFont typeface="+mj-lt"/>
+              <a:buAutoNum type="arabicPeriod" startAt="3"/>
+            </a:pPr>
+            <a:r>
+              <a:rPr lang="en-US" dirty="0"/>
+              <a:t>Generic Type Parameters:</a:t>
+            </a:r>
+          </a:p>
+          <a:p>
+            <a:pPr lvl="2"/>
+            <a:r>
+              <a:rPr lang="en-US" dirty="0" err="1"/>
+              <a:t>ArrayList</a:t>
+            </a:r>
+            <a:r>
+              <a:rPr lang="en-US" dirty="0"/>
+              <a:t>&lt;Pet&gt; pets = new </a:t>
+            </a:r>
+            <a:r>
+              <a:rPr lang="en-US" dirty="0" err="1"/>
+              <a:t>ArrayList</a:t>
+            </a:r>
+            <a:r>
+              <a:rPr lang="en-US" dirty="0"/>
+              <a:t>&lt;Pet&gt;();</a:t>
+            </a:r>
+          </a:p>
+          <a:p>
+            <a:pPr lvl="2"/>
+            <a:r>
+              <a:rPr lang="en-US" dirty="0" err="1"/>
+              <a:t>pets.add</a:t>
+            </a:r>
+            <a:r>
+              <a:rPr lang="en-US" dirty="0"/>
+              <a:t>(new Dog());    </a:t>
+            </a:r>
+            <a:r>
+              <a:rPr lang="en-US" dirty="0" err="1"/>
+              <a:t>pets.add</a:t>
+            </a:r>
+            <a:r>
+              <a:rPr lang="en-US" dirty="0"/>
+              <a:t>(new Cat());</a:t>
+            </a:r>
+          </a:p>
+          <a:p>
+            <a:pPr lvl="1"/>
+            <a:endParaRPr lang="en-US" dirty="0"/>
           </a:p>
         </p:txBody>
       </p:sp>
     </p:spTree>
     <p:extLst>
       <p:ext uri="{BB962C8B-B14F-4D97-AF65-F5344CB8AC3E}">
-        <p14:creationId xmlns:p14="http://schemas.microsoft.com/office/powerpoint/2010/main" val="641702362"/>
+        <p14:creationId xmlns:p14="http://schemas.microsoft.com/office/powerpoint/2010/main" val="2010889198"/>
       </p:ext>
     </p:extLst>
   </p:cSld>
@@ -9462,6 +9577,347 @@
           <a:p>
             <a:r>
               <a:rPr lang="en-US" dirty="0"/>
+              <a:t>Check your understanding…</a:t>
+            </a:r>
+          </a:p>
+        </p:txBody>
+      </p:sp>
+      <p:sp>
+        <p:nvSpPr>
+          <p:cNvPr id="3" name="Content Placeholder 2"/>
+          <p:cNvSpPr>
+            <a:spLocks noGrp="1"/>
+          </p:cNvSpPr>
+          <p:nvPr>
+            <p:ph idx="1"/>
+          </p:nvPr>
+        </p:nvSpPr>
+        <p:spPr>
+          <a:xfrm>
+            <a:off x="457200" y="1600200"/>
+            <a:ext cx="8229600" cy="4953000"/>
+          </a:xfrm>
+        </p:spPr>
+        <p:txBody>
+          <a:bodyPr>
+            <a:normAutofit fontScale="85000" lnSpcReduction="20000"/>
+          </a:bodyPr>
+          <a:lstStyle/>
+          <a:p>
+            <a:pPr marL="0" indent="0">
+              <a:buNone/>
+            </a:pPr>
+            <a:r>
+              <a:rPr lang="en-US" dirty="0"/>
+              <a:t>public interface Pet{</a:t>
+            </a:r>
+          </a:p>
+          <a:p>
+            <a:pPr marL="0" indent="0">
+              <a:buNone/>
+            </a:pPr>
+            <a:r>
+              <a:rPr lang="en-US" dirty="0"/>
+              <a:t>    private String name;</a:t>
+            </a:r>
+          </a:p>
+          <a:p>
+            <a:pPr marL="0" indent="0">
+              <a:buNone/>
+            </a:pPr>
+            <a:endParaRPr lang="en-US" dirty="0"/>
+          </a:p>
+          <a:p>
+            <a:pPr marL="0" indent="0">
+              <a:buNone/>
+            </a:pPr>
+            <a:r>
+              <a:rPr lang="en-US" dirty="0"/>
+              <a:t>    public Pet(String name){</a:t>
+            </a:r>
+          </a:p>
+          <a:p>
+            <a:pPr marL="0" indent="0">
+              <a:buNone/>
+            </a:pPr>
+            <a:r>
+              <a:rPr lang="en-US" dirty="0"/>
+              <a:t>        this.name = name;</a:t>
+            </a:r>
+          </a:p>
+          <a:p>
+            <a:pPr marL="0" indent="0">
+              <a:buNone/>
+            </a:pPr>
+            <a:r>
+              <a:rPr lang="en-US" dirty="0"/>
+              <a:t>    }</a:t>
+            </a:r>
+          </a:p>
+          <a:p>
+            <a:pPr marL="0" indent="0">
+              <a:buNone/>
+            </a:pPr>
+            <a:endParaRPr lang="en-US" dirty="0"/>
+          </a:p>
+          <a:p>
+            <a:pPr marL="0" indent="0">
+              <a:buNone/>
+            </a:pPr>
+            <a:r>
+              <a:rPr lang="en-US" dirty="0"/>
+              <a:t>    public void speak(){</a:t>
+            </a:r>
+          </a:p>
+          <a:p>
+            <a:pPr marL="0" indent="0">
+              <a:buNone/>
+            </a:pPr>
+            <a:r>
+              <a:rPr lang="en-US" dirty="0"/>
+              <a:t>        </a:t>
+            </a:r>
+            <a:r>
+              <a:rPr lang="en-US" dirty="0" err="1"/>
+              <a:t>System.out.println</a:t>
+            </a:r>
+            <a:r>
+              <a:rPr lang="en-US" dirty="0"/>
+              <a:t>(name);</a:t>
+            </a:r>
+          </a:p>
+          <a:p>
+            <a:pPr marL="0" indent="0">
+              <a:buNone/>
+            </a:pPr>
+            <a:r>
+              <a:rPr lang="en-US" dirty="0"/>
+              <a:t>    }</a:t>
+            </a:r>
+          </a:p>
+          <a:p>
+            <a:pPr marL="0" indent="0">
+              <a:buNone/>
+            </a:pPr>
+            <a:r>
+              <a:rPr lang="en-US" dirty="0"/>
+              <a:t>}</a:t>
+            </a:r>
+          </a:p>
+        </p:txBody>
+      </p:sp>
+      <p:sp>
+        <p:nvSpPr>
+          <p:cNvPr id="4" name="TextBox 3"/>
+          <p:cNvSpPr txBox="1"/>
+          <p:nvPr/>
+        </p:nvSpPr>
+        <p:spPr>
+          <a:xfrm>
+            <a:off x="1362627" y="5638800"/>
+            <a:ext cx="6418745" cy="523220"/>
+          </a:xfrm>
+          <a:prstGeom prst="rect">
+            <a:avLst/>
+          </a:prstGeom>
+          <a:noFill/>
+          <a:ln>
+            <a:solidFill>
+              <a:schemeClr val="tx1"/>
+            </a:solidFill>
+          </a:ln>
+        </p:spPr>
+        <p:txBody>
+          <a:bodyPr wrap="none" rtlCol="0">
+            <a:spAutoFit/>
+          </a:bodyPr>
+          <a:lstStyle/>
+          <a:p>
+            <a:r>
+              <a:rPr lang="en-US" sz="2800" dirty="0"/>
+              <a:t>Is this interface valid? Why or why not?</a:t>
+            </a:r>
+          </a:p>
+        </p:txBody>
+      </p:sp>
+    </p:spTree>
+    <p:extLst>
+      <p:ext uri="{BB962C8B-B14F-4D97-AF65-F5344CB8AC3E}">
+        <p14:creationId xmlns:p14="http://schemas.microsoft.com/office/powerpoint/2010/main" val="1781697480"/>
+      </p:ext>
+    </p:extLst>
+  </p:cSld>
+  <p:clrMapOvr>
+    <a:masterClrMapping/>
+  </p:clrMapOvr>
+</p:sld>
+</file>
+
+<file path=ppt/slides/slide17.xml><?xml version="1.0" encoding="utf-8"?>
+<p:sld xmlns:a="http://schemas.openxmlformats.org/drawingml/2006/main" xmlns:r="http://schemas.openxmlformats.org/officeDocument/2006/relationships" xmlns:p="http://schemas.openxmlformats.org/presentationml/2006/main">
+  <p:cSld>
+    <p:spTree>
+      <p:nvGrpSpPr>
+        <p:cNvPr id="1" name=""/>
+        <p:cNvGrpSpPr/>
+        <p:nvPr/>
+      </p:nvGrpSpPr>
+      <p:grpSpPr>
+        <a:xfrm>
+          <a:off x="0" y="0"/>
+          <a:ext cx="0" cy="0"/>
+          <a:chOff x="0" y="0"/>
+          <a:chExt cx="0" cy="0"/>
+        </a:xfrm>
+      </p:grpSpPr>
+      <p:sp>
+        <p:nvSpPr>
+          <p:cNvPr id="2" name="Title 1"/>
+          <p:cNvSpPr>
+            <a:spLocks noGrp="1"/>
+          </p:cNvSpPr>
+          <p:nvPr>
+            <p:ph type="title"/>
+          </p:nvPr>
+        </p:nvSpPr>
+        <p:spPr/>
+        <p:txBody>
+          <a:bodyPr/>
+          <a:lstStyle/>
+          <a:p>
+            <a:r>
+              <a:rPr lang="en-US" dirty="0"/>
+              <a:t>Valid interface</a:t>
+            </a:r>
+          </a:p>
+        </p:txBody>
+      </p:sp>
+      <p:sp>
+        <p:nvSpPr>
+          <p:cNvPr id="3" name="Content Placeholder 2"/>
+          <p:cNvSpPr>
+            <a:spLocks noGrp="1"/>
+          </p:cNvSpPr>
+          <p:nvPr>
+            <p:ph idx="1"/>
+          </p:nvPr>
+        </p:nvSpPr>
+        <p:spPr/>
+        <p:txBody>
+          <a:bodyPr>
+            <a:normAutofit/>
+          </a:bodyPr>
+          <a:lstStyle/>
+          <a:p>
+            <a:pPr marL="0" indent="0">
+              <a:buNone/>
+            </a:pPr>
+            <a:r>
+              <a:rPr lang="en-US" dirty="0"/>
+              <a:t>public interface Pet{</a:t>
+            </a:r>
+          </a:p>
+          <a:p>
+            <a:pPr marL="0" indent="0">
+              <a:buNone/>
+            </a:pPr>
+            <a:r>
+              <a:rPr lang="en-US" dirty="0"/>
+              <a:t>    public void speak();</a:t>
+            </a:r>
+          </a:p>
+          <a:p>
+            <a:pPr marL="0" indent="0">
+              <a:buNone/>
+            </a:pPr>
+            <a:r>
+              <a:rPr lang="en-US" dirty="0"/>
+              <a:t>}</a:t>
+            </a:r>
+          </a:p>
+        </p:txBody>
+      </p:sp>
+      <p:sp>
+        <p:nvSpPr>
+          <p:cNvPr id="5" name="TextBox 4"/>
+          <p:cNvSpPr txBox="1"/>
+          <p:nvPr/>
+        </p:nvSpPr>
+        <p:spPr>
+          <a:xfrm>
+            <a:off x="2409388" y="4419600"/>
+            <a:ext cx="4325223" cy="523220"/>
+          </a:xfrm>
+          <a:prstGeom prst="rect">
+            <a:avLst/>
+          </a:prstGeom>
+          <a:noFill/>
+          <a:ln>
+            <a:solidFill>
+              <a:schemeClr val="tx1"/>
+            </a:solidFill>
+          </a:ln>
+        </p:spPr>
+        <p:txBody>
+          <a:bodyPr wrap="none" rtlCol="0">
+            <a:spAutoFit/>
+          </a:bodyPr>
+          <a:lstStyle/>
+          <a:p>
+            <a:r>
+              <a:rPr lang="en-US" sz="2800" dirty="0"/>
+              <a:t>What happened to name?</a:t>
+            </a:r>
+          </a:p>
+        </p:txBody>
+      </p:sp>
+    </p:spTree>
+    <p:extLst>
+      <p:ext uri="{BB962C8B-B14F-4D97-AF65-F5344CB8AC3E}">
+        <p14:creationId xmlns:p14="http://schemas.microsoft.com/office/powerpoint/2010/main" val="641702362"/>
+      </p:ext>
+    </p:extLst>
+  </p:cSld>
+  <p:clrMapOvr>
+    <a:masterClrMapping/>
+  </p:clrMapOvr>
+</p:sld>
+</file>
+
+<file path=ppt/slides/slide18.xml><?xml version="1.0" encoding="utf-8"?>
+<p:sld xmlns:a="http://schemas.openxmlformats.org/drawingml/2006/main" xmlns:r="http://schemas.openxmlformats.org/officeDocument/2006/relationships" xmlns:p="http://schemas.openxmlformats.org/presentationml/2006/main">
+  <p:cSld>
+    <p:spTree>
+      <p:nvGrpSpPr>
+        <p:cNvPr id="1" name=""/>
+        <p:cNvGrpSpPr/>
+        <p:nvPr/>
+      </p:nvGrpSpPr>
+      <p:grpSpPr>
+        <a:xfrm>
+          <a:off x="0" y="0"/>
+          <a:ext cx="0" cy="0"/>
+          <a:chOff x="0" y="0"/>
+          <a:chExt cx="0" cy="0"/>
+        </a:xfrm>
+      </p:grpSpPr>
+      <p:sp>
+        <p:nvSpPr>
+          <p:cNvPr id="2" name="Title 1"/>
+          <p:cNvSpPr>
+            <a:spLocks noGrp="1"/>
+          </p:cNvSpPr>
+          <p:nvPr>
+            <p:ph type="title"/>
+          </p:nvPr>
+        </p:nvSpPr>
+        <p:spPr/>
+        <p:txBody>
+          <a:bodyPr/>
+          <a:lstStyle/>
+          <a:p>
+            <a:r>
+              <a:rPr lang="en-US" dirty="0"/>
               <a:t>A valid Pet with a name</a:t>
             </a:r>
           </a:p>
@@ -9604,7 +10060,7 @@
 </p:sld>
 </file>
 
-<file path=ppt/slides/slide17.xml><?xml version="1.0" encoding="utf-8"?>
+<file path=ppt/slides/slide19.xml><?xml version="1.0" encoding="utf-8"?>
 <p:sld xmlns:a="http://schemas.openxmlformats.org/drawingml/2006/main" xmlns:r="http://schemas.openxmlformats.org/officeDocument/2006/relationships" xmlns:p="http://schemas.openxmlformats.org/presentationml/2006/main">
   <p:cSld>
     <p:spTree>
@@ -10051,7 +10507,7 @@
 </p:sld>
 </file>
 
-<file path=ppt/slides/slide18.xml><?xml version="1.0" encoding="utf-8"?>
+<file path=ppt/slides/slide2.xml><?xml version="1.0" encoding="utf-8"?>
 <p:sld xmlns:a="http://schemas.openxmlformats.org/drawingml/2006/main" xmlns:r="http://schemas.openxmlformats.org/officeDocument/2006/relationships" xmlns:p="http://schemas.openxmlformats.org/presentationml/2006/main">
   <p:cSld>
     <p:spTree>
@@ -10084,6 +10540,117 @@
           <a:lstStyle/>
           <a:p>
             <a:r>
+              <a:rPr lang="en-US" dirty="0"/>
+              <a:t>Object-Oriented Programming</a:t>
+            </a:r>
+          </a:p>
+        </p:txBody>
+      </p:sp>
+      <p:sp>
+        <p:nvSpPr>
+          <p:cNvPr id="3" name="Content Placeholder 2"/>
+          <p:cNvSpPr>
+            <a:spLocks noGrp="1"/>
+          </p:cNvSpPr>
+          <p:nvPr>
+            <p:ph idx="1"/>
+          </p:nvPr>
+        </p:nvSpPr>
+        <p:spPr/>
+        <p:txBody>
+          <a:bodyPr/>
+          <a:lstStyle/>
+          <a:p>
+            <a:r>
+              <a:rPr lang="en-US" dirty="0"/>
+              <a:t>The </a:t>
+            </a:r>
+            <a:r>
+              <a:rPr lang="en-US" b="1" dirty="0"/>
+              <a:t>three pillars </a:t>
+            </a:r>
+            <a:r>
+              <a:rPr lang="en-US" dirty="0"/>
+              <a:t>of </a:t>
+            </a:r>
+            <a:r>
+              <a:rPr lang="en-US" b="1" dirty="0"/>
+              <a:t>Object-Oriented Programming</a:t>
+            </a:r>
+          </a:p>
+          <a:p>
+            <a:pPr lvl="1"/>
+            <a:r>
+              <a:rPr lang="en-US" dirty="0"/>
+              <a:t>Encapsulation (already covered)</a:t>
+            </a:r>
+          </a:p>
+          <a:p>
+            <a:pPr lvl="1"/>
+            <a:r>
+              <a:rPr lang="en-US" dirty="0"/>
+              <a:t>Polymorphism (start idea today)</a:t>
+            </a:r>
+          </a:p>
+          <a:p>
+            <a:pPr lvl="1"/>
+            <a:r>
+              <a:rPr lang="en-US" dirty="0"/>
+              <a:t>Inheritance (next week)</a:t>
+            </a:r>
+          </a:p>
+          <a:p>
+            <a:pPr lvl="1"/>
+            <a:endParaRPr lang="en-US" dirty="0"/>
+          </a:p>
+        </p:txBody>
+      </p:sp>
+    </p:spTree>
+    <p:extLst>
+      <p:ext uri="{BB962C8B-B14F-4D97-AF65-F5344CB8AC3E}">
+        <p14:creationId xmlns:p14="http://schemas.microsoft.com/office/powerpoint/2010/main" val="1779397205"/>
+      </p:ext>
+    </p:extLst>
+  </p:cSld>
+  <p:clrMapOvr>
+    <a:masterClrMapping/>
+  </p:clrMapOvr>
+</p:sld>
+</file>
+
+<file path=ppt/slides/slide20.xml><?xml version="1.0" encoding="utf-8"?>
+<p:sld xmlns:a="http://schemas.openxmlformats.org/drawingml/2006/main" xmlns:r="http://schemas.openxmlformats.org/officeDocument/2006/relationships" xmlns:p="http://schemas.openxmlformats.org/presentationml/2006/main">
+  <p:cSld>
+    <p:spTree>
+      <p:nvGrpSpPr>
+        <p:cNvPr id="1" name=""/>
+        <p:cNvGrpSpPr/>
+        <p:nvPr/>
+      </p:nvGrpSpPr>
+      <p:grpSpPr>
+        <a:xfrm>
+          <a:off x="0" y="0"/>
+          <a:ext cx="0" cy="0"/>
+          <a:chOff x="0" y="0"/>
+          <a:chExt cx="0" cy="0"/>
+        </a:xfrm>
+      </p:grpSpPr>
+      <p:sp>
+        <p:nvSpPr>
+          <p:cNvPr id="2" name="Title 1"/>
+          <p:cNvSpPr>
+            <a:spLocks noGrp="1"/>
+          </p:cNvSpPr>
+          <p:nvPr>
+            <p:ph type="title"/>
+          </p:nvPr>
+        </p:nvSpPr>
+        <p:spPr/>
+        <p:txBody>
+          <a:bodyPr/>
+          <a:lstStyle/>
+          <a:p>
+            <a:r>
               <a:rPr lang="en-US" dirty="0" err="1"/>
               <a:t>NumberSequence</a:t>
             </a:r>
@@ -10126,7 +10693,7 @@
 </p:sld>
 </file>
 
-<file path=ppt/slides/slide19.xml><?xml version="1.0" encoding="utf-8"?>
+<file path=ppt/slides/slide21.xml><?xml version="1.0" encoding="utf-8"?>
 <p:sld xmlns:a="http://schemas.openxmlformats.org/drawingml/2006/main" xmlns:r="http://schemas.openxmlformats.org/officeDocument/2006/relationships" xmlns:p="http://schemas.openxmlformats.org/presentationml/2006/main">
   <p:cSld>
     <p:spTree>
@@ -10430,118 +10997,7 @@
 </p:sld>
 </file>
 
-<file path=ppt/slides/slide2.xml><?xml version="1.0" encoding="utf-8"?>
-<p:sld xmlns:a="http://schemas.openxmlformats.org/drawingml/2006/main" xmlns:r="http://schemas.openxmlformats.org/officeDocument/2006/relationships" xmlns:p="http://schemas.openxmlformats.org/presentationml/2006/main">
-  <p:cSld>
-    <p:spTree>
-      <p:nvGrpSpPr>
-        <p:cNvPr id="1" name=""/>
-        <p:cNvGrpSpPr/>
-        <p:nvPr/>
-      </p:nvGrpSpPr>
-      <p:grpSpPr>
-        <a:xfrm>
-          <a:off x="0" y="0"/>
-          <a:ext cx="0" cy="0"/>
-          <a:chOff x="0" y="0"/>
-          <a:chExt cx="0" cy="0"/>
-        </a:xfrm>
-      </p:grpSpPr>
-      <p:sp>
-        <p:nvSpPr>
-          <p:cNvPr id="2" name="Title 1"/>
-          <p:cNvSpPr>
-            <a:spLocks noGrp="1"/>
-          </p:cNvSpPr>
-          <p:nvPr>
-            <p:ph type="title"/>
-          </p:nvPr>
-        </p:nvSpPr>
-        <p:spPr/>
-        <p:txBody>
-          <a:bodyPr/>
-          <a:lstStyle/>
-          <a:p>
-            <a:r>
-              <a:rPr lang="en-US" dirty="0"/>
-              <a:t>Object-Oriented Programming</a:t>
-            </a:r>
-          </a:p>
-        </p:txBody>
-      </p:sp>
-      <p:sp>
-        <p:nvSpPr>
-          <p:cNvPr id="3" name="Content Placeholder 2"/>
-          <p:cNvSpPr>
-            <a:spLocks noGrp="1"/>
-          </p:cNvSpPr>
-          <p:nvPr>
-            <p:ph idx="1"/>
-          </p:nvPr>
-        </p:nvSpPr>
-        <p:spPr/>
-        <p:txBody>
-          <a:bodyPr/>
-          <a:lstStyle/>
-          <a:p>
-            <a:r>
-              <a:rPr lang="en-US" dirty="0"/>
-              <a:t>The </a:t>
-            </a:r>
-            <a:r>
-              <a:rPr lang="en-US" b="1" dirty="0"/>
-              <a:t>three pillars </a:t>
-            </a:r>
-            <a:r>
-              <a:rPr lang="en-US" dirty="0"/>
-              <a:t>of </a:t>
-            </a:r>
-            <a:r>
-              <a:rPr lang="en-US" b="1" dirty="0"/>
-              <a:t>Object-Oriented Programming</a:t>
-            </a:r>
-          </a:p>
-          <a:p>
-            <a:pPr lvl="1"/>
-            <a:r>
-              <a:rPr lang="en-US" dirty="0"/>
-              <a:t>Encapsulation (already covered)</a:t>
-            </a:r>
-          </a:p>
-          <a:p>
-            <a:pPr lvl="1"/>
-            <a:r>
-              <a:rPr lang="en-US" dirty="0"/>
-              <a:t>Polymorphism (start idea today)</a:t>
-            </a:r>
-          </a:p>
-          <a:p>
-            <a:pPr lvl="1"/>
-            <a:r>
-              <a:rPr lang="en-US" dirty="0"/>
-              <a:t>Inheritance (next week)</a:t>
-            </a:r>
-          </a:p>
-          <a:p>
-            <a:pPr lvl="1"/>
-            <a:endParaRPr lang="en-US" dirty="0"/>
-          </a:p>
-        </p:txBody>
-      </p:sp>
-    </p:spTree>
-    <p:extLst>
-      <p:ext uri="{BB962C8B-B14F-4D97-AF65-F5344CB8AC3E}">
-        <p14:creationId xmlns:p14="http://schemas.microsoft.com/office/powerpoint/2010/main" val="1779397205"/>
-      </p:ext>
-    </p:extLst>
-  </p:cSld>
-  <p:clrMapOvr>
-    <a:masterClrMapping/>
-  </p:clrMapOvr>
-</p:sld>
-</file>
-
-<file path=ppt/slides/slide20.xml><?xml version="1.0" encoding="utf-8"?>
+<file path=ppt/slides/slide22.xml><?xml version="1.0" encoding="utf-8"?>
 <p:sld xmlns:a="http://schemas.openxmlformats.org/drawingml/2006/main" xmlns:r="http://schemas.openxmlformats.org/officeDocument/2006/relationships" xmlns:p="http://schemas.openxmlformats.org/presentationml/2006/main">
   <p:cSld>
     <p:spTree>
@@ -10685,7 +11141,7 @@
 </p:sld>
 </file>
 
-<file path=ppt/slides/slide21.xml><?xml version="1.0" encoding="utf-8"?>
+<file path=ppt/slides/slide23.xml><?xml version="1.0" encoding="utf-8"?>
 <p:sld xmlns:a="http://schemas.openxmlformats.org/drawingml/2006/main" xmlns:r="http://schemas.openxmlformats.org/officeDocument/2006/relationships" xmlns:p="http://schemas.openxmlformats.org/presentationml/2006/main">
   <p:cSld>
     <p:spTree>
@@ -11286,7 +11742,7 @@
 </p:sld>
 </file>
 
-<file path=ppt/slides/slide22.xml><?xml version="1.0" encoding="utf-8"?>
+<file path=ppt/slides/slide24.xml><?xml version="1.0" encoding="utf-8"?>
 <p:sld xmlns:a="http://schemas.openxmlformats.org/drawingml/2006/main" xmlns:r="http://schemas.openxmlformats.org/officeDocument/2006/relationships" xmlns:p="http://schemas.openxmlformats.org/presentationml/2006/main">
   <p:cSld>
     <p:spTree>
@@ -11665,7 +12121,7 @@
 </p:sld>
 </file>
 
-<file path=ppt/slides/slide23.xml><?xml version="1.0" encoding="utf-8"?>
+<file path=ppt/slides/slide25.xml><?xml version="1.0" encoding="utf-8"?>
 <p:sld xmlns:a="http://schemas.openxmlformats.org/drawingml/2006/main" xmlns:r="http://schemas.openxmlformats.org/officeDocument/2006/relationships" xmlns:p="http://schemas.openxmlformats.org/presentationml/2006/main">
   <p:cSld>
     <p:spTree>
@@ -11865,7 +12321,7 @@
 </p:sld>
 </file>
 
-<file path=ppt/slides/slide24.xml><?xml version="1.0" encoding="utf-8"?>
+<file path=ppt/slides/slide26.xml><?xml version="1.0" encoding="utf-8"?>
 <p:sld xmlns:a="http://schemas.openxmlformats.org/drawingml/2006/main" xmlns:r="http://schemas.openxmlformats.org/officeDocument/2006/relationships" xmlns:p="http://schemas.openxmlformats.org/presentationml/2006/main">
   <p:cSld>
     <p:spTree>

--- a/ClassMaterials/Interfaces/Slides/Interfaces.pptx
+++ b/ClassMaterials/Interfaces/Slides/Interfaces.pptx
@@ -5,10 +5,10 @@
     <p:sldMasterId id="2147484251" r:id="rId1"/>
   </p:sldMasterIdLst>
   <p:notesMasterIdLst>
-    <p:notesMasterId r:id="rId29"/>
+    <p:notesMasterId r:id="rId30"/>
   </p:notesMasterIdLst>
   <p:handoutMasterIdLst>
-    <p:handoutMasterId r:id="rId30"/>
+    <p:handoutMasterId r:id="rId31"/>
   </p:handoutMasterIdLst>
   <p:sldIdLst>
     <p:sldId id="256" r:id="rId2"/>
@@ -17,27 +17,28 @@
     <p:sldId id="290" r:id="rId5"/>
     <p:sldId id="297" r:id="rId6"/>
     <p:sldId id="298" r:id="rId7"/>
-    <p:sldId id="299" r:id="rId8"/>
-    <p:sldId id="300" r:id="rId9"/>
-    <p:sldId id="291" r:id="rId10"/>
-    <p:sldId id="301" r:id="rId11"/>
-    <p:sldId id="302" r:id="rId12"/>
-    <p:sldId id="303" r:id="rId13"/>
-    <p:sldId id="307" r:id="rId14"/>
-    <p:sldId id="292" r:id="rId15"/>
-    <p:sldId id="304" r:id="rId16"/>
-    <p:sldId id="305" r:id="rId17"/>
-    <p:sldId id="306" r:id="rId18"/>
-    <p:sldId id="293" r:id="rId19"/>
-    <p:sldId id="294" r:id="rId20"/>
-    <p:sldId id="295" r:id="rId21"/>
-    <p:sldId id="296" r:id="rId22"/>
-    <p:sldId id="272" r:id="rId23"/>
-    <p:sldId id="273" r:id="rId24"/>
-    <p:sldId id="288" r:id="rId25"/>
-    <p:sldId id="274" r:id="rId26"/>
-    <p:sldId id="282" r:id="rId27"/>
-    <p:sldId id="275" r:id="rId28"/>
+    <p:sldId id="308" r:id="rId8"/>
+    <p:sldId id="299" r:id="rId9"/>
+    <p:sldId id="300" r:id="rId10"/>
+    <p:sldId id="291" r:id="rId11"/>
+    <p:sldId id="301" r:id="rId12"/>
+    <p:sldId id="302" r:id="rId13"/>
+    <p:sldId id="303" r:id="rId14"/>
+    <p:sldId id="307" r:id="rId15"/>
+    <p:sldId id="292" r:id="rId16"/>
+    <p:sldId id="304" r:id="rId17"/>
+    <p:sldId id="305" r:id="rId18"/>
+    <p:sldId id="306" r:id="rId19"/>
+    <p:sldId id="293" r:id="rId20"/>
+    <p:sldId id="294" r:id="rId21"/>
+    <p:sldId id="295" r:id="rId22"/>
+    <p:sldId id="296" r:id="rId23"/>
+    <p:sldId id="272" r:id="rId24"/>
+    <p:sldId id="273" r:id="rId25"/>
+    <p:sldId id="288" r:id="rId26"/>
+    <p:sldId id="274" r:id="rId27"/>
+    <p:sldId id="282" r:id="rId28"/>
+    <p:sldId id="275" r:id="rId29"/>
   </p:sldIdLst>
   <p:sldSz cx="9144000" cy="6858000" type="screen4x3"/>
   <p:notesSz cx="7010400" cy="9296400"/>
@@ -302,7 +303,7 @@
               <a:pPr>
                 <a:defRPr/>
               </a:pPr>
-              <a:t>3/1/22</a:t>
+              <a:t>4/12/22</a:t>
             </a:fld>
             <a:endParaRPr lang="en-US"/>
           </a:p>
@@ -537,7 +538,7 @@
               <a:pPr>
                 <a:defRPr/>
               </a:pPr>
-              <a:t>3/1/22</a:t>
+              <a:t>4/12/22</a:t>
             </a:fld>
             <a:endParaRPr lang="en-US"/>
           </a:p>
@@ -920,7 +921,7 @@
           </a:ln>
           <a:extLst>
             <a:ext uri="{909E8E84-426E-40dd-AFC4-6F175D3DCCD1}">
-              <a14:hiddenFill xmlns="" xmlns:a14="http://schemas.microsoft.com/office/drawing/2010/main">
+              <a14:hiddenFill xmlns:a14="http://schemas.microsoft.com/office/drawing/2010/main" xmlns="">
                 <a:solidFill>
                   <a:srgbClr val="FFFFFF"/>
                 </a:solidFill>
@@ -944,14 +945,14 @@
           <a:ln/>
           <a:extLst>
             <a:ext uri="{909E8E84-426E-40dd-AFC4-6F175D3DCCD1}">
-              <a14:hiddenFill xmlns="" xmlns:a14="http://schemas.microsoft.com/office/drawing/2010/main">
+              <a14:hiddenFill xmlns:a14="http://schemas.microsoft.com/office/drawing/2010/main" xmlns="">
                 <a:solidFill>
                   <a:srgbClr val="FFFFFF"/>
                 </a:solidFill>
               </a14:hiddenFill>
             </a:ext>
             <a:ext uri="{91240B29-F687-4f45-9708-019B960494DF}">
-              <a14:hiddenLine xmlns="" xmlns:a14="http://schemas.microsoft.com/office/drawing/2010/main" w="9525">
+              <a14:hiddenLine xmlns:a14="http://schemas.microsoft.com/office/drawing/2010/main" xmlns="" w="9525">
                 <a:solidFill>
                   <a:srgbClr val="000000"/>
                 </a:solidFill>
@@ -1115,14 +1116,14 @@
           <a:ln/>
           <a:extLst>
             <a:ext uri="{909E8E84-426E-40dd-AFC4-6F175D3DCCD1}">
-              <a14:hiddenFill xmlns="" xmlns:a14="http://schemas.microsoft.com/office/drawing/2010/main">
+              <a14:hiddenFill xmlns:a14="http://schemas.microsoft.com/office/drawing/2010/main" xmlns="">
                 <a:solidFill>
                   <a:srgbClr val="FFFFFF"/>
                 </a:solidFill>
               </a14:hiddenFill>
             </a:ext>
             <a:ext uri="{91240B29-F687-4f45-9708-019B960494DF}">
-              <a14:hiddenLine xmlns="" xmlns:a14="http://schemas.microsoft.com/office/drawing/2010/main" w="9525">
+              <a14:hiddenLine xmlns:a14="http://schemas.microsoft.com/office/drawing/2010/main" xmlns="" w="9525">
                 <a:solidFill>
                   <a:srgbClr val="000000"/>
                 </a:solidFill>
@@ -1289,6 +1290,110 @@
       </p:grpSpPr>
       <p:sp>
         <p:nvSpPr>
+          <p:cNvPr id="2" name="Slide Image Placeholder 1"/>
+          <p:cNvSpPr>
+            <a:spLocks noGrp="1" noRot="1" noChangeAspect="1"/>
+          </p:cNvSpPr>
+          <p:nvPr>
+            <p:ph type="sldImg"/>
+          </p:nvPr>
+        </p:nvSpPr>
+        <p:spPr/>
+      </p:sp>
+      <p:sp>
+        <p:nvSpPr>
+          <p:cNvPr id="3" name="Notes Placeholder 2"/>
+          <p:cNvSpPr>
+            <a:spLocks noGrp="1"/>
+          </p:cNvSpPr>
+          <p:nvPr>
+            <p:ph type="body" idx="1"/>
+          </p:nvPr>
+        </p:nvSpPr>
+        <p:spPr/>
+        <p:txBody>
+          <a:bodyPr/>
+          <a:lstStyle/>
+          <a:p>
+            <a:r>
+              <a:rPr lang="en-US" dirty="0"/>
+              <a:t>Imagine</a:t>
+            </a:r>
+            <a:r>
+              <a:rPr lang="en-US" baseline="0" dirty="0"/>
+              <a:t> three different people developed these three classes. We have a scale simulator where we write code to compare/weigh things. </a:t>
+            </a:r>
+          </a:p>
+          <a:p>
+            <a:r>
+              <a:rPr lang="en-US" baseline="0" dirty="0"/>
+              <a:t>What if we wanted to compare all of them at the same time? </a:t>
+            </a:r>
+            <a:endParaRPr lang="en-US" dirty="0"/>
+          </a:p>
+        </p:txBody>
+      </p:sp>
+      <p:sp>
+        <p:nvSpPr>
+          <p:cNvPr id="4" name="Slide Number Placeholder 3"/>
+          <p:cNvSpPr>
+            <a:spLocks noGrp="1"/>
+          </p:cNvSpPr>
+          <p:nvPr>
+            <p:ph type="sldNum" sz="quarter" idx="10"/>
+          </p:nvPr>
+        </p:nvSpPr>
+        <p:spPr/>
+        <p:txBody>
+          <a:bodyPr/>
+          <a:lstStyle/>
+          <a:p>
+            <a:pPr>
+              <a:defRPr/>
+            </a:pPr>
+            <a:fld id="{3F6B6C2D-0897-4206-AD94-4D1FCFA82106}" type="slidenum">
+              <a:rPr lang="en-US" smtClean="0"/>
+              <a:pPr>
+                <a:defRPr/>
+              </a:pPr>
+              <a:t>11</a:t>
+            </a:fld>
+            <a:endParaRPr lang="en-US"/>
+          </a:p>
+        </p:txBody>
+      </p:sp>
+    </p:spTree>
+    <p:extLst>
+      <p:ext uri="{BB962C8B-B14F-4D97-AF65-F5344CB8AC3E}">
+        <p14:creationId xmlns:p14="http://schemas.microsoft.com/office/powerpoint/2010/main" val="3729646274"/>
+      </p:ext>
+    </p:extLst>
+  </p:cSld>
+  <p:clrMapOvr>
+    <a:masterClrMapping/>
+  </p:clrMapOvr>
+</p:notes>
+</file>
+
+<file path=ppt/notesSlides/notesSlide11.xml><?xml version="1.0" encoding="utf-8"?>
+<p:notes xmlns:a="http://schemas.openxmlformats.org/drawingml/2006/main" xmlns:r="http://schemas.openxmlformats.org/officeDocument/2006/relationships" xmlns:p="http://schemas.openxmlformats.org/presentationml/2006/main">
+  <p:cSld>
+    <p:spTree>
+      <p:nvGrpSpPr>
+        <p:cNvPr id="1" name=""/>
+        <p:cNvGrpSpPr/>
+        <p:nvPr/>
+      </p:nvGrpSpPr>
+      <p:grpSpPr>
+        <a:xfrm>
+          <a:off x="0" y="0"/>
+          <a:ext cx="0" cy="0"/>
+          <a:chOff x="0" y="0"/>
+          <a:chExt cx="0" cy="0"/>
+        </a:xfrm>
+      </p:grpSpPr>
+      <p:sp>
+        <p:nvSpPr>
           <p:cNvPr id="50178" name="Slide Image Placeholder 1"/>
           <p:cNvSpPr>
             <a:spLocks noGrp="1" noRot="1" noChangeAspect="1" noTextEdit="1"/>
@@ -1309,7 +1414,7 @@
           </a:ln>
           <a:extLst>
             <a:ext uri="{909E8E84-426E-40dd-AFC4-6F175D3DCCD1}">
-              <a14:hiddenFill xmlns="" xmlns:a14="http://schemas.microsoft.com/office/drawing/2010/main">
+              <a14:hiddenFill xmlns:a14="http://schemas.microsoft.com/office/drawing/2010/main" xmlns="">
                 <a:solidFill>
                   <a:srgbClr val="FFFFFF"/>
                 </a:solidFill>
@@ -1333,14 +1438,14 @@
           <a:ln/>
           <a:extLst>
             <a:ext uri="{909E8E84-426E-40dd-AFC4-6F175D3DCCD1}">
-              <a14:hiddenFill xmlns="" xmlns:a14="http://schemas.microsoft.com/office/drawing/2010/main">
+              <a14:hiddenFill xmlns:a14="http://schemas.microsoft.com/office/drawing/2010/main" xmlns="">
                 <a:solidFill>
                   <a:srgbClr val="FFFFFF"/>
                 </a:solidFill>
               </a14:hiddenFill>
             </a:ext>
             <a:ext uri="{91240B29-F687-4f45-9708-019B960494DF}">
-              <a14:hiddenLine xmlns="" xmlns:a14="http://schemas.microsoft.com/office/drawing/2010/main" w="9525">
+              <a14:hiddenLine xmlns:a14="http://schemas.microsoft.com/office/drawing/2010/main" xmlns="" w="9525">
                 <a:solidFill>
                   <a:srgbClr val="000000"/>
                 </a:solidFill>
@@ -1399,14 +1504,14 @@
           <a:ln/>
           <a:extLst>
             <a:ext uri="{909E8E84-426E-40dd-AFC4-6F175D3DCCD1}">
-              <a14:hiddenFill xmlns="" xmlns:a14="http://schemas.microsoft.com/office/drawing/2010/main">
+              <a14:hiddenFill xmlns:a14="http://schemas.microsoft.com/office/drawing/2010/main" xmlns="">
                 <a:solidFill>
                   <a:srgbClr val="FFFFFF"/>
                 </a:solidFill>
               </a14:hiddenFill>
             </a:ext>
             <a:ext uri="{91240B29-F687-4f45-9708-019B960494DF}">
-              <a14:hiddenLine xmlns="" xmlns:a14="http://schemas.microsoft.com/office/drawing/2010/main" w="9525">
+              <a14:hiddenLine xmlns:a14="http://schemas.microsoft.com/office/drawing/2010/main" xmlns="" w="9525">
                 <a:solidFill>
                   <a:srgbClr val="000000"/>
                 </a:solidFill>
@@ -1533,7 +1638,7 @@
                 <a:latin typeface="Calibri" pitchFamily="34" charset="0"/>
               </a:rPr>
               <a:pPr eaLnBrk="1" hangingPunct="1"/>
-              <a:t>11</a:t>
+              <a:t>12</a:t>
             </a:fld>
             <a:endParaRPr lang="en-US">
               <a:latin typeface="Calibri" pitchFamily="34" charset="0"/>
@@ -1545,118 +1650,6 @@
     <p:extLst>
       <p:ext uri="{BB962C8B-B14F-4D97-AF65-F5344CB8AC3E}">
         <p14:creationId xmlns:p14="http://schemas.microsoft.com/office/powerpoint/2010/main" val="3622782439"/>
-      </p:ext>
-    </p:extLst>
-  </p:cSld>
-  <p:clrMapOvr>
-    <a:masterClrMapping/>
-  </p:clrMapOvr>
-</p:notes>
-</file>
-
-<file path=ppt/notesSlides/notesSlide11.xml><?xml version="1.0" encoding="utf-8"?>
-<p:notes xmlns:a="http://schemas.openxmlformats.org/drawingml/2006/main" xmlns:r="http://schemas.openxmlformats.org/officeDocument/2006/relationships" xmlns:p="http://schemas.openxmlformats.org/presentationml/2006/main">
-  <p:cSld>
-    <p:spTree>
-      <p:nvGrpSpPr>
-        <p:cNvPr id="1" name=""/>
-        <p:cNvGrpSpPr/>
-        <p:nvPr/>
-      </p:nvGrpSpPr>
-      <p:grpSpPr>
-        <a:xfrm>
-          <a:off x="0" y="0"/>
-          <a:ext cx="0" cy="0"/>
-          <a:chOff x="0" y="0"/>
-          <a:chExt cx="0" cy="0"/>
-        </a:xfrm>
-      </p:grpSpPr>
-      <p:sp>
-        <p:nvSpPr>
-          <p:cNvPr id="2" name="Slide Image Placeholder 1"/>
-          <p:cNvSpPr>
-            <a:spLocks noGrp="1" noRot="1" noChangeAspect="1"/>
-          </p:cNvSpPr>
-          <p:nvPr>
-            <p:ph type="sldImg"/>
-          </p:nvPr>
-        </p:nvSpPr>
-        <p:spPr/>
-      </p:sp>
-      <p:sp>
-        <p:nvSpPr>
-          <p:cNvPr id="3" name="Notes Placeholder 2"/>
-          <p:cNvSpPr>
-            <a:spLocks noGrp="1"/>
-          </p:cNvSpPr>
-          <p:nvPr>
-            <p:ph type="body" idx="1"/>
-          </p:nvPr>
-        </p:nvSpPr>
-        <p:spPr/>
-        <p:txBody>
-          <a:bodyPr/>
-          <a:lstStyle/>
-          <a:p>
-            <a:r>
-              <a:rPr lang="en-US" dirty="0"/>
-              <a:t>From the </a:t>
-            </a:r>
-            <a:r>
-              <a:rPr lang="en-US" i="1" dirty="0"/>
-              <a:t>Interface</a:t>
-            </a:r>
-            <a:r>
-              <a:rPr lang="en-US" dirty="0"/>
-              <a:t> Eclipse project, </a:t>
-            </a:r>
-            <a:r>
-              <a:rPr lang="en-US" i="1" dirty="0" err="1"/>
-              <a:t>simpleExample</a:t>
-            </a:r>
-            <a:r>
-              <a:rPr lang="en-US" dirty="0"/>
-              <a:t> package</a:t>
-            </a:r>
-          </a:p>
-          <a:p>
-            <a:endParaRPr lang="en-US" dirty="0"/>
-          </a:p>
-        </p:txBody>
-      </p:sp>
-      <p:sp>
-        <p:nvSpPr>
-          <p:cNvPr id="4" name="Slide Number Placeholder 3"/>
-          <p:cNvSpPr>
-            <a:spLocks noGrp="1"/>
-          </p:cNvSpPr>
-          <p:nvPr>
-            <p:ph type="sldNum" sz="quarter" idx="5"/>
-          </p:nvPr>
-        </p:nvSpPr>
-        <p:spPr/>
-        <p:txBody>
-          <a:bodyPr/>
-          <a:lstStyle/>
-          <a:p>
-            <a:pPr>
-              <a:defRPr/>
-            </a:pPr>
-            <a:fld id="{3F6B6C2D-0897-4206-AD94-4D1FCFA82106}" type="slidenum">
-              <a:rPr lang="en-US" smtClean="0"/>
-              <a:pPr>
-                <a:defRPr/>
-              </a:pPr>
-              <a:t>12</a:t>
-            </a:fld>
-            <a:endParaRPr lang="en-US"/>
-          </a:p>
-        </p:txBody>
-      </p:sp>
-    </p:spTree>
-    <p:extLst>
-      <p:ext uri="{BB962C8B-B14F-4D97-AF65-F5344CB8AC3E}">
-        <p14:creationId xmlns:p14="http://schemas.microsoft.com/office/powerpoint/2010/main" val="3899258545"/>
       </p:ext>
     </p:extLst>
   </p:cSld>
@@ -1712,8 +1705,27 @@
           <a:p>
             <a:r>
               <a:rPr lang="en-US" dirty="0"/>
-              <a:t>Now that we have developed an interface, let’s implement the changes in code.</a:t>
-            </a:r>
+              <a:t>From the </a:t>
+            </a:r>
+            <a:r>
+              <a:rPr lang="en-US" i="1" dirty="0"/>
+              <a:t>Interface</a:t>
+            </a:r>
+            <a:r>
+              <a:rPr lang="en-US" dirty="0"/>
+              <a:t> Eclipse project, </a:t>
+            </a:r>
+            <a:r>
+              <a:rPr lang="en-US" i="1" dirty="0" err="1"/>
+              <a:t>simpleExample</a:t>
+            </a:r>
+            <a:r>
+              <a:rPr lang="en-US" dirty="0"/>
+              <a:t> package</a:t>
+            </a:r>
+          </a:p>
+          <a:p>
+            <a:endParaRPr lang="en-US" dirty="0"/>
           </a:p>
         </p:txBody>
       </p:sp>
@@ -1724,7 +1736,7 @@
             <a:spLocks noGrp="1"/>
           </p:cNvSpPr>
           <p:nvPr>
-            <p:ph type="sldNum" sz="quarter" idx="10"/>
+            <p:ph type="sldNum" sz="quarter" idx="5"/>
           </p:nvPr>
         </p:nvSpPr>
         <p:spPr/>
@@ -1749,7 +1761,7 @@
     </p:spTree>
     <p:extLst>
       <p:ext uri="{BB962C8B-B14F-4D97-AF65-F5344CB8AC3E}">
-        <p14:creationId xmlns:p14="http://schemas.microsoft.com/office/powerpoint/2010/main" val="3548877150"/>
+        <p14:creationId xmlns:p14="http://schemas.microsoft.com/office/powerpoint/2010/main" val="3899258545"/>
       </p:ext>
     </p:extLst>
   </p:cSld>
@@ -1805,41 +1817,7 @@
           <a:p>
             <a:r>
               <a:rPr lang="en-US" dirty="0"/>
-              <a:t>Name is an </a:t>
-            </a:r>
-            <a:r>
-              <a:rPr lang="en-US" b="1" dirty="0"/>
-              <a:t>implementation detail</a:t>
-            </a:r>
-            <a:r>
-              <a:rPr lang="en-US" dirty="0"/>
-              <a:t>.</a:t>
-            </a:r>
-          </a:p>
-          <a:p>
-            <a:r>
-              <a:rPr lang="en-US" dirty="0"/>
-              <a:t>It was needed to construct the Pet, not to </a:t>
-            </a:r>
-            <a:r>
-              <a:rPr lang="en-US" b="1" dirty="0"/>
-              <a:t>use </a:t>
-            </a:r>
-            <a:r>
-              <a:rPr lang="en-US" dirty="0"/>
-              <a:t>it.</a:t>
-            </a:r>
-          </a:p>
-          <a:p>
-            <a:r>
-              <a:rPr lang="en-US" dirty="0"/>
-              <a:t>Interfaces only describe how things are used, not how they are created.</a:t>
-            </a:r>
-          </a:p>
-          <a:p>
-            <a:r>
-              <a:rPr lang="en-US" dirty="0"/>
-              <a:t>Implementations, that is: classes that implement interfaces, describe how they are created.</a:t>
+              <a:t>Now that we have developed an interface, let’s implement the changes in code.</a:t>
             </a:r>
           </a:p>
         </p:txBody>
@@ -1867,7 +1845,7 @@
               <a:pPr>
                 <a:defRPr/>
               </a:pPr>
-              <a:t>19</a:t>
+              <a:t>14</a:t>
             </a:fld>
             <a:endParaRPr lang="en-US"/>
           </a:p>
@@ -1876,7 +1854,7 @@
     </p:spTree>
     <p:extLst>
       <p:ext uri="{BB962C8B-B14F-4D97-AF65-F5344CB8AC3E}">
-        <p14:creationId xmlns:p14="http://schemas.microsoft.com/office/powerpoint/2010/main" val="1314797174"/>
+        <p14:creationId xmlns:p14="http://schemas.microsoft.com/office/powerpoint/2010/main" val="3548877150"/>
       </p:ext>
     </p:extLst>
   </p:cSld>
@@ -1905,6 +1883,133 @@
       </p:grpSpPr>
       <p:sp>
         <p:nvSpPr>
+          <p:cNvPr id="2" name="Slide Image Placeholder 1"/>
+          <p:cNvSpPr>
+            <a:spLocks noGrp="1" noRot="1" noChangeAspect="1"/>
+          </p:cNvSpPr>
+          <p:nvPr>
+            <p:ph type="sldImg"/>
+          </p:nvPr>
+        </p:nvSpPr>
+        <p:spPr/>
+      </p:sp>
+      <p:sp>
+        <p:nvSpPr>
+          <p:cNvPr id="3" name="Notes Placeholder 2"/>
+          <p:cNvSpPr>
+            <a:spLocks noGrp="1"/>
+          </p:cNvSpPr>
+          <p:nvPr>
+            <p:ph type="body" idx="1"/>
+          </p:nvPr>
+        </p:nvSpPr>
+        <p:spPr/>
+        <p:txBody>
+          <a:bodyPr/>
+          <a:lstStyle/>
+          <a:p>
+            <a:r>
+              <a:rPr lang="en-US" dirty="0"/>
+              <a:t>Name is an </a:t>
+            </a:r>
+            <a:r>
+              <a:rPr lang="en-US" b="1" dirty="0"/>
+              <a:t>implementation detail</a:t>
+            </a:r>
+            <a:r>
+              <a:rPr lang="en-US" dirty="0"/>
+              <a:t>.</a:t>
+            </a:r>
+          </a:p>
+          <a:p>
+            <a:r>
+              <a:rPr lang="en-US" dirty="0"/>
+              <a:t>It was needed to construct the Pet, not to </a:t>
+            </a:r>
+            <a:r>
+              <a:rPr lang="en-US" b="1" dirty="0"/>
+              <a:t>use </a:t>
+            </a:r>
+            <a:r>
+              <a:rPr lang="en-US" dirty="0"/>
+              <a:t>it.</a:t>
+            </a:r>
+          </a:p>
+          <a:p>
+            <a:r>
+              <a:rPr lang="en-US" dirty="0"/>
+              <a:t>Interfaces only describe how things are used, not how they are created.</a:t>
+            </a:r>
+          </a:p>
+          <a:p>
+            <a:r>
+              <a:rPr lang="en-US" dirty="0"/>
+              <a:t>Implementations, that is: classes that implement interfaces, describe how they are created.</a:t>
+            </a:r>
+          </a:p>
+        </p:txBody>
+      </p:sp>
+      <p:sp>
+        <p:nvSpPr>
+          <p:cNvPr id="4" name="Slide Number Placeholder 3"/>
+          <p:cNvSpPr>
+            <a:spLocks noGrp="1"/>
+          </p:cNvSpPr>
+          <p:nvPr>
+            <p:ph type="sldNum" sz="quarter" idx="10"/>
+          </p:nvPr>
+        </p:nvSpPr>
+        <p:spPr/>
+        <p:txBody>
+          <a:bodyPr/>
+          <a:lstStyle/>
+          <a:p>
+            <a:pPr>
+              <a:defRPr/>
+            </a:pPr>
+            <a:fld id="{3F6B6C2D-0897-4206-AD94-4D1FCFA82106}" type="slidenum">
+              <a:rPr lang="en-US" smtClean="0"/>
+              <a:pPr>
+                <a:defRPr/>
+              </a:pPr>
+              <a:t>20</a:t>
+            </a:fld>
+            <a:endParaRPr lang="en-US"/>
+          </a:p>
+        </p:txBody>
+      </p:sp>
+    </p:spTree>
+    <p:extLst>
+      <p:ext uri="{BB962C8B-B14F-4D97-AF65-F5344CB8AC3E}">
+        <p14:creationId xmlns:p14="http://schemas.microsoft.com/office/powerpoint/2010/main" val="1314797174"/>
+      </p:ext>
+    </p:extLst>
+  </p:cSld>
+  <p:clrMapOvr>
+    <a:masterClrMapping/>
+  </p:clrMapOvr>
+</p:notes>
+</file>
+
+<file path=ppt/notesSlides/notesSlide15.xml><?xml version="1.0" encoding="utf-8"?>
+<p:notes xmlns:a="http://schemas.openxmlformats.org/drawingml/2006/main" xmlns:r="http://schemas.openxmlformats.org/officeDocument/2006/relationships" xmlns:p="http://schemas.openxmlformats.org/presentationml/2006/main">
+  <p:cSld>
+    <p:spTree>
+      <p:nvGrpSpPr>
+        <p:cNvPr id="1" name=""/>
+        <p:cNvGrpSpPr/>
+        <p:nvPr/>
+      </p:nvGrpSpPr>
+      <p:grpSpPr>
+        <a:xfrm>
+          <a:off x="0" y="0"/>
+          <a:ext cx="0" cy="0"/>
+          <a:chOff x="0" y="0"/>
+          <a:chExt cx="0" cy="0"/>
+        </a:xfrm>
+      </p:grpSpPr>
+      <p:sp>
+        <p:nvSpPr>
           <p:cNvPr id="53250" name="Slide Image Placeholder 1"/>
           <p:cNvSpPr>
             <a:spLocks noGrp="1" noRot="1" noChangeAspect="1" noTextEdit="1"/>
@@ -1925,7 +2030,7 @@
           </a:ln>
           <a:extLst>
             <a:ext uri="{909E8E84-426E-40dd-AFC4-6F175D3DCCD1}">
-              <a14:hiddenFill xmlns="" xmlns:a14="http://schemas.microsoft.com/office/drawing/2010/main">
+              <a14:hiddenFill xmlns:a14="http://schemas.microsoft.com/office/drawing/2010/main" xmlns="">
                 <a:solidFill>
                   <a:srgbClr val="FFFFFF"/>
                 </a:solidFill>
@@ -1949,14 +2054,14 @@
           <a:ln/>
           <a:extLst>
             <a:ext uri="{909E8E84-426E-40dd-AFC4-6F175D3DCCD1}">
-              <a14:hiddenFill xmlns="" xmlns:a14="http://schemas.microsoft.com/office/drawing/2010/main">
+              <a14:hiddenFill xmlns:a14="http://schemas.microsoft.com/office/drawing/2010/main" xmlns="">
                 <a:solidFill>
                   <a:srgbClr val="FFFFFF"/>
                 </a:solidFill>
               </a14:hiddenFill>
             </a:ext>
             <a:ext uri="{91240B29-F687-4f45-9708-019B960494DF}">
-              <a14:hiddenLine xmlns="" xmlns:a14="http://schemas.microsoft.com/office/drawing/2010/main" w="9525">
+              <a14:hiddenLine xmlns:a14="http://schemas.microsoft.com/office/drawing/2010/main" xmlns="" w="9525">
                 <a:solidFill>
                   <a:srgbClr val="000000"/>
                 </a:solidFill>
@@ -1993,14 +2098,14 @@
           <a:ln/>
           <a:extLst>
             <a:ext uri="{909E8E84-426E-40dd-AFC4-6F175D3DCCD1}">
-              <a14:hiddenFill xmlns="" xmlns:a14="http://schemas.microsoft.com/office/drawing/2010/main">
+              <a14:hiddenFill xmlns:a14="http://schemas.microsoft.com/office/drawing/2010/main" xmlns="">
                 <a:solidFill>
                   <a:srgbClr val="FFFFFF"/>
                 </a:solidFill>
               </a14:hiddenFill>
             </a:ext>
             <a:ext uri="{91240B29-F687-4f45-9708-019B960494DF}">
-              <a14:hiddenLine xmlns="" xmlns:a14="http://schemas.microsoft.com/office/drawing/2010/main" w="9525">
+              <a14:hiddenLine xmlns:a14="http://schemas.microsoft.com/office/drawing/2010/main" xmlns="" w="9525">
                 <a:solidFill>
                   <a:srgbClr val="000000"/>
                 </a:solidFill>
@@ -2127,7 +2232,7 @@
                 <a:latin typeface="Calibri" pitchFamily="34" charset="0"/>
               </a:rPr>
               <a:pPr eaLnBrk="1" hangingPunct="1"/>
-              <a:t>21</a:t>
+              <a:t>22</a:t>
             </a:fld>
             <a:endParaRPr lang="en-US">
               <a:latin typeface="Calibri" pitchFamily="34" charset="0"/>
@@ -2139,123 +2244,6 @@
     <p:extLst>
       <p:ext uri="{BB962C8B-B14F-4D97-AF65-F5344CB8AC3E}">
         <p14:creationId xmlns:p14="http://schemas.microsoft.com/office/powerpoint/2010/main" val="370682793"/>
-      </p:ext>
-    </p:extLst>
-  </p:cSld>
-  <p:clrMapOvr>
-    <a:masterClrMapping/>
-  </p:clrMapOvr>
-</p:notes>
-</file>
-
-<file path=ppt/notesSlides/notesSlide15.xml><?xml version="1.0" encoding="utf-8"?>
-<p:notes xmlns:a="http://schemas.openxmlformats.org/drawingml/2006/main" xmlns:r="http://schemas.openxmlformats.org/officeDocument/2006/relationships" xmlns:p="http://schemas.openxmlformats.org/presentationml/2006/main">
-  <p:cSld>
-    <p:spTree>
-      <p:nvGrpSpPr>
-        <p:cNvPr id="1" name=""/>
-        <p:cNvGrpSpPr/>
-        <p:nvPr/>
-      </p:nvGrpSpPr>
-      <p:grpSpPr>
-        <a:xfrm>
-          <a:off x="0" y="0"/>
-          <a:ext cx="0" cy="0"/>
-          <a:chOff x="0" y="0"/>
-          <a:chExt cx="0" cy="0"/>
-        </a:xfrm>
-      </p:grpSpPr>
-      <p:sp>
-        <p:nvSpPr>
-          <p:cNvPr id="2" name="Slide Image Placeholder 1"/>
-          <p:cNvSpPr>
-            <a:spLocks noGrp="1" noRot="1" noChangeAspect="1"/>
-          </p:cNvSpPr>
-          <p:nvPr>
-            <p:ph type="sldImg"/>
-          </p:nvPr>
-        </p:nvSpPr>
-        <p:spPr/>
-      </p:sp>
-      <p:sp>
-        <p:nvSpPr>
-          <p:cNvPr id="3" name="Notes Placeholder 2"/>
-          <p:cNvSpPr>
-            <a:spLocks noGrp="1"/>
-          </p:cNvSpPr>
-          <p:nvPr>
-            <p:ph type="body" idx="1"/>
-          </p:nvPr>
-        </p:nvSpPr>
-        <p:spPr/>
-        <p:txBody>
-          <a:bodyPr/>
-          <a:lstStyle/>
-          <a:p>
-            <a:r>
-              <a:rPr lang="en-US" dirty="0"/>
-              <a:t>Leading</a:t>
-            </a:r>
-            <a:r>
-              <a:rPr lang="en-US" baseline="0" dirty="0"/>
-              <a:t> questions to help:</a:t>
-            </a:r>
-          </a:p>
-          <a:p>
-            <a:r>
-              <a:rPr lang="en-US" dirty="0"/>
-              <a:t>What do they all have in common? So what goes</a:t>
-            </a:r>
-            <a:r>
-              <a:rPr lang="en-US" baseline="0" dirty="0"/>
-              <a:t> in interface?</a:t>
-            </a:r>
-          </a:p>
-          <a:p>
-            <a:r>
-              <a:rPr lang="en-US" baseline="0" dirty="0"/>
-              <a:t>What can we do instead of the three feed methods?</a:t>
-            </a:r>
-            <a:endParaRPr lang="en-US" dirty="0"/>
-          </a:p>
-          <a:p>
-            <a:endParaRPr lang="en-US" dirty="0"/>
-          </a:p>
-        </p:txBody>
-      </p:sp>
-      <p:sp>
-        <p:nvSpPr>
-          <p:cNvPr id="4" name="Slide Number Placeholder 3"/>
-          <p:cNvSpPr>
-            <a:spLocks noGrp="1"/>
-          </p:cNvSpPr>
-          <p:nvPr>
-            <p:ph type="sldNum" sz="quarter" idx="10"/>
-          </p:nvPr>
-        </p:nvSpPr>
-        <p:spPr/>
-        <p:txBody>
-          <a:bodyPr/>
-          <a:lstStyle/>
-          <a:p>
-            <a:pPr>
-              <a:defRPr/>
-            </a:pPr>
-            <a:fld id="{3F6B6C2D-0897-4206-AD94-4D1FCFA82106}" type="slidenum">
-              <a:rPr lang="en-US" smtClean="0"/>
-              <a:pPr>
-                <a:defRPr/>
-              </a:pPr>
-              <a:t>22</a:t>
-            </a:fld>
-            <a:endParaRPr lang="en-US"/>
-          </a:p>
-        </p:txBody>
-      </p:sp>
-    </p:spTree>
-    <p:extLst>
-      <p:ext uri="{BB962C8B-B14F-4D97-AF65-F5344CB8AC3E}">
-        <p14:creationId xmlns:p14="http://schemas.microsoft.com/office/powerpoint/2010/main" val="1618804258"/>
       </p:ext>
     </p:extLst>
   </p:cSld>
@@ -2311,8 +2299,32 @@
           <a:p>
             <a:r>
               <a:rPr lang="en-US" dirty="0"/>
-              <a:t>Now that we have developed an interface, let’s implement the changes in code.</a:t>
-            </a:r>
+              <a:t>Leading</a:t>
+            </a:r>
+            <a:r>
+              <a:rPr lang="en-US" baseline="0" dirty="0"/>
+              <a:t> questions to help:</a:t>
+            </a:r>
+          </a:p>
+          <a:p>
+            <a:r>
+              <a:rPr lang="en-US" dirty="0"/>
+              <a:t>What do they all have in common? So what goes</a:t>
+            </a:r>
+            <a:r>
+              <a:rPr lang="en-US" baseline="0" dirty="0"/>
+              <a:t> in interface?</a:t>
+            </a:r>
+          </a:p>
+          <a:p>
+            <a:r>
+              <a:rPr lang="en-US" baseline="0" dirty="0"/>
+              <a:t>What can we do instead of the three feed methods?</a:t>
+            </a:r>
+            <a:endParaRPr lang="en-US" dirty="0"/>
+          </a:p>
+          <a:p>
+            <a:endParaRPr lang="en-US" dirty="0"/>
           </a:p>
         </p:txBody>
       </p:sp>
@@ -2348,7 +2360,7 @@
     </p:spTree>
     <p:extLst>
       <p:ext uri="{BB962C8B-B14F-4D97-AF65-F5344CB8AC3E}">
-        <p14:creationId xmlns:p14="http://schemas.microsoft.com/office/powerpoint/2010/main" val="3584165380"/>
+        <p14:creationId xmlns:p14="http://schemas.microsoft.com/office/powerpoint/2010/main" val="1618804258"/>
       </p:ext>
     </p:extLst>
   </p:cSld>
@@ -2441,7 +2453,7 @@
     </p:spTree>
     <p:extLst>
       <p:ext uri="{BB962C8B-B14F-4D97-AF65-F5344CB8AC3E}">
-        <p14:creationId xmlns:p14="http://schemas.microsoft.com/office/powerpoint/2010/main" val="1317189948"/>
+        <p14:creationId xmlns:p14="http://schemas.microsoft.com/office/powerpoint/2010/main" val="3584165380"/>
       </p:ext>
     </p:extLst>
   </p:cSld>
@@ -2497,39 +2509,8 @@
           <a:p>
             <a:r>
               <a:rPr lang="en-US" dirty="0"/>
-              <a:t>If you find it helpful you can ask:</a:t>
-            </a:r>
-          </a:p>
-          <a:p>
-            <a:endParaRPr lang="en-US" dirty="0"/>
-          </a:p>
-          <a:p>
-            <a:r>
-              <a:rPr lang="en-US" dirty="0"/>
-              <a:t>If I run</a:t>
-            </a:r>
-            <a:r>
-              <a:rPr lang="en-US" baseline="0" dirty="0"/>
-              <a:t> “Pet p = new Dog();”</a:t>
-            </a:r>
-          </a:p>
-          <a:p>
-            <a:r>
-              <a:rPr lang="en-US" baseline="0" dirty="0"/>
-              <a:t>What is the type?  (confusion… Both?) </a:t>
-            </a:r>
-          </a:p>
-          <a:p>
-            <a:endParaRPr lang="en-US" dirty="0"/>
-          </a:p>
-          <a:p>
-            <a:r>
-              <a:rPr lang="en-US" dirty="0"/>
-              <a:t>There is a declared (Pet) and actual (Dog) type.</a:t>
-            </a:r>
-          </a:p>
-          <a:p>
-            <a:endParaRPr lang="en-US" dirty="0"/>
+              <a:t>Now that we have developed an interface, let’s implement the changes in code.</a:t>
+            </a:r>
           </a:p>
         </p:txBody>
       </p:sp>
@@ -2565,7 +2546,7 @@
     </p:spTree>
     <p:extLst>
       <p:ext uri="{BB962C8B-B14F-4D97-AF65-F5344CB8AC3E}">
-        <p14:creationId xmlns:p14="http://schemas.microsoft.com/office/powerpoint/2010/main" val="3886580324"/>
+        <p14:creationId xmlns:p14="http://schemas.microsoft.com/office/powerpoint/2010/main" val="1317189948"/>
       </p:ext>
     </p:extLst>
   </p:cSld>
@@ -2594,6 +2575,220 @@
       </p:grpSpPr>
       <p:sp>
         <p:nvSpPr>
+          <p:cNvPr id="2" name="Slide Image Placeholder 1"/>
+          <p:cNvSpPr>
+            <a:spLocks noGrp="1" noRot="1" noChangeAspect="1"/>
+          </p:cNvSpPr>
+          <p:nvPr>
+            <p:ph type="sldImg"/>
+          </p:nvPr>
+        </p:nvSpPr>
+        <p:spPr/>
+      </p:sp>
+      <p:sp>
+        <p:nvSpPr>
+          <p:cNvPr id="3" name="Notes Placeholder 2"/>
+          <p:cNvSpPr>
+            <a:spLocks noGrp="1"/>
+          </p:cNvSpPr>
+          <p:nvPr>
+            <p:ph type="body" idx="1"/>
+          </p:nvPr>
+        </p:nvSpPr>
+        <p:spPr/>
+        <p:txBody>
+          <a:bodyPr/>
+          <a:lstStyle/>
+          <a:p>
+            <a:r>
+              <a:rPr lang="en-US" dirty="0"/>
+              <a:t>If you find it helpful you can ask:</a:t>
+            </a:r>
+          </a:p>
+          <a:p>
+            <a:endParaRPr lang="en-US" dirty="0"/>
+          </a:p>
+          <a:p>
+            <a:r>
+              <a:rPr lang="en-US" dirty="0"/>
+              <a:t>If I run</a:t>
+            </a:r>
+            <a:r>
+              <a:rPr lang="en-US" baseline="0" dirty="0"/>
+              <a:t> “Pet p = new Dog();”</a:t>
+            </a:r>
+          </a:p>
+          <a:p>
+            <a:r>
+              <a:rPr lang="en-US" baseline="0" dirty="0"/>
+              <a:t>What is the type?  (confusion… Both?) </a:t>
+            </a:r>
+          </a:p>
+          <a:p>
+            <a:endParaRPr lang="en-US" dirty="0"/>
+          </a:p>
+          <a:p>
+            <a:r>
+              <a:rPr lang="en-US" dirty="0"/>
+              <a:t>There is a declared (Pet) and actual (Dog) type.</a:t>
+            </a:r>
+          </a:p>
+          <a:p>
+            <a:endParaRPr lang="en-US" dirty="0"/>
+          </a:p>
+        </p:txBody>
+      </p:sp>
+      <p:sp>
+        <p:nvSpPr>
+          <p:cNvPr id="4" name="Slide Number Placeholder 3"/>
+          <p:cNvSpPr>
+            <a:spLocks noGrp="1"/>
+          </p:cNvSpPr>
+          <p:nvPr>
+            <p:ph type="sldNum" sz="quarter" idx="10"/>
+          </p:nvPr>
+        </p:nvSpPr>
+        <p:spPr/>
+        <p:txBody>
+          <a:bodyPr/>
+          <a:lstStyle/>
+          <a:p>
+            <a:pPr>
+              <a:defRPr/>
+            </a:pPr>
+            <a:fld id="{3F6B6C2D-0897-4206-AD94-4D1FCFA82106}" type="slidenum">
+              <a:rPr lang="en-US" smtClean="0"/>
+              <a:pPr>
+                <a:defRPr/>
+              </a:pPr>
+              <a:t>26</a:t>
+            </a:fld>
+            <a:endParaRPr lang="en-US"/>
+          </a:p>
+        </p:txBody>
+      </p:sp>
+    </p:spTree>
+    <p:extLst>
+      <p:ext uri="{BB962C8B-B14F-4D97-AF65-F5344CB8AC3E}">
+        <p14:creationId xmlns:p14="http://schemas.microsoft.com/office/powerpoint/2010/main" val="3886580324"/>
+      </p:ext>
+    </p:extLst>
+  </p:cSld>
+  <p:clrMapOvr>
+    <a:masterClrMapping/>
+  </p:clrMapOvr>
+</p:notes>
+</file>
+
+<file path=ppt/notesSlides/notesSlide2.xml><?xml version="1.0" encoding="utf-8"?>
+<p:notes xmlns:a="http://schemas.openxmlformats.org/drawingml/2006/main" xmlns:r="http://schemas.openxmlformats.org/officeDocument/2006/relationships" xmlns:p="http://schemas.openxmlformats.org/presentationml/2006/main">
+  <p:cSld>
+    <p:spTree>
+      <p:nvGrpSpPr>
+        <p:cNvPr id="1" name=""/>
+        <p:cNvGrpSpPr/>
+        <p:nvPr/>
+      </p:nvGrpSpPr>
+      <p:grpSpPr>
+        <a:xfrm>
+          <a:off x="0" y="0"/>
+          <a:ext cx="0" cy="0"/>
+          <a:chOff x="0" y="0"/>
+          <a:chExt cx="0" cy="0"/>
+        </a:xfrm>
+      </p:grpSpPr>
+      <p:sp>
+        <p:nvSpPr>
+          <p:cNvPr id="2" name="Slide Image Placeholder 1"/>
+          <p:cNvSpPr>
+            <a:spLocks noGrp="1" noRot="1" noChangeAspect="1"/>
+          </p:cNvSpPr>
+          <p:nvPr>
+            <p:ph type="sldImg"/>
+          </p:nvPr>
+        </p:nvSpPr>
+        <p:spPr/>
+      </p:sp>
+      <p:sp>
+        <p:nvSpPr>
+          <p:cNvPr id="3" name="Notes Placeholder 2"/>
+          <p:cNvSpPr>
+            <a:spLocks noGrp="1"/>
+          </p:cNvSpPr>
+          <p:nvPr>
+            <p:ph type="body" idx="1"/>
+          </p:nvPr>
+        </p:nvSpPr>
+        <p:spPr/>
+        <p:txBody>
+          <a:bodyPr/>
+          <a:lstStyle/>
+          <a:p>
+            <a:endParaRPr lang="en-US" dirty="0"/>
+          </a:p>
+        </p:txBody>
+      </p:sp>
+      <p:sp>
+        <p:nvSpPr>
+          <p:cNvPr id="4" name="Slide Number Placeholder 3"/>
+          <p:cNvSpPr>
+            <a:spLocks noGrp="1"/>
+          </p:cNvSpPr>
+          <p:nvPr>
+            <p:ph type="sldNum" sz="quarter" idx="10"/>
+          </p:nvPr>
+        </p:nvSpPr>
+        <p:spPr/>
+        <p:txBody>
+          <a:bodyPr/>
+          <a:lstStyle/>
+          <a:p>
+            <a:pPr>
+              <a:defRPr/>
+            </a:pPr>
+            <a:fld id="{3F6B6C2D-0897-4206-AD94-4D1FCFA82106}" type="slidenum">
+              <a:rPr lang="en-US" smtClean="0"/>
+              <a:pPr>
+                <a:defRPr/>
+              </a:pPr>
+              <a:t>2</a:t>
+            </a:fld>
+            <a:endParaRPr lang="en-US"/>
+          </a:p>
+        </p:txBody>
+      </p:sp>
+    </p:spTree>
+    <p:extLst>
+      <p:ext uri="{BB962C8B-B14F-4D97-AF65-F5344CB8AC3E}">
+        <p14:creationId xmlns:p14="http://schemas.microsoft.com/office/powerpoint/2010/main" val="3413004475"/>
+      </p:ext>
+    </p:extLst>
+  </p:cSld>
+  <p:clrMapOvr>
+    <a:masterClrMapping/>
+  </p:clrMapOvr>
+</p:notes>
+</file>
+
+<file path=ppt/notesSlides/notesSlide20.xml><?xml version="1.0" encoding="utf-8"?>
+<p:notes xmlns:a="http://schemas.openxmlformats.org/drawingml/2006/main" xmlns:r="http://schemas.openxmlformats.org/officeDocument/2006/relationships" xmlns:p="http://schemas.openxmlformats.org/presentationml/2006/main">
+  <p:cSld>
+    <p:spTree>
+      <p:nvGrpSpPr>
+        <p:cNvPr id="1" name=""/>
+        <p:cNvGrpSpPr/>
+        <p:nvPr/>
+      </p:nvGrpSpPr>
+      <p:grpSpPr>
+        <a:xfrm>
+          <a:off x="0" y="0"/>
+          <a:ext cx="0" cy="0"/>
+          <a:chOff x="0" y="0"/>
+          <a:chExt cx="0" cy="0"/>
+        </a:xfrm>
+      </p:grpSpPr>
+      <p:sp>
+        <p:nvSpPr>
           <p:cNvPr id="52226" name="Slide Image Placeholder 1"/>
           <p:cNvSpPr>
             <a:spLocks noGrp="1" noRot="1" noChangeAspect="1" noTextEdit="1"/>
@@ -2614,7 +2809,7 @@
           </a:ln>
           <a:extLst>
             <a:ext uri="{909E8E84-426E-40dd-AFC4-6F175D3DCCD1}">
-              <a14:hiddenFill xmlns:a14="http://schemas.microsoft.com/office/drawing/2010/main" xmlns="">
+              <a14:hiddenFill xmlns="" xmlns:a14="http://schemas.microsoft.com/office/drawing/2010/main">
                 <a:solidFill>
                   <a:srgbClr val="FFFFFF"/>
                 </a:solidFill>
@@ -2638,14 +2833,14 @@
           <a:ln/>
           <a:extLst>
             <a:ext uri="{909E8E84-426E-40dd-AFC4-6F175D3DCCD1}">
-              <a14:hiddenFill xmlns:a14="http://schemas.microsoft.com/office/drawing/2010/main" xmlns="">
+              <a14:hiddenFill xmlns="" xmlns:a14="http://schemas.microsoft.com/office/drawing/2010/main">
                 <a:solidFill>
                   <a:srgbClr val="FFFFFF"/>
                 </a:solidFill>
               </a14:hiddenFill>
             </a:ext>
             <a:ext uri="{91240B29-F687-4f45-9708-019B960494DF}">
-              <a14:hiddenLine xmlns:a14="http://schemas.microsoft.com/office/drawing/2010/main" xmlns="" w="9525">
+              <a14:hiddenLine xmlns="" xmlns:a14="http://schemas.microsoft.com/office/drawing/2010/main" w="9525">
                 <a:solidFill>
                   <a:srgbClr val="000000"/>
                 </a:solidFill>
@@ -2698,14 +2893,14 @@
           <a:ln/>
           <a:extLst>
             <a:ext uri="{909E8E84-426E-40dd-AFC4-6F175D3DCCD1}">
-              <a14:hiddenFill xmlns:a14="http://schemas.microsoft.com/office/drawing/2010/main" xmlns="">
+              <a14:hiddenFill xmlns="" xmlns:a14="http://schemas.microsoft.com/office/drawing/2010/main">
                 <a:solidFill>
                   <a:srgbClr val="FFFFFF"/>
                 </a:solidFill>
               </a14:hiddenFill>
             </a:ext>
             <a:ext uri="{91240B29-F687-4f45-9708-019B960494DF}">
-              <a14:hiddenLine xmlns:a14="http://schemas.microsoft.com/office/drawing/2010/main" xmlns="" w="9525">
+              <a14:hiddenLine xmlns="" xmlns:a14="http://schemas.microsoft.com/office/drawing/2010/main" w="9525">
                 <a:solidFill>
                   <a:srgbClr val="000000"/>
                 </a:solidFill>
@@ -2832,7 +3027,7 @@
                 <a:latin typeface="Calibri" pitchFamily="34" charset="0"/>
               </a:rPr>
               <a:pPr eaLnBrk="1" hangingPunct="1"/>
-              <a:t>27</a:t>
+              <a:t>28</a:t>
             </a:fld>
             <a:endParaRPr lang="en-US">
               <a:latin typeface="Calibri" pitchFamily="34" charset="0"/>
@@ -2844,96 +3039,6 @@
     <p:extLst>
       <p:ext uri="{BB962C8B-B14F-4D97-AF65-F5344CB8AC3E}">
         <p14:creationId xmlns:p14="http://schemas.microsoft.com/office/powerpoint/2010/main" val="1311463421"/>
-      </p:ext>
-    </p:extLst>
-  </p:cSld>
-  <p:clrMapOvr>
-    <a:masterClrMapping/>
-  </p:clrMapOvr>
-</p:notes>
-</file>
-
-<file path=ppt/notesSlides/notesSlide2.xml><?xml version="1.0" encoding="utf-8"?>
-<p:notes xmlns:a="http://schemas.openxmlformats.org/drawingml/2006/main" xmlns:r="http://schemas.openxmlformats.org/officeDocument/2006/relationships" xmlns:p="http://schemas.openxmlformats.org/presentationml/2006/main">
-  <p:cSld>
-    <p:spTree>
-      <p:nvGrpSpPr>
-        <p:cNvPr id="1" name=""/>
-        <p:cNvGrpSpPr/>
-        <p:nvPr/>
-      </p:nvGrpSpPr>
-      <p:grpSpPr>
-        <a:xfrm>
-          <a:off x="0" y="0"/>
-          <a:ext cx="0" cy="0"/>
-          <a:chOff x="0" y="0"/>
-          <a:chExt cx="0" cy="0"/>
-        </a:xfrm>
-      </p:grpSpPr>
-      <p:sp>
-        <p:nvSpPr>
-          <p:cNvPr id="2" name="Slide Image Placeholder 1"/>
-          <p:cNvSpPr>
-            <a:spLocks noGrp="1" noRot="1" noChangeAspect="1"/>
-          </p:cNvSpPr>
-          <p:nvPr>
-            <p:ph type="sldImg"/>
-          </p:nvPr>
-        </p:nvSpPr>
-        <p:spPr/>
-      </p:sp>
-      <p:sp>
-        <p:nvSpPr>
-          <p:cNvPr id="3" name="Notes Placeholder 2"/>
-          <p:cNvSpPr>
-            <a:spLocks noGrp="1"/>
-          </p:cNvSpPr>
-          <p:nvPr>
-            <p:ph type="body" idx="1"/>
-          </p:nvPr>
-        </p:nvSpPr>
-        <p:spPr/>
-        <p:txBody>
-          <a:bodyPr/>
-          <a:lstStyle/>
-          <a:p>
-            <a:endParaRPr lang="en-US" dirty="0"/>
-          </a:p>
-        </p:txBody>
-      </p:sp>
-      <p:sp>
-        <p:nvSpPr>
-          <p:cNvPr id="4" name="Slide Number Placeholder 3"/>
-          <p:cNvSpPr>
-            <a:spLocks noGrp="1"/>
-          </p:cNvSpPr>
-          <p:nvPr>
-            <p:ph type="sldNum" sz="quarter" idx="10"/>
-          </p:nvPr>
-        </p:nvSpPr>
-        <p:spPr/>
-        <p:txBody>
-          <a:bodyPr/>
-          <a:lstStyle/>
-          <a:p>
-            <a:pPr>
-              <a:defRPr/>
-            </a:pPr>
-            <a:fld id="{3F6B6C2D-0897-4206-AD94-4D1FCFA82106}" type="slidenum">
-              <a:rPr lang="en-US" smtClean="0"/>
-              <a:pPr>
-                <a:defRPr/>
-              </a:pPr>
-              <a:t>2</a:t>
-            </a:fld>
-            <a:endParaRPr lang="en-US"/>
-          </a:p>
-        </p:txBody>
-      </p:sp>
-    </p:spTree>
-    <p:extLst>
-      <p:ext uri="{BB962C8B-B14F-4D97-AF65-F5344CB8AC3E}">
-        <p14:creationId xmlns:p14="http://schemas.microsoft.com/office/powerpoint/2010/main" val="3413004475"/>
       </p:ext>
     </p:extLst>
   </p:cSld>
@@ -3089,7 +3194,7 @@
           </a:ln>
           <a:extLst>
             <a:ext uri="{909E8E84-426E-40dd-AFC4-6F175D3DCCD1}">
-              <a14:hiddenFill xmlns="" xmlns:a14="http://schemas.microsoft.com/office/drawing/2010/main">
+              <a14:hiddenFill xmlns:a14="http://schemas.microsoft.com/office/drawing/2010/main" xmlns="">
                 <a:solidFill>
                   <a:srgbClr val="FFFFFF"/>
                 </a:solidFill>
@@ -3113,14 +3218,14 @@
           <a:ln/>
           <a:extLst>
             <a:ext uri="{909E8E84-426E-40dd-AFC4-6F175D3DCCD1}">
-              <a14:hiddenFill xmlns="" xmlns:a14="http://schemas.microsoft.com/office/drawing/2010/main">
+              <a14:hiddenFill xmlns:a14="http://schemas.microsoft.com/office/drawing/2010/main" xmlns="">
                 <a:solidFill>
                   <a:srgbClr val="FFFFFF"/>
                 </a:solidFill>
               </a14:hiddenFill>
             </a:ext>
             <a:ext uri="{91240B29-F687-4f45-9708-019B960494DF}">
-              <a14:hiddenLine xmlns="" xmlns:a14="http://schemas.microsoft.com/office/drawing/2010/main" w="9525">
+              <a14:hiddenLine xmlns:a14="http://schemas.microsoft.com/office/drawing/2010/main" xmlns="" w="9525">
                 <a:solidFill>
                   <a:srgbClr val="000000"/>
                 </a:solidFill>
@@ -3180,14 +3285,14 @@
           <a:ln/>
           <a:extLst>
             <a:ext uri="{909E8E84-426E-40dd-AFC4-6F175D3DCCD1}">
-              <a14:hiddenFill xmlns="" xmlns:a14="http://schemas.microsoft.com/office/drawing/2010/main">
+              <a14:hiddenFill xmlns:a14="http://schemas.microsoft.com/office/drawing/2010/main" xmlns="">
                 <a:solidFill>
                   <a:srgbClr val="FFFFFF"/>
                 </a:solidFill>
               </a14:hiddenFill>
             </a:ext>
             <a:ext uri="{91240B29-F687-4f45-9708-019B960494DF}">
-              <a14:hiddenLine xmlns="" xmlns:a14="http://schemas.microsoft.com/office/drawing/2010/main" w="9525">
+              <a14:hiddenLine xmlns:a14="http://schemas.microsoft.com/office/drawing/2010/main" xmlns="" w="9525">
                 <a:solidFill>
                   <a:srgbClr val="000000"/>
                 </a:solidFill>
@@ -3374,7 +3479,7 @@
           </a:ln>
           <a:extLst>
             <a:ext uri="{909E8E84-426E-40dd-AFC4-6F175D3DCCD1}">
-              <a14:hiddenFill xmlns="" xmlns:a14="http://schemas.microsoft.com/office/drawing/2010/main">
+              <a14:hiddenFill xmlns:a14="http://schemas.microsoft.com/office/drawing/2010/main" xmlns="">
                 <a:solidFill>
                   <a:srgbClr val="FFFFFF"/>
                 </a:solidFill>
@@ -3398,14 +3503,14 @@
           <a:ln/>
           <a:extLst>
             <a:ext uri="{909E8E84-426E-40dd-AFC4-6F175D3DCCD1}">
-              <a14:hiddenFill xmlns="" xmlns:a14="http://schemas.microsoft.com/office/drawing/2010/main">
+              <a14:hiddenFill xmlns:a14="http://schemas.microsoft.com/office/drawing/2010/main" xmlns="">
                 <a:solidFill>
                   <a:srgbClr val="FFFFFF"/>
                 </a:solidFill>
               </a14:hiddenFill>
             </a:ext>
             <a:ext uri="{91240B29-F687-4f45-9708-019B960494DF}">
-              <a14:hiddenLine xmlns="" xmlns:a14="http://schemas.microsoft.com/office/drawing/2010/main" w="9525">
+              <a14:hiddenLine xmlns:a14="http://schemas.microsoft.com/office/drawing/2010/main" xmlns="" w="9525">
                 <a:solidFill>
                   <a:srgbClr val="000000"/>
                 </a:solidFill>
@@ -3521,14 +3626,14 @@
           <a:ln/>
           <a:extLst>
             <a:ext uri="{909E8E84-426E-40dd-AFC4-6F175D3DCCD1}">
-              <a14:hiddenFill xmlns="" xmlns:a14="http://schemas.microsoft.com/office/drawing/2010/main">
+              <a14:hiddenFill xmlns:a14="http://schemas.microsoft.com/office/drawing/2010/main" xmlns="">
                 <a:solidFill>
                   <a:srgbClr val="FFFFFF"/>
                 </a:solidFill>
               </a14:hiddenFill>
             </a:ext>
             <a:ext uri="{91240B29-F687-4f45-9708-019B960494DF}">
-              <a14:hiddenLine xmlns="" xmlns:a14="http://schemas.microsoft.com/office/drawing/2010/main" w="9525">
+              <a14:hiddenLine xmlns:a14="http://schemas.microsoft.com/office/drawing/2010/main" xmlns="" w="9525">
                 <a:solidFill>
                   <a:srgbClr val="000000"/>
                 </a:solidFill>
@@ -3715,7 +3820,7 @@
           </a:ln>
           <a:extLst>
             <a:ext uri="{909E8E84-426E-40dd-AFC4-6F175D3DCCD1}">
-              <a14:hiddenFill xmlns:a14="http://schemas.microsoft.com/office/drawing/2010/main" xmlns="">
+              <a14:hiddenFill xmlns="" xmlns:a14="http://schemas.microsoft.com/office/drawing/2010/main">
                 <a:solidFill>
                   <a:srgbClr val="FFFFFF"/>
                 </a:solidFill>
@@ -3739,14 +3844,14 @@
           <a:ln/>
           <a:extLst>
             <a:ext uri="{909E8E84-426E-40dd-AFC4-6F175D3DCCD1}">
-              <a14:hiddenFill xmlns:a14="http://schemas.microsoft.com/office/drawing/2010/main" xmlns="">
+              <a14:hiddenFill xmlns="" xmlns:a14="http://schemas.microsoft.com/office/drawing/2010/main">
                 <a:solidFill>
                   <a:srgbClr val="FFFFFF"/>
                 </a:solidFill>
               </a14:hiddenFill>
             </a:ext>
             <a:ext uri="{91240B29-F687-4f45-9708-019B960494DF}">
-              <a14:hiddenLine xmlns:a14="http://schemas.microsoft.com/office/drawing/2010/main" xmlns="" w="9525">
+              <a14:hiddenLine xmlns="" xmlns:a14="http://schemas.microsoft.com/office/drawing/2010/main" w="9525">
                 <a:solidFill>
                   <a:srgbClr val="000000"/>
                 </a:solidFill>
@@ -3862,14 +3967,14 @@
           <a:ln/>
           <a:extLst>
             <a:ext uri="{909E8E84-426E-40dd-AFC4-6F175D3DCCD1}">
-              <a14:hiddenFill xmlns:a14="http://schemas.microsoft.com/office/drawing/2010/main" xmlns="">
+              <a14:hiddenFill xmlns="" xmlns:a14="http://schemas.microsoft.com/office/drawing/2010/main">
                 <a:solidFill>
                   <a:srgbClr val="FFFFFF"/>
                 </a:solidFill>
               </a14:hiddenFill>
             </a:ext>
             <a:ext uri="{91240B29-F687-4f45-9708-019B960494DF}">
-              <a14:hiddenLine xmlns:a14="http://schemas.microsoft.com/office/drawing/2010/main" xmlns="" w="9525">
+              <a14:hiddenLine xmlns="" xmlns:a14="http://schemas.microsoft.com/office/drawing/2010/main" w="9525">
                 <a:solidFill>
                   <a:srgbClr val="000000"/>
                 </a:solidFill>
@@ -4348,7 +4453,7 @@
     </p:spTree>
     <p:extLst>
       <p:ext uri="{BB962C8B-B14F-4D97-AF65-F5344CB8AC3E}">
-        <p14:creationId xmlns:p14="http://schemas.microsoft.com/office/powerpoint/2010/main" val="2126952299"/>
+        <p14:creationId xmlns:p14="http://schemas.microsoft.com/office/powerpoint/2010/main" val="4247033505"/>
       </p:ext>
     </p:extLst>
   </p:cSld>
@@ -4397,7 +4502,7 @@
           </a:ln>
           <a:extLst>
             <a:ext uri="{909E8E84-426E-40dd-AFC4-6F175D3DCCD1}">
-              <a14:hiddenFill xmlns:a14="http://schemas.microsoft.com/office/drawing/2010/main" xmlns="">
+              <a14:hiddenFill xmlns="" xmlns:a14="http://schemas.microsoft.com/office/drawing/2010/main">
                 <a:solidFill>
                   <a:srgbClr val="FFFFFF"/>
                 </a:solidFill>
@@ -4421,14 +4526,14 @@
           <a:ln/>
           <a:extLst>
             <a:ext uri="{909E8E84-426E-40dd-AFC4-6F175D3DCCD1}">
-              <a14:hiddenFill xmlns:a14="http://schemas.microsoft.com/office/drawing/2010/main" xmlns="">
+              <a14:hiddenFill xmlns="" xmlns:a14="http://schemas.microsoft.com/office/drawing/2010/main">
                 <a:solidFill>
                   <a:srgbClr val="FFFFFF"/>
                 </a:solidFill>
               </a14:hiddenFill>
             </a:ext>
             <a:ext uri="{91240B29-F687-4f45-9708-019B960494DF}">
-              <a14:hiddenLine xmlns:a14="http://schemas.microsoft.com/office/drawing/2010/main" xmlns="" w="9525">
+              <a14:hiddenLine xmlns="" xmlns:a14="http://schemas.microsoft.com/office/drawing/2010/main" w="9525">
                 <a:solidFill>
                   <a:srgbClr val="000000"/>
                 </a:solidFill>
@@ -4544,14 +4649,14 @@
           <a:ln/>
           <a:extLst>
             <a:ext uri="{909E8E84-426E-40dd-AFC4-6F175D3DCCD1}">
-              <a14:hiddenFill xmlns:a14="http://schemas.microsoft.com/office/drawing/2010/main" xmlns="">
+              <a14:hiddenFill xmlns="" xmlns:a14="http://schemas.microsoft.com/office/drawing/2010/main">
                 <a:solidFill>
                   <a:srgbClr val="FFFFFF"/>
                 </a:solidFill>
               </a14:hiddenFill>
             </a:ext>
             <a:ext uri="{91240B29-F687-4f45-9708-019B960494DF}">
-              <a14:hiddenLine xmlns:a14="http://schemas.microsoft.com/office/drawing/2010/main" xmlns="" w="9525">
+              <a14:hiddenLine xmlns="" xmlns:a14="http://schemas.microsoft.com/office/drawing/2010/main" w="9525">
                 <a:solidFill>
                   <a:srgbClr val="000000"/>
                 </a:solidFill>
@@ -4689,7 +4794,7 @@
     </p:spTree>
     <p:extLst>
       <p:ext uri="{BB962C8B-B14F-4D97-AF65-F5344CB8AC3E}">
-        <p14:creationId xmlns:p14="http://schemas.microsoft.com/office/powerpoint/2010/main" val="2369573943"/>
+        <p14:creationId xmlns:p14="http://schemas.microsoft.com/office/powerpoint/2010/main" val="2126952299"/>
       </p:ext>
     </p:extLst>
   </p:cSld>
@@ -4718,19 +4823,38 @@
       </p:grpSpPr>
       <p:sp>
         <p:nvSpPr>
-          <p:cNvPr id="2" name="Slide Image Placeholder 1"/>
+          <p:cNvPr id="50178" name="Slide Image Placeholder 1"/>
           <p:cNvSpPr>
-            <a:spLocks noGrp="1" noRot="1" noChangeAspect="1"/>
+            <a:spLocks noGrp="1" noRot="1" noChangeAspect="1" noTextEdit="1"/>
           </p:cNvSpPr>
           <p:nvPr>
             <p:ph type="sldImg"/>
           </p:nvPr>
         </p:nvSpPr>
-        <p:spPr/>
-      </p:sp>
-      <p:sp>
-        <p:nvSpPr>
-          <p:cNvPr id="3" name="Notes Placeholder 2"/>
+        <p:spPr bwMode="auto">
+          <a:noFill/>
+          <a:ln>
+            <a:solidFill>
+              <a:srgbClr val="000000"/>
+            </a:solidFill>
+            <a:miter lim="800000"/>
+            <a:headEnd/>
+            <a:tailEnd/>
+          </a:ln>
+          <a:extLst>
+            <a:ext uri="{909E8E84-426E-40dd-AFC4-6F175D3DCCD1}">
+              <a14:hiddenFill xmlns="" xmlns:a14="http://schemas.microsoft.com/office/drawing/2010/main">
+                <a:solidFill>
+                  <a:srgbClr val="FFFFFF"/>
+                </a:solidFill>
+              </a14:hiddenFill>
+            </a:ext>
+          </a:extLst>
+        </p:spPr>
+      </p:sp>
+      <p:sp>
+        <p:nvSpPr>
+          <p:cNvPr id="50179" name="Notes Placeholder 2"/>
           <p:cNvSpPr>
             <a:spLocks noGrp="1"/>
           </p:cNvSpPr>
@@ -4738,24 +4862,114 @@
             <p:ph type="body" idx="1"/>
           </p:nvPr>
         </p:nvSpPr>
-        <p:spPr/>
+        <p:spPr>
+          <a:noFill/>
+          <a:ln/>
+          <a:extLst>
+            <a:ext uri="{909E8E84-426E-40dd-AFC4-6F175D3DCCD1}">
+              <a14:hiddenFill xmlns="" xmlns:a14="http://schemas.microsoft.com/office/drawing/2010/main">
+                <a:solidFill>
+                  <a:srgbClr val="FFFFFF"/>
+                </a:solidFill>
+              </a14:hiddenFill>
+            </a:ext>
+            <a:ext uri="{91240B29-F687-4f45-9708-019B960494DF}">
+              <a14:hiddenLine xmlns="" xmlns:a14="http://schemas.microsoft.com/office/drawing/2010/main" w="9525">
+                <a:solidFill>
+                  <a:srgbClr val="000000"/>
+                </a:solidFill>
+                <a:miter lim="800000"/>
+                <a:headEnd/>
+                <a:tailEnd/>
+              </a14:hiddenLine>
+            </a:ext>
+          </a:extLst>
+        </p:spPr>
         <p:txBody>
           <a:bodyPr/>
           <a:lstStyle/>
           <a:p>
+            <a:pPr marL="165261" indent="-165261">
+              <a:buFontTx/>
+              <a:buChar char="-"/>
+            </a:pPr>
             <a:r>
               <a:rPr lang="en-US" dirty="0"/>
-              <a:t>Imagine</a:t>
+              <a:t>callouts animated</a:t>
+            </a:r>
+          </a:p>
+          <a:p>
+            <a:pPr marL="165261" indent="-165261">
+              <a:buFontTx/>
+              <a:buChar char="-"/>
+            </a:pPr>
+            <a:endParaRPr lang="en-US" dirty="0"/>
+          </a:p>
+          <a:p>
+            <a:pPr marL="165261" indent="-165261">
+              <a:buFontTx/>
+              <a:buChar char="-"/>
+            </a:pPr>
+            <a:r>
+              <a:rPr lang="en-US" dirty="0"/>
+              <a:t>201710: have them study and do the </a:t>
+            </a:r>
+            <a:r>
+              <a:rPr lang="en-US" dirty="0" err="1"/>
+              <a:t>numberSequence</a:t>
+            </a:r>
+            <a:r>
+              <a:rPr lang="en-US" dirty="0"/>
+              <a:t> example. They don’t need to write all 3, just enough to get the feel for it.</a:t>
+            </a:r>
+          </a:p>
+          <a:p>
+            <a:pPr marL="165261" indent="-165261">
+              <a:buFontTx/>
+              <a:buChar char="-"/>
+            </a:pPr>
+            <a:endParaRPr lang="en-US" dirty="0"/>
+          </a:p>
+          <a:p>
+            <a:pPr marL="165261" indent="-165261">
+              <a:buFontTx/>
+              <a:buChar char="-"/>
+            </a:pPr>
+            <a:r>
+              <a:rPr lang="en-US" dirty="0"/>
+              <a:t>Old:</a:t>
+            </a:r>
+          </a:p>
+          <a:p>
+            <a:pPr marL="165261" indent="-165261">
+              <a:buFontTx/>
+              <a:buChar char="-"/>
+            </a:pPr>
+            <a:r>
+              <a:rPr lang="en-US" dirty="0"/>
+              <a:t>Ask</a:t>
             </a:r>
             <a:r>
               <a:rPr lang="en-US" baseline="0" dirty="0"/>
-              <a:t> three different people developed these three classes. We have a scale simulator where we write code to compare/weigh things. </a:t>
-            </a:r>
-          </a:p>
-          <a:p>
+              <a:t> students to use this information to create a Function interface in the </a:t>
+            </a:r>
+            <a:r>
+              <a:rPr lang="en-US" baseline="0" dirty="0" err="1"/>
+              <a:t>textCalculator</a:t>
+            </a:r>
             <a:r>
               <a:rPr lang="en-US" baseline="0" dirty="0"/>
-              <a:t>What if we wanted to compare all of them at the same time? </a:t>
+              <a:t> project that fixes the errors in the code.</a:t>
+            </a:r>
+          </a:p>
+          <a:p>
+            <a:pPr marL="165261" indent="-165261">
+              <a:buFontTx/>
+              <a:buChar char="-"/>
+            </a:pPr>
+            <a:r>
+              <a:rPr lang="en-US" baseline="0" dirty="0"/>
+              <a:t>Once they’ve done that, they should implement the add and multiply classes that implement the Function interface.</a:t>
             </a:r>
             <a:endParaRPr lang="en-US" dirty="0"/>
           </a:p>
@@ -4763,37 +4977,165 @@
       </p:sp>
       <p:sp>
         <p:nvSpPr>
-          <p:cNvPr id="4" name="Slide Number Placeholder 3"/>
+          <p:cNvPr id="50180" name="Slide Number Placeholder 3"/>
           <p:cNvSpPr>
             <a:spLocks noGrp="1"/>
           </p:cNvSpPr>
           <p:nvPr>
-            <p:ph type="sldNum" sz="quarter" idx="10"/>
+            <p:ph type="sldNum" sz="quarter" idx="5"/>
           </p:nvPr>
         </p:nvSpPr>
-        <p:spPr/>
+        <p:spPr>
+          <a:noFill/>
+          <a:ln/>
+          <a:extLst>
+            <a:ext uri="{909E8E84-426E-40dd-AFC4-6F175D3DCCD1}">
+              <a14:hiddenFill xmlns="" xmlns:a14="http://schemas.microsoft.com/office/drawing/2010/main">
+                <a:solidFill>
+                  <a:srgbClr val="FFFFFF"/>
+                </a:solidFill>
+              </a14:hiddenFill>
+            </a:ext>
+            <a:ext uri="{91240B29-F687-4f45-9708-019B960494DF}">
+              <a14:hiddenLine xmlns="" xmlns:a14="http://schemas.microsoft.com/office/drawing/2010/main" w="9525">
+                <a:solidFill>
+                  <a:srgbClr val="000000"/>
+                </a:solidFill>
+                <a:miter lim="800000"/>
+                <a:headEnd/>
+                <a:tailEnd/>
+              </a14:hiddenLine>
+            </a:ext>
+          </a:extLst>
+        </p:spPr>
         <p:txBody>
           <a:bodyPr/>
-          <a:lstStyle/>
-          <a:p>
-            <a:pPr>
-              <a:defRPr/>
-            </a:pPr>
-            <a:fld id="{3F6B6C2D-0897-4206-AD94-4D1FCFA82106}" type="slidenum">
-              <a:rPr lang="en-US" smtClean="0"/>
-              <a:pPr>
-                <a:defRPr/>
-              </a:pPr>
-              <a:t>10</a:t>
+          <a:lstStyle>
+            <a:lvl1pPr defTabSz="913525" eaLnBrk="0" hangingPunct="0">
+              <a:defRPr>
+                <a:solidFill>
+                  <a:schemeClr val="tx1"/>
+                </a:solidFill>
+                <a:latin typeface="Arial" charset="0"/>
+                <a:cs typeface="Arial" charset="0"/>
+              </a:defRPr>
+            </a:lvl1pPr>
+            <a:lvl2pPr marL="716130" indent="-275434" defTabSz="913525" eaLnBrk="0" hangingPunct="0">
+              <a:defRPr>
+                <a:solidFill>
+                  <a:schemeClr val="tx1"/>
+                </a:solidFill>
+                <a:latin typeface="Arial" charset="0"/>
+                <a:cs typeface="Arial" charset="0"/>
+              </a:defRPr>
+            </a:lvl2pPr>
+            <a:lvl3pPr marL="1101738" indent="-220348" defTabSz="913525" eaLnBrk="0" hangingPunct="0">
+              <a:defRPr>
+                <a:solidFill>
+                  <a:schemeClr val="tx1"/>
+                </a:solidFill>
+                <a:latin typeface="Arial" charset="0"/>
+                <a:cs typeface="Arial" charset="0"/>
+              </a:defRPr>
+            </a:lvl3pPr>
+            <a:lvl4pPr marL="1542433" indent="-220348" defTabSz="913525" eaLnBrk="0" hangingPunct="0">
+              <a:defRPr>
+                <a:solidFill>
+                  <a:schemeClr val="tx1"/>
+                </a:solidFill>
+                <a:latin typeface="Arial" charset="0"/>
+                <a:cs typeface="Arial" charset="0"/>
+              </a:defRPr>
+            </a:lvl4pPr>
+            <a:lvl5pPr marL="1983128" indent="-220348" defTabSz="913525" eaLnBrk="0" hangingPunct="0">
+              <a:defRPr>
+                <a:solidFill>
+                  <a:schemeClr val="tx1"/>
+                </a:solidFill>
+                <a:latin typeface="Arial" charset="0"/>
+                <a:cs typeface="Arial" charset="0"/>
+              </a:defRPr>
+            </a:lvl5pPr>
+            <a:lvl6pPr marL="2423823" indent="-220348" defTabSz="913525" eaLnBrk="0" fontAlgn="base" hangingPunct="0">
+              <a:spcBef>
+                <a:spcPct val="0"/>
+              </a:spcBef>
+              <a:spcAft>
+                <a:spcPct val="0"/>
+              </a:spcAft>
+              <a:defRPr>
+                <a:solidFill>
+                  <a:schemeClr val="tx1"/>
+                </a:solidFill>
+                <a:latin typeface="Arial" charset="0"/>
+                <a:cs typeface="Arial" charset="0"/>
+              </a:defRPr>
+            </a:lvl6pPr>
+            <a:lvl7pPr marL="2864518" indent="-220348" defTabSz="913525" eaLnBrk="0" fontAlgn="base" hangingPunct="0">
+              <a:spcBef>
+                <a:spcPct val="0"/>
+              </a:spcBef>
+              <a:spcAft>
+                <a:spcPct val="0"/>
+              </a:spcAft>
+              <a:defRPr>
+                <a:solidFill>
+                  <a:schemeClr val="tx1"/>
+                </a:solidFill>
+                <a:latin typeface="Arial" charset="0"/>
+                <a:cs typeface="Arial" charset="0"/>
+              </a:defRPr>
+            </a:lvl7pPr>
+            <a:lvl8pPr marL="3305213" indent="-220348" defTabSz="913525" eaLnBrk="0" fontAlgn="base" hangingPunct="0">
+              <a:spcBef>
+                <a:spcPct val="0"/>
+              </a:spcBef>
+              <a:spcAft>
+                <a:spcPct val="0"/>
+              </a:spcAft>
+              <a:defRPr>
+                <a:solidFill>
+                  <a:schemeClr val="tx1"/>
+                </a:solidFill>
+                <a:latin typeface="Arial" charset="0"/>
+                <a:cs typeface="Arial" charset="0"/>
+              </a:defRPr>
+            </a:lvl8pPr>
+            <a:lvl9pPr marL="3745908" indent="-220348" defTabSz="913525" eaLnBrk="0" fontAlgn="base" hangingPunct="0">
+              <a:spcBef>
+                <a:spcPct val="0"/>
+              </a:spcBef>
+              <a:spcAft>
+                <a:spcPct val="0"/>
+              </a:spcAft>
+              <a:defRPr>
+                <a:solidFill>
+                  <a:schemeClr val="tx1"/>
+                </a:solidFill>
+                <a:latin typeface="Arial" charset="0"/>
+                <a:cs typeface="Arial" charset="0"/>
+              </a:defRPr>
+            </a:lvl9pPr>
+          </a:lstStyle>
+          <a:p>
+            <a:pPr eaLnBrk="1" hangingPunct="1"/>
+            <a:fld id="{F19D4DE2-3B99-41EE-8D4F-E0DDC5188304}" type="slidenum">
+              <a:rPr lang="en-US" smtClean="0">
+                <a:latin typeface="Calibri" pitchFamily="34" charset="0"/>
+              </a:rPr>
+              <a:pPr eaLnBrk="1" hangingPunct="1"/>
+              <a:t>9</a:t>
             </a:fld>
-            <a:endParaRPr lang="en-US"/>
+            <a:endParaRPr lang="en-US">
+              <a:latin typeface="Calibri" pitchFamily="34" charset="0"/>
+            </a:endParaRPr>
           </a:p>
         </p:txBody>
       </p:sp>
     </p:spTree>
     <p:extLst>
       <p:ext uri="{BB962C8B-B14F-4D97-AF65-F5344CB8AC3E}">
-        <p14:creationId xmlns:p14="http://schemas.microsoft.com/office/powerpoint/2010/main" val="3729646274"/>
+        <p14:creationId xmlns:p14="http://schemas.microsoft.com/office/powerpoint/2010/main" val="2369573943"/>
       </p:ext>
     </p:extLst>
   </p:cSld>
@@ -4988,7 +5330,7 @@
               <a:pPr>
                 <a:defRPr/>
               </a:pPr>
-              <a:t>Tuesday, March 1, 2022</a:t>
+              <a:t>Tuesday, April 12, 2022</a:t>
             </a:fld>
             <a:endParaRPr lang="en-US" dirty="0"/>
           </a:p>
@@ -5171,7 +5513,7 @@
               <a:pPr>
                 <a:defRPr/>
               </a:pPr>
-              <a:t>Tuesday, March 1, 2022</a:t>
+              <a:t>Tuesday, April 12, 2022</a:t>
             </a:fld>
             <a:endParaRPr lang="en-US" dirty="0"/>
           </a:p>
@@ -5364,7 +5706,7 @@
               <a:pPr>
                 <a:defRPr/>
               </a:pPr>
-              <a:t>Tuesday, March 1, 2022</a:t>
+              <a:t>Tuesday, April 12, 2022</a:t>
             </a:fld>
             <a:endParaRPr lang="en-US" dirty="0"/>
           </a:p>
@@ -5547,7 +5889,7 @@
               <a:pPr>
                 <a:defRPr/>
               </a:pPr>
-              <a:t>Tuesday, March 1, 2022</a:t>
+              <a:t>Tuesday, April 12, 2022</a:t>
             </a:fld>
             <a:endParaRPr lang="en-US" dirty="0"/>
           </a:p>
@@ -5807,7 +6149,7 @@
               <a:pPr>
                 <a:defRPr/>
               </a:pPr>
-              <a:t>Tuesday, March 1, 2022</a:t>
+              <a:t>Tuesday, April 12, 2022</a:t>
             </a:fld>
             <a:endParaRPr lang="en-US"/>
           </a:p>
@@ -6107,7 +6449,7 @@
               <a:pPr>
                 <a:defRPr/>
               </a:pPr>
-              <a:t>Tuesday, March 1, 2022</a:t>
+              <a:t>Tuesday, April 12, 2022</a:t>
             </a:fld>
             <a:endParaRPr lang="en-US"/>
           </a:p>
@@ -6541,7 +6883,7 @@
               <a:pPr>
                 <a:defRPr/>
               </a:pPr>
-              <a:t>Tuesday, March 1, 2022</a:t>
+              <a:t>Tuesday, April 12, 2022</a:t>
             </a:fld>
             <a:endParaRPr lang="en-US"/>
           </a:p>
@@ -6673,7 +7015,7 @@
               <a:pPr>
                 <a:defRPr/>
               </a:pPr>
-              <a:t>Tuesday, March 1, 2022</a:t>
+              <a:t>Tuesday, April 12, 2022</a:t>
             </a:fld>
             <a:endParaRPr lang="en-US"/>
           </a:p>
@@ -6783,7 +7125,7 @@
               <a:pPr>
                 <a:defRPr/>
               </a:pPr>
-              <a:t>Tuesday, March 1, 2022</a:t>
+              <a:t>Tuesday, April 12, 2022</a:t>
             </a:fld>
             <a:endParaRPr lang="en-US" dirty="0"/>
           </a:p>
@@ -7073,7 +7415,7 @@
               <a:pPr>
                 <a:defRPr/>
               </a:pPr>
-              <a:t>Tuesday, March 1, 2022</a:t>
+              <a:t>Tuesday, April 12, 2022</a:t>
             </a:fld>
             <a:endParaRPr lang="en-US"/>
           </a:p>
@@ -7340,7 +7682,7 @@
               <a:pPr>
                 <a:defRPr/>
               </a:pPr>
-              <a:t>Tuesday, March 1, 2022</a:t>
+              <a:t>Tuesday, April 12, 2022</a:t>
             </a:fld>
             <a:endParaRPr lang="en-US"/>
           </a:p>
@@ -7566,7 +7908,7 @@
               <a:pPr>
                 <a:defRPr/>
               </a:pPr>
-              <a:t>Tuesday, March 1, 2022</a:t>
+              <a:t>Tuesday, April 12, 2022</a:t>
             </a:fld>
             <a:endParaRPr lang="en-US" dirty="0"/>
           </a:p>
@@ -8145,6 +8487,141 @@
           <a:p>
             <a:r>
               <a:rPr lang="en-US" dirty="0"/>
+              <a:t>Why?</a:t>
+            </a:r>
+          </a:p>
+        </p:txBody>
+      </p:sp>
+      <p:sp>
+        <p:nvSpPr>
+          <p:cNvPr id="3" name="Content Placeholder 2"/>
+          <p:cNvSpPr>
+            <a:spLocks noGrp="1"/>
+          </p:cNvSpPr>
+          <p:nvPr>
+            <p:ph idx="1"/>
+          </p:nvPr>
+        </p:nvSpPr>
+        <p:spPr/>
+        <p:txBody>
+          <a:bodyPr/>
+          <a:lstStyle/>
+          <a:p>
+            <a:pPr>
+              <a:defRPr/>
+            </a:pPr>
+            <a:r>
+              <a:rPr lang="en-US" dirty="0"/>
+              <a:t>Interfaces help to </a:t>
+            </a:r>
+            <a:r>
+              <a:rPr lang="en-US" b="1" dirty="0"/>
+              <a:t>reduce coupling </a:t>
+            </a:r>
+            <a:r>
+              <a:rPr lang="en-US" dirty="0"/>
+              <a:t>by having a client program coupled to the interface, not directly to a specific implementation</a:t>
+            </a:r>
+          </a:p>
+          <a:p>
+            <a:r>
+              <a:rPr lang="en-US" dirty="0"/>
+              <a:t>Similarity among classes that implement the interface is Java compiler enforced</a:t>
+            </a:r>
+          </a:p>
+        </p:txBody>
+      </p:sp>
+      <p:sp>
+        <p:nvSpPr>
+          <p:cNvPr id="4" name="TextBox 3"/>
+          <p:cNvSpPr txBox="1"/>
+          <p:nvPr/>
+        </p:nvSpPr>
+        <p:spPr>
+          <a:xfrm>
+            <a:off x="8382224" y="6324600"/>
+            <a:ext cx="457176" cy="369332"/>
+          </a:xfrm>
+          <a:prstGeom prst="rect">
+            <a:avLst/>
+          </a:prstGeom>
+        </p:spPr>
+        <p:style>
+          <a:lnRef idx="2">
+            <a:schemeClr val="accent3">
+              <a:shade val="50000"/>
+            </a:schemeClr>
+          </a:lnRef>
+          <a:fillRef idx="1">
+            <a:schemeClr val="accent3"/>
+          </a:fillRef>
+          <a:effectRef idx="0">
+            <a:schemeClr val="accent3"/>
+          </a:effectRef>
+          <a:fontRef idx="minor">
+            <a:schemeClr val="lt1"/>
+          </a:fontRef>
+        </p:style>
+        <p:txBody>
+          <a:bodyPr wrap="none" rtlCol="0">
+            <a:spAutoFit/>
+          </a:bodyPr>
+          <a:lstStyle/>
+          <a:p>
+            <a:r>
+              <a:rPr lang="en-US" dirty="0"/>
+              <a:t>Q1</a:t>
+            </a:r>
+          </a:p>
+        </p:txBody>
+      </p:sp>
+    </p:spTree>
+    <p:extLst>
+      <p:ext uri="{BB962C8B-B14F-4D97-AF65-F5344CB8AC3E}">
+        <p14:creationId xmlns:p14="http://schemas.microsoft.com/office/powerpoint/2010/main" val="1907500074"/>
+      </p:ext>
+    </p:extLst>
+  </p:cSld>
+  <p:clrMapOvr>
+    <a:masterClrMapping/>
+  </p:clrMapOvr>
+</p:sld>
+</file>
+
+<file path=ppt/slides/slide11.xml><?xml version="1.0" encoding="utf-8"?>
+<p:sld xmlns:a="http://schemas.openxmlformats.org/drawingml/2006/main" xmlns:r="http://schemas.openxmlformats.org/officeDocument/2006/relationships" xmlns:p="http://schemas.openxmlformats.org/presentationml/2006/main">
+  <p:cSld>
+    <p:spTree>
+      <p:nvGrpSpPr>
+        <p:cNvPr id="1" name=""/>
+        <p:cNvGrpSpPr/>
+        <p:nvPr/>
+      </p:nvGrpSpPr>
+      <p:grpSpPr>
+        <a:xfrm>
+          <a:off x="0" y="0"/>
+          <a:ext cx="0" cy="0"/>
+          <a:chOff x="0" y="0"/>
+          <a:chExt cx="0" cy="0"/>
+        </a:xfrm>
+      </p:grpSpPr>
+      <p:sp>
+        <p:nvSpPr>
+          <p:cNvPr id="2" name="Title 1"/>
+          <p:cNvSpPr>
+            <a:spLocks noGrp="1"/>
+          </p:cNvSpPr>
+          <p:nvPr>
+            <p:ph type="title"/>
+          </p:nvPr>
+        </p:nvSpPr>
+        <p:spPr/>
+        <p:txBody>
+          <a:bodyPr/>
+          <a:lstStyle/>
+          <a:p>
+            <a:r>
+              <a:rPr lang="en-US" dirty="0"/>
               <a:t>Open </a:t>
             </a:r>
             <a:r>
@@ -8245,7 +8722,7 @@
 </p:sld>
 </file>
 
-<file path=ppt/slides/slide11.xml><?xml version="1.0" encoding="utf-8"?>
+<file path=ppt/slides/slide12.xml><?xml version="1.0" encoding="utf-8"?>
 <p:sld xmlns:a="http://schemas.openxmlformats.org/drawingml/2006/main" xmlns:r="http://schemas.openxmlformats.org/officeDocument/2006/relationships" xmlns:p="http://schemas.openxmlformats.org/presentationml/2006/main">
   <p:cSld>
     <p:spTree>
@@ -8493,7 +8970,7 @@
 </p:sld>
 </file>
 
-<file path=ppt/slides/slide12.xml><?xml version="1.0" encoding="utf-8"?>
+<file path=ppt/slides/slide13.xml><?xml version="1.0" encoding="utf-8"?>
 <p:sld xmlns:a="http://schemas.openxmlformats.org/drawingml/2006/main" xmlns:r="http://schemas.openxmlformats.org/officeDocument/2006/relationships" xmlns:p="http://schemas.openxmlformats.org/presentationml/2006/main">
   <p:cSld>
     <p:spTree>
@@ -8784,7 +9261,7 @@
 </p:sld>
 </file>
 
-<file path=ppt/slides/slide13.xml><?xml version="1.0" encoding="utf-8"?>
+<file path=ppt/slides/slide14.xml><?xml version="1.0" encoding="utf-8"?>
 <p:sld xmlns:a="http://schemas.openxmlformats.org/drawingml/2006/main" xmlns:r="http://schemas.openxmlformats.org/officeDocument/2006/relationships" xmlns:p="http://schemas.openxmlformats.org/presentationml/2006/main">
   <p:cSld>
     <p:spTree>
@@ -9041,7 +9518,7 @@
 </p:sld>
 </file>
 
-<file path=ppt/slides/slide14.xml><?xml version="1.0" encoding="utf-8"?>
+<file path=ppt/slides/slide15.xml><?xml version="1.0" encoding="utf-8"?>
 <p:sld xmlns:a="http://schemas.openxmlformats.org/drawingml/2006/main" xmlns:r="http://schemas.openxmlformats.org/officeDocument/2006/relationships" xmlns:p="http://schemas.openxmlformats.org/presentationml/2006/main">
   <p:cSld>
     <p:spTree>
@@ -9547,7 +10024,7 @@
 </p:sld>
 </file>
 
-<file path=ppt/slides/slide15.xml><?xml version="1.0" encoding="utf-8"?>
+<file path=ppt/slides/slide16.xml><?xml version="1.0" encoding="utf-8"?>
 <p:sld xmlns:a="http://schemas.openxmlformats.org/drawingml/2006/main" xmlns:r="http://schemas.openxmlformats.org/officeDocument/2006/relationships" xmlns:p="http://schemas.openxmlformats.org/presentationml/2006/main">
   <p:cSld>
     <p:spTree>
@@ -10063,7 +10540,7 @@
 </p:sld>
 </file>
 
-<file path=ppt/slides/slide16.xml><?xml version="1.0" encoding="utf-8"?>
+<file path=ppt/slides/slide17.xml><?xml version="1.0" encoding="utf-8"?>
 <p:sld xmlns:a="http://schemas.openxmlformats.org/drawingml/2006/main" xmlns:r="http://schemas.openxmlformats.org/officeDocument/2006/relationships" xmlns:p="http://schemas.openxmlformats.org/presentationml/2006/main">
   <p:cSld>
     <p:spTree>
@@ -10378,7 +10855,7 @@
 </p:sld>
 </file>
 
-<file path=ppt/slides/slide17.xml><?xml version="1.0" encoding="utf-8"?>
+<file path=ppt/slides/slide18.xml><?xml version="1.0" encoding="utf-8"?>
 <p:sld xmlns:a="http://schemas.openxmlformats.org/drawingml/2006/main" xmlns:r="http://schemas.openxmlformats.org/officeDocument/2006/relationships" xmlns:p="http://schemas.openxmlformats.org/presentationml/2006/main">
   <p:cSld>
     <p:spTree>
@@ -11080,342 +11557,6 @@
 </p:sld>
 </file>
 
-<file path=ppt/slides/slide18.xml><?xml version="1.0" encoding="utf-8"?>
-<p:sld xmlns:a="http://schemas.openxmlformats.org/drawingml/2006/main" xmlns:r="http://schemas.openxmlformats.org/officeDocument/2006/relationships" xmlns:p="http://schemas.openxmlformats.org/presentationml/2006/main">
-  <p:cSld>
-    <p:spTree>
-      <p:nvGrpSpPr>
-        <p:cNvPr id="1" name=""/>
-        <p:cNvGrpSpPr/>
-        <p:nvPr/>
-      </p:nvGrpSpPr>
-      <p:grpSpPr>
-        <a:xfrm>
-          <a:off x="0" y="0"/>
-          <a:ext cx="0" cy="0"/>
-          <a:chOff x="0" y="0"/>
-          <a:chExt cx="0" cy="0"/>
-        </a:xfrm>
-      </p:grpSpPr>
-      <p:sp>
-        <p:nvSpPr>
-          <p:cNvPr id="2" name="Title 1"/>
-          <p:cNvSpPr>
-            <a:spLocks noGrp="1"/>
-          </p:cNvSpPr>
-          <p:nvPr>
-            <p:ph type="title"/>
-          </p:nvPr>
-        </p:nvSpPr>
-        <p:spPr/>
-        <p:txBody>
-          <a:bodyPr/>
-          <a:lstStyle/>
-          <a:p>
-            <a:r>
-              <a:rPr lang="en-US" dirty="0"/>
-              <a:t>Check your understanding…</a:t>
-            </a:r>
-          </a:p>
-        </p:txBody>
-      </p:sp>
-      <p:sp>
-        <p:nvSpPr>
-          <p:cNvPr id="3" name="Content Placeholder 2"/>
-          <p:cNvSpPr>
-            <a:spLocks noGrp="1"/>
-          </p:cNvSpPr>
-          <p:nvPr>
-            <p:ph idx="1"/>
-          </p:nvPr>
-        </p:nvSpPr>
-        <p:spPr>
-          <a:xfrm>
-            <a:off x="457200" y="1219200"/>
-            <a:ext cx="8229600" cy="3733800"/>
-          </a:xfrm>
-          <a:ln>
-            <a:solidFill>
-              <a:schemeClr val="accent1">
-                <a:shade val="50000"/>
-              </a:schemeClr>
-            </a:solidFill>
-          </a:ln>
-        </p:spPr>
-        <p:txBody>
-          <a:bodyPr>
-            <a:normAutofit/>
-          </a:bodyPr>
-          <a:lstStyle/>
-          <a:p>
-            <a:pPr marL="0" indent="0">
-              <a:buNone/>
-            </a:pPr>
-            <a:r>
-              <a:rPr lang="en-US" sz="2000" b="1" dirty="0">
-                <a:latin typeface="Courier New" panose="02070309020205020404" pitchFamily="49" charset="0"/>
-                <a:cs typeface="Courier New" panose="02070309020205020404" pitchFamily="49" charset="0"/>
-              </a:rPr>
-              <a:t>public</a:t>
-            </a:r>
-            <a:r>
-              <a:rPr lang="en-US" sz="2000" dirty="0">
-                <a:latin typeface="Courier New" panose="02070309020205020404" pitchFamily="49" charset="0"/>
-                <a:cs typeface="Courier New" panose="02070309020205020404" pitchFamily="49" charset="0"/>
-              </a:rPr>
-              <a:t> </a:t>
-            </a:r>
-            <a:r>
-              <a:rPr lang="en-US" sz="2000" b="1" dirty="0">
-                <a:latin typeface="Courier New" panose="02070309020205020404" pitchFamily="49" charset="0"/>
-                <a:cs typeface="Courier New" panose="02070309020205020404" pitchFamily="49" charset="0"/>
-              </a:rPr>
-              <a:t>interface</a:t>
-            </a:r>
-            <a:r>
-              <a:rPr lang="en-US" sz="2000" dirty="0">
-                <a:latin typeface="Courier New" panose="02070309020205020404" pitchFamily="49" charset="0"/>
-                <a:cs typeface="Courier New" panose="02070309020205020404" pitchFamily="49" charset="0"/>
-              </a:rPr>
-              <a:t> Pet{</a:t>
-            </a:r>
-          </a:p>
-          <a:p>
-            <a:pPr marL="0" indent="0">
-              <a:buNone/>
-            </a:pPr>
-            <a:r>
-              <a:rPr lang="en-US" sz="2000" dirty="0">
-                <a:latin typeface="Courier New" panose="02070309020205020404" pitchFamily="49" charset="0"/>
-                <a:cs typeface="Courier New" panose="02070309020205020404" pitchFamily="49" charset="0"/>
-              </a:rPr>
-              <a:t>    </a:t>
-            </a:r>
-            <a:r>
-              <a:rPr lang="en-US" sz="2000" b="1" dirty="0">
-                <a:latin typeface="Courier New" panose="02070309020205020404" pitchFamily="49" charset="0"/>
-                <a:cs typeface="Courier New" panose="02070309020205020404" pitchFamily="49" charset="0"/>
-              </a:rPr>
-              <a:t>private</a:t>
-            </a:r>
-            <a:r>
-              <a:rPr lang="en-US" sz="2000" dirty="0">
-                <a:latin typeface="Courier New" panose="02070309020205020404" pitchFamily="49" charset="0"/>
-                <a:cs typeface="Courier New" panose="02070309020205020404" pitchFamily="49" charset="0"/>
-              </a:rPr>
-              <a:t> String name;</a:t>
-            </a:r>
-          </a:p>
-          <a:p>
-            <a:pPr marL="0" indent="0">
-              <a:buNone/>
-            </a:pPr>
-            <a:endParaRPr lang="en-US" sz="2000" dirty="0">
-              <a:latin typeface="Courier New" panose="02070309020205020404" pitchFamily="49" charset="0"/>
-              <a:cs typeface="Courier New" panose="02070309020205020404" pitchFamily="49" charset="0"/>
-            </a:endParaRPr>
-          </a:p>
-          <a:p>
-            <a:pPr marL="0" indent="0">
-              <a:buNone/>
-            </a:pPr>
-            <a:r>
-              <a:rPr lang="en-US" sz="2000" dirty="0">
-                <a:latin typeface="Courier New" panose="02070309020205020404" pitchFamily="49" charset="0"/>
-                <a:cs typeface="Courier New" panose="02070309020205020404" pitchFamily="49" charset="0"/>
-              </a:rPr>
-              <a:t>    </a:t>
-            </a:r>
-            <a:r>
-              <a:rPr lang="en-US" sz="2000" b="1" dirty="0">
-                <a:latin typeface="Courier New" panose="02070309020205020404" pitchFamily="49" charset="0"/>
-                <a:cs typeface="Courier New" panose="02070309020205020404" pitchFamily="49" charset="0"/>
-              </a:rPr>
-              <a:t>public</a:t>
-            </a:r>
-            <a:r>
-              <a:rPr lang="en-US" sz="2000" dirty="0">
-                <a:latin typeface="Courier New" panose="02070309020205020404" pitchFamily="49" charset="0"/>
-                <a:cs typeface="Courier New" panose="02070309020205020404" pitchFamily="49" charset="0"/>
-              </a:rPr>
-              <a:t> Pet(String name){</a:t>
-            </a:r>
-          </a:p>
-          <a:p>
-            <a:pPr marL="0" indent="0">
-              <a:buNone/>
-            </a:pPr>
-            <a:r>
-              <a:rPr lang="en-US" sz="2000" dirty="0">
-                <a:latin typeface="Courier New" panose="02070309020205020404" pitchFamily="49" charset="0"/>
-                <a:cs typeface="Courier New" panose="02070309020205020404" pitchFamily="49" charset="0"/>
-              </a:rPr>
-              <a:t>        this.name = name;</a:t>
-            </a:r>
-          </a:p>
-          <a:p>
-            <a:pPr marL="0" indent="0">
-              <a:buNone/>
-            </a:pPr>
-            <a:r>
-              <a:rPr lang="en-US" sz="2000" dirty="0">
-                <a:latin typeface="Courier New" panose="02070309020205020404" pitchFamily="49" charset="0"/>
-                <a:cs typeface="Courier New" panose="02070309020205020404" pitchFamily="49" charset="0"/>
-              </a:rPr>
-              <a:t>    }</a:t>
-            </a:r>
-          </a:p>
-          <a:p>
-            <a:pPr marL="0" indent="0">
-              <a:buNone/>
-            </a:pPr>
-            <a:r>
-              <a:rPr lang="en-US" sz="2000" dirty="0">
-                <a:latin typeface="Courier New" panose="02070309020205020404" pitchFamily="49" charset="0"/>
-                <a:cs typeface="Courier New" panose="02070309020205020404" pitchFamily="49" charset="0"/>
-              </a:rPr>
-              <a:t>    </a:t>
-            </a:r>
-            <a:r>
-              <a:rPr lang="en-US" sz="2000" b="1" dirty="0">
-                <a:latin typeface="Courier New" panose="02070309020205020404" pitchFamily="49" charset="0"/>
-                <a:cs typeface="Courier New" panose="02070309020205020404" pitchFamily="49" charset="0"/>
-              </a:rPr>
-              <a:t>public</a:t>
-            </a:r>
-            <a:r>
-              <a:rPr lang="en-US" sz="2000" dirty="0">
-                <a:latin typeface="Courier New" panose="02070309020205020404" pitchFamily="49" charset="0"/>
-                <a:cs typeface="Courier New" panose="02070309020205020404" pitchFamily="49" charset="0"/>
-              </a:rPr>
-              <a:t> </a:t>
-            </a:r>
-            <a:r>
-              <a:rPr lang="en-US" sz="2000" b="1" dirty="0">
-                <a:latin typeface="Courier New" panose="02070309020205020404" pitchFamily="49" charset="0"/>
-                <a:cs typeface="Courier New" panose="02070309020205020404" pitchFamily="49" charset="0"/>
-              </a:rPr>
-              <a:t>void</a:t>
-            </a:r>
-            <a:r>
-              <a:rPr lang="en-US" sz="2000" dirty="0">
-                <a:latin typeface="Courier New" panose="02070309020205020404" pitchFamily="49" charset="0"/>
-                <a:cs typeface="Courier New" panose="02070309020205020404" pitchFamily="49" charset="0"/>
-              </a:rPr>
-              <a:t> speak(){</a:t>
-            </a:r>
-          </a:p>
-          <a:p>
-            <a:pPr marL="0" indent="0">
-              <a:buNone/>
-            </a:pPr>
-            <a:r>
-              <a:rPr lang="en-US" sz="2000" dirty="0">
-                <a:latin typeface="Courier New" panose="02070309020205020404" pitchFamily="49" charset="0"/>
-                <a:cs typeface="Courier New" panose="02070309020205020404" pitchFamily="49" charset="0"/>
-              </a:rPr>
-              <a:t>        </a:t>
-            </a:r>
-            <a:r>
-              <a:rPr lang="en-US" sz="2000" dirty="0" err="1">
-                <a:latin typeface="Courier New" panose="02070309020205020404" pitchFamily="49" charset="0"/>
-                <a:cs typeface="Courier New" panose="02070309020205020404" pitchFamily="49" charset="0"/>
-              </a:rPr>
-              <a:t>System.out.println</a:t>
-            </a:r>
-            <a:r>
-              <a:rPr lang="en-US" sz="2000" dirty="0">
-                <a:latin typeface="Courier New" panose="02070309020205020404" pitchFamily="49" charset="0"/>
-                <a:cs typeface="Courier New" panose="02070309020205020404" pitchFamily="49" charset="0"/>
-              </a:rPr>
-              <a:t>(name);</a:t>
-            </a:r>
-          </a:p>
-          <a:p>
-            <a:pPr marL="0" indent="0">
-              <a:buNone/>
-            </a:pPr>
-            <a:r>
-              <a:rPr lang="en-US" sz="2000" dirty="0">
-                <a:latin typeface="Courier New" panose="02070309020205020404" pitchFamily="49" charset="0"/>
-                <a:cs typeface="Courier New" panose="02070309020205020404" pitchFamily="49" charset="0"/>
-              </a:rPr>
-              <a:t>    }</a:t>
-            </a:r>
-          </a:p>
-          <a:p>
-            <a:pPr marL="0" indent="0">
-              <a:buNone/>
-            </a:pPr>
-            <a:r>
-              <a:rPr lang="en-US" sz="2000" dirty="0">
-                <a:latin typeface="Courier New" panose="02070309020205020404" pitchFamily="49" charset="0"/>
-                <a:cs typeface="Courier New" panose="02070309020205020404" pitchFamily="49" charset="0"/>
-              </a:rPr>
-              <a:t>}</a:t>
-            </a:r>
-          </a:p>
-        </p:txBody>
-      </p:sp>
-      <p:sp>
-        <p:nvSpPr>
-          <p:cNvPr id="4" name="TextBox 3"/>
-          <p:cNvSpPr txBox="1"/>
-          <p:nvPr/>
-        </p:nvSpPr>
-        <p:spPr>
-          <a:xfrm>
-            <a:off x="3048000" y="5029200"/>
-            <a:ext cx="5261377" cy="1384995"/>
-          </a:xfrm>
-          <a:prstGeom prst="rect">
-            <a:avLst/>
-          </a:prstGeom>
-          <a:noFill/>
-          <a:ln>
-            <a:solidFill>
-              <a:schemeClr val="tx1"/>
-            </a:solidFill>
-          </a:ln>
-        </p:spPr>
-        <p:txBody>
-          <a:bodyPr wrap="none" rtlCol="0">
-            <a:spAutoFit/>
-          </a:bodyPr>
-          <a:lstStyle/>
-          <a:p>
-            <a:r>
-              <a:rPr lang="en-US" sz="2800" dirty="0"/>
-              <a:t>Is this a valid interface? </a:t>
-            </a:r>
-          </a:p>
-          <a:p>
-            <a:r>
-              <a:rPr lang="en-US" sz="2800" dirty="0"/>
-              <a:t>Why or why not?</a:t>
-            </a:r>
-          </a:p>
-          <a:p>
-            <a:r>
-              <a:rPr lang="en-US" sz="2800" dirty="0"/>
-              <a:t>List all the reasons it is not valid</a:t>
-            </a:r>
-          </a:p>
-        </p:txBody>
-      </p:sp>
-    </p:spTree>
-    <p:extLst>
-      <p:ext uri="{BB962C8B-B14F-4D97-AF65-F5344CB8AC3E}">
-        <p14:creationId xmlns:p14="http://schemas.microsoft.com/office/powerpoint/2010/main" val="1781697480"/>
-      </p:ext>
-    </p:extLst>
-  </p:cSld>
-  <p:clrMapOvr>
-    <a:masterClrMapping/>
-  </p:clrMapOvr>
-</p:sld>
-</file>
-
 <file path=ppt/slides/slide19.xml><?xml version="1.0" encoding="utf-8"?>
 <p:sld xmlns:a="http://schemas.openxmlformats.org/drawingml/2006/main" xmlns:r="http://schemas.openxmlformats.org/officeDocument/2006/relationships" xmlns:p="http://schemas.openxmlformats.org/presentationml/2006/main">
   <p:cSld>
@@ -11450,7 +11591,7 @@
           <a:p>
             <a:r>
               <a:rPr lang="en-US" dirty="0"/>
-              <a:t>Valid interface</a:t>
+              <a:t>Check your understanding…</a:t>
             </a:r>
           </a:p>
         </p:txBody>
@@ -11467,12 +11608,14 @@
         </p:nvSpPr>
         <p:spPr>
           <a:xfrm>
-            <a:off x="457200" y="1600201"/>
-            <a:ext cx="8229600" cy="1143000"/>
+            <a:off x="457200" y="1219200"/>
+            <a:ext cx="8229600" cy="3733800"/>
           </a:xfrm>
           <a:ln>
             <a:solidFill>
-              <a:schemeClr val="tx1"/>
+              <a:schemeClr val="accent1">
+                <a:shade val="50000"/>
+              </a:schemeClr>
             </a:solidFill>
           </a:ln>
         </p:spPr>
@@ -11530,39 +11673,162 @@
                 <a:latin typeface="Courier New" panose="02070309020205020404" pitchFamily="49" charset="0"/>
                 <a:cs typeface="Courier New" panose="02070309020205020404" pitchFamily="49" charset="0"/>
               </a:rPr>
-              <a:t>public</a:t>
+              <a:t>private</a:t>
             </a:r>
             <a:r>
               <a:rPr lang="en-US" sz="2000" dirty="0">
                 <a:latin typeface="Courier New" panose="02070309020205020404" pitchFamily="49" charset="0"/>
                 <a:cs typeface="Courier New" panose="02070309020205020404" pitchFamily="49" charset="0"/>
               </a:rPr>
-              <a:t> </a:t>
-            </a:r>
-            <a:r>
-              <a:rPr lang="en-US" sz="2000" b="1" dirty="0">
-                <a:latin typeface="Courier New" panose="02070309020205020404" pitchFamily="49" charset="0"/>
-                <a:cs typeface="Courier New" panose="02070309020205020404" pitchFamily="49" charset="0"/>
-              </a:rPr>
-              <a:t>void</a:t>
-            </a:r>
-            <a:r>
-              <a:rPr lang="en-US" sz="2000" dirty="0">
-                <a:latin typeface="Courier New" panose="02070309020205020404" pitchFamily="49" charset="0"/>
-                <a:cs typeface="Courier New" panose="02070309020205020404" pitchFamily="49" charset="0"/>
-              </a:rPr>
-              <a:t> speak();</a:t>
+              <a:t> String name;</a:t>
             </a:r>
           </a:p>
           <a:p>
             <a:pPr marL="0" indent="0">
               <a:buNone/>
             </a:pPr>
+            <a:endParaRPr lang="en-US" sz="2000" dirty="0">
+              <a:latin typeface="Courier New" panose="02070309020205020404" pitchFamily="49" charset="0"/>
+              <a:cs typeface="Courier New" panose="02070309020205020404" pitchFamily="49" charset="0"/>
+            </a:endParaRPr>
+          </a:p>
+          <a:p>
+            <a:pPr marL="0" indent="0">
+              <a:buNone/>
+            </a:pPr>
             <a:r>
               <a:rPr lang="en-US" sz="2000" dirty="0">
                 <a:latin typeface="Courier New" panose="02070309020205020404" pitchFamily="49" charset="0"/>
                 <a:cs typeface="Courier New" panose="02070309020205020404" pitchFamily="49" charset="0"/>
               </a:rPr>
+              <a:t>    </a:t>
+            </a:r>
+            <a:r>
+              <a:rPr lang="en-US" sz="2000" b="1" dirty="0">
+                <a:latin typeface="Courier New" panose="02070309020205020404" pitchFamily="49" charset="0"/>
+                <a:cs typeface="Courier New" panose="02070309020205020404" pitchFamily="49" charset="0"/>
+              </a:rPr>
+              <a:t>public</a:t>
+            </a:r>
+            <a:r>
+              <a:rPr lang="en-US" sz="2000" dirty="0">
+                <a:latin typeface="Courier New" panose="02070309020205020404" pitchFamily="49" charset="0"/>
+                <a:cs typeface="Courier New" panose="02070309020205020404" pitchFamily="49" charset="0"/>
+              </a:rPr>
+              <a:t> Pet(String name){</a:t>
+            </a:r>
+          </a:p>
+          <a:p>
+            <a:pPr marL="0" indent="0">
+              <a:buNone/>
+            </a:pPr>
+            <a:r>
+              <a:rPr lang="en-US" sz="2000" dirty="0">
+                <a:latin typeface="Courier New" panose="02070309020205020404" pitchFamily="49" charset="0"/>
+                <a:cs typeface="Courier New" panose="02070309020205020404" pitchFamily="49" charset="0"/>
+              </a:rPr>
+              <a:t>        this.name = name;</a:t>
+            </a:r>
+          </a:p>
+          <a:p>
+            <a:pPr marL="0" indent="0">
+              <a:buNone/>
+            </a:pPr>
+            <a:r>
+              <a:rPr lang="en-US" sz="2000" dirty="0">
+                <a:latin typeface="Courier New" panose="02070309020205020404" pitchFamily="49" charset="0"/>
+                <a:cs typeface="Courier New" panose="02070309020205020404" pitchFamily="49" charset="0"/>
+              </a:rPr>
+              <a:t>    }</a:t>
+            </a:r>
+          </a:p>
+          <a:p>
+            <a:pPr marL="0" indent="0">
+              <a:buNone/>
+            </a:pPr>
+            <a:r>
+              <a:rPr lang="en-US" sz="2000" dirty="0">
+                <a:latin typeface="Courier New" panose="02070309020205020404" pitchFamily="49" charset="0"/>
+                <a:cs typeface="Courier New" panose="02070309020205020404" pitchFamily="49" charset="0"/>
+              </a:rPr>
+              <a:t>    </a:t>
+            </a:r>
+            <a:r>
+              <a:rPr lang="en-US" sz="2000" b="1" dirty="0">
+                <a:latin typeface="Courier New" panose="02070309020205020404" pitchFamily="49" charset="0"/>
+                <a:cs typeface="Courier New" panose="02070309020205020404" pitchFamily="49" charset="0"/>
+              </a:rPr>
+              <a:t>public</a:t>
+            </a:r>
+            <a:r>
+              <a:rPr lang="en-US" sz="2000" dirty="0">
+                <a:latin typeface="Courier New" panose="02070309020205020404" pitchFamily="49" charset="0"/>
+                <a:cs typeface="Courier New" panose="02070309020205020404" pitchFamily="49" charset="0"/>
+              </a:rPr>
+              <a:t> </a:t>
+            </a:r>
+            <a:r>
+              <a:rPr lang="en-US" sz="2000" b="1" dirty="0">
+                <a:latin typeface="Courier New" panose="02070309020205020404" pitchFamily="49" charset="0"/>
+                <a:cs typeface="Courier New" panose="02070309020205020404" pitchFamily="49" charset="0"/>
+              </a:rPr>
+              <a:t>void</a:t>
+            </a:r>
+            <a:r>
+              <a:rPr lang="en-US" sz="2000" dirty="0">
+                <a:latin typeface="Courier New" panose="02070309020205020404" pitchFamily="49" charset="0"/>
+                <a:cs typeface="Courier New" panose="02070309020205020404" pitchFamily="49" charset="0"/>
+              </a:rPr>
+              <a:t> speak(){</a:t>
+            </a:r>
+          </a:p>
+          <a:p>
+            <a:pPr marL="0" indent="0">
+              <a:buNone/>
+            </a:pPr>
+            <a:r>
+              <a:rPr lang="en-US" sz="2000" dirty="0">
+                <a:latin typeface="Courier New" panose="02070309020205020404" pitchFamily="49" charset="0"/>
+                <a:cs typeface="Courier New" panose="02070309020205020404" pitchFamily="49" charset="0"/>
+              </a:rPr>
+              <a:t>        </a:t>
+            </a:r>
+            <a:r>
+              <a:rPr lang="en-US" sz="2000" dirty="0" err="1">
+                <a:latin typeface="Courier New" panose="02070309020205020404" pitchFamily="49" charset="0"/>
+                <a:cs typeface="Courier New" panose="02070309020205020404" pitchFamily="49" charset="0"/>
+              </a:rPr>
+              <a:t>System.out.println</a:t>
+            </a:r>
+            <a:r>
+              <a:rPr lang="en-US" sz="2000" dirty="0">
+                <a:latin typeface="Courier New" panose="02070309020205020404" pitchFamily="49" charset="0"/>
+                <a:cs typeface="Courier New" panose="02070309020205020404" pitchFamily="49" charset="0"/>
+              </a:rPr>
+              <a:t>(name);</a:t>
+            </a:r>
+          </a:p>
+          <a:p>
+            <a:pPr marL="0" indent="0">
+              <a:buNone/>
+            </a:pPr>
+            <a:r>
+              <a:rPr lang="en-US" sz="2000" dirty="0">
+                <a:latin typeface="Courier New" panose="02070309020205020404" pitchFamily="49" charset="0"/>
+                <a:cs typeface="Courier New" panose="02070309020205020404" pitchFamily="49" charset="0"/>
+              </a:rPr>
+              <a:t>    }</a:t>
+            </a:r>
+          </a:p>
+          <a:p>
+            <a:pPr marL="0" indent="0">
+              <a:buNone/>
+            </a:pPr>
+            <a:r>
+              <a:rPr lang="en-US" sz="2000" dirty="0">
+                <a:latin typeface="Courier New" panose="02070309020205020404" pitchFamily="49" charset="0"/>
+                <a:cs typeface="Courier New" panose="02070309020205020404" pitchFamily="49" charset="0"/>
+              </a:rPr>
               <a:t>}</a:t>
             </a:r>
           </a:p>
@@ -11570,14 +11836,14 @@
       </p:sp>
       <p:sp>
         <p:nvSpPr>
-          <p:cNvPr id="5" name="TextBox 4"/>
+          <p:cNvPr id="4" name="TextBox 3"/>
           <p:cNvSpPr txBox="1"/>
           <p:nvPr/>
         </p:nvSpPr>
         <p:spPr>
           <a:xfrm>
-            <a:off x="2286000" y="2971800"/>
-            <a:ext cx="4229043" cy="1815882"/>
+            <a:off x="3048000" y="5029200"/>
+            <a:ext cx="5261377" cy="1384995"/>
           </a:xfrm>
           <a:prstGeom prst="rect">
             <a:avLst/>
@@ -11597,37 +11863,19 @@
           <a:p>
             <a:r>
               <a:rPr lang="en-US" sz="2800" dirty="0"/>
-              <a:t>What happened to:</a:t>
-            </a:r>
-          </a:p>
-          <a:p>
-            <a:pPr marL="457200" indent="-457200">
-              <a:buFont typeface="Arial" panose="020B0604020202020204" pitchFamily="34" charset="0"/>
-              <a:buChar char="•"/>
-            </a:pPr>
+              <a:t>Is this a valid interface? </a:t>
+            </a:r>
+          </a:p>
+          <a:p>
             <a:r>
               <a:rPr lang="en-US" sz="2800" dirty="0"/>
-              <a:t>The fieldname?</a:t>
-            </a:r>
-          </a:p>
-          <a:p>
-            <a:pPr marL="457200" indent="-457200">
-              <a:buFont typeface="Arial" panose="020B0604020202020204" pitchFamily="34" charset="0"/>
-              <a:buChar char="•"/>
-            </a:pPr>
+              <a:t>Why or why not?</a:t>
+            </a:r>
+          </a:p>
+          <a:p>
             <a:r>
               <a:rPr lang="en-US" sz="2800" dirty="0"/>
-              <a:t>The operation bodies?</a:t>
-            </a:r>
-          </a:p>
-          <a:p>
-            <a:pPr marL="457200" indent="-457200">
-              <a:buFont typeface="Arial" panose="020B0604020202020204" pitchFamily="34" charset="0"/>
-              <a:buChar char="•"/>
-            </a:pPr>
-            <a:r>
-              <a:rPr lang="en-US" sz="2800" dirty="0"/>
-              <a:t>The constructor?</a:t>
+              <a:t>List all the reasons it is not valid</a:t>
             </a:r>
           </a:p>
         </p:txBody>
@@ -11635,7 +11883,7 @@
     </p:spTree>
     <p:extLst>
       <p:ext uri="{BB962C8B-B14F-4D97-AF65-F5344CB8AC3E}">
-        <p14:creationId xmlns:p14="http://schemas.microsoft.com/office/powerpoint/2010/main" val="641702362"/>
+        <p14:creationId xmlns:p14="http://schemas.microsoft.com/office/powerpoint/2010/main" val="1781697480"/>
       </p:ext>
     </p:extLst>
   </p:cSld>
@@ -11792,6 +12040,235 @@
         </p:nvSpPr>
         <p:spPr/>
         <p:txBody>
+          <a:bodyPr/>
+          <a:lstStyle/>
+          <a:p>
+            <a:r>
+              <a:rPr lang="en-US" dirty="0"/>
+              <a:t>Valid interface</a:t>
+            </a:r>
+          </a:p>
+        </p:txBody>
+      </p:sp>
+      <p:sp>
+        <p:nvSpPr>
+          <p:cNvPr id="3" name="Content Placeholder 2"/>
+          <p:cNvSpPr>
+            <a:spLocks noGrp="1"/>
+          </p:cNvSpPr>
+          <p:nvPr>
+            <p:ph idx="1"/>
+          </p:nvPr>
+        </p:nvSpPr>
+        <p:spPr>
+          <a:xfrm>
+            <a:off x="457200" y="1600201"/>
+            <a:ext cx="8229600" cy="1143000"/>
+          </a:xfrm>
+          <a:ln>
+            <a:solidFill>
+              <a:schemeClr val="tx1"/>
+            </a:solidFill>
+          </a:ln>
+        </p:spPr>
+        <p:txBody>
+          <a:bodyPr>
+            <a:normAutofit/>
+          </a:bodyPr>
+          <a:lstStyle/>
+          <a:p>
+            <a:pPr marL="0" indent="0">
+              <a:buNone/>
+            </a:pPr>
+            <a:r>
+              <a:rPr lang="en-US" sz="2000" b="1" dirty="0">
+                <a:latin typeface="Courier New" panose="02070309020205020404" pitchFamily="49" charset="0"/>
+                <a:cs typeface="Courier New" panose="02070309020205020404" pitchFamily="49" charset="0"/>
+              </a:rPr>
+              <a:t>public</a:t>
+            </a:r>
+            <a:r>
+              <a:rPr lang="en-US" sz="2000" dirty="0">
+                <a:latin typeface="Courier New" panose="02070309020205020404" pitchFamily="49" charset="0"/>
+                <a:cs typeface="Courier New" panose="02070309020205020404" pitchFamily="49" charset="0"/>
+              </a:rPr>
+              <a:t> </a:t>
+            </a:r>
+            <a:r>
+              <a:rPr lang="en-US" sz="2000" b="1" dirty="0">
+                <a:latin typeface="Courier New" panose="02070309020205020404" pitchFamily="49" charset="0"/>
+                <a:cs typeface="Courier New" panose="02070309020205020404" pitchFamily="49" charset="0"/>
+              </a:rPr>
+              <a:t>interface</a:t>
+            </a:r>
+            <a:r>
+              <a:rPr lang="en-US" sz="2000" dirty="0">
+                <a:latin typeface="Courier New" panose="02070309020205020404" pitchFamily="49" charset="0"/>
+                <a:cs typeface="Courier New" panose="02070309020205020404" pitchFamily="49" charset="0"/>
+              </a:rPr>
+              <a:t> Pet{</a:t>
+            </a:r>
+          </a:p>
+          <a:p>
+            <a:pPr marL="0" indent="0">
+              <a:buNone/>
+            </a:pPr>
+            <a:r>
+              <a:rPr lang="en-US" sz="2000" dirty="0">
+                <a:latin typeface="Courier New" panose="02070309020205020404" pitchFamily="49" charset="0"/>
+                <a:cs typeface="Courier New" panose="02070309020205020404" pitchFamily="49" charset="0"/>
+              </a:rPr>
+              <a:t>    </a:t>
+            </a:r>
+            <a:r>
+              <a:rPr lang="en-US" sz="2000" b="1" dirty="0">
+                <a:latin typeface="Courier New" panose="02070309020205020404" pitchFamily="49" charset="0"/>
+                <a:cs typeface="Courier New" panose="02070309020205020404" pitchFamily="49" charset="0"/>
+              </a:rPr>
+              <a:t>public</a:t>
+            </a:r>
+            <a:r>
+              <a:rPr lang="en-US" sz="2000" dirty="0">
+                <a:latin typeface="Courier New" panose="02070309020205020404" pitchFamily="49" charset="0"/>
+                <a:cs typeface="Courier New" panose="02070309020205020404" pitchFamily="49" charset="0"/>
+              </a:rPr>
+              <a:t> </a:t>
+            </a:r>
+            <a:r>
+              <a:rPr lang="en-US" sz="2000" b="1" dirty="0">
+                <a:latin typeface="Courier New" panose="02070309020205020404" pitchFamily="49" charset="0"/>
+                <a:cs typeface="Courier New" panose="02070309020205020404" pitchFamily="49" charset="0"/>
+              </a:rPr>
+              <a:t>void</a:t>
+            </a:r>
+            <a:r>
+              <a:rPr lang="en-US" sz="2000" dirty="0">
+                <a:latin typeface="Courier New" panose="02070309020205020404" pitchFamily="49" charset="0"/>
+                <a:cs typeface="Courier New" panose="02070309020205020404" pitchFamily="49" charset="0"/>
+              </a:rPr>
+              <a:t> speak();</a:t>
+            </a:r>
+          </a:p>
+          <a:p>
+            <a:pPr marL="0" indent="0">
+              <a:buNone/>
+            </a:pPr>
+            <a:r>
+              <a:rPr lang="en-US" sz="2000" dirty="0">
+                <a:latin typeface="Courier New" panose="02070309020205020404" pitchFamily="49" charset="0"/>
+                <a:cs typeface="Courier New" panose="02070309020205020404" pitchFamily="49" charset="0"/>
+              </a:rPr>
+              <a:t>}</a:t>
+            </a:r>
+          </a:p>
+        </p:txBody>
+      </p:sp>
+      <p:sp>
+        <p:nvSpPr>
+          <p:cNvPr id="5" name="TextBox 4"/>
+          <p:cNvSpPr txBox="1"/>
+          <p:nvPr/>
+        </p:nvSpPr>
+        <p:spPr>
+          <a:xfrm>
+            <a:off x="2286000" y="2971800"/>
+            <a:ext cx="4229043" cy="1815882"/>
+          </a:xfrm>
+          <a:prstGeom prst="rect">
+            <a:avLst/>
+          </a:prstGeom>
+          <a:noFill/>
+          <a:ln>
+            <a:solidFill>
+              <a:schemeClr val="tx1"/>
+            </a:solidFill>
+          </a:ln>
+        </p:spPr>
+        <p:txBody>
+          <a:bodyPr wrap="none" rtlCol="0">
+            <a:spAutoFit/>
+          </a:bodyPr>
+          <a:lstStyle/>
+          <a:p>
+            <a:r>
+              <a:rPr lang="en-US" sz="2800" dirty="0"/>
+              <a:t>What happened to:</a:t>
+            </a:r>
+          </a:p>
+          <a:p>
+            <a:pPr marL="457200" indent="-457200">
+              <a:buFont typeface="Arial" panose="020B0604020202020204" pitchFamily="34" charset="0"/>
+              <a:buChar char="•"/>
+            </a:pPr>
+            <a:r>
+              <a:rPr lang="en-US" sz="2800" dirty="0"/>
+              <a:t>The fieldname?</a:t>
+            </a:r>
+          </a:p>
+          <a:p>
+            <a:pPr marL="457200" indent="-457200">
+              <a:buFont typeface="Arial" panose="020B0604020202020204" pitchFamily="34" charset="0"/>
+              <a:buChar char="•"/>
+            </a:pPr>
+            <a:r>
+              <a:rPr lang="en-US" sz="2800" dirty="0"/>
+              <a:t>The operation bodies?</a:t>
+            </a:r>
+          </a:p>
+          <a:p>
+            <a:pPr marL="457200" indent="-457200">
+              <a:buFont typeface="Arial" panose="020B0604020202020204" pitchFamily="34" charset="0"/>
+              <a:buChar char="•"/>
+            </a:pPr>
+            <a:r>
+              <a:rPr lang="en-US" sz="2800" dirty="0"/>
+              <a:t>The constructor?</a:t>
+            </a:r>
+          </a:p>
+        </p:txBody>
+      </p:sp>
+    </p:spTree>
+    <p:extLst>
+      <p:ext uri="{BB962C8B-B14F-4D97-AF65-F5344CB8AC3E}">
+        <p14:creationId xmlns:p14="http://schemas.microsoft.com/office/powerpoint/2010/main" val="641702362"/>
+      </p:ext>
+    </p:extLst>
+  </p:cSld>
+  <p:clrMapOvr>
+    <a:masterClrMapping/>
+  </p:clrMapOvr>
+</p:sld>
+</file>
+
+<file path=ppt/slides/slide21.xml><?xml version="1.0" encoding="utf-8"?>
+<p:sld xmlns:a="http://schemas.openxmlformats.org/drawingml/2006/main" xmlns:r="http://schemas.openxmlformats.org/officeDocument/2006/relationships" xmlns:p="http://schemas.openxmlformats.org/presentationml/2006/main">
+  <p:cSld>
+    <p:spTree>
+      <p:nvGrpSpPr>
+        <p:cNvPr id="1" name=""/>
+        <p:cNvGrpSpPr/>
+        <p:nvPr/>
+      </p:nvGrpSpPr>
+      <p:grpSpPr>
+        <a:xfrm>
+          <a:off x="0" y="0"/>
+          <a:ext cx="0" cy="0"/>
+          <a:chOff x="0" y="0"/>
+          <a:chExt cx="0" cy="0"/>
+        </a:xfrm>
+      </p:grpSpPr>
+      <p:sp>
+        <p:nvSpPr>
+          <p:cNvPr id="2" name="Title 1"/>
+          <p:cNvSpPr>
+            <a:spLocks noGrp="1"/>
+          </p:cNvSpPr>
+          <p:nvPr>
+            <p:ph type="title"/>
+          </p:nvPr>
+        </p:nvSpPr>
+        <p:spPr/>
+        <p:txBody>
           <a:bodyPr>
             <a:normAutofit/>
           </a:bodyPr>
@@ -12124,7 +12601,7 @@
 </p:sld>
 </file>
 
-<file path=ppt/slides/slide21.xml><?xml version="1.0" encoding="utf-8"?>
+<file path=ppt/slides/slide22.xml><?xml version="1.0" encoding="utf-8"?>
 <p:sld xmlns:a="http://schemas.openxmlformats.org/drawingml/2006/main" xmlns:r="http://schemas.openxmlformats.org/officeDocument/2006/relationships" xmlns:p="http://schemas.openxmlformats.org/presentationml/2006/main">
   <p:cSld>
     <p:spTree>
@@ -12745,7 +13222,7 @@
 </p:sld>
 </file>
 
-<file path=ppt/slides/slide22.xml><?xml version="1.0" encoding="utf-8"?>
+<file path=ppt/slides/slide23.xml><?xml version="1.0" encoding="utf-8"?>
 <p:sld xmlns:a="http://schemas.openxmlformats.org/drawingml/2006/main" xmlns:r="http://schemas.openxmlformats.org/officeDocument/2006/relationships" xmlns:p="http://schemas.openxmlformats.org/presentationml/2006/main">
   <p:cSld>
     <p:spTree>
@@ -13032,7 +13509,7 @@
 </p:sld>
 </file>
 
-<file path=ppt/slides/slide23.xml><?xml version="1.0" encoding="utf-8"?>
+<file path=ppt/slides/slide24.xml><?xml version="1.0" encoding="utf-8"?>
 <p:sld xmlns:a="http://schemas.openxmlformats.org/drawingml/2006/main" xmlns:r="http://schemas.openxmlformats.org/officeDocument/2006/relationships" xmlns:p="http://schemas.openxmlformats.org/presentationml/2006/main">
   <p:cSld>
     <p:spTree>
@@ -13176,7 +13653,7 @@
 </p:sld>
 </file>
 
-<file path=ppt/slides/slide24.xml><?xml version="1.0" encoding="utf-8"?>
+<file path=ppt/slides/slide25.xml><?xml version="1.0" encoding="utf-8"?>
 <p:sld xmlns:a="http://schemas.openxmlformats.org/drawingml/2006/main" xmlns:r="http://schemas.openxmlformats.org/officeDocument/2006/relationships" xmlns:p="http://schemas.openxmlformats.org/presentationml/2006/main">
   <p:cSld>
     <p:spTree>
@@ -13777,7 +14254,7 @@
 </p:sld>
 </file>
 
-<file path=ppt/slides/slide25.xml><?xml version="1.0" encoding="utf-8"?>
+<file path=ppt/slides/slide26.xml><?xml version="1.0" encoding="utf-8"?>
 <p:sld xmlns:a="http://schemas.openxmlformats.org/drawingml/2006/main" xmlns:r="http://schemas.openxmlformats.org/officeDocument/2006/relationships" xmlns:p="http://schemas.openxmlformats.org/presentationml/2006/main">
   <p:cSld>
     <p:spTree>
@@ -14180,7 +14657,7 @@
 </p:sld>
 </file>
 
-<file path=ppt/slides/slide26.xml><?xml version="1.0" encoding="utf-8"?>
+<file path=ppt/slides/slide27.xml><?xml version="1.0" encoding="utf-8"?>
 <p:sld xmlns:a="http://schemas.openxmlformats.org/drawingml/2006/main" xmlns:r="http://schemas.openxmlformats.org/officeDocument/2006/relationships" xmlns:p="http://schemas.openxmlformats.org/presentationml/2006/main">
   <p:cSld>
     <p:spTree>
@@ -14549,7 +15026,7 @@
 </p:sld>
 </file>
 
-<file path=ppt/slides/slide27.xml><?xml version="1.0" encoding="utf-8"?>
+<file path=ppt/slides/slide28.xml><?xml version="1.0" encoding="utf-8"?>
 <p:sld xmlns:a="http://schemas.openxmlformats.org/drawingml/2006/main" xmlns:r="http://schemas.openxmlformats.org/officeDocument/2006/relationships" xmlns:p="http://schemas.openxmlformats.org/presentationml/2006/main">
   <p:cSld>
     <p:spTree>
@@ -16332,14 +16809,47 @@
       </p:grpSpPr>
       <p:sp>
         <p:nvSpPr>
+          <p:cNvPr id="4" name="Title 3"/>
+          <p:cNvSpPr>
+            <a:spLocks noGrp="1"/>
+          </p:cNvSpPr>
+          <p:nvPr>
+            <p:ph type="title"/>
+          </p:nvPr>
+        </p:nvSpPr>
+        <p:spPr>
+          <a:xfrm>
+            <a:off x="457200" y="19050"/>
+            <a:ext cx="8229600" cy="1143000"/>
+          </a:xfrm>
+        </p:spPr>
+        <p:txBody>
+          <a:bodyPr/>
+          <a:lstStyle/>
+          <a:p>
+            <a:pPr fontAlgn="auto">
+              <a:spcAft>
+                <a:spcPts val="0"/>
+              </a:spcAft>
+              <a:defRPr/>
+            </a:pPr>
+            <a:r>
+              <a:rPr lang="en-US" dirty="0"/>
+              <a:t>Notation: @Override Annotation</a:t>
+            </a:r>
+          </a:p>
+        </p:txBody>
+      </p:sp>
+      <p:sp>
+        <p:nvSpPr>
           <p:cNvPr id="7" name="Rectangle 6"/>
           <p:cNvSpPr/>
           <p:nvPr/>
         </p:nvSpPr>
         <p:spPr>
           <a:xfrm>
-            <a:off x="482600" y="2772985"/>
-            <a:ext cx="8458200" cy="3785652"/>
+            <a:off x="457200" y="3200400"/>
+            <a:ext cx="8458200" cy="3416320"/>
           </a:xfrm>
           <a:prstGeom prst="rect">
             <a:avLst/>
@@ -16360,97 +16870,98 @@
               <a:defRPr/>
             </a:pPr>
             <a:r>
-              <a:rPr lang="en-US" sz="2400" b="1" dirty="0">
-                <a:latin typeface="Consolas" pitchFamily="49" charset="0"/>
-              </a:rPr>
-              <a:t>public</a:t>
-            </a:r>
-            <a:r>
-              <a:rPr lang="en-US" sz="2400" dirty="0">
-                <a:latin typeface="Consolas" pitchFamily="49" charset="0"/>
-              </a:rPr>
-              <a:t> </a:t>
-            </a:r>
-            <a:r>
-              <a:rPr lang="en-US" sz="2400" b="1" dirty="0">
-                <a:latin typeface="Consolas" pitchFamily="49" charset="0"/>
-              </a:rPr>
-              <a:t>class</a:t>
-            </a:r>
-            <a:r>
-              <a:rPr lang="en-US" sz="2400" dirty="0">
-                <a:latin typeface="Consolas" pitchFamily="49" charset="0"/>
-              </a:rPr>
-              <a:t> Truck </a:t>
-            </a:r>
-            <a:r>
-              <a:rPr lang="en-US" sz="2400" b="1" dirty="0">
-                <a:latin typeface="Consolas" pitchFamily="49" charset="0"/>
-              </a:rPr>
-              <a:t>implements</a:t>
-            </a:r>
-            <a:r>
-              <a:rPr lang="en-US" sz="2400" dirty="0">
-                <a:latin typeface="Consolas" pitchFamily="49" charset="0"/>
-              </a:rPr>
-              <a:t> Drivable {</a:t>
-            </a:r>
-            <a:br>
-              <a:rPr lang="en-US" sz="2400" dirty="0">
-                <a:latin typeface="Consolas" pitchFamily="49" charset="0"/>
-              </a:rPr>
-            </a:br>
-            <a:r>
-              <a:rPr lang="en-US" sz="2400" dirty="0">
-                <a:latin typeface="Consolas" pitchFamily="49" charset="0"/>
-              </a:rPr>
-              <a:t>	@Override	</a:t>
+              <a:rPr lang="en-US" sz="2000" dirty="0">
+                <a:latin typeface="+mn-lt"/>
+              </a:rPr>
+              <a:t>// </a:t>
+            </a:r>
+            <a:r>
+              <a:rPr lang="en-US" sz="2000" dirty="0">
+                <a:latin typeface="+mn-lt"/>
+                <a:hlinkClick r:id="rId3"/>
+              </a:rPr>
+              <a:t>The Java Tutorials on Annotations</a:t>
+            </a:r>
+            <a:r>
+              <a:rPr lang="en-US" sz="2000" dirty="0">
+                <a:latin typeface="+mn-lt"/>
+              </a:rPr>
+              <a:t> &lt;-- Click here to learn more</a:t>
             </a:r>
           </a:p>
           <a:p>
             <a:pPr>
               <a:defRPr/>
             </a:pPr>
-            <a:r>
-              <a:rPr lang="en-US" sz="2400" dirty="0">
-                <a:latin typeface="Consolas" pitchFamily="49" charset="0"/>
-              </a:rPr>
-              <a:t>	</a:t>
-            </a:r>
-            <a:r>
-              <a:rPr lang="en-US" sz="2400" b="1" dirty="0">
-                <a:latin typeface="Consolas" pitchFamily="49" charset="0"/>
-              </a:rPr>
-              <a:t>public</a:t>
-            </a:r>
-            <a:r>
-              <a:rPr lang="en-US" sz="2400" dirty="0">
-                <a:latin typeface="Consolas" pitchFamily="49" charset="0"/>
-              </a:rPr>
-              <a:t> </a:t>
-            </a:r>
-            <a:r>
-              <a:rPr lang="en-US" sz="2400" b="1" dirty="0">
-                <a:latin typeface="Consolas" pitchFamily="49" charset="0"/>
-              </a:rPr>
-              <a:t>void</a:t>
-            </a:r>
-            <a:r>
-              <a:rPr lang="en-US" sz="2400" dirty="0">
-                <a:latin typeface="Consolas" pitchFamily="49" charset="0"/>
-              </a:rPr>
-              <a:t> turn(double direction) {</a:t>
-            </a:r>
+            <a:endParaRPr lang="en-US" b="1" dirty="0">
+              <a:latin typeface="Consolas" pitchFamily="49" charset="0"/>
+            </a:endParaRPr>
           </a:p>
           <a:p>
             <a:pPr>
               <a:defRPr/>
             </a:pPr>
             <a:r>
-              <a:rPr lang="en-US" sz="2400" dirty="0">
+              <a:rPr lang="en-US" b="1" dirty="0">
                 <a:latin typeface="Consolas" pitchFamily="49" charset="0"/>
               </a:rPr>
-              <a:t>		...</a:t>
+              <a:t>public</a:t>
+            </a:r>
+            <a:r>
+              <a:rPr lang="en-US" dirty="0">
+                <a:latin typeface="Consolas" pitchFamily="49" charset="0"/>
+              </a:rPr>
+              <a:t> </a:t>
+            </a:r>
+            <a:r>
+              <a:rPr lang="en-US" b="1" dirty="0">
+                <a:latin typeface="Consolas" pitchFamily="49" charset="0"/>
+              </a:rPr>
+              <a:t>class</a:t>
+            </a:r>
+            <a:r>
+              <a:rPr lang="en-US" dirty="0">
+                <a:latin typeface="Consolas" pitchFamily="49" charset="0"/>
+              </a:rPr>
+              <a:t> Car </a:t>
+            </a:r>
+            <a:r>
+              <a:rPr lang="en-US" b="1" dirty="0">
+                <a:latin typeface="Consolas" pitchFamily="49" charset="0"/>
+              </a:rPr>
+              <a:t>implements</a:t>
+            </a:r>
+            <a:r>
+              <a:rPr lang="en-US" dirty="0">
+                <a:latin typeface="Consolas" pitchFamily="49" charset="0"/>
+              </a:rPr>
+              <a:t> Drivable {</a:t>
+            </a:r>
+            <a:br>
+              <a:rPr lang="en-US" dirty="0">
+                <a:latin typeface="Consolas" pitchFamily="49" charset="0"/>
+              </a:rPr>
+            </a:br>
+            <a:r>
+              <a:rPr lang="en-US" dirty="0">
+                <a:latin typeface="Consolas" pitchFamily="49" charset="0"/>
+              </a:rPr>
+              <a:t>	</a:t>
+            </a:r>
+            <a:r>
+              <a:rPr lang="en-US" dirty="0">
+                <a:highlight>
+                  <a:srgbClr val="FFFF00"/>
+                </a:highlight>
+                <a:latin typeface="Consolas" pitchFamily="49" charset="0"/>
+              </a:rPr>
+              <a:t>@Override</a:t>
+            </a:r>
+            <a:r>
+              <a:rPr lang="en-US" dirty="0">
+                <a:latin typeface="Consolas" pitchFamily="49" charset="0"/>
+              </a:rPr>
+              <a:t>	</a:t>
             </a:r>
           </a:p>
           <a:p>
@@ -16458,10 +16969,34 @@
               <a:defRPr/>
             </a:pPr>
             <a:r>
-              <a:rPr lang="en-US" sz="2400" dirty="0">
+              <a:rPr lang="en-US" dirty="0">
                 <a:latin typeface="Consolas" pitchFamily="49" charset="0"/>
               </a:rPr>
-              <a:t>	}</a:t>
+              <a:t>	</a:t>
+            </a:r>
+            <a:r>
+              <a:rPr lang="en-US" b="1" dirty="0">
+                <a:latin typeface="Consolas" pitchFamily="49" charset="0"/>
+              </a:rPr>
+              <a:t>public</a:t>
+            </a:r>
+            <a:r>
+              <a:rPr lang="en-US" dirty="0">
+                <a:latin typeface="Consolas" pitchFamily="49" charset="0"/>
+              </a:rPr>
+              <a:t> </a:t>
+            </a:r>
+            <a:r>
+              <a:rPr lang="en-US" b="1" dirty="0">
+                <a:latin typeface="Consolas" pitchFamily="49" charset="0"/>
+              </a:rPr>
+              <a:t>void</a:t>
+            </a:r>
+            <a:r>
+              <a:rPr lang="en-US" dirty="0">
+                <a:latin typeface="Consolas" pitchFamily="49" charset="0"/>
+              </a:rPr>
+              <a:t> turn(double direction) {</a:t>
             </a:r>
           </a:p>
           <a:p>
@@ -16469,10 +17004,10 @@
               <a:defRPr/>
             </a:pPr>
             <a:r>
-              <a:rPr lang="en-US" sz="2400" dirty="0">
+              <a:rPr lang="en-US" dirty="0">
                 <a:latin typeface="Consolas" pitchFamily="49" charset="0"/>
               </a:rPr>
-              <a:t>	@Override	</a:t>
+              <a:t>	... // this captures the 'how it does it'</a:t>
             </a:r>
           </a:p>
           <a:p>
@@ -16480,34 +17015,10 @@
               <a:defRPr/>
             </a:pPr>
             <a:r>
-              <a:rPr lang="en-US" sz="2400" dirty="0">
+              <a:rPr lang="en-US" dirty="0">
                 <a:latin typeface="Consolas" pitchFamily="49" charset="0"/>
               </a:rPr>
-              <a:t>	</a:t>
-            </a:r>
-            <a:r>
-              <a:rPr lang="en-US" sz="2400" b="1" dirty="0">
-                <a:latin typeface="Consolas" pitchFamily="49" charset="0"/>
-              </a:rPr>
-              <a:t>public</a:t>
-            </a:r>
-            <a:r>
-              <a:rPr lang="en-US" sz="2400" dirty="0">
-                <a:latin typeface="Consolas" pitchFamily="49" charset="0"/>
-              </a:rPr>
-              <a:t> </a:t>
-            </a:r>
-            <a:r>
-              <a:rPr lang="en-US" sz="2400" b="1" dirty="0">
-                <a:latin typeface="Consolas" pitchFamily="49" charset="0"/>
-              </a:rPr>
-              <a:t>void</a:t>
-            </a:r>
-            <a:r>
-              <a:rPr lang="en-US" sz="2400" dirty="0">
-                <a:latin typeface="Consolas" pitchFamily="49" charset="0"/>
-              </a:rPr>
-              <a:t> accelerate(double force) {</a:t>
+              <a:t>	}</a:t>
             </a:r>
           </a:p>
           <a:p>
@@ -16515,10 +17026,25 @@
               <a:defRPr/>
             </a:pPr>
             <a:r>
-              <a:rPr lang="en-US" sz="2400" dirty="0">
+              <a:rPr lang="en-US" dirty="0">
                 <a:latin typeface="Consolas" pitchFamily="49" charset="0"/>
               </a:rPr>
-              <a:t>		...</a:t>
+              <a:t>	</a:t>
+            </a:r>
+            <a:r>
+              <a:rPr lang="en-US" dirty="0">
+                <a:highlight>
+                  <a:srgbClr val="FFFF00"/>
+                </a:highlight>
+                <a:latin typeface="Consolas" pitchFamily="49" charset="0"/>
+              </a:rPr>
+              <a:t>@Override</a:t>
+            </a:r>
+            <a:r>
+              <a:rPr lang="en-US" dirty="0">
+                <a:latin typeface="Consolas" pitchFamily="49" charset="0"/>
+              </a:rPr>
+              <a:t>	</a:t>
             </a:r>
           </a:p>
           <a:p>
@@ -16526,18 +17052,64 @@
               <a:defRPr/>
             </a:pPr>
             <a:r>
-              <a:rPr lang="en-US" sz="2400" dirty="0">
+              <a:rPr lang="en-US" dirty="0">
                 <a:latin typeface="Consolas" pitchFamily="49" charset="0"/>
               </a:rPr>
+              <a:t>	</a:t>
+            </a:r>
+            <a:r>
+              <a:rPr lang="en-US" b="1" dirty="0">
+                <a:latin typeface="Consolas" pitchFamily="49" charset="0"/>
+              </a:rPr>
+              <a:t>public</a:t>
+            </a:r>
+            <a:r>
+              <a:rPr lang="en-US" dirty="0">
+                <a:latin typeface="Consolas" pitchFamily="49" charset="0"/>
+              </a:rPr>
+              <a:t> </a:t>
+            </a:r>
+            <a:r>
+              <a:rPr lang="en-US" b="1" dirty="0">
+                <a:latin typeface="Consolas" pitchFamily="49" charset="0"/>
+              </a:rPr>
+              <a:t>void</a:t>
+            </a:r>
+            <a:r>
+              <a:rPr lang="en-US" dirty="0">
+                <a:latin typeface="Consolas" pitchFamily="49" charset="0"/>
+              </a:rPr>
+              <a:t> accelerate(double force) {</a:t>
+            </a:r>
+          </a:p>
+          <a:p>
+            <a:pPr>
+              <a:defRPr/>
+            </a:pPr>
+            <a:r>
+              <a:rPr lang="en-US" dirty="0">
+                <a:latin typeface="Consolas" pitchFamily="49" charset="0"/>
+              </a:rPr>
+              <a:t>	 ... // this captures the 'how it does it'</a:t>
+            </a:r>
+          </a:p>
+          <a:p>
+            <a:pPr>
+              <a:defRPr/>
+            </a:pPr>
+            <a:r>
+              <a:rPr lang="en-US" dirty="0">
+                <a:latin typeface="Consolas" pitchFamily="49" charset="0"/>
+              </a:rPr>
               <a:t>	}</a:t>
             </a:r>
             <a:br>
-              <a:rPr lang="en-US" sz="2400" dirty="0">
+              <a:rPr lang="en-US" dirty="0">
                 <a:latin typeface="Consolas" pitchFamily="49" charset="0"/>
               </a:rPr>
             </a:br>
             <a:r>
-              <a:rPr lang="en-US" sz="2400" dirty="0">
+              <a:rPr lang="en-US" dirty="0">
                 <a:latin typeface="Consolas" pitchFamily="49" charset="0"/>
               </a:rPr>
               <a:t>}</a:t>
@@ -16545,198 +17117,46 @@
           </a:p>
         </p:txBody>
       </p:sp>
-      <p:sp>
-        <p:nvSpPr>
-          <p:cNvPr id="11" name="Title 3">
+      <p:pic>
+        <p:nvPicPr>
+          <p:cNvPr id="3" name="Picture 2" descr="Graphical user interface, text, application, email&#10;&#10;Description automatically generated">
             <a:extLst>
               <a:ext uri="{FF2B5EF4-FFF2-40B4-BE49-F238E27FC236}">
-                <a16:creationId xmlns:a16="http://schemas.microsoft.com/office/drawing/2014/main" id="{4375B2BC-0D3A-3E42-8FA8-353BB615BF01}"/>
+                <a16:creationId xmlns:a16="http://schemas.microsoft.com/office/drawing/2014/main" id="{173A4CED-F26A-AE4C-A40E-11F2ACA0F098}"/>
               </a:ext>
             </a:extLst>
           </p:cNvPr>
-          <p:cNvSpPr txBox="1">
-            <a:spLocks/>
-          </p:cNvSpPr>
+          <p:cNvPicPr>
+            <a:picLocks noChangeAspect="1"/>
+          </p:cNvPicPr>
           <p:nvPr/>
-        </p:nvSpPr>
+        </p:nvPicPr>
+        <p:blipFill>
+          <a:blip r:embed="rId4">
+            <a:extLst>
+              <a:ext uri="{28A0092B-C50C-407E-A947-70E740481C1C}">
+                <a14:useLocalDpi xmlns:a14="http://schemas.microsoft.com/office/drawing/2010/main" val="0"/>
+              </a:ext>
+            </a:extLst>
+          </a:blip>
+          <a:stretch>
+            <a:fillRect/>
+          </a:stretch>
+        </p:blipFill>
         <p:spPr>
           <a:xfrm>
-            <a:off x="457200" y="19050"/>
-            <a:ext cx="8229600" cy="1143000"/>
+            <a:off x="228600" y="914400"/>
+            <a:ext cx="8696526" cy="2133600"/>
           </a:xfrm>
           <a:prstGeom prst="rect">
             <a:avLst/>
           </a:prstGeom>
         </p:spPr>
-        <p:txBody>
-          <a:bodyPr vert="horz" lIns="91440" tIns="45720" rIns="91440" bIns="45720" rtlCol="0" anchor="ctr">
-            <a:normAutofit/>
-          </a:bodyPr>
-          <a:lstStyle>
-            <a:lvl1pPr algn="ctr" defTabSz="914400" rtl="0" eaLnBrk="1" latinLnBrk="0" hangingPunct="1">
-              <a:spcBef>
-                <a:spcPct val="0"/>
-              </a:spcBef>
-              <a:buNone/>
-              <a:defRPr sz="4400" kern="1200">
-                <a:solidFill>
-                  <a:schemeClr val="tx1"/>
-                </a:solidFill>
-                <a:latin typeface="+mj-lt"/>
-                <a:ea typeface="+mj-ea"/>
-                <a:cs typeface="+mj-cs"/>
-              </a:defRPr>
-            </a:lvl1pPr>
-          </a:lstStyle>
-          <a:p>
-            <a:pPr fontAlgn="auto">
-              <a:spcAft>
-                <a:spcPts val="0"/>
-              </a:spcAft>
-              <a:defRPr/>
-            </a:pPr>
-            <a:r>
-              <a:rPr lang="en-US" dirty="0"/>
-              <a:t>Notation: In Code – Example 2</a:t>
-            </a:r>
-          </a:p>
-        </p:txBody>
-      </p:sp>
-      <p:sp>
-        <p:nvSpPr>
-          <p:cNvPr id="12" name="Rectangle 11">
-            <a:extLst>
-              <a:ext uri="{FF2B5EF4-FFF2-40B4-BE49-F238E27FC236}">
-                <a16:creationId xmlns:a16="http://schemas.microsoft.com/office/drawing/2014/main" id="{50685E5E-2A8B-4849-8C0A-6DB67DB73C5E}"/>
-              </a:ext>
-            </a:extLst>
-          </p:cNvPr>
-          <p:cNvSpPr/>
-          <p:nvPr/>
-        </p:nvSpPr>
-        <p:spPr>
-          <a:xfrm>
-            <a:off x="533400" y="990600"/>
-            <a:ext cx="7696200" cy="1569660"/>
-          </a:xfrm>
-          <a:prstGeom prst="rect">
-            <a:avLst/>
-          </a:prstGeom>
-          <a:ln w="19050">
-            <a:solidFill>
-              <a:schemeClr val="accent1"/>
-            </a:solidFill>
-          </a:ln>
-        </p:spPr>
-        <p:txBody>
-          <a:bodyPr>
-            <a:spAutoFit/>
-          </a:bodyPr>
-          <a:lstStyle/>
-          <a:p>
-            <a:pPr>
-              <a:defRPr/>
-            </a:pPr>
-            <a:r>
-              <a:rPr lang="en-US" sz="2400" b="1" dirty="0">
-                <a:latin typeface="Consolas" pitchFamily="49" charset="0"/>
-              </a:rPr>
-              <a:t>public</a:t>
-            </a:r>
-            <a:r>
-              <a:rPr lang="en-US" sz="2400" dirty="0">
-                <a:latin typeface="Consolas" pitchFamily="49" charset="0"/>
-              </a:rPr>
-              <a:t> </a:t>
-            </a:r>
-            <a:r>
-              <a:rPr lang="en-US" sz="2400" b="1" dirty="0">
-                <a:latin typeface="Consolas" pitchFamily="49" charset="0"/>
-              </a:rPr>
-              <a:t>interface</a:t>
-            </a:r>
-            <a:r>
-              <a:rPr lang="en-US" sz="2400" dirty="0">
-                <a:latin typeface="Consolas" pitchFamily="49" charset="0"/>
-              </a:rPr>
-              <a:t> Drivable {</a:t>
-            </a:r>
-          </a:p>
-          <a:p>
-            <a:pPr>
-              <a:defRPr/>
-            </a:pPr>
-            <a:r>
-              <a:rPr lang="en-US" sz="2400" dirty="0">
-                <a:latin typeface="Consolas" pitchFamily="49" charset="0"/>
-              </a:rPr>
-              <a:t>	</a:t>
-            </a:r>
-            <a:r>
-              <a:rPr lang="en-US" sz="2400" b="1" dirty="0">
-                <a:latin typeface="Consolas" pitchFamily="49" charset="0"/>
-              </a:rPr>
-              <a:t>void</a:t>
-            </a:r>
-            <a:r>
-              <a:rPr lang="en-US" sz="2400" dirty="0">
-                <a:latin typeface="Consolas" pitchFamily="49" charset="0"/>
-              </a:rPr>
-              <a:t> turn(double </a:t>
-            </a:r>
-            <a:r>
-              <a:rPr lang="en-US" sz="2400" dirty="0" err="1">
-                <a:latin typeface="Consolas" pitchFamily="49" charset="0"/>
-              </a:rPr>
-              <a:t>dir</a:t>
-            </a:r>
-            <a:r>
-              <a:rPr lang="en-US" sz="2400" dirty="0">
-                <a:latin typeface="Consolas" pitchFamily="49" charset="0"/>
-              </a:rPr>
-              <a:t>);</a:t>
-            </a:r>
-          </a:p>
-          <a:p>
-            <a:pPr>
-              <a:defRPr/>
-            </a:pPr>
-            <a:r>
-              <a:rPr lang="en-US" sz="2400" dirty="0">
-                <a:latin typeface="Consolas" pitchFamily="49" charset="0"/>
-              </a:rPr>
-              <a:t>	</a:t>
-            </a:r>
-            <a:r>
-              <a:rPr lang="en-US" sz="2400" b="1" dirty="0">
-                <a:latin typeface="Consolas" pitchFamily="49" charset="0"/>
-              </a:rPr>
-              <a:t>void</a:t>
-            </a:r>
-            <a:r>
-              <a:rPr lang="en-US" sz="2400" dirty="0">
-                <a:latin typeface="Consolas" pitchFamily="49" charset="0"/>
-              </a:rPr>
-              <a:t> accelerate(double force);</a:t>
-            </a:r>
-          </a:p>
-          <a:p>
-            <a:pPr>
-              <a:defRPr/>
-            </a:pPr>
-            <a:r>
-              <a:rPr lang="en-US" sz="2400" dirty="0">
-                <a:latin typeface="Consolas" pitchFamily="49" charset="0"/>
-              </a:rPr>
-              <a:t>}  // this describes the 'what it does'</a:t>
-            </a:r>
-          </a:p>
-        </p:txBody>
-      </p:sp>
+      </p:pic>
     </p:spTree>
     <p:extLst>
       <p:ext uri="{BB962C8B-B14F-4D97-AF65-F5344CB8AC3E}">
-        <p14:creationId xmlns:p14="http://schemas.microsoft.com/office/powerpoint/2010/main" val="413286064"/>
+        <p14:creationId xmlns:p14="http://schemas.microsoft.com/office/powerpoint/2010/main" val="3019227664"/>
       </p:ext>
     </p:extLst>
   </p:cSld>
@@ -16765,39 +17185,6 @@
       </p:grpSpPr>
       <p:sp>
         <p:nvSpPr>
-          <p:cNvPr id="4" name="Title 3"/>
-          <p:cNvSpPr>
-            <a:spLocks noGrp="1"/>
-          </p:cNvSpPr>
-          <p:nvPr>
-            <p:ph type="title"/>
-          </p:nvPr>
-        </p:nvSpPr>
-        <p:spPr>
-          <a:xfrm>
-            <a:off x="457200" y="30480"/>
-            <a:ext cx="8229600" cy="1143000"/>
-          </a:xfrm>
-        </p:spPr>
-        <p:txBody>
-          <a:bodyPr/>
-          <a:lstStyle/>
-          <a:p>
-            <a:pPr fontAlgn="auto">
-              <a:spcAft>
-                <a:spcPts val="0"/>
-              </a:spcAft>
-              <a:defRPr/>
-            </a:pPr>
-            <a:r>
-              <a:rPr lang="en-US" dirty="0"/>
-              <a:t>Notation: In Code – Example 3</a:t>
-            </a:r>
-          </a:p>
-        </p:txBody>
-      </p:sp>
-      <p:sp>
-        <p:nvSpPr>
           <p:cNvPr id="7" name="Rectangle 6"/>
           <p:cNvSpPr/>
           <p:nvPr/>
@@ -16847,7 +17234,7 @@
               <a:rPr lang="en-US" sz="2400" dirty="0">
                 <a:latin typeface="Consolas" pitchFamily="49" charset="0"/>
               </a:rPr>
-              <a:t> Hovercraft </a:t>
+              <a:t> Truck </a:t>
             </a:r>
             <a:r>
               <a:rPr lang="en-US" sz="2400" b="1" dirty="0">
@@ -17013,10 +17400,67 @@
       </p:sp>
       <p:sp>
         <p:nvSpPr>
-          <p:cNvPr id="8" name="Rectangle 7">
+          <p:cNvPr id="11" name="Title 3">
             <a:extLst>
               <a:ext uri="{FF2B5EF4-FFF2-40B4-BE49-F238E27FC236}">
-                <a16:creationId xmlns:a16="http://schemas.microsoft.com/office/drawing/2014/main" id="{41000EC9-45DA-AE40-BFC4-49B6CF2DF3F7}"/>
+                <a16:creationId xmlns:a16="http://schemas.microsoft.com/office/drawing/2014/main" id="{4375B2BC-0D3A-3E42-8FA8-353BB615BF01}"/>
+              </a:ext>
+            </a:extLst>
+          </p:cNvPr>
+          <p:cNvSpPr txBox="1">
+            <a:spLocks/>
+          </p:cNvSpPr>
+          <p:nvPr/>
+        </p:nvSpPr>
+        <p:spPr>
+          <a:xfrm>
+            <a:off x="457200" y="19050"/>
+            <a:ext cx="8229600" cy="1143000"/>
+          </a:xfrm>
+          <a:prstGeom prst="rect">
+            <a:avLst/>
+          </a:prstGeom>
+        </p:spPr>
+        <p:txBody>
+          <a:bodyPr vert="horz" lIns="91440" tIns="45720" rIns="91440" bIns="45720" rtlCol="0" anchor="ctr">
+            <a:normAutofit/>
+          </a:bodyPr>
+          <a:lstStyle>
+            <a:lvl1pPr algn="ctr" defTabSz="914400" rtl="0" eaLnBrk="1" latinLnBrk="0" hangingPunct="1">
+              <a:spcBef>
+                <a:spcPct val="0"/>
+              </a:spcBef>
+              <a:buNone/>
+              <a:defRPr sz="4400" kern="1200">
+                <a:solidFill>
+                  <a:schemeClr val="tx1"/>
+                </a:solidFill>
+                <a:latin typeface="+mj-lt"/>
+                <a:ea typeface="+mj-ea"/>
+                <a:cs typeface="+mj-cs"/>
+              </a:defRPr>
+            </a:lvl1pPr>
+          </a:lstStyle>
+          <a:p>
+            <a:pPr fontAlgn="auto">
+              <a:spcAft>
+                <a:spcPts val="0"/>
+              </a:spcAft>
+              <a:defRPr/>
+            </a:pPr>
+            <a:r>
+              <a:rPr lang="en-US" dirty="0"/>
+              <a:t>Notation: In Code – Example 2</a:t>
+            </a:r>
+          </a:p>
+        </p:txBody>
+      </p:sp>
+      <p:sp>
+        <p:nvSpPr>
+          <p:cNvPr id="12" name="Rectangle 11">
+            <a:extLst>
+              <a:ext uri="{FF2B5EF4-FFF2-40B4-BE49-F238E27FC236}">
+                <a16:creationId xmlns:a16="http://schemas.microsoft.com/office/drawing/2014/main" id="{50685E5E-2A8B-4849-8C0A-6DB67DB73C5E}"/>
               </a:ext>
             </a:extLst>
           </p:cNvPr>
@@ -17145,7 +17589,7 @@
     </p:spTree>
     <p:extLst>
       <p:ext uri="{BB962C8B-B14F-4D97-AF65-F5344CB8AC3E}">
-        <p14:creationId xmlns:p14="http://schemas.microsoft.com/office/powerpoint/2010/main" val="4023042757"/>
+        <p14:creationId xmlns:p14="http://schemas.microsoft.com/office/powerpoint/2010/main" val="413286064"/>
       </p:ext>
     </p:extLst>
   </p:cSld>
@@ -17174,7 +17618,7 @@
       </p:grpSpPr>
       <p:sp>
         <p:nvSpPr>
-          <p:cNvPr id="2" name="Title 1"/>
+          <p:cNvPr id="4" name="Title 3"/>
           <p:cNvSpPr>
             <a:spLocks noGrp="1"/>
           </p:cNvSpPr>
@@ -17182,97 +17626,371 @@
             <p:ph type="title"/>
           </p:nvPr>
         </p:nvSpPr>
-        <p:spPr/>
+        <p:spPr>
+          <a:xfrm>
+            <a:off x="457200" y="30480"/>
+            <a:ext cx="8229600" cy="1143000"/>
+          </a:xfrm>
+        </p:spPr>
         <p:txBody>
           <a:bodyPr/>
           <a:lstStyle/>
           <a:p>
+            <a:pPr fontAlgn="auto">
+              <a:spcAft>
+                <a:spcPts val="0"/>
+              </a:spcAft>
+              <a:defRPr/>
+            </a:pPr>
             <a:r>
               <a:rPr lang="en-US" dirty="0"/>
-              <a:t>Why?</a:t>
-            </a:r>
-          </a:p>
-        </p:txBody>
-      </p:sp>
-      <p:sp>
-        <p:nvSpPr>
-          <p:cNvPr id="3" name="Content Placeholder 2"/>
-          <p:cNvSpPr>
-            <a:spLocks noGrp="1"/>
-          </p:cNvSpPr>
-          <p:nvPr>
-            <p:ph idx="1"/>
-          </p:nvPr>
-        </p:nvSpPr>
-        <p:spPr/>
-        <p:txBody>
-          <a:bodyPr/>
-          <a:lstStyle/>
-          <a:p>
-            <a:pPr>
-              <a:defRPr/>
-            </a:pPr>
-            <a:r>
-              <a:rPr lang="en-US" dirty="0"/>
-              <a:t>Interfaces help to </a:t>
-            </a:r>
-            <a:r>
-              <a:rPr lang="en-US" b="1" dirty="0"/>
-              <a:t>reduce coupling </a:t>
-            </a:r>
-            <a:r>
-              <a:rPr lang="en-US" dirty="0"/>
-              <a:t>by having a client program coupled to the interface, not directly to a specific implementation</a:t>
-            </a:r>
-          </a:p>
-          <a:p>
-            <a:r>
-              <a:rPr lang="en-US" dirty="0"/>
-              <a:t>Similarity among classes that implement the interface is Java compiler enforced</a:t>
-            </a:r>
-          </a:p>
-        </p:txBody>
-      </p:sp>
-      <p:sp>
-        <p:nvSpPr>
-          <p:cNvPr id="4" name="TextBox 3"/>
-          <p:cNvSpPr txBox="1"/>
+              <a:t>Notation: In Code – Example 3</a:t>
+            </a:r>
+          </a:p>
+        </p:txBody>
+      </p:sp>
+      <p:sp>
+        <p:nvSpPr>
+          <p:cNvPr id="7" name="Rectangle 6"/>
+          <p:cNvSpPr/>
           <p:nvPr/>
         </p:nvSpPr>
         <p:spPr>
           <a:xfrm>
-            <a:off x="8382224" y="6324600"/>
-            <a:ext cx="457176" cy="369332"/>
+            <a:off x="482600" y="2772985"/>
+            <a:ext cx="8458200" cy="3785652"/>
           </a:xfrm>
           <a:prstGeom prst="rect">
             <a:avLst/>
           </a:prstGeom>
+          <a:ln w="19050">
+            <a:solidFill>
+              <a:schemeClr val="accent1"/>
+            </a:solidFill>
+          </a:ln>
         </p:spPr>
-        <p:style>
-          <a:lnRef idx="2">
-            <a:schemeClr val="accent3">
-              <a:shade val="50000"/>
-            </a:schemeClr>
-          </a:lnRef>
-          <a:fillRef idx="1">
-            <a:schemeClr val="accent3"/>
-          </a:fillRef>
-          <a:effectRef idx="0">
-            <a:schemeClr val="accent3"/>
-          </a:effectRef>
-          <a:fontRef idx="minor">
-            <a:schemeClr val="lt1"/>
-          </a:fontRef>
-        </p:style>
-        <p:txBody>
-          <a:bodyPr wrap="none" rtlCol="0">
+        <p:txBody>
+          <a:bodyPr>
             <a:spAutoFit/>
           </a:bodyPr>
           <a:lstStyle/>
           <a:p>
-            <a:r>
-              <a:rPr lang="en-US" dirty="0"/>
-              <a:t>Q1</a:t>
+            <a:pPr>
+              <a:defRPr/>
+            </a:pPr>
+            <a:r>
+              <a:rPr lang="en-US" sz="2400" b="1" dirty="0">
+                <a:latin typeface="Consolas" pitchFamily="49" charset="0"/>
+              </a:rPr>
+              <a:t>public</a:t>
+            </a:r>
+            <a:r>
+              <a:rPr lang="en-US" sz="2400" dirty="0">
+                <a:latin typeface="Consolas" pitchFamily="49" charset="0"/>
+              </a:rPr>
+              <a:t> </a:t>
+            </a:r>
+            <a:r>
+              <a:rPr lang="en-US" sz="2400" b="1" dirty="0">
+                <a:latin typeface="Consolas" pitchFamily="49" charset="0"/>
+              </a:rPr>
+              <a:t>class</a:t>
+            </a:r>
+            <a:r>
+              <a:rPr lang="en-US" sz="2400" dirty="0">
+                <a:latin typeface="Consolas" pitchFamily="49" charset="0"/>
+              </a:rPr>
+              <a:t> Hovercraft </a:t>
+            </a:r>
+            <a:r>
+              <a:rPr lang="en-US" sz="2400" b="1" dirty="0">
+                <a:latin typeface="Consolas" pitchFamily="49" charset="0"/>
+              </a:rPr>
+              <a:t>implements</a:t>
+            </a:r>
+            <a:r>
+              <a:rPr lang="en-US" sz="2400" dirty="0">
+                <a:latin typeface="Consolas" pitchFamily="49" charset="0"/>
+              </a:rPr>
+              <a:t> Drivable {</a:t>
+            </a:r>
+            <a:br>
+              <a:rPr lang="en-US" sz="2400" dirty="0">
+                <a:latin typeface="Consolas" pitchFamily="49" charset="0"/>
+              </a:rPr>
+            </a:br>
+            <a:r>
+              <a:rPr lang="en-US" sz="2400" dirty="0">
+                <a:latin typeface="Consolas" pitchFamily="49" charset="0"/>
+              </a:rPr>
+              <a:t>	@Override	</a:t>
+            </a:r>
+          </a:p>
+          <a:p>
+            <a:pPr>
+              <a:defRPr/>
+            </a:pPr>
+            <a:r>
+              <a:rPr lang="en-US" sz="2400" dirty="0">
+                <a:latin typeface="Consolas" pitchFamily="49" charset="0"/>
+              </a:rPr>
+              <a:t>	</a:t>
+            </a:r>
+            <a:r>
+              <a:rPr lang="en-US" sz="2400" b="1" dirty="0">
+                <a:latin typeface="Consolas" pitchFamily="49" charset="0"/>
+              </a:rPr>
+              <a:t>public</a:t>
+            </a:r>
+            <a:r>
+              <a:rPr lang="en-US" sz="2400" dirty="0">
+                <a:latin typeface="Consolas" pitchFamily="49" charset="0"/>
+              </a:rPr>
+              <a:t> </a:t>
+            </a:r>
+            <a:r>
+              <a:rPr lang="en-US" sz="2400" b="1" dirty="0">
+                <a:latin typeface="Consolas" pitchFamily="49" charset="0"/>
+              </a:rPr>
+              <a:t>void</a:t>
+            </a:r>
+            <a:r>
+              <a:rPr lang="en-US" sz="2400" dirty="0">
+                <a:latin typeface="Consolas" pitchFamily="49" charset="0"/>
+              </a:rPr>
+              <a:t> turn(double direction) {</a:t>
+            </a:r>
+          </a:p>
+          <a:p>
+            <a:pPr>
+              <a:defRPr/>
+            </a:pPr>
+            <a:r>
+              <a:rPr lang="en-US" sz="2400" dirty="0">
+                <a:latin typeface="Consolas" pitchFamily="49" charset="0"/>
+              </a:rPr>
+              <a:t>		...</a:t>
+            </a:r>
+          </a:p>
+          <a:p>
+            <a:pPr>
+              <a:defRPr/>
+            </a:pPr>
+            <a:r>
+              <a:rPr lang="en-US" sz="2400" dirty="0">
+                <a:latin typeface="Consolas" pitchFamily="49" charset="0"/>
+              </a:rPr>
+              <a:t>	}</a:t>
+            </a:r>
+          </a:p>
+          <a:p>
+            <a:pPr>
+              <a:defRPr/>
+            </a:pPr>
+            <a:r>
+              <a:rPr lang="en-US" sz="2400" dirty="0">
+                <a:latin typeface="Consolas" pitchFamily="49" charset="0"/>
+              </a:rPr>
+              <a:t>	@Override	</a:t>
+            </a:r>
+          </a:p>
+          <a:p>
+            <a:pPr>
+              <a:defRPr/>
+            </a:pPr>
+            <a:r>
+              <a:rPr lang="en-US" sz="2400" dirty="0">
+                <a:latin typeface="Consolas" pitchFamily="49" charset="0"/>
+              </a:rPr>
+              <a:t>	</a:t>
+            </a:r>
+            <a:r>
+              <a:rPr lang="en-US" sz="2400" b="1" dirty="0">
+                <a:latin typeface="Consolas" pitchFamily="49" charset="0"/>
+              </a:rPr>
+              <a:t>public</a:t>
+            </a:r>
+            <a:r>
+              <a:rPr lang="en-US" sz="2400" dirty="0">
+                <a:latin typeface="Consolas" pitchFamily="49" charset="0"/>
+              </a:rPr>
+              <a:t> </a:t>
+            </a:r>
+            <a:r>
+              <a:rPr lang="en-US" sz="2400" b="1" dirty="0">
+                <a:latin typeface="Consolas" pitchFamily="49" charset="0"/>
+              </a:rPr>
+              <a:t>void</a:t>
+            </a:r>
+            <a:r>
+              <a:rPr lang="en-US" sz="2400" dirty="0">
+                <a:latin typeface="Consolas" pitchFamily="49" charset="0"/>
+              </a:rPr>
+              <a:t> accelerate(double force) {</a:t>
+            </a:r>
+          </a:p>
+          <a:p>
+            <a:pPr>
+              <a:defRPr/>
+            </a:pPr>
+            <a:r>
+              <a:rPr lang="en-US" sz="2400" dirty="0">
+                <a:latin typeface="Consolas" pitchFamily="49" charset="0"/>
+              </a:rPr>
+              <a:t>		...</a:t>
+            </a:r>
+          </a:p>
+          <a:p>
+            <a:pPr>
+              <a:defRPr/>
+            </a:pPr>
+            <a:r>
+              <a:rPr lang="en-US" sz="2400" dirty="0">
+                <a:latin typeface="Consolas" pitchFamily="49" charset="0"/>
+              </a:rPr>
+              <a:t>	}</a:t>
+            </a:r>
+            <a:br>
+              <a:rPr lang="en-US" sz="2400" dirty="0">
+                <a:latin typeface="Consolas" pitchFamily="49" charset="0"/>
+              </a:rPr>
+            </a:br>
+            <a:r>
+              <a:rPr lang="en-US" sz="2400" dirty="0">
+                <a:latin typeface="Consolas" pitchFamily="49" charset="0"/>
+              </a:rPr>
+              <a:t>}</a:t>
+            </a:r>
+          </a:p>
+        </p:txBody>
+      </p:sp>
+      <p:sp>
+        <p:nvSpPr>
+          <p:cNvPr id="8" name="Rectangle 7">
+            <a:extLst>
+              <a:ext uri="{FF2B5EF4-FFF2-40B4-BE49-F238E27FC236}">
+                <a16:creationId xmlns:a16="http://schemas.microsoft.com/office/drawing/2014/main" id="{41000EC9-45DA-AE40-BFC4-49B6CF2DF3F7}"/>
+              </a:ext>
+            </a:extLst>
+          </p:cNvPr>
+          <p:cNvSpPr/>
+          <p:nvPr/>
+        </p:nvSpPr>
+        <p:spPr>
+          <a:xfrm>
+            <a:off x="533400" y="990600"/>
+            <a:ext cx="7696200" cy="1569660"/>
+          </a:xfrm>
+          <a:prstGeom prst="rect">
+            <a:avLst/>
+          </a:prstGeom>
+          <a:ln w="19050">
+            <a:solidFill>
+              <a:schemeClr val="accent1"/>
+            </a:solidFill>
+          </a:ln>
+        </p:spPr>
+        <p:txBody>
+          <a:bodyPr>
+            <a:spAutoFit/>
+          </a:bodyPr>
+          <a:lstStyle/>
+          <a:p>
+            <a:pPr>
+              <a:defRPr/>
+            </a:pPr>
+            <a:r>
+              <a:rPr lang="en-US" sz="2400" b="1" dirty="0">
+                <a:latin typeface="Consolas" pitchFamily="49" charset="0"/>
+              </a:rPr>
+              <a:t>public</a:t>
+            </a:r>
+            <a:r>
+              <a:rPr lang="en-US" sz="2400" dirty="0">
+                <a:latin typeface="Consolas" pitchFamily="49" charset="0"/>
+              </a:rPr>
+              <a:t> </a:t>
+            </a:r>
+            <a:r>
+              <a:rPr lang="en-US" sz="2400" b="1" dirty="0">
+                <a:latin typeface="Consolas" pitchFamily="49" charset="0"/>
+              </a:rPr>
+              <a:t>interface</a:t>
+            </a:r>
+            <a:r>
+              <a:rPr lang="en-US" sz="2400" dirty="0">
+                <a:latin typeface="Consolas" pitchFamily="49" charset="0"/>
+              </a:rPr>
+              <a:t> Drivable {</a:t>
+            </a:r>
+          </a:p>
+          <a:p>
+            <a:pPr>
+              <a:defRPr/>
+            </a:pPr>
+            <a:r>
+              <a:rPr lang="en-US" sz="2400" dirty="0">
+                <a:latin typeface="Consolas" pitchFamily="49" charset="0"/>
+              </a:rPr>
+              <a:t>	</a:t>
+            </a:r>
+            <a:r>
+              <a:rPr lang="en-US" sz="2400" b="1" dirty="0">
+                <a:latin typeface="Consolas" pitchFamily="49" charset="0"/>
+              </a:rPr>
+              <a:t>void</a:t>
+            </a:r>
+            <a:r>
+              <a:rPr lang="en-US" sz="2400" dirty="0">
+                <a:latin typeface="Consolas" pitchFamily="49" charset="0"/>
+              </a:rPr>
+              <a:t> turn(double </a:t>
+            </a:r>
+            <a:r>
+              <a:rPr lang="en-US" sz="2400" dirty="0" err="1">
+                <a:latin typeface="Consolas" pitchFamily="49" charset="0"/>
+              </a:rPr>
+              <a:t>dir</a:t>
+            </a:r>
+            <a:r>
+              <a:rPr lang="en-US" sz="2400" dirty="0">
+                <a:latin typeface="Consolas" pitchFamily="49" charset="0"/>
+              </a:rPr>
+              <a:t>);</a:t>
+            </a:r>
+          </a:p>
+          <a:p>
+            <a:pPr>
+              <a:defRPr/>
+            </a:pPr>
+            <a:r>
+              <a:rPr lang="en-US" sz="2400" dirty="0">
+                <a:latin typeface="Consolas" pitchFamily="49" charset="0"/>
+              </a:rPr>
+              <a:t>	</a:t>
+            </a:r>
+            <a:r>
+              <a:rPr lang="en-US" sz="2400" b="1" dirty="0">
+                <a:latin typeface="Consolas" pitchFamily="49" charset="0"/>
+              </a:rPr>
+              <a:t>void</a:t>
+            </a:r>
+            <a:r>
+              <a:rPr lang="en-US" sz="2400" dirty="0">
+                <a:latin typeface="Consolas" pitchFamily="49" charset="0"/>
+              </a:rPr>
+              <a:t> accelerate(double force);</a:t>
+            </a:r>
+          </a:p>
+          <a:p>
+            <a:pPr>
+              <a:defRPr/>
+            </a:pPr>
+            <a:r>
+              <a:rPr lang="en-US" sz="2400" dirty="0">
+                <a:latin typeface="Consolas" pitchFamily="49" charset="0"/>
+              </a:rPr>
+              <a:t>}  // this describes the 'what it does'</a:t>
             </a:r>
           </a:p>
         </p:txBody>
@@ -17280,7 +17998,7 @@
     </p:spTree>
     <p:extLst>
       <p:ext uri="{BB962C8B-B14F-4D97-AF65-F5344CB8AC3E}">
-        <p14:creationId xmlns:p14="http://schemas.microsoft.com/office/powerpoint/2010/main" val="1907500074"/>
+        <p14:creationId xmlns:p14="http://schemas.microsoft.com/office/powerpoint/2010/main" val="4023042757"/>
       </p:ext>
     </p:extLst>
   </p:cSld>
